--- a/投影片/4.實作-帳號註冊、登入網頁.pptx
+++ b/投影片/4.實作-帳號註冊、登入網頁.pptx
@@ -9,12 +9,20 @@
     <p:sldId id="259" r:id="rId3"/>
     <p:sldId id="266" r:id="rId4"/>
     <p:sldId id="267" r:id="rId5"/>
-    <p:sldId id="268" r:id="rId6"/>
-    <p:sldId id="269" r:id="rId7"/>
-    <p:sldId id="270" r:id="rId8"/>
-    <p:sldId id="271" r:id="rId9"/>
-    <p:sldId id="272" r:id="rId10"/>
-    <p:sldId id="273" r:id="rId11"/>
+    <p:sldId id="282" r:id="rId6"/>
+    <p:sldId id="275" r:id="rId7"/>
+    <p:sldId id="276" r:id="rId8"/>
+    <p:sldId id="277" r:id="rId9"/>
+    <p:sldId id="274" r:id="rId10"/>
+    <p:sldId id="287" r:id="rId11"/>
+    <p:sldId id="284" r:id="rId12"/>
+    <p:sldId id="285" r:id="rId13"/>
+    <p:sldId id="283" r:id="rId14"/>
+    <p:sldId id="286" r:id="rId15"/>
+    <p:sldId id="269" r:id="rId16"/>
+    <p:sldId id="270" r:id="rId17"/>
+    <p:sldId id="271" r:id="rId18"/>
+    <p:sldId id="272" r:id="rId19"/>
   </p:sldIdLst>
   <p:sldSz cx="12192000" cy="6858000"/>
   <p:notesSz cx="6858000" cy="9144000"/>
@@ -155,7 +163,7 @@
           <a:p>
             <a:fld id="{31CDE89B-FBD9-4E23-BEEB-B0C8819124B3}" type="datetimeFigureOut">
               <a:rPr lang="zh-TW" altLang="en-US" smtClean="0"/>
-              <a:t>2022/3/16</a:t>
+              <a:t>2022/3/23</a:t>
             </a:fld>
             <a:endParaRPr lang="zh-TW" altLang="en-US"/>
           </a:p>
@@ -3026,7 +3034,7 @@
           <a:p>
             <a:fld id="{31CDE89B-FBD9-4E23-BEEB-B0C8819124B3}" type="datetimeFigureOut">
               <a:rPr lang="zh-TW" altLang="en-US" smtClean="0"/>
-              <a:t>2022/3/16</a:t>
+              <a:t>2022/3/23</a:t>
             </a:fld>
             <a:endParaRPr lang="zh-TW" altLang="en-US"/>
           </a:p>
@@ -3218,7 +3226,7 @@
           <a:p>
             <a:fld id="{31CDE89B-FBD9-4E23-BEEB-B0C8819124B3}" type="datetimeFigureOut">
               <a:rPr lang="zh-TW" altLang="en-US" smtClean="0"/>
-              <a:t>2022/3/16</a:t>
+              <a:t>2022/3/23</a:t>
             </a:fld>
             <a:endParaRPr lang="zh-TW" altLang="en-US"/>
           </a:p>
@@ -3414,7 +3422,7 @@
           <a:p>
             <a:fld id="{31CDE89B-FBD9-4E23-BEEB-B0C8819124B3}" type="datetimeFigureOut">
               <a:rPr lang="zh-TW" altLang="en-US" smtClean="0"/>
-              <a:t>2022/3/16</a:t>
+              <a:t>2022/3/23</a:t>
             </a:fld>
             <a:endParaRPr lang="zh-TW" altLang="en-US"/>
           </a:p>
@@ -4510,7 +4518,7 @@
           <a:p>
             <a:fld id="{31CDE89B-FBD9-4E23-BEEB-B0C8819124B3}" type="datetimeFigureOut">
               <a:rPr lang="zh-TW" altLang="en-US" smtClean="0"/>
-              <a:t>2022/3/16</a:t>
+              <a:t>2022/3/23</a:t>
             </a:fld>
             <a:endParaRPr lang="zh-TW" altLang="en-US"/>
           </a:p>
@@ -4759,7 +4767,7 @@
           <a:p>
             <a:fld id="{31CDE89B-FBD9-4E23-BEEB-B0C8819124B3}" type="datetimeFigureOut">
               <a:rPr lang="zh-TW" altLang="en-US" smtClean="0"/>
-              <a:t>2022/3/16</a:t>
+              <a:t>2022/3/23</a:t>
             </a:fld>
             <a:endParaRPr lang="zh-TW" altLang="en-US"/>
           </a:p>
@@ -5138,7 +5146,7 @@
           <a:p>
             <a:fld id="{31CDE89B-FBD9-4E23-BEEB-B0C8819124B3}" type="datetimeFigureOut">
               <a:rPr lang="zh-TW" altLang="en-US" smtClean="0"/>
-              <a:t>2022/3/16</a:t>
+              <a:t>2022/3/23</a:t>
             </a:fld>
             <a:endParaRPr lang="zh-TW" altLang="en-US"/>
           </a:p>
@@ -5268,7 +5276,7 @@
           <a:p>
             <a:fld id="{31CDE89B-FBD9-4E23-BEEB-B0C8819124B3}" type="datetimeFigureOut">
               <a:rPr lang="zh-TW" altLang="en-US" smtClean="0"/>
-              <a:t>2022/3/16</a:t>
+              <a:t>2022/3/23</a:t>
             </a:fld>
             <a:endParaRPr lang="zh-TW" altLang="en-US"/>
           </a:p>
@@ -5375,7 +5383,7 @@
           <a:p>
             <a:fld id="{31CDE89B-FBD9-4E23-BEEB-B0C8819124B3}" type="datetimeFigureOut">
               <a:rPr lang="zh-TW" altLang="en-US" smtClean="0"/>
-              <a:t>2022/3/16</a:t>
+              <a:t>2022/3/23</a:t>
             </a:fld>
             <a:endParaRPr lang="zh-TW" altLang="en-US"/>
           </a:p>
@@ -5664,7 +5672,7 @@
           <a:p>
             <a:fld id="{31CDE89B-FBD9-4E23-BEEB-B0C8819124B3}" type="datetimeFigureOut">
               <a:rPr lang="zh-TW" altLang="en-US" smtClean="0"/>
-              <a:t>2022/3/16</a:t>
+              <a:t>2022/3/23</a:t>
             </a:fld>
             <a:endParaRPr lang="zh-TW" altLang="en-US"/>
           </a:p>
@@ -5929,7 +5937,7 @@
           <a:p>
             <a:fld id="{31CDE89B-FBD9-4E23-BEEB-B0C8819124B3}" type="datetimeFigureOut">
               <a:rPr lang="zh-TW" altLang="en-US" smtClean="0"/>
-              <a:t>2022/3/16</a:t>
+              <a:t>2022/3/23</a:t>
             </a:fld>
             <a:endParaRPr lang="zh-TW" altLang="en-US"/>
           </a:p>
@@ -6154,7 +6162,7 @@
           <a:p>
             <a:fld id="{31CDE89B-FBD9-4E23-BEEB-B0C8819124B3}" type="datetimeFigureOut">
               <a:rPr lang="zh-TW" altLang="en-US" smtClean="0"/>
-              <a:t>2022/3/16</a:t>
+              <a:t>2022/3/23</a:t>
             </a:fld>
             <a:endParaRPr lang="zh-TW" altLang="en-US"/>
           </a:p>
@@ -6620,7 +6628,6 @@
               <a:rPr lang="zh-TW" altLang="en-US" dirty="0"/>
               <a:t>帳號註冊、登入網頁</a:t>
             </a:r>
-            <a:endParaRPr lang="zh-TW" altLang="en-US" dirty="0"/>
           </a:p>
         </p:txBody>
       </p:sp>
@@ -6675,6 +6682,1570 @@
       </p:grpSpPr>
       <p:sp>
         <p:nvSpPr>
+          <p:cNvPr id="4" name="標題 3"/>
+          <p:cNvSpPr>
+            <a:spLocks noGrp="1"/>
+          </p:cNvSpPr>
+          <p:nvPr>
+            <p:ph type="title"/>
+          </p:nvPr>
+        </p:nvSpPr>
+        <p:spPr/>
+        <p:txBody>
+          <a:bodyPr>
+            <a:normAutofit/>
+          </a:bodyPr>
+          <a:lstStyle/>
+          <a:p>
+            <a:r>
+              <a:rPr lang="zh-TW" altLang="en-US" dirty="0" smtClean="0"/>
+              <a:t>關於我們</a:t>
+            </a:r>
+            <a:endParaRPr lang="zh-TW" altLang="en-US" dirty="0"/>
+          </a:p>
+        </p:txBody>
+      </p:sp>
+      <p:sp>
+        <p:nvSpPr>
+          <p:cNvPr id="20" name="矩形 19"/>
+          <p:cNvSpPr/>
+          <p:nvPr/>
+        </p:nvSpPr>
+        <p:spPr>
+          <a:xfrm>
+            <a:off x="2735536" y="2020644"/>
+            <a:ext cx="6312877" cy="3175609"/>
+          </a:xfrm>
+          <a:prstGeom prst="rect">
+            <a:avLst/>
+          </a:prstGeom>
+          <a:solidFill>
+            <a:schemeClr val="accent2"/>
+          </a:solidFill>
+          <a:ln w="28575">
+            <a:solidFill>
+              <a:schemeClr val="tx1"/>
+            </a:solidFill>
+          </a:ln>
+        </p:spPr>
+        <p:style>
+          <a:lnRef idx="2">
+            <a:schemeClr val="accent1">
+              <a:shade val="50000"/>
+            </a:schemeClr>
+          </a:lnRef>
+          <a:fillRef idx="1">
+            <a:schemeClr val="accent1"/>
+          </a:fillRef>
+          <a:effectRef idx="0">
+            <a:schemeClr val="accent1"/>
+          </a:effectRef>
+          <a:fontRef idx="minor">
+            <a:schemeClr val="lt1"/>
+          </a:fontRef>
+        </p:style>
+        <p:txBody>
+          <a:bodyPr rtlCol="0" anchor="ctr"/>
+          <a:lstStyle/>
+          <a:p>
+            <a:pPr algn="ctr"/>
+            <a:endParaRPr lang="zh-TW" altLang="en-US"/>
+          </a:p>
+        </p:txBody>
+      </p:sp>
+      <p:sp>
+        <p:nvSpPr>
+          <p:cNvPr id="21" name="矩形 20"/>
+          <p:cNvSpPr/>
+          <p:nvPr/>
+        </p:nvSpPr>
+        <p:spPr>
+          <a:xfrm>
+            <a:off x="3485813" y="2416420"/>
+            <a:ext cx="4812322" cy="2464776"/>
+          </a:xfrm>
+          <a:prstGeom prst="rect">
+            <a:avLst/>
+          </a:prstGeom>
+          <a:solidFill>
+            <a:schemeClr val="accent6"/>
+          </a:solidFill>
+          <a:ln w="28575">
+            <a:solidFill>
+              <a:schemeClr val="tx1"/>
+            </a:solidFill>
+          </a:ln>
+        </p:spPr>
+        <p:style>
+          <a:lnRef idx="2">
+            <a:schemeClr val="accent1">
+              <a:shade val="50000"/>
+            </a:schemeClr>
+          </a:lnRef>
+          <a:fillRef idx="1">
+            <a:schemeClr val="accent1"/>
+          </a:fillRef>
+          <a:effectRef idx="0">
+            <a:schemeClr val="accent1"/>
+          </a:effectRef>
+          <a:fontRef idx="minor">
+            <a:schemeClr val="lt1"/>
+          </a:fontRef>
+        </p:style>
+        <p:txBody>
+          <a:bodyPr rtlCol="0" anchor="ctr"/>
+          <a:lstStyle/>
+          <a:p>
+            <a:pPr algn="ctr"/>
+            <a:endParaRPr lang="zh-TW" altLang="en-US"/>
+          </a:p>
+        </p:txBody>
+      </p:sp>
+      <p:sp>
+        <p:nvSpPr>
+          <p:cNvPr id="22" name="向右箭號 21"/>
+          <p:cNvSpPr/>
+          <p:nvPr/>
+        </p:nvSpPr>
+        <p:spPr>
+          <a:xfrm>
+            <a:off x="2155245" y="3789484"/>
+            <a:ext cx="955429" cy="465993"/>
+          </a:xfrm>
+          <a:prstGeom prst="rightArrow">
+            <a:avLst/>
+          </a:prstGeom>
+          <a:solidFill>
+            <a:schemeClr val="tx1"/>
+          </a:solidFill>
+          <a:ln>
+            <a:solidFill>
+              <a:schemeClr val="tx1"/>
+            </a:solidFill>
+          </a:ln>
+        </p:spPr>
+        <p:style>
+          <a:lnRef idx="2">
+            <a:schemeClr val="accent1">
+              <a:shade val="50000"/>
+            </a:schemeClr>
+          </a:lnRef>
+          <a:fillRef idx="1">
+            <a:schemeClr val="accent1"/>
+          </a:fillRef>
+          <a:effectRef idx="0">
+            <a:schemeClr val="accent1"/>
+          </a:effectRef>
+          <a:fontRef idx="minor">
+            <a:schemeClr val="lt1"/>
+          </a:fontRef>
+        </p:style>
+        <p:txBody>
+          <a:bodyPr rtlCol="0" anchor="ctr"/>
+          <a:lstStyle/>
+          <a:p>
+            <a:pPr algn="ctr"/>
+            <a:endParaRPr lang="zh-TW" altLang="en-US"/>
+          </a:p>
+        </p:txBody>
+      </p:sp>
+      <p:sp>
+        <p:nvSpPr>
+          <p:cNvPr id="23" name="矩形 22"/>
+          <p:cNvSpPr/>
+          <p:nvPr/>
+        </p:nvSpPr>
+        <p:spPr>
+          <a:xfrm>
+            <a:off x="662529" y="3866974"/>
+            <a:ext cx="1492716" cy="369332"/>
+          </a:xfrm>
+          <a:prstGeom prst="rect">
+            <a:avLst/>
+          </a:prstGeom>
+        </p:spPr>
+        <p:txBody>
+          <a:bodyPr wrap="none">
+            <a:spAutoFit/>
+          </a:bodyPr>
+          <a:lstStyle/>
+          <a:p>
+            <a:r>
+              <a:rPr lang="en-US" altLang="zh-TW" dirty="0"/>
+              <a:t>Master Page</a:t>
+            </a:r>
+            <a:endParaRPr lang="zh-TW" altLang="en-US" dirty="0"/>
+          </a:p>
+        </p:txBody>
+      </p:sp>
+      <p:sp>
+        <p:nvSpPr>
+          <p:cNvPr id="24" name="向右箭號 23"/>
+          <p:cNvSpPr/>
+          <p:nvPr/>
+        </p:nvSpPr>
+        <p:spPr>
+          <a:xfrm rot="10800000">
+            <a:off x="7984544" y="3415811"/>
+            <a:ext cx="1518871" cy="465993"/>
+          </a:xfrm>
+          <a:prstGeom prst="rightArrow">
+            <a:avLst/>
+          </a:prstGeom>
+          <a:solidFill>
+            <a:schemeClr val="tx1"/>
+          </a:solidFill>
+          <a:ln>
+            <a:solidFill>
+              <a:schemeClr val="tx1"/>
+            </a:solidFill>
+          </a:ln>
+        </p:spPr>
+        <p:style>
+          <a:lnRef idx="2">
+            <a:schemeClr val="accent1">
+              <a:shade val="50000"/>
+            </a:schemeClr>
+          </a:lnRef>
+          <a:fillRef idx="1">
+            <a:schemeClr val="accent1"/>
+          </a:fillRef>
+          <a:effectRef idx="0">
+            <a:schemeClr val="accent1"/>
+          </a:effectRef>
+          <a:fontRef idx="minor">
+            <a:schemeClr val="lt1"/>
+          </a:fontRef>
+        </p:style>
+        <p:txBody>
+          <a:bodyPr rtlCol="0" anchor="ctr"/>
+          <a:lstStyle/>
+          <a:p>
+            <a:pPr algn="ctr"/>
+            <a:endParaRPr lang="zh-TW" altLang="en-US"/>
+          </a:p>
+        </p:txBody>
+      </p:sp>
+      <p:sp>
+        <p:nvSpPr>
+          <p:cNvPr id="25" name="矩形 24"/>
+          <p:cNvSpPr/>
+          <p:nvPr/>
+        </p:nvSpPr>
+        <p:spPr>
+          <a:xfrm>
+            <a:off x="9610308" y="3455349"/>
+            <a:ext cx="1257717" cy="369332"/>
+          </a:xfrm>
+          <a:prstGeom prst="rect">
+            <a:avLst/>
+          </a:prstGeom>
+        </p:spPr>
+        <p:txBody>
+          <a:bodyPr wrap="none">
+            <a:spAutoFit/>
+          </a:bodyPr>
+          <a:lstStyle/>
+          <a:p>
+            <a:r>
+              <a:rPr lang="en-US" altLang="zh-TW" dirty="0" smtClean="0"/>
+              <a:t>Web </a:t>
+            </a:r>
+            <a:r>
+              <a:rPr lang="en-US" altLang="zh-TW" dirty="0"/>
+              <a:t>Page</a:t>
+            </a:r>
+            <a:endParaRPr lang="zh-TW" altLang="en-US" dirty="0"/>
+          </a:p>
+        </p:txBody>
+      </p:sp>
+      <p:sp>
+        <p:nvSpPr>
+          <p:cNvPr id="11" name="矩形 10"/>
+          <p:cNvSpPr/>
+          <p:nvPr/>
+        </p:nvSpPr>
+        <p:spPr>
+          <a:xfrm>
+            <a:off x="3595716" y="2539336"/>
+            <a:ext cx="1107996" cy="369332"/>
+          </a:xfrm>
+          <a:prstGeom prst="rect">
+            <a:avLst/>
+          </a:prstGeom>
+        </p:spPr>
+        <p:txBody>
+          <a:bodyPr wrap="none">
+            <a:spAutoFit/>
+          </a:bodyPr>
+          <a:lstStyle/>
+          <a:p>
+            <a:r>
+              <a:rPr lang="zh-TW" altLang="en-US" dirty="0"/>
+              <a:t>關於我們</a:t>
+            </a:r>
+            <a:endParaRPr lang="zh-TW" altLang="en-US" dirty="0"/>
+          </a:p>
+        </p:txBody>
+      </p:sp>
+      <p:sp>
+        <p:nvSpPr>
+          <p:cNvPr id="12" name="矩形 11"/>
+          <p:cNvSpPr/>
+          <p:nvPr/>
+        </p:nvSpPr>
+        <p:spPr>
+          <a:xfrm>
+            <a:off x="2855698" y="2041229"/>
+            <a:ext cx="3647152" cy="369332"/>
+          </a:xfrm>
+          <a:prstGeom prst="rect">
+            <a:avLst/>
+          </a:prstGeom>
+        </p:spPr>
+        <p:txBody>
+          <a:bodyPr wrap="none">
+            <a:spAutoFit/>
+          </a:bodyPr>
+          <a:lstStyle/>
+          <a:p>
+            <a:r>
+              <a:rPr lang="zh-TW" altLang="en-US" dirty="0" smtClean="0"/>
+              <a:t>不用登入就可以瀏覽的</a:t>
+            </a:r>
+            <a:r>
+              <a:rPr lang="en-US" altLang="zh-TW" dirty="0" err="1" smtClean="0"/>
+              <a:t>marst</a:t>
+            </a:r>
+            <a:r>
+              <a:rPr lang="zh-TW" altLang="en-US" dirty="0" smtClean="0"/>
+              <a:t> </a:t>
+            </a:r>
+            <a:r>
+              <a:rPr lang="en-US" altLang="zh-TW" dirty="0" smtClean="0"/>
+              <a:t>page</a:t>
+            </a:r>
+            <a:endParaRPr lang="zh-TW" altLang="en-US" dirty="0"/>
+          </a:p>
+        </p:txBody>
+      </p:sp>
+    </p:spTree>
+    <p:extLst>
+      <p:ext uri="{BB962C8B-B14F-4D97-AF65-F5344CB8AC3E}">
+        <p14:creationId xmlns:p14="http://schemas.microsoft.com/office/powerpoint/2010/main" val="1075468016"/>
+      </p:ext>
+    </p:extLst>
+  </p:cSld>
+  <p:clrMapOvr>
+    <a:masterClrMapping/>
+  </p:clrMapOvr>
+  <mc:AlternateContent xmlns:mc="http://schemas.openxmlformats.org/markup-compatibility/2006" xmlns:p14="http://schemas.microsoft.com/office/powerpoint/2010/main">
+    <mc:Choice Requires="p14">
+      <p:transition spd="slow" p14:dur="1500">
+        <p:random/>
+      </p:transition>
+    </mc:Choice>
+    <mc:Fallback xmlns="">
+      <p:transition spd="slow">
+        <p:random/>
+      </p:transition>
+    </mc:Fallback>
+  </mc:AlternateContent>
+</p:sld>
+</file>
+
+<file path=ppt/slides/slide11.xml><?xml version="1.0" encoding="utf-8"?>
+<p:sld xmlns:a="http://schemas.openxmlformats.org/drawingml/2006/main" xmlns:r="http://schemas.openxmlformats.org/officeDocument/2006/relationships" xmlns:p="http://schemas.openxmlformats.org/presentationml/2006/main">
+  <p:cSld>
+    <p:spTree>
+      <p:nvGrpSpPr>
+        <p:cNvPr id="1" name=""/>
+        <p:cNvGrpSpPr/>
+        <p:nvPr/>
+      </p:nvGrpSpPr>
+      <p:grpSpPr>
+        <a:xfrm>
+          <a:off x="0" y="0"/>
+          <a:ext cx="0" cy="0"/>
+          <a:chOff x="0" y="0"/>
+          <a:chExt cx="0" cy="0"/>
+        </a:xfrm>
+      </p:grpSpPr>
+      <p:sp>
+        <p:nvSpPr>
+          <p:cNvPr id="4" name="標題 3"/>
+          <p:cNvSpPr>
+            <a:spLocks noGrp="1"/>
+          </p:cNvSpPr>
+          <p:nvPr>
+            <p:ph type="title"/>
+          </p:nvPr>
+        </p:nvSpPr>
+        <p:spPr/>
+        <p:txBody>
+          <a:bodyPr>
+            <a:normAutofit/>
+          </a:bodyPr>
+          <a:lstStyle/>
+          <a:p>
+            <a:r>
+              <a:rPr lang="zh-TW" altLang="en-US" dirty="0"/>
+              <a:t>登入網頁</a:t>
+            </a:r>
+            <a:endParaRPr lang="en-US" altLang="zh-TW" dirty="0"/>
+          </a:p>
+        </p:txBody>
+      </p:sp>
+      <p:sp>
+        <p:nvSpPr>
+          <p:cNvPr id="20" name="矩形 19"/>
+          <p:cNvSpPr/>
+          <p:nvPr/>
+        </p:nvSpPr>
+        <p:spPr>
+          <a:xfrm>
+            <a:off x="2735536" y="2020644"/>
+            <a:ext cx="6312877" cy="3175609"/>
+          </a:xfrm>
+          <a:prstGeom prst="rect">
+            <a:avLst/>
+          </a:prstGeom>
+          <a:solidFill>
+            <a:schemeClr val="accent2"/>
+          </a:solidFill>
+          <a:ln w="28575">
+            <a:solidFill>
+              <a:schemeClr val="tx1"/>
+            </a:solidFill>
+          </a:ln>
+        </p:spPr>
+        <p:style>
+          <a:lnRef idx="2">
+            <a:schemeClr val="accent1">
+              <a:shade val="50000"/>
+            </a:schemeClr>
+          </a:lnRef>
+          <a:fillRef idx="1">
+            <a:schemeClr val="accent1"/>
+          </a:fillRef>
+          <a:effectRef idx="0">
+            <a:schemeClr val="accent1"/>
+          </a:effectRef>
+          <a:fontRef idx="minor">
+            <a:schemeClr val="lt1"/>
+          </a:fontRef>
+        </p:style>
+        <p:txBody>
+          <a:bodyPr rtlCol="0" anchor="ctr"/>
+          <a:lstStyle/>
+          <a:p>
+            <a:pPr algn="ctr"/>
+            <a:endParaRPr lang="zh-TW" altLang="en-US"/>
+          </a:p>
+        </p:txBody>
+      </p:sp>
+      <p:sp>
+        <p:nvSpPr>
+          <p:cNvPr id="21" name="矩形 20"/>
+          <p:cNvSpPr/>
+          <p:nvPr/>
+        </p:nvSpPr>
+        <p:spPr>
+          <a:xfrm>
+            <a:off x="3485813" y="2416420"/>
+            <a:ext cx="4812322" cy="2464776"/>
+          </a:xfrm>
+          <a:prstGeom prst="rect">
+            <a:avLst/>
+          </a:prstGeom>
+          <a:solidFill>
+            <a:schemeClr val="accent6"/>
+          </a:solidFill>
+          <a:ln w="28575">
+            <a:solidFill>
+              <a:schemeClr val="tx1"/>
+            </a:solidFill>
+          </a:ln>
+        </p:spPr>
+        <p:style>
+          <a:lnRef idx="2">
+            <a:schemeClr val="accent1">
+              <a:shade val="50000"/>
+            </a:schemeClr>
+          </a:lnRef>
+          <a:fillRef idx="1">
+            <a:schemeClr val="accent1"/>
+          </a:fillRef>
+          <a:effectRef idx="0">
+            <a:schemeClr val="accent1"/>
+          </a:effectRef>
+          <a:fontRef idx="minor">
+            <a:schemeClr val="lt1"/>
+          </a:fontRef>
+        </p:style>
+        <p:txBody>
+          <a:bodyPr rtlCol="0" anchor="ctr"/>
+          <a:lstStyle/>
+          <a:p>
+            <a:pPr algn="ctr"/>
+            <a:endParaRPr lang="zh-TW" altLang="en-US"/>
+          </a:p>
+        </p:txBody>
+      </p:sp>
+      <p:sp>
+        <p:nvSpPr>
+          <p:cNvPr id="22" name="向右箭號 21"/>
+          <p:cNvSpPr/>
+          <p:nvPr/>
+        </p:nvSpPr>
+        <p:spPr>
+          <a:xfrm>
+            <a:off x="2155245" y="3789484"/>
+            <a:ext cx="955429" cy="465993"/>
+          </a:xfrm>
+          <a:prstGeom prst="rightArrow">
+            <a:avLst/>
+          </a:prstGeom>
+          <a:solidFill>
+            <a:schemeClr val="tx1"/>
+          </a:solidFill>
+          <a:ln>
+            <a:solidFill>
+              <a:schemeClr val="tx1"/>
+            </a:solidFill>
+          </a:ln>
+        </p:spPr>
+        <p:style>
+          <a:lnRef idx="2">
+            <a:schemeClr val="accent1">
+              <a:shade val="50000"/>
+            </a:schemeClr>
+          </a:lnRef>
+          <a:fillRef idx="1">
+            <a:schemeClr val="accent1"/>
+          </a:fillRef>
+          <a:effectRef idx="0">
+            <a:schemeClr val="accent1"/>
+          </a:effectRef>
+          <a:fontRef idx="minor">
+            <a:schemeClr val="lt1"/>
+          </a:fontRef>
+        </p:style>
+        <p:txBody>
+          <a:bodyPr rtlCol="0" anchor="ctr"/>
+          <a:lstStyle/>
+          <a:p>
+            <a:pPr algn="ctr"/>
+            <a:endParaRPr lang="zh-TW" altLang="en-US"/>
+          </a:p>
+        </p:txBody>
+      </p:sp>
+      <p:sp>
+        <p:nvSpPr>
+          <p:cNvPr id="23" name="矩形 22"/>
+          <p:cNvSpPr/>
+          <p:nvPr/>
+        </p:nvSpPr>
+        <p:spPr>
+          <a:xfrm>
+            <a:off x="662529" y="3866974"/>
+            <a:ext cx="1492716" cy="369332"/>
+          </a:xfrm>
+          <a:prstGeom prst="rect">
+            <a:avLst/>
+          </a:prstGeom>
+        </p:spPr>
+        <p:txBody>
+          <a:bodyPr wrap="none">
+            <a:spAutoFit/>
+          </a:bodyPr>
+          <a:lstStyle/>
+          <a:p>
+            <a:r>
+              <a:rPr lang="en-US" altLang="zh-TW" dirty="0"/>
+              <a:t>Master Page</a:t>
+            </a:r>
+            <a:endParaRPr lang="zh-TW" altLang="en-US" dirty="0"/>
+          </a:p>
+        </p:txBody>
+      </p:sp>
+      <p:sp>
+        <p:nvSpPr>
+          <p:cNvPr id="24" name="向右箭號 23"/>
+          <p:cNvSpPr/>
+          <p:nvPr/>
+        </p:nvSpPr>
+        <p:spPr>
+          <a:xfrm rot="10800000">
+            <a:off x="7984544" y="3415811"/>
+            <a:ext cx="1518871" cy="465993"/>
+          </a:xfrm>
+          <a:prstGeom prst="rightArrow">
+            <a:avLst/>
+          </a:prstGeom>
+          <a:solidFill>
+            <a:schemeClr val="tx1"/>
+          </a:solidFill>
+          <a:ln>
+            <a:solidFill>
+              <a:schemeClr val="tx1"/>
+            </a:solidFill>
+          </a:ln>
+        </p:spPr>
+        <p:style>
+          <a:lnRef idx="2">
+            <a:schemeClr val="accent1">
+              <a:shade val="50000"/>
+            </a:schemeClr>
+          </a:lnRef>
+          <a:fillRef idx="1">
+            <a:schemeClr val="accent1"/>
+          </a:fillRef>
+          <a:effectRef idx="0">
+            <a:schemeClr val="accent1"/>
+          </a:effectRef>
+          <a:fontRef idx="minor">
+            <a:schemeClr val="lt1"/>
+          </a:fontRef>
+        </p:style>
+        <p:txBody>
+          <a:bodyPr rtlCol="0" anchor="ctr"/>
+          <a:lstStyle/>
+          <a:p>
+            <a:pPr algn="ctr"/>
+            <a:endParaRPr lang="zh-TW" altLang="en-US"/>
+          </a:p>
+        </p:txBody>
+      </p:sp>
+      <p:sp>
+        <p:nvSpPr>
+          <p:cNvPr id="25" name="矩形 24"/>
+          <p:cNvSpPr/>
+          <p:nvPr/>
+        </p:nvSpPr>
+        <p:spPr>
+          <a:xfrm>
+            <a:off x="9610308" y="3455349"/>
+            <a:ext cx="1257717" cy="369332"/>
+          </a:xfrm>
+          <a:prstGeom prst="rect">
+            <a:avLst/>
+          </a:prstGeom>
+        </p:spPr>
+        <p:txBody>
+          <a:bodyPr wrap="none">
+            <a:spAutoFit/>
+          </a:bodyPr>
+          <a:lstStyle/>
+          <a:p>
+            <a:r>
+              <a:rPr lang="en-US" altLang="zh-TW" dirty="0" smtClean="0"/>
+              <a:t>Web </a:t>
+            </a:r>
+            <a:r>
+              <a:rPr lang="en-US" altLang="zh-TW" dirty="0"/>
+              <a:t>Page</a:t>
+            </a:r>
+            <a:endParaRPr lang="zh-TW" altLang="en-US" dirty="0"/>
+          </a:p>
+        </p:txBody>
+      </p:sp>
+      <p:sp>
+        <p:nvSpPr>
+          <p:cNvPr id="11" name="矩形 10"/>
+          <p:cNvSpPr/>
+          <p:nvPr/>
+        </p:nvSpPr>
+        <p:spPr>
+          <a:xfrm>
+            <a:off x="3595716" y="2539336"/>
+            <a:ext cx="1107996" cy="369332"/>
+          </a:xfrm>
+          <a:prstGeom prst="rect">
+            <a:avLst/>
+          </a:prstGeom>
+        </p:spPr>
+        <p:txBody>
+          <a:bodyPr wrap="none">
+            <a:spAutoFit/>
+          </a:bodyPr>
+          <a:lstStyle/>
+          <a:p>
+            <a:r>
+              <a:rPr lang="zh-TW" altLang="en-US" dirty="0"/>
+              <a:t>登入網頁</a:t>
+            </a:r>
+            <a:endParaRPr lang="en-US" altLang="zh-TW" dirty="0"/>
+          </a:p>
+        </p:txBody>
+      </p:sp>
+      <p:sp>
+        <p:nvSpPr>
+          <p:cNvPr id="12" name="矩形 11"/>
+          <p:cNvSpPr/>
+          <p:nvPr/>
+        </p:nvSpPr>
+        <p:spPr>
+          <a:xfrm>
+            <a:off x="2855698" y="2041229"/>
+            <a:ext cx="3647152" cy="369332"/>
+          </a:xfrm>
+          <a:prstGeom prst="rect">
+            <a:avLst/>
+          </a:prstGeom>
+        </p:spPr>
+        <p:txBody>
+          <a:bodyPr wrap="none">
+            <a:spAutoFit/>
+          </a:bodyPr>
+          <a:lstStyle/>
+          <a:p>
+            <a:r>
+              <a:rPr lang="zh-TW" altLang="en-US" dirty="0" smtClean="0"/>
+              <a:t>不用登入就可以瀏覽的</a:t>
+            </a:r>
+            <a:r>
+              <a:rPr lang="en-US" altLang="zh-TW" dirty="0" err="1" smtClean="0"/>
+              <a:t>marst</a:t>
+            </a:r>
+            <a:r>
+              <a:rPr lang="zh-TW" altLang="en-US" dirty="0" smtClean="0"/>
+              <a:t> </a:t>
+            </a:r>
+            <a:r>
+              <a:rPr lang="en-US" altLang="zh-TW" dirty="0" smtClean="0"/>
+              <a:t>page</a:t>
+            </a:r>
+            <a:endParaRPr lang="zh-TW" altLang="en-US" dirty="0"/>
+          </a:p>
+        </p:txBody>
+      </p:sp>
+    </p:spTree>
+    <p:extLst>
+      <p:ext uri="{BB962C8B-B14F-4D97-AF65-F5344CB8AC3E}">
+        <p14:creationId xmlns:p14="http://schemas.microsoft.com/office/powerpoint/2010/main" val="2055809677"/>
+      </p:ext>
+    </p:extLst>
+  </p:cSld>
+  <p:clrMapOvr>
+    <a:masterClrMapping/>
+  </p:clrMapOvr>
+  <mc:AlternateContent xmlns:mc="http://schemas.openxmlformats.org/markup-compatibility/2006" xmlns:p14="http://schemas.microsoft.com/office/powerpoint/2010/main">
+    <mc:Choice Requires="p14">
+      <p:transition spd="slow" p14:dur="1500">
+        <p:random/>
+      </p:transition>
+    </mc:Choice>
+    <mc:Fallback xmlns="">
+      <p:transition spd="slow">
+        <p:random/>
+      </p:transition>
+    </mc:Fallback>
+  </mc:AlternateContent>
+</p:sld>
+</file>
+
+<file path=ppt/slides/slide12.xml><?xml version="1.0" encoding="utf-8"?>
+<p:sld xmlns:a="http://schemas.openxmlformats.org/drawingml/2006/main" xmlns:r="http://schemas.openxmlformats.org/officeDocument/2006/relationships" xmlns:p="http://schemas.openxmlformats.org/presentationml/2006/main">
+  <p:cSld>
+    <p:spTree>
+      <p:nvGrpSpPr>
+        <p:cNvPr id="1" name=""/>
+        <p:cNvGrpSpPr/>
+        <p:nvPr/>
+      </p:nvGrpSpPr>
+      <p:grpSpPr>
+        <a:xfrm>
+          <a:off x="0" y="0"/>
+          <a:ext cx="0" cy="0"/>
+          <a:chOff x="0" y="0"/>
+          <a:chExt cx="0" cy="0"/>
+        </a:xfrm>
+      </p:grpSpPr>
+      <p:sp>
+        <p:nvSpPr>
+          <p:cNvPr id="4" name="標題 3"/>
+          <p:cNvSpPr>
+            <a:spLocks noGrp="1"/>
+          </p:cNvSpPr>
+          <p:nvPr>
+            <p:ph type="title"/>
+          </p:nvPr>
+        </p:nvSpPr>
+        <p:spPr/>
+        <p:txBody>
+          <a:bodyPr>
+            <a:normAutofit/>
+          </a:bodyPr>
+          <a:lstStyle/>
+          <a:p>
+            <a:r>
+              <a:rPr lang="zh-TW" altLang="en-US" dirty="0"/>
+              <a:t>註冊網頁</a:t>
+            </a:r>
+            <a:endParaRPr lang="en-US" altLang="zh-TW" dirty="0"/>
+          </a:p>
+        </p:txBody>
+      </p:sp>
+      <p:sp>
+        <p:nvSpPr>
+          <p:cNvPr id="20" name="矩形 19"/>
+          <p:cNvSpPr/>
+          <p:nvPr/>
+        </p:nvSpPr>
+        <p:spPr>
+          <a:xfrm>
+            <a:off x="2735536" y="2020644"/>
+            <a:ext cx="6312877" cy="3175609"/>
+          </a:xfrm>
+          <a:prstGeom prst="rect">
+            <a:avLst/>
+          </a:prstGeom>
+          <a:solidFill>
+            <a:schemeClr val="accent2"/>
+          </a:solidFill>
+          <a:ln w="28575">
+            <a:solidFill>
+              <a:schemeClr val="tx1"/>
+            </a:solidFill>
+          </a:ln>
+        </p:spPr>
+        <p:style>
+          <a:lnRef idx="2">
+            <a:schemeClr val="accent1">
+              <a:shade val="50000"/>
+            </a:schemeClr>
+          </a:lnRef>
+          <a:fillRef idx="1">
+            <a:schemeClr val="accent1"/>
+          </a:fillRef>
+          <a:effectRef idx="0">
+            <a:schemeClr val="accent1"/>
+          </a:effectRef>
+          <a:fontRef idx="minor">
+            <a:schemeClr val="lt1"/>
+          </a:fontRef>
+        </p:style>
+        <p:txBody>
+          <a:bodyPr rtlCol="0" anchor="ctr"/>
+          <a:lstStyle/>
+          <a:p>
+            <a:pPr algn="ctr"/>
+            <a:endParaRPr lang="zh-TW" altLang="en-US"/>
+          </a:p>
+        </p:txBody>
+      </p:sp>
+      <p:sp>
+        <p:nvSpPr>
+          <p:cNvPr id="21" name="矩形 20"/>
+          <p:cNvSpPr/>
+          <p:nvPr/>
+        </p:nvSpPr>
+        <p:spPr>
+          <a:xfrm>
+            <a:off x="3485813" y="2416420"/>
+            <a:ext cx="4812322" cy="2464776"/>
+          </a:xfrm>
+          <a:prstGeom prst="rect">
+            <a:avLst/>
+          </a:prstGeom>
+          <a:solidFill>
+            <a:schemeClr val="accent6"/>
+          </a:solidFill>
+          <a:ln w="28575">
+            <a:solidFill>
+              <a:schemeClr val="tx1"/>
+            </a:solidFill>
+          </a:ln>
+        </p:spPr>
+        <p:style>
+          <a:lnRef idx="2">
+            <a:schemeClr val="accent1">
+              <a:shade val="50000"/>
+            </a:schemeClr>
+          </a:lnRef>
+          <a:fillRef idx="1">
+            <a:schemeClr val="accent1"/>
+          </a:fillRef>
+          <a:effectRef idx="0">
+            <a:schemeClr val="accent1"/>
+          </a:effectRef>
+          <a:fontRef idx="minor">
+            <a:schemeClr val="lt1"/>
+          </a:fontRef>
+        </p:style>
+        <p:txBody>
+          <a:bodyPr rtlCol="0" anchor="ctr"/>
+          <a:lstStyle/>
+          <a:p>
+            <a:pPr algn="ctr"/>
+            <a:endParaRPr lang="zh-TW" altLang="en-US"/>
+          </a:p>
+        </p:txBody>
+      </p:sp>
+      <p:sp>
+        <p:nvSpPr>
+          <p:cNvPr id="22" name="向右箭號 21"/>
+          <p:cNvSpPr/>
+          <p:nvPr/>
+        </p:nvSpPr>
+        <p:spPr>
+          <a:xfrm>
+            <a:off x="2155245" y="3789484"/>
+            <a:ext cx="955429" cy="465993"/>
+          </a:xfrm>
+          <a:prstGeom prst="rightArrow">
+            <a:avLst/>
+          </a:prstGeom>
+          <a:solidFill>
+            <a:schemeClr val="tx1"/>
+          </a:solidFill>
+          <a:ln>
+            <a:solidFill>
+              <a:schemeClr val="tx1"/>
+            </a:solidFill>
+          </a:ln>
+        </p:spPr>
+        <p:style>
+          <a:lnRef idx="2">
+            <a:schemeClr val="accent1">
+              <a:shade val="50000"/>
+            </a:schemeClr>
+          </a:lnRef>
+          <a:fillRef idx="1">
+            <a:schemeClr val="accent1"/>
+          </a:fillRef>
+          <a:effectRef idx="0">
+            <a:schemeClr val="accent1"/>
+          </a:effectRef>
+          <a:fontRef idx="minor">
+            <a:schemeClr val="lt1"/>
+          </a:fontRef>
+        </p:style>
+        <p:txBody>
+          <a:bodyPr rtlCol="0" anchor="ctr"/>
+          <a:lstStyle/>
+          <a:p>
+            <a:pPr algn="ctr"/>
+            <a:endParaRPr lang="zh-TW" altLang="en-US"/>
+          </a:p>
+        </p:txBody>
+      </p:sp>
+      <p:sp>
+        <p:nvSpPr>
+          <p:cNvPr id="23" name="矩形 22"/>
+          <p:cNvSpPr/>
+          <p:nvPr/>
+        </p:nvSpPr>
+        <p:spPr>
+          <a:xfrm>
+            <a:off x="662529" y="3866974"/>
+            <a:ext cx="1492716" cy="369332"/>
+          </a:xfrm>
+          <a:prstGeom prst="rect">
+            <a:avLst/>
+          </a:prstGeom>
+        </p:spPr>
+        <p:txBody>
+          <a:bodyPr wrap="none">
+            <a:spAutoFit/>
+          </a:bodyPr>
+          <a:lstStyle/>
+          <a:p>
+            <a:r>
+              <a:rPr lang="en-US" altLang="zh-TW" dirty="0"/>
+              <a:t>Master Page</a:t>
+            </a:r>
+            <a:endParaRPr lang="zh-TW" altLang="en-US" dirty="0"/>
+          </a:p>
+        </p:txBody>
+      </p:sp>
+      <p:sp>
+        <p:nvSpPr>
+          <p:cNvPr id="24" name="向右箭號 23"/>
+          <p:cNvSpPr/>
+          <p:nvPr/>
+        </p:nvSpPr>
+        <p:spPr>
+          <a:xfrm rot="10800000">
+            <a:off x="7984544" y="3415811"/>
+            <a:ext cx="1518871" cy="465993"/>
+          </a:xfrm>
+          <a:prstGeom prst="rightArrow">
+            <a:avLst/>
+          </a:prstGeom>
+          <a:solidFill>
+            <a:schemeClr val="tx1"/>
+          </a:solidFill>
+          <a:ln>
+            <a:solidFill>
+              <a:schemeClr val="tx1"/>
+            </a:solidFill>
+          </a:ln>
+        </p:spPr>
+        <p:style>
+          <a:lnRef idx="2">
+            <a:schemeClr val="accent1">
+              <a:shade val="50000"/>
+            </a:schemeClr>
+          </a:lnRef>
+          <a:fillRef idx="1">
+            <a:schemeClr val="accent1"/>
+          </a:fillRef>
+          <a:effectRef idx="0">
+            <a:schemeClr val="accent1"/>
+          </a:effectRef>
+          <a:fontRef idx="minor">
+            <a:schemeClr val="lt1"/>
+          </a:fontRef>
+        </p:style>
+        <p:txBody>
+          <a:bodyPr rtlCol="0" anchor="ctr"/>
+          <a:lstStyle/>
+          <a:p>
+            <a:pPr algn="ctr"/>
+            <a:endParaRPr lang="zh-TW" altLang="en-US"/>
+          </a:p>
+        </p:txBody>
+      </p:sp>
+      <p:sp>
+        <p:nvSpPr>
+          <p:cNvPr id="25" name="矩形 24"/>
+          <p:cNvSpPr/>
+          <p:nvPr/>
+        </p:nvSpPr>
+        <p:spPr>
+          <a:xfrm>
+            <a:off x="9610308" y="3455349"/>
+            <a:ext cx="1257717" cy="369332"/>
+          </a:xfrm>
+          <a:prstGeom prst="rect">
+            <a:avLst/>
+          </a:prstGeom>
+        </p:spPr>
+        <p:txBody>
+          <a:bodyPr wrap="none">
+            <a:spAutoFit/>
+          </a:bodyPr>
+          <a:lstStyle/>
+          <a:p>
+            <a:r>
+              <a:rPr lang="en-US" altLang="zh-TW" dirty="0" smtClean="0"/>
+              <a:t>Web </a:t>
+            </a:r>
+            <a:r>
+              <a:rPr lang="en-US" altLang="zh-TW" dirty="0"/>
+              <a:t>Page</a:t>
+            </a:r>
+            <a:endParaRPr lang="zh-TW" altLang="en-US" dirty="0"/>
+          </a:p>
+        </p:txBody>
+      </p:sp>
+      <p:sp>
+        <p:nvSpPr>
+          <p:cNvPr id="11" name="矩形 10"/>
+          <p:cNvSpPr/>
+          <p:nvPr/>
+        </p:nvSpPr>
+        <p:spPr>
+          <a:xfrm>
+            <a:off x="3595716" y="2539336"/>
+            <a:ext cx="1107996" cy="369332"/>
+          </a:xfrm>
+          <a:prstGeom prst="rect">
+            <a:avLst/>
+          </a:prstGeom>
+        </p:spPr>
+        <p:txBody>
+          <a:bodyPr wrap="none">
+            <a:spAutoFit/>
+          </a:bodyPr>
+          <a:lstStyle/>
+          <a:p>
+            <a:r>
+              <a:rPr lang="zh-TW" altLang="en-US" dirty="0"/>
+              <a:t>註冊網頁</a:t>
+            </a:r>
+            <a:endParaRPr lang="en-US" altLang="zh-TW" dirty="0"/>
+          </a:p>
+        </p:txBody>
+      </p:sp>
+      <p:sp>
+        <p:nvSpPr>
+          <p:cNvPr id="12" name="矩形 11"/>
+          <p:cNvSpPr/>
+          <p:nvPr/>
+        </p:nvSpPr>
+        <p:spPr>
+          <a:xfrm>
+            <a:off x="2855698" y="2041229"/>
+            <a:ext cx="3647152" cy="369332"/>
+          </a:xfrm>
+          <a:prstGeom prst="rect">
+            <a:avLst/>
+          </a:prstGeom>
+        </p:spPr>
+        <p:txBody>
+          <a:bodyPr wrap="none">
+            <a:spAutoFit/>
+          </a:bodyPr>
+          <a:lstStyle/>
+          <a:p>
+            <a:r>
+              <a:rPr lang="zh-TW" altLang="en-US" dirty="0" smtClean="0"/>
+              <a:t>不用登入就可以瀏覽的</a:t>
+            </a:r>
+            <a:r>
+              <a:rPr lang="en-US" altLang="zh-TW" dirty="0" err="1" smtClean="0"/>
+              <a:t>marst</a:t>
+            </a:r>
+            <a:r>
+              <a:rPr lang="zh-TW" altLang="en-US" dirty="0" smtClean="0"/>
+              <a:t> </a:t>
+            </a:r>
+            <a:r>
+              <a:rPr lang="en-US" altLang="zh-TW" dirty="0" smtClean="0"/>
+              <a:t>page</a:t>
+            </a:r>
+            <a:endParaRPr lang="zh-TW" altLang="en-US" dirty="0"/>
+          </a:p>
+        </p:txBody>
+      </p:sp>
+    </p:spTree>
+    <p:extLst>
+      <p:ext uri="{BB962C8B-B14F-4D97-AF65-F5344CB8AC3E}">
+        <p14:creationId xmlns:p14="http://schemas.microsoft.com/office/powerpoint/2010/main" val="1037842564"/>
+      </p:ext>
+    </p:extLst>
+  </p:cSld>
+  <p:clrMapOvr>
+    <a:masterClrMapping/>
+  </p:clrMapOvr>
+  <mc:AlternateContent xmlns:mc="http://schemas.openxmlformats.org/markup-compatibility/2006" xmlns:p14="http://schemas.microsoft.com/office/powerpoint/2010/main">
+    <mc:Choice Requires="p14">
+      <p:transition spd="slow" p14:dur="1500">
+        <p:random/>
+      </p:transition>
+    </mc:Choice>
+    <mc:Fallback xmlns="">
+      <p:transition spd="slow">
+        <p:random/>
+      </p:transition>
+    </mc:Fallback>
+  </mc:AlternateContent>
+</p:sld>
+</file>
+
+<file path=ppt/slides/slide13.xml><?xml version="1.0" encoding="utf-8"?>
+<p:sld xmlns:a="http://schemas.openxmlformats.org/drawingml/2006/main" xmlns:r="http://schemas.openxmlformats.org/officeDocument/2006/relationships" xmlns:p="http://schemas.openxmlformats.org/presentationml/2006/main">
+  <p:cSld>
+    <p:spTree>
+      <p:nvGrpSpPr>
+        <p:cNvPr id="1" name=""/>
+        <p:cNvGrpSpPr/>
+        <p:nvPr/>
+      </p:nvGrpSpPr>
+      <p:grpSpPr>
+        <a:xfrm>
+          <a:off x="0" y="0"/>
+          <a:ext cx="0" cy="0"/>
+          <a:chOff x="0" y="0"/>
+          <a:chExt cx="0" cy="0"/>
+        </a:xfrm>
+      </p:grpSpPr>
+      <p:sp>
+        <p:nvSpPr>
+          <p:cNvPr id="4" name="標題 3"/>
+          <p:cNvSpPr>
+            <a:spLocks noGrp="1"/>
+          </p:cNvSpPr>
+          <p:nvPr>
+            <p:ph type="title"/>
+          </p:nvPr>
+        </p:nvSpPr>
+        <p:spPr/>
+        <p:txBody>
+          <a:bodyPr>
+            <a:normAutofit/>
+          </a:bodyPr>
+          <a:lstStyle/>
+          <a:p>
+            <a:r>
+              <a:rPr lang="zh-TW" altLang="en-US" dirty="0"/>
+              <a:t>呈現無瀏覽權限網頁</a:t>
+            </a:r>
+            <a:endParaRPr lang="en-US" altLang="zh-TW" dirty="0"/>
+          </a:p>
+        </p:txBody>
+      </p:sp>
+      <p:sp>
+        <p:nvSpPr>
+          <p:cNvPr id="20" name="矩形 19"/>
+          <p:cNvSpPr/>
+          <p:nvPr/>
+        </p:nvSpPr>
+        <p:spPr>
+          <a:xfrm>
+            <a:off x="2735536" y="2020644"/>
+            <a:ext cx="6312877" cy="3175609"/>
+          </a:xfrm>
+          <a:prstGeom prst="rect">
+            <a:avLst/>
+          </a:prstGeom>
+          <a:solidFill>
+            <a:schemeClr val="accent2"/>
+          </a:solidFill>
+          <a:ln w="28575">
+            <a:solidFill>
+              <a:schemeClr val="tx1"/>
+            </a:solidFill>
+          </a:ln>
+        </p:spPr>
+        <p:style>
+          <a:lnRef idx="2">
+            <a:schemeClr val="accent1">
+              <a:shade val="50000"/>
+            </a:schemeClr>
+          </a:lnRef>
+          <a:fillRef idx="1">
+            <a:schemeClr val="accent1"/>
+          </a:fillRef>
+          <a:effectRef idx="0">
+            <a:schemeClr val="accent1"/>
+          </a:effectRef>
+          <a:fontRef idx="minor">
+            <a:schemeClr val="lt1"/>
+          </a:fontRef>
+        </p:style>
+        <p:txBody>
+          <a:bodyPr rtlCol="0" anchor="ctr"/>
+          <a:lstStyle/>
+          <a:p>
+            <a:pPr algn="ctr"/>
+            <a:endParaRPr lang="zh-TW" altLang="en-US"/>
+          </a:p>
+        </p:txBody>
+      </p:sp>
+      <p:sp>
+        <p:nvSpPr>
+          <p:cNvPr id="21" name="矩形 20"/>
+          <p:cNvSpPr/>
+          <p:nvPr/>
+        </p:nvSpPr>
+        <p:spPr>
+          <a:xfrm>
+            <a:off x="3485813" y="2416420"/>
+            <a:ext cx="4812322" cy="2464776"/>
+          </a:xfrm>
+          <a:prstGeom prst="rect">
+            <a:avLst/>
+          </a:prstGeom>
+          <a:solidFill>
+            <a:schemeClr val="accent6"/>
+          </a:solidFill>
+          <a:ln w="28575">
+            <a:solidFill>
+              <a:schemeClr val="tx1"/>
+            </a:solidFill>
+          </a:ln>
+        </p:spPr>
+        <p:style>
+          <a:lnRef idx="2">
+            <a:schemeClr val="accent1">
+              <a:shade val="50000"/>
+            </a:schemeClr>
+          </a:lnRef>
+          <a:fillRef idx="1">
+            <a:schemeClr val="accent1"/>
+          </a:fillRef>
+          <a:effectRef idx="0">
+            <a:schemeClr val="accent1"/>
+          </a:effectRef>
+          <a:fontRef idx="minor">
+            <a:schemeClr val="lt1"/>
+          </a:fontRef>
+        </p:style>
+        <p:txBody>
+          <a:bodyPr rtlCol="0" anchor="ctr"/>
+          <a:lstStyle/>
+          <a:p>
+            <a:pPr algn="ctr"/>
+            <a:endParaRPr lang="zh-TW" altLang="en-US"/>
+          </a:p>
+        </p:txBody>
+      </p:sp>
+      <p:sp>
+        <p:nvSpPr>
+          <p:cNvPr id="22" name="向右箭號 21"/>
+          <p:cNvSpPr/>
+          <p:nvPr/>
+        </p:nvSpPr>
+        <p:spPr>
+          <a:xfrm>
+            <a:off x="2155245" y="3789484"/>
+            <a:ext cx="955429" cy="465993"/>
+          </a:xfrm>
+          <a:prstGeom prst="rightArrow">
+            <a:avLst/>
+          </a:prstGeom>
+          <a:solidFill>
+            <a:schemeClr val="tx1"/>
+          </a:solidFill>
+          <a:ln>
+            <a:solidFill>
+              <a:schemeClr val="tx1"/>
+            </a:solidFill>
+          </a:ln>
+        </p:spPr>
+        <p:style>
+          <a:lnRef idx="2">
+            <a:schemeClr val="accent1">
+              <a:shade val="50000"/>
+            </a:schemeClr>
+          </a:lnRef>
+          <a:fillRef idx="1">
+            <a:schemeClr val="accent1"/>
+          </a:fillRef>
+          <a:effectRef idx="0">
+            <a:schemeClr val="accent1"/>
+          </a:effectRef>
+          <a:fontRef idx="minor">
+            <a:schemeClr val="lt1"/>
+          </a:fontRef>
+        </p:style>
+        <p:txBody>
+          <a:bodyPr rtlCol="0" anchor="ctr"/>
+          <a:lstStyle/>
+          <a:p>
+            <a:pPr algn="ctr"/>
+            <a:endParaRPr lang="zh-TW" altLang="en-US"/>
+          </a:p>
+        </p:txBody>
+      </p:sp>
+      <p:sp>
+        <p:nvSpPr>
+          <p:cNvPr id="23" name="矩形 22"/>
+          <p:cNvSpPr/>
+          <p:nvPr/>
+        </p:nvSpPr>
+        <p:spPr>
+          <a:xfrm>
+            <a:off x="662529" y="3866974"/>
+            <a:ext cx="1492716" cy="369332"/>
+          </a:xfrm>
+          <a:prstGeom prst="rect">
+            <a:avLst/>
+          </a:prstGeom>
+        </p:spPr>
+        <p:txBody>
+          <a:bodyPr wrap="none">
+            <a:spAutoFit/>
+          </a:bodyPr>
+          <a:lstStyle/>
+          <a:p>
+            <a:r>
+              <a:rPr lang="en-US" altLang="zh-TW" dirty="0"/>
+              <a:t>Master Page</a:t>
+            </a:r>
+            <a:endParaRPr lang="zh-TW" altLang="en-US" dirty="0"/>
+          </a:p>
+        </p:txBody>
+      </p:sp>
+      <p:sp>
+        <p:nvSpPr>
+          <p:cNvPr id="24" name="向右箭號 23"/>
+          <p:cNvSpPr/>
+          <p:nvPr/>
+        </p:nvSpPr>
+        <p:spPr>
+          <a:xfrm rot="10800000">
+            <a:off x="7984544" y="3415811"/>
+            <a:ext cx="1518871" cy="465993"/>
+          </a:xfrm>
+          <a:prstGeom prst="rightArrow">
+            <a:avLst/>
+          </a:prstGeom>
+          <a:solidFill>
+            <a:schemeClr val="tx1"/>
+          </a:solidFill>
+          <a:ln>
+            <a:solidFill>
+              <a:schemeClr val="tx1"/>
+            </a:solidFill>
+          </a:ln>
+        </p:spPr>
+        <p:style>
+          <a:lnRef idx="2">
+            <a:schemeClr val="accent1">
+              <a:shade val="50000"/>
+            </a:schemeClr>
+          </a:lnRef>
+          <a:fillRef idx="1">
+            <a:schemeClr val="accent1"/>
+          </a:fillRef>
+          <a:effectRef idx="0">
+            <a:schemeClr val="accent1"/>
+          </a:effectRef>
+          <a:fontRef idx="minor">
+            <a:schemeClr val="lt1"/>
+          </a:fontRef>
+        </p:style>
+        <p:txBody>
+          <a:bodyPr rtlCol="0" anchor="ctr"/>
+          <a:lstStyle/>
+          <a:p>
+            <a:pPr algn="ctr"/>
+            <a:endParaRPr lang="zh-TW" altLang="en-US"/>
+          </a:p>
+        </p:txBody>
+      </p:sp>
+      <p:sp>
+        <p:nvSpPr>
+          <p:cNvPr id="25" name="矩形 24"/>
+          <p:cNvSpPr/>
+          <p:nvPr/>
+        </p:nvSpPr>
+        <p:spPr>
+          <a:xfrm>
+            <a:off x="9610308" y="3455349"/>
+            <a:ext cx="1257717" cy="369332"/>
+          </a:xfrm>
+          <a:prstGeom prst="rect">
+            <a:avLst/>
+          </a:prstGeom>
+        </p:spPr>
+        <p:txBody>
+          <a:bodyPr wrap="none">
+            <a:spAutoFit/>
+          </a:bodyPr>
+          <a:lstStyle/>
+          <a:p>
+            <a:r>
+              <a:rPr lang="en-US" altLang="zh-TW" dirty="0" smtClean="0"/>
+              <a:t>Web </a:t>
+            </a:r>
+            <a:r>
+              <a:rPr lang="en-US" altLang="zh-TW" dirty="0"/>
+              <a:t>Page</a:t>
+            </a:r>
+            <a:endParaRPr lang="zh-TW" altLang="en-US" dirty="0"/>
+          </a:p>
+        </p:txBody>
+      </p:sp>
+      <p:sp>
+        <p:nvSpPr>
+          <p:cNvPr id="11" name="矩形 10"/>
+          <p:cNvSpPr/>
+          <p:nvPr/>
+        </p:nvSpPr>
+        <p:spPr>
+          <a:xfrm>
+            <a:off x="3595716" y="2539336"/>
+            <a:ext cx="2262158" cy="369332"/>
+          </a:xfrm>
+          <a:prstGeom prst="rect">
+            <a:avLst/>
+          </a:prstGeom>
+        </p:spPr>
+        <p:txBody>
+          <a:bodyPr wrap="none">
+            <a:spAutoFit/>
+          </a:bodyPr>
+          <a:lstStyle/>
+          <a:p>
+            <a:r>
+              <a:rPr lang="zh-TW" altLang="en-US" dirty="0"/>
+              <a:t>呈現無瀏覽權限網頁</a:t>
+            </a:r>
+            <a:endParaRPr lang="en-US" altLang="zh-TW" dirty="0"/>
+          </a:p>
+        </p:txBody>
+      </p:sp>
+      <p:sp>
+        <p:nvSpPr>
+          <p:cNvPr id="12" name="矩形 11"/>
+          <p:cNvSpPr/>
+          <p:nvPr/>
+        </p:nvSpPr>
+        <p:spPr>
+          <a:xfrm>
+            <a:off x="2855698" y="2041229"/>
+            <a:ext cx="3647152" cy="369332"/>
+          </a:xfrm>
+          <a:prstGeom prst="rect">
+            <a:avLst/>
+          </a:prstGeom>
+        </p:spPr>
+        <p:txBody>
+          <a:bodyPr wrap="none">
+            <a:spAutoFit/>
+          </a:bodyPr>
+          <a:lstStyle/>
+          <a:p>
+            <a:r>
+              <a:rPr lang="zh-TW" altLang="en-US" dirty="0" smtClean="0"/>
+              <a:t>不用登入就可以瀏覽的</a:t>
+            </a:r>
+            <a:r>
+              <a:rPr lang="en-US" altLang="zh-TW" dirty="0" err="1" smtClean="0"/>
+              <a:t>marst</a:t>
+            </a:r>
+            <a:r>
+              <a:rPr lang="zh-TW" altLang="en-US" dirty="0" smtClean="0"/>
+              <a:t> </a:t>
+            </a:r>
+            <a:r>
+              <a:rPr lang="en-US" altLang="zh-TW" dirty="0" smtClean="0"/>
+              <a:t>page</a:t>
+            </a:r>
+            <a:endParaRPr lang="zh-TW" altLang="en-US" dirty="0"/>
+          </a:p>
+        </p:txBody>
+      </p:sp>
+    </p:spTree>
+    <p:extLst>
+      <p:ext uri="{BB962C8B-B14F-4D97-AF65-F5344CB8AC3E}">
+        <p14:creationId xmlns:p14="http://schemas.microsoft.com/office/powerpoint/2010/main" val="4000062335"/>
+      </p:ext>
+    </p:extLst>
+  </p:cSld>
+  <p:clrMapOvr>
+    <a:masterClrMapping/>
+  </p:clrMapOvr>
+  <mc:AlternateContent xmlns:mc="http://schemas.openxmlformats.org/markup-compatibility/2006" xmlns:p14="http://schemas.microsoft.com/office/powerpoint/2010/main">
+    <mc:Choice Requires="p14">
+      <p:transition spd="slow" p14:dur="1500">
+        <p:random/>
+      </p:transition>
+    </mc:Choice>
+    <mc:Fallback xmlns="">
+      <p:transition spd="slow">
+        <p:random/>
+      </p:transition>
+    </mc:Fallback>
+  </mc:AlternateContent>
+</p:sld>
+</file>
+
+<file path=ppt/slides/slide14.xml><?xml version="1.0" encoding="utf-8"?>
+<p:sld xmlns:a="http://schemas.openxmlformats.org/drawingml/2006/main" xmlns:r="http://schemas.openxmlformats.org/officeDocument/2006/relationships" xmlns:p="http://schemas.openxmlformats.org/presentationml/2006/main">
+  <p:cSld>
+    <p:spTree>
+      <p:nvGrpSpPr>
+        <p:cNvPr id="1" name=""/>
+        <p:cNvGrpSpPr/>
+        <p:nvPr/>
+      </p:nvGrpSpPr>
+      <p:grpSpPr>
+        <a:xfrm>
+          <a:off x="0" y="0"/>
+          <a:ext cx="0" cy="0"/>
+          <a:chOff x="0" y="0"/>
+          <a:chExt cx="0" cy="0"/>
+        </a:xfrm>
+      </p:grpSpPr>
+      <p:sp>
+        <p:nvSpPr>
           <p:cNvPr id="2" name="標題 1"/>
           <p:cNvSpPr>
             <a:spLocks noGrp="1"/>
@@ -6690,7 +8261,184 @@
           <a:p>
             <a:r>
               <a:rPr lang="zh-TW" altLang="en-US" dirty="0"/>
-              <a:t>呈現無瀏覽權限</a:t>
+              <a:t>不用登入就可以瀏覽的</a:t>
+            </a:r>
+            <a:r>
+              <a:rPr lang="en-US" altLang="zh-TW" dirty="0" err="1"/>
+              <a:t>marst</a:t>
+            </a:r>
+            <a:r>
+              <a:rPr lang="zh-TW" altLang="en-US" dirty="0"/>
+              <a:t> </a:t>
+            </a:r>
+            <a:r>
+              <a:rPr lang="en-US" altLang="zh-TW" dirty="0"/>
+              <a:t>page</a:t>
+            </a:r>
+            <a:endParaRPr lang="zh-TW" altLang="en-US" dirty="0"/>
+          </a:p>
+        </p:txBody>
+      </p:sp>
+      <p:sp>
+        <p:nvSpPr>
+          <p:cNvPr id="12" name="內容版面配置區 11"/>
+          <p:cNvSpPr>
+            <a:spLocks noGrp="1"/>
+          </p:cNvSpPr>
+          <p:nvPr>
+            <p:ph idx="1"/>
+          </p:nvPr>
+        </p:nvSpPr>
+        <p:spPr/>
+        <p:txBody>
+          <a:bodyPr/>
+          <a:lstStyle/>
+          <a:p>
+            <a:r>
+              <a:rPr lang="zh-TW" altLang="en-US" dirty="0" smtClean="0"/>
+              <a:t>設定超連結</a:t>
+            </a:r>
+            <a:endParaRPr lang="en-US" altLang="zh-TW" dirty="0" smtClean="0"/>
+          </a:p>
+          <a:p>
+            <a:pPr lvl="1"/>
+            <a:r>
+              <a:rPr lang="en-US" altLang="zh-TW" dirty="0" smtClean="0"/>
+              <a:t>Logo</a:t>
+            </a:r>
+          </a:p>
+          <a:p>
+            <a:pPr lvl="1"/>
+            <a:r>
+              <a:rPr lang="zh-TW" altLang="en-US" dirty="0" smtClean="0"/>
+              <a:t>登入</a:t>
+            </a:r>
+            <a:endParaRPr lang="en-US" altLang="zh-TW" dirty="0" smtClean="0"/>
+          </a:p>
+          <a:p>
+            <a:pPr lvl="1"/>
+            <a:r>
+              <a:rPr lang="zh-TW" altLang="en-US" dirty="0"/>
+              <a:t>關於</a:t>
+            </a:r>
+            <a:r>
+              <a:rPr lang="zh-TW" altLang="en-US" dirty="0" smtClean="0"/>
+              <a:t>我們</a:t>
+            </a:r>
+            <a:endParaRPr lang="en-US" altLang="zh-TW" dirty="0" smtClean="0"/>
+          </a:p>
+          <a:p>
+            <a:pPr lvl="1"/>
+            <a:r>
+              <a:rPr lang="zh-TW" altLang="en-US" dirty="0"/>
+              <a:t>購買</a:t>
+            </a:r>
+            <a:r>
+              <a:rPr lang="zh-TW" altLang="en-US" dirty="0" smtClean="0"/>
+              <a:t>商品</a:t>
+            </a:r>
+            <a:endParaRPr lang="en-US" altLang="zh-TW" dirty="0" smtClean="0"/>
+          </a:p>
+          <a:p>
+            <a:pPr lvl="1"/>
+            <a:r>
+              <a:rPr lang="zh-TW" altLang="en-US" dirty="0"/>
+              <a:t>高級會員區</a:t>
+            </a:r>
+            <a:endParaRPr lang="zh-TW" altLang="en-US" dirty="0"/>
+          </a:p>
+        </p:txBody>
+      </p:sp>
+      <p:pic>
+        <p:nvPicPr>
+          <p:cNvPr id="13" name="圖片 12" descr="畫面剪輯"/>
+          <p:cNvPicPr>
+            <a:picLocks noChangeAspect="1"/>
+          </p:cNvPicPr>
+          <p:nvPr/>
+        </p:nvPicPr>
+        <p:blipFill>
+          <a:blip r:embed="rId2">
+            <a:extLst>
+              <a:ext uri="{28A0092B-C50C-407E-A947-70E740481C1C}">
+                <a14:useLocalDpi xmlns:a14="http://schemas.microsoft.com/office/drawing/2010/main" val="0"/>
+              </a:ext>
+            </a:extLst>
+          </a:blip>
+          <a:stretch>
+            <a:fillRect/>
+          </a:stretch>
+        </p:blipFill>
+        <p:spPr>
+          <a:xfrm>
+            <a:off x="4680086" y="1554161"/>
+            <a:ext cx="6055321" cy="4656175"/>
+          </a:xfrm>
+          <a:prstGeom prst="rect">
+            <a:avLst/>
+          </a:prstGeom>
+        </p:spPr>
+      </p:pic>
+    </p:spTree>
+    <p:extLst>
+      <p:ext uri="{BB962C8B-B14F-4D97-AF65-F5344CB8AC3E}">
+        <p14:creationId xmlns:p14="http://schemas.microsoft.com/office/powerpoint/2010/main" val="1849818795"/>
+      </p:ext>
+    </p:extLst>
+  </p:cSld>
+  <p:clrMapOvr>
+    <a:masterClrMapping/>
+  </p:clrMapOvr>
+  <mc:AlternateContent xmlns:mc="http://schemas.openxmlformats.org/markup-compatibility/2006" xmlns:p14="http://schemas.microsoft.com/office/powerpoint/2010/main">
+    <mc:Choice Requires="p14">
+      <p:transition spd="slow" p14:dur="1500">
+        <p:random/>
+      </p:transition>
+    </mc:Choice>
+    <mc:Fallback xmlns="">
+      <p:transition spd="slow">
+        <p:random/>
+      </p:transition>
+    </mc:Fallback>
+  </mc:AlternateContent>
+</p:sld>
+</file>
+
+<file path=ppt/slides/slide15.xml><?xml version="1.0" encoding="utf-8"?>
+<p:sld xmlns:a="http://schemas.openxmlformats.org/drawingml/2006/main" xmlns:r="http://schemas.openxmlformats.org/officeDocument/2006/relationships" xmlns:p="http://schemas.openxmlformats.org/presentationml/2006/main">
+  <p:cSld>
+    <p:spTree>
+      <p:nvGrpSpPr>
+        <p:cNvPr id="1" name=""/>
+        <p:cNvGrpSpPr/>
+        <p:nvPr/>
+      </p:nvGrpSpPr>
+      <p:grpSpPr>
+        <a:xfrm>
+          <a:off x="0" y="0"/>
+          <a:ext cx="0" cy="0"/>
+          <a:chOff x="0" y="0"/>
+          <a:chExt cx="0" cy="0"/>
+        </a:xfrm>
+      </p:grpSpPr>
+      <p:sp>
+        <p:nvSpPr>
+          <p:cNvPr id="2" name="標題 1"/>
+          <p:cNvSpPr>
+            <a:spLocks noGrp="1"/>
+          </p:cNvSpPr>
+          <p:nvPr>
+            <p:ph type="title"/>
+          </p:nvPr>
+        </p:nvSpPr>
+        <p:spPr/>
+        <p:txBody>
+          <a:bodyPr/>
+          <a:lstStyle/>
+          <a:p>
+            <a:r>
+              <a:rPr lang="zh-TW" altLang="en-US" dirty="0"/>
+              <a:t>登入</a:t>
             </a:r>
             <a:r>
               <a:rPr lang="zh-TW" altLang="en-US" dirty="0" smtClean="0"/>
@@ -6717,16 +8465,355 @@
           <a:p>
             <a:r>
               <a:rPr lang="zh-TW" altLang="en-US" dirty="0" smtClean="0"/>
-              <a:t>沒權限導到這</a:t>
-            </a:r>
-            <a:endParaRPr lang="zh-TW" altLang="en-US" dirty="0"/>
+              <a:t>需要元素</a:t>
+            </a:r>
+            <a:endParaRPr lang="en-US" altLang="zh-TW" dirty="0" smtClean="0"/>
+          </a:p>
+          <a:p>
+            <a:pPr lvl="1"/>
+            <a:r>
+              <a:rPr lang="zh-TW" altLang="en-US" dirty="0" smtClean="0"/>
+              <a:t>帳號輸入框</a:t>
+            </a:r>
+            <a:endParaRPr lang="en-US" altLang="zh-TW" dirty="0" smtClean="0"/>
+          </a:p>
+          <a:p>
+            <a:pPr lvl="1"/>
+            <a:r>
+              <a:rPr lang="zh-TW" altLang="en-US" dirty="0"/>
+              <a:t>密碼輸入</a:t>
+            </a:r>
+            <a:r>
+              <a:rPr lang="zh-TW" altLang="en-US" dirty="0" smtClean="0"/>
+              <a:t>框</a:t>
+            </a:r>
+            <a:endParaRPr lang="en-US" altLang="zh-TW" dirty="0" smtClean="0"/>
+          </a:p>
+          <a:p>
+            <a:pPr lvl="1"/>
+            <a:r>
+              <a:rPr lang="zh-TW" altLang="en-US" dirty="0" smtClean="0"/>
+              <a:t>送出按鈕</a:t>
+            </a:r>
+            <a:endParaRPr lang="en-US" altLang="zh-TW" dirty="0" smtClean="0"/>
+          </a:p>
+          <a:p>
+            <a:pPr lvl="1"/>
+            <a:r>
+              <a:rPr lang="zh-TW" altLang="en-US" dirty="0" smtClean="0"/>
+              <a:t>註冊網頁連結</a:t>
+            </a:r>
+            <a:endParaRPr lang="en-US" altLang="zh-TW" dirty="0" smtClean="0"/>
+          </a:p>
+          <a:p>
+            <a:endParaRPr lang="en-US" altLang="zh-TW" dirty="0"/>
           </a:p>
         </p:txBody>
       </p:sp>
     </p:spTree>
     <p:extLst>
       <p:ext uri="{BB962C8B-B14F-4D97-AF65-F5344CB8AC3E}">
-        <p14:creationId xmlns:p14="http://schemas.microsoft.com/office/powerpoint/2010/main" val="4288273706"/>
+        <p14:creationId xmlns:p14="http://schemas.microsoft.com/office/powerpoint/2010/main" val="553654030"/>
+      </p:ext>
+    </p:extLst>
+  </p:cSld>
+  <p:clrMapOvr>
+    <a:masterClrMapping/>
+  </p:clrMapOvr>
+  <mc:AlternateContent xmlns:mc="http://schemas.openxmlformats.org/markup-compatibility/2006" xmlns:p14="http://schemas.microsoft.com/office/powerpoint/2010/main">
+    <mc:Choice Requires="p14">
+      <p:transition spd="slow" p14:dur="1500">
+        <p:random/>
+      </p:transition>
+    </mc:Choice>
+    <mc:Fallback xmlns="">
+      <p:transition spd="slow">
+        <p:random/>
+      </p:transition>
+    </mc:Fallback>
+  </mc:AlternateContent>
+</p:sld>
+</file>
+
+<file path=ppt/slides/slide16.xml><?xml version="1.0" encoding="utf-8"?>
+<p:sld xmlns:a="http://schemas.openxmlformats.org/drawingml/2006/main" xmlns:r="http://schemas.openxmlformats.org/officeDocument/2006/relationships" xmlns:p="http://schemas.openxmlformats.org/presentationml/2006/main">
+  <p:cSld>
+    <p:spTree>
+      <p:nvGrpSpPr>
+        <p:cNvPr id="1" name=""/>
+        <p:cNvGrpSpPr/>
+        <p:nvPr/>
+      </p:nvGrpSpPr>
+      <p:grpSpPr>
+        <a:xfrm>
+          <a:off x="0" y="0"/>
+          <a:ext cx="0" cy="0"/>
+          <a:chOff x="0" y="0"/>
+          <a:chExt cx="0" cy="0"/>
+        </a:xfrm>
+      </p:grpSpPr>
+      <p:sp>
+        <p:nvSpPr>
+          <p:cNvPr id="2" name="標題 1"/>
+          <p:cNvSpPr>
+            <a:spLocks noGrp="1"/>
+          </p:cNvSpPr>
+          <p:nvPr>
+            <p:ph type="title"/>
+          </p:nvPr>
+        </p:nvSpPr>
+        <p:spPr/>
+        <p:txBody>
+          <a:bodyPr/>
+          <a:lstStyle/>
+          <a:p>
+            <a:r>
+              <a:rPr lang="zh-TW" altLang="en-US" dirty="0"/>
+              <a:t>註冊</a:t>
+            </a:r>
+            <a:r>
+              <a:rPr lang="zh-TW" altLang="en-US" dirty="0" smtClean="0"/>
+              <a:t>網頁</a:t>
+            </a:r>
+            <a:endParaRPr lang="zh-TW" altLang="en-US" dirty="0"/>
+          </a:p>
+        </p:txBody>
+      </p:sp>
+      <p:sp>
+        <p:nvSpPr>
+          <p:cNvPr id="3" name="內容版面配置區 2"/>
+          <p:cNvSpPr>
+            <a:spLocks noGrp="1"/>
+          </p:cNvSpPr>
+          <p:nvPr>
+            <p:ph idx="1"/>
+          </p:nvPr>
+        </p:nvSpPr>
+        <p:spPr/>
+        <p:txBody>
+          <a:bodyPr/>
+          <a:lstStyle/>
+          <a:p>
+            <a:r>
+              <a:rPr lang="zh-TW" altLang="en-US" dirty="0" smtClean="0"/>
+              <a:t>基本資料輸入框</a:t>
+            </a:r>
+            <a:endParaRPr lang="en-US" altLang="zh-TW" dirty="0" smtClean="0"/>
+          </a:p>
+          <a:p>
+            <a:r>
+              <a:rPr lang="zh-TW" altLang="en-US" dirty="0" smtClean="0"/>
+              <a:t>寄信</a:t>
+            </a:r>
+            <a:endParaRPr lang="en-US" altLang="zh-TW" dirty="0" smtClean="0"/>
+          </a:p>
+          <a:p>
+            <a:r>
+              <a:rPr lang="en-US" altLang="zh-TW" dirty="0" smtClean="0"/>
+              <a:t>Hash</a:t>
+            </a:r>
+          </a:p>
+          <a:p>
+            <a:r>
+              <a:rPr lang="en-US" altLang="zh-TW" dirty="0"/>
+              <a:t>google</a:t>
+            </a:r>
+            <a:r>
+              <a:rPr lang="zh-TW" altLang="en-US" dirty="0"/>
+              <a:t>驗證碼</a:t>
+            </a:r>
+          </a:p>
+          <a:p>
+            <a:endParaRPr lang="zh-TW" altLang="en-US" dirty="0"/>
+          </a:p>
+        </p:txBody>
+      </p:sp>
+    </p:spTree>
+    <p:extLst>
+      <p:ext uri="{BB962C8B-B14F-4D97-AF65-F5344CB8AC3E}">
+        <p14:creationId xmlns:p14="http://schemas.microsoft.com/office/powerpoint/2010/main" val="1341506767"/>
+      </p:ext>
+    </p:extLst>
+  </p:cSld>
+  <p:clrMapOvr>
+    <a:masterClrMapping/>
+  </p:clrMapOvr>
+  <mc:AlternateContent xmlns:mc="http://schemas.openxmlformats.org/markup-compatibility/2006" xmlns:p14="http://schemas.microsoft.com/office/powerpoint/2010/main">
+    <mc:Choice Requires="p14">
+      <p:transition spd="slow" p14:dur="1500">
+        <p:random/>
+      </p:transition>
+    </mc:Choice>
+    <mc:Fallback xmlns="">
+      <p:transition spd="slow">
+        <p:random/>
+      </p:transition>
+    </mc:Fallback>
+  </mc:AlternateContent>
+</p:sld>
+</file>
+
+<file path=ppt/slides/slide17.xml><?xml version="1.0" encoding="utf-8"?>
+<p:sld xmlns:a="http://schemas.openxmlformats.org/drawingml/2006/main" xmlns:r="http://schemas.openxmlformats.org/officeDocument/2006/relationships" xmlns:p="http://schemas.openxmlformats.org/presentationml/2006/main">
+  <p:cSld>
+    <p:spTree>
+      <p:nvGrpSpPr>
+        <p:cNvPr id="1" name=""/>
+        <p:cNvGrpSpPr/>
+        <p:nvPr/>
+      </p:nvGrpSpPr>
+      <p:grpSpPr>
+        <a:xfrm>
+          <a:off x="0" y="0"/>
+          <a:ext cx="0" cy="0"/>
+          <a:chOff x="0" y="0"/>
+          <a:chExt cx="0" cy="0"/>
+        </a:xfrm>
+      </p:grpSpPr>
+      <p:sp>
+        <p:nvSpPr>
+          <p:cNvPr id="2" name="標題 1"/>
+          <p:cNvSpPr>
+            <a:spLocks noGrp="1"/>
+          </p:cNvSpPr>
+          <p:nvPr>
+            <p:ph type="title"/>
+          </p:nvPr>
+        </p:nvSpPr>
+        <p:spPr/>
+        <p:txBody>
+          <a:bodyPr/>
+          <a:lstStyle/>
+          <a:p>
+            <a:r>
+              <a:rPr lang="zh-TW" altLang="en-US" dirty="0"/>
+              <a:t>一般會員可瀏覽網頁</a:t>
+            </a:r>
+          </a:p>
+        </p:txBody>
+      </p:sp>
+      <p:sp>
+        <p:nvSpPr>
+          <p:cNvPr id="3" name="內容版面配置區 2"/>
+          <p:cNvSpPr>
+            <a:spLocks noGrp="1"/>
+          </p:cNvSpPr>
+          <p:nvPr>
+            <p:ph idx="1"/>
+          </p:nvPr>
+        </p:nvSpPr>
+        <p:spPr/>
+        <p:txBody>
+          <a:bodyPr/>
+          <a:lstStyle/>
+          <a:p>
+            <a:r>
+              <a:rPr lang="zh-TW" altLang="en-US" dirty="0"/>
+              <a:t>檢查</a:t>
+            </a:r>
+            <a:endParaRPr lang="en-US" altLang="zh-TW" dirty="0" smtClean="0"/>
+          </a:p>
+        </p:txBody>
+      </p:sp>
+    </p:spTree>
+    <p:extLst>
+      <p:ext uri="{BB962C8B-B14F-4D97-AF65-F5344CB8AC3E}">
+        <p14:creationId xmlns:p14="http://schemas.microsoft.com/office/powerpoint/2010/main" val="1575555586"/>
+      </p:ext>
+    </p:extLst>
+  </p:cSld>
+  <p:clrMapOvr>
+    <a:masterClrMapping/>
+  </p:clrMapOvr>
+  <mc:AlternateContent xmlns:mc="http://schemas.openxmlformats.org/markup-compatibility/2006" xmlns:p14="http://schemas.microsoft.com/office/powerpoint/2010/main">
+    <mc:Choice Requires="p14">
+      <p:transition spd="slow" p14:dur="1500">
+        <p:random/>
+      </p:transition>
+    </mc:Choice>
+    <mc:Fallback xmlns="">
+      <p:transition spd="slow">
+        <p:random/>
+      </p:transition>
+    </mc:Fallback>
+  </mc:AlternateContent>
+</p:sld>
+</file>
+
+<file path=ppt/slides/slide18.xml><?xml version="1.0" encoding="utf-8"?>
+<p:sld xmlns:a="http://schemas.openxmlformats.org/drawingml/2006/main" xmlns:r="http://schemas.openxmlformats.org/officeDocument/2006/relationships" xmlns:p="http://schemas.openxmlformats.org/presentationml/2006/main">
+  <p:cSld>
+    <p:spTree>
+      <p:nvGrpSpPr>
+        <p:cNvPr id="1" name=""/>
+        <p:cNvGrpSpPr/>
+        <p:nvPr/>
+      </p:nvGrpSpPr>
+      <p:grpSpPr>
+        <a:xfrm>
+          <a:off x="0" y="0"/>
+          <a:ext cx="0" cy="0"/>
+          <a:chOff x="0" y="0"/>
+          <a:chExt cx="0" cy="0"/>
+        </a:xfrm>
+      </p:grpSpPr>
+      <p:sp>
+        <p:nvSpPr>
+          <p:cNvPr id="2" name="標題 1"/>
+          <p:cNvSpPr>
+            <a:spLocks noGrp="1"/>
+          </p:cNvSpPr>
+          <p:nvPr>
+            <p:ph type="title"/>
+          </p:nvPr>
+        </p:nvSpPr>
+        <p:spPr/>
+        <p:txBody>
+          <a:bodyPr/>
+          <a:lstStyle/>
+          <a:p>
+            <a:r>
+              <a:rPr lang="zh-TW" altLang="en-US" dirty="0"/>
+              <a:t>高級會員才可瀏覽</a:t>
+            </a:r>
+            <a:r>
+              <a:rPr lang="zh-TW" altLang="en-US" dirty="0" smtClean="0"/>
+              <a:t>網頁</a:t>
+            </a:r>
+            <a:endParaRPr lang="zh-TW" altLang="en-US" dirty="0"/>
+          </a:p>
+        </p:txBody>
+      </p:sp>
+      <p:sp>
+        <p:nvSpPr>
+          <p:cNvPr id="3" name="內容版面配置區 2"/>
+          <p:cNvSpPr>
+            <a:spLocks noGrp="1"/>
+          </p:cNvSpPr>
+          <p:nvPr>
+            <p:ph idx="1"/>
+          </p:nvPr>
+        </p:nvSpPr>
+        <p:spPr/>
+        <p:txBody>
+          <a:bodyPr/>
+          <a:lstStyle/>
+          <a:p>
+            <a:r>
+              <a:rPr lang="zh-TW" altLang="en-US" dirty="0"/>
+              <a:t>檢查</a:t>
+            </a:r>
+            <a:endParaRPr lang="en-US" altLang="zh-TW" dirty="0"/>
+          </a:p>
+          <a:p>
+            <a:endParaRPr lang="zh-TW" altLang="en-US" dirty="0"/>
+          </a:p>
+        </p:txBody>
+      </p:sp>
+    </p:spTree>
+    <p:extLst>
+      <p:ext uri="{BB962C8B-B14F-4D97-AF65-F5344CB8AC3E}">
+        <p14:creationId xmlns:p14="http://schemas.microsoft.com/office/powerpoint/2010/main" val="2259941329"/>
       </p:ext>
     </p:extLst>
   </p:cSld>
@@ -6888,7 +8975,6 @@
               <a:rPr lang="zh-TW" altLang="en-US" dirty="0"/>
               <a:t>網頁規劃</a:t>
             </a:r>
-            <a:endParaRPr lang="zh-TW" altLang="en-US" dirty="0"/>
           </a:p>
         </p:txBody>
       </p:sp>
@@ -6910,8 +8996,12 @@
           <a:lstStyle/>
           <a:p>
             <a:r>
+              <a:rPr lang="zh-TW" altLang="en-US" dirty="0" smtClean="0"/>
+              <a:t>權限</a:t>
+            </a:r>
+            <a:r>
               <a:rPr lang="zh-TW" altLang="en-US" dirty="0"/>
-              <a:t>權限控制</a:t>
+              <a:t>控制</a:t>
             </a:r>
             <a:endParaRPr lang="en-US" altLang="zh-TW" dirty="0" smtClean="0"/>
           </a:p>
@@ -7001,7 +9091,11 @@
             <a:pPr lvl="1"/>
             <a:r>
               <a:rPr lang="zh-TW" altLang="en-US" dirty="0"/>
-              <a:t>登入功能</a:t>
+              <a:t>登入</a:t>
+            </a:r>
+            <a:r>
+              <a:rPr lang="zh-TW" altLang="en-US" dirty="0" smtClean="0"/>
+              <a:t>功能</a:t>
             </a:r>
             <a:endParaRPr lang="en-US" altLang="zh-TW" dirty="0"/>
           </a:p>
@@ -7111,11 +9205,56 @@
           <a:p>
             <a:r>
               <a:rPr lang="zh-TW" altLang="en-US" dirty="0" smtClean="0"/>
+              <a:t>未登入狀態</a:t>
+            </a:r>
+            <a:r>
+              <a:rPr lang="zh-TW" altLang="en-US" dirty="0"/>
+              <a:t>下可以瀏覽的網頁</a:t>
+            </a:r>
+            <a:endParaRPr lang="en-US" altLang="zh-TW" dirty="0" smtClean="0"/>
+          </a:p>
+          <a:p>
+            <a:pPr lvl="1"/>
+            <a:r>
+              <a:rPr lang="zh-TW" altLang="en-US" dirty="0" smtClean="0"/>
               <a:t>首頁</a:t>
             </a:r>
+            <a:endParaRPr lang="en-US" altLang="zh-TW" dirty="0" smtClean="0"/>
+          </a:p>
+          <a:p>
+            <a:pPr lvl="1"/>
+            <a:r>
+              <a:rPr lang="zh-TW" altLang="en-US" dirty="0"/>
+              <a:t>關於我們</a:t>
+            </a:r>
+            <a:endParaRPr lang="en-US" altLang="zh-TW" dirty="0" smtClean="0"/>
+          </a:p>
+          <a:p>
+            <a:pPr lvl="1"/>
+            <a:r>
+              <a:rPr lang="zh-TW" altLang="en-US" dirty="0"/>
+              <a:t>呈現無瀏覽權限</a:t>
+            </a:r>
+            <a:r>
+              <a:rPr lang="zh-TW" altLang="en-US" dirty="0" smtClean="0"/>
+              <a:t>網頁</a:t>
+            </a:r>
+            <a:endParaRPr lang="en-US" altLang="zh-TW" dirty="0" smtClean="0"/>
+          </a:p>
+          <a:p>
+            <a:pPr lvl="1"/>
+            <a:r>
+              <a:rPr lang="zh-TW" altLang="en-US" dirty="0"/>
+              <a:t>註冊</a:t>
+            </a:r>
+            <a:r>
+              <a:rPr lang="zh-TW" altLang="en-US" dirty="0" smtClean="0"/>
+              <a:t>網頁</a:t>
+            </a:r>
             <a:endParaRPr lang="en-US" altLang="zh-TW" dirty="0"/>
           </a:p>
           <a:p>
+            <a:pPr lvl="1"/>
             <a:r>
               <a:rPr lang="zh-TW" altLang="en-US" dirty="0" smtClean="0"/>
               <a:t>登入</a:t>
@@ -7129,58 +9268,72 @@
           <a:p>
             <a:r>
               <a:rPr lang="zh-TW" altLang="en-US" dirty="0" smtClean="0"/>
-              <a:t>註冊</a:t>
+              <a:t>登入</a:t>
             </a:r>
             <a:r>
               <a:rPr lang="zh-TW" altLang="en-US" dirty="0"/>
-              <a:t>網頁</a:t>
+              <a:t>狀態</a:t>
+            </a:r>
+            <a:r>
+              <a:rPr lang="zh-TW" altLang="en-US" dirty="0" smtClean="0"/>
+              <a:t>下可以瀏覽</a:t>
+            </a:r>
+            <a:r>
+              <a:rPr lang="zh-TW" altLang="en-US" dirty="0"/>
+              <a:t>的網頁</a:t>
             </a:r>
             <a:endParaRPr lang="en-US" altLang="zh-TW" dirty="0" smtClean="0"/>
           </a:p>
           <a:p>
+            <a:pPr lvl="1"/>
             <a:r>
               <a:rPr lang="zh-TW" altLang="en-US" dirty="0" smtClean="0"/>
-              <a:t>一般會員可瀏覽網頁</a:t>
+              <a:t>購買商品</a:t>
             </a:r>
             <a:endParaRPr lang="en-US" altLang="zh-TW" dirty="0" smtClean="0"/>
           </a:p>
           <a:p>
+            <a:r>
+              <a:rPr lang="zh-TW" altLang="en-US" dirty="0" smtClean="0"/>
+              <a:t>登入</a:t>
+            </a:r>
+            <a:r>
+              <a:rPr lang="zh-TW" altLang="en-US" dirty="0"/>
+              <a:t>狀態</a:t>
+            </a:r>
+            <a:r>
+              <a:rPr lang="zh-TW" altLang="en-US" dirty="0" smtClean="0"/>
+              <a:t>下會員身分為高級會員</a:t>
+            </a:r>
+            <a:r>
+              <a:rPr lang="zh-TW" altLang="en-US" dirty="0"/>
+              <a:t>才</a:t>
+            </a:r>
+            <a:r>
+              <a:rPr lang="zh-TW" altLang="en-US" dirty="0" smtClean="0"/>
+              <a:t>可以瀏覽</a:t>
+            </a:r>
+            <a:r>
+              <a:rPr lang="zh-TW" altLang="en-US" dirty="0"/>
+              <a:t>的網頁</a:t>
+            </a:r>
+            <a:endParaRPr lang="en-US" altLang="zh-TW" dirty="0" smtClean="0"/>
+          </a:p>
+          <a:p>
+            <a:pPr lvl="1"/>
             <a:r>
               <a:rPr lang="zh-TW" altLang="en-US" dirty="0"/>
               <a:t>高級</a:t>
             </a:r>
             <a:r>
               <a:rPr lang="zh-TW" altLang="en-US" dirty="0" smtClean="0"/>
-              <a:t>會員才可</a:t>
+              <a:t>會員</a:t>
             </a:r>
             <a:r>
               <a:rPr lang="zh-TW" altLang="en-US" dirty="0"/>
-              <a:t>瀏覽</a:t>
-            </a:r>
-            <a:r>
-              <a:rPr lang="zh-TW" altLang="en-US" dirty="0" smtClean="0"/>
-              <a:t>網頁</a:t>
+              <a:t>區</a:t>
             </a:r>
             <a:endParaRPr lang="en-US" altLang="zh-TW" dirty="0" smtClean="0"/>
-          </a:p>
-          <a:p>
-            <a:r>
-              <a:rPr lang="zh-TW" altLang="en-US" dirty="0" smtClean="0"/>
-              <a:t>呈現無</a:t>
-            </a:r>
-            <a:r>
-              <a:rPr lang="zh-TW" altLang="en-US" dirty="0"/>
-              <a:t>瀏覽</a:t>
-            </a:r>
-            <a:r>
-              <a:rPr lang="zh-TW" altLang="en-US" dirty="0" smtClean="0"/>
-              <a:t>權限</a:t>
-            </a:r>
-            <a:r>
-              <a:rPr lang="zh-TW" altLang="en-US" dirty="0"/>
-              <a:t>網頁</a:t>
-            </a:r>
-            <a:endParaRPr lang="en-US" altLang="zh-TW" dirty="0"/>
           </a:p>
           <a:p>
             <a:endParaRPr lang="en-US" altLang="zh-TW" dirty="0" smtClean="0"/>
@@ -7239,7 +9392,7 @@
       </p:grpSpPr>
       <p:sp>
         <p:nvSpPr>
-          <p:cNvPr id="2" name="標題 1"/>
+          <p:cNvPr id="4" name="標題 3"/>
           <p:cNvSpPr>
             <a:spLocks noGrp="1"/>
           </p:cNvSpPr>
@@ -7253,8 +9406,12 @@
           <a:lstStyle/>
           <a:p>
             <a:r>
+              <a:rPr lang="zh-TW" altLang="en-US" dirty="0"/>
+              <a:t>未登入狀態下可以瀏覽的</a:t>
+            </a:r>
+            <a:r>
               <a:rPr lang="zh-TW" altLang="en-US" dirty="0" smtClean="0"/>
-              <a:t>首頁</a:t>
+              <a:t>網頁</a:t>
             </a:r>
             <a:endParaRPr lang="zh-TW" altLang="en-US" dirty="0"/>
           </a:p>
@@ -7262,7 +9419,7 @@
       </p:sp>
       <p:sp>
         <p:nvSpPr>
-          <p:cNvPr id="3" name="內容版面配置區 2"/>
+          <p:cNvPr id="5" name="內容版面配置區 4"/>
           <p:cNvSpPr>
             <a:spLocks noGrp="1"/>
           </p:cNvSpPr>
@@ -7276,20 +9433,82 @@
           <a:lstStyle/>
           <a:p>
             <a:r>
+              <a:rPr lang="zh-TW" altLang="en-US" dirty="0"/>
+              <a:t>建置</a:t>
+            </a:r>
+            <a:r>
+              <a:rPr lang="en-US" altLang="zh-TW" dirty="0" err="1"/>
+              <a:t>marst</a:t>
+            </a:r>
+            <a:r>
+              <a:rPr lang="en-US" altLang="zh-TW" dirty="0"/>
+              <a:t> page</a:t>
+            </a:r>
+            <a:endParaRPr lang="zh-TW" altLang="en-US" dirty="0"/>
+          </a:p>
+          <a:p>
+            <a:r>
               <a:rPr lang="zh-TW" altLang="en-US" dirty="0" smtClean="0"/>
-              <a:t>設定</a:t>
-            </a:r>
+              <a:t>建置</a:t>
+            </a:r>
+            <a:r>
+              <a:rPr lang="en-US" altLang="zh-TW" dirty="0" smtClean="0"/>
+              <a:t>web page</a:t>
+            </a:r>
+          </a:p>
+          <a:p>
+            <a:pPr lvl="1"/>
+            <a:r>
+              <a:rPr lang="zh-TW" altLang="en-US" dirty="0" smtClean="0"/>
+              <a:t>首頁</a:t>
+            </a:r>
+            <a:endParaRPr lang="en-US" altLang="zh-TW" dirty="0" smtClean="0"/>
+          </a:p>
+          <a:p>
+            <a:pPr lvl="1"/>
             <a:r>
               <a:rPr lang="zh-TW" altLang="en-US" dirty="0"/>
-              <a:t>首頁</a:t>
-            </a:r>
+              <a:t>關於</a:t>
+            </a:r>
+            <a:r>
+              <a:rPr lang="zh-TW" altLang="en-US" dirty="0" smtClean="0"/>
+              <a:t>我們</a:t>
+            </a:r>
+            <a:endParaRPr lang="en-US" altLang="zh-TW" dirty="0"/>
+          </a:p>
+          <a:p>
+            <a:pPr lvl="1"/>
+            <a:r>
+              <a:rPr lang="zh-TW" altLang="en-US" dirty="0"/>
+              <a:t>呈現無瀏覽權限網頁</a:t>
+            </a:r>
+            <a:endParaRPr lang="en-US" altLang="zh-TW" dirty="0"/>
+          </a:p>
+          <a:p>
+            <a:pPr lvl="1"/>
+            <a:r>
+              <a:rPr lang="zh-TW" altLang="en-US" dirty="0"/>
+              <a:t>註冊網頁</a:t>
+            </a:r>
+            <a:endParaRPr lang="en-US" altLang="zh-TW" dirty="0"/>
+          </a:p>
+          <a:p>
+            <a:pPr lvl="1"/>
+            <a:r>
+              <a:rPr lang="zh-TW" altLang="en-US" dirty="0"/>
+              <a:t>登入網頁</a:t>
+            </a:r>
+            <a:endParaRPr lang="en-US" altLang="zh-TW" dirty="0"/>
+          </a:p>
+          <a:p>
+            <a:endParaRPr lang="zh-TW" altLang="en-US" dirty="0"/>
           </a:p>
         </p:txBody>
       </p:sp>
     </p:spTree>
     <p:extLst>
       <p:ext uri="{BB962C8B-B14F-4D97-AF65-F5344CB8AC3E}">
-        <p14:creationId xmlns:p14="http://schemas.microsoft.com/office/powerpoint/2010/main" val="1059539623"/>
+        <p14:creationId xmlns:p14="http://schemas.microsoft.com/office/powerpoint/2010/main" val="80800302"/>
       </p:ext>
     </p:extLst>
   </p:cSld>
@@ -7345,7 +9564,7 @@
           <a:p>
             <a:r>
               <a:rPr lang="zh-TW" altLang="en-US" dirty="0"/>
-              <a:t>登入</a:t>
+              <a:t>未登入狀態下可以瀏覽的</a:t>
             </a:r>
             <a:r>
               <a:rPr lang="zh-TW" altLang="en-US" dirty="0" smtClean="0"/>
@@ -7372,65 +9591,54 @@
           <a:p>
             <a:r>
               <a:rPr lang="zh-TW" altLang="en-US" dirty="0" smtClean="0"/>
-              <a:t>排版</a:t>
-            </a:r>
-            <a:endParaRPr lang="en-US" altLang="zh-TW" dirty="0" smtClean="0"/>
-          </a:p>
-          <a:p>
-            <a:pPr lvl="1"/>
-            <a:r>
-              <a:rPr lang="zh-TW" altLang="en-US" dirty="0"/>
-              <a:t>帳</a:t>
-            </a:r>
-            <a:r>
-              <a:rPr lang="zh-TW" altLang="en-US" dirty="0" smtClean="0"/>
-              <a:t>秘輸入框</a:t>
-            </a:r>
-            <a:endParaRPr lang="en-US" altLang="zh-TW" dirty="0" smtClean="0"/>
-          </a:p>
-          <a:p>
-            <a:pPr lvl="1"/>
-            <a:r>
-              <a:rPr lang="zh-TW" altLang="en-US" dirty="0" smtClean="0"/>
-              <a:t>忘記密碼</a:t>
-            </a:r>
-            <a:endParaRPr lang="en-US" altLang="zh-TW" dirty="0" smtClean="0"/>
-          </a:p>
-          <a:p>
-            <a:pPr lvl="1"/>
-            <a:r>
-              <a:rPr lang="zh-TW" altLang="en-US" dirty="0" smtClean="0"/>
-              <a:t>註冊</a:t>
-            </a:r>
-            <a:endParaRPr lang="en-US" altLang="zh-TW" dirty="0" smtClean="0"/>
-          </a:p>
-          <a:p>
-            <a:endParaRPr lang="en-US" altLang="zh-TW" dirty="0"/>
-          </a:p>
-          <a:p>
-            <a:r>
-              <a:rPr lang="zh-TW" altLang="en-US" dirty="0" smtClean="0"/>
-              <a:t>寄信</a:t>
-            </a:r>
-            <a:endParaRPr lang="en-US" altLang="zh-TW" dirty="0" smtClean="0"/>
-          </a:p>
-          <a:p>
+              <a:t>建置</a:t>
+            </a:r>
+            <a:r>
+              <a:rPr lang="en-US" altLang="zh-TW" dirty="0" err="1" smtClean="0"/>
+              <a:t>marst</a:t>
+            </a:r>
             <a:r>
               <a:rPr lang="en-US" altLang="zh-TW" dirty="0" smtClean="0"/>
-              <a:t>google</a:t>
-            </a:r>
-            <a:r>
-              <a:rPr lang="zh-TW" altLang="en-US" dirty="0" smtClean="0"/>
-              <a:t>驗證碼</a:t>
+              <a:t> page</a:t>
             </a:r>
             <a:endParaRPr lang="zh-TW" altLang="en-US" dirty="0"/>
           </a:p>
         </p:txBody>
       </p:sp>
+      <p:pic>
+        <p:nvPicPr>
+          <p:cNvPr id="4" name="圖片 3" descr="畫面剪輯"/>
+          <p:cNvPicPr>
+            <a:picLocks noChangeAspect="1"/>
+          </p:cNvPicPr>
+          <p:nvPr/>
+        </p:nvPicPr>
+        <p:blipFill>
+          <a:blip r:embed="rId2">
+            <a:extLst>
+              <a:ext uri="{28A0092B-C50C-407E-A947-70E740481C1C}">
+                <a14:useLocalDpi xmlns:a14="http://schemas.microsoft.com/office/drawing/2010/main" val="0"/>
+              </a:ext>
+            </a:extLst>
+          </a:blip>
+          <a:stretch>
+            <a:fillRect/>
+          </a:stretch>
+        </p:blipFill>
+        <p:spPr>
+          <a:xfrm>
+            <a:off x="1357280" y="2176230"/>
+            <a:ext cx="10289809" cy="4300770"/>
+          </a:xfrm>
+          <a:prstGeom prst="rect">
+            <a:avLst/>
+          </a:prstGeom>
+        </p:spPr>
+      </p:pic>
     </p:spTree>
     <p:extLst>
       <p:ext uri="{BB962C8B-B14F-4D97-AF65-F5344CB8AC3E}">
-        <p14:creationId xmlns:p14="http://schemas.microsoft.com/office/powerpoint/2010/main" val="553654030"/>
+        <p14:creationId xmlns:p14="http://schemas.microsoft.com/office/powerpoint/2010/main" val="2158581830"/>
       </p:ext>
     </p:extLst>
   </p:cSld>
@@ -7486,13 +9694,16 @@
           <a:p>
             <a:r>
               <a:rPr lang="zh-TW" altLang="en-US" dirty="0"/>
-              <a:t>註冊</a:t>
-            </a:r>
-            <a:r>
-              <a:rPr lang="zh-TW" altLang="en-US" dirty="0" smtClean="0"/>
-              <a:t>網頁</a:t>
-            </a:r>
-            <a:endParaRPr lang="zh-TW" altLang="en-US" dirty="0"/>
+              <a:t>未登入狀態下可以瀏覽的網頁</a:t>
+            </a:r>
+            <a:r>
+              <a:rPr lang="en-US" altLang="zh-TW" dirty="0"/>
+              <a:t>_</a:t>
+            </a:r>
+            <a:r>
+              <a:rPr lang="zh-TW" altLang="en-US" dirty="0"/>
+              <a:t>首頁</a:t>
+            </a:r>
           </a:p>
         </p:txBody>
       </p:sp>
@@ -7513,42 +9724,69 @@
           <a:p>
             <a:r>
               <a:rPr lang="zh-TW" altLang="en-US" dirty="0" smtClean="0"/>
-              <a:t>基本資料輸入框</a:t>
-            </a:r>
+              <a:t>建置</a:t>
+            </a:r>
+            <a:r>
+              <a:rPr lang="en-US" altLang="zh-TW" dirty="0" smtClean="0"/>
+              <a:t>Home web </a:t>
+            </a:r>
+            <a:r>
+              <a:rPr lang="en-US" altLang="zh-TW" dirty="0"/>
+              <a:t>page</a:t>
+            </a:r>
+            <a:endParaRPr lang="zh-TW" altLang="en-US" dirty="0"/>
+          </a:p>
+          <a:p>
             <a:endParaRPr lang="en-US" altLang="zh-TW" dirty="0" smtClean="0"/>
           </a:p>
           <a:p>
-            <a:r>
-              <a:rPr lang="zh-TW" altLang="en-US" dirty="0" smtClean="0"/>
-              <a:t>寄信</a:t>
-            </a:r>
+            <a:endParaRPr lang="en-US" altLang="zh-TW" dirty="0"/>
+          </a:p>
+          <a:p>
             <a:endParaRPr lang="en-US" altLang="zh-TW" dirty="0" smtClean="0"/>
           </a:p>
           <a:p>
-            <a:r>
-              <a:rPr lang="en-US" altLang="zh-TW" dirty="0" smtClean="0"/>
-              <a:t>Hash</a:t>
-            </a:r>
-          </a:p>
-          <a:p>
-            <a:r>
-              <a:rPr lang="en-US" altLang="zh-TW" dirty="0"/>
-              <a:t>google</a:t>
-            </a:r>
-            <a:r>
-              <a:rPr lang="zh-TW" altLang="en-US" dirty="0"/>
-              <a:t>驗證碼</a:t>
-            </a:r>
+            <a:endParaRPr lang="en-US" altLang="zh-TW" dirty="0"/>
           </a:p>
           <a:p>
             <a:endParaRPr lang="zh-TW" altLang="en-US" dirty="0"/>
           </a:p>
         </p:txBody>
       </p:sp>
+      <p:pic>
+        <p:nvPicPr>
+          <p:cNvPr id="5" name="圖片 4" descr="畫面剪輯"/>
+          <p:cNvPicPr>
+            <a:picLocks noChangeAspect="1"/>
+          </p:cNvPicPr>
+          <p:nvPr/>
+        </p:nvPicPr>
+        <p:blipFill>
+          <a:blip r:embed="rId2">
+            <a:extLst>
+              <a:ext uri="{28A0092B-C50C-407E-A947-70E740481C1C}">
+                <a14:useLocalDpi xmlns:a14="http://schemas.microsoft.com/office/drawing/2010/main" val="0"/>
+              </a:ext>
+            </a:extLst>
+          </a:blip>
+          <a:stretch>
+            <a:fillRect/>
+          </a:stretch>
+        </p:blipFill>
+        <p:spPr>
+          <a:xfrm>
+            <a:off x="838253" y="2671695"/>
+            <a:ext cx="10896547" cy="987041"/>
+          </a:xfrm>
+          <a:prstGeom prst="rect">
+            <a:avLst/>
+          </a:prstGeom>
+        </p:spPr>
+      </p:pic>
     </p:spTree>
     <p:extLst>
       <p:ext uri="{BB962C8B-B14F-4D97-AF65-F5344CB8AC3E}">
-        <p14:creationId xmlns:p14="http://schemas.microsoft.com/office/powerpoint/2010/main" val="1341506767"/>
+        <p14:creationId xmlns:p14="http://schemas.microsoft.com/office/powerpoint/2010/main" val="3849077445"/>
       </p:ext>
     </p:extLst>
   </p:cSld>
@@ -7604,7 +9842,15 @@
           <a:p>
             <a:r>
               <a:rPr lang="zh-TW" altLang="en-US" dirty="0"/>
-              <a:t>一般會員可瀏覽網頁</a:t>
+              <a:t>未登入狀態下可以瀏覽的網頁</a:t>
+            </a:r>
+            <a:r>
+              <a:rPr lang="en-US" altLang="zh-TW" dirty="0"/>
+              <a:t>_</a:t>
+            </a:r>
+            <a:r>
+              <a:rPr lang="zh-TW" altLang="en-US" dirty="0"/>
+              <a:t>首頁</a:t>
             </a:r>
           </a:p>
         </p:txBody>
@@ -7626,16 +9872,37 @@
           <a:p>
             <a:r>
               <a:rPr lang="zh-TW" altLang="en-US" dirty="0"/>
-              <a:t>檢查</a:t>
+              <a:t>設定</a:t>
+            </a:r>
+            <a:r>
+              <a:rPr lang="en-US" altLang="zh-TW" dirty="0"/>
+              <a:t>Home web </a:t>
+            </a:r>
+            <a:r>
+              <a:rPr lang="en-US" altLang="zh-TW" dirty="0" smtClean="0"/>
+              <a:t>page</a:t>
+            </a:r>
+            <a:r>
+              <a:rPr lang="zh-TW" altLang="en-US" dirty="0" smtClean="0"/>
+              <a:t>為首頁</a:t>
             </a:r>
             <a:endParaRPr lang="en-US" altLang="zh-TW" dirty="0" smtClean="0"/>
+          </a:p>
+          <a:p>
+            <a:endParaRPr lang="en-US" altLang="zh-TW" dirty="0"/>
+          </a:p>
+          <a:p>
+            <a:endParaRPr lang="zh-TW" altLang="en-US" dirty="0"/>
+          </a:p>
+          <a:p>
+            <a:endParaRPr lang="zh-TW" altLang="en-US" dirty="0"/>
           </a:p>
         </p:txBody>
       </p:sp>
     </p:spTree>
     <p:extLst>
       <p:ext uri="{BB962C8B-B14F-4D97-AF65-F5344CB8AC3E}">
-        <p14:creationId xmlns:p14="http://schemas.microsoft.com/office/powerpoint/2010/main" val="1575555586"/>
+        <p14:creationId xmlns:p14="http://schemas.microsoft.com/office/powerpoint/2010/main" val="3073070268"/>
       </p:ext>
     </p:extLst>
   </p:cSld>
@@ -7676,7 +9943,7 @@
       </p:grpSpPr>
       <p:sp>
         <p:nvSpPr>
-          <p:cNvPr id="2" name="標題 1"/>
+          <p:cNvPr id="4" name="標題 3"/>
           <p:cNvSpPr>
             <a:spLocks noGrp="1"/>
           </p:cNvSpPr>
@@ -7686,43 +9953,338 @@
         </p:nvSpPr>
         <p:spPr/>
         <p:txBody>
-          <a:bodyPr/>
+          <a:bodyPr>
+            <a:normAutofit/>
+          </a:bodyPr>
+          <a:lstStyle/>
+          <a:p>
+            <a:r>
+              <a:rPr lang="zh-TW" altLang="en-US" dirty="0" smtClean="0"/>
+              <a:t>首頁</a:t>
+            </a:r>
+            <a:endParaRPr lang="zh-TW" altLang="en-US" dirty="0"/>
+          </a:p>
+        </p:txBody>
+      </p:sp>
+      <p:sp>
+        <p:nvSpPr>
+          <p:cNvPr id="20" name="矩形 19"/>
+          <p:cNvSpPr/>
+          <p:nvPr/>
+        </p:nvSpPr>
+        <p:spPr>
+          <a:xfrm>
+            <a:off x="2735536" y="2020644"/>
+            <a:ext cx="6312877" cy="3175609"/>
+          </a:xfrm>
+          <a:prstGeom prst="rect">
+            <a:avLst/>
+          </a:prstGeom>
+          <a:solidFill>
+            <a:schemeClr val="accent2"/>
+          </a:solidFill>
+          <a:ln w="28575">
+            <a:solidFill>
+              <a:schemeClr val="tx1"/>
+            </a:solidFill>
+          </a:ln>
+        </p:spPr>
+        <p:style>
+          <a:lnRef idx="2">
+            <a:schemeClr val="accent1">
+              <a:shade val="50000"/>
+            </a:schemeClr>
+          </a:lnRef>
+          <a:fillRef idx="1">
+            <a:schemeClr val="accent1"/>
+          </a:fillRef>
+          <a:effectRef idx="0">
+            <a:schemeClr val="accent1"/>
+          </a:effectRef>
+          <a:fontRef idx="minor">
+            <a:schemeClr val="lt1"/>
+          </a:fontRef>
+        </p:style>
+        <p:txBody>
+          <a:bodyPr rtlCol="0" anchor="ctr"/>
+          <a:lstStyle/>
+          <a:p>
+            <a:pPr algn="ctr"/>
+            <a:endParaRPr lang="zh-TW" altLang="en-US"/>
+          </a:p>
+        </p:txBody>
+      </p:sp>
+      <p:sp>
+        <p:nvSpPr>
+          <p:cNvPr id="21" name="矩形 20"/>
+          <p:cNvSpPr/>
+          <p:nvPr/>
+        </p:nvSpPr>
+        <p:spPr>
+          <a:xfrm>
+            <a:off x="3485813" y="2416420"/>
+            <a:ext cx="4812322" cy="2464776"/>
+          </a:xfrm>
+          <a:prstGeom prst="rect">
+            <a:avLst/>
+          </a:prstGeom>
+          <a:solidFill>
+            <a:schemeClr val="accent6"/>
+          </a:solidFill>
+          <a:ln w="28575">
+            <a:solidFill>
+              <a:schemeClr val="tx1"/>
+            </a:solidFill>
+          </a:ln>
+        </p:spPr>
+        <p:style>
+          <a:lnRef idx="2">
+            <a:schemeClr val="accent1">
+              <a:shade val="50000"/>
+            </a:schemeClr>
+          </a:lnRef>
+          <a:fillRef idx="1">
+            <a:schemeClr val="accent1"/>
+          </a:fillRef>
+          <a:effectRef idx="0">
+            <a:schemeClr val="accent1"/>
+          </a:effectRef>
+          <a:fontRef idx="minor">
+            <a:schemeClr val="lt1"/>
+          </a:fontRef>
+        </p:style>
+        <p:txBody>
+          <a:bodyPr rtlCol="0" anchor="ctr"/>
+          <a:lstStyle/>
+          <a:p>
+            <a:pPr algn="ctr"/>
+            <a:endParaRPr lang="zh-TW" altLang="en-US"/>
+          </a:p>
+        </p:txBody>
+      </p:sp>
+      <p:sp>
+        <p:nvSpPr>
+          <p:cNvPr id="22" name="向右箭號 21"/>
+          <p:cNvSpPr/>
+          <p:nvPr/>
+        </p:nvSpPr>
+        <p:spPr>
+          <a:xfrm>
+            <a:off x="2155245" y="3789484"/>
+            <a:ext cx="955429" cy="465993"/>
+          </a:xfrm>
+          <a:prstGeom prst="rightArrow">
+            <a:avLst/>
+          </a:prstGeom>
+          <a:solidFill>
+            <a:schemeClr val="tx1"/>
+          </a:solidFill>
+          <a:ln>
+            <a:solidFill>
+              <a:schemeClr val="tx1"/>
+            </a:solidFill>
+          </a:ln>
+        </p:spPr>
+        <p:style>
+          <a:lnRef idx="2">
+            <a:schemeClr val="accent1">
+              <a:shade val="50000"/>
+            </a:schemeClr>
+          </a:lnRef>
+          <a:fillRef idx="1">
+            <a:schemeClr val="accent1"/>
+          </a:fillRef>
+          <a:effectRef idx="0">
+            <a:schemeClr val="accent1"/>
+          </a:effectRef>
+          <a:fontRef idx="minor">
+            <a:schemeClr val="lt1"/>
+          </a:fontRef>
+        </p:style>
+        <p:txBody>
+          <a:bodyPr rtlCol="0" anchor="ctr"/>
+          <a:lstStyle/>
+          <a:p>
+            <a:pPr algn="ctr"/>
+            <a:endParaRPr lang="zh-TW" altLang="en-US"/>
+          </a:p>
+        </p:txBody>
+      </p:sp>
+      <p:sp>
+        <p:nvSpPr>
+          <p:cNvPr id="23" name="矩形 22"/>
+          <p:cNvSpPr/>
+          <p:nvPr/>
+        </p:nvSpPr>
+        <p:spPr>
+          <a:xfrm>
+            <a:off x="662529" y="3866974"/>
+            <a:ext cx="1492716" cy="369332"/>
+          </a:xfrm>
+          <a:prstGeom prst="rect">
+            <a:avLst/>
+          </a:prstGeom>
+        </p:spPr>
+        <p:txBody>
+          <a:bodyPr wrap="none">
+            <a:spAutoFit/>
+          </a:bodyPr>
+          <a:lstStyle/>
+          <a:p>
+            <a:r>
+              <a:rPr lang="en-US" altLang="zh-TW" dirty="0"/>
+              <a:t>Master Page</a:t>
+            </a:r>
+            <a:endParaRPr lang="zh-TW" altLang="en-US" dirty="0"/>
+          </a:p>
+        </p:txBody>
+      </p:sp>
+      <p:sp>
+        <p:nvSpPr>
+          <p:cNvPr id="24" name="向右箭號 23"/>
+          <p:cNvSpPr/>
+          <p:nvPr/>
+        </p:nvSpPr>
+        <p:spPr>
+          <a:xfrm rot="10800000">
+            <a:off x="7984544" y="3415811"/>
+            <a:ext cx="1518871" cy="465993"/>
+          </a:xfrm>
+          <a:prstGeom prst="rightArrow">
+            <a:avLst/>
+          </a:prstGeom>
+          <a:solidFill>
+            <a:schemeClr val="tx1"/>
+          </a:solidFill>
+          <a:ln>
+            <a:solidFill>
+              <a:schemeClr val="tx1"/>
+            </a:solidFill>
+          </a:ln>
+        </p:spPr>
+        <p:style>
+          <a:lnRef idx="2">
+            <a:schemeClr val="accent1">
+              <a:shade val="50000"/>
+            </a:schemeClr>
+          </a:lnRef>
+          <a:fillRef idx="1">
+            <a:schemeClr val="accent1"/>
+          </a:fillRef>
+          <a:effectRef idx="0">
+            <a:schemeClr val="accent1"/>
+          </a:effectRef>
+          <a:fontRef idx="minor">
+            <a:schemeClr val="lt1"/>
+          </a:fontRef>
+        </p:style>
+        <p:txBody>
+          <a:bodyPr rtlCol="0" anchor="ctr"/>
+          <a:lstStyle/>
+          <a:p>
+            <a:pPr algn="ctr"/>
+            <a:endParaRPr lang="zh-TW" altLang="en-US"/>
+          </a:p>
+        </p:txBody>
+      </p:sp>
+      <p:sp>
+        <p:nvSpPr>
+          <p:cNvPr id="25" name="矩形 24"/>
+          <p:cNvSpPr/>
+          <p:nvPr/>
+        </p:nvSpPr>
+        <p:spPr>
+          <a:xfrm>
+            <a:off x="9610308" y="3455349"/>
+            <a:ext cx="1257717" cy="369332"/>
+          </a:xfrm>
+          <a:prstGeom prst="rect">
+            <a:avLst/>
+          </a:prstGeom>
+        </p:spPr>
+        <p:txBody>
+          <a:bodyPr wrap="none">
+            <a:spAutoFit/>
+          </a:bodyPr>
+          <a:lstStyle/>
+          <a:p>
+            <a:r>
+              <a:rPr lang="en-US" altLang="zh-TW" dirty="0" smtClean="0"/>
+              <a:t>Web </a:t>
+            </a:r>
+            <a:r>
+              <a:rPr lang="en-US" altLang="zh-TW" dirty="0"/>
+              <a:t>Page</a:t>
+            </a:r>
+            <a:endParaRPr lang="zh-TW" altLang="en-US" dirty="0"/>
+          </a:p>
+        </p:txBody>
+      </p:sp>
+      <p:sp>
+        <p:nvSpPr>
+          <p:cNvPr id="11" name="矩形 10"/>
+          <p:cNvSpPr/>
+          <p:nvPr/>
+        </p:nvSpPr>
+        <p:spPr>
+          <a:xfrm>
+            <a:off x="3595716" y="2539336"/>
+            <a:ext cx="646331" cy="369332"/>
+          </a:xfrm>
+          <a:prstGeom prst="rect">
+            <a:avLst/>
+          </a:prstGeom>
+        </p:spPr>
+        <p:txBody>
+          <a:bodyPr wrap="none">
+            <a:spAutoFit/>
+          </a:bodyPr>
           <a:lstStyle/>
           <a:p>
             <a:r>
               <a:rPr lang="zh-TW" altLang="en-US" dirty="0"/>
-              <a:t>高級會員才可瀏覽</a:t>
-            </a:r>
+              <a:t>首頁</a:t>
+            </a:r>
+          </a:p>
+        </p:txBody>
+      </p:sp>
+      <p:sp>
+        <p:nvSpPr>
+          <p:cNvPr id="12" name="矩形 11"/>
+          <p:cNvSpPr/>
+          <p:nvPr/>
+        </p:nvSpPr>
+        <p:spPr>
+          <a:xfrm>
+            <a:off x="2855698" y="2041229"/>
+            <a:ext cx="3647152" cy="369332"/>
+          </a:xfrm>
+          <a:prstGeom prst="rect">
+            <a:avLst/>
+          </a:prstGeom>
+        </p:spPr>
+        <p:txBody>
+          <a:bodyPr wrap="none">
+            <a:spAutoFit/>
+          </a:bodyPr>
+          <a:lstStyle/>
+          <a:p>
             <a:r>
               <a:rPr lang="zh-TW" altLang="en-US" dirty="0" smtClean="0"/>
-              <a:t>網頁</a:t>
-            </a:r>
-            <a:endParaRPr lang="zh-TW" altLang="en-US" dirty="0"/>
-          </a:p>
-        </p:txBody>
-      </p:sp>
-      <p:sp>
-        <p:nvSpPr>
-          <p:cNvPr id="3" name="內容版面配置區 2"/>
-          <p:cNvSpPr>
-            <a:spLocks noGrp="1"/>
-          </p:cNvSpPr>
-          <p:nvPr>
-            <p:ph idx="1"/>
-          </p:nvPr>
-        </p:nvSpPr>
-        <p:spPr/>
-        <p:txBody>
-          <a:bodyPr/>
-          <a:lstStyle/>
-          <a:p>
-            <a:r>
-              <a:rPr lang="zh-TW" altLang="en-US" dirty="0"/>
-              <a:t>檢查</a:t>
-            </a:r>
-            <a:endParaRPr lang="en-US" altLang="zh-TW" dirty="0"/>
-          </a:p>
-          <a:p>
+              <a:t>不用登入就可以瀏覽的</a:t>
+            </a:r>
+            <a:r>
+              <a:rPr lang="en-US" altLang="zh-TW" dirty="0" err="1" smtClean="0"/>
+              <a:t>marst</a:t>
+            </a:r>
+            <a:r>
+              <a:rPr lang="zh-TW" altLang="en-US" dirty="0" smtClean="0"/>
+              <a:t> </a:t>
+            </a:r>
+            <a:r>
+              <a:rPr lang="en-US" altLang="zh-TW" dirty="0" smtClean="0"/>
+              <a:t>page</a:t>
+            </a:r>
             <a:endParaRPr lang="zh-TW" altLang="en-US" dirty="0"/>
           </a:p>
         </p:txBody>
@@ -7730,7 +10292,7 @@
     </p:spTree>
     <p:extLst>
       <p:ext uri="{BB962C8B-B14F-4D97-AF65-F5344CB8AC3E}">
-        <p14:creationId xmlns:p14="http://schemas.microsoft.com/office/powerpoint/2010/main" val="2259941329"/>
+        <p14:creationId xmlns:p14="http://schemas.microsoft.com/office/powerpoint/2010/main" val="1499941871"/>
       </p:ext>
     </p:extLst>
   </p:cSld>

--- a/投影片/4.實作-帳號註冊、登入網頁.pptx
+++ b/投影片/4.實作-帳號註冊、登入網頁.pptx
@@ -11,18 +11,30 @@
     <p:sldId id="267" r:id="rId5"/>
     <p:sldId id="282" r:id="rId6"/>
     <p:sldId id="275" r:id="rId7"/>
-    <p:sldId id="276" r:id="rId8"/>
-    <p:sldId id="277" r:id="rId9"/>
-    <p:sldId id="274" r:id="rId10"/>
-    <p:sldId id="287" r:id="rId11"/>
-    <p:sldId id="284" r:id="rId12"/>
-    <p:sldId id="285" r:id="rId13"/>
-    <p:sldId id="283" r:id="rId14"/>
-    <p:sldId id="286" r:id="rId15"/>
+    <p:sldId id="274" r:id="rId8"/>
+    <p:sldId id="287" r:id="rId9"/>
+    <p:sldId id="284" r:id="rId10"/>
+    <p:sldId id="285" r:id="rId11"/>
+    <p:sldId id="283" r:id="rId12"/>
+    <p:sldId id="286" r:id="rId13"/>
+    <p:sldId id="288" r:id="rId14"/>
+    <p:sldId id="294" r:id="rId15"/>
     <p:sldId id="269" r:id="rId16"/>
-    <p:sldId id="270" r:id="rId17"/>
-    <p:sldId id="271" r:id="rId18"/>
-    <p:sldId id="272" r:id="rId19"/>
+    <p:sldId id="292" r:id="rId17"/>
+    <p:sldId id="270" r:id="rId18"/>
+    <p:sldId id="289" r:id="rId19"/>
+    <p:sldId id="291" r:id="rId20"/>
+    <p:sldId id="293" r:id="rId21"/>
+    <p:sldId id="295" r:id="rId22"/>
+    <p:sldId id="296" r:id="rId23"/>
+    <p:sldId id="297" r:id="rId24"/>
+    <p:sldId id="298" r:id="rId25"/>
+    <p:sldId id="299" r:id="rId26"/>
+    <p:sldId id="300" r:id="rId27"/>
+    <p:sldId id="301" r:id="rId28"/>
+    <p:sldId id="302" r:id="rId29"/>
+    <p:sldId id="271" r:id="rId30"/>
+    <p:sldId id="272" r:id="rId31"/>
   </p:sldIdLst>
   <p:sldSz cx="12192000" cy="6858000"/>
   <p:notesSz cx="6858000" cy="9144000"/>
@@ -163,7 +175,7 @@
           <a:p>
             <a:fld id="{31CDE89B-FBD9-4E23-BEEB-B0C8819124B3}" type="datetimeFigureOut">
               <a:rPr lang="zh-TW" altLang="en-US" smtClean="0"/>
-              <a:t>2022/3/23</a:t>
+              <a:t>2022/3/27</a:t>
             </a:fld>
             <a:endParaRPr lang="zh-TW" altLang="en-US"/>
           </a:p>
@@ -3034,7 +3046,7 @@
           <a:p>
             <a:fld id="{31CDE89B-FBD9-4E23-BEEB-B0C8819124B3}" type="datetimeFigureOut">
               <a:rPr lang="zh-TW" altLang="en-US" smtClean="0"/>
-              <a:t>2022/3/23</a:t>
+              <a:t>2022/3/27</a:t>
             </a:fld>
             <a:endParaRPr lang="zh-TW" altLang="en-US"/>
           </a:p>
@@ -3226,7 +3238,7 @@
           <a:p>
             <a:fld id="{31CDE89B-FBD9-4E23-BEEB-B0C8819124B3}" type="datetimeFigureOut">
               <a:rPr lang="zh-TW" altLang="en-US" smtClean="0"/>
-              <a:t>2022/3/23</a:t>
+              <a:t>2022/3/27</a:t>
             </a:fld>
             <a:endParaRPr lang="zh-TW" altLang="en-US"/>
           </a:p>
@@ -3422,7 +3434,7 @@
           <a:p>
             <a:fld id="{31CDE89B-FBD9-4E23-BEEB-B0C8819124B3}" type="datetimeFigureOut">
               <a:rPr lang="zh-TW" altLang="en-US" smtClean="0"/>
-              <a:t>2022/3/23</a:t>
+              <a:t>2022/3/27</a:t>
             </a:fld>
             <a:endParaRPr lang="zh-TW" altLang="en-US"/>
           </a:p>
@@ -4518,7 +4530,7 @@
           <a:p>
             <a:fld id="{31CDE89B-FBD9-4E23-BEEB-B0C8819124B3}" type="datetimeFigureOut">
               <a:rPr lang="zh-TW" altLang="en-US" smtClean="0"/>
-              <a:t>2022/3/23</a:t>
+              <a:t>2022/3/27</a:t>
             </a:fld>
             <a:endParaRPr lang="zh-TW" altLang="en-US"/>
           </a:p>
@@ -4767,7 +4779,7 @@
           <a:p>
             <a:fld id="{31CDE89B-FBD9-4E23-BEEB-B0C8819124B3}" type="datetimeFigureOut">
               <a:rPr lang="zh-TW" altLang="en-US" smtClean="0"/>
-              <a:t>2022/3/23</a:t>
+              <a:t>2022/3/27</a:t>
             </a:fld>
             <a:endParaRPr lang="zh-TW" altLang="en-US"/>
           </a:p>
@@ -5146,7 +5158,7 @@
           <a:p>
             <a:fld id="{31CDE89B-FBD9-4E23-BEEB-B0C8819124B3}" type="datetimeFigureOut">
               <a:rPr lang="zh-TW" altLang="en-US" smtClean="0"/>
-              <a:t>2022/3/23</a:t>
+              <a:t>2022/3/27</a:t>
             </a:fld>
             <a:endParaRPr lang="zh-TW" altLang="en-US"/>
           </a:p>
@@ -5276,7 +5288,7 @@
           <a:p>
             <a:fld id="{31CDE89B-FBD9-4E23-BEEB-B0C8819124B3}" type="datetimeFigureOut">
               <a:rPr lang="zh-TW" altLang="en-US" smtClean="0"/>
-              <a:t>2022/3/23</a:t>
+              <a:t>2022/3/27</a:t>
             </a:fld>
             <a:endParaRPr lang="zh-TW" altLang="en-US"/>
           </a:p>
@@ -5383,7 +5395,7 @@
           <a:p>
             <a:fld id="{31CDE89B-FBD9-4E23-BEEB-B0C8819124B3}" type="datetimeFigureOut">
               <a:rPr lang="zh-TW" altLang="en-US" smtClean="0"/>
-              <a:t>2022/3/23</a:t>
+              <a:t>2022/3/27</a:t>
             </a:fld>
             <a:endParaRPr lang="zh-TW" altLang="en-US"/>
           </a:p>
@@ -5672,7 +5684,7 @@
           <a:p>
             <a:fld id="{31CDE89B-FBD9-4E23-BEEB-B0C8819124B3}" type="datetimeFigureOut">
               <a:rPr lang="zh-TW" altLang="en-US" smtClean="0"/>
-              <a:t>2022/3/23</a:t>
+              <a:t>2022/3/27</a:t>
             </a:fld>
             <a:endParaRPr lang="zh-TW" altLang="en-US"/>
           </a:p>
@@ -5937,7 +5949,7 @@
           <a:p>
             <a:fld id="{31CDE89B-FBD9-4E23-BEEB-B0C8819124B3}" type="datetimeFigureOut">
               <a:rPr lang="zh-TW" altLang="en-US" smtClean="0"/>
-              <a:t>2022/3/23</a:t>
+              <a:t>2022/3/27</a:t>
             </a:fld>
             <a:endParaRPr lang="zh-TW" altLang="en-US"/>
           </a:p>
@@ -6162,7 +6174,7 @@
           <a:p>
             <a:fld id="{31CDE89B-FBD9-4E23-BEEB-B0C8819124B3}" type="datetimeFigureOut">
               <a:rPr lang="zh-TW" altLang="en-US" smtClean="0"/>
-              <a:t>2022/3/23</a:t>
+              <a:t>2022/3/27</a:t>
             </a:fld>
             <a:endParaRPr lang="zh-TW" altLang="en-US"/>
           </a:p>
@@ -6698,10 +6710,10 @@
           <a:lstStyle/>
           <a:p>
             <a:r>
-              <a:rPr lang="zh-TW" altLang="en-US" dirty="0" smtClean="0"/>
-              <a:t>關於我們</a:t>
-            </a:r>
-            <a:endParaRPr lang="zh-TW" altLang="en-US" dirty="0"/>
+              <a:rPr lang="zh-TW" altLang="en-US" dirty="0"/>
+              <a:t>註冊網頁</a:t>
+            </a:r>
+            <a:endParaRPr lang="en-US" altLang="zh-TW" dirty="0"/>
           </a:p>
         </p:txBody>
       </p:sp>
@@ -6982,9 +6994,9 @@
           <a:p>
             <a:r>
               <a:rPr lang="zh-TW" altLang="en-US" dirty="0"/>
-              <a:t>關於我們</a:t>
-            </a:r>
-            <a:endParaRPr lang="zh-TW" altLang="en-US" dirty="0"/>
+              <a:t>註冊網頁</a:t>
+            </a:r>
+            <a:endParaRPr lang="en-US" altLang="zh-TW" dirty="0"/>
           </a:p>
         </p:txBody>
       </p:sp>
@@ -7032,7 +7044,7 @@
     </p:spTree>
     <p:extLst>
       <p:ext uri="{BB962C8B-B14F-4D97-AF65-F5344CB8AC3E}">
-        <p14:creationId xmlns:p14="http://schemas.microsoft.com/office/powerpoint/2010/main" val="1075468016"/>
+        <p14:creationId xmlns:p14="http://schemas.microsoft.com/office/powerpoint/2010/main" val="1037842564"/>
       </p:ext>
     </p:extLst>
   </p:cSld>
@@ -7090,7 +7102,15 @@
           <a:p>
             <a:r>
               <a:rPr lang="zh-TW" altLang="en-US" dirty="0"/>
-              <a:t>登入網頁</a:t>
+              <a:t>顯示</a:t>
+            </a:r>
+            <a:r>
+              <a:rPr lang="zh-TW" altLang="en-US" dirty="0" smtClean="0"/>
+              <a:t>無</a:t>
+            </a:r>
+            <a:r>
+              <a:rPr lang="zh-TW" altLang="en-US" dirty="0"/>
+              <a:t>瀏覽權限網頁</a:t>
             </a:r>
             <a:endParaRPr lang="en-US" altLang="zh-TW" dirty="0"/>
           </a:p>
@@ -7359,7 +7379,7 @@
         <p:spPr>
           <a:xfrm>
             <a:off x="3595716" y="2539336"/>
-            <a:ext cx="1107996" cy="369332"/>
+            <a:ext cx="2262158" cy="369332"/>
           </a:xfrm>
           <a:prstGeom prst="rect">
             <a:avLst/>
@@ -7373,7 +7393,7 @@
           <a:p>
             <a:r>
               <a:rPr lang="zh-TW" altLang="en-US" dirty="0"/>
-              <a:t>登入網頁</a:t>
+              <a:t>呈現無瀏覽權限網頁</a:t>
             </a:r>
             <a:endParaRPr lang="en-US" altLang="zh-TW" dirty="0"/>
           </a:p>
@@ -7423,7 +7443,7 @@
     </p:spTree>
     <p:extLst>
       <p:ext uri="{BB962C8B-B14F-4D97-AF65-F5344CB8AC3E}">
-        <p14:creationId xmlns:p14="http://schemas.microsoft.com/office/powerpoint/2010/main" val="2055809677"/>
+        <p14:creationId xmlns:p14="http://schemas.microsoft.com/office/powerpoint/2010/main" val="4000062335"/>
       </p:ext>
     </p:extLst>
   </p:cSld>
@@ -7464,788 +7484,6 @@
       </p:grpSpPr>
       <p:sp>
         <p:nvSpPr>
-          <p:cNvPr id="4" name="標題 3"/>
-          <p:cNvSpPr>
-            <a:spLocks noGrp="1"/>
-          </p:cNvSpPr>
-          <p:nvPr>
-            <p:ph type="title"/>
-          </p:nvPr>
-        </p:nvSpPr>
-        <p:spPr/>
-        <p:txBody>
-          <a:bodyPr>
-            <a:normAutofit/>
-          </a:bodyPr>
-          <a:lstStyle/>
-          <a:p>
-            <a:r>
-              <a:rPr lang="zh-TW" altLang="en-US" dirty="0"/>
-              <a:t>註冊網頁</a:t>
-            </a:r>
-            <a:endParaRPr lang="en-US" altLang="zh-TW" dirty="0"/>
-          </a:p>
-        </p:txBody>
-      </p:sp>
-      <p:sp>
-        <p:nvSpPr>
-          <p:cNvPr id="20" name="矩形 19"/>
-          <p:cNvSpPr/>
-          <p:nvPr/>
-        </p:nvSpPr>
-        <p:spPr>
-          <a:xfrm>
-            <a:off x="2735536" y="2020644"/>
-            <a:ext cx="6312877" cy="3175609"/>
-          </a:xfrm>
-          <a:prstGeom prst="rect">
-            <a:avLst/>
-          </a:prstGeom>
-          <a:solidFill>
-            <a:schemeClr val="accent2"/>
-          </a:solidFill>
-          <a:ln w="28575">
-            <a:solidFill>
-              <a:schemeClr val="tx1"/>
-            </a:solidFill>
-          </a:ln>
-        </p:spPr>
-        <p:style>
-          <a:lnRef idx="2">
-            <a:schemeClr val="accent1">
-              <a:shade val="50000"/>
-            </a:schemeClr>
-          </a:lnRef>
-          <a:fillRef idx="1">
-            <a:schemeClr val="accent1"/>
-          </a:fillRef>
-          <a:effectRef idx="0">
-            <a:schemeClr val="accent1"/>
-          </a:effectRef>
-          <a:fontRef idx="minor">
-            <a:schemeClr val="lt1"/>
-          </a:fontRef>
-        </p:style>
-        <p:txBody>
-          <a:bodyPr rtlCol="0" anchor="ctr"/>
-          <a:lstStyle/>
-          <a:p>
-            <a:pPr algn="ctr"/>
-            <a:endParaRPr lang="zh-TW" altLang="en-US"/>
-          </a:p>
-        </p:txBody>
-      </p:sp>
-      <p:sp>
-        <p:nvSpPr>
-          <p:cNvPr id="21" name="矩形 20"/>
-          <p:cNvSpPr/>
-          <p:nvPr/>
-        </p:nvSpPr>
-        <p:spPr>
-          <a:xfrm>
-            <a:off x="3485813" y="2416420"/>
-            <a:ext cx="4812322" cy="2464776"/>
-          </a:xfrm>
-          <a:prstGeom prst="rect">
-            <a:avLst/>
-          </a:prstGeom>
-          <a:solidFill>
-            <a:schemeClr val="accent6"/>
-          </a:solidFill>
-          <a:ln w="28575">
-            <a:solidFill>
-              <a:schemeClr val="tx1"/>
-            </a:solidFill>
-          </a:ln>
-        </p:spPr>
-        <p:style>
-          <a:lnRef idx="2">
-            <a:schemeClr val="accent1">
-              <a:shade val="50000"/>
-            </a:schemeClr>
-          </a:lnRef>
-          <a:fillRef idx="1">
-            <a:schemeClr val="accent1"/>
-          </a:fillRef>
-          <a:effectRef idx="0">
-            <a:schemeClr val="accent1"/>
-          </a:effectRef>
-          <a:fontRef idx="minor">
-            <a:schemeClr val="lt1"/>
-          </a:fontRef>
-        </p:style>
-        <p:txBody>
-          <a:bodyPr rtlCol="0" anchor="ctr"/>
-          <a:lstStyle/>
-          <a:p>
-            <a:pPr algn="ctr"/>
-            <a:endParaRPr lang="zh-TW" altLang="en-US"/>
-          </a:p>
-        </p:txBody>
-      </p:sp>
-      <p:sp>
-        <p:nvSpPr>
-          <p:cNvPr id="22" name="向右箭號 21"/>
-          <p:cNvSpPr/>
-          <p:nvPr/>
-        </p:nvSpPr>
-        <p:spPr>
-          <a:xfrm>
-            <a:off x="2155245" y="3789484"/>
-            <a:ext cx="955429" cy="465993"/>
-          </a:xfrm>
-          <a:prstGeom prst="rightArrow">
-            <a:avLst/>
-          </a:prstGeom>
-          <a:solidFill>
-            <a:schemeClr val="tx1"/>
-          </a:solidFill>
-          <a:ln>
-            <a:solidFill>
-              <a:schemeClr val="tx1"/>
-            </a:solidFill>
-          </a:ln>
-        </p:spPr>
-        <p:style>
-          <a:lnRef idx="2">
-            <a:schemeClr val="accent1">
-              <a:shade val="50000"/>
-            </a:schemeClr>
-          </a:lnRef>
-          <a:fillRef idx="1">
-            <a:schemeClr val="accent1"/>
-          </a:fillRef>
-          <a:effectRef idx="0">
-            <a:schemeClr val="accent1"/>
-          </a:effectRef>
-          <a:fontRef idx="minor">
-            <a:schemeClr val="lt1"/>
-          </a:fontRef>
-        </p:style>
-        <p:txBody>
-          <a:bodyPr rtlCol="0" anchor="ctr"/>
-          <a:lstStyle/>
-          <a:p>
-            <a:pPr algn="ctr"/>
-            <a:endParaRPr lang="zh-TW" altLang="en-US"/>
-          </a:p>
-        </p:txBody>
-      </p:sp>
-      <p:sp>
-        <p:nvSpPr>
-          <p:cNvPr id="23" name="矩形 22"/>
-          <p:cNvSpPr/>
-          <p:nvPr/>
-        </p:nvSpPr>
-        <p:spPr>
-          <a:xfrm>
-            <a:off x="662529" y="3866974"/>
-            <a:ext cx="1492716" cy="369332"/>
-          </a:xfrm>
-          <a:prstGeom prst="rect">
-            <a:avLst/>
-          </a:prstGeom>
-        </p:spPr>
-        <p:txBody>
-          <a:bodyPr wrap="none">
-            <a:spAutoFit/>
-          </a:bodyPr>
-          <a:lstStyle/>
-          <a:p>
-            <a:r>
-              <a:rPr lang="en-US" altLang="zh-TW" dirty="0"/>
-              <a:t>Master Page</a:t>
-            </a:r>
-            <a:endParaRPr lang="zh-TW" altLang="en-US" dirty="0"/>
-          </a:p>
-        </p:txBody>
-      </p:sp>
-      <p:sp>
-        <p:nvSpPr>
-          <p:cNvPr id="24" name="向右箭號 23"/>
-          <p:cNvSpPr/>
-          <p:nvPr/>
-        </p:nvSpPr>
-        <p:spPr>
-          <a:xfrm rot="10800000">
-            <a:off x="7984544" y="3415811"/>
-            <a:ext cx="1518871" cy="465993"/>
-          </a:xfrm>
-          <a:prstGeom prst="rightArrow">
-            <a:avLst/>
-          </a:prstGeom>
-          <a:solidFill>
-            <a:schemeClr val="tx1"/>
-          </a:solidFill>
-          <a:ln>
-            <a:solidFill>
-              <a:schemeClr val="tx1"/>
-            </a:solidFill>
-          </a:ln>
-        </p:spPr>
-        <p:style>
-          <a:lnRef idx="2">
-            <a:schemeClr val="accent1">
-              <a:shade val="50000"/>
-            </a:schemeClr>
-          </a:lnRef>
-          <a:fillRef idx="1">
-            <a:schemeClr val="accent1"/>
-          </a:fillRef>
-          <a:effectRef idx="0">
-            <a:schemeClr val="accent1"/>
-          </a:effectRef>
-          <a:fontRef idx="minor">
-            <a:schemeClr val="lt1"/>
-          </a:fontRef>
-        </p:style>
-        <p:txBody>
-          <a:bodyPr rtlCol="0" anchor="ctr"/>
-          <a:lstStyle/>
-          <a:p>
-            <a:pPr algn="ctr"/>
-            <a:endParaRPr lang="zh-TW" altLang="en-US"/>
-          </a:p>
-        </p:txBody>
-      </p:sp>
-      <p:sp>
-        <p:nvSpPr>
-          <p:cNvPr id="25" name="矩形 24"/>
-          <p:cNvSpPr/>
-          <p:nvPr/>
-        </p:nvSpPr>
-        <p:spPr>
-          <a:xfrm>
-            <a:off x="9610308" y="3455349"/>
-            <a:ext cx="1257717" cy="369332"/>
-          </a:xfrm>
-          <a:prstGeom prst="rect">
-            <a:avLst/>
-          </a:prstGeom>
-        </p:spPr>
-        <p:txBody>
-          <a:bodyPr wrap="none">
-            <a:spAutoFit/>
-          </a:bodyPr>
-          <a:lstStyle/>
-          <a:p>
-            <a:r>
-              <a:rPr lang="en-US" altLang="zh-TW" dirty="0" smtClean="0"/>
-              <a:t>Web </a:t>
-            </a:r>
-            <a:r>
-              <a:rPr lang="en-US" altLang="zh-TW" dirty="0"/>
-              <a:t>Page</a:t>
-            </a:r>
-            <a:endParaRPr lang="zh-TW" altLang="en-US" dirty="0"/>
-          </a:p>
-        </p:txBody>
-      </p:sp>
-      <p:sp>
-        <p:nvSpPr>
-          <p:cNvPr id="11" name="矩形 10"/>
-          <p:cNvSpPr/>
-          <p:nvPr/>
-        </p:nvSpPr>
-        <p:spPr>
-          <a:xfrm>
-            <a:off x="3595716" y="2539336"/>
-            <a:ext cx="1107996" cy="369332"/>
-          </a:xfrm>
-          <a:prstGeom prst="rect">
-            <a:avLst/>
-          </a:prstGeom>
-        </p:spPr>
-        <p:txBody>
-          <a:bodyPr wrap="none">
-            <a:spAutoFit/>
-          </a:bodyPr>
-          <a:lstStyle/>
-          <a:p>
-            <a:r>
-              <a:rPr lang="zh-TW" altLang="en-US" dirty="0"/>
-              <a:t>註冊網頁</a:t>
-            </a:r>
-            <a:endParaRPr lang="en-US" altLang="zh-TW" dirty="0"/>
-          </a:p>
-        </p:txBody>
-      </p:sp>
-      <p:sp>
-        <p:nvSpPr>
-          <p:cNvPr id="12" name="矩形 11"/>
-          <p:cNvSpPr/>
-          <p:nvPr/>
-        </p:nvSpPr>
-        <p:spPr>
-          <a:xfrm>
-            <a:off x="2855698" y="2041229"/>
-            <a:ext cx="3647152" cy="369332"/>
-          </a:xfrm>
-          <a:prstGeom prst="rect">
-            <a:avLst/>
-          </a:prstGeom>
-        </p:spPr>
-        <p:txBody>
-          <a:bodyPr wrap="none">
-            <a:spAutoFit/>
-          </a:bodyPr>
-          <a:lstStyle/>
-          <a:p>
-            <a:r>
-              <a:rPr lang="zh-TW" altLang="en-US" dirty="0" smtClean="0"/>
-              <a:t>不用登入就可以瀏覽的</a:t>
-            </a:r>
-            <a:r>
-              <a:rPr lang="en-US" altLang="zh-TW" dirty="0" err="1" smtClean="0"/>
-              <a:t>marst</a:t>
-            </a:r>
-            <a:r>
-              <a:rPr lang="zh-TW" altLang="en-US" dirty="0" smtClean="0"/>
-              <a:t> </a:t>
-            </a:r>
-            <a:r>
-              <a:rPr lang="en-US" altLang="zh-TW" dirty="0" smtClean="0"/>
-              <a:t>page</a:t>
-            </a:r>
-            <a:endParaRPr lang="zh-TW" altLang="en-US" dirty="0"/>
-          </a:p>
-        </p:txBody>
-      </p:sp>
-    </p:spTree>
-    <p:extLst>
-      <p:ext uri="{BB962C8B-B14F-4D97-AF65-F5344CB8AC3E}">
-        <p14:creationId xmlns:p14="http://schemas.microsoft.com/office/powerpoint/2010/main" val="1037842564"/>
-      </p:ext>
-    </p:extLst>
-  </p:cSld>
-  <p:clrMapOvr>
-    <a:masterClrMapping/>
-  </p:clrMapOvr>
-  <mc:AlternateContent xmlns:mc="http://schemas.openxmlformats.org/markup-compatibility/2006" xmlns:p14="http://schemas.microsoft.com/office/powerpoint/2010/main">
-    <mc:Choice Requires="p14">
-      <p:transition spd="slow" p14:dur="1500">
-        <p:random/>
-      </p:transition>
-    </mc:Choice>
-    <mc:Fallback xmlns="">
-      <p:transition spd="slow">
-        <p:random/>
-      </p:transition>
-    </mc:Fallback>
-  </mc:AlternateContent>
-</p:sld>
-</file>
-
-<file path=ppt/slides/slide13.xml><?xml version="1.0" encoding="utf-8"?>
-<p:sld xmlns:a="http://schemas.openxmlformats.org/drawingml/2006/main" xmlns:r="http://schemas.openxmlformats.org/officeDocument/2006/relationships" xmlns:p="http://schemas.openxmlformats.org/presentationml/2006/main">
-  <p:cSld>
-    <p:spTree>
-      <p:nvGrpSpPr>
-        <p:cNvPr id="1" name=""/>
-        <p:cNvGrpSpPr/>
-        <p:nvPr/>
-      </p:nvGrpSpPr>
-      <p:grpSpPr>
-        <a:xfrm>
-          <a:off x="0" y="0"/>
-          <a:ext cx="0" cy="0"/>
-          <a:chOff x="0" y="0"/>
-          <a:chExt cx="0" cy="0"/>
-        </a:xfrm>
-      </p:grpSpPr>
-      <p:sp>
-        <p:nvSpPr>
-          <p:cNvPr id="4" name="標題 3"/>
-          <p:cNvSpPr>
-            <a:spLocks noGrp="1"/>
-          </p:cNvSpPr>
-          <p:nvPr>
-            <p:ph type="title"/>
-          </p:nvPr>
-        </p:nvSpPr>
-        <p:spPr/>
-        <p:txBody>
-          <a:bodyPr>
-            <a:normAutofit/>
-          </a:bodyPr>
-          <a:lstStyle/>
-          <a:p>
-            <a:r>
-              <a:rPr lang="zh-TW" altLang="en-US" dirty="0"/>
-              <a:t>呈現無瀏覽權限網頁</a:t>
-            </a:r>
-            <a:endParaRPr lang="en-US" altLang="zh-TW" dirty="0"/>
-          </a:p>
-        </p:txBody>
-      </p:sp>
-      <p:sp>
-        <p:nvSpPr>
-          <p:cNvPr id="20" name="矩形 19"/>
-          <p:cNvSpPr/>
-          <p:nvPr/>
-        </p:nvSpPr>
-        <p:spPr>
-          <a:xfrm>
-            <a:off x="2735536" y="2020644"/>
-            <a:ext cx="6312877" cy="3175609"/>
-          </a:xfrm>
-          <a:prstGeom prst="rect">
-            <a:avLst/>
-          </a:prstGeom>
-          <a:solidFill>
-            <a:schemeClr val="accent2"/>
-          </a:solidFill>
-          <a:ln w="28575">
-            <a:solidFill>
-              <a:schemeClr val="tx1"/>
-            </a:solidFill>
-          </a:ln>
-        </p:spPr>
-        <p:style>
-          <a:lnRef idx="2">
-            <a:schemeClr val="accent1">
-              <a:shade val="50000"/>
-            </a:schemeClr>
-          </a:lnRef>
-          <a:fillRef idx="1">
-            <a:schemeClr val="accent1"/>
-          </a:fillRef>
-          <a:effectRef idx="0">
-            <a:schemeClr val="accent1"/>
-          </a:effectRef>
-          <a:fontRef idx="minor">
-            <a:schemeClr val="lt1"/>
-          </a:fontRef>
-        </p:style>
-        <p:txBody>
-          <a:bodyPr rtlCol="0" anchor="ctr"/>
-          <a:lstStyle/>
-          <a:p>
-            <a:pPr algn="ctr"/>
-            <a:endParaRPr lang="zh-TW" altLang="en-US"/>
-          </a:p>
-        </p:txBody>
-      </p:sp>
-      <p:sp>
-        <p:nvSpPr>
-          <p:cNvPr id="21" name="矩形 20"/>
-          <p:cNvSpPr/>
-          <p:nvPr/>
-        </p:nvSpPr>
-        <p:spPr>
-          <a:xfrm>
-            <a:off x="3485813" y="2416420"/>
-            <a:ext cx="4812322" cy="2464776"/>
-          </a:xfrm>
-          <a:prstGeom prst="rect">
-            <a:avLst/>
-          </a:prstGeom>
-          <a:solidFill>
-            <a:schemeClr val="accent6"/>
-          </a:solidFill>
-          <a:ln w="28575">
-            <a:solidFill>
-              <a:schemeClr val="tx1"/>
-            </a:solidFill>
-          </a:ln>
-        </p:spPr>
-        <p:style>
-          <a:lnRef idx="2">
-            <a:schemeClr val="accent1">
-              <a:shade val="50000"/>
-            </a:schemeClr>
-          </a:lnRef>
-          <a:fillRef idx="1">
-            <a:schemeClr val="accent1"/>
-          </a:fillRef>
-          <a:effectRef idx="0">
-            <a:schemeClr val="accent1"/>
-          </a:effectRef>
-          <a:fontRef idx="minor">
-            <a:schemeClr val="lt1"/>
-          </a:fontRef>
-        </p:style>
-        <p:txBody>
-          <a:bodyPr rtlCol="0" anchor="ctr"/>
-          <a:lstStyle/>
-          <a:p>
-            <a:pPr algn="ctr"/>
-            <a:endParaRPr lang="zh-TW" altLang="en-US"/>
-          </a:p>
-        </p:txBody>
-      </p:sp>
-      <p:sp>
-        <p:nvSpPr>
-          <p:cNvPr id="22" name="向右箭號 21"/>
-          <p:cNvSpPr/>
-          <p:nvPr/>
-        </p:nvSpPr>
-        <p:spPr>
-          <a:xfrm>
-            <a:off x="2155245" y="3789484"/>
-            <a:ext cx="955429" cy="465993"/>
-          </a:xfrm>
-          <a:prstGeom prst="rightArrow">
-            <a:avLst/>
-          </a:prstGeom>
-          <a:solidFill>
-            <a:schemeClr val="tx1"/>
-          </a:solidFill>
-          <a:ln>
-            <a:solidFill>
-              <a:schemeClr val="tx1"/>
-            </a:solidFill>
-          </a:ln>
-        </p:spPr>
-        <p:style>
-          <a:lnRef idx="2">
-            <a:schemeClr val="accent1">
-              <a:shade val="50000"/>
-            </a:schemeClr>
-          </a:lnRef>
-          <a:fillRef idx="1">
-            <a:schemeClr val="accent1"/>
-          </a:fillRef>
-          <a:effectRef idx="0">
-            <a:schemeClr val="accent1"/>
-          </a:effectRef>
-          <a:fontRef idx="minor">
-            <a:schemeClr val="lt1"/>
-          </a:fontRef>
-        </p:style>
-        <p:txBody>
-          <a:bodyPr rtlCol="0" anchor="ctr"/>
-          <a:lstStyle/>
-          <a:p>
-            <a:pPr algn="ctr"/>
-            <a:endParaRPr lang="zh-TW" altLang="en-US"/>
-          </a:p>
-        </p:txBody>
-      </p:sp>
-      <p:sp>
-        <p:nvSpPr>
-          <p:cNvPr id="23" name="矩形 22"/>
-          <p:cNvSpPr/>
-          <p:nvPr/>
-        </p:nvSpPr>
-        <p:spPr>
-          <a:xfrm>
-            <a:off x="662529" y="3866974"/>
-            <a:ext cx="1492716" cy="369332"/>
-          </a:xfrm>
-          <a:prstGeom prst="rect">
-            <a:avLst/>
-          </a:prstGeom>
-        </p:spPr>
-        <p:txBody>
-          <a:bodyPr wrap="none">
-            <a:spAutoFit/>
-          </a:bodyPr>
-          <a:lstStyle/>
-          <a:p>
-            <a:r>
-              <a:rPr lang="en-US" altLang="zh-TW" dirty="0"/>
-              <a:t>Master Page</a:t>
-            </a:r>
-            <a:endParaRPr lang="zh-TW" altLang="en-US" dirty="0"/>
-          </a:p>
-        </p:txBody>
-      </p:sp>
-      <p:sp>
-        <p:nvSpPr>
-          <p:cNvPr id="24" name="向右箭號 23"/>
-          <p:cNvSpPr/>
-          <p:nvPr/>
-        </p:nvSpPr>
-        <p:spPr>
-          <a:xfrm rot="10800000">
-            <a:off x="7984544" y="3415811"/>
-            <a:ext cx="1518871" cy="465993"/>
-          </a:xfrm>
-          <a:prstGeom prst="rightArrow">
-            <a:avLst/>
-          </a:prstGeom>
-          <a:solidFill>
-            <a:schemeClr val="tx1"/>
-          </a:solidFill>
-          <a:ln>
-            <a:solidFill>
-              <a:schemeClr val="tx1"/>
-            </a:solidFill>
-          </a:ln>
-        </p:spPr>
-        <p:style>
-          <a:lnRef idx="2">
-            <a:schemeClr val="accent1">
-              <a:shade val="50000"/>
-            </a:schemeClr>
-          </a:lnRef>
-          <a:fillRef idx="1">
-            <a:schemeClr val="accent1"/>
-          </a:fillRef>
-          <a:effectRef idx="0">
-            <a:schemeClr val="accent1"/>
-          </a:effectRef>
-          <a:fontRef idx="minor">
-            <a:schemeClr val="lt1"/>
-          </a:fontRef>
-        </p:style>
-        <p:txBody>
-          <a:bodyPr rtlCol="0" anchor="ctr"/>
-          <a:lstStyle/>
-          <a:p>
-            <a:pPr algn="ctr"/>
-            <a:endParaRPr lang="zh-TW" altLang="en-US"/>
-          </a:p>
-        </p:txBody>
-      </p:sp>
-      <p:sp>
-        <p:nvSpPr>
-          <p:cNvPr id="25" name="矩形 24"/>
-          <p:cNvSpPr/>
-          <p:nvPr/>
-        </p:nvSpPr>
-        <p:spPr>
-          <a:xfrm>
-            <a:off x="9610308" y="3455349"/>
-            <a:ext cx="1257717" cy="369332"/>
-          </a:xfrm>
-          <a:prstGeom prst="rect">
-            <a:avLst/>
-          </a:prstGeom>
-        </p:spPr>
-        <p:txBody>
-          <a:bodyPr wrap="none">
-            <a:spAutoFit/>
-          </a:bodyPr>
-          <a:lstStyle/>
-          <a:p>
-            <a:r>
-              <a:rPr lang="en-US" altLang="zh-TW" dirty="0" smtClean="0"/>
-              <a:t>Web </a:t>
-            </a:r>
-            <a:r>
-              <a:rPr lang="en-US" altLang="zh-TW" dirty="0"/>
-              <a:t>Page</a:t>
-            </a:r>
-            <a:endParaRPr lang="zh-TW" altLang="en-US" dirty="0"/>
-          </a:p>
-        </p:txBody>
-      </p:sp>
-      <p:sp>
-        <p:nvSpPr>
-          <p:cNvPr id="11" name="矩形 10"/>
-          <p:cNvSpPr/>
-          <p:nvPr/>
-        </p:nvSpPr>
-        <p:spPr>
-          <a:xfrm>
-            <a:off x="3595716" y="2539336"/>
-            <a:ext cx="2262158" cy="369332"/>
-          </a:xfrm>
-          <a:prstGeom prst="rect">
-            <a:avLst/>
-          </a:prstGeom>
-        </p:spPr>
-        <p:txBody>
-          <a:bodyPr wrap="none">
-            <a:spAutoFit/>
-          </a:bodyPr>
-          <a:lstStyle/>
-          <a:p>
-            <a:r>
-              <a:rPr lang="zh-TW" altLang="en-US" dirty="0"/>
-              <a:t>呈現無瀏覽權限網頁</a:t>
-            </a:r>
-            <a:endParaRPr lang="en-US" altLang="zh-TW" dirty="0"/>
-          </a:p>
-        </p:txBody>
-      </p:sp>
-      <p:sp>
-        <p:nvSpPr>
-          <p:cNvPr id="12" name="矩形 11"/>
-          <p:cNvSpPr/>
-          <p:nvPr/>
-        </p:nvSpPr>
-        <p:spPr>
-          <a:xfrm>
-            <a:off x="2855698" y="2041229"/>
-            <a:ext cx="3647152" cy="369332"/>
-          </a:xfrm>
-          <a:prstGeom prst="rect">
-            <a:avLst/>
-          </a:prstGeom>
-        </p:spPr>
-        <p:txBody>
-          <a:bodyPr wrap="none">
-            <a:spAutoFit/>
-          </a:bodyPr>
-          <a:lstStyle/>
-          <a:p>
-            <a:r>
-              <a:rPr lang="zh-TW" altLang="en-US" dirty="0" smtClean="0"/>
-              <a:t>不用登入就可以瀏覽的</a:t>
-            </a:r>
-            <a:r>
-              <a:rPr lang="en-US" altLang="zh-TW" dirty="0" err="1" smtClean="0"/>
-              <a:t>marst</a:t>
-            </a:r>
-            <a:r>
-              <a:rPr lang="zh-TW" altLang="en-US" dirty="0" smtClean="0"/>
-              <a:t> </a:t>
-            </a:r>
-            <a:r>
-              <a:rPr lang="en-US" altLang="zh-TW" dirty="0" smtClean="0"/>
-              <a:t>page</a:t>
-            </a:r>
-            <a:endParaRPr lang="zh-TW" altLang="en-US" dirty="0"/>
-          </a:p>
-        </p:txBody>
-      </p:sp>
-    </p:spTree>
-    <p:extLst>
-      <p:ext uri="{BB962C8B-B14F-4D97-AF65-F5344CB8AC3E}">
-        <p14:creationId xmlns:p14="http://schemas.microsoft.com/office/powerpoint/2010/main" val="4000062335"/>
-      </p:ext>
-    </p:extLst>
-  </p:cSld>
-  <p:clrMapOvr>
-    <a:masterClrMapping/>
-  </p:clrMapOvr>
-  <mc:AlternateContent xmlns:mc="http://schemas.openxmlformats.org/markup-compatibility/2006" xmlns:p14="http://schemas.microsoft.com/office/powerpoint/2010/main">
-    <mc:Choice Requires="p14">
-      <p:transition spd="slow" p14:dur="1500">
-        <p:random/>
-      </p:transition>
-    </mc:Choice>
-    <mc:Fallback xmlns="">
-      <p:transition spd="slow">
-        <p:random/>
-      </p:transition>
-    </mc:Fallback>
-  </mc:AlternateContent>
-</p:sld>
-</file>
-
-<file path=ppt/slides/slide14.xml><?xml version="1.0" encoding="utf-8"?>
-<p:sld xmlns:a="http://schemas.openxmlformats.org/drawingml/2006/main" xmlns:r="http://schemas.openxmlformats.org/officeDocument/2006/relationships" xmlns:p="http://schemas.openxmlformats.org/presentationml/2006/main">
-  <p:cSld>
-    <p:spTree>
-      <p:nvGrpSpPr>
-        <p:cNvPr id="1" name=""/>
-        <p:cNvGrpSpPr/>
-        <p:nvPr/>
-      </p:nvGrpSpPr>
-      <p:grpSpPr>
-        <a:xfrm>
-          <a:off x="0" y="0"/>
-          <a:ext cx="0" cy="0"/>
-          <a:chOff x="0" y="0"/>
-          <a:chExt cx="0" cy="0"/>
-        </a:xfrm>
-      </p:grpSpPr>
-      <p:sp>
-        <p:nvSpPr>
           <p:cNvPr id="2" name="標題 1"/>
           <p:cNvSpPr>
             <a:spLocks noGrp="1"/>
@@ -8294,9 +7532,18 @@
           <a:bodyPr/>
           <a:lstStyle/>
           <a:p>
+            <a:pPr marL="228600" lvl="1">
+              <a:spcBef>
+                <a:spcPts val="1000"/>
+              </a:spcBef>
+            </a:pPr>
+            <a:r>
+              <a:rPr lang="zh-TW" altLang="en-US" dirty="0"/>
+              <a:t>設定導覽</a:t>
+            </a:r>
             <a:r>
               <a:rPr lang="zh-TW" altLang="en-US" dirty="0" smtClean="0"/>
-              <a:t>設定超連結</a:t>
+              <a:t>列</a:t>
             </a:r>
             <a:endParaRPr lang="en-US" altLang="zh-TW" dirty="0" smtClean="0"/>
           </a:p>
@@ -8306,6 +7553,7 @@
               <a:rPr lang="en-US" altLang="zh-TW" dirty="0" smtClean="0"/>
               <a:t>Logo</a:t>
             </a:r>
+            <a:endParaRPr lang="en-US" altLang="zh-TW" dirty="0" smtClean="0"/>
           </a:p>
           <a:p>
             <a:pPr lvl="1"/>
@@ -8318,7 +7566,7 @@
           <a:p>
             <a:pPr lvl="1"/>
             <a:r>
-              <a:rPr lang="zh-TW" altLang="en-US" dirty="0"/>
+              <a:rPr lang="zh-TW" altLang="en-US" dirty="0" smtClean="0"/>
               <a:t>關於</a:t>
             </a:r>
             <a:r>
@@ -8345,7 +7593,6 @@
               <a:rPr lang="zh-TW" altLang="en-US" dirty="0"/>
               <a:t>高級會員區</a:t>
             </a:r>
-            <a:endParaRPr lang="zh-TW" altLang="en-US" dirty="0"/>
           </a:p>
         </p:txBody>
       </p:sp>
@@ -8404,6 +7651,284 @@
 </p:sld>
 </file>
 
+<file path=ppt/slides/slide13.xml><?xml version="1.0" encoding="utf-8"?>
+<p:sld xmlns:a="http://schemas.openxmlformats.org/drawingml/2006/main" xmlns:r="http://schemas.openxmlformats.org/officeDocument/2006/relationships" xmlns:p="http://schemas.openxmlformats.org/presentationml/2006/main">
+  <p:cSld>
+    <p:spTree>
+      <p:nvGrpSpPr>
+        <p:cNvPr id="1" name=""/>
+        <p:cNvGrpSpPr/>
+        <p:nvPr/>
+      </p:nvGrpSpPr>
+      <p:grpSpPr>
+        <a:xfrm>
+          <a:off x="0" y="0"/>
+          <a:ext cx="0" cy="0"/>
+          <a:chOff x="0" y="0"/>
+          <a:chExt cx="0" cy="0"/>
+        </a:xfrm>
+      </p:grpSpPr>
+      <p:sp>
+        <p:nvSpPr>
+          <p:cNvPr id="2" name="標題 1"/>
+          <p:cNvSpPr>
+            <a:spLocks noGrp="1"/>
+          </p:cNvSpPr>
+          <p:nvPr>
+            <p:ph type="title"/>
+          </p:nvPr>
+        </p:nvSpPr>
+        <p:spPr/>
+        <p:txBody>
+          <a:bodyPr/>
+          <a:lstStyle/>
+          <a:p>
+            <a:r>
+              <a:rPr lang="zh-TW" altLang="en-US" dirty="0" smtClean="0"/>
+              <a:t>首頁網頁</a:t>
+            </a:r>
+            <a:endParaRPr lang="zh-TW" altLang="en-US" dirty="0"/>
+          </a:p>
+        </p:txBody>
+      </p:sp>
+      <p:pic>
+        <p:nvPicPr>
+          <p:cNvPr id="6" name="圖片 5" descr="畫面剪輯"/>
+          <p:cNvPicPr>
+            <a:picLocks noChangeAspect="1"/>
+          </p:cNvPicPr>
+          <p:nvPr/>
+        </p:nvPicPr>
+        <p:blipFill>
+          <a:blip r:embed="rId2">
+            <a:extLst>
+              <a:ext uri="{28A0092B-C50C-407E-A947-70E740481C1C}">
+                <a14:useLocalDpi xmlns:a14="http://schemas.microsoft.com/office/drawing/2010/main" val="0"/>
+              </a:ext>
+            </a:extLst>
+          </a:blip>
+          <a:stretch>
+            <a:fillRect/>
+          </a:stretch>
+        </p:blipFill>
+        <p:spPr>
+          <a:xfrm>
+            <a:off x="1315488" y="1721640"/>
+            <a:ext cx="8005586" cy="1413486"/>
+          </a:xfrm>
+          <a:prstGeom prst="rect">
+            <a:avLst/>
+          </a:prstGeom>
+        </p:spPr>
+      </p:pic>
+      <p:pic>
+        <p:nvPicPr>
+          <p:cNvPr id="8" name="內容版面配置區 3" descr="畫面剪輯"/>
+          <p:cNvPicPr>
+            <a:picLocks noChangeAspect="1"/>
+          </p:cNvPicPr>
+          <p:nvPr/>
+        </p:nvPicPr>
+        <p:blipFill rotWithShape="1">
+          <a:blip r:embed="rId3">
+            <a:extLst>
+              <a:ext uri="{28A0092B-C50C-407E-A947-70E740481C1C}">
+                <a14:useLocalDpi xmlns:a14="http://schemas.microsoft.com/office/drawing/2010/main" val="0"/>
+              </a:ext>
+            </a:extLst>
+          </a:blip>
+          <a:srcRect t="1272" r="58831" b="16588"/>
+          <a:stretch/>
+        </p:blipFill>
+        <p:spPr>
+          <a:xfrm>
+            <a:off x="1315487" y="3349869"/>
+            <a:ext cx="3001535" cy="3052820"/>
+          </a:xfrm>
+          <a:prstGeom prst="rect">
+            <a:avLst/>
+          </a:prstGeom>
+          <a:ln w="38100" cap="sq">
+            <a:solidFill>
+              <a:srgbClr val="000000"/>
+            </a:solidFill>
+            <a:prstDash val="solid"/>
+            <a:miter lim="800000"/>
+          </a:ln>
+          <a:effectLst>
+            <a:outerShdw blurRad="50800" dist="38100" dir="2700000" algn="tl" rotWithShape="0">
+              <a:srgbClr val="000000">
+                <a:alpha val="43000"/>
+              </a:srgbClr>
+            </a:outerShdw>
+          </a:effectLst>
+        </p:spPr>
+      </p:pic>
+    </p:spTree>
+    <p:extLst>
+      <p:ext uri="{BB962C8B-B14F-4D97-AF65-F5344CB8AC3E}">
+        <p14:creationId xmlns:p14="http://schemas.microsoft.com/office/powerpoint/2010/main" val="636273625"/>
+      </p:ext>
+    </p:extLst>
+  </p:cSld>
+  <p:clrMapOvr>
+    <a:masterClrMapping/>
+  </p:clrMapOvr>
+  <mc:AlternateContent xmlns:mc="http://schemas.openxmlformats.org/markup-compatibility/2006" xmlns:p14="http://schemas.microsoft.com/office/powerpoint/2010/main">
+    <mc:Choice Requires="p14">
+      <p:transition spd="slow" p14:dur="1500">
+        <p:random/>
+      </p:transition>
+    </mc:Choice>
+    <mc:Fallback xmlns="">
+      <p:transition spd="slow">
+        <p:random/>
+      </p:transition>
+    </mc:Fallback>
+  </mc:AlternateContent>
+</p:sld>
+</file>
+
+<file path=ppt/slides/slide14.xml><?xml version="1.0" encoding="utf-8"?>
+<p:sld xmlns:a="http://schemas.openxmlformats.org/drawingml/2006/main" xmlns:r="http://schemas.openxmlformats.org/officeDocument/2006/relationships" xmlns:p="http://schemas.openxmlformats.org/presentationml/2006/main">
+  <p:cSld>
+    <p:spTree>
+      <p:nvGrpSpPr>
+        <p:cNvPr id="1" name=""/>
+        <p:cNvGrpSpPr/>
+        <p:nvPr/>
+      </p:nvGrpSpPr>
+      <p:grpSpPr>
+        <a:xfrm>
+          <a:off x="0" y="0"/>
+          <a:ext cx="0" cy="0"/>
+          <a:chOff x="0" y="0"/>
+          <a:chExt cx="0" cy="0"/>
+        </a:xfrm>
+      </p:grpSpPr>
+      <p:sp>
+        <p:nvSpPr>
+          <p:cNvPr id="2" name="標題 1"/>
+          <p:cNvSpPr>
+            <a:spLocks noGrp="1"/>
+          </p:cNvSpPr>
+          <p:nvPr>
+            <p:ph type="title"/>
+          </p:nvPr>
+        </p:nvSpPr>
+        <p:spPr/>
+        <p:txBody>
+          <a:bodyPr/>
+          <a:lstStyle/>
+          <a:p>
+            <a:r>
+              <a:rPr lang="zh-TW" altLang="en-US" dirty="0" smtClean="0"/>
+              <a:t>關於我們網頁</a:t>
+            </a:r>
+            <a:endParaRPr lang="zh-TW" altLang="en-US" dirty="0"/>
+          </a:p>
+        </p:txBody>
+      </p:sp>
+      <p:pic>
+        <p:nvPicPr>
+          <p:cNvPr id="4" name="內容版面配置區 3" descr="畫面剪輯"/>
+          <p:cNvPicPr>
+            <a:picLocks noGrp="1" noChangeAspect="1"/>
+          </p:cNvPicPr>
+          <p:nvPr>
+            <p:ph idx="1"/>
+          </p:nvPr>
+        </p:nvPicPr>
+        <p:blipFill rotWithShape="1">
+          <a:blip r:embed="rId2">
+            <a:extLst>
+              <a:ext uri="{28A0092B-C50C-407E-A947-70E740481C1C}">
+                <a14:useLocalDpi xmlns:a14="http://schemas.microsoft.com/office/drawing/2010/main" val="0"/>
+              </a:ext>
+            </a:extLst>
+          </a:blip>
+          <a:srcRect b="15958"/>
+          <a:stretch/>
+        </p:blipFill>
+        <p:spPr>
+          <a:xfrm>
+            <a:off x="1223930" y="3640015"/>
+            <a:ext cx="2532778" cy="2461846"/>
+          </a:xfrm>
+          <a:prstGeom prst="rect">
+            <a:avLst/>
+          </a:prstGeom>
+          <a:ln w="38100" cap="sq">
+            <a:solidFill>
+              <a:srgbClr val="000000"/>
+            </a:solidFill>
+            <a:prstDash val="solid"/>
+            <a:miter lim="800000"/>
+          </a:ln>
+          <a:effectLst>
+            <a:outerShdw blurRad="50800" dist="38100" dir="2700000" algn="tl" rotWithShape="0">
+              <a:srgbClr val="000000">
+                <a:alpha val="43000"/>
+              </a:srgbClr>
+            </a:outerShdw>
+          </a:effectLst>
+        </p:spPr>
+      </p:pic>
+      <p:pic>
+        <p:nvPicPr>
+          <p:cNvPr id="5" name="圖片 4" descr="畫面剪輯"/>
+          <p:cNvPicPr>
+            <a:picLocks noChangeAspect="1"/>
+          </p:cNvPicPr>
+          <p:nvPr/>
+        </p:nvPicPr>
+        <p:blipFill>
+          <a:blip r:embed="rId3">
+            <a:extLst>
+              <a:ext uri="{28A0092B-C50C-407E-A947-70E740481C1C}">
+                <a14:useLocalDpi xmlns:a14="http://schemas.microsoft.com/office/drawing/2010/main" val="0"/>
+              </a:ext>
+            </a:extLst>
+          </a:blip>
+          <a:stretch>
+            <a:fillRect/>
+          </a:stretch>
+        </p:blipFill>
+        <p:spPr>
+          <a:xfrm>
+            <a:off x="1223930" y="1858862"/>
+            <a:ext cx="8007880" cy="1476453"/>
+          </a:xfrm>
+          <a:prstGeom prst="rect">
+            <a:avLst/>
+          </a:prstGeom>
+        </p:spPr>
+      </p:pic>
+    </p:spTree>
+    <p:extLst>
+      <p:ext uri="{BB962C8B-B14F-4D97-AF65-F5344CB8AC3E}">
+        <p14:creationId xmlns:p14="http://schemas.microsoft.com/office/powerpoint/2010/main" val="2759776021"/>
+      </p:ext>
+    </p:extLst>
+  </p:cSld>
+  <p:clrMapOvr>
+    <a:masterClrMapping/>
+  </p:clrMapOvr>
+  <mc:AlternateContent xmlns:mc="http://schemas.openxmlformats.org/markup-compatibility/2006" xmlns:p14="http://schemas.microsoft.com/office/powerpoint/2010/main">
+    <mc:Choice Requires="p14">
+      <p:transition spd="slow" p14:dur="1500">
+        <p:random/>
+      </p:transition>
+    </mc:Choice>
+    <mc:Fallback xmlns="">
+      <p:transition spd="slow">
+        <p:random/>
+      </p:transition>
+    </mc:Fallback>
+  </mc:AlternateContent>
+</p:sld>
+</file>
+
 <file path=ppt/slides/slide15.xml><?xml version="1.0" encoding="utf-8"?>
 <p:sld xmlns:a="http://schemas.openxmlformats.org/drawingml/2006/main" xmlns:r="http://schemas.openxmlformats.org/officeDocument/2006/relationships" xmlns:p="http://schemas.openxmlformats.org/presentationml/2006/main">
   <p:cSld>
@@ -8510,6 +8035,50 @@
           </a:p>
         </p:txBody>
       </p:sp>
+      <p:pic>
+        <p:nvPicPr>
+          <p:cNvPr id="4" name="圖片 3" descr="畫面剪輯"/>
+          <p:cNvPicPr>
+            <a:picLocks noChangeAspect="1"/>
+          </p:cNvPicPr>
+          <p:nvPr/>
+        </p:nvPicPr>
+        <p:blipFill>
+          <a:blip r:embed="rId2">
+            <a:extLst>
+              <a:ext uri="{28A0092B-C50C-407E-A947-70E740481C1C}">
+                <a14:useLocalDpi xmlns:a14="http://schemas.microsoft.com/office/drawing/2010/main" val="0"/>
+              </a:ext>
+            </a:extLst>
+          </a:blip>
+          <a:stretch>
+            <a:fillRect/>
+          </a:stretch>
+        </p:blipFill>
+        <p:spPr>
+          <a:xfrm>
+            <a:off x="5398671" y="1554162"/>
+            <a:ext cx="3824460" cy="4326514"/>
+          </a:xfrm>
+          <a:prstGeom prst="rect">
+            <a:avLst/>
+          </a:prstGeom>
+          <a:ln w="38100" cap="sq">
+            <a:solidFill>
+              <a:srgbClr val="000000"/>
+            </a:solidFill>
+            <a:prstDash val="solid"/>
+            <a:miter lim="800000"/>
+          </a:ln>
+          <a:effectLst>
+            <a:outerShdw blurRad="50800" dist="38100" dir="2700000" algn="tl" rotWithShape="0">
+              <a:srgbClr val="000000">
+                <a:alpha val="43000"/>
+              </a:srgbClr>
+            </a:outerShdw>
+          </a:effectLst>
+        </p:spPr>
+      </p:pic>
     </p:spTree>
     <p:extLst>
       <p:ext uri="{BB962C8B-B14F-4D97-AF65-F5344CB8AC3E}">
@@ -8569,69 +8138,45 @@
           <a:p>
             <a:r>
               <a:rPr lang="zh-TW" altLang="en-US" dirty="0"/>
-              <a:t>註冊</a:t>
-            </a:r>
-            <a:r>
-              <a:rPr lang="zh-TW" altLang="en-US" dirty="0" smtClean="0"/>
-              <a:t>網頁</a:t>
-            </a:r>
-            <a:endParaRPr lang="zh-TW" altLang="en-US" dirty="0"/>
-          </a:p>
-        </p:txBody>
-      </p:sp>
-      <p:sp>
-        <p:nvSpPr>
-          <p:cNvPr id="3" name="內容版面配置區 2"/>
-          <p:cNvSpPr>
-            <a:spLocks noGrp="1"/>
-          </p:cNvSpPr>
-          <p:nvPr>
-            <p:ph idx="1"/>
-          </p:nvPr>
-        </p:nvSpPr>
-        <p:spPr/>
-        <p:txBody>
-          <a:bodyPr/>
-          <a:lstStyle/>
-          <a:p>
-            <a:r>
-              <a:rPr lang="zh-TW" altLang="en-US" dirty="0" smtClean="0"/>
-              <a:t>基本資料輸入框</a:t>
-            </a:r>
-            <a:endParaRPr lang="en-US" altLang="zh-TW" dirty="0" smtClean="0"/>
-          </a:p>
-          <a:p>
-            <a:r>
-              <a:rPr lang="zh-TW" altLang="en-US" dirty="0" smtClean="0"/>
-              <a:t>寄信</a:t>
-            </a:r>
-            <a:endParaRPr lang="en-US" altLang="zh-TW" dirty="0" smtClean="0"/>
-          </a:p>
-          <a:p>
-            <a:r>
-              <a:rPr lang="en-US" altLang="zh-TW" dirty="0" smtClean="0"/>
-              <a:t>Hash</a:t>
-            </a:r>
-          </a:p>
-          <a:p>
-            <a:r>
-              <a:rPr lang="en-US" altLang="zh-TW" dirty="0"/>
-              <a:t>google</a:t>
-            </a:r>
-            <a:r>
-              <a:rPr lang="zh-TW" altLang="en-US" dirty="0"/>
-              <a:t>驗證碼</a:t>
-            </a:r>
-          </a:p>
-          <a:p>
-            <a:endParaRPr lang="zh-TW" altLang="en-US" dirty="0"/>
-          </a:p>
-        </p:txBody>
-      </p:sp>
+              <a:t>登入網頁</a:t>
+            </a:r>
+          </a:p>
+        </p:txBody>
+      </p:sp>
+      <p:pic>
+        <p:nvPicPr>
+          <p:cNvPr id="4" name="圖片 3" descr="畫面剪輯"/>
+          <p:cNvPicPr>
+            <a:picLocks noChangeAspect="1"/>
+          </p:cNvPicPr>
+          <p:nvPr/>
+        </p:nvPicPr>
+        <p:blipFill>
+          <a:blip r:embed="rId2">
+            <a:extLst>
+              <a:ext uri="{28A0092B-C50C-407E-A947-70E740481C1C}">
+                <a14:useLocalDpi xmlns:a14="http://schemas.microsoft.com/office/drawing/2010/main" val="0"/>
+              </a:ext>
+            </a:extLst>
+          </a:blip>
+          <a:stretch>
+            <a:fillRect/>
+          </a:stretch>
+        </p:blipFill>
+        <p:spPr>
+          <a:xfrm>
+            <a:off x="1223930" y="1554162"/>
+            <a:ext cx="9596646" cy="3870692"/>
+          </a:xfrm>
+          <a:prstGeom prst="rect">
+            <a:avLst/>
+          </a:prstGeom>
+        </p:spPr>
+      </p:pic>
     </p:spTree>
     <p:extLst>
       <p:ext uri="{BB962C8B-B14F-4D97-AF65-F5344CB8AC3E}">
-        <p14:creationId xmlns:p14="http://schemas.microsoft.com/office/powerpoint/2010/main" val="1341506767"/>
+        <p14:creationId xmlns:p14="http://schemas.microsoft.com/office/powerpoint/2010/main" val="2833973635"/>
       </p:ext>
     </p:extLst>
   </p:cSld>
@@ -8687,8 +8232,13 @@
           <a:p>
             <a:r>
               <a:rPr lang="zh-TW" altLang="en-US" dirty="0"/>
-              <a:t>一般會員可瀏覽網頁</a:t>
-            </a:r>
+              <a:t>註冊</a:t>
+            </a:r>
+            <a:r>
+              <a:rPr lang="zh-TW" altLang="en-US" dirty="0" smtClean="0"/>
+              <a:t>網頁</a:t>
+            </a:r>
+            <a:endParaRPr lang="zh-TW" altLang="en-US" dirty="0"/>
           </a:p>
         </p:txBody>
       </p:sp>
@@ -8708,17 +8258,140 @@
           <a:lstStyle/>
           <a:p>
             <a:r>
+              <a:rPr lang="zh-TW" altLang="en-US" dirty="0" smtClean="0"/>
+              <a:t>基本資料輸入框</a:t>
+            </a:r>
+            <a:endParaRPr lang="en-US" altLang="zh-TW" dirty="0" smtClean="0"/>
+          </a:p>
+          <a:p>
+            <a:pPr lvl="1"/>
+            <a:r>
               <a:rPr lang="zh-TW" altLang="en-US" dirty="0"/>
-              <a:t>檢查</a:t>
+              <a:t>帳號</a:t>
             </a:r>
             <a:endParaRPr lang="en-US" altLang="zh-TW" dirty="0" smtClean="0"/>
           </a:p>
-        </p:txBody>
-      </p:sp>
+          <a:p>
+            <a:pPr lvl="1"/>
+            <a:r>
+              <a:rPr lang="zh-TW" altLang="en-US" dirty="0" smtClean="0"/>
+              <a:t>姓名</a:t>
+            </a:r>
+            <a:endParaRPr lang="en-US" altLang="zh-TW" dirty="0" smtClean="0"/>
+          </a:p>
+          <a:p>
+            <a:pPr lvl="1"/>
+            <a:r>
+              <a:rPr lang="zh-TW" altLang="en-US" dirty="0" smtClean="0"/>
+              <a:t>性別</a:t>
+            </a:r>
+            <a:endParaRPr lang="en-US" altLang="zh-TW" dirty="0" smtClean="0"/>
+          </a:p>
+          <a:p>
+            <a:pPr lvl="1"/>
+            <a:r>
+              <a:rPr lang="en-US" altLang="zh-TW" dirty="0" smtClean="0"/>
+              <a:t>Email</a:t>
+            </a:r>
+          </a:p>
+          <a:p>
+            <a:pPr lvl="1"/>
+            <a:r>
+              <a:rPr lang="zh-TW" altLang="en-US" dirty="0" smtClean="0"/>
+              <a:t>學歷</a:t>
+            </a:r>
+            <a:endParaRPr lang="en-US" altLang="zh-TW" dirty="0" smtClean="0"/>
+          </a:p>
+          <a:p>
+            <a:pPr lvl="1"/>
+            <a:r>
+              <a:rPr lang="zh-TW" altLang="en-US" dirty="0" smtClean="0"/>
+              <a:t>擅長程式語言</a:t>
+            </a:r>
+            <a:endParaRPr lang="en-US" altLang="zh-TW" dirty="0" smtClean="0"/>
+          </a:p>
+          <a:p>
+            <a:pPr lvl="1"/>
+            <a:r>
+              <a:rPr lang="zh-TW" altLang="en-US" dirty="0" smtClean="0"/>
+              <a:t>密碼</a:t>
+            </a:r>
+            <a:endParaRPr lang="en-US" altLang="zh-TW" dirty="0" smtClean="0"/>
+          </a:p>
+          <a:p>
+            <a:pPr lvl="1"/>
+            <a:r>
+              <a:rPr lang="zh-TW" altLang="en-US" dirty="0"/>
+              <a:t>重新</a:t>
+            </a:r>
+            <a:r>
+              <a:rPr lang="zh-TW" altLang="en-US" dirty="0" smtClean="0"/>
+              <a:t>輸入密碼</a:t>
+            </a:r>
+            <a:endParaRPr lang="en-US" altLang="zh-TW" dirty="0" smtClean="0"/>
+          </a:p>
+          <a:p>
+            <a:pPr lvl="1"/>
+            <a:r>
+              <a:rPr lang="zh-TW" altLang="en-US" dirty="0"/>
+              <a:t>送出按鈕</a:t>
+            </a:r>
+            <a:endParaRPr lang="en-US" altLang="zh-TW" dirty="0" smtClean="0"/>
+          </a:p>
+          <a:p>
+            <a:pPr lvl="1"/>
+            <a:endParaRPr lang="zh-TW" altLang="en-US" dirty="0"/>
+          </a:p>
+        </p:txBody>
+      </p:sp>
+      <p:pic>
+        <p:nvPicPr>
+          <p:cNvPr id="5" name="圖片 4" descr="畫面剪輯"/>
+          <p:cNvPicPr>
+            <a:picLocks noChangeAspect="1"/>
+          </p:cNvPicPr>
+          <p:nvPr/>
+        </p:nvPicPr>
+        <p:blipFill>
+          <a:blip r:embed="rId2">
+            <a:extLst>
+              <a:ext uri="{28A0092B-C50C-407E-A947-70E740481C1C}">
+                <a14:useLocalDpi xmlns:a14="http://schemas.microsoft.com/office/drawing/2010/main" val="0"/>
+              </a:ext>
+            </a:extLst>
+          </a:blip>
+          <a:stretch>
+            <a:fillRect/>
+          </a:stretch>
+        </p:blipFill>
+        <p:spPr>
+          <a:xfrm>
+            <a:off x="5360159" y="763062"/>
+            <a:ext cx="3124636" cy="5753903"/>
+          </a:xfrm>
+          <a:prstGeom prst="rect">
+            <a:avLst/>
+          </a:prstGeom>
+          <a:ln w="38100" cap="sq">
+            <a:solidFill>
+              <a:srgbClr val="000000"/>
+            </a:solidFill>
+            <a:prstDash val="solid"/>
+            <a:miter lim="800000"/>
+          </a:ln>
+          <a:effectLst>
+            <a:outerShdw blurRad="50800" dist="38100" dir="2700000" algn="tl" rotWithShape="0">
+              <a:srgbClr val="000000">
+                <a:alpha val="43000"/>
+              </a:srgbClr>
+            </a:outerShdw>
+          </a:effectLst>
+        </p:spPr>
+      </p:pic>
     </p:spTree>
     <p:extLst>
       <p:ext uri="{BB962C8B-B14F-4D97-AF65-F5344CB8AC3E}">
-        <p14:creationId xmlns:p14="http://schemas.microsoft.com/office/powerpoint/2010/main" val="1575555586"/>
+        <p14:creationId xmlns:p14="http://schemas.microsoft.com/office/powerpoint/2010/main" val="1341506767"/>
       </p:ext>
     </p:extLst>
   </p:cSld>
@@ -8774,13 +8447,146 @@
           <a:p>
             <a:r>
               <a:rPr lang="zh-TW" altLang="en-US" dirty="0"/>
-              <a:t>高級會員才可瀏覽</a:t>
-            </a:r>
-            <a:r>
-              <a:rPr lang="zh-TW" altLang="en-US" dirty="0" smtClean="0"/>
-              <a:t>網頁</a:t>
+              <a:t>註冊網頁</a:t>
             </a:r>
             <a:endParaRPr lang="zh-TW" altLang="en-US" dirty="0"/>
+          </a:p>
+        </p:txBody>
+      </p:sp>
+      <p:pic>
+        <p:nvPicPr>
+          <p:cNvPr id="8" name="內容版面配置區 7" descr="畫面剪輯"/>
+          <p:cNvPicPr>
+            <a:picLocks noGrp="1" noChangeAspect="1"/>
+          </p:cNvPicPr>
+          <p:nvPr>
+            <p:ph idx="1"/>
+          </p:nvPr>
+        </p:nvPicPr>
+        <p:blipFill>
+          <a:blip r:embed="rId2">
+            <a:extLst>
+              <a:ext uri="{28A0092B-C50C-407E-A947-70E740481C1C}">
+                <a14:useLocalDpi xmlns:a14="http://schemas.microsoft.com/office/drawing/2010/main" val="0"/>
+              </a:ext>
+            </a:extLst>
+          </a:blip>
+          <a:stretch>
+            <a:fillRect/>
+          </a:stretch>
+        </p:blipFill>
+        <p:spPr>
+          <a:xfrm>
+            <a:off x="729479" y="1420690"/>
+            <a:ext cx="7197530" cy="4980110"/>
+          </a:xfrm>
+        </p:spPr>
+      </p:pic>
+      <p:pic>
+        <p:nvPicPr>
+          <p:cNvPr id="3" name="圖片 2" descr="畫面剪輯"/>
+          <p:cNvPicPr>
+            <a:picLocks noChangeAspect="1"/>
+          </p:cNvPicPr>
+          <p:nvPr/>
+        </p:nvPicPr>
+        <p:blipFill>
+          <a:blip r:embed="rId3">
+            <a:extLst>
+              <a:ext uri="{28A0092B-C50C-407E-A947-70E740481C1C}">
+                <a14:useLocalDpi xmlns:a14="http://schemas.microsoft.com/office/drawing/2010/main" val="0"/>
+              </a:ext>
+            </a:extLst>
+          </a:blip>
+          <a:stretch>
+            <a:fillRect/>
+          </a:stretch>
+        </p:blipFill>
+        <p:spPr>
+          <a:xfrm>
+            <a:off x="8252110" y="1503388"/>
+            <a:ext cx="3517860" cy="4897412"/>
+          </a:xfrm>
+          <a:prstGeom prst="rect">
+            <a:avLst/>
+          </a:prstGeom>
+          <a:ln w="38100" cap="sq">
+            <a:solidFill>
+              <a:srgbClr val="000000"/>
+            </a:solidFill>
+            <a:prstDash val="solid"/>
+            <a:miter lim="800000"/>
+          </a:ln>
+          <a:effectLst>
+            <a:outerShdw blurRad="50800" dist="38100" dir="2700000" algn="tl" rotWithShape="0">
+              <a:srgbClr val="000000">
+                <a:alpha val="43000"/>
+              </a:srgbClr>
+            </a:outerShdw>
+          </a:effectLst>
+        </p:spPr>
+      </p:pic>
+    </p:spTree>
+    <p:extLst>
+      <p:ext uri="{BB962C8B-B14F-4D97-AF65-F5344CB8AC3E}">
+        <p14:creationId xmlns:p14="http://schemas.microsoft.com/office/powerpoint/2010/main" val="1807464525"/>
+      </p:ext>
+    </p:extLst>
+  </p:cSld>
+  <p:clrMapOvr>
+    <a:masterClrMapping/>
+  </p:clrMapOvr>
+  <mc:AlternateContent xmlns:mc="http://schemas.openxmlformats.org/markup-compatibility/2006" xmlns:p14="http://schemas.microsoft.com/office/powerpoint/2010/main">
+    <mc:Choice Requires="p14">
+      <p:transition spd="slow" p14:dur="1500">
+        <p:random/>
+      </p:transition>
+    </mc:Choice>
+    <mc:Fallback xmlns="">
+      <p:transition spd="slow">
+        <p:random/>
+      </p:transition>
+    </mc:Fallback>
+  </mc:AlternateContent>
+</p:sld>
+</file>
+
+<file path=ppt/slides/slide19.xml><?xml version="1.0" encoding="utf-8"?>
+<p:sld xmlns:a="http://schemas.openxmlformats.org/drawingml/2006/main" xmlns:r="http://schemas.openxmlformats.org/officeDocument/2006/relationships" xmlns:p="http://schemas.openxmlformats.org/presentationml/2006/main">
+  <p:cSld>
+    <p:spTree>
+      <p:nvGrpSpPr>
+        <p:cNvPr id="1" name=""/>
+        <p:cNvGrpSpPr/>
+        <p:nvPr/>
+      </p:nvGrpSpPr>
+      <p:grpSpPr>
+        <a:xfrm>
+          <a:off x="0" y="0"/>
+          <a:ext cx="0" cy="0"/>
+          <a:chOff x="0" y="0"/>
+          <a:chExt cx="0" cy="0"/>
+        </a:xfrm>
+      </p:grpSpPr>
+      <p:sp>
+        <p:nvSpPr>
+          <p:cNvPr id="2" name="標題 1"/>
+          <p:cNvSpPr>
+            <a:spLocks noGrp="1"/>
+          </p:cNvSpPr>
+          <p:nvPr>
+            <p:ph type="title"/>
+          </p:nvPr>
+        </p:nvSpPr>
+        <p:spPr/>
+        <p:txBody>
+          <a:bodyPr/>
+          <a:lstStyle/>
+          <a:p>
+            <a:r>
+              <a:rPr lang="zh-TW" altLang="en-US" dirty="0"/>
+              <a:t>註冊網頁</a:t>
+            </a:r>
           </a:p>
         </p:txBody>
       </p:sp>
@@ -8801,19 +8607,150 @@
           <a:p>
             <a:r>
               <a:rPr lang="zh-TW" altLang="en-US" dirty="0"/>
-              <a:t>檢查</a:t>
+              <a:t>基本資料輸入</a:t>
+            </a:r>
+            <a:r>
+              <a:rPr lang="zh-TW" altLang="en-US" dirty="0" smtClean="0"/>
+              <a:t>框綁定</a:t>
+            </a:r>
+            <a:r>
+              <a:rPr lang="en-US" altLang="zh-TW" dirty="0" smtClean="0"/>
+              <a:t>DB</a:t>
+            </a:r>
+            <a:r>
+              <a:rPr lang="zh-TW" altLang="en-US" dirty="0" smtClean="0"/>
+              <a:t>資料</a:t>
+            </a:r>
+            <a:r>
+              <a:rPr lang="en-US" altLang="zh-TW" dirty="0" smtClean="0"/>
+              <a:t>(</a:t>
+            </a:r>
+            <a:r>
+              <a:rPr lang="zh-TW" altLang="en-US" dirty="0" smtClean="0"/>
+              <a:t>使用</a:t>
+            </a:r>
+            <a:r>
+              <a:rPr lang="en-US" altLang="zh-TW" dirty="0" err="1" smtClean="0"/>
+              <a:t>sqldatasource</a:t>
+            </a:r>
+            <a:r>
+              <a:rPr lang="en-US" altLang="zh-TW" dirty="0" smtClean="0"/>
+              <a:t>)</a:t>
             </a:r>
             <a:endParaRPr lang="en-US" altLang="zh-TW" dirty="0"/>
           </a:p>
           <a:p>
-            <a:endParaRPr lang="zh-TW" altLang="en-US" dirty="0"/>
-          </a:p>
-        </p:txBody>
-      </p:sp>
+            <a:pPr lvl="1"/>
+            <a:r>
+              <a:rPr lang="zh-TW" altLang="en-US" dirty="0" smtClean="0"/>
+              <a:t>性別、學歷、擅長</a:t>
+            </a:r>
+            <a:r>
+              <a:rPr lang="zh-TW" altLang="en-US" dirty="0"/>
+              <a:t>程式</a:t>
+            </a:r>
+            <a:r>
+              <a:rPr lang="zh-TW" altLang="en-US" dirty="0" smtClean="0"/>
+              <a:t>語言</a:t>
+            </a:r>
+            <a:endParaRPr lang="en-US" altLang="zh-TW" dirty="0"/>
+          </a:p>
+        </p:txBody>
+      </p:sp>
+      <p:pic>
+        <p:nvPicPr>
+          <p:cNvPr id="5" name="內容版面配置區 3" descr="畫面剪輯"/>
+          <p:cNvPicPr>
+            <a:picLocks noChangeAspect="1"/>
+          </p:cNvPicPr>
+          <p:nvPr/>
+        </p:nvPicPr>
+        <p:blipFill>
+          <a:blip r:embed="rId2">
+            <a:extLst>
+              <a:ext uri="{28A0092B-C50C-407E-A947-70E740481C1C}">
+                <a14:useLocalDpi xmlns:a14="http://schemas.microsoft.com/office/drawing/2010/main" val="0"/>
+              </a:ext>
+            </a:extLst>
+          </a:blip>
+          <a:stretch>
+            <a:fillRect/>
+          </a:stretch>
+        </p:blipFill>
+        <p:spPr>
+          <a:xfrm>
+            <a:off x="579404" y="2552274"/>
+            <a:ext cx="11507806" cy="1431022"/>
+          </a:xfrm>
+          <a:prstGeom prst="rect">
+            <a:avLst/>
+          </a:prstGeom>
+        </p:spPr>
+      </p:pic>
+      <p:pic>
+        <p:nvPicPr>
+          <p:cNvPr id="6" name="圖片 5" descr="畫面剪輯"/>
+          <p:cNvPicPr>
+            <a:picLocks noChangeAspect="1"/>
+          </p:cNvPicPr>
+          <p:nvPr/>
+        </p:nvPicPr>
+        <p:blipFill>
+          <a:blip r:embed="rId3">
+            <a:extLst>
+              <a:ext uri="{28A0092B-C50C-407E-A947-70E740481C1C}">
+                <a14:useLocalDpi xmlns:a14="http://schemas.microsoft.com/office/drawing/2010/main" val="0"/>
+              </a:ext>
+            </a:extLst>
+          </a:blip>
+          <a:stretch>
+            <a:fillRect/>
+          </a:stretch>
+        </p:blipFill>
+        <p:spPr>
+          <a:xfrm>
+            <a:off x="579404" y="5448103"/>
+            <a:ext cx="11507806" cy="1409897"/>
+          </a:xfrm>
+          <a:prstGeom prst="rect">
+            <a:avLst/>
+          </a:prstGeom>
+        </p:spPr>
+      </p:pic>
+      <p:pic>
+        <p:nvPicPr>
+          <p:cNvPr id="7" name="圖片 6" descr="畫面剪輯"/>
+          <p:cNvPicPr>
+            <a:picLocks noChangeAspect="1"/>
+          </p:cNvPicPr>
+          <p:nvPr/>
+        </p:nvPicPr>
+        <p:blipFill>
+          <a:blip r:embed="rId4">
+            <a:extLst>
+              <a:ext uri="{28A0092B-C50C-407E-A947-70E740481C1C}">
+                <a14:useLocalDpi xmlns:a14="http://schemas.microsoft.com/office/drawing/2010/main" val="0"/>
+              </a:ext>
+            </a:extLst>
+          </a:blip>
+          <a:stretch>
+            <a:fillRect/>
+          </a:stretch>
+        </p:blipFill>
+        <p:spPr>
+          <a:xfrm>
+            <a:off x="579404" y="4018467"/>
+            <a:ext cx="11507806" cy="1396029"/>
+          </a:xfrm>
+          <a:prstGeom prst="rect">
+            <a:avLst/>
+          </a:prstGeom>
+        </p:spPr>
+      </p:pic>
     </p:spTree>
     <p:extLst>
       <p:ext uri="{BB962C8B-B14F-4D97-AF65-F5344CB8AC3E}">
-        <p14:creationId xmlns:p14="http://schemas.microsoft.com/office/powerpoint/2010/main" val="2259941329"/>
+        <p14:creationId xmlns:p14="http://schemas.microsoft.com/office/powerpoint/2010/main" val="3992659522"/>
       </p:ext>
     </p:extLst>
   </p:cSld>
@@ -8939,6 +8876,1497 @@
 </p:sld>
 </file>
 
+<file path=ppt/slides/slide20.xml><?xml version="1.0" encoding="utf-8"?>
+<p:sld xmlns:a="http://schemas.openxmlformats.org/drawingml/2006/main" xmlns:r="http://schemas.openxmlformats.org/officeDocument/2006/relationships" xmlns:p="http://schemas.openxmlformats.org/presentationml/2006/main">
+  <p:cSld>
+    <p:spTree>
+      <p:nvGrpSpPr>
+        <p:cNvPr id="1" name=""/>
+        <p:cNvGrpSpPr/>
+        <p:nvPr/>
+      </p:nvGrpSpPr>
+      <p:grpSpPr>
+        <a:xfrm>
+          <a:off x="0" y="0"/>
+          <a:ext cx="0" cy="0"/>
+          <a:chOff x="0" y="0"/>
+          <a:chExt cx="0" cy="0"/>
+        </a:xfrm>
+      </p:grpSpPr>
+      <p:sp>
+        <p:nvSpPr>
+          <p:cNvPr id="2" name="標題 1"/>
+          <p:cNvSpPr>
+            <a:spLocks noGrp="1"/>
+          </p:cNvSpPr>
+          <p:nvPr>
+            <p:ph type="title"/>
+          </p:nvPr>
+        </p:nvSpPr>
+        <p:spPr/>
+        <p:txBody>
+          <a:bodyPr/>
+          <a:lstStyle/>
+          <a:p>
+            <a:r>
+              <a:rPr lang="zh-TW" altLang="en-US" dirty="0"/>
+              <a:t>顯示無瀏覽權限網頁</a:t>
+            </a:r>
+          </a:p>
+        </p:txBody>
+      </p:sp>
+      <p:pic>
+        <p:nvPicPr>
+          <p:cNvPr id="4" name="內容版面配置區 3" descr="畫面剪輯"/>
+          <p:cNvPicPr>
+            <a:picLocks noGrp="1" noChangeAspect="1"/>
+          </p:cNvPicPr>
+          <p:nvPr>
+            <p:ph idx="1"/>
+          </p:nvPr>
+        </p:nvPicPr>
+        <p:blipFill>
+          <a:blip r:embed="rId2">
+            <a:extLst>
+              <a:ext uri="{28A0092B-C50C-407E-A947-70E740481C1C}">
+                <a14:useLocalDpi xmlns:a14="http://schemas.microsoft.com/office/drawing/2010/main" val="0"/>
+              </a:ext>
+            </a:extLst>
+          </a:blip>
+          <a:stretch>
+            <a:fillRect/>
+          </a:stretch>
+        </p:blipFill>
+        <p:spPr>
+          <a:xfrm>
+            <a:off x="1223930" y="3494589"/>
+            <a:ext cx="2539178" cy="3130831"/>
+          </a:xfrm>
+          <a:prstGeom prst="rect">
+            <a:avLst/>
+          </a:prstGeom>
+          <a:ln w="38100" cap="sq">
+            <a:solidFill>
+              <a:srgbClr val="000000"/>
+            </a:solidFill>
+            <a:prstDash val="solid"/>
+            <a:miter lim="800000"/>
+          </a:ln>
+          <a:effectLst>
+            <a:outerShdw blurRad="50800" dist="38100" dir="2700000" algn="tl" rotWithShape="0">
+              <a:srgbClr val="000000">
+                <a:alpha val="43000"/>
+              </a:srgbClr>
+            </a:outerShdw>
+          </a:effectLst>
+        </p:spPr>
+      </p:pic>
+      <p:pic>
+        <p:nvPicPr>
+          <p:cNvPr id="5" name="圖片 4" descr="畫面剪輯"/>
+          <p:cNvPicPr>
+            <a:picLocks noChangeAspect="1"/>
+          </p:cNvPicPr>
+          <p:nvPr/>
+        </p:nvPicPr>
+        <p:blipFill>
+          <a:blip r:embed="rId3">
+            <a:extLst>
+              <a:ext uri="{28A0092B-C50C-407E-A947-70E740481C1C}">
+                <a14:useLocalDpi xmlns:a14="http://schemas.microsoft.com/office/drawing/2010/main" val="0"/>
+              </a:ext>
+            </a:extLst>
+          </a:blip>
+          <a:stretch>
+            <a:fillRect/>
+          </a:stretch>
+        </p:blipFill>
+        <p:spPr>
+          <a:xfrm>
+            <a:off x="1223930" y="1554162"/>
+            <a:ext cx="9124616" cy="1805480"/>
+          </a:xfrm>
+          <a:prstGeom prst="rect">
+            <a:avLst/>
+          </a:prstGeom>
+        </p:spPr>
+      </p:pic>
+    </p:spTree>
+    <p:extLst>
+      <p:ext uri="{BB962C8B-B14F-4D97-AF65-F5344CB8AC3E}">
+        <p14:creationId xmlns:p14="http://schemas.microsoft.com/office/powerpoint/2010/main" val="910199909"/>
+      </p:ext>
+    </p:extLst>
+  </p:cSld>
+  <p:clrMapOvr>
+    <a:masterClrMapping/>
+  </p:clrMapOvr>
+  <mc:AlternateContent xmlns:mc="http://schemas.openxmlformats.org/markup-compatibility/2006" xmlns:p14="http://schemas.microsoft.com/office/powerpoint/2010/main">
+    <mc:Choice Requires="p14">
+      <p:transition spd="slow" p14:dur="1500">
+        <p:random/>
+      </p:transition>
+    </mc:Choice>
+    <mc:Fallback xmlns="">
+      <p:transition spd="slow">
+        <p:random/>
+      </p:transition>
+    </mc:Fallback>
+  </mc:AlternateContent>
+</p:sld>
+</file>
+
+<file path=ppt/slides/slide21.xml><?xml version="1.0" encoding="utf-8"?>
+<p:sld xmlns:a="http://schemas.openxmlformats.org/drawingml/2006/main" xmlns:r="http://schemas.openxmlformats.org/officeDocument/2006/relationships" xmlns:p="http://schemas.openxmlformats.org/presentationml/2006/main">
+  <p:cSld>
+    <p:spTree>
+      <p:nvGrpSpPr>
+        <p:cNvPr id="1" name=""/>
+        <p:cNvGrpSpPr/>
+        <p:nvPr/>
+      </p:nvGrpSpPr>
+      <p:grpSpPr>
+        <a:xfrm>
+          <a:off x="0" y="0"/>
+          <a:ext cx="0" cy="0"/>
+          <a:chOff x="0" y="0"/>
+          <a:chExt cx="0" cy="0"/>
+        </a:xfrm>
+      </p:grpSpPr>
+      <p:sp>
+        <p:nvSpPr>
+          <p:cNvPr id="2" name="標題 1"/>
+          <p:cNvSpPr>
+            <a:spLocks noGrp="1"/>
+          </p:cNvSpPr>
+          <p:nvPr>
+            <p:ph type="title"/>
+          </p:nvPr>
+        </p:nvSpPr>
+        <p:spPr/>
+        <p:txBody>
+          <a:bodyPr/>
+          <a:lstStyle/>
+          <a:p>
+            <a:r>
+              <a:rPr lang="zh-TW" altLang="en-US" dirty="0"/>
+              <a:t>實作功能</a:t>
+            </a:r>
+          </a:p>
+        </p:txBody>
+      </p:sp>
+      <p:sp>
+        <p:nvSpPr>
+          <p:cNvPr id="3" name="內容版面配置區 2"/>
+          <p:cNvSpPr>
+            <a:spLocks noGrp="1"/>
+          </p:cNvSpPr>
+          <p:nvPr>
+            <p:ph idx="1"/>
+          </p:nvPr>
+        </p:nvSpPr>
+        <p:spPr/>
+        <p:txBody>
+          <a:bodyPr/>
+          <a:lstStyle/>
+          <a:p>
+            <a:r>
+              <a:rPr lang="zh-TW" altLang="en-US" dirty="0" smtClean="0"/>
+              <a:t>靜態頁面</a:t>
+            </a:r>
+            <a:endParaRPr lang="en-US" altLang="zh-TW" dirty="0" smtClean="0"/>
+          </a:p>
+          <a:p>
+            <a:pPr lvl="1"/>
+            <a:r>
+              <a:rPr lang="zh-TW" altLang="en-US" dirty="0" smtClean="0"/>
+              <a:t>首頁</a:t>
+            </a:r>
+            <a:endParaRPr lang="en-US" altLang="zh-TW" dirty="0"/>
+          </a:p>
+          <a:p>
+            <a:pPr lvl="1"/>
+            <a:r>
+              <a:rPr lang="zh-TW" altLang="en-US" dirty="0"/>
+              <a:t>關於我們</a:t>
+            </a:r>
+            <a:endParaRPr lang="en-US" altLang="zh-TW" dirty="0"/>
+          </a:p>
+          <a:p>
+            <a:pPr lvl="1"/>
+            <a:r>
+              <a:rPr lang="zh-TW" altLang="en-US" dirty="0"/>
+              <a:t>呈現無瀏覽權限</a:t>
+            </a:r>
+            <a:r>
+              <a:rPr lang="zh-TW" altLang="en-US" dirty="0" smtClean="0"/>
+              <a:t>網頁</a:t>
+            </a:r>
+            <a:endParaRPr lang="en-US" altLang="zh-TW" dirty="0" smtClean="0"/>
+          </a:p>
+          <a:p>
+            <a:r>
+              <a:rPr lang="zh-TW" altLang="en-US" dirty="0"/>
+              <a:t>動態頁面</a:t>
+            </a:r>
+            <a:endParaRPr lang="en-US" altLang="zh-TW" dirty="0"/>
+          </a:p>
+          <a:p>
+            <a:pPr lvl="1"/>
+            <a:r>
+              <a:rPr lang="zh-TW" altLang="en-US" dirty="0"/>
+              <a:t>註冊網頁</a:t>
+            </a:r>
+            <a:endParaRPr lang="en-US" altLang="zh-TW" dirty="0"/>
+          </a:p>
+          <a:p>
+            <a:pPr lvl="1"/>
+            <a:r>
+              <a:rPr lang="zh-TW" altLang="en-US" dirty="0"/>
+              <a:t>登入網頁</a:t>
+            </a:r>
+            <a:endParaRPr lang="en-US" altLang="zh-TW" dirty="0"/>
+          </a:p>
+          <a:p>
+            <a:endParaRPr lang="zh-TW" altLang="en-US" dirty="0"/>
+          </a:p>
+        </p:txBody>
+      </p:sp>
+    </p:spTree>
+    <p:extLst>
+      <p:ext uri="{BB962C8B-B14F-4D97-AF65-F5344CB8AC3E}">
+        <p14:creationId xmlns:p14="http://schemas.microsoft.com/office/powerpoint/2010/main" val="3371896691"/>
+      </p:ext>
+    </p:extLst>
+  </p:cSld>
+  <p:clrMapOvr>
+    <a:masterClrMapping/>
+  </p:clrMapOvr>
+  <mc:AlternateContent xmlns:mc="http://schemas.openxmlformats.org/markup-compatibility/2006" xmlns:p14="http://schemas.microsoft.com/office/powerpoint/2010/main">
+    <mc:Choice Requires="p14">
+      <p:transition spd="slow" p14:dur="1500">
+        <p:random/>
+      </p:transition>
+    </mc:Choice>
+    <mc:Fallback xmlns="">
+      <p:transition spd="slow">
+        <p:random/>
+      </p:transition>
+    </mc:Fallback>
+  </mc:AlternateContent>
+</p:sld>
+</file>
+
+<file path=ppt/slides/slide22.xml><?xml version="1.0" encoding="utf-8"?>
+<p:sld xmlns:a="http://schemas.openxmlformats.org/drawingml/2006/main" xmlns:r="http://schemas.openxmlformats.org/officeDocument/2006/relationships" xmlns:p="http://schemas.openxmlformats.org/presentationml/2006/main">
+  <p:cSld>
+    <p:spTree>
+      <p:nvGrpSpPr>
+        <p:cNvPr id="1" name=""/>
+        <p:cNvGrpSpPr/>
+        <p:nvPr/>
+      </p:nvGrpSpPr>
+      <p:grpSpPr>
+        <a:xfrm>
+          <a:off x="0" y="0"/>
+          <a:ext cx="0" cy="0"/>
+          <a:chOff x="0" y="0"/>
+          <a:chExt cx="0" cy="0"/>
+        </a:xfrm>
+      </p:grpSpPr>
+      <p:sp>
+        <p:nvSpPr>
+          <p:cNvPr id="2" name="標題 1"/>
+          <p:cNvSpPr>
+            <a:spLocks noGrp="1"/>
+          </p:cNvSpPr>
+          <p:nvPr>
+            <p:ph type="title"/>
+          </p:nvPr>
+        </p:nvSpPr>
+        <p:spPr/>
+        <p:txBody>
+          <a:bodyPr/>
+          <a:lstStyle/>
+          <a:p>
+            <a:r>
+              <a:rPr lang="zh-TW" altLang="en-US" dirty="0"/>
+              <a:t>註冊</a:t>
+            </a:r>
+            <a:r>
+              <a:rPr lang="zh-TW" altLang="en-US" dirty="0" smtClean="0"/>
+              <a:t>網頁處理邏輯</a:t>
+            </a:r>
+            <a:endParaRPr lang="zh-TW" altLang="en-US" dirty="0"/>
+          </a:p>
+        </p:txBody>
+      </p:sp>
+      <p:sp>
+        <p:nvSpPr>
+          <p:cNvPr id="4" name="矩形 3"/>
+          <p:cNvSpPr/>
+          <p:nvPr/>
+        </p:nvSpPr>
+        <p:spPr>
+          <a:xfrm>
+            <a:off x="2373923" y="2365132"/>
+            <a:ext cx="1186962" cy="509954"/>
+          </a:xfrm>
+          <a:prstGeom prst="rect">
+            <a:avLst/>
+          </a:prstGeom>
+        </p:spPr>
+        <p:style>
+          <a:lnRef idx="2">
+            <a:schemeClr val="accent1">
+              <a:shade val="50000"/>
+            </a:schemeClr>
+          </a:lnRef>
+          <a:fillRef idx="1">
+            <a:schemeClr val="accent1"/>
+          </a:fillRef>
+          <a:effectRef idx="0">
+            <a:schemeClr val="accent1"/>
+          </a:effectRef>
+          <a:fontRef idx="minor">
+            <a:schemeClr val="lt1"/>
+          </a:fontRef>
+        </p:style>
+        <p:txBody>
+          <a:bodyPr rtlCol="0" anchor="ctr"/>
+          <a:lstStyle/>
+          <a:p>
+            <a:pPr algn="ctr"/>
+            <a:r>
+              <a:rPr lang="zh-TW" altLang="en-US" dirty="0" smtClean="0"/>
+              <a:t>輸入資料</a:t>
+            </a:r>
+            <a:endParaRPr lang="zh-TW" altLang="en-US" dirty="0"/>
+          </a:p>
+        </p:txBody>
+      </p:sp>
+      <p:sp>
+        <p:nvSpPr>
+          <p:cNvPr id="5" name="矩形 4"/>
+          <p:cNvSpPr/>
+          <p:nvPr/>
+        </p:nvSpPr>
+        <p:spPr>
+          <a:xfrm>
+            <a:off x="2373923" y="3105765"/>
+            <a:ext cx="1186962" cy="509954"/>
+          </a:xfrm>
+          <a:prstGeom prst="rect">
+            <a:avLst/>
+          </a:prstGeom>
+        </p:spPr>
+        <p:style>
+          <a:lnRef idx="2">
+            <a:schemeClr val="accent1">
+              <a:shade val="50000"/>
+            </a:schemeClr>
+          </a:lnRef>
+          <a:fillRef idx="1">
+            <a:schemeClr val="accent1"/>
+          </a:fillRef>
+          <a:effectRef idx="0">
+            <a:schemeClr val="accent1"/>
+          </a:effectRef>
+          <a:fontRef idx="minor">
+            <a:schemeClr val="lt1"/>
+          </a:fontRef>
+        </p:style>
+        <p:txBody>
+          <a:bodyPr rtlCol="0" anchor="ctr"/>
+          <a:lstStyle/>
+          <a:p>
+            <a:pPr algn="ctr"/>
+            <a:r>
+              <a:rPr lang="zh-TW" altLang="en-US" dirty="0" smtClean="0"/>
+              <a:t>送出資料</a:t>
+            </a:r>
+            <a:endParaRPr lang="zh-TW" altLang="en-US" dirty="0"/>
+          </a:p>
+        </p:txBody>
+      </p:sp>
+      <p:sp>
+        <p:nvSpPr>
+          <p:cNvPr id="6" name="矩形 5"/>
+          <p:cNvSpPr/>
+          <p:nvPr/>
+        </p:nvSpPr>
+        <p:spPr>
+          <a:xfrm>
+            <a:off x="4469423" y="2365132"/>
+            <a:ext cx="1186962" cy="509954"/>
+          </a:xfrm>
+          <a:prstGeom prst="rect">
+            <a:avLst/>
+          </a:prstGeom>
+        </p:spPr>
+        <p:style>
+          <a:lnRef idx="2">
+            <a:schemeClr val="accent1">
+              <a:shade val="50000"/>
+            </a:schemeClr>
+          </a:lnRef>
+          <a:fillRef idx="1">
+            <a:schemeClr val="accent1"/>
+          </a:fillRef>
+          <a:effectRef idx="0">
+            <a:schemeClr val="accent1"/>
+          </a:effectRef>
+          <a:fontRef idx="minor">
+            <a:schemeClr val="lt1"/>
+          </a:fontRef>
+        </p:style>
+        <p:txBody>
+          <a:bodyPr rtlCol="0" anchor="ctr"/>
+          <a:lstStyle/>
+          <a:p>
+            <a:pPr algn="ctr"/>
+            <a:r>
+              <a:rPr lang="zh-TW" altLang="en-US" dirty="0"/>
+              <a:t>檢查</a:t>
+            </a:r>
+            <a:r>
+              <a:rPr lang="zh-TW" altLang="en-US" dirty="0" smtClean="0"/>
+              <a:t>資料</a:t>
+            </a:r>
+            <a:endParaRPr lang="zh-TW" altLang="en-US" dirty="0"/>
+          </a:p>
+        </p:txBody>
+      </p:sp>
+      <p:sp>
+        <p:nvSpPr>
+          <p:cNvPr id="7" name="矩形 6"/>
+          <p:cNvSpPr/>
+          <p:nvPr/>
+        </p:nvSpPr>
+        <p:spPr>
+          <a:xfrm>
+            <a:off x="4469423" y="4178427"/>
+            <a:ext cx="1186962" cy="509954"/>
+          </a:xfrm>
+          <a:prstGeom prst="rect">
+            <a:avLst/>
+          </a:prstGeom>
+        </p:spPr>
+        <p:style>
+          <a:lnRef idx="2">
+            <a:schemeClr val="accent1">
+              <a:shade val="50000"/>
+            </a:schemeClr>
+          </a:lnRef>
+          <a:fillRef idx="1">
+            <a:schemeClr val="accent1"/>
+          </a:fillRef>
+          <a:effectRef idx="0">
+            <a:schemeClr val="accent1"/>
+          </a:effectRef>
+          <a:fontRef idx="minor">
+            <a:schemeClr val="lt1"/>
+          </a:fontRef>
+        </p:style>
+        <p:txBody>
+          <a:bodyPr rtlCol="0" anchor="ctr"/>
+          <a:lstStyle/>
+          <a:p>
+            <a:pPr algn="ctr"/>
+            <a:r>
+              <a:rPr lang="zh-TW" altLang="en-US" dirty="0" smtClean="0"/>
+              <a:t>回饋錯誤訊息</a:t>
+            </a:r>
+            <a:endParaRPr lang="zh-TW" altLang="en-US" dirty="0"/>
+          </a:p>
+        </p:txBody>
+      </p:sp>
+      <p:sp>
+        <p:nvSpPr>
+          <p:cNvPr id="8" name="矩形 7"/>
+          <p:cNvSpPr/>
+          <p:nvPr/>
+        </p:nvSpPr>
+        <p:spPr>
+          <a:xfrm>
+            <a:off x="4469423" y="5659693"/>
+            <a:ext cx="1186962" cy="509954"/>
+          </a:xfrm>
+          <a:prstGeom prst="rect">
+            <a:avLst/>
+          </a:prstGeom>
+        </p:spPr>
+        <p:style>
+          <a:lnRef idx="2">
+            <a:schemeClr val="accent1">
+              <a:shade val="50000"/>
+            </a:schemeClr>
+          </a:lnRef>
+          <a:fillRef idx="1">
+            <a:schemeClr val="accent1"/>
+          </a:fillRef>
+          <a:effectRef idx="0">
+            <a:schemeClr val="accent1"/>
+          </a:effectRef>
+          <a:fontRef idx="minor">
+            <a:schemeClr val="lt1"/>
+          </a:fontRef>
+        </p:style>
+        <p:txBody>
+          <a:bodyPr rtlCol="0" anchor="ctr"/>
+          <a:lstStyle/>
+          <a:p>
+            <a:pPr algn="ctr"/>
+            <a:r>
+              <a:rPr lang="zh-TW" altLang="en-US" dirty="0"/>
+              <a:t>成功</a:t>
+            </a:r>
+            <a:r>
+              <a:rPr lang="zh-TW" altLang="en-US" dirty="0" smtClean="0"/>
+              <a:t>訊息</a:t>
+            </a:r>
+            <a:endParaRPr lang="zh-TW" altLang="en-US" dirty="0"/>
+          </a:p>
+        </p:txBody>
+      </p:sp>
+      <p:sp>
+        <p:nvSpPr>
+          <p:cNvPr id="9" name="矩形 8"/>
+          <p:cNvSpPr/>
+          <p:nvPr/>
+        </p:nvSpPr>
+        <p:spPr>
+          <a:xfrm>
+            <a:off x="4469423" y="4919060"/>
+            <a:ext cx="1186962" cy="509954"/>
+          </a:xfrm>
+          <a:prstGeom prst="rect">
+            <a:avLst/>
+          </a:prstGeom>
+        </p:spPr>
+        <p:style>
+          <a:lnRef idx="2">
+            <a:schemeClr val="accent1">
+              <a:shade val="50000"/>
+            </a:schemeClr>
+          </a:lnRef>
+          <a:fillRef idx="1">
+            <a:schemeClr val="accent1"/>
+          </a:fillRef>
+          <a:effectRef idx="0">
+            <a:schemeClr val="accent1"/>
+          </a:effectRef>
+          <a:fontRef idx="minor">
+            <a:schemeClr val="lt1"/>
+          </a:fontRef>
+        </p:style>
+        <p:txBody>
+          <a:bodyPr rtlCol="0" anchor="ctr"/>
+          <a:lstStyle/>
+          <a:p>
+            <a:pPr algn="ctr"/>
+            <a:r>
+              <a:rPr lang="zh-TW" altLang="en-US" dirty="0"/>
+              <a:t>寫入資料</a:t>
+            </a:r>
+          </a:p>
+        </p:txBody>
+      </p:sp>
+      <p:sp>
+        <p:nvSpPr>
+          <p:cNvPr id="11" name="矩形 10"/>
+          <p:cNvSpPr/>
+          <p:nvPr/>
+        </p:nvSpPr>
+        <p:spPr>
+          <a:xfrm>
+            <a:off x="4469423" y="3170242"/>
+            <a:ext cx="1186962" cy="509954"/>
+          </a:xfrm>
+          <a:prstGeom prst="rect">
+            <a:avLst/>
+          </a:prstGeom>
+        </p:spPr>
+        <p:style>
+          <a:lnRef idx="2">
+            <a:schemeClr val="accent1">
+              <a:shade val="50000"/>
+            </a:schemeClr>
+          </a:lnRef>
+          <a:fillRef idx="1">
+            <a:schemeClr val="accent1"/>
+          </a:fillRef>
+          <a:effectRef idx="0">
+            <a:schemeClr val="accent1"/>
+          </a:effectRef>
+          <a:fontRef idx="minor">
+            <a:schemeClr val="lt1"/>
+          </a:fontRef>
+        </p:style>
+        <p:txBody>
+          <a:bodyPr rtlCol="0" anchor="ctr"/>
+          <a:lstStyle/>
+          <a:p>
+            <a:pPr algn="ctr"/>
+            <a:r>
+              <a:rPr lang="zh-TW" altLang="en-US" dirty="0" smtClean="0"/>
+              <a:t>檢查重複</a:t>
+            </a:r>
+            <a:endParaRPr lang="zh-TW" altLang="en-US" dirty="0"/>
+          </a:p>
+        </p:txBody>
+      </p:sp>
+    </p:spTree>
+    <p:extLst>
+      <p:ext uri="{BB962C8B-B14F-4D97-AF65-F5344CB8AC3E}">
+        <p14:creationId xmlns:p14="http://schemas.microsoft.com/office/powerpoint/2010/main" val="1591429887"/>
+      </p:ext>
+    </p:extLst>
+  </p:cSld>
+  <p:clrMapOvr>
+    <a:masterClrMapping/>
+  </p:clrMapOvr>
+  <mc:AlternateContent xmlns:mc="http://schemas.openxmlformats.org/markup-compatibility/2006" xmlns:p14="http://schemas.microsoft.com/office/powerpoint/2010/main">
+    <mc:Choice Requires="p14">
+      <p:transition spd="slow" p14:dur="1500">
+        <p:random/>
+      </p:transition>
+    </mc:Choice>
+    <mc:Fallback xmlns="">
+      <p:transition spd="slow">
+        <p:random/>
+      </p:transition>
+    </mc:Fallback>
+  </mc:AlternateContent>
+</p:sld>
+</file>
+
+<file path=ppt/slides/slide23.xml><?xml version="1.0" encoding="utf-8"?>
+<p:sld xmlns:a="http://schemas.openxmlformats.org/drawingml/2006/main" xmlns:r="http://schemas.openxmlformats.org/officeDocument/2006/relationships" xmlns:p="http://schemas.openxmlformats.org/presentationml/2006/main">
+  <p:cSld>
+    <p:spTree>
+      <p:nvGrpSpPr>
+        <p:cNvPr id="1" name=""/>
+        <p:cNvGrpSpPr/>
+        <p:nvPr/>
+      </p:nvGrpSpPr>
+      <p:grpSpPr>
+        <a:xfrm>
+          <a:off x="0" y="0"/>
+          <a:ext cx="0" cy="0"/>
+          <a:chOff x="0" y="0"/>
+          <a:chExt cx="0" cy="0"/>
+        </a:xfrm>
+      </p:grpSpPr>
+      <p:sp>
+        <p:nvSpPr>
+          <p:cNvPr id="2" name="標題 1"/>
+          <p:cNvSpPr>
+            <a:spLocks noGrp="1"/>
+          </p:cNvSpPr>
+          <p:nvPr>
+            <p:ph type="title"/>
+          </p:nvPr>
+        </p:nvSpPr>
+        <p:spPr/>
+        <p:txBody>
+          <a:bodyPr/>
+          <a:lstStyle/>
+          <a:p>
+            <a:r>
+              <a:rPr lang="zh-TW" altLang="en-US" dirty="0" smtClean="0"/>
+              <a:t>檢查資料</a:t>
+            </a:r>
+            <a:endParaRPr lang="zh-TW" altLang="en-US" dirty="0"/>
+          </a:p>
+        </p:txBody>
+      </p:sp>
+      <p:sp>
+        <p:nvSpPr>
+          <p:cNvPr id="3" name="內容版面配置區 2"/>
+          <p:cNvSpPr>
+            <a:spLocks noGrp="1"/>
+          </p:cNvSpPr>
+          <p:nvPr>
+            <p:ph idx="1"/>
+          </p:nvPr>
+        </p:nvSpPr>
+        <p:spPr/>
+        <p:txBody>
+          <a:bodyPr/>
+          <a:lstStyle/>
+          <a:p>
+            <a:r>
+              <a:rPr lang="zh-TW" altLang="en-US" dirty="0" smtClean="0"/>
+              <a:t>檢查位置</a:t>
+            </a:r>
+            <a:endParaRPr lang="en-US" altLang="zh-TW" dirty="0" smtClean="0"/>
+          </a:p>
+          <a:p>
+            <a:pPr lvl="1"/>
+            <a:r>
+              <a:rPr lang="zh-TW" altLang="en-US" dirty="0"/>
+              <a:t>前</a:t>
+            </a:r>
+            <a:r>
+              <a:rPr lang="zh-TW" altLang="en-US" dirty="0" smtClean="0"/>
+              <a:t>端</a:t>
+            </a:r>
+            <a:endParaRPr lang="en-US" altLang="zh-TW" dirty="0" smtClean="0"/>
+          </a:p>
+          <a:p>
+            <a:pPr lvl="1"/>
+            <a:r>
+              <a:rPr lang="zh-TW" altLang="en-US" dirty="0" smtClean="0"/>
+              <a:t>後端</a:t>
+            </a:r>
+            <a:endParaRPr lang="zh-TW" altLang="en-US" dirty="0"/>
+          </a:p>
+        </p:txBody>
+      </p:sp>
+    </p:spTree>
+    <p:extLst>
+      <p:ext uri="{BB962C8B-B14F-4D97-AF65-F5344CB8AC3E}">
+        <p14:creationId xmlns:p14="http://schemas.microsoft.com/office/powerpoint/2010/main" val="3757330322"/>
+      </p:ext>
+    </p:extLst>
+  </p:cSld>
+  <p:clrMapOvr>
+    <a:masterClrMapping/>
+  </p:clrMapOvr>
+  <mc:AlternateContent xmlns:mc="http://schemas.openxmlformats.org/markup-compatibility/2006" xmlns:p14="http://schemas.microsoft.com/office/powerpoint/2010/main">
+    <mc:Choice Requires="p14">
+      <p:transition spd="slow" p14:dur="1500">
+        <p:random/>
+      </p:transition>
+    </mc:Choice>
+    <mc:Fallback xmlns="">
+      <p:transition spd="slow">
+        <p:random/>
+      </p:transition>
+    </mc:Fallback>
+  </mc:AlternateContent>
+</p:sld>
+</file>
+
+<file path=ppt/slides/slide24.xml><?xml version="1.0" encoding="utf-8"?>
+<p:sld xmlns:a="http://schemas.openxmlformats.org/drawingml/2006/main" xmlns:r="http://schemas.openxmlformats.org/officeDocument/2006/relationships" xmlns:p="http://schemas.openxmlformats.org/presentationml/2006/main">
+  <p:cSld>
+    <p:spTree>
+      <p:nvGrpSpPr>
+        <p:cNvPr id="1" name=""/>
+        <p:cNvGrpSpPr/>
+        <p:nvPr/>
+      </p:nvGrpSpPr>
+      <p:grpSpPr>
+        <a:xfrm>
+          <a:off x="0" y="0"/>
+          <a:ext cx="0" cy="0"/>
+          <a:chOff x="0" y="0"/>
+          <a:chExt cx="0" cy="0"/>
+        </a:xfrm>
+      </p:grpSpPr>
+      <p:sp>
+        <p:nvSpPr>
+          <p:cNvPr id="2" name="標題 1"/>
+          <p:cNvSpPr>
+            <a:spLocks noGrp="1"/>
+          </p:cNvSpPr>
+          <p:nvPr>
+            <p:ph type="title"/>
+          </p:nvPr>
+        </p:nvSpPr>
+        <p:spPr/>
+        <p:txBody>
+          <a:bodyPr/>
+          <a:lstStyle/>
+          <a:p>
+            <a:r>
+              <a:rPr lang="zh-TW" altLang="en-US" dirty="0" smtClean="0"/>
+              <a:t>註冊資料檢查邏輯</a:t>
+            </a:r>
+            <a:endParaRPr lang="zh-TW" altLang="en-US" dirty="0"/>
+          </a:p>
+        </p:txBody>
+      </p:sp>
+      <p:sp>
+        <p:nvSpPr>
+          <p:cNvPr id="3" name="內容版面配置區 2"/>
+          <p:cNvSpPr>
+            <a:spLocks noGrp="1"/>
+          </p:cNvSpPr>
+          <p:nvPr>
+            <p:ph idx="1"/>
+          </p:nvPr>
+        </p:nvSpPr>
+        <p:spPr/>
+        <p:txBody>
+          <a:bodyPr/>
+          <a:lstStyle/>
+          <a:p>
+            <a:r>
+              <a:rPr lang="zh-TW" altLang="en-US" dirty="0" smtClean="0"/>
+              <a:t>帳號</a:t>
+            </a:r>
+            <a:r>
+              <a:rPr lang="en-US" altLang="zh-TW" dirty="0" smtClean="0"/>
+              <a:t>20</a:t>
+            </a:r>
+            <a:r>
+              <a:rPr lang="zh-TW" altLang="en-US" dirty="0" smtClean="0"/>
+              <a:t>字元以內、必須是英文或數字</a:t>
+            </a:r>
+            <a:endParaRPr lang="en-US" altLang="zh-TW" dirty="0" smtClean="0"/>
+          </a:p>
+          <a:p>
+            <a:r>
+              <a:rPr lang="zh-TW" altLang="en-US" dirty="0"/>
+              <a:t>姓名</a:t>
+            </a:r>
+            <a:r>
+              <a:rPr lang="en-US" altLang="zh-TW" dirty="0" smtClean="0"/>
+              <a:t>20</a:t>
+            </a:r>
+            <a:r>
+              <a:rPr lang="zh-TW" altLang="en-US" dirty="0"/>
+              <a:t>字元</a:t>
+            </a:r>
+            <a:r>
+              <a:rPr lang="zh-TW" altLang="en-US" dirty="0" smtClean="0"/>
+              <a:t>以內</a:t>
+            </a:r>
+            <a:endParaRPr lang="en-US" altLang="zh-TW" dirty="0" smtClean="0"/>
+          </a:p>
+          <a:p>
+            <a:r>
+              <a:rPr lang="zh-TW" altLang="en-US" dirty="0" smtClean="0"/>
+              <a:t>性別必須為</a:t>
+            </a:r>
+            <a:r>
+              <a:rPr lang="en-US" altLang="zh-TW" dirty="0" smtClean="0"/>
+              <a:t>0</a:t>
+            </a:r>
+            <a:r>
+              <a:rPr lang="zh-TW" altLang="en-US" dirty="0" smtClean="0"/>
+              <a:t>或</a:t>
+            </a:r>
+            <a:r>
+              <a:rPr lang="en-US" altLang="zh-TW" dirty="0" smtClean="0"/>
+              <a:t>1</a:t>
+            </a:r>
+          </a:p>
+          <a:p>
+            <a:r>
+              <a:rPr lang="zh-TW" altLang="en-US" dirty="0"/>
+              <a:t>信箱必須為信箱</a:t>
+            </a:r>
+            <a:r>
+              <a:rPr lang="zh-TW" altLang="en-US" dirty="0" smtClean="0"/>
+              <a:t>格式、</a:t>
+            </a:r>
+            <a:r>
+              <a:rPr lang="en-US" altLang="zh-TW" dirty="0"/>
+              <a:t> 20</a:t>
+            </a:r>
+            <a:r>
+              <a:rPr lang="zh-TW" altLang="en-US" dirty="0"/>
+              <a:t>字元</a:t>
+            </a:r>
+            <a:r>
+              <a:rPr lang="zh-TW" altLang="en-US" dirty="0" smtClean="0"/>
+              <a:t>以內</a:t>
+            </a:r>
+            <a:endParaRPr lang="en-US" altLang="zh-TW" dirty="0" smtClean="0"/>
+          </a:p>
+          <a:p>
+            <a:r>
+              <a:rPr lang="zh-TW" altLang="en-US" dirty="0"/>
+              <a:t>擅長程式</a:t>
+            </a:r>
+            <a:r>
+              <a:rPr lang="zh-TW" altLang="en-US" dirty="0" smtClean="0"/>
+              <a:t>語言可沒選、有選必須為大於</a:t>
+            </a:r>
+            <a:r>
+              <a:rPr lang="en-US" altLang="zh-TW" dirty="0"/>
+              <a:t>0</a:t>
+            </a:r>
+            <a:r>
+              <a:rPr lang="zh-TW" altLang="en-US" dirty="0" smtClean="0"/>
+              <a:t>、小於</a:t>
+            </a:r>
+            <a:r>
+              <a:rPr lang="en-US" altLang="zh-TW" dirty="0" smtClean="0"/>
+              <a:t>6</a:t>
+            </a:r>
+            <a:r>
+              <a:rPr lang="zh-TW" altLang="en-US" dirty="0" smtClean="0"/>
+              <a:t>、整數</a:t>
+            </a:r>
+            <a:endParaRPr lang="en-US" altLang="zh-TW" dirty="0" smtClean="0"/>
+          </a:p>
+          <a:p>
+            <a:r>
+              <a:rPr lang="zh-TW" altLang="en-US" dirty="0" smtClean="0"/>
+              <a:t>密碼英文大小寫</a:t>
+            </a:r>
+            <a:r>
+              <a:rPr lang="en-US" altLang="zh-TW" dirty="0" smtClean="0"/>
+              <a:t>+</a:t>
+            </a:r>
+            <a:r>
+              <a:rPr lang="zh-TW" altLang="en-US" dirty="0" smtClean="0"/>
+              <a:t>數字、至少</a:t>
+            </a:r>
+            <a:r>
+              <a:rPr lang="en-US" altLang="zh-TW" dirty="0" smtClean="0"/>
+              <a:t>8</a:t>
+            </a:r>
+            <a:r>
+              <a:rPr lang="zh-TW" altLang="en-US" dirty="0" smtClean="0"/>
+              <a:t>碼</a:t>
+            </a:r>
+            <a:endParaRPr lang="en-US" altLang="zh-TW" dirty="0" smtClean="0"/>
+          </a:p>
+          <a:p>
+            <a:r>
+              <a:rPr lang="zh-TW" altLang="en-US" dirty="0" smtClean="0"/>
+              <a:t>學歷必須為大於</a:t>
+            </a:r>
+            <a:r>
+              <a:rPr lang="en-US" altLang="zh-TW" dirty="0"/>
+              <a:t>0</a:t>
+            </a:r>
+            <a:r>
+              <a:rPr lang="zh-TW" altLang="en-US" dirty="0" smtClean="0"/>
+              <a:t>、小於</a:t>
+            </a:r>
+            <a:r>
+              <a:rPr lang="en-US" altLang="zh-TW" dirty="0" smtClean="0"/>
+              <a:t>8</a:t>
+            </a:r>
+            <a:r>
+              <a:rPr lang="zh-TW" altLang="en-US" dirty="0" smtClean="0"/>
+              <a:t>、整數</a:t>
+            </a:r>
+            <a:endParaRPr lang="en-US" altLang="zh-TW" dirty="0" smtClean="0"/>
+          </a:p>
+          <a:p>
+            <a:endParaRPr lang="en-US" altLang="zh-TW" dirty="0"/>
+          </a:p>
+          <a:p>
+            <a:endParaRPr lang="zh-TW" altLang="en-US" dirty="0"/>
+          </a:p>
+        </p:txBody>
+      </p:sp>
+    </p:spTree>
+    <p:extLst>
+      <p:ext uri="{BB962C8B-B14F-4D97-AF65-F5344CB8AC3E}">
+        <p14:creationId xmlns:p14="http://schemas.microsoft.com/office/powerpoint/2010/main" val="3892670595"/>
+      </p:ext>
+    </p:extLst>
+  </p:cSld>
+  <p:clrMapOvr>
+    <a:masterClrMapping/>
+  </p:clrMapOvr>
+  <mc:AlternateContent xmlns:mc="http://schemas.openxmlformats.org/markup-compatibility/2006" xmlns:p14="http://schemas.microsoft.com/office/powerpoint/2010/main">
+    <mc:Choice Requires="p14">
+      <p:transition spd="slow" p14:dur="1500">
+        <p:random/>
+      </p:transition>
+    </mc:Choice>
+    <mc:Fallback xmlns="">
+      <p:transition spd="slow">
+        <p:random/>
+      </p:transition>
+    </mc:Fallback>
+  </mc:AlternateContent>
+</p:sld>
+</file>
+
+<file path=ppt/slides/slide25.xml><?xml version="1.0" encoding="utf-8"?>
+<p:sld xmlns:a="http://schemas.openxmlformats.org/drawingml/2006/main" xmlns:r="http://schemas.openxmlformats.org/officeDocument/2006/relationships" xmlns:p="http://schemas.openxmlformats.org/presentationml/2006/main">
+  <p:cSld>
+    <p:spTree>
+      <p:nvGrpSpPr>
+        <p:cNvPr id="1" name=""/>
+        <p:cNvGrpSpPr/>
+        <p:nvPr/>
+      </p:nvGrpSpPr>
+      <p:grpSpPr>
+        <a:xfrm>
+          <a:off x="0" y="0"/>
+          <a:ext cx="0" cy="0"/>
+          <a:chOff x="0" y="0"/>
+          <a:chExt cx="0" cy="0"/>
+        </a:xfrm>
+      </p:grpSpPr>
+      <p:sp>
+        <p:nvSpPr>
+          <p:cNvPr id="2" name="標題 1"/>
+          <p:cNvSpPr>
+            <a:spLocks noGrp="1"/>
+          </p:cNvSpPr>
+          <p:nvPr>
+            <p:ph type="title"/>
+          </p:nvPr>
+        </p:nvSpPr>
+        <p:spPr/>
+        <p:txBody>
+          <a:bodyPr/>
+          <a:lstStyle/>
+          <a:p>
+            <a:r>
+              <a:rPr lang="zh-TW" altLang="en-US" dirty="0"/>
+              <a:t>註冊資料</a:t>
+            </a:r>
+            <a:r>
+              <a:rPr lang="zh-TW" altLang="en-US" dirty="0" smtClean="0"/>
+              <a:t>檢查程式</a:t>
+            </a:r>
+            <a:endParaRPr lang="zh-TW" altLang="en-US" dirty="0"/>
+          </a:p>
+        </p:txBody>
+      </p:sp>
+      <p:sp>
+        <p:nvSpPr>
+          <p:cNvPr id="3" name="內容版面配置區 2"/>
+          <p:cNvSpPr>
+            <a:spLocks noGrp="1"/>
+          </p:cNvSpPr>
+          <p:nvPr>
+            <p:ph idx="1"/>
+          </p:nvPr>
+        </p:nvSpPr>
+        <p:spPr/>
+        <p:txBody>
+          <a:bodyPr/>
+          <a:lstStyle/>
+          <a:p>
+            <a:endParaRPr lang="zh-TW" altLang="en-US"/>
+          </a:p>
+        </p:txBody>
+      </p:sp>
+    </p:spTree>
+    <p:extLst>
+      <p:ext uri="{BB962C8B-B14F-4D97-AF65-F5344CB8AC3E}">
+        <p14:creationId xmlns:p14="http://schemas.microsoft.com/office/powerpoint/2010/main" val="3996358591"/>
+      </p:ext>
+    </p:extLst>
+  </p:cSld>
+  <p:clrMapOvr>
+    <a:masterClrMapping/>
+  </p:clrMapOvr>
+  <mc:AlternateContent xmlns:mc="http://schemas.openxmlformats.org/markup-compatibility/2006" xmlns:p14="http://schemas.microsoft.com/office/powerpoint/2010/main">
+    <mc:Choice Requires="p14">
+      <p:transition spd="slow" p14:dur="1500">
+        <p:random/>
+      </p:transition>
+    </mc:Choice>
+    <mc:Fallback xmlns="">
+      <p:transition spd="slow">
+        <p:random/>
+      </p:transition>
+    </mc:Fallback>
+  </mc:AlternateContent>
+</p:sld>
+</file>
+
+<file path=ppt/slides/slide26.xml><?xml version="1.0" encoding="utf-8"?>
+<p:sld xmlns:a="http://schemas.openxmlformats.org/drawingml/2006/main" xmlns:r="http://schemas.openxmlformats.org/officeDocument/2006/relationships" xmlns:p="http://schemas.openxmlformats.org/presentationml/2006/main">
+  <p:cSld>
+    <p:spTree>
+      <p:nvGrpSpPr>
+        <p:cNvPr id="1" name=""/>
+        <p:cNvGrpSpPr/>
+        <p:nvPr/>
+      </p:nvGrpSpPr>
+      <p:grpSpPr>
+        <a:xfrm>
+          <a:off x="0" y="0"/>
+          <a:ext cx="0" cy="0"/>
+          <a:chOff x="0" y="0"/>
+          <a:chExt cx="0" cy="0"/>
+        </a:xfrm>
+      </p:grpSpPr>
+      <p:sp>
+        <p:nvSpPr>
+          <p:cNvPr id="2" name="標題 1"/>
+          <p:cNvSpPr>
+            <a:spLocks noGrp="1"/>
+          </p:cNvSpPr>
+          <p:nvPr>
+            <p:ph type="title"/>
+          </p:nvPr>
+        </p:nvSpPr>
+        <p:spPr/>
+        <p:txBody>
+          <a:bodyPr/>
+          <a:lstStyle/>
+          <a:p>
+            <a:r>
+              <a:rPr lang="zh-TW" altLang="en-US" dirty="0" smtClean="0"/>
+              <a:t>檢查帳號重複註冊程式</a:t>
+            </a:r>
+            <a:endParaRPr lang="zh-TW" altLang="en-US" dirty="0"/>
+          </a:p>
+        </p:txBody>
+      </p:sp>
+      <p:sp>
+        <p:nvSpPr>
+          <p:cNvPr id="3" name="內容版面配置區 2"/>
+          <p:cNvSpPr>
+            <a:spLocks noGrp="1"/>
+          </p:cNvSpPr>
+          <p:nvPr>
+            <p:ph idx="1"/>
+          </p:nvPr>
+        </p:nvSpPr>
+        <p:spPr/>
+        <p:txBody>
+          <a:bodyPr/>
+          <a:lstStyle/>
+          <a:p>
+            <a:endParaRPr lang="zh-TW" altLang="en-US"/>
+          </a:p>
+        </p:txBody>
+      </p:sp>
+    </p:spTree>
+    <p:extLst>
+      <p:ext uri="{BB962C8B-B14F-4D97-AF65-F5344CB8AC3E}">
+        <p14:creationId xmlns:p14="http://schemas.microsoft.com/office/powerpoint/2010/main" val="3584183568"/>
+      </p:ext>
+    </p:extLst>
+  </p:cSld>
+  <p:clrMapOvr>
+    <a:masterClrMapping/>
+  </p:clrMapOvr>
+  <mc:AlternateContent xmlns:mc="http://schemas.openxmlformats.org/markup-compatibility/2006" xmlns:p14="http://schemas.microsoft.com/office/powerpoint/2010/main">
+    <mc:Choice Requires="p14">
+      <p:transition spd="slow" p14:dur="1500">
+        <p:random/>
+      </p:transition>
+    </mc:Choice>
+    <mc:Fallback xmlns="">
+      <p:transition spd="slow">
+        <p:random/>
+      </p:transition>
+    </mc:Fallback>
+  </mc:AlternateContent>
+</p:sld>
+</file>
+
+<file path=ppt/slides/slide27.xml><?xml version="1.0" encoding="utf-8"?>
+<p:sld xmlns:a="http://schemas.openxmlformats.org/drawingml/2006/main" xmlns:r="http://schemas.openxmlformats.org/officeDocument/2006/relationships" xmlns:p="http://schemas.openxmlformats.org/presentationml/2006/main">
+  <p:cSld>
+    <p:spTree>
+      <p:nvGrpSpPr>
+        <p:cNvPr id="1" name=""/>
+        <p:cNvGrpSpPr/>
+        <p:nvPr/>
+      </p:nvGrpSpPr>
+      <p:grpSpPr>
+        <a:xfrm>
+          <a:off x="0" y="0"/>
+          <a:ext cx="0" cy="0"/>
+          <a:chOff x="0" y="0"/>
+          <a:chExt cx="0" cy="0"/>
+        </a:xfrm>
+      </p:grpSpPr>
+      <p:sp>
+        <p:nvSpPr>
+          <p:cNvPr id="2" name="標題 1"/>
+          <p:cNvSpPr>
+            <a:spLocks noGrp="1"/>
+          </p:cNvSpPr>
+          <p:nvPr>
+            <p:ph type="title"/>
+          </p:nvPr>
+        </p:nvSpPr>
+        <p:spPr/>
+        <p:txBody>
+          <a:bodyPr/>
+          <a:lstStyle/>
+          <a:p>
+            <a:r>
+              <a:rPr lang="zh-TW" altLang="en-US" dirty="0"/>
+              <a:t>註冊</a:t>
+            </a:r>
+            <a:r>
+              <a:rPr lang="zh-TW" altLang="en-US" dirty="0" smtClean="0"/>
+              <a:t>資料寫入</a:t>
+            </a:r>
+            <a:r>
+              <a:rPr lang="en-US" altLang="zh-TW" dirty="0" smtClean="0"/>
+              <a:t>DB</a:t>
+            </a:r>
+            <a:r>
+              <a:rPr lang="zh-TW" altLang="en-US" dirty="0" smtClean="0"/>
+              <a:t>程式</a:t>
+            </a:r>
+            <a:endParaRPr lang="zh-TW" altLang="en-US" dirty="0"/>
+          </a:p>
+        </p:txBody>
+      </p:sp>
+      <p:sp>
+        <p:nvSpPr>
+          <p:cNvPr id="3" name="內容版面配置區 2"/>
+          <p:cNvSpPr>
+            <a:spLocks noGrp="1"/>
+          </p:cNvSpPr>
+          <p:nvPr>
+            <p:ph idx="1"/>
+          </p:nvPr>
+        </p:nvSpPr>
+        <p:spPr/>
+        <p:txBody>
+          <a:bodyPr/>
+          <a:lstStyle/>
+          <a:p>
+            <a:r>
+              <a:rPr lang="zh-TW" altLang="en-US" dirty="0" smtClean="0"/>
+              <a:t>密碼雜湊</a:t>
+            </a:r>
+            <a:endParaRPr lang="zh-TW" altLang="en-US" dirty="0"/>
+          </a:p>
+        </p:txBody>
+      </p:sp>
+    </p:spTree>
+    <p:extLst>
+      <p:ext uri="{BB962C8B-B14F-4D97-AF65-F5344CB8AC3E}">
+        <p14:creationId xmlns:p14="http://schemas.microsoft.com/office/powerpoint/2010/main" val="3201030108"/>
+      </p:ext>
+    </p:extLst>
+  </p:cSld>
+  <p:clrMapOvr>
+    <a:masterClrMapping/>
+  </p:clrMapOvr>
+  <mc:AlternateContent xmlns:mc="http://schemas.openxmlformats.org/markup-compatibility/2006" xmlns:p14="http://schemas.microsoft.com/office/powerpoint/2010/main">
+    <mc:Choice Requires="p14">
+      <p:transition spd="slow" p14:dur="1500">
+        <p:random/>
+      </p:transition>
+    </mc:Choice>
+    <mc:Fallback xmlns="">
+      <p:transition spd="slow">
+        <p:random/>
+      </p:transition>
+    </mc:Fallback>
+  </mc:AlternateContent>
+</p:sld>
+</file>
+
+<file path=ppt/slides/slide28.xml><?xml version="1.0" encoding="utf-8"?>
+<p:sld xmlns:a="http://schemas.openxmlformats.org/drawingml/2006/main" xmlns:r="http://schemas.openxmlformats.org/officeDocument/2006/relationships" xmlns:p="http://schemas.openxmlformats.org/presentationml/2006/main">
+  <p:cSld>
+    <p:spTree>
+      <p:nvGrpSpPr>
+        <p:cNvPr id="1" name=""/>
+        <p:cNvGrpSpPr/>
+        <p:nvPr/>
+      </p:nvGrpSpPr>
+      <p:grpSpPr>
+        <a:xfrm>
+          <a:off x="0" y="0"/>
+          <a:ext cx="0" cy="0"/>
+          <a:chOff x="0" y="0"/>
+          <a:chExt cx="0" cy="0"/>
+        </a:xfrm>
+      </p:grpSpPr>
+      <p:sp>
+        <p:nvSpPr>
+          <p:cNvPr id="2" name="標題 1"/>
+          <p:cNvSpPr>
+            <a:spLocks noGrp="1"/>
+          </p:cNvSpPr>
+          <p:nvPr>
+            <p:ph type="title"/>
+          </p:nvPr>
+        </p:nvSpPr>
+        <p:spPr/>
+        <p:txBody>
+          <a:bodyPr/>
+          <a:lstStyle/>
+          <a:p>
+            <a:r>
+              <a:rPr lang="zh-TW" altLang="en-US" dirty="0" smtClean="0"/>
+              <a:t>登入</a:t>
+            </a:r>
+            <a:endParaRPr lang="zh-TW" altLang="en-US" dirty="0"/>
+          </a:p>
+        </p:txBody>
+      </p:sp>
+      <p:sp>
+        <p:nvSpPr>
+          <p:cNvPr id="3" name="內容版面配置區 2"/>
+          <p:cNvSpPr>
+            <a:spLocks noGrp="1"/>
+          </p:cNvSpPr>
+          <p:nvPr>
+            <p:ph idx="1"/>
+          </p:nvPr>
+        </p:nvSpPr>
+        <p:spPr/>
+        <p:txBody>
+          <a:bodyPr/>
+          <a:lstStyle/>
+          <a:p>
+            <a:r>
+              <a:rPr lang="zh-TW" altLang="en-US" dirty="0" smtClean="0"/>
+              <a:t>檢查輸入資料</a:t>
+            </a:r>
+            <a:endParaRPr lang="en-US" altLang="zh-TW" dirty="0" smtClean="0"/>
+          </a:p>
+          <a:p>
+            <a:r>
+              <a:rPr lang="zh-TW" altLang="en-US" dirty="0" smtClean="0"/>
+              <a:t>資料庫抓出比對</a:t>
+            </a:r>
+            <a:endParaRPr lang="en-US" altLang="zh-TW" dirty="0" smtClean="0"/>
+          </a:p>
+          <a:p>
+            <a:r>
+              <a:rPr lang="zh-TW" altLang="en-US" dirty="0"/>
+              <a:t>寫入</a:t>
+            </a:r>
+            <a:r>
+              <a:rPr lang="en-US" altLang="zh-TW" dirty="0" smtClean="0"/>
+              <a:t>session</a:t>
+            </a:r>
+          </a:p>
+          <a:p>
+            <a:r>
+              <a:rPr lang="zh-TW" altLang="en-US" dirty="0" smtClean="0"/>
+              <a:t>已登入進首頁</a:t>
+            </a:r>
+            <a:r>
+              <a:rPr lang="en-US" altLang="zh-TW" dirty="0" smtClean="0"/>
+              <a:t>(</a:t>
+            </a:r>
+            <a:r>
+              <a:rPr lang="zh-TW" altLang="en-US" dirty="0" smtClean="0"/>
+              <a:t>生命週期</a:t>
+            </a:r>
+            <a:r>
+              <a:rPr lang="en-US" altLang="zh-TW" dirty="0" smtClean="0"/>
+              <a:t>)</a:t>
+            </a:r>
+            <a:endParaRPr lang="zh-TW" altLang="en-US" dirty="0"/>
+          </a:p>
+        </p:txBody>
+      </p:sp>
+    </p:spTree>
+    <p:extLst>
+      <p:ext uri="{BB962C8B-B14F-4D97-AF65-F5344CB8AC3E}">
+        <p14:creationId xmlns:p14="http://schemas.microsoft.com/office/powerpoint/2010/main" val="3953923420"/>
+      </p:ext>
+    </p:extLst>
+  </p:cSld>
+  <p:clrMapOvr>
+    <a:masterClrMapping/>
+  </p:clrMapOvr>
+  <mc:AlternateContent xmlns:mc="http://schemas.openxmlformats.org/markup-compatibility/2006" xmlns:p14="http://schemas.microsoft.com/office/powerpoint/2010/main">
+    <mc:Choice Requires="p14">
+      <p:transition spd="slow" p14:dur="1500">
+        <p:random/>
+      </p:transition>
+    </mc:Choice>
+    <mc:Fallback xmlns="">
+      <p:transition spd="slow">
+        <p:random/>
+      </p:transition>
+    </mc:Fallback>
+  </mc:AlternateContent>
+</p:sld>
+</file>
+
+<file path=ppt/slides/slide29.xml><?xml version="1.0" encoding="utf-8"?>
+<p:sld xmlns:a="http://schemas.openxmlformats.org/drawingml/2006/main" xmlns:r="http://schemas.openxmlformats.org/officeDocument/2006/relationships" xmlns:p="http://schemas.openxmlformats.org/presentationml/2006/main">
+  <p:cSld>
+    <p:spTree>
+      <p:nvGrpSpPr>
+        <p:cNvPr id="1" name=""/>
+        <p:cNvGrpSpPr/>
+        <p:nvPr/>
+      </p:nvGrpSpPr>
+      <p:grpSpPr>
+        <a:xfrm>
+          <a:off x="0" y="0"/>
+          <a:ext cx="0" cy="0"/>
+          <a:chOff x="0" y="0"/>
+          <a:chExt cx="0" cy="0"/>
+        </a:xfrm>
+      </p:grpSpPr>
+      <p:sp>
+        <p:nvSpPr>
+          <p:cNvPr id="2" name="標題 1"/>
+          <p:cNvSpPr>
+            <a:spLocks noGrp="1"/>
+          </p:cNvSpPr>
+          <p:nvPr>
+            <p:ph type="title"/>
+          </p:nvPr>
+        </p:nvSpPr>
+        <p:spPr/>
+        <p:txBody>
+          <a:bodyPr/>
+          <a:lstStyle/>
+          <a:p>
+            <a:r>
+              <a:rPr lang="zh-TW" altLang="en-US" dirty="0"/>
+              <a:t>一般會員可瀏覽網頁</a:t>
+            </a:r>
+          </a:p>
+        </p:txBody>
+      </p:sp>
+      <p:sp>
+        <p:nvSpPr>
+          <p:cNvPr id="3" name="內容版面配置區 2"/>
+          <p:cNvSpPr>
+            <a:spLocks noGrp="1"/>
+          </p:cNvSpPr>
+          <p:nvPr>
+            <p:ph idx="1"/>
+          </p:nvPr>
+        </p:nvSpPr>
+        <p:spPr/>
+        <p:txBody>
+          <a:bodyPr/>
+          <a:lstStyle/>
+          <a:p>
+            <a:r>
+              <a:rPr lang="zh-TW" altLang="en-US" dirty="0"/>
+              <a:t>檢查</a:t>
+            </a:r>
+            <a:endParaRPr lang="en-US" altLang="zh-TW" dirty="0" smtClean="0"/>
+          </a:p>
+        </p:txBody>
+      </p:sp>
+    </p:spTree>
+    <p:extLst>
+      <p:ext uri="{BB962C8B-B14F-4D97-AF65-F5344CB8AC3E}">
+        <p14:creationId xmlns:p14="http://schemas.microsoft.com/office/powerpoint/2010/main" val="1575555586"/>
+      </p:ext>
+    </p:extLst>
+  </p:cSld>
+  <p:clrMapOvr>
+    <a:masterClrMapping/>
+  </p:clrMapOvr>
+  <mc:AlternateContent xmlns:mc="http://schemas.openxmlformats.org/markup-compatibility/2006" xmlns:p14="http://schemas.microsoft.com/office/powerpoint/2010/main">
+    <mc:Choice Requires="p14">
+      <p:transition spd="slow" p14:dur="1500">
+        <p:random/>
+      </p:transition>
+    </mc:Choice>
+    <mc:Fallback xmlns="">
+      <p:transition spd="slow">
+        <p:random/>
+      </p:transition>
+    </mc:Fallback>
+  </mc:AlternateContent>
+</p:sld>
+</file>
+
 <file path=ppt/slides/slide3.xml><?xml version="1.0" encoding="utf-8"?>
 <p:sld xmlns:a="http://schemas.openxmlformats.org/drawingml/2006/main" xmlns:r="http://schemas.openxmlformats.org/officeDocument/2006/relationships" xmlns:p="http://schemas.openxmlformats.org/presentationml/2006/main">
   <p:cSld>
@@ -9144,6 +10572,101 @@
       </p:par>
     </p:tnLst>
   </p:timing>
+</p:sld>
+</file>
+
+<file path=ppt/slides/slide30.xml><?xml version="1.0" encoding="utf-8"?>
+<p:sld xmlns:a="http://schemas.openxmlformats.org/drawingml/2006/main" xmlns:r="http://schemas.openxmlformats.org/officeDocument/2006/relationships" xmlns:p="http://schemas.openxmlformats.org/presentationml/2006/main">
+  <p:cSld>
+    <p:spTree>
+      <p:nvGrpSpPr>
+        <p:cNvPr id="1" name=""/>
+        <p:cNvGrpSpPr/>
+        <p:nvPr/>
+      </p:nvGrpSpPr>
+      <p:grpSpPr>
+        <a:xfrm>
+          <a:off x="0" y="0"/>
+          <a:ext cx="0" cy="0"/>
+          <a:chOff x="0" y="0"/>
+          <a:chExt cx="0" cy="0"/>
+        </a:xfrm>
+      </p:grpSpPr>
+      <p:sp>
+        <p:nvSpPr>
+          <p:cNvPr id="2" name="標題 1"/>
+          <p:cNvSpPr>
+            <a:spLocks noGrp="1"/>
+          </p:cNvSpPr>
+          <p:nvPr>
+            <p:ph type="title"/>
+          </p:nvPr>
+        </p:nvSpPr>
+        <p:spPr/>
+        <p:txBody>
+          <a:bodyPr/>
+          <a:lstStyle/>
+          <a:p>
+            <a:r>
+              <a:rPr lang="zh-TW" altLang="en-US" dirty="0"/>
+              <a:t>高級會員才可瀏覽</a:t>
+            </a:r>
+            <a:r>
+              <a:rPr lang="zh-TW" altLang="en-US" dirty="0" smtClean="0"/>
+              <a:t>網頁</a:t>
+            </a:r>
+            <a:endParaRPr lang="zh-TW" altLang="en-US" dirty="0"/>
+          </a:p>
+        </p:txBody>
+      </p:sp>
+      <p:sp>
+        <p:nvSpPr>
+          <p:cNvPr id="3" name="內容版面配置區 2"/>
+          <p:cNvSpPr>
+            <a:spLocks noGrp="1"/>
+          </p:cNvSpPr>
+          <p:nvPr>
+            <p:ph idx="1"/>
+          </p:nvPr>
+        </p:nvSpPr>
+        <p:spPr/>
+        <p:txBody>
+          <a:bodyPr/>
+          <a:lstStyle/>
+          <a:p>
+            <a:r>
+              <a:rPr lang="zh-TW" altLang="en-US" dirty="0"/>
+              <a:t>檢查</a:t>
+            </a:r>
+            <a:endParaRPr lang="en-US" altLang="zh-TW" dirty="0"/>
+          </a:p>
+          <a:p>
+            <a:endParaRPr lang="zh-TW" altLang="en-US" dirty="0"/>
+          </a:p>
+        </p:txBody>
+      </p:sp>
+    </p:spTree>
+    <p:extLst>
+      <p:ext uri="{BB962C8B-B14F-4D97-AF65-F5344CB8AC3E}">
+        <p14:creationId xmlns:p14="http://schemas.microsoft.com/office/powerpoint/2010/main" val="2259941329"/>
+      </p:ext>
+    </p:extLst>
+  </p:cSld>
+  <p:clrMapOvr>
+    <a:masterClrMapping/>
+  </p:clrMapOvr>
+  <mc:AlternateContent xmlns:mc="http://schemas.openxmlformats.org/markup-compatibility/2006" xmlns:p14="http://schemas.microsoft.com/office/powerpoint/2010/main">
+    <mc:Choice Requires="p14">
+      <p:transition spd="slow" p14:dur="1500">
+        <p:random/>
+      </p:transition>
+    </mc:Choice>
+    <mc:Fallback xmlns="">
+      <p:transition spd="slow">
+        <p:random/>
+      </p:transition>
+    </mc:Fallback>
+  </mc:AlternateContent>
 </p:sld>
 </file>
 
@@ -9679,7 +11202,7 @@
       </p:grpSpPr>
       <p:sp>
         <p:nvSpPr>
-          <p:cNvPr id="2" name="標題 1"/>
+          <p:cNvPr id="4" name="標題 3"/>
           <p:cNvSpPr>
             <a:spLocks noGrp="1"/>
           </p:cNvSpPr>
@@ -9689,104 +11212,346 @@
         </p:nvSpPr>
         <p:spPr/>
         <p:txBody>
-          <a:bodyPr/>
-          <a:lstStyle/>
-          <a:p>
-            <a:r>
-              <a:rPr lang="zh-TW" altLang="en-US" dirty="0"/>
-              <a:t>未登入狀態下可以瀏覽的網頁</a:t>
-            </a:r>
-            <a:r>
-              <a:rPr lang="en-US" altLang="zh-TW" dirty="0"/>
-              <a:t>_</a:t>
-            </a:r>
-            <a:r>
-              <a:rPr lang="zh-TW" altLang="en-US" dirty="0"/>
+          <a:bodyPr>
+            <a:normAutofit/>
+          </a:bodyPr>
+          <a:lstStyle/>
+          <a:p>
+            <a:r>
+              <a:rPr lang="zh-TW" altLang="en-US" dirty="0" smtClean="0"/>
               <a:t>首頁</a:t>
             </a:r>
-          </a:p>
-        </p:txBody>
-      </p:sp>
-      <p:sp>
-        <p:nvSpPr>
-          <p:cNvPr id="3" name="內容版面配置區 2"/>
-          <p:cNvSpPr>
-            <a:spLocks noGrp="1"/>
-          </p:cNvSpPr>
-          <p:nvPr>
-            <p:ph idx="1"/>
-          </p:nvPr>
-        </p:nvSpPr>
-        <p:spPr/>
-        <p:txBody>
-          <a:bodyPr/>
-          <a:lstStyle/>
-          <a:p>
-            <a:r>
-              <a:rPr lang="zh-TW" altLang="en-US" dirty="0" smtClean="0"/>
-              <a:t>建置</a:t>
-            </a:r>
-            <a:r>
-              <a:rPr lang="en-US" altLang="zh-TW" dirty="0" smtClean="0"/>
-              <a:t>Home web </a:t>
-            </a:r>
-            <a:r>
-              <a:rPr lang="en-US" altLang="zh-TW" dirty="0"/>
-              <a:t>page</a:t>
-            </a:r>
             <a:endParaRPr lang="zh-TW" altLang="en-US" dirty="0"/>
           </a:p>
-          <a:p>
-            <a:endParaRPr lang="en-US" altLang="zh-TW" dirty="0" smtClean="0"/>
-          </a:p>
-          <a:p>
-            <a:endParaRPr lang="en-US" altLang="zh-TW" dirty="0"/>
-          </a:p>
-          <a:p>
-            <a:endParaRPr lang="en-US" altLang="zh-TW" dirty="0" smtClean="0"/>
-          </a:p>
-          <a:p>
-            <a:endParaRPr lang="en-US" altLang="zh-TW" dirty="0"/>
-          </a:p>
-          <a:p>
-            <a:endParaRPr lang="zh-TW" altLang="en-US" dirty="0"/>
-          </a:p>
-        </p:txBody>
-      </p:sp>
-      <p:pic>
-        <p:nvPicPr>
-          <p:cNvPr id="5" name="圖片 4" descr="畫面剪輯"/>
-          <p:cNvPicPr>
-            <a:picLocks noChangeAspect="1"/>
-          </p:cNvPicPr>
+        </p:txBody>
+      </p:sp>
+      <p:sp>
+        <p:nvSpPr>
+          <p:cNvPr id="20" name="矩形 19"/>
+          <p:cNvSpPr/>
           <p:nvPr/>
-        </p:nvPicPr>
-        <p:blipFill>
-          <a:blip r:embed="rId2">
-            <a:extLst>
-              <a:ext uri="{28A0092B-C50C-407E-A947-70E740481C1C}">
-                <a14:useLocalDpi xmlns:a14="http://schemas.microsoft.com/office/drawing/2010/main" val="0"/>
-              </a:ext>
-            </a:extLst>
-          </a:blip>
-          <a:stretch>
-            <a:fillRect/>
-          </a:stretch>
-        </p:blipFill>
+        </p:nvSpPr>
         <p:spPr>
           <a:xfrm>
-            <a:off x="838253" y="2671695"/>
-            <a:ext cx="10896547" cy="987041"/>
+            <a:off x="2735536" y="2020644"/>
+            <a:ext cx="6312877" cy="3175609"/>
+          </a:xfrm>
+          <a:prstGeom prst="rect">
+            <a:avLst/>
+          </a:prstGeom>
+          <a:solidFill>
+            <a:schemeClr val="accent2"/>
+          </a:solidFill>
+          <a:ln w="28575">
+            <a:solidFill>
+              <a:schemeClr val="tx1"/>
+            </a:solidFill>
+          </a:ln>
+        </p:spPr>
+        <p:style>
+          <a:lnRef idx="2">
+            <a:schemeClr val="accent1">
+              <a:shade val="50000"/>
+            </a:schemeClr>
+          </a:lnRef>
+          <a:fillRef idx="1">
+            <a:schemeClr val="accent1"/>
+          </a:fillRef>
+          <a:effectRef idx="0">
+            <a:schemeClr val="accent1"/>
+          </a:effectRef>
+          <a:fontRef idx="minor">
+            <a:schemeClr val="lt1"/>
+          </a:fontRef>
+        </p:style>
+        <p:txBody>
+          <a:bodyPr rtlCol="0" anchor="ctr"/>
+          <a:lstStyle/>
+          <a:p>
+            <a:pPr algn="ctr"/>
+            <a:endParaRPr lang="zh-TW" altLang="en-US"/>
+          </a:p>
+        </p:txBody>
+      </p:sp>
+      <p:sp>
+        <p:nvSpPr>
+          <p:cNvPr id="21" name="矩形 20"/>
+          <p:cNvSpPr/>
+          <p:nvPr/>
+        </p:nvSpPr>
+        <p:spPr>
+          <a:xfrm>
+            <a:off x="3485813" y="2416420"/>
+            <a:ext cx="4812322" cy="2464776"/>
+          </a:xfrm>
+          <a:prstGeom prst="rect">
+            <a:avLst/>
+          </a:prstGeom>
+          <a:solidFill>
+            <a:schemeClr val="accent6"/>
+          </a:solidFill>
+          <a:ln w="28575">
+            <a:solidFill>
+              <a:schemeClr val="tx1"/>
+            </a:solidFill>
+          </a:ln>
+        </p:spPr>
+        <p:style>
+          <a:lnRef idx="2">
+            <a:schemeClr val="accent1">
+              <a:shade val="50000"/>
+            </a:schemeClr>
+          </a:lnRef>
+          <a:fillRef idx="1">
+            <a:schemeClr val="accent1"/>
+          </a:fillRef>
+          <a:effectRef idx="0">
+            <a:schemeClr val="accent1"/>
+          </a:effectRef>
+          <a:fontRef idx="minor">
+            <a:schemeClr val="lt1"/>
+          </a:fontRef>
+        </p:style>
+        <p:txBody>
+          <a:bodyPr rtlCol="0" anchor="ctr"/>
+          <a:lstStyle/>
+          <a:p>
+            <a:pPr algn="ctr"/>
+            <a:endParaRPr lang="zh-TW" altLang="en-US"/>
+          </a:p>
+        </p:txBody>
+      </p:sp>
+      <p:sp>
+        <p:nvSpPr>
+          <p:cNvPr id="22" name="向右箭號 21"/>
+          <p:cNvSpPr/>
+          <p:nvPr/>
+        </p:nvSpPr>
+        <p:spPr>
+          <a:xfrm>
+            <a:off x="2155245" y="3789484"/>
+            <a:ext cx="955429" cy="465993"/>
+          </a:xfrm>
+          <a:prstGeom prst="rightArrow">
+            <a:avLst/>
+          </a:prstGeom>
+          <a:solidFill>
+            <a:schemeClr val="tx1"/>
+          </a:solidFill>
+          <a:ln>
+            <a:solidFill>
+              <a:schemeClr val="tx1"/>
+            </a:solidFill>
+          </a:ln>
+        </p:spPr>
+        <p:style>
+          <a:lnRef idx="2">
+            <a:schemeClr val="accent1">
+              <a:shade val="50000"/>
+            </a:schemeClr>
+          </a:lnRef>
+          <a:fillRef idx="1">
+            <a:schemeClr val="accent1"/>
+          </a:fillRef>
+          <a:effectRef idx="0">
+            <a:schemeClr val="accent1"/>
+          </a:effectRef>
+          <a:fontRef idx="minor">
+            <a:schemeClr val="lt1"/>
+          </a:fontRef>
+        </p:style>
+        <p:txBody>
+          <a:bodyPr rtlCol="0" anchor="ctr"/>
+          <a:lstStyle/>
+          <a:p>
+            <a:pPr algn="ctr"/>
+            <a:endParaRPr lang="zh-TW" altLang="en-US"/>
+          </a:p>
+        </p:txBody>
+      </p:sp>
+      <p:sp>
+        <p:nvSpPr>
+          <p:cNvPr id="23" name="矩形 22"/>
+          <p:cNvSpPr/>
+          <p:nvPr/>
+        </p:nvSpPr>
+        <p:spPr>
+          <a:xfrm>
+            <a:off x="662529" y="3866974"/>
+            <a:ext cx="1492716" cy="369332"/>
           </a:xfrm>
           <a:prstGeom prst="rect">
             <a:avLst/>
           </a:prstGeom>
         </p:spPr>
-      </p:pic>
+        <p:txBody>
+          <a:bodyPr wrap="none">
+            <a:spAutoFit/>
+          </a:bodyPr>
+          <a:lstStyle/>
+          <a:p>
+            <a:r>
+              <a:rPr lang="en-US" altLang="zh-TW" dirty="0"/>
+              <a:t>Master Page</a:t>
+            </a:r>
+            <a:endParaRPr lang="zh-TW" altLang="en-US" dirty="0"/>
+          </a:p>
+        </p:txBody>
+      </p:sp>
+      <p:sp>
+        <p:nvSpPr>
+          <p:cNvPr id="24" name="向右箭號 23"/>
+          <p:cNvSpPr/>
+          <p:nvPr/>
+        </p:nvSpPr>
+        <p:spPr>
+          <a:xfrm rot="10800000">
+            <a:off x="7984544" y="3415811"/>
+            <a:ext cx="1518871" cy="465993"/>
+          </a:xfrm>
+          <a:prstGeom prst="rightArrow">
+            <a:avLst/>
+          </a:prstGeom>
+          <a:solidFill>
+            <a:schemeClr val="tx1"/>
+          </a:solidFill>
+          <a:ln>
+            <a:solidFill>
+              <a:schemeClr val="tx1"/>
+            </a:solidFill>
+          </a:ln>
+        </p:spPr>
+        <p:style>
+          <a:lnRef idx="2">
+            <a:schemeClr val="accent1">
+              <a:shade val="50000"/>
+            </a:schemeClr>
+          </a:lnRef>
+          <a:fillRef idx="1">
+            <a:schemeClr val="accent1"/>
+          </a:fillRef>
+          <a:effectRef idx="0">
+            <a:schemeClr val="accent1"/>
+          </a:effectRef>
+          <a:fontRef idx="minor">
+            <a:schemeClr val="lt1"/>
+          </a:fontRef>
+        </p:style>
+        <p:txBody>
+          <a:bodyPr rtlCol="0" anchor="ctr"/>
+          <a:lstStyle/>
+          <a:p>
+            <a:pPr algn="ctr"/>
+            <a:endParaRPr lang="zh-TW" altLang="en-US"/>
+          </a:p>
+        </p:txBody>
+      </p:sp>
+      <p:sp>
+        <p:nvSpPr>
+          <p:cNvPr id="25" name="矩形 24"/>
+          <p:cNvSpPr/>
+          <p:nvPr/>
+        </p:nvSpPr>
+        <p:spPr>
+          <a:xfrm>
+            <a:off x="9610308" y="3455349"/>
+            <a:ext cx="1257717" cy="369332"/>
+          </a:xfrm>
+          <a:prstGeom prst="rect">
+            <a:avLst/>
+          </a:prstGeom>
+        </p:spPr>
+        <p:txBody>
+          <a:bodyPr wrap="none">
+            <a:spAutoFit/>
+          </a:bodyPr>
+          <a:lstStyle/>
+          <a:p>
+            <a:r>
+              <a:rPr lang="en-US" altLang="zh-TW" dirty="0" smtClean="0"/>
+              <a:t>Web </a:t>
+            </a:r>
+            <a:r>
+              <a:rPr lang="en-US" altLang="zh-TW" dirty="0"/>
+              <a:t>Page</a:t>
+            </a:r>
+            <a:endParaRPr lang="zh-TW" altLang="en-US" dirty="0"/>
+          </a:p>
+        </p:txBody>
+      </p:sp>
+      <p:sp>
+        <p:nvSpPr>
+          <p:cNvPr id="11" name="矩形 10"/>
+          <p:cNvSpPr/>
+          <p:nvPr/>
+        </p:nvSpPr>
+        <p:spPr>
+          <a:xfrm>
+            <a:off x="3595716" y="2539336"/>
+            <a:ext cx="646331" cy="369332"/>
+          </a:xfrm>
+          <a:prstGeom prst="rect">
+            <a:avLst/>
+          </a:prstGeom>
+        </p:spPr>
+        <p:txBody>
+          <a:bodyPr wrap="none">
+            <a:spAutoFit/>
+          </a:bodyPr>
+          <a:lstStyle/>
+          <a:p>
+            <a:r>
+              <a:rPr lang="zh-TW" altLang="en-US" dirty="0"/>
+              <a:t>首頁</a:t>
+            </a:r>
+          </a:p>
+        </p:txBody>
+      </p:sp>
+      <p:sp>
+        <p:nvSpPr>
+          <p:cNvPr id="12" name="矩形 11"/>
+          <p:cNvSpPr/>
+          <p:nvPr/>
+        </p:nvSpPr>
+        <p:spPr>
+          <a:xfrm>
+            <a:off x="2855698" y="2041229"/>
+            <a:ext cx="3647152" cy="369332"/>
+          </a:xfrm>
+          <a:prstGeom prst="rect">
+            <a:avLst/>
+          </a:prstGeom>
+        </p:spPr>
+        <p:txBody>
+          <a:bodyPr wrap="none">
+            <a:spAutoFit/>
+          </a:bodyPr>
+          <a:lstStyle/>
+          <a:p>
+            <a:r>
+              <a:rPr lang="zh-TW" altLang="en-US" dirty="0" smtClean="0"/>
+              <a:t>不用登入就可以瀏覽的</a:t>
+            </a:r>
+            <a:r>
+              <a:rPr lang="en-US" altLang="zh-TW" dirty="0" err="1" smtClean="0"/>
+              <a:t>marst</a:t>
+            </a:r>
+            <a:r>
+              <a:rPr lang="zh-TW" altLang="en-US" dirty="0" smtClean="0"/>
+              <a:t> </a:t>
+            </a:r>
+            <a:r>
+              <a:rPr lang="en-US" altLang="zh-TW" dirty="0" smtClean="0"/>
+              <a:t>page</a:t>
+            </a:r>
+            <a:endParaRPr lang="zh-TW" altLang="en-US" dirty="0"/>
+          </a:p>
+        </p:txBody>
+      </p:sp>
     </p:spTree>
     <p:extLst>
       <p:ext uri="{BB962C8B-B14F-4D97-AF65-F5344CB8AC3E}">
-        <p14:creationId xmlns:p14="http://schemas.microsoft.com/office/powerpoint/2010/main" val="3849077445"/>
+        <p14:creationId xmlns:p14="http://schemas.microsoft.com/office/powerpoint/2010/main" val="1499941871"/>
       </p:ext>
     </p:extLst>
   </p:cSld>
@@ -9827,7 +11592,7 @@
       </p:grpSpPr>
       <p:sp>
         <p:nvSpPr>
-          <p:cNvPr id="2" name="標題 1"/>
+          <p:cNvPr id="4" name="標題 3"/>
           <p:cNvSpPr>
             <a:spLocks noGrp="1"/>
           </p:cNvSpPr>
@@ -9837,64 +11602,347 @@
         </p:nvSpPr>
         <p:spPr/>
         <p:txBody>
-          <a:bodyPr/>
-          <a:lstStyle/>
-          <a:p>
+          <a:bodyPr>
+            <a:normAutofit/>
+          </a:bodyPr>
+          <a:lstStyle/>
+          <a:p>
+            <a:r>
+              <a:rPr lang="zh-TW" altLang="en-US" dirty="0" smtClean="0"/>
+              <a:t>關於</a:t>
+            </a:r>
             <a:r>
               <a:rPr lang="zh-TW" altLang="en-US" dirty="0"/>
-              <a:t>未登入狀態下可以瀏覽的網頁</a:t>
-            </a:r>
+              <a:t>我們網頁</a:t>
+            </a:r>
+            <a:endParaRPr lang="zh-TW" altLang="en-US" dirty="0"/>
+          </a:p>
+        </p:txBody>
+      </p:sp>
+      <p:sp>
+        <p:nvSpPr>
+          <p:cNvPr id="20" name="矩形 19"/>
+          <p:cNvSpPr/>
+          <p:nvPr/>
+        </p:nvSpPr>
+        <p:spPr>
+          <a:xfrm>
+            <a:off x="2735536" y="2020644"/>
+            <a:ext cx="6312877" cy="3175609"/>
+          </a:xfrm>
+          <a:prstGeom prst="rect">
+            <a:avLst/>
+          </a:prstGeom>
+          <a:solidFill>
+            <a:schemeClr val="accent2"/>
+          </a:solidFill>
+          <a:ln w="28575">
+            <a:solidFill>
+              <a:schemeClr val="tx1"/>
+            </a:solidFill>
+          </a:ln>
+        </p:spPr>
+        <p:style>
+          <a:lnRef idx="2">
+            <a:schemeClr val="accent1">
+              <a:shade val="50000"/>
+            </a:schemeClr>
+          </a:lnRef>
+          <a:fillRef idx="1">
+            <a:schemeClr val="accent1"/>
+          </a:fillRef>
+          <a:effectRef idx="0">
+            <a:schemeClr val="accent1"/>
+          </a:effectRef>
+          <a:fontRef idx="minor">
+            <a:schemeClr val="lt1"/>
+          </a:fontRef>
+        </p:style>
+        <p:txBody>
+          <a:bodyPr rtlCol="0" anchor="ctr"/>
+          <a:lstStyle/>
+          <a:p>
+            <a:pPr algn="ctr"/>
+            <a:endParaRPr lang="zh-TW" altLang="en-US"/>
+          </a:p>
+        </p:txBody>
+      </p:sp>
+      <p:sp>
+        <p:nvSpPr>
+          <p:cNvPr id="21" name="矩形 20"/>
+          <p:cNvSpPr/>
+          <p:nvPr/>
+        </p:nvSpPr>
+        <p:spPr>
+          <a:xfrm>
+            <a:off x="3485813" y="2416420"/>
+            <a:ext cx="4812322" cy="2464776"/>
+          </a:xfrm>
+          <a:prstGeom prst="rect">
+            <a:avLst/>
+          </a:prstGeom>
+          <a:solidFill>
+            <a:schemeClr val="accent6"/>
+          </a:solidFill>
+          <a:ln w="28575">
+            <a:solidFill>
+              <a:schemeClr val="tx1"/>
+            </a:solidFill>
+          </a:ln>
+        </p:spPr>
+        <p:style>
+          <a:lnRef idx="2">
+            <a:schemeClr val="accent1">
+              <a:shade val="50000"/>
+            </a:schemeClr>
+          </a:lnRef>
+          <a:fillRef idx="1">
+            <a:schemeClr val="accent1"/>
+          </a:fillRef>
+          <a:effectRef idx="0">
+            <a:schemeClr val="accent1"/>
+          </a:effectRef>
+          <a:fontRef idx="minor">
+            <a:schemeClr val="lt1"/>
+          </a:fontRef>
+        </p:style>
+        <p:txBody>
+          <a:bodyPr rtlCol="0" anchor="ctr"/>
+          <a:lstStyle/>
+          <a:p>
+            <a:pPr algn="ctr"/>
+            <a:endParaRPr lang="zh-TW" altLang="en-US"/>
+          </a:p>
+        </p:txBody>
+      </p:sp>
+      <p:sp>
+        <p:nvSpPr>
+          <p:cNvPr id="22" name="向右箭號 21"/>
+          <p:cNvSpPr/>
+          <p:nvPr/>
+        </p:nvSpPr>
+        <p:spPr>
+          <a:xfrm>
+            <a:off x="2155245" y="3789484"/>
+            <a:ext cx="955429" cy="465993"/>
+          </a:xfrm>
+          <a:prstGeom prst="rightArrow">
+            <a:avLst/>
+          </a:prstGeom>
+          <a:solidFill>
+            <a:schemeClr val="tx1"/>
+          </a:solidFill>
+          <a:ln>
+            <a:solidFill>
+              <a:schemeClr val="tx1"/>
+            </a:solidFill>
+          </a:ln>
+        </p:spPr>
+        <p:style>
+          <a:lnRef idx="2">
+            <a:schemeClr val="accent1">
+              <a:shade val="50000"/>
+            </a:schemeClr>
+          </a:lnRef>
+          <a:fillRef idx="1">
+            <a:schemeClr val="accent1"/>
+          </a:fillRef>
+          <a:effectRef idx="0">
+            <a:schemeClr val="accent1"/>
+          </a:effectRef>
+          <a:fontRef idx="minor">
+            <a:schemeClr val="lt1"/>
+          </a:fontRef>
+        </p:style>
+        <p:txBody>
+          <a:bodyPr rtlCol="0" anchor="ctr"/>
+          <a:lstStyle/>
+          <a:p>
+            <a:pPr algn="ctr"/>
+            <a:endParaRPr lang="zh-TW" altLang="en-US"/>
+          </a:p>
+        </p:txBody>
+      </p:sp>
+      <p:sp>
+        <p:nvSpPr>
+          <p:cNvPr id="23" name="矩形 22"/>
+          <p:cNvSpPr/>
+          <p:nvPr/>
+        </p:nvSpPr>
+        <p:spPr>
+          <a:xfrm>
+            <a:off x="662529" y="3866974"/>
+            <a:ext cx="1492716" cy="369332"/>
+          </a:xfrm>
+          <a:prstGeom prst="rect">
+            <a:avLst/>
+          </a:prstGeom>
+        </p:spPr>
+        <p:txBody>
+          <a:bodyPr wrap="none">
+            <a:spAutoFit/>
+          </a:bodyPr>
+          <a:lstStyle/>
+          <a:p>
             <a:r>
               <a:rPr lang="en-US" altLang="zh-TW" dirty="0"/>
-              <a:t>_</a:t>
-            </a:r>
+              <a:t>Master Page</a:t>
+            </a:r>
+            <a:endParaRPr lang="zh-TW" altLang="en-US" dirty="0"/>
+          </a:p>
+        </p:txBody>
+      </p:sp>
+      <p:sp>
+        <p:nvSpPr>
+          <p:cNvPr id="24" name="向右箭號 23"/>
+          <p:cNvSpPr/>
+          <p:nvPr/>
+        </p:nvSpPr>
+        <p:spPr>
+          <a:xfrm rot="10800000">
+            <a:off x="7984544" y="3415811"/>
+            <a:ext cx="1518871" cy="465993"/>
+          </a:xfrm>
+          <a:prstGeom prst="rightArrow">
+            <a:avLst/>
+          </a:prstGeom>
+          <a:solidFill>
+            <a:schemeClr val="tx1"/>
+          </a:solidFill>
+          <a:ln>
+            <a:solidFill>
+              <a:schemeClr val="tx1"/>
+            </a:solidFill>
+          </a:ln>
+        </p:spPr>
+        <p:style>
+          <a:lnRef idx="2">
+            <a:schemeClr val="accent1">
+              <a:shade val="50000"/>
+            </a:schemeClr>
+          </a:lnRef>
+          <a:fillRef idx="1">
+            <a:schemeClr val="accent1"/>
+          </a:fillRef>
+          <a:effectRef idx="0">
+            <a:schemeClr val="accent1"/>
+          </a:effectRef>
+          <a:fontRef idx="minor">
+            <a:schemeClr val="lt1"/>
+          </a:fontRef>
+        </p:style>
+        <p:txBody>
+          <a:bodyPr rtlCol="0" anchor="ctr"/>
+          <a:lstStyle/>
+          <a:p>
+            <a:pPr algn="ctr"/>
+            <a:endParaRPr lang="zh-TW" altLang="en-US"/>
+          </a:p>
+        </p:txBody>
+      </p:sp>
+      <p:sp>
+        <p:nvSpPr>
+          <p:cNvPr id="25" name="矩形 24"/>
+          <p:cNvSpPr/>
+          <p:nvPr/>
+        </p:nvSpPr>
+        <p:spPr>
+          <a:xfrm>
+            <a:off x="9610308" y="3455349"/>
+            <a:ext cx="1257717" cy="369332"/>
+          </a:xfrm>
+          <a:prstGeom prst="rect">
+            <a:avLst/>
+          </a:prstGeom>
+        </p:spPr>
+        <p:txBody>
+          <a:bodyPr wrap="none">
+            <a:spAutoFit/>
+          </a:bodyPr>
+          <a:lstStyle/>
+          <a:p>
+            <a:r>
+              <a:rPr lang="en-US" altLang="zh-TW" dirty="0" smtClean="0"/>
+              <a:t>Web </a:t>
+            </a:r>
+            <a:r>
+              <a:rPr lang="en-US" altLang="zh-TW" dirty="0"/>
+              <a:t>Page</a:t>
+            </a:r>
+            <a:endParaRPr lang="zh-TW" altLang="en-US" dirty="0"/>
+          </a:p>
+        </p:txBody>
+      </p:sp>
+      <p:sp>
+        <p:nvSpPr>
+          <p:cNvPr id="11" name="矩形 10"/>
+          <p:cNvSpPr/>
+          <p:nvPr/>
+        </p:nvSpPr>
+        <p:spPr>
+          <a:xfrm>
+            <a:off x="3595716" y="2539336"/>
+            <a:ext cx="1569660" cy="369332"/>
+          </a:xfrm>
+          <a:prstGeom prst="rect">
+            <a:avLst/>
+          </a:prstGeom>
+        </p:spPr>
+        <p:txBody>
+          <a:bodyPr wrap="none">
+            <a:spAutoFit/>
+          </a:bodyPr>
+          <a:lstStyle/>
+          <a:p>
             <a:r>
               <a:rPr lang="zh-TW" altLang="en-US" dirty="0"/>
-              <a:t>首頁</a:t>
-            </a:r>
-          </a:p>
-        </p:txBody>
-      </p:sp>
-      <p:sp>
-        <p:nvSpPr>
-          <p:cNvPr id="3" name="內容版面配置區 2"/>
-          <p:cNvSpPr>
-            <a:spLocks noGrp="1"/>
-          </p:cNvSpPr>
-          <p:nvPr>
-            <p:ph idx="1"/>
-          </p:nvPr>
-        </p:nvSpPr>
-        <p:spPr/>
-        <p:txBody>
-          <a:bodyPr/>
-          <a:lstStyle/>
-          <a:p>
+              <a:t>關於</a:t>
+            </a:r>
             <a:r>
               <a:rPr lang="zh-TW" altLang="en-US" dirty="0"/>
-              <a:t>設定</a:t>
-            </a:r>
-            <a:r>
-              <a:rPr lang="en-US" altLang="zh-TW" dirty="0"/>
-              <a:t>Home web </a:t>
+              <a:t>我們網頁</a:t>
+            </a:r>
+            <a:endParaRPr lang="zh-TW" altLang="en-US" dirty="0"/>
+          </a:p>
+        </p:txBody>
+      </p:sp>
+      <p:sp>
+        <p:nvSpPr>
+          <p:cNvPr id="12" name="矩形 11"/>
+          <p:cNvSpPr/>
+          <p:nvPr/>
+        </p:nvSpPr>
+        <p:spPr>
+          <a:xfrm>
+            <a:off x="2855698" y="2041229"/>
+            <a:ext cx="3647152" cy="369332"/>
+          </a:xfrm>
+          <a:prstGeom prst="rect">
+            <a:avLst/>
+          </a:prstGeom>
+        </p:spPr>
+        <p:txBody>
+          <a:bodyPr wrap="none">
+            <a:spAutoFit/>
+          </a:bodyPr>
+          <a:lstStyle/>
+          <a:p>
+            <a:r>
+              <a:rPr lang="zh-TW" altLang="en-US" dirty="0" smtClean="0"/>
+              <a:t>不用登入就可以瀏覽的</a:t>
+            </a:r>
+            <a:r>
+              <a:rPr lang="en-US" altLang="zh-TW" dirty="0" err="1" smtClean="0"/>
+              <a:t>marst</a:t>
+            </a:r>
+            <a:r>
+              <a:rPr lang="zh-TW" altLang="en-US" dirty="0" smtClean="0"/>
+              <a:t> </a:t>
             </a:r>
             <a:r>
               <a:rPr lang="en-US" altLang="zh-TW" dirty="0" smtClean="0"/>
               <a:t>page</a:t>
             </a:r>
-            <a:r>
-              <a:rPr lang="zh-TW" altLang="en-US" dirty="0" smtClean="0"/>
-              <a:t>為首頁</a:t>
-            </a:r>
-            <a:endParaRPr lang="en-US" altLang="zh-TW" dirty="0" smtClean="0"/>
-          </a:p>
-          <a:p>
-            <a:endParaRPr lang="en-US" altLang="zh-TW" dirty="0"/>
-          </a:p>
-          <a:p>
-            <a:endParaRPr lang="zh-TW" altLang="en-US" dirty="0"/>
-          </a:p>
-          <a:p>
             <a:endParaRPr lang="zh-TW" altLang="en-US" dirty="0"/>
           </a:p>
         </p:txBody>
@@ -9902,7 +11950,7 @@
     </p:spTree>
     <p:extLst>
       <p:ext uri="{BB962C8B-B14F-4D97-AF65-F5344CB8AC3E}">
-        <p14:creationId xmlns:p14="http://schemas.microsoft.com/office/powerpoint/2010/main" val="3073070268"/>
+        <p14:creationId xmlns:p14="http://schemas.microsoft.com/office/powerpoint/2010/main" val="1075468016"/>
       </p:ext>
     </p:extLst>
   </p:cSld>
@@ -9959,10 +12007,10 @@
           <a:lstStyle/>
           <a:p>
             <a:r>
-              <a:rPr lang="zh-TW" altLang="en-US" dirty="0" smtClean="0"/>
-              <a:t>首頁</a:t>
-            </a:r>
-            <a:endParaRPr lang="zh-TW" altLang="en-US" dirty="0"/>
+              <a:rPr lang="zh-TW" altLang="en-US" dirty="0"/>
+              <a:t>登入網頁</a:t>
+            </a:r>
+            <a:endParaRPr lang="en-US" altLang="zh-TW" dirty="0"/>
           </a:p>
         </p:txBody>
       </p:sp>
@@ -10229,7 +12277,7 @@
         <p:spPr>
           <a:xfrm>
             <a:off x="3595716" y="2539336"/>
-            <a:ext cx="646331" cy="369332"/>
+            <a:ext cx="1107996" cy="369332"/>
           </a:xfrm>
           <a:prstGeom prst="rect">
             <a:avLst/>
@@ -10243,8 +12291,9 @@
           <a:p>
             <a:r>
               <a:rPr lang="zh-TW" altLang="en-US" dirty="0"/>
-              <a:t>首頁</a:t>
-            </a:r>
+              <a:t>登入網頁</a:t>
+            </a:r>
+            <a:endParaRPr lang="en-US" altLang="zh-TW" dirty="0"/>
           </a:p>
         </p:txBody>
       </p:sp>
@@ -10292,7 +12341,7 @@
     </p:spTree>
     <p:extLst>
       <p:ext uri="{BB962C8B-B14F-4D97-AF65-F5344CB8AC3E}">
-        <p14:creationId xmlns:p14="http://schemas.microsoft.com/office/powerpoint/2010/main" val="1499941871"/>
+        <p14:creationId xmlns:p14="http://schemas.microsoft.com/office/powerpoint/2010/main" val="2055809677"/>
       </p:ext>
     </p:extLst>
   </p:cSld>

--- a/投影片/4.實作-帳號註冊、登入網頁.pptx
+++ b/投影片/4.實作-帳號註冊、登入網頁.pptx
@@ -30,11 +30,16 @@
     <p:sldId id="297" r:id="rId24"/>
     <p:sldId id="298" r:id="rId25"/>
     <p:sldId id="299" r:id="rId26"/>
-    <p:sldId id="300" r:id="rId27"/>
-    <p:sldId id="301" r:id="rId28"/>
-    <p:sldId id="302" r:id="rId29"/>
-    <p:sldId id="271" r:id="rId30"/>
-    <p:sldId id="272" r:id="rId31"/>
+    <p:sldId id="303" r:id="rId27"/>
+    <p:sldId id="300" r:id="rId28"/>
+    <p:sldId id="304" r:id="rId29"/>
+    <p:sldId id="307" r:id="rId30"/>
+    <p:sldId id="308" r:id="rId31"/>
+    <p:sldId id="306" r:id="rId32"/>
+    <p:sldId id="305" r:id="rId33"/>
+    <p:sldId id="302" r:id="rId34"/>
+    <p:sldId id="271" r:id="rId35"/>
+    <p:sldId id="272" r:id="rId36"/>
   </p:sldIdLst>
   <p:sldSz cx="12192000" cy="6858000"/>
   <p:notesSz cx="6858000" cy="9144000"/>
@@ -175,7 +180,7 @@
           <a:p>
             <a:fld id="{31CDE89B-FBD9-4E23-BEEB-B0C8819124B3}" type="datetimeFigureOut">
               <a:rPr lang="zh-TW" altLang="en-US" smtClean="0"/>
-              <a:t>2022/3/27</a:t>
+              <a:t>2022/3/28</a:t>
             </a:fld>
             <a:endParaRPr lang="zh-TW" altLang="en-US"/>
           </a:p>
@@ -3046,7 +3051,7 @@
           <a:p>
             <a:fld id="{31CDE89B-FBD9-4E23-BEEB-B0C8819124B3}" type="datetimeFigureOut">
               <a:rPr lang="zh-TW" altLang="en-US" smtClean="0"/>
-              <a:t>2022/3/27</a:t>
+              <a:t>2022/3/28</a:t>
             </a:fld>
             <a:endParaRPr lang="zh-TW" altLang="en-US"/>
           </a:p>
@@ -3238,7 +3243,7 @@
           <a:p>
             <a:fld id="{31CDE89B-FBD9-4E23-BEEB-B0C8819124B3}" type="datetimeFigureOut">
               <a:rPr lang="zh-TW" altLang="en-US" smtClean="0"/>
-              <a:t>2022/3/27</a:t>
+              <a:t>2022/3/28</a:t>
             </a:fld>
             <a:endParaRPr lang="zh-TW" altLang="en-US"/>
           </a:p>
@@ -3434,7 +3439,7 @@
           <a:p>
             <a:fld id="{31CDE89B-FBD9-4E23-BEEB-B0C8819124B3}" type="datetimeFigureOut">
               <a:rPr lang="zh-TW" altLang="en-US" smtClean="0"/>
-              <a:t>2022/3/27</a:t>
+              <a:t>2022/3/28</a:t>
             </a:fld>
             <a:endParaRPr lang="zh-TW" altLang="en-US"/>
           </a:p>
@@ -4530,7 +4535,7 @@
           <a:p>
             <a:fld id="{31CDE89B-FBD9-4E23-BEEB-B0C8819124B3}" type="datetimeFigureOut">
               <a:rPr lang="zh-TW" altLang="en-US" smtClean="0"/>
-              <a:t>2022/3/27</a:t>
+              <a:t>2022/3/28</a:t>
             </a:fld>
             <a:endParaRPr lang="zh-TW" altLang="en-US"/>
           </a:p>
@@ -4779,7 +4784,7 @@
           <a:p>
             <a:fld id="{31CDE89B-FBD9-4E23-BEEB-B0C8819124B3}" type="datetimeFigureOut">
               <a:rPr lang="zh-TW" altLang="en-US" smtClean="0"/>
-              <a:t>2022/3/27</a:t>
+              <a:t>2022/3/28</a:t>
             </a:fld>
             <a:endParaRPr lang="zh-TW" altLang="en-US"/>
           </a:p>
@@ -5158,7 +5163,7 @@
           <a:p>
             <a:fld id="{31CDE89B-FBD9-4E23-BEEB-B0C8819124B3}" type="datetimeFigureOut">
               <a:rPr lang="zh-TW" altLang="en-US" smtClean="0"/>
-              <a:t>2022/3/27</a:t>
+              <a:t>2022/3/28</a:t>
             </a:fld>
             <a:endParaRPr lang="zh-TW" altLang="en-US"/>
           </a:p>
@@ -5288,7 +5293,7 @@
           <a:p>
             <a:fld id="{31CDE89B-FBD9-4E23-BEEB-B0C8819124B3}" type="datetimeFigureOut">
               <a:rPr lang="zh-TW" altLang="en-US" smtClean="0"/>
-              <a:t>2022/3/27</a:t>
+              <a:t>2022/3/28</a:t>
             </a:fld>
             <a:endParaRPr lang="zh-TW" altLang="en-US"/>
           </a:p>
@@ -5395,7 +5400,7 @@
           <a:p>
             <a:fld id="{31CDE89B-FBD9-4E23-BEEB-B0C8819124B3}" type="datetimeFigureOut">
               <a:rPr lang="zh-TW" altLang="en-US" smtClean="0"/>
-              <a:t>2022/3/27</a:t>
+              <a:t>2022/3/28</a:t>
             </a:fld>
             <a:endParaRPr lang="zh-TW" altLang="en-US"/>
           </a:p>
@@ -5684,7 +5689,7 @@
           <a:p>
             <a:fld id="{31CDE89B-FBD9-4E23-BEEB-B0C8819124B3}" type="datetimeFigureOut">
               <a:rPr lang="zh-TW" altLang="en-US" smtClean="0"/>
-              <a:t>2022/3/27</a:t>
+              <a:t>2022/3/28</a:t>
             </a:fld>
             <a:endParaRPr lang="zh-TW" altLang="en-US"/>
           </a:p>
@@ -5949,7 +5954,7 @@
           <a:p>
             <a:fld id="{31CDE89B-FBD9-4E23-BEEB-B0C8819124B3}" type="datetimeFigureOut">
               <a:rPr lang="zh-TW" altLang="en-US" smtClean="0"/>
-              <a:t>2022/3/27</a:t>
+              <a:t>2022/3/28</a:t>
             </a:fld>
             <a:endParaRPr lang="zh-TW" altLang="en-US"/>
           </a:p>
@@ -6174,7 +6179,7 @@
           <a:p>
             <a:fld id="{31CDE89B-FBD9-4E23-BEEB-B0C8819124B3}" type="datetimeFigureOut">
               <a:rPr lang="zh-TW" altLang="en-US" smtClean="0"/>
-              <a:t>2022/3/27</a:t>
+              <a:t>2022/3/28</a:t>
             </a:fld>
             <a:endParaRPr lang="zh-TW" altLang="en-US"/>
           </a:p>
@@ -7553,7 +7558,6 @@
               <a:rPr lang="en-US" altLang="zh-TW" dirty="0" smtClean="0"/>
               <a:t>Logo</a:t>
             </a:r>
-            <a:endParaRPr lang="en-US" altLang="zh-TW" dirty="0" smtClean="0"/>
           </a:p>
           <a:p>
             <a:pPr lvl="1"/>
@@ -7567,11 +7571,7 @@
             <a:pPr lvl="1"/>
             <a:r>
               <a:rPr lang="zh-TW" altLang="en-US" dirty="0" smtClean="0"/>
-              <a:t>關於</a:t>
-            </a:r>
-            <a:r>
-              <a:rPr lang="zh-TW" altLang="en-US" dirty="0" smtClean="0"/>
-              <a:t>我們</a:t>
+              <a:t>關於我們</a:t>
             </a:r>
             <a:endParaRPr lang="en-US" altLang="zh-TW" dirty="0" smtClean="0"/>
           </a:p>
@@ -8449,7 +8449,6 @@
               <a:rPr lang="zh-TW" altLang="en-US" dirty="0"/>
               <a:t>註冊網頁</a:t>
             </a:r>
-            <a:endParaRPr lang="zh-TW" altLang="en-US" dirty="0"/>
           </a:p>
         </p:txBody>
       </p:sp>
@@ -9209,7 +9208,91 @@
         </p:nvSpPr>
         <p:spPr>
           <a:xfrm>
-            <a:off x="2373923" y="2365132"/>
+            <a:off x="3032125" y="2220498"/>
+            <a:ext cx="1346444" cy="509954"/>
+          </a:xfrm>
+          <a:prstGeom prst="rect">
+            <a:avLst/>
+          </a:prstGeom>
+        </p:spPr>
+        <p:style>
+          <a:lnRef idx="0">
+            <a:schemeClr val="accent1"/>
+          </a:lnRef>
+          <a:fillRef idx="3">
+            <a:schemeClr val="accent1"/>
+          </a:fillRef>
+          <a:effectRef idx="3">
+            <a:schemeClr val="accent1"/>
+          </a:effectRef>
+          <a:fontRef idx="minor">
+            <a:schemeClr val="lt1"/>
+          </a:fontRef>
+        </p:style>
+        <p:txBody>
+          <a:bodyPr rtlCol="0" anchor="ctr"/>
+          <a:lstStyle/>
+          <a:p>
+            <a:pPr algn="ctr"/>
+            <a:r>
+              <a:rPr lang="zh-TW" altLang="en-US" dirty="0" smtClean="0"/>
+              <a:t>輸入資料</a:t>
+            </a:r>
+            <a:endParaRPr lang="zh-TW" altLang="en-US" dirty="0"/>
+          </a:p>
+        </p:txBody>
+      </p:sp>
+      <p:sp>
+        <p:nvSpPr>
+          <p:cNvPr id="5" name="矩形 4"/>
+          <p:cNvSpPr/>
+          <p:nvPr/>
+        </p:nvSpPr>
+        <p:spPr>
+          <a:xfrm>
+            <a:off x="3032125" y="3015922"/>
+            <a:ext cx="1346444" cy="509954"/>
+          </a:xfrm>
+          <a:prstGeom prst="rect">
+            <a:avLst/>
+          </a:prstGeom>
+        </p:spPr>
+        <p:style>
+          <a:lnRef idx="0">
+            <a:schemeClr val="accent1"/>
+          </a:lnRef>
+          <a:fillRef idx="3">
+            <a:schemeClr val="accent1"/>
+          </a:fillRef>
+          <a:effectRef idx="3">
+            <a:schemeClr val="accent1"/>
+          </a:effectRef>
+          <a:fontRef idx="minor">
+            <a:schemeClr val="lt1"/>
+          </a:fontRef>
+        </p:style>
+        <p:txBody>
+          <a:bodyPr rtlCol="0" anchor="ctr"/>
+          <a:lstStyle/>
+          <a:p>
+            <a:pPr algn="ctr"/>
+            <a:r>
+              <a:rPr lang="zh-TW" altLang="en-US" dirty="0" smtClean="0"/>
+              <a:t>送出資料</a:t>
+            </a:r>
+            <a:endParaRPr lang="zh-TW" altLang="en-US" dirty="0"/>
+          </a:p>
+        </p:txBody>
+      </p:sp>
+      <p:sp>
+        <p:nvSpPr>
+          <p:cNvPr id="6" name="矩形 5"/>
+          <p:cNvSpPr/>
+          <p:nvPr/>
+        </p:nvSpPr>
+        <p:spPr>
+          <a:xfrm>
+            <a:off x="5347161" y="2077067"/>
             <a:ext cx="1186962" cy="509954"/>
           </a:xfrm>
           <a:prstGeom prst="rect">
@@ -9217,15 +9300,13 @@
           </a:prstGeom>
         </p:spPr>
         <p:style>
-          <a:lnRef idx="2">
-            <a:schemeClr val="accent1">
-              <a:shade val="50000"/>
-            </a:schemeClr>
+          <a:lnRef idx="0">
+            <a:schemeClr val="accent1"/>
           </a:lnRef>
-          <a:fillRef idx="1">
+          <a:fillRef idx="3">
             <a:schemeClr val="accent1"/>
           </a:fillRef>
-          <a:effectRef idx="0">
+          <a:effectRef idx="3">
             <a:schemeClr val="accent1"/>
           </a:effectRef>
           <a:fontRef idx="minor">
@@ -9238,8 +9319,12 @@
           <a:p>
             <a:pPr algn="ctr"/>
             <a:r>
+              <a:rPr lang="zh-TW" altLang="en-US" dirty="0"/>
+              <a:t>檢查</a:t>
+            </a:r>
+            <a:r>
               <a:rPr lang="zh-TW" altLang="en-US" dirty="0" smtClean="0"/>
-              <a:t>輸入資料</a:t>
+              <a:t>資料內容</a:t>
             </a:r>
             <a:endParaRPr lang="zh-TW" altLang="en-US" dirty="0"/>
           </a:p>
@@ -9247,13 +9332,13 @@
       </p:sp>
       <p:sp>
         <p:nvSpPr>
-          <p:cNvPr id="5" name="矩形 4"/>
+          <p:cNvPr id="7" name="矩形 6"/>
           <p:cNvSpPr/>
           <p:nvPr/>
         </p:nvSpPr>
         <p:spPr>
           <a:xfrm>
-            <a:off x="2373923" y="3105765"/>
+            <a:off x="5347160" y="4040829"/>
             <a:ext cx="1186962" cy="509954"/>
           </a:xfrm>
           <a:prstGeom prst="rect">
@@ -9261,15 +9346,13 @@
           </a:prstGeom>
         </p:spPr>
         <p:style>
-          <a:lnRef idx="2">
-            <a:schemeClr val="accent1">
-              <a:shade val="50000"/>
-            </a:schemeClr>
+          <a:lnRef idx="0">
+            <a:schemeClr val="accent1"/>
           </a:lnRef>
-          <a:fillRef idx="1">
+          <a:fillRef idx="3">
             <a:schemeClr val="accent1"/>
           </a:fillRef>
-          <a:effectRef idx="0">
+          <a:effectRef idx="3">
             <a:schemeClr val="accent1"/>
           </a:effectRef>
           <a:fontRef idx="minor">
@@ -9283,7 +9366,7 @@
             <a:pPr algn="ctr"/>
             <a:r>
               <a:rPr lang="zh-TW" altLang="en-US" dirty="0" smtClean="0"/>
-              <a:t>送出資料</a:t>
+              <a:t>回饋錯誤訊息</a:t>
             </a:r>
             <a:endParaRPr lang="zh-TW" altLang="en-US" dirty="0"/>
           </a:p>
@@ -9291,13 +9374,13 @@
       </p:sp>
       <p:sp>
         <p:nvSpPr>
-          <p:cNvPr id="6" name="矩形 5"/>
+          <p:cNvPr id="8" name="矩形 7"/>
           <p:cNvSpPr/>
           <p:nvPr/>
         </p:nvSpPr>
         <p:spPr>
           <a:xfrm>
-            <a:off x="4469423" y="2365132"/>
+            <a:off x="7397261" y="5877431"/>
             <a:ext cx="1186962" cy="509954"/>
           </a:xfrm>
           <a:prstGeom prst="rect">
@@ -9305,15 +9388,13 @@
           </a:prstGeom>
         </p:spPr>
         <p:style>
-          <a:lnRef idx="2">
-            <a:schemeClr val="accent1">
-              <a:shade val="50000"/>
-            </a:schemeClr>
+          <a:lnRef idx="0">
+            <a:schemeClr val="accent1"/>
           </a:lnRef>
-          <a:fillRef idx="1">
+          <a:fillRef idx="3">
             <a:schemeClr val="accent1"/>
           </a:fillRef>
-          <a:effectRef idx="0">
+          <a:effectRef idx="3">
             <a:schemeClr val="accent1"/>
           </a:effectRef>
           <a:fontRef idx="minor">
@@ -9327,11 +9408,11 @@
             <a:pPr algn="ctr"/>
             <a:r>
               <a:rPr lang="zh-TW" altLang="en-US" dirty="0"/>
-              <a:t>檢查</a:t>
+              <a:t>轉</a:t>
             </a:r>
             <a:r>
               <a:rPr lang="zh-TW" altLang="en-US" dirty="0" smtClean="0"/>
-              <a:t>資料</a:t>
+              <a:t>至登入頁面</a:t>
             </a:r>
             <a:endParaRPr lang="zh-TW" altLang="en-US" dirty="0"/>
           </a:p>
@@ -9339,13 +9420,13 @@
       </p:sp>
       <p:sp>
         <p:nvSpPr>
-          <p:cNvPr id="7" name="矩形 6"/>
+          <p:cNvPr id="9" name="矩形 8"/>
           <p:cNvSpPr/>
           <p:nvPr/>
         </p:nvSpPr>
         <p:spPr>
           <a:xfrm>
-            <a:off x="4469423" y="4178427"/>
+            <a:off x="7397261" y="4974514"/>
             <a:ext cx="1186962" cy="509954"/>
           </a:xfrm>
           <a:prstGeom prst="rect">
@@ -9353,15 +9434,13 @@
           </a:prstGeom>
         </p:spPr>
         <p:style>
-          <a:lnRef idx="2">
-            <a:schemeClr val="accent1">
-              <a:shade val="50000"/>
-            </a:schemeClr>
+          <a:lnRef idx="0">
+            <a:schemeClr val="accent1"/>
           </a:lnRef>
-          <a:fillRef idx="1">
+          <a:fillRef idx="3">
             <a:schemeClr val="accent1"/>
           </a:fillRef>
-          <a:effectRef idx="0">
+          <a:effectRef idx="3">
             <a:schemeClr val="accent1"/>
           </a:effectRef>
           <a:fontRef idx="minor">
@@ -9374,8 +9453,12 @@
           <a:p>
             <a:pPr algn="ctr"/>
             <a:r>
+              <a:rPr lang="zh-TW" altLang="en-US" dirty="0"/>
+              <a:t>存入</a:t>
+            </a:r>
+            <a:r>
               <a:rPr lang="zh-TW" altLang="en-US" dirty="0" smtClean="0"/>
-              <a:t>回饋錯誤訊息</a:t>
+              <a:t>資料</a:t>
             </a:r>
             <a:endParaRPr lang="zh-TW" altLang="en-US" dirty="0"/>
           </a:p>
@@ -9383,13 +9466,13 @@
       </p:sp>
       <p:sp>
         <p:nvSpPr>
-          <p:cNvPr id="8" name="矩形 7"/>
+          <p:cNvPr id="11" name="矩形 10"/>
           <p:cNvSpPr/>
           <p:nvPr/>
         </p:nvSpPr>
         <p:spPr>
           <a:xfrm>
-            <a:off x="4469423" y="5659693"/>
+            <a:off x="7397262" y="3089600"/>
             <a:ext cx="1186962" cy="509954"/>
           </a:xfrm>
           <a:prstGeom prst="rect">
@@ -9397,109 +9480,586 @@
           </a:prstGeom>
         </p:spPr>
         <p:style>
-          <a:lnRef idx="2">
-            <a:schemeClr val="accent1">
-              <a:shade val="50000"/>
-            </a:schemeClr>
+          <a:lnRef idx="0">
+            <a:schemeClr val="accent1"/>
           </a:lnRef>
-          <a:fillRef idx="1">
+          <a:fillRef idx="3">
+            <a:schemeClr val="accent1"/>
+          </a:fillRef>
+          <a:effectRef idx="3">
+            <a:schemeClr val="accent1"/>
+          </a:effectRef>
+          <a:fontRef idx="minor">
+            <a:schemeClr val="lt1"/>
+          </a:fontRef>
+        </p:style>
+        <p:txBody>
+          <a:bodyPr rtlCol="0" anchor="ctr"/>
+          <a:lstStyle/>
+          <a:p>
+            <a:pPr algn="ctr"/>
+            <a:r>
+              <a:rPr lang="zh-TW" altLang="en-US" dirty="0" smtClean="0"/>
+              <a:t>檢查有無重複註冊</a:t>
+            </a:r>
+            <a:endParaRPr lang="zh-TW" altLang="en-US" dirty="0"/>
+          </a:p>
+        </p:txBody>
+      </p:sp>
+      <p:sp>
+        <p:nvSpPr>
+          <p:cNvPr id="23" name="流程圖: 決策 22"/>
+          <p:cNvSpPr/>
+          <p:nvPr/>
+        </p:nvSpPr>
+        <p:spPr>
+          <a:xfrm>
+            <a:off x="5146982" y="3015922"/>
+            <a:ext cx="1587317" cy="641839"/>
+          </a:xfrm>
+          <a:prstGeom prst="flowChartDecision">
+            <a:avLst/>
+          </a:prstGeom>
+        </p:spPr>
+        <p:style>
+          <a:lnRef idx="0">
+            <a:schemeClr val="accent1"/>
+          </a:lnRef>
+          <a:fillRef idx="3">
+            <a:schemeClr val="accent1"/>
+          </a:fillRef>
+          <a:effectRef idx="3">
+            <a:schemeClr val="accent1"/>
+          </a:effectRef>
+          <a:fontRef idx="minor">
+            <a:schemeClr val="lt1"/>
+          </a:fontRef>
+        </p:style>
+        <p:txBody>
+          <a:bodyPr rtlCol="0" anchor="ctr"/>
+          <a:lstStyle/>
+          <a:p>
+            <a:pPr algn="ctr"/>
+            <a:r>
+              <a:rPr lang="zh-TW" altLang="en-US" dirty="0" smtClean="0"/>
+              <a:t>檢查結果</a:t>
+            </a:r>
+            <a:endParaRPr lang="zh-TW" altLang="en-US" dirty="0"/>
+          </a:p>
+        </p:txBody>
+      </p:sp>
+      <p:sp>
+        <p:nvSpPr>
+          <p:cNvPr id="24" name="流程圖: 決策 23"/>
+          <p:cNvSpPr/>
+          <p:nvPr/>
+        </p:nvSpPr>
+        <p:spPr>
+          <a:xfrm>
+            <a:off x="7197084" y="3974886"/>
+            <a:ext cx="1587317" cy="641839"/>
+          </a:xfrm>
+          <a:prstGeom prst="flowChartDecision">
+            <a:avLst/>
+          </a:prstGeom>
+        </p:spPr>
+        <p:style>
+          <a:lnRef idx="0">
+            <a:schemeClr val="accent1"/>
+          </a:lnRef>
+          <a:fillRef idx="3">
+            <a:schemeClr val="accent1"/>
+          </a:fillRef>
+          <a:effectRef idx="3">
+            <a:schemeClr val="accent1"/>
+          </a:effectRef>
+          <a:fontRef idx="minor">
+            <a:schemeClr val="lt1"/>
+          </a:fontRef>
+        </p:style>
+        <p:txBody>
+          <a:bodyPr rtlCol="0" anchor="ctr"/>
+          <a:lstStyle/>
+          <a:p>
+            <a:pPr algn="ctr"/>
+            <a:r>
+              <a:rPr lang="zh-TW" altLang="en-US" dirty="0" smtClean="0"/>
+              <a:t>檢查結果</a:t>
+            </a:r>
+            <a:endParaRPr lang="zh-TW" altLang="en-US" dirty="0"/>
+          </a:p>
+        </p:txBody>
+      </p:sp>
+      <p:cxnSp>
+        <p:nvCxnSpPr>
+          <p:cNvPr id="30" name="肘形接點 29"/>
+          <p:cNvCxnSpPr>
+            <a:stCxn id="5" idx="3"/>
+            <a:endCxn id="6" idx="1"/>
+          </p:cNvCxnSpPr>
+          <p:nvPr/>
+        </p:nvCxnSpPr>
+        <p:spPr>
+          <a:xfrm flipV="1">
+            <a:off x="4378569" y="2332044"/>
+            <a:ext cx="968592" cy="938855"/>
+          </a:xfrm>
+          <a:prstGeom prst="bentConnector3">
+            <a:avLst>
+              <a:gd name="adj1" fmla="val 50000"/>
+            </a:avLst>
+          </a:prstGeom>
+          <a:ln w="38100">
+            <a:solidFill>
+              <a:schemeClr val="tx1"/>
+            </a:solidFill>
+            <a:headEnd type="none" w="med" len="med"/>
+            <a:tailEnd type="arrow" w="med" len="med"/>
+          </a:ln>
+        </p:spPr>
+        <p:style>
+          <a:lnRef idx="1">
+            <a:schemeClr val="accent1"/>
+          </a:lnRef>
+          <a:fillRef idx="0">
             <a:schemeClr val="accent1"/>
           </a:fillRef>
           <a:effectRef idx="0">
             <a:schemeClr val="accent1"/>
           </a:effectRef>
           <a:fontRef idx="minor">
-            <a:schemeClr val="lt1"/>
+            <a:schemeClr val="tx1"/>
           </a:fontRef>
         </p:style>
-        <p:txBody>
-          <a:bodyPr rtlCol="0" anchor="ctr"/>
-          <a:lstStyle/>
-          <a:p>
-            <a:pPr algn="ctr"/>
-            <a:r>
-              <a:rPr lang="zh-TW" altLang="en-US" dirty="0"/>
-              <a:t>成功</a:t>
-            </a:r>
-            <a:r>
-              <a:rPr lang="zh-TW" altLang="en-US" dirty="0" smtClean="0"/>
-              <a:t>訊息</a:t>
-            </a:r>
-            <a:endParaRPr lang="zh-TW" altLang="en-US" dirty="0"/>
-          </a:p>
-        </p:txBody>
-      </p:sp>
-      <p:sp>
-        <p:nvSpPr>
-          <p:cNvPr id="9" name="矩形 8"/>
-          <p:cNvSpPr/>
+      </p:cxnSp>
+      <p:cxnSp>
+        <p:nvCxnSpPr>
+          <p:cNvPr id="43" name="直線單箭頭接點 42"/>
+          <p:cNvCxnSpPr>
+            <a:stCxn id="4" idx="2"/>
+            <a:endCxn id="5" idx="0"/>
+          </p:cNvCxnSpPr>
           <p:nvPr/>
-        </p:nvSpPr>
+        </p:nvCxnSpPr>
         <p:spPr>
           <a:xfrm>
-            <a:off x="4469423" y="4919060"/>
-            <a:ext cx="1186962" cy="509954"/>
+            <a:off x="3705347" y="2730452"/>
+            <a:ext cx="0" cy="285470"/>
           </a:xfrm>
-          <a:prstGeom prst="rect">
+          <a:prstGeom prst="straightConnector1">
             <a:avLst/>
           </a:prstGeom>
+          <a:ln w="38100">
+            <a:solidFill>
+              <a:schemeClr val="tx1"/>
+            </a:solidFill>
+            <a:headEnd type="none" w="med" len="med"/>
+            <a:tailEnd type="arrow" w="med" len="med"/>
+          </a:ln>
         </p:spPr>
         <p:style>
-          <a:lnRef idx="2">
-            <a:schemeClr val="accent1">
-              <a:shade val="50000"/>
-            </a:schemeClr>
+          <a:lnRef idx="1">
+            <a:schemeClr val="accent1"/>
           </a:lnRef>
-          <a:fillRef idx="1">
+          <a:fillRef idx="0">
             <a:schemeClr val="accent1"/>
           </a:fillRef>
           <a:effectRef idx="0">
             <a:schemeClr val="accent1"/>
           </a:effectRef>
           <a:fontRef idx="minor">
-            <a:schemeClr val="lt1"/>
+            <a:schemeClr val="tx1"/>
           </a:fontRef>
         </p:style>
-        <p:txBody>
-          <a:bodyPr rtlCol="0" anchor="ctr"/>
-          <a:lstStyle/>
-          <a:p>
-            <a:pPr algn="ctr"/>
-            <a:r>
-              <a:rPr lang="zh-TW" altLang="en-US" dirty="0"/>
-              <a:t>寫入資料</a:t>
-            </a:r>
-          </a:p>
-        </p:txBody>
-      </p:sp>
-      <p:sp>
-        <p:nvSpPr>
-          <p:cNvPr id="11" name="矩形 10"/>
-          <p:cNvSpPr/>
+      </p:cxnSp>
+      <p:cxnSp>
+        <p:nvCxnSpPr>
+          <p:cNvPr id="44" name="直線單箭頭接點 43"/>
+          <p:cNvCxnSpPr>
+            <a:stCxn id="79" idx="2"/>
+            <a:endCxn id="4" idx="0"/>
+          </p:cNvCxnSpPr>
           <p:nvPr/>
-        </p:nvSpPr>
+        </p:nvCxnSpPr>
         <p:spPr>
           <a:xfrm>
-            <a:off x="4469423" y="3170242"/>
-            <a:ext cx="1186962" cy="509954"/>
+            <a:off x="3705347" y="1943823"/>
+            <a:ext cx="0" cy="276675"/>
           </a:xfrm>
-          <a:prstGeom prst="rect">
+          <a:prstGeom prst="straightConnector1">
             <a:avLst/>
           </a:prstGeom>
+          <a:ln w="38100">
+            <a:solidFill>
+              <a:schemeClr val="tx1"/>
+            </a:solidFill>
+            <a:headEnd type="none" w="med" len="med"/>
+            <a:tailEnd type="arrow" w="med" len="med"/>
+          </a:ln>
         </p:spPr>
         <p:style>
-          <a:lnRef idx="2">
-            <a:schemeClr val="accent1">
-              <a:shade val="50000"/>
-            </a:schemeClr>
+          <a:lnRef idx="1">
+            <a:schemeClr val="accent1"/>
           </a:lnRef>
-          <a:fillRef idx="1">
+          <a:fillRef idx="0">
             <a:schemeClr val="accent1"/>
           </a:fillRef>
           <a:effectRef idx="0">
             <a:schemeClr val="accent1"/>
           </a:effectRef>
           <a:fontRef idx="minor">
+            <a:schemeClr val="tx1"/>
+          </a:fontRef>
+        </p:style>
+      </p:cxnSp>
+      <p:cxnSp>
+        <p:nvCxnSpPr>
+          <p:cNvPr id="47" name="直線單箭頭接點 46"/>
+          <p:cNvCxnSpPr>
+            <a:stCxn id="6" idx="2"/>
+            <a:endCxn id="23" idx="0"/>
+          </p:cNvCxnSpPr>
+          <p:nvPr/>
+        </p:nvCxnSpPr>
+        <p:spPr>
+          <a:xfrm flipH="1">
+            <a:off x="5940641" y="2587021"/>
+            <a:ext cx="1" cy="428901"/>
+          </a:xfrm>
+          <a:prstGeom prst="straightConnector1">
+            <a:avLst/>
+          </a:prstGeom>
+          <a:ln w="38100">
+            <a:solidFill>
+              <a:schemeClr val="tx1"/>
+            </a:solidFill>
+            <a:headEnd type="none" w="med" len="med"/>
+            <a:tailEnd type="arrow" w="med" len="med"/>
+          </a:ln>
+        </p:spPr>
+        <p:style>
+          <a:lnRef idx="1">
+            <a:schemeClr val="accent1"/>
+          </a:lnRef>
+          <a:fillRef idx="0">
+            <a:schemeClr val="accent1"/>
+          </a:fillRef>
+          <a:effectRef idx="0">
+            <a:schemeClr val="accent1"/>
+          </a:effectRef>
+          <a:fontRef idx="minor">
+            <a:schemeClr val="tx1"/>
+          </a:fontRef>
+        </p:style>
+      </p:cxnSp>
+      <p:cxnSp>
+        <p:nvCxnSpPr>
+          <p:cNvPr id="52" name="直線單箭頭接點 51"/>
+          <p:cNvCxnSpPr>
+            <a:stCxn id="23" idx="2"/>
+            <a:endCxn id="7" idx="0"/>
+          </p:cNvCxnSpPr>
+          <p:nvPr/>
+        </p:nvCxnSpPr>
+        <p:spPr>
+          <a:xfrm>
+            <a:off x="5940641" y="3657761"/>
+            <a:ext cx="0" cy="383068"/>
+          </a:xfrm>
+          <a:prstGeom prst="straightConnector1">
+            <a:avLst/>
+          </a:prstGeom>
+          <a:ln w="38100">
+            <a:solidFill>
+              <a:schemeClr val="tx1"/>
+            </a:solidFill>
+            <a:headEnd type="none" w="med" len="med"/>
+            <a:tailEnd type="arrow" w="med" len="med"/>
+          </a:ln>
+        </p:spPr>
+        <p:style>
+          <a:lnRef idx="1">
+            <a:schemeClr val="accent1"/>
+          </a:lnRef>
+          <a:fillRef idx="0">
+            <a:schemeClr val="accent1"/>
+          </a:fillRef>
+          <a:effectRef idx="0">
+            <a:schemeClr val="accent1"/>
+          </a:effectRef>
+          <a:fontRef idx="minor">
+            <a:schemeClr val="tx1"/>
+          </a:fontRef>
+        </p:style>
+      </p:cxnSp>
+      <p:cxnSp>
+        <p:nvCxnSpPr>
+          <p:cNvPr id="55" name="肘形接點 54"/>
+          <p:cNvCxnSpPr>
+            <a:stCxn id="7" idx="1"/>
+            <a:endCxn id="4" idx="1"/>
+          </p:cNvCxnSpPr>
+          <p:nvPr/>
+        </p:nvCxnSpPr>
+        <p:spPr>
+          <a:xfrm rot="10800000">
+            <a:off x="3032126" y="2475476"/>
+            <a:ext cx="2315035" cy="1820331"/>
+          </a:xfrm>
+          <a:prstGeom prst="bentConnector3">
+            <a:avLst>
+              <a:gd name="adj1" fmla="val 109875"/>
+            </a:avLst>
+          </a:prstGeom>
+          <a:ln w="38100">
+            <a:solidFill>
+              <a:schemeClr val="tx1"/>
+            </a:solidFill>
+            <a:headEnd type="none" w="med" len="med"/>
+            <a:tailEnd type="arrow" w="med" len="med"/>
+          </a:ln>
+        </p:spPr>
+        <p:style>
+          <a:lnRef idx="1">
+            <a:schemeClr val="accent1"/>
+          </a:lnRef>
+          <a:fillRef idx="0">
+            <a:schemeClr val="accent1"/>
+          </a:fillRef>
+          <a:effectRef idx="0">
+            <a:schemeClr val="accent1"/>
+          </a:effectRef>
+          <a:fontRef idx="minor">
+            <a:schemeClr val="tx1"/>
+          </a:fontRef>
+        </p:style>
+      </p:cxnSp>
+      <p:cxnSp>
+        <p:nvCxnSpPr>
+          <p:cNvPr id="60" name="直線單箭頭接點 59"/>
+          <p:cNvCxnSpPr>
+            <a:stCxn id="23" idx="3"/>
+            <a:endCxn id="11" idx="1"/>
+          </p:cNvCxnSpPr>
+          <p:nvPr/>
+        </p:nvCxnSpPr>
+        <p:spPr>
+          <a:xfrm>
+            <a:off x="6734299" y="3336842"/>
+            <a:ext cx="662963" cy="7735"/>
+          </a:xfrm>
+          <a:prstGeom prst="straightConnector1">
+            <a:avLst/>
+          </a:prstGeom>
+          <a:ln w="38100">
+            <a:solidFill>
+              <a:schemeClr val="tx1"/>
+            </a:solidFill>
+            <a:headEnd type="none" w="med" len="med"/>
+            <a:tailEnd type="arrow" w="med" len="med"/>
+          </a:ln>
+        </p:spPr>
+        <p:style>
+          <a:lnRef idx="1">
+            <a:schemeClr val="accent1"/>
+          </a:lnRef>
+          <a:fillRef idx="0">
+            <a:schemeClr val="accent1"/>
+          </a:fillRef>
+          <a:effectRef idx="0">
+            <a:schemeClr val="accent1"/>
+          </a:effectRef>
+          <a:fontRef idx="minor">
+            <a:schemeClr val="tx1"/>
+          </a:fontRef>
+        </p:style>
+      </p:cxnSp>
+      <p:cxnSp>
+        <p:nvCxnSpPr>
+          <p:cNvPr id="64" name="直線單箭頭接點 63"/>
+          <p:cNvCxnSpPr>
+            <a:stCxn id="11" idx="2"/>
+            <a:endCxn id="24" idx="0"/>
+          </p:cNvCxnSpPr>
+          <p:nvPr/>
+        </p:nvCxnSpPr>
+        <p:spPr>
+          <a:xfrm>
+            <a:off x="7990743" y="3599554"/>
+            <a:ext cx="0" cy="375332"/>
+          </a:xfrm>
+          <a:prstGeom prst="straightConnector1">
+            <a:avLst/>
+          </a:prstGeom>
+          <a:ln w="38100">
+            <a:solidFill>
+              <a:schemeClr val="tx1"/>
+            </a:solidFill>
+            <a:headEnd type="none" w="med" len="med"/>
+            <a:tailEnd type="arrow" w="med" len="med"/>
+          </a:ln>
+        </p:spPr>
+        <p:style>
+          <a:lnRef idx="1">
+            <a:schemeClr val="accent1"/>
+          </a:lnRef>
+          <a:fillRef idx="0">
+            <a:schemeClr val="accent1"/>
+          </a:fillRef>
+          <a:effectRef idx="0">
+            <a:schemeClr val="accent1"/>
+          </a:effectRef>
+          <a:fontRef idx="minor">
+            <a:schemeClr val="tx1"/>
+          </a:fontRef>
+        </p:style>
+      </p:cxnSp>
+      <p:cxnSp>
+        <p:nvCxnSpPr>
+          <p:cNvPr id="67" name="直線單箭頭接點 66"/>
+          <p:cNvCxnSpPr>
+            <a:stCxn id="24" idx="1"/>
+            <a:endCxn id="7" idx="3"/>
+          </p:cNvCxnSpPr>
+          <p:nvPr/>
+        </p:nvCxnSpPr>
+        <p:spPr>
+          <a:xfrm flipH="1">
+            <a:off x="6534122" y="4295806"/>
+            <a:ext cx="662962" cy="0"/>
+          </a:xfrm>
+          <a:prstGeom prst="straightConnector1">
+            <a:avLst/>
+          </a:prstGeom>
+          <a:ln w="38100">
+            <a:solidFill>
+              <a:schemeClr val="tx1"/>
+            </a:solidFill>
+            <a:headEnd type="none" w="med" len="med"/>
+            <a:tailEnd type="arrow" w="med" len="med"/>
+          </a:ln>
+        </p:spPr>
+        <p:style>
+          <a:lnRef idx="1">
+            <a:schemeClr val="accent1"/>
+          </a:lnRef>
+          <a:fillRef idx="0">
+            <a:schemeClr val="accent1"/>
+          </a:fillRef>
+          <a:effectRef idx="0">
+            <a:schemeClr val="accent1"/>
+          </a:effectRef>
+          <a:fontRef idx="minor">
+            <a:schemeClr val="tx1"/>
+          </a:fontRef>
+        </p:style>
+      </p:cxnSp>
+      <p:cxnSp>
+        <p:nvCxnSpPr>
+          <p:cNvPr id="70" name="直線單箭頭接點 69"/>
+          <p:cNvCxnSpPr>
+            <a:stCxn id="24" idx="2"/>
+            <a:endCxn id="9" idx="0"/>
+          </p:cNvCxnSpPr>
+          <p:nvPr/>
+        </p:nvCxnSpPr>
+        <p:spPr>
+          <a:xfrm flipH="1">
+            <a:off x="7990742" y="4616725"/>
+            <a:ext cx="1" cy="357789"/>
+          </a:xfrm>
+          <a:prstGeom prst="straightConnector1">
+            <a:avLst/>
+          </a:prstGeom>
+          <a:ln w="38100">
+            <a:solidFill>
+              <a:schemeClr val="tx1"/>
+            </a:solidFill>
+            <a:headEnd type="none" w="med" len="med"/>
+            <a:tailEnd type="arrow" w="med" len="med"/>
+          </a:ln>
+        </p:spPr>
+        <p:style>
+          <a:lnRef idx="1">
+            <a:schemeClr val="accent1"/>
+          </a:lnRef>
+          <a:fillRef idx="0">
+            <a:schemeClr val="accent1"/>
+          </a:fillRef>
+          <a:effectRef idx="0">
+            <a:schemeClr val="accent1"/>
+          </a:effectRef>
+          <a:fontRef idx="minor">
+            <a:schemeClr val="tx1"/>
+          </a:fontRef>
+        </p:style>
+      </p:cxnSp>
+      <p:cxnSp>
+        <p:nvCxnSpPr>
+          <p:cNvPr id="73" name="直線單箭頭接點 72"/>
+          <p:cNvCxnSpPr>
+            <a:stCxn id="9" idx="2"/>
+            <a:endCxn id="8" idx="0"/>
+          </p:cNvCxnSpPr>
+          <p:nvPr/>
+        </p:nvCxnSpPr>
+        <p:spPr>
+          <a:xfrm>
+            <a:off x="7990742" y="5484468"/>
+            <a:ext cx="0" cy="392963"/>
+          </a:xfrm>
+          <a:prstGeom prst="straightConnector1">
+            <a:avLst/>
+          </a:prstGeom>
+          <a:ln w="38100">
+            <a:solidFill>
+              <a:schemeClr val="tx1"/>
+            </a:solidFill>
+            <a:headEnd type="none" w="med" len="med"/>
+            <a:tailEnd type="arrow" w="med" len="med"/>
+          </a:ln>
+        </p:spPr>
+        <p:style>
+          <a:lnRef idx="1">
+            <a:schemeClr val="accent1"/>
+          </a:lnRef>
+          <a:fillRef idx="0">
+            <a:schemeClr val="accent1"/>
+          </a:fillRef>
+          <a:effectRef idx="0">
+            <a:schemeClr val="accent1"/>
+          </a:effectRef>
+          <a:fontRef idx="minor">
+            <a:schemeClr val="tx1"/>
+          </a:fontRef>
+        </p:style>
+      </p:cxnSp>
+      <p:sp>
+        <p:nvSpPr>
+          <p:cNvPr id="79" name="圓角矩形 78"/>
+          <p:cNvSpPr/>
+          <p:nvPr/>
+        </p:nvSpPr>
+        <p:spPr>
+          <a:xfrm>
+            <a:off x="3221770" y="1433869"/>
+            <a:ext cx="967154" cy="509954"/>
+          </a:xfrm>
+          <a:prstGeom prst="roundRect">
+            <a:avLst/>
+          </a:prstGeom>
+        </p:spPr>
+        <p:style>
+          <a:lnRef idx="0">
+            <a:schemeClr val="accent1"/>
+          </a:lnRef>
+          <a:fillRef idx="3">
+            <a:schemeClr val="accent1"/>
+          </a:fillRef>
+          <a:effectRef idx="3">
+            <a:schemeClr val="accent1"/>
+          </a:effectRef>
+          <a:fontRef idx="minor">
             <a:schemeClr val="lt1"/>
           </a:fontRef>
         </p:style>
@@ -9510,12 +10070,94 @@
             <a:pPr algn="ctr"/>
             <a:r>
               <a:rPr lang="zh-TW" altLang="en-US" dirty="0" smtClean="0"/>
-              <a:t>檢查重複</a:t>
+              <a:t>開始</a:t>
             </a:r>
             <a:endParaRPr lang="zh-TW" altLang="en-US" dirty="0"/>
           </a:p>
         </p:txBody>
       </p:sp>
+      <p:sp>
+        <p:nvSpPr>
+          <p:cNvPr id="95" name="圓角矩形 94"/>
+          <p:cNvSpPr/>
+          <p:nvPr/>
+        </p:nvSpPr>
+        <p:spPr>
+          <a:xfrm>
+            <a:off x="5457063" y="5877431"/>
+            <a:ext cx="967154" cy="509954"/>
+          </a:xfrm>
+          <a:prstGeom prst="roundRect">
+            <a:avLst/>
+          </a:prstGeom>
+        </p:spPr>
+        <p:style>
+          <a:lnRef idx="0">
+            <a:schemeClr val="accent1"/>
+          </a:lnRef>
+          <a:fillRef idx="3">
+            <a:schemeClr val="accent1"/>
+          </a:fillRef>
+          <a:effectRef idx="3">
+            <a:schemeClr val="accent1"/>
+          </a:effectRef>
+          <a:fontRef idx="minor">
+            <a:schemeClr val="lt1"/>
+          </a:fontRef>
+        </p:style>
+        <p:txBody>
+          <a:bodyPr rtlCol="0" anchor="ctr"/>
+          <a:lstStyle/>
+          <a:p>
+            <a:pPr algn="ctr"/>
+            <a:r>
+              <a:rPr lang="zh-TW" altLang="en-US" dirty="0" smtClean="0"/>
+              <a:t>結束</a:t>
+            </a:r>
+            <a:endParaRPr lang="zh-TW" altLang="en-US" dirty="0"/>
+          </a:p>
+        </p:txBody>
+      </p:sp>
+      <p:cxnSp>
+        <p:nvCxnSpPr>
+          <p:cNvPr id="96" name="直線單箭頭接點 95"/>
+          <p:cNvCxnSpPr>
+            <a:stCxn id="8" idx="1"/>
+            <a:endCxn id="95" idx="3"/>
+          </p:cNvCxnSpPr>
+          <p:nvPr/>
+        </p:nvCxnSpPr>
+        <p:spPr>
+          <a:xfrm flipH="1">
+            <a:off x="6424217" y="6132408"/>
+            <a:ext cx="973044" cy="0"/>
+          </a:xfrm>
+          <a:prstGeom prst="straightConnector1">
+            <a:avLst/>
+          </a:prstGeom>
+          <a:ln w="38100">
+            <a:solidFill>
+              <a:schemeClr val="tx1"/>
+            </a:solidFill>
+            <a:headEnd type="none" w="med" len="med"/>
+            <a:tailEnd type="arrow" w="med" len="med"/>
+          </a:ln>
+        </p:spPr>
+        <p:style>
+          <a:lnRef idx="1">
+            <a:schemeClr val="accent1"/>
+          </a:lnRef>
+          <a:fillRef idx="0">
+            <a:schemeClr val="accent1"/>
+          </a:fillRef>
+          <a:effectRef idx="0">
+            <a:schemeClr val="accent1"/>
+          </a:effectRef>
+          <a:fontRef idx="minor">
+            <a:schemeClr val="tx1"/>
+          </a:fontRef>
+        </p:style>
+      </p:cxnSp>
     </p:spTree>
     <p:extLst>
       <p:ext uri="{BB962C8B-B14F-4D97-AF65-F5344CB8AC3E}">
@@ -9710,105 +10352,120 @@
             </a:r>
             <a:r>
               <a:rPr lang="en-US" altLang="zh-TW" dirty="0" smtClean="0"/>
-              <a:t>20</a:t>
+              <a:t>6~20</a:t>
             </a:r>
             <a:r>
               <a:rPr lang="zh-TW" altLang="en-US" dirty="0" smtClean="0"/>
-              <a:t>字元以內、必須是英文或數字</a:t>
+              <a:t>字元、</a:t>
+            </a:r>
+            <a:r>
+              <a:rPr lang="zh-TW" altLang="en-US" dirty="0" smtClean="0"/>
+              <a:t>必須是英文或數字</a:t>
             </a:r>
             <a:endParaRPr lang="en-US" altLang="zh-TW" dirty="0" smtClean="0"/>
           </a:p>
           <a:p>
             <a:r>
+              <a:rPr lang="zh-TW" altLang="en-US" dirty="0" smtClean="0"/>
+              <a:t>姓名</a:t>
+            </a:r>
+            <a:r>
+              <a:rPr lang="en-US" altLang="zh-TW" dirty="0" smtClean="0"/>
+              <a:t>3~20</a:t>
+            </a:r>
+            <a:r>
               <a:rPr lang="zh-TW" altLang="en-US" dirty="0"/>
-              <a:t>姓名</a:t>
+              <a:t>字元</a:t>
+            </a:r>
+            <a:r>
+              <a:rPr lang="zh-TW" altLang="en-US" dirty="0" smtClean="0"/>
+              <a:t>以內</a:t>
+            </a:r>
+            <a:endParaRPr lang="en-US" altLang="zh-TW" dirty="0" smtClean="0"/>
+          </a:p>
+          <a:p>
+            <a:r>
+              <a:rPr lang="zh-TW" altLang="en-US" dirty="0" smtClean="0"/>
+              <a:t>性別必須為</a:t>
+            </a:r>
+            <a:r>
+              <a:rPr lang="en-US" altLang="zh-TW" dirty="0" smtClean="0"/>
+              <a:t>0</a:t>
+            </a:r>
+            <a:r>
+              <a:rPr lang="zh-TW" altLang="en-US" dirty="0" smtClean="0"/>
+              <a:t>或</a:t>
+            </a:r>
+            <a:r>
+              <a:rPr lang="en-US" altLang="zh-TW" dirty="0" smtClean="0"/>
+              <a:t>1</a:t>
+            </a:r>
+          </a:p>
+          <a:p>
+            <a:r>
+              <a:rPr lang="zh-TW" altLang="en-US" dirty="0"/>
+              <a:t>信箱必須為信箱</a:t>
+            </a:r>
+            <a:r>
+              <a:rPr lang="zh-TW" altLang="en-US" dirty="0" smtClean="0"/>
+              <a:t>格式、</a:t>
+            </a:r>
+            <a:r>
+              <a:rPr lang="en-US" altLang="zh-TW" dirty="0"/>
+              <a:t> </a:t>
             </a:r>
             <a:r>
               <a:rPr lang="en-US" altLang="zh-TW" dirty="0" smtClean="0"/>
               <a:t>20</a:t>
             </a:r>
             <a:r>
+              <a:rPr lang="zh-TW" altLang="en-US" dirty="0" smtClean="0"/>
+              <a:t>字元以內</a:t>
+            </a:r>
+            <a:endParaRPr lang="en-US" altLang="zh-TW" dirty="0" smtClean="0"/>
+          </a:p>
+          <a:p>
+            <a:r>
               <a:rPr lang="zh-TW" altLang="en-US" dirty="0"/>
-              <a:t>字元</a:t>
+              <a:t>學歷必須</a:t>
             </a:r>
             <a:r>
               <a:rPr lang="zh-TW" altLang="en-US" dirty="0" smtClean="0"/>
-              <a:t>以內</a:t>
+              <a:t>為</a:t>
+            </a:r>
+            <a:r>
+              <a:rPr lang="en-US" altLang="zh-TW" dirty="0" smtClean="0"/>
+              <a:t>1~7</a:t>
+            </a:r>
+            <a:r>
+              <a:rPr lang="zh-TW" altLang="en-US" dirty="0" smtClean="0"/>
+              <a:t>整數</a:t>
             </a:r>
             <a:endParaRPr lang="en-US" altLang="zh-TW" dirty="0" smtClean="0"/>
           </a:p>
           <a:p>
             <a:r>
               <a:rPr lang="zh-TW" altLang="en-US" dirty="0" smtClean="0"/>
-              <a:t>性別必須為</a:t>
+              <a:t>擅長程式語言可沒選、有選必須為</a:t>
             </a:r>
             <a:r>
               <a:rPr lang="en-US" altLang="zh-TW" dirty="0" smtClean="0"/>
-              <a:t>0</a:t>
+              <a:t>1~5</a:t>
             </a:r>
             <a:r>
               <a:rPr lang="zh-TW" altLang="en-US" dirty="0" smtClean="0"/>
-              <a:t>或</a:t>
-            </a:r>
-            <a:r>
-              <a:rPr lang="en-US" altLang="zh-TW" dirty="0" smtClean="0"/>
-              <a:t>1</a:t>
-            </a:r>
-          </a:p>
-          <a:p>
-            <a:r>
-              <a:rPr lang="zh-TW" altLang="en-US" dirty="0"/>
-              <a:t>信箱必須為信箱</a:t>
-            </a:r>
+              <a:t>整數</a:t>
+            </a:r>
+            <a:endParaRPr lang="en-US" altLang="zh-TW" dirty="0" smtClean="0"/>
+          </a:p>
+          <a:p>
             <a:r>
               <a:rPr lang="zh-TW" altLang="en-US" dirty="0" smtClean="0"/>
-              <a:t>格式、</a:t>
-            </a:r>
-            <a:r>
-              <a:rPr lang="en-US" altLang="zh-TW" dirty="0"/>
-              <a:t> 20</a:t>
-            </a:r>
-            <a:r>
-              <a:rPr lang="zh-TW" altLang="en-US" dirty="0"/>
-              <a:t>字元</a:t>
+              <a:t>密碼</a:t>
             </a:r>
             <a:r>
               <a:rPr lang="zh-TW" altLang="en-US" dirty="0" smtClean="0"/>
-              <a:t>以內</a:t>
-            </a:r>
-            <a:endParaRPr lang="en-US" altLang="zh-TW" dirty="0" smtClean="0"/>
-          </a:p>
-          <a:p>
-            <a:r>
-              <a:rPr lang="zh-TW" altLang="en-US" dirty="0"/>
-              <a:t>擅長程式</a:t>
-            </a:r>
-            <a:r>
-              <a:rPr lang="zh-TW" altLang="en-US" dirty="0" smtClean="0"/>
-              <a:t>語言可沒選、有選必須為大於</a:t>
-            </a:r>
-            <a:r>
-              <a:rPr lang="en-US" altLang="zh-TW" dirty="0"/>
-              <a:t>0</a:t>
-            </a:r>
-            <a:r>
-              <a:rPr lang="zh-TW" altLang="en-US" dirty="0" smtClean="0"/>
-              <a:t>、小於</a:t>
-            </a:r>
-            <a:r>
-              <a:rPr lang="en-US" altLang="zh-TW" dirty="0" smtClean="0"/>
-              <a:t>6</a:t>
-            </a:r>
-            <a:r>
-              <a:rPr lang="zh-TW" altLang="en-US" dirty="0" smtClean="0"/>
-              <a:t>、整數</a:t>
-            </a:r>
-            <a:endParaRPr lang="en-US" altLang="zh-TW" dirty="0" smtClean="0"/>
-          </a:p>
-          <a:p>
-            <a:r>
-              <a:rPr lang="zh-TW" altLang="en-US" dirty="0" smtClean="0"/>
-              <a:t>密碼英文大小寫</a:t>
+              <a:t>英文大小寫</a:t>
             </a:r>
             <a:r>
               <a:rPr lang="en-US" altLang="zh-TW" dirty="0" smtClean="0"/>
@@ -9824,6 +10481,14 @@
             </a:r>
             <a:r>
               <a:rPr lang="zh-TW" altLang="en-US" dirty="0" smtClean="0"/>
+              <a:t>碼最多</a:t>
+            </a:r>
+            <a:r>
+              <a:rPr lang="en-US" altLang="zh-TW" dirty="0" smtClean="0"/>
+              <a:t>30</a:t>
+            </a:r>
+            <a:r>
+              <a:rPr lang="zh-TW" altLang="en-US" dirty="0" smtClean="0"/>
               <a:t>碼</a:t>
             </a:r>
             <a:endParaRPr lang="en-US" altLang="zh-TW" dirty="0" smtClean="0"/>
@@ -9831,27 +10496,8 @@
           <a:p>
             <a:r>
               <a:rPr lang="zh-TW" altLang="en-US" dirty="0" smtClean="0"/>
-              <a:t>學歷必須為大於</a:t>
-            </a:r>
-            <a:r>
-              <a:rPr lang="en-US" altLang="zh-TW" dirty="0"/>
-              <a:t>0</a:t>
-            </a:r>
-            <a:r>
-              <a:rPr lang="zh-TW" altLang="en-US" dirty="0" smtClean="0"/>
-              <a:t>、小於</a:t>
-            </a:r>
-            <a:r>
-              <a:rPr lang="en-US" altLang="zh-TW" dirty="0" smtClean="0"/>
-              <a:t>8</a:t>
-            </a:r>
-            <a:r>
-              <a:rPr lang="zh-TW" altLang="en-US" dirty="0" smtClean="0"/>
-              <a:t>、整數</a:t>
-            </a:r>
-            <a:endParaRPr lang="en-US" altLang="zh-TW" dirty="0" smtClean="0"/>
-          </a:p>
-          <a:p>
+              <a:t>密碼與重新輸入密碼必須一致</a:t>
+            </a:r>
             <a:endParaRPr lang="en-US" altLang="zh-TW" dirty="0"/>
           </a:p>
           <a:p>
@@ -9928,25 +10574,36 @@
           </a:p>
         </p:txBody>
       </p:sp>
-      <p:sp>
-        <p:nvSpPr>
-          <p:cNvPr id="3" name="內容版面配置區 2"/>
-          <p:cNvSpPr>
-            <a:spLocks noGrp="1"/>
-          </p:cNvSpPr>
-          <p:nvPr>
-            <p:ph idx="1"/>
-          </p:nvPr>
-        </p:nvSpPr>
-        <p:spPr/>
-        <p:txBody>
-          <a:bodyPr/>
-          <a:lstStyle/>
-          <a:p>
-            <a:endParaRPr lang="zh-TW" altLang="en-US"/>
-          </a:p>
-        </p:txBody>
-      </p:sp>
+      <p:pic>
+        <p:nvPicPr>
+          <p:cNvPr id="5" name="圖片 4" descr="畫面剪輯"/>
+          <p:cNvPicPr>
+            <a:picLocks noChangeAspect="1"/>
+          </p:cNvPicPr>
+          <p:nvPr/>
+        </p:nvPicPr>
+        <p:blipFill>
+          <a:blip r:embed="rId2">
+            <a:extLst>
+              <a:ext uri="{28A0092B-C50C-407E-A947-70E740481C1C}">
+                <a14:useLocalDpi xmlns:a14="http://schemas.microsoft.com/office/drawing/2010/main" val="0"/>
+              </a:ext>
+            </a:extLst>
+          </a:blip>
+          <a:stretch>
+            <a:fillRect/>
+          </a:stretch>
+        </p:blipFill>
+        <p:spPr>
+          <a:xfrm>
+            <a:off x="1223930" y="1257300"/>
+            <a:ext cx="7887241" cy="5486400"/>
+          </a:xfrm>
+          <a:prstGeom prst="rect">
+            <a:avLst/>
+          </a:prstGeom>
+        </p:spPr>
+      </p:pic>
     </p:spTree>
     <p:extLst>
       <p:ext uri="{BB962C8B-B14F-4D97-AF65-F5344CB8AC3E}">
@@ -10005,16 +10662,15 @@
           <a:lstStyle/>
           <a:p>
             <a:r>
-              <a:rPr lang="zh-TW" altLang="en-US" dirty="0" smtClean="0"/>
-              <a:t>檢查帳號重複註冊程式</a:t>
-            </a:r>
-            <a:endParaRPr lang="zh-TW" altLang="en-US" dirty="0"/>
-          </a:p>
-        </p:txBody>
-      </p:sp>
-      <p:sp>
-        <p:nvSpPr>
-          <p:cNvPr id="3" name="內容版面配置區 2"/>
+              <a:rPr lang="zh-TW" altLang="en-US" dirty="0"/>
+              <a:t>註冊資料檢查程式</a:t>
+            </a:r>
+          </a:p>
+        </p:txBody>
+      </p:sp>
+      <p:sp>
+        <p:nvSpPr>
+          <p:cNvPr id="6" name="內容版面配置區 5"/>
           <p:cNvSpPr>
             <a:spLocks noGrp="1"/>
           </p:cNvSpPr>
@@ -10022,19 +10678,58 @@
             <p:ph idx="1"/>
           </p:nvPr>
         </p:nvSpPr>
-        <p:spPr/>
+        <p:spPr>
+          <a:xfrm>
+            <a:off x="1223930" y="1666876"/>
+            <a:ext cx="3787685" cy="4510088"/>
+          </a:xfrm>
+        </p:spPr>
         <p:txBody>
           <a:bodyPr/>
           <a:lstStyle/>
           <a:p>
-            <a:endParaRPr lang="zh-TW" altLang="en-US"/>
-          </a:p>
-        </p:txBody>
-      </p:sp>
+            <a:r>
+              <a:rPr lang="zh-TW" altLang="en-US" dirty="0" smtClean="0"/>
+              <a:t>用方法整理檢查程式</a:t>
+            </a:r>
+            <a:endParaRPr lang="zh-TW" altLang="en-US" dirty="0"/>
+          </a:p>
+        </p:txBody>
+      </p:sp>
+      <p:pic>
+        <p:nvPicPr>
+          <p:cNvPr id="7" name="內容版面配置區 3" descr="畫面剪輯"/>
+          <p:cNvPicPr>
+            <a:picLocks noChangeAspect="1"/>
+          </p:cNvPicPr>
+          <p:nvPr/>
+        </p:nvPicPr>
+        <p:blipFill>
+          <a:blip r:embed="rId2">
+            <a:extLst>
+              <a:ext uri="{28A0092B-C50C-407E-A947-70E740481C1C}">
+                <a14:useLocalDpi xmlns:a14="http://schemas.microsoft.com/office/drawing/2010/main" val="0"/>
+              </a:ext>
+            </a:extLst>
+          </a:blip>
+          <a:stretch>
+            <a:fillRect/>
+          </a:stretch>
+        </p:blipFill>
+        <p:spPr>
+          <a:xfrm>
+            <a:off x="5143501" y="1101597"/>
+            <a:ext cx="7048500" cy="5756404"/>
+          </a:xfrm>
+          <a:prstGeom prst="rect">
+            <a:avLst/>
+          </a:prstGeom>
+        </p:spPr>
+      </p:pic>
     </p:spTree>
     <p:extLst>
       <p:ext uri="{BB962C8B-B14F-4D97-AF65-F5344CB8AC3E}">
-        <p14:creationId xmlns:p14="http://schemas.microsoft.com/office/powerpoint/2010/main" val="3584183568"/>
+        <p14:creationId xmlns:p14="http://schemas.microsoft.com/office/powerpoint/2010/main" val="3594894133"/>
       </p:ext>
     </p:extLst>
   </p:cSld>
@@ -10089,52 +10784,46 @@
           <a:lstStyle/>
           <a:p>
             <a:r>
-              <a:rPr lang="zh-TW" altLang="en-US" dirty="0"/>
-              <a:t>註冊</a:t>
-            </a:r>
-            <a:r>
               <a:rPr lang="zh-TW" altLang="en-US" dirty="0" smtClean="0"/>
-              <a:t>資料寫入</a:t>
-            </a:r>
-            <a:r>
-              <a:rPr lang="en-US" altLang="zh-TW" dirty="0" smtClean="0"/>
-              <a:t>DB</a:t>
-            </a:r>
-            <a:r>
-              <a:rPr lang="zh-TW" altLang="en-US" dirty="0" smtClean="0"/>
-              <a:t>程式</a:t>
+              <a:t>檢查帳號重複註冊程式</a:t>
             </a:r>
             <a:endParaRPr lang="zh-TW" altLang="en-US" dirty="0"/>
           </a:p>
         </p:txBody>
       </p:sp>
-      <p:sp>
-        <p:nvSpPr>
-          <p:cNvPr id="3" name="內容版面配置區 2"/>
-          <p:cNvSpPr>
-            <a:spLocks noGrp="1"/>
-          </p:cNvSpPr>
+      <p:pic>
+        <p:nvPicPr>
+          <p:cNvPr id="4" name="內容版面配置區 3" descr="畫面剪輯"/>
+          <p:cNvPicPr>
+            <a:picLocks noGrp="1" noChangeAspect="1"/>
+          </p:cNvPicPr>
           <p:nvPr>
             <p:ph idx="1"/>
           </p:nvPr>
-        </p:nvSpPr>
-        <p:spPr/>
-        <p:txBody>
-          <a:bodyPr/>
-          <a:lstStyle/>
-          <a:p>
-            <a:r>
-              <a:rPr lang="zh-TW" altLang="en-US" dirty="0" smtClean="0"/>
-              <a:t>密碼雜湊</a:t>
-            </a:r>
-            <a:endParaRPr lang="zh-TW" altLang="en-US" dirty="0"/>
-          </a:p>
-        </p:txBody>
-      </p:sp>
+        </p:nvPicPr>
+        <p:blipFill>
+          <a:blip r:embed="rId2">
+            <a:extLst>
+              <a:ext uri="{28A0092B-C50C-407E-A947-70E740481C1C}">
+                <a14:useLocalDpi xmlns:a14="http://schemas.microsoft.com/office/drawing/2010/main" val="0"/>
+              </a:ext>
+            </a:extLst>
+          </a:blip>
+          <a:stretch>
+            <a:fillRect/>
+          </a:stretch>
+        </p:blipFill>
+        <p:spPr>
+          <a:xfrm>
+            <a:off x="1223930" y="2287907"/>
+            <a:ext cx="9644062" cy="3654885"/>
+          </a:xfrm>
+        </p:spPr>
+      </p:pic>
     </p:spTree>
     <p:extLst>
       <p:ext uri="{BB962C8B-B14F-4D97-AF65-F5344CB8AC3E}">
-        <p14:creationId xmlns:p14="http://schemas.microsoft.com/office/powerpoint/2010/main" val="3201030108"/>
+        <p14:creationId xmlns:p14="http://schemas.microsoft.com/office/powerpoint/2010/main" val="3584183568"/>
       </p:ext>
     </p:extLst>
   </p:cSld>
@@ -10190,75 +10879,45 @@
           <a:p>
             <a:r>
               <a:rPr lang="zh-TW" altLang="en-US" dirty="0" smtClean="0"/>
-              <a:t>登入</a:t>
+              <a:t>檢查帳號重複註冊程式</a:t>
             </a:r>
             <a:endParaRPr lang="zh-TW" altLang="en-US" dirty="0"/>
           </a:p>
         </p:txBody>
       </p:sp>
-      <p:sp>
-        <p:nvSpPr>
-          <p:cNvPr id="3" name="內容版面配置區 2"/>
-          <p:cNvSpPr>
-            <a:spLocks noGrp="1"/>
-          </p:cNvSpPr>
+      <p:pic>
+        <p:nvPicPr>
+          <p:cNvPr id="5" name="內容版面配置區 4" descr="畫面剪輯"/>
+          <p:cNvPicPr>
+            <a:picLocks noGrp="1" noChangeAspect="1"/>
+          </p:cNvPicPr>
           <p:nvPr>
             <p:ph idx="1"/>
           </p:nvPr>
-        </p:nvSpPr>
-        <p:spPr/>
-        <p:txBody>
-          <a:bodyPr/>
-          <a:lstStyle/>
-          <a:p>
-            <a:r>
-              <a:rPr lang="zh-TW" altLang="en-US" dirty="0" smtClean="0"/>
-              <a:t>檢查輸入資料</a:t>
-            </a:r>
-            <a:endParaRPr lang="en-US" altLang="zh-TW" dirty="0" smtClean="0"/>
-          </a:p>
-          <a:p>
-            <a:r>
-              <a:rPr lang="zh-TW" altLang="en-US" dirty="0" smtClean="0"/>
-              <a:t>資料庫抓出比對</a:t>
-            </a:r>
-            <a:endParaRPr lang="en-US" altLang="zh-TW" dirty="0" smtClean="0"/>
-          </a:p>
-          <a:p>
-            <a:r>
-              <a:rPr lang="zh-TW" altLang="en-US" dirty="0"/>
-              <a:t>寫入</a:t>
-            </a:r>
-            <a:r>
-              <a:rPr lang="en-US" altLang="zh-TW" dirty="0" smtClean="0"/>
-              <a:t>session</a:t>
-            </a:r>
-          </a:p>
-          <a:p>
-            <a:r>
-              <a:rPr lang="zh-TW" altLang="en-US" dirty="0" smtClean="0"/>
-              <a:t>已登入進首頁</a:t>
-            </a:r>
-            <a:r>
-              <a:rPr lang="en-US" altLang="zh-TW" dirty="0" smtClean="0"/>
-              <a:t>(</a:t>
-            </a:r>
-            <a:r>
-              <a:rPr lang="zh-TW" altLang="en-US" dirty="0" smtClean="0"/>
-              <a:t>生命週期</a:t>
-            </a:r>
-            <a:r>
-              <a:rPr lang="en-US" altLang="zh-TW" dirty="0" smtClean="0"/>
-              <a:t>)</a:t>
-            </a:r>
-            <a:endParaRPr lang="zh-TW" altLang="en-US" dirty="0"/>
-          </a:p>
-        </p:txBody>
-      </p:sp>
+        </p:nvPicPr>
+        <p:blipFill>
+          <a:blip r:embed="rId2">
+            <a:extLst>
+              <a:ext uri="{28A0092B-C50C-407E-A947-70E740481C1C}">
+                <a14:useLocalDpi xmlns:a14="http://schemas.microsoft.com/office/drawing/2010/main" val="0"/>
+              </a:ext>
+            </a:extLst>
+          </a:blip>
+          <a:stretch>
+            <a:fillRect/>
+          </a:stretch>
+        </p:blipFill>
+        <p:spPr>
+          <a:xfrm>
+            <a:off x="1223930" y="2310720"/>
+            <a:ext cx="4477205" cy="3163599"/>
+          </a:xfrm>
+        </p:spPr>
+      </p:pic>
     </p:spTree>
     <p:extLst>
       <p:ext uri="{BB962C8B-B14F-4D97-AF65-F5344CB8AC3E}">
-        <p14:creationId xmlns:p14="http://schemas.microsoft.com/office/powerpoint/2010/main" val="3953923420"/>
+        <p14:creationId xmlns:p14="http://schemas.microsoft.com/office/powerpoint/2010/main" val="1285284440"/>
       </p:ext>
     </p:extLst>
   </p:cSld>
@@ -10314,38 +10973,52 @@
           <a:p>
             <a:r>
               <a:rPr lang="zh-TW" altLang="en-US" dirty="0"/>
-              <a:t>一般會員可瀏覽網頁</a:t>
-            </a:r>
-          </a:p>
-        </p:txBody>
-      </p:sp>
-      <p:sp>
-        <p:nvSpPr>
-          <p:cNvPr id="3" name="內容版面配置區 2"/>
-          <p:cNvSpPr>
-            <a:spLocks noGrp="1"/>
-          </p:cNvSpPr>
+              <a:t>註冊資料寫入</a:t>
+            </a:r>
+            <a:r>
+              <a:rPr lang="en-US" altLang="zh-TW" dirty="0"/>
+              <a:t>DB</a:t>
+            </a:r>
+            <a:r>
+              <a:rPr lang="zh-TW" altLang="en-US" dirty="0"/>
+              <a:t>程式</a:t>
+            </a:r>
+          </a:p>
+        </p:txBody>
+      </p:sp>
+      <p:pic>
+        <p:nvPicPr>
+          <p:cNvPr id="4" name="內容版面配置區 3" descr="畫面剪輯"/>
+          <p:cNvPicPr>
+            <a:picLocks noGrp="1" noChangeAspect="1"/>
+          </p:cNvPicPr>
           <p:nvPr>
             <p:ph idx="1"/>
           </p:nvPr>
-        </p:nvSpPr>
-        <p:spPr/>
-        <p:txBody>
-          <a:bodyPr/>
-          <a:lstStyle/>
-          <a:p>
-            <a:r>
-              <a:rPr lang="zh-TW" altLang="en-US" dirty="0"/>
-              <a:t>檢查</a:t>
-            </a:r>
-            <a:endParaRPr lang="en-US" altLang="zh-TW" dirty="0" smtClean="0"/>
-          </a:p>
-        </p:txBody>
-      </p:sp>
+        </p:nvPicPr>
+        <p:blipFill>
+          <a:blip r:embed="rId2">
+            <a:extLst>
+              <a:ext uri="{28A0092B-C50C-407E-A947-70E740481C1C}">
+                <a14:useLocalDpi xmlns:a14="http://schemas.microsoft.com/office/drawing/2010/main" val="0"/>
+              </a:ext>
+            </a:extLst>
+          </a:blip>
+          <a:stretch>
+            <a:fillRect/>
+          </a:stretch>
+        </p:blipFill>
+        <p:spPr>
+          <a:xfrm>
+            <a:off x="1151794" y="1214195"/>
+            <a:ext cx="8985738" cy="5566032"/>
+          </a:xfrm>
+        </p:spPr>
+      </p:pic>
     </p:spTree>
     <p:extLst>
       <p:ext uri="{BB962C8B-B14F-4D97-AF65-F5344CB8AC3E}">
-        <p14:creationId xmlns:p14="http://schemas.microsoft.com/office/powerpoint/2010/main" val="1575555586"/>
+        <p14:creationId xmlns:p14="http://schemas.microsoft.com/office/powerpoint/2010/main" val="251873408"/>
       </p:ext>
     </p:extLst>
   </p:cSld>
@@ -10576,6 +11249,525 @@
 </file>
 
 <file path=ppt/slides/slide30.xml><?xml version="1.0" encoding="utf-8"?>
+<p:sld xmlns:a="http://schemas.openxmlformats.org/drawingml/2006/main" xmlns:r="http://schemas.openxmlformats.org/officeDocument/2006/relationships" xmlns:p="http://schemas.openxmlformats.org/presentationml/2006/main">
+  <p:cSld>
+    <p:spTree>
+      <p:nvGrpSpPr>
+        <p:cNvPr id="1" name=""/>
+        <p:cNvGrpSpPr/>
+        <p:nvPr/>
+      </p:nvGrpSpPr>
+      <p:grpSpPr>
+        <a:xfrm>
+          <a:off x="0" y="0"/>
+          <a:ext cx="0" cy="0"/>
+          <a:chOff x="0" y="0"/>
+          <a:chExt cx="0" cy="0"/>
+        </a:xfrm>
+      </p:grpSpPr>
+      <p:sp>
+        <p:nvSpPr>
+          <p:cNvPr id="2" name="標題 1"/>
+          <p:cNvSpPr>
+            <a:spLocks noGrp="1"/>
+          </p:cNvSpPr>
+          <p:nvPr>
+            <p:ph type="title"/>
+          </p:nvPr>
+        </p:nvSpPr>
+        <p:spPr/>
+        <p:txBody>
+          <a:bodyPr/>
+          <a:lstStyle/>
+          <a:p>
+            <a:r>
+              <a:rPr lang="zh-TW" altLang="en-US" dirty="0"/>
+              <a:t>註冊資料寫入</a:t>
+            </a:r>
+            <a:r>
+              <a:rPr lang="en-US" altLang="zh-TW" dirty="0"/>
+              <a:t>DB</a:t>
+            </a:r>
+            <a:r>
+              <a:rPr lang="zh-TW" altLang="en-US" dirty="0"/>
+              <a:t>程式</a:t>
+            </a:r>
+          </a:p>
+        </p:txBody>
+      </p:sp>
+      <p:pic>
+        <p:nvPicPr>
+          <p:cNvPr id="4" name="內容版面配置區 3" descr="畫面剪輯"/>
+          <p:cNvPicPr>
+            <a:picLocks noGrp="1" noChangeAspect="1"/>
+          </p:cNvPicPr>
+          <p:nvPr>
+            <p:ph idx="1"/>
+          </p:nvPr>
+        </p:nvPicPr>
+        <p:blipFill>
+          <a:blip r:embed="rId2">
+            <a:extLst>
+              <a:ext uri="{28A0092B-C50C-407E-A947-70E740481C1C}">
+                <a14:useLocalDpi xmlns:a14="http://schemas.microsoft.com/office/drawing/2010/main" val="0"/>
+              </a:ext>
+            </a:extLst>
+          </a:blip>
+          <a:stretch>
+            <a:fillRect/>
+          </a:stretch>
+        </p:blipFill>
+        <p:spPr>
+          <a:xfrm>
+            <a:off x="1413776" y="1666875"/>
+            <a:ext cx="9264436" cy="4510088"/>
+          </a:xfrm>
+        </p:spPr>
+      </p:pic>
+    </p:spTree>
+    <p:extLst>
+      <p:ext uri="{BB962C8B-B14F-4D97-AF65-F5344CB8AC3E}">
+        <p14:creationId xmlns:p14="http://schemas.microsoft.com/office/powerpoint/2010/main" val="3232629054"/>
+      </p:ext>
+    </p:extLst>
+  </p:cSld>
+  <p:clrMapOvr>
+    <a:masterClrMapping/>
+  </p:clrMapOvr>
+  <mc:AlternateContent xmlns:mc="http://schemas.openxmlformats.org/markup-compatibility/2006" xmlns:p14="http://schemas.microsoft.com/office/powerpoint/2010/main">
+    <mc:Choice Requires="p14">
+      <p:transition spd="slow" p14:dur="1500">
+        <p:random/>
+      </p:transition>
+    </mc:Choice>
+    <mc:Fallback xmlns="">
+      <p:transition spd="slow">
+        <p:random/>
+      </p:transition>
+    </mc:Fallback>
+  </mc:AlternateContent>
+</p:sld>
+</file>
+
+<file path=ppt/slides/slide31.xml><?xml version="1.0" encoding="utf-8"?>
+<p:sld xmlns:a="http://schemas.openxmlformats.org/drawingml/2006/main" xmlns:r="http://schemas.openxmlformats.org/officeDocument/2006/relationships" xmlns:p="http://schemas.openxmlformats.org/presentationml/2006/main">
+  <p:cSld>
+    <p:spTree>
+      <p:nvGrpSpPr>
+        <p:cNvPr id="1" name=""/>
+        <p:cNvGrpSpPr/>
+        <p:nvPr/>
+      </p:nvGrpSpPr>
+      <p:grpSpPr>
+        <a:xfrm>
+          <a:off x="0" y="0"/>
+          <a:ext cx="0" cy="0"/>
+          <a:chOff x="0" y="0"/>
+          <a:chExt cx="0" cy="0"/>
+        </a:xfrm>
+      </p:grpSpPr>
+      <p:sp>
+        <p:nvSpPr>
+          <p:cNvPr id="2" name="標題 1"/>
+          <p:cNvSpPr>
+            <a:spLocks noGrp="1"/>
+          </p:cNvSpPr>
+          <p:nvPr>
+            <p:ph type="title"/>
+          </p:nvPr>
+        </p:nvSpPr>
+        <p:spPr/>
+        <p:txBody>
+          <a:bodyPr/>
+          <a:lstStyle/>
+          <a:p>
+            <a:r>
+              <a:rPr lang="zh-TW" altLang="en-US" dirty="0"/>
+              <a:t>註冊</a:t>
+            </a:r>
+            <a:r>
+              <a:rPr lang="zh-TW" altLang="en-US" dirty="0" smtClean="0"/>
+              <a:t>資料寫入</a:t>
+            </a:r>
+            <a:r>
+              <a:rPr lang="en-US" altLang="zh-TW" dirty="0" smtClean="0"/>
+              <a:t>DB</a:t>
+            </a:r>
+            <a:r>
+              <a:rPr lang="zh-TW" altLang="en-US" dirty="0" smtClean="0"/>
+              <a:t>程式</a:t>
+            </a:r>
+            <a:endParaRPr lang="zh-TW" altLang="en-US" dirty="0"/>
+          </a:p>
+        </p:txBody>
+      </p:sp>
+      <p:pic>
+        <p:nvPicPr>
+          <p:cNvPr id="4" name="圖片 3" descr="畫面剪輯"/>
+          <p:cNvPicPr>
+            <a:picLocks noChangeAspect="1"/>
+          </p:cNvPicPr>
+          <p:nvPr/>
+        </p:nvPicPr>
+        <p:blipFill>
+          <a:blip r:embed="rId2">
+            <a:extLst>
+              <a:ext uri="{28A0092B-C50C-407E-A947-70E740481C1C}">
+                <a14:useLocalDpi xmlns:a14="http://schemas.microsoft.com/office/drawing/2010/main" val="0"/>
+              </a:ext>
+            </a:extLst>
+          </a:blip>
+          <a:stretch>
+            <a:fillRect/>
+          </a:stretch>
+        </p:blipFill>
+        <p:spPr>
+          <a:xfrm>
+            <a:off x="1347148" y="1554162"/>
+            <a:ext cx="4145536" cy="3923093"/>
+          </a:xfrm>
+          <a:prstGeom prst="rect">
+            <a:avLst/>
+          </a:prstGeom>
+        </p:spPr>
+      </p:pic>
+    </p:spTree>
+    <p:extLst>
+      <p:ext uri="{BB962C8B-B14F-4D97-AF65-F5344CB8AC3E}">
+        <p14:creationId xmlns:p14="http://schemas.microsoft.com/office/powerpoint/2010/main" val="7242812"/>
+      </p:ext>
+    </p:extLst>
+  </p:cSld>
+  <p:clrMapOvr>
+    <a:masterClrMapping/>
+  </p:clrMapOvr>
+  <mc:AlternateContent xmlns:mc="http://schemas.openxmlformats.org/markup-compatibility/2006" xmlns:p14="http://schemas.microsoft.com/office/powerpoint/2010/main">
+    <mc:Choice Requires="p14">
+      <p:transition spd="slow" p14:dur="1500">
+        <p:random/>
+      </p:transition>
+    </mc:Choice>
+    <mc:Fallback xmlns="">
+      <p:transition spd="slow">
+        <p:random/>
+      </p:transition>
+    </mc:Fallback>
+  </mc:AlternateContent>
+</p:sld>
+</file>
+
+<file path=ppt/slides/slide32.xml><?xml version="1.0" encoding="utf-8"?>
+<p:sld xmlns:a="http://schemas.openxmlformats.org/drawingml/2006/main" xmlns:r="http://schemas.openxmlformats.org/officeDocument/2006/relationships" xmlns:p="http://schemas.openxmlformats.org/presentationml/2006/main">
+  <p:cSld>
+    <p:spTree>
+      <p:nvGrpSpPr>
+        <p:cNvPr id="1" name=""/>
+        <p:cNvGrpSpPr/>
+        <p:nvPr/>
+      </p:nvGrpSpPr>
+      <p:grpSpPr>
+        <a:xfrm>
+          <a:off x="0" y="0"/>
+          <a:ext cx="0" cy="0"/>
+          <a:chOff x="0" y="0"/>
+          <a:chExt cx="0" cy="0"/>
+        </a:xfrm>
+      </p:grpSpPr>
+      <p:sp>
+        <p:nvSpPr>
+          <p:cNvPr id="2" name="標題 1"/>
+          <p:cNvSpPr>
+            <a:spLocks noGrp="1"/>
+          </p:cNvSpPr>
+          <p:nvPr>
+            <p:ph type="title"/>
+          </p:nvPr>
+        </p:nvSpPr>
+        <p:spPr/>
+        <p:txBody>
+          <a:bodyPr/>
+          <a:lstStyle/>
+          <a:p>
+            <a:r>
+              <a:rPr lang="zh-TW" altLang="en-US" dirty="0"/>
+              <a:t>註冊</a:t>
+            </a:r>
+            <a:r>
+              <a:rPr lang="zh-TW" altLang="en-US" dirty="0" smtClean="0"/>
+              <a:t>資料寫入</a:t>
+            </a:r>
+            <a:r>
+              <a:rPr lang="en-US" altLang="zh-TW" dirty="0" smtClean="0"/>
+              <a:t>DB</a:t>
+            </a:r>
+            <a:r>
+              <a:rPr lang="zh-TW" altLang="en-US" dirty="0" smtClean="0"/>
+              <a:t>程式</a:t>
+            </a:r>
+            <a:endParaRPr lang="zh-TW" altLang="en-US" dirty="0"/>
+          </a:p>
+        </p:txBody>
+      </p:sp>
+      <p:sp>
+        <p:nvSpPr>
+          <p:cNvPr id="3" name="內容版面配置區 2"/>
+          <p:cNvSpPr>
+            <a:spLocks noGrp="1"/>
+          </p:cNvSpPr>
+          <p:nvPr>
+            <p:ph idx="1"/>
+          </p:nvPr>
+        </p:nvSpPr>
+        <p:spPr/>
+        <p:txBody>
+          <a:bodyPr/>
+          <a:lstStyle/>
+          <a:p>
+            <a:r>
+              <a:rPr lang="zh-TW" altLang="en-US" dirty="0" smtClean="0"/>
+              <a:t>密碼雜湊</a:t>
+            </a:r>
+            <a:endParaRPr lang="zh-TW" altLang="en-US" dirty="0"/>
+          </a:p>
+        </p:txBody>
+      </p:sp>
+    </p:spTree>
+    <p:extLst>
+      <p:ext uri="{BB962C8B-B14F-4D97-AF65-F5344CB8AC3E}">
+        <p14:creationId xmlns:p14="http://schemas.microsoft.com/office/powerpoint/2010/main" val="1194600060"/>
+      </p:ext>
+    </p:extLst>
+  </p:cSld>
+  <p:clrMapOvr>
+    <a:masterClrMapping/>
+  </p:clrMapOvr>
+  <mc:AlternateContent xmlns:mc="http://schemas.openxmlformats.org/markup-compatibility/2006" xmlns:p14="http://schemas.microsoft.com/office/powerpoint/2010/main">
+    <mc:Choice Requires="p14">
+      <p:transition spd="slow" p14:dur="1500">
+        <p:random/>
+      </p:transition>
+    </mc:Choice>
+    <mc:Fallback xmlns="">
+      <p:transition spd="slow">
+        <p:random/>
+      </p:transition>
+    </mc:Fallback>
+  </mc:AlternateContent>
+</p:sld>
+</file>
+
+<file path=ppt/slides/slide33.xml><?xml version="1.0" encoding="utf-8"?>
+<p:sld xmlns:a="http://schemas.openxmlformats.org/drawingml/2006/main" xmlns:r="http://schemas.openxmlformats.org/officeDocument/2006/relationships" xmlns:p="http://schemas.openxmlformats.org/presentationml/2006/main">
+  <p:cSld>
+    <p:spTree>
+      <p:nvGrpSpPr>
+        <p:cNvPr id="1" name=""/>
+        <p:cNvGrpSpPr/>
+        <p:nvPr/>
+      </p:nvGrpSpPr>
+      <p:grpSpPr>
+        <a:xfrm>
+          <a:off x="0" y="0"/>
+          <a:ext cx="0" cy="0"/>
+          <a:chOff x="0" y="0"/>
+          <a:chExt cx="0" cy="0"/>
+        </a:xfrm>
+      </p:grpSpPr>
+      <p:sp>
+        <p:nvSpPr>
+          <p:cNvPr id="2" name="標題 1"/>
+          <p:cNvSpPr>
+            <a:spLocks noGrp="1"/>
+          </p:cNvSpPr>
+          <p:nvPr>
+            <p:ph type="title"/>
+          </p:nvPr>
+        </p:nvSpPr>
+        <p:spPr/>
+        <p:txBody>
+          <a:bodyPr/>
+          <a:lstStyle/>
+          <a:p>
+            <a:r>
+              <a:rPr lang="zh-TW" altLang="en-US" dirty="0" smtClean="0"/>
+              <a:t>登入</a:t>
+            </a:r>
+            <a:endParaRPr lang="zh-TW" altLang="en-US" dirty="0"/>
+          </a:p>
+        </p:txBody>
+      </p:sp>
+      <p:sp>
+        <p:nvSpPr>
+          <p:cNvPr id="3" name="內容版面配置區 2"/>
+          <p:cNvSpPr>
+            <a:spLocks noGrp="1"/>
+          </p:cNvSpPr>
+          <p:nvPr>
+            <p:ph idx="1"/>
+          </p:nvPr>
+        </p:nvSpPr>
+        <p:spPr/>
+        <p:txBody>
+          <a:bodyPr/>
+          <a:lstStyle/>
+          <a:p>
+            <a:r>
+              <a:rPr lang="zh-TW" altLang="en-US" dirty="0" smtClean="0"/>
+              <a:t>檢查輸入資料</a:t>
+            </a:r>
+            <a:endParaRPr lang="en-US" altLang="zh-TW" dirty="0" smtClean="0"/>
+          </a:p>
+          <a:p>
+            <a:r>
+              <a:rPr lang="zh-TW" altLang="en-US" dirty="0" smtClean="0"/>
+              <a:t>資料庫抓出比對</a:t>
+            </a:r>
+            <a:endParaRPr lang="en-US" altLang="zh-TW" dirty="0" smtClean="0"/>
+          </a:p>
+          <a:p>
+            <a:r>
+              <a:rPr lang="zh-TW" altLang="en-US" dirty="0"/>
+              <a:t>寫入</a:t>
+            </a:r>
+            <a:r>
+              <a:rPr lang="en-US" altLang="zh-TW" dirty="0" smtClean="0"/>
+              <a:t>session</a:t>
+            </a:r>
+          </a:p>
+          <a:p>
+            <a:r>
+              <a:rPr lang="zh-TW" altLang="en-US" dirty="0" smtClean="0"/>
+              <a:t>已登入進首頁</a:t>
+            </a:r>
+            <a:r>
+              <a:rPr lang="en-US" altLang="zh-TW" dirty="0" smtClean="0"/>
+              <a:t>(</a:t>
+            </a:r>
+            <a:r>
+              <a:rPr lang="zh-TW" altLang="en-US" dirty="0" smtClean="0"/>
+              <a:t>生命週期</a:t>
+            </a:r>
+            <a:r>
+              <a:rPr lang="en-US" altLang="zh-TW" dirty="0" smtClean="0"/>
+              <a:t>)</a:t>
+            </a:r>
+            <a:endParaRPr lang="zh-TW" altLang="en-US" dirty="0"/>
+          </a:p>
+        </p:txBody>
+      </p:sp>
+    </p:spTree>
+    <p:extLst>
+      <p:ext uri="{BB962C8B-B14F-4D97-AF65-F5344CB8AC3E}">
+        <p14:creationId xmlns:p14="http://schemas.microsoft.com/office/powerpoint/2010/main" val="3953923420"/>
+      </p:ext>
+    </p:extLst>
+  </p:cSld>
+  <p:clrMapOvr>
+    <a:masterClrMapping/>
+  </p:clrMapOvr>
+  <mc:AlternateContent xmlns:mc="http://schemas.openxmlformats.org/markup-compatibility/2006" xmlns:p14="http://schemas.microsoft.com/office/powerpoint/2010/main">
+    <mc:Choice Requires="p14">
+      <p:transition spd="slow" p14:dur="1500">
+        <p:random/>
+      </p:transition>
+    </mc:Choice>
+    <mc:Fallback xmlns="">
+      <p:transition spd="slow">
+        <p:random/>
+      </p:transition>
+    </mc:Fallback>
+  </mc:AlternateContent>
+</p:sld>
+</file>
+
+<file path=ppt/slides/slide34.xml><?xml version="1.0" encoding="utf-8"?>
+<p:sld xmlns:a="http://schemas.openxmlformats.org/drawingml/2006/main" xmlns:r="http://schemas.openxmlformats.org/officeDocument/2006/relationships" xmlns:p="http://schemas.openxmlformats.org/presentationml/2006/main">
+  <p:cSld>
+    <p:spTree>
+      <p:nvGrpSpPr>
+        <p:cNvPr id="1" name=""/>
+        <p:cNvGrpSpPr/>
+        <p:nvPr/>
+      </p:nvGrpSpPr>
+      <p:grpSpPr>
+        <a:xfrm>
+          <a:off x="0" y="0"/>
+          <a:ext cx="0" cy="0"/>
+          <a:chOff x="0" y="0"/>
+          <a:chExt cx="0" cy="0"/>
+        </a:xfrm>
+      </p:grpSpPr>
+      <p:sp>
+        <p:nvSpPr>
+          <p:cNvPr id="2" name="標題 1"/>
+          <p:cNvSpPr>
+            <a:spLocks noGrp="1"/>
+          </p:cNvSpPr>
+          <p:nvPr>
+            <p:ph type="title"/>
+          </p:nvPr>
+        </p:nvSpPr>
+        <p:spPr/>
+        <p:txBody>
+          <a:bodyPr/>
+          <a:lstStyle/>
+          <a:p>
+            <a:r>
+              <a:rPr lang="zh-TW" altLang="en-US" dirty="0"/>
+              <a:t>一般會員可瀏覽網頁</a:t>
+            </a:r>
+          </a:p>
+        </p:txBody>
+      </p:sp>
+      <p:sp>
+        <p:nvSpPr>
+          <p:cNvPr id="3" name="內容版面配置區 2"/>
+          <p:cNvSpPr>
+            <a:spLocks noGrp="1"/>
+          </p:cNvSpPr>
+          <p:nvPr>
+            <p:ph idx="1"/>
+          </p:nvPr>
+        </p:nvSpPr>
+        <p:spPr/>
+        <p:txBody>
+          <a:bodyPr/>
+          <a:lstStyle/>
+          <a:p>
+            <a:r>
+              <a:rPr lang="zh-TW" altLang="en-US" dirty="0"/>
+              <a:t>檢查</a:t>
+            </a:r>
+            <a:endParaRPr lang="en-US" altLang="zh-TW" dirty="0" smtClean="0"/>
+          </a:p>
+        </p:txBody>
+      </p:sp>
+    </p:spTree>
+    <p:extLst>
+      <p:ext uri="{BB962C8B-B14F-4D97-AF65-F5344CB8AC3E}">
+        <p14:creationId xmlns:p14="http://schemas.microsoft.com/office/powerpoint/2010/main" val="1575555586"/>
+      </p:ext>
+    </p:extLst>
+  </p:cSld>
+  <p:clrMapOvr>
+    <a:masterClrMapping/>
+  </p:clrMapOvr>
+  <mc:AlternateContent xmlns:mc="http://schemas.openxmlformats.org/markup-compatibility/2006" xmlns:p14="http://schemas.microsoft.com/office/powerpoint/2010/main">
+    <mc:Choice Requires="p14">
+      <p:transition spd="slow" p14:dur="1500">
+        <p:random/>
+      </p:transition>
+    </mc:Choice>
+    <mc:Fallback xmlns="">
+      <p:transition spd="slow">
+        <p:random/>
+      </p:transition>
+    </mc:Fallback>
+  </mc:AlternateContent>
+</p:sld>
+</file>
+
+<file path=ppt/slides/slide35.xml><?xml version="1.0" encoding="utf-8"?>
 <p:sld xmlns:a="http://schemas.openxmlformats.org/drawingml/2006/main" xmlns:r="http://schemas.openxmlformats.org/officeDocument/2006/relationships" xmlns:p="http://schemas.openxmlformats.org/presentationml/2006/main">
   <p:cSld>
     <p:spTree>
@@ -11615,7 +12807,6 @@
               <a:rPr lang="zh-TW" altLang="en-US" dirty="0"/>
               <a:t>我們網頁</a:t>
             </a:r>
-            <a:endParaRPr lang="zh-TW" altLang="en-US" dirty="0"/>
           </a:p>
         </p:txBody>
       </p:sp>
@@ -11896,13 +13087,8 @@
           <a:p>
             <a:r>
               <a:rPr lang="zh-TW" altLang="en-US" dirty="0"/>
-              <a:t>關於</a:t>
-            </a:r>
-            <a:r>
-              <a:rPr lang="zh-TW" altLang="en-US" dirty="0"/>
-              <a:t>我們網頁</a:t>
-            </a:r>
-            <a:endParaRPr lang="zh-TW" altLang="en-US" dirty="0"/>
+              <a:t>關於我們網頁</a:t>
+            </a:r>
           </a:p>
         </p:txBody>
       </p:sp>

--- a/投影片/4.實作-帳號註冊、登入網頁.pptx
+++ b/投影片/4.實作-帳號註冊、登入網頁.pptx
@@ -33,13 +33,20 @@
     <p:sldId id="303" r:id="rId27"/>
     <p:sldId id="300" r:id="rId28"/>
     <p:sldId id="304" r:id="rId29"/>
-    <p:sldId id="307" r:id="rId30"/>
-    <p:sldId id="308" r:id="rId31"/>
-    <p:sldId id="306" r:id="rId32"/>
-    <p:sldId id="305" r:id="rId33"/>
-    <p:sldId id="302" r:id="rId34"/>
-    <p:sldId id="271" r:id="rId35"/>
-    <p:sldId id="272" r:id="rId36"/>
+    <p:sldId id="309" r:id="rId30"/>
+    <p:sldId id="310" r:id="rId31"/>
+    <p:sldId id="307" r:id="rId32"/>
+    <p:sldId id="308" r:id="rId33"/>
+    <p:sldId id="306" r:id="rId34"/>
+    <p:sldId id="302" r:id="rId35"/>
+    <p:sldId id="311" r:id="rId36"/>
+    <p:sldId id="312" r:id="rId37"/>
+    <p:sldId id="313" r:id="rId38"/>
+    <p:sldId id="314" r:id="rId39"/>
+    <p:sldId id="315" r:id="rId40"/>
+    <p:sldId id="271" r:id="rId41"/>
+    <p:sldId id="272" r:id="rId42"/>
+    <p:sldId id="305" r:id="rId43"/>
   </p:sldIdLst>
   <p:sldSz cx="12192000" cy="6858000"/>
   <p:notesSz cx="6858000" cy="9144000"/>
@@ -180,7 +187,7 @@
           <a:p>
             <a:fld id="{31CDE89B-FBD9-4E23-BEEB-B0C8819124B3}" type="datetimeFigureOut">
               <a:rPr lang="zh-TW" altLang="en-US" smtClean="0"/>
-              <a:t>2022/3/28</a:t>
+              <a:t>2022/3/29</a:t>
             </a:fld>
             <a:endParaRPr lang="zh-TW" altLang="en-US"/>
           </a:p>
@@ -3051,7 +3058,7 @@
           <a:p>
             <a:fld id="{31CDE89B-FBD9-4E23-BEEB-B0C8819124B3}" type="datetimeFigureOut">
               <a:rPr lang="zh-TW" altLang="en-US" smtClean="0"/>
-              <a:t>2022/3/28</a:t>
+              <a:t>2022/3/29</a:t>
             </a:fld>
             <a:endParaRPr lang="zh-TW" altLang="en-US"/>
           </a:p>
@@ -3243,7 +3250,7 @@
           <a:p>
             <a:fld id="{31CDE89B-FBD9-4E23-BEEB-B0C8819124B3}" type="datetimeFigureOut">
               <a:rPr lang="zh-TW" altLang="en-US" smtClean="0"/>
-              <a:t>2022/3/28</a:t>
+              <a:t>2022/3/29</a:t>
             </a:fld>
             <a:endParaRPr lang="zh-TW" altLang="en-US"/>
           </a:p>
@@ -3439,7 +3446,7 @@
           <a:p>
             <a:fld id="{31CDE89B-FBD9-4E23-BEEB-B0C8819124B3}" type="datetimeFigureOut">
               <a:rPr lang="zh-TW" altLang="en-US" smtClean="0"/>
-              <a:t>2022/3/28</a:t>
+              <a:t>2022/3/29</a:t>
             </a:fld>
             <a:endParaRPr lang="zh-TW" altLang="en-US"/>
           </a:p>
@@ -4535,7 +4542,7 @@
           <a:p>
             <a:fld id="{31CDE89B-FBD9-4E23-BEEB-B0C8819124B3}" type="datetimeFigureOut">
               <a:rPr lang="zh-TW" altLang="en-US" smtClean="0"/>
-              <a:t>2022/3/28</a:t>
+              <a:t>2022/3/29</a:t>
             </a:fld>
             <a:endParaRPr lang="zh-TW" altLang="en-US"/>
           </a:p>
@@ -4784,7 +4791,7 @@
           <a:p>
             <a:fld id="{31CDE89B-FBD9-4E23-BEEB-B0C8819124B3}" type="datetimeFigureOut">
               <a:rPr lang="zh-TW" altLang="en-US" smtClean="0"/>
-              <a:t>2022/3/28</a:t>
+              <a:t>2022/3/29</a:t>
             </a:fld>
             <a:endParaRPr lang="zh-TW" altLang="en-US"/>
           </a:p>
@@ -5163,7 +5170,7 @@
           <a:p>
             <a:fld id="{31CDE89B-FBD9-4E23-BEEB-B0C8819124B3}" type="datetimeFigureOut">
               <a:rPr lang="zh-TW" altLang="en-US" smtClean="0"/>
-              <a:t>2022/3/28</a:t>
+              <a:t>2022/3/29</a:t>
             </a:fld>
             <a:endParaRPr lang="zh-TW" altLang="en-US"/>
           </a:p>
@@ -5293,7 +5300,7 @@
           <a:p>
             <a:fld id="{31CDE89B-FBD9-4E23-BEEB-B0C8819124B3}" type="datetimeFigureOut">
               <a:rPr lang="zh-TW" altLang="en-US" smtClean="0"/>
-              <a:t>2022/3/28</a:t>
+              <a:t>2022/3/29</a:t>
             </a:fld>
             <a:endParaRPr lang="zh-TW" altLang="en-US"/>
           </a:p>
@@ -5400,7 +5407,7 @@
           <a:p>
             <a:fld id="{31CDE89B-FBD9-4E23-BEEB-B0C8819124B3}" type="datetimeFigureOut">
               <a:rPr lang="zh-TW" altLang="en-US" smtClean="0"/>
-              <a:t>2022/3/28</a:t>
+              <a:t>2022/3/29</a:t>
             </a:fld>
             <a:endParaRPr lang="zh-TW" altLang="en-US"/>
           </a:p>
@@ -5689,7 +5696,7 @@
           <a:p>
             <a:fld id="{31CDE89B-FBD9-4E23-BEEB-B0C8819124B3}" type="datetimeFigureOut">
               <a:rPr lang="zh-TW" altLang="en-US" smtClean="0"/>
-              <a:t>2022/3/28</a:t>
+              <a:t>2022/3/29</a:t>
             </a:fld>
             <a:endParaRPr lang="zh-TW" altLang="en-US"/>
           </a:p>
@@ -5954,7 +5961,7 @@
           <a:p>
             <a:fld id="{31CDE89B-FBD9-4E23-BEEB-B0C8819124B3}" type="datetimeFigureOut">
               <a:rPr lang="zh-TW" altLang="en-US" smtClean="0"/>
-              <a:t>2022/3/28</a:t>
+              <a:t>2022/3/29</a:t>
             </a:fld>
             <a:endParaRPr lang="zh-TW" altLang="en-US"/>
           </a:p>
@@ -6179,7 +6186,7 @@
           <a:p>
             <a:fld id="{31CDE89B-FBD9-4E23-BEEB-B0C8819124B3}" type="datetimeFigureOut">
               <a:rPr lang="zh-TW" altLang="en-US" smtClean="0"/>
-              <a:t>2022/3/28</a:t>
+              <a:t>2022/3/29</a:t>
             </a:fld>
             <a:endParaRPr lang="zh-TW" altLang="en-US"/>
           </a:p>
@@ -8145,7 +8152,7 @@
       </p:sp>
       <p:pic>
         <p:nvPicPr>
-          <p:cNvPr id="4" name="圖片 3" descr="畫面剪輯"/>
+          <p:cNvPr id="3" name="圖片 2" descr="畫面剪輯"/>
           <p:cNvPicPr>
             <a:picLocks noChangeAspect="1"/>
           </p:cNvPicPr>
@@ -8165,8 +8172,8 @@
         </p:blipFill>
         <p:spPr>
           <a:xfrm>
-            <a:off x="1223930" y="1554162"/>
-            <a:ext cx="9596646" cy="3870692"/>
+            <a:off x="1223930" y="1705707"/>
+            <a:ext cx="7805044" cy="2988467"/>
           </a:xfrm>
           <a:prstGeom prst="rect">
             <a:avLst/>
@@ -10356,11 +10363,7 @@
             </a:r>
             <a:r>
               <a:rPr lang="zh-TW" altLang="en-US" dirty="0" smtClean="0"/>
-              <a:t>字元、</a:t>
-            </a:r>
-            <a:r>
-              <a:rPr lang="zh-TW" altLang="en-US" dirty="0" smtClean="0"/>
-              <a:t>必須是英文或數字</a:t>
+              <a:t>字元、必須是英文或數字</a:t>
             </a:r>
             <a:endParaRPr lang="en-US" altLang="zh-TW" dirty="0" smtClean="0"/>
           </a:p>
@@ -10461,11 +10464,7 @@
           <a:p>
             <a:r>
               <a:rPr lang="zh-TW" altLang="en-US" dirty="0" smtClean="0"/>
-              <a:t>密碼</a:t>
-            </a:r>
-            <a:r>
-              <a:rPr lang="zh-TW" altLang="en-US" dirty="0" smtClean="0"/>
-              <a:t>英文大小寫</a:t>
+              <a:t>密碼英文大小寫</a:t>
             </a:r>
             <a:r>
               <a:rPr lang="en-US" altLang="zh-TW" dirty="0" smtClean="0"/>
@@ -10972,29 +10971,24 @@
           <a:lstStyle/>
           <a:p>
             <a:r>
-              <a:rPr lang="zh-TW" altLang="en-US" dirty="0"/>
-              <a:t>註冊資料寫入</a:t>
-            </a:r>
-            <a:r>
-              <a:rPr lang="en-US" altLang="zh-TW" dirty="0"/>
-              <a:t>DB</a:t>
-            </a:r>
-            <a:r>
-              <a:rPr lang="zh-TW" altLang="en-US" dirty="0"/>
-              <a:t>程式</a:t>
-            </a:r>
+              <a:rPr lang="zh-TW" altLang="en-US" dirty="0" smtClean="0"/>
+              <a:t>檢查信箱重複</a:t>
+            </a:r>
+            <a:r>
+              <a:rPr lang="zh-TW" altLang="en-US" dirty="0" smtClean="0"/>
+              <a:t>註冊程式</a:t>
+            </a:r>
+            <a:endParaRPr lang="zh-TW" altLang="en-US" dirty="0"/>
           </a:p>
         </p:txBody>
       </p:sp>
       <p:pic>
         <p:nvPicPr>
-          <p:cNvPr id="4" name="內容版面配置區 3" descr="畫面剪輯"/>
+          <p:cNvPr id="5" name="圖片 4" descr="畫面剪輯"/>
           <p:cNvPicPr>
-            <a:picLocks noGrp="1" noChangeAspect="1"/>
+            <a:picLocks noChangeAspect="1"/>
           </p:cNvPicPr>
-          <p:nvPr>
-            <p:ph idx="1"/>
-          </p:nvPr>
+          <p:nvPr/>
         </p:nvPicPr>
         <p:blipFill>
           <a:blip r:embed="rId2">
@@ -11010,15 +11004,18 @@
         </p:blipFill>
         <p:spPr>
           <a:xfrm>
-            <a:off x="1151794" y="1214195"/>
-            <a:ext cx="8985738" cy="5566032"/>
-          </a:xfrm>
+            <a:off x="870438" y="1576129"/>
+            <a:ext cx="10179253" cy="3807432"/>
+          </a:xfrm>
+          <a:prstGeom prst="rect">
+            <a:avLst/>
+          </a:prstGeom>
         </p:spPr>
       </p:pic>
     </p:spTree>
     <p:extLst>
       <p:ext uri="{BB962C8B-B14F-4D97-AF65-F5344CB8AC3E}">
-        <p14:creationId xmlns:p14="http://schemas.microsoft.com/office/powerpoint/2010/main" val="251873408"/>
+        <p14:creationId xmlns:p14="http://schemas.microsoft.com/office/powerpoint/2010/main" val="1011941012"/>
       </p:ext>
     </p:extLst>
   </p:cSld>
@@ -11281,29 +11278,24 @@
           <a:lstStyle/>
           <a:p>
             <a:r>
-              <a:rPr lang="zh-TW" altLang="en-US" dirty="0"/>
-              <a:t>註冊資料寫入</a:t>
-            </a:r>
-            <a:r>
-              <a:rPr lang="en-US" altLang="zh-TW" dirty="0"/>
-              <a:t>DB</a:t>
-            </a:r>
-            <a:r>
-              <a:rPr lang="zh-TW" altLang="en-US" dirty="0"/>
-              <a:t>程式</a:t>
-            </a:r>
+              <a:rPr lang="zh-TW" altLang="en-US" dirty="0" smtClean="0"/>
+              <a:t>檢查信箱重複</a:t>
+            </a:r>
+            <a:r>
+              <a:rPr lang="zh-TW" altLang="en-US" dirty="0" smtClean="0"/>
+              <a:t>註冊程式</a:t>
+            </a:r>
+            <a:endParaRPr lang="zh-TW" altLang="en-US" dirty="0"/>
           </a:p>
         </p:txBody>
       </p:sp>
       <p:pic>
         <p:nvPicPr>
-          <p:cNvPr id="4" name="內容版面配置區 3" descr="畫面剪輯"/>
+          <p:cNvPr id="4" name="圖片 3" descr="畫面剪輯"/>
           <p:cNvPicPr>
-            <a:picLocks noGrp="1" noChangeAspect="1"/>
+            <a:picLocks noChangeAspect="1"/>
           </p:cNvPicPr>
-          <p:nvPr>
-            <p:ph idx="1"/>
-          </p:nvPr>
+          <p:nvPr/>
         </p:nvPicPr>
         <p:blipFill>
           <a:blip r:embed="rId2">
@@ -11319,15 +11311,18 @@
         </p:blipFill>
         <p:spPr>
           <a:xfrm>
-            <a:off x="1413776" y="1666875"/>
-            <a:ext cx="9264436" cy="4510088"/>
-          </a:xfrm>
+            <a:off x="1223930" y="1458876"/>
+            <a:ext cx="4460897" cy="4695094"/>
+          </a:xfrm>
+          <a:prstGeom prst="rect">
+            <a:avLst/>
+          </a:prstGeom>
         </p:spPr>
       </p:pic>
     </p:spTree>
     <p:extLst>
       <p:ext uri="{BB962C8B-B14F-4D97-AF65-F5344CB8AC3E}">
-        <p14:creationId xmlns:p14="http://schemas.microsoft.com/office/powerpoint/2010/main" val="3232629054"/>
+        <p14:creationId xmlns:p14="http://schemas.microsoft.com/office/powerpoint/2010/main" val="3621249231"/>
       </p:ext>
     </p:extLst>
   </p:cSld>
@@ -11383,31 +11378,28 @@
           <a:p>
             <a:r>
               <a:rPr lang="zh-TW" altLang="en-US" dirty="0"/>
-              <a:t>註冊</a:t>
-            </a:r>
-            <a:r>
-              <a:rPr lang="zh-TW" altLang="en-US" dirty="0" smtClean="0"/>
-              <a:t>資料寫入</a:t>
-            </a:r>
-            <a:r>
-              <a:rPr lang="en-US" altLang="zh-TW" dirty="0" smtClean="0"/>
+              <a:t>註冊資料寫入</a:t>
+            </a:r>
+            <a:r>
+              <a:rPr lang="en-US" altLang="zh-TW" dirty="0"/>
               <a:t>DB</a:t>
             </a:r>
             <a:r>
-              <a:rPr lang="zh-TW" altLang="en-US" dirty="0" smtClean="0"/>
+              <a:rPr lang="zh-TW" altLang="en-US" dirty="0"/>
               <a:t>程式</a:t>
             </a:r>
-            <a:endParaRPr lang="zh-TW" altLang="en-US" dirty="0"/>
           </a:p>
         </p:txBody>
       </p:sp>
       <p:pic>
         <p:nvPicPr>
-          <p:cNvPr id="4" name="圖片 3" descr="畫面剪輯"/>
+          <p:cNvPr id="4" name="內容版面配置區 3" descr="畫面剪輯"/>
           <p:cNvPicPr>
-            <a:picLocks noChangeAspect="1"/>
+            <a:picLocks noGrp="1" noChangeAspect="1"/>
           </p:cNvPicPr>
-          <p:nvPr/>
+          <p:nvPr>
+            <p:ph idx="1"/>
+          </p:nvPr>
         </p:nvPicPr>
         <p:blipFill>
           <a:blip r:embed="rId2">
@@ -11423,18 +11415,15 @@
         </p:blipFill>
         <p:spPr>
           <a:xfrm>
-            <a:off x="1347148" y="1554162"/>
-            <a:ext cx="4145536" cy="3923093"/>
-          </a:xfrm>
-          <a:prstGeom prst="rect">
-            <a:avLst/>
-          </a:prstGeom>
+            <a:off x="1151794" y="1214195"/>
+            <a:ext cx="8985738" cy="5566032"/>
+          </a:xfrm>
         </p:spPr>
       </p:pic>
     </p:spTree>
     <p:extLst>
       <p:ext uri="{BB962C8B-B14F-4D97-AF65-F5344CB8AC3E}">
-        <p14:creationId xmlns:p14="http://schemas.microsoft.com/office/powerpoint/2010/main" val="7242812"/>
+        <p14:creationId xmlns:p14="http://schemas.microsoft.com/office/powerpoint/2010/main" val="251873408"/>
       </p:ext>
     </p:extLst>
   </p:cSld>
@@ -11490,51 +11479,52 @@
           <a:p>
             <a:r>
               <a:rPr lang="zh-TW" altLang="en-US" dirty="0"/>
-              <a:t>註冊</a:t>
-            </a:r>
-            <a:r>
-              <a:rPr lang="zh-TW" altLang="en-US" dirty="0" smtClean="0"/>
-              <a:t>資料寫入</a:t>
-            </a:r>
-            <a:r>
-              <a:rPr lang="en-US" altLang="zh-TW" dirty="0" smtClean="0"/>
+              <a:t>註冊資料寫入</a:t>
+            </a:r>
+            <a:r>
+              <a:rPr lang="en-US" altLang="zh-TW" dirty="0"/>
               <a:t>DB</a:t>
             </a:r>
             <a:r>
-              <a:rPr lang="zh-TW" altLang="en-US" dirty="0" smtClean="0"/>
+              <a:rPr lang="zh-TW" altLang="en-US" dirty="0"/>
               <a:t>程式</a:t>
             </a:r>
-            <a:endParaRPr lang="zh-TW" altLang="en-US" dirty="0"/>
-          </a:p>
-        </p:txBody>
-      </p:sp>
-      <p:sp>
-        <p:nvSpPr>
-          <p:cNvPr id="3" name="內容版面配置區 2"/>
-          <p:cNvSpPr>
-            <a:spLocks noGrp="1"/>
-          </p:cNvSpPr>
+          </a:p>
+        </p:txBody>
+      </p:sp>
+      <p:pic>
+        <p:nvPicPr>
+          <p:cNvPr id="4" name="內容版面配置區 3" descr="畫面剪輯"/>
+          <p:cNvPicPr>
+            <a:picLocks noGrp="1" noChangeAspect="1"/>
+          </p:cNvPicPr>
           <p:nvPr>
             <p:ph idx="1"/>
           </p:nvPr>
-        </p:nvSpPr>
-        <p:spPr/>
-        <p:txBody>
-          <a:bodyPr/>
-          <a:lstStyle/>
-          <a:p>
-            <a:r>
-              <a:rPr lang="zh-TW" altLang="en-US" dirty="0" smtClean="0"/>
-              <a:t>密碼雜湊</a:t>
-            </a:r>
-            <a:endParaRPr lang="zh-TW" altLang="en-US" dirty="0"/>
-          </a:p>
-        </p:txBody>
-      </p:sp>
+        </p:nvPicPr>
+        <p:blipFill>
+          <a:blip r:embed="rId2">
+            <a:extLst>
+              <a:ext uri="{28A0092B-C50C-407E-A947-70E740481C1C}">
+                <a14:useLocalDpi xmlns:a14="http://schemas.microsoft.com/office/drawing/2010/main" val="0"/>
+              </a:ext>
+            </a:extLst>
+          </a:blip>
+          <a:stretch>
+            <a:fillRect/>
+          </a:stretch>
+        </p:blipFill>
+        <p:spPr>
+          <a:xfrm>
+            <a:off x="1413776" y="1666875"/>
+            <a:ext cx="9264436" cy="4510088"/>
+          </a:xfrm>
+        </p:spPr>
+      </p:pic>
     </p:spTree>
     <p:extLst>
       <p:ext uri="{BB962C8B-B14F-4D97-AF65-F5344CB8AC3E}">
-        <p14:creationId xmlns:p14="http://schemas.microsoft.com/office/powerpoint/2010/main" val="1194600060"/>
+        <p14:creationId xmlns:p14="http://schemas.microsoft.com/office/powerpoint/2010/main" val="3232629054"/>
       </p:ext>
     </p:extLst>
   </p:cSld>
@@ -11589,76 +11579,59 @@
           <a:lstStyle/>
           <a:p>
             <a:r>
+              <a:rPr lang="zh-TW" altLang="en-US" dirty="0"/>
+              <a:t>註冊</a:t>
+            </a:r>
+            <a:r>
               <a:rPr lang="zh-TW" altLang="en-US" dirty="0" smtClean="0"/>
-              <a:t>登入</a:t>
+              <a:t>資料寫入</a:t>
+            </a:r>
+            <a:r>
+              <a:rPr lang="en-US" altLang="zh-TW" dirty="0" smtClean="0"/>
+              <a:t>DB</a:t>
+            </a:r>
+            <a:r>
+              <a:rPr lang="zh-TW" altLang="en-US" dirty="0" smtClean="0"/>
+              <a:t>程式</a:t>
             </a:r>
             <a:endParaRPr lang="zh-TW" altLang="en-US" dirty="0"/>
           </a:p>
         </p:txBody>
       </p:sp>
-      <p:sp>
-        <p:nvSpPr>
-          <p:cNvPr id="3" name="內容版面配置區 2"/>
-          <p:cNvSpPr>
-            <a:spLocks noGrp="1"/>
-          </p:cNvSpPr>
-          <p:nvPr>
-            <p:ph idx="1"/>
-          </p:nvPr>
-        </p:nvSpPr>
-        <p:spPr/>
-        <p:txBody>
-          <a:bodyPr/>
-          <a:lstStyle/>
-          <a:p>
-            <a:r>
-              <a:rPr lang="zh-TW" altLang="en-US" dirty="0" smtClean="0"/>
-              <a:t>檢查輸入資料</a:t>
-            </a:r>
-            <a:endParaRPr lang="en-US" altLang="zh-TW" dirty="0" smtClean="0"/>
-          </a:p>
-          <a:p>
-            <a:r>
-              <a:rPr lang="zh-TW" altLang="en-US" dirty="0" smtClean="0"/>
-              <a:t>資料庫抓出比對</a:t>
-            </a:r>
-            <a:endParaRPr lang="en-US" altLang="zh-TW" dirty="0" smtClean="0"/>
-          </a:p>
-          <a:p>
-            <a:r>
-              <a:rPr lang="zh-TW" altLang="en-US" dirty="0"/>
-              <a:t>寫入</a:t>
-            </a:r>
-            <a:r>
-              <a:rPr lang="en-US" altLang="zh-TW" dirty="0" smtClean="0"/>
-              <a:t>session</a:t>
-            </a:r>
-          </a:p>
-          <a:p>
-            <a:r>
-              <a:rPr lang="zh-TW" altLang="en-US" dirty="0" smtClean="0"/>
-              <a:t>已登入進首頁</a:t>
-            </a:r>
-            <a:r>
-              <a:rPr lang="en-US" altLang="zh-TW" dirty="0" smtClean="0"/>
-              <a:t>(</a:t>
-            </a:r>
-            <a:r>
-              <a:rPr lang="zh-TW" altLang="en-US" dirty="0" smtClean="0"/>
-              <a:t>生命週期</a:t>
-            </a:r>
-            <a:r>
-              <a:rPr lang="en-US" altLang="zh-TW" dirty="0" smtClean="0"/>
-              <a:t>)</a:t>
-            </a:r>
-            <a:endParaRPr lang="zh-TW" altLang="en-US" dirty="0"/>
-          </a:p>
-        </p:txBody>
-      </p:sp>
+      <p:pic>
+        <p:nvPicPr>
+          <p:cNvPr id="5" name="圖片 4" descr="畫面剪輯"/>
+          <p:cNvPicPr>
+            <a:picLocks noChangeAspect="1"/>
+          </p:cNvPicPr>
+          <p:nvPr/>
+        </p:nvPicPr>
+        <p:blipFill>
+          <a:blip r:embed="rId2">
+            <a:extLst>
+              <a:ext uri="{28A0092B-C50C-407E-A947-70E740481C1C}">
+                <a14:useLocalDpi xmlns:a14="http://schemas.microsoft.com/office/drawing/2010/main" val="0"/>
+              </a:ext>
+            </a:extLst>
+          </a:blip>
+          <a:stretch>
+            <a:fillRect/>
+          </a:stretch>
+        </p:blipFill>
+        <p:spPr>
+          <a:xfrm>
+            <a:off x="3861622" y="1337531"/>
+            <a:ext cx="3801005" cy="5220429"/>
+          </a:xfrm>
+          <a:prstGeom prst="rect">
+            <a:avLst/>
+          </a:prstGeom>
+        </p:spPr>
+      </p:pic>
     </p:spTree>
     <p:extLst>
       <p:ext uri="{BB962C8B-B14F-4D97-AF65-F5344CB8AC3E}">
-        <p14:creationId xmlns:p14="http://schemas.microsoft.com/office/powerpoint/2010/main" val="3953923420"/>
+        <p14:creationId xmlns:p14="http://schemas.microsoft.com/office/powerpoint/2010/main" val="7242812"/>
       </p:ext>
     </p:extLst>
   </p:cSld>
@@ -11714,38 +11687,998 @@
           <a:p>
             <a:r>
               <a:rPr lang="zh-TW" altLang="en-US" dirty="0"/>
-              <a:t>一般會員可瀏覽網頁</a:t>
-            </a:r>
-          </a:p>
-        </p:txBody>
-      </p:sp>
-      <p:sp>
-        <p:nvSpPr>
-          <p:cNvPr id="3" name="內容版面配置區 2"/>
-          <p:cNvSpPr>
-            <a:spLocks noGrp="1"/>
-          </p:cNvSpPr>
-          <p:nvPr>
-            <p:ph idx="1"/>
-          </p:nvPr>
-        </p:nvSpPr>
-        <p:spPr/>
-        <p:txBody>
-          <a:bodyPr/>
-          <a:lstStyle/>
-          <a:p>
+              <a:t>登入</a:t>
+            </a:r>
+            <a:r>
+              <a:rPr lang="zh-TW" altLang="en-US" dirty="0" smtClean="0"/>
+              <a:t>網頁</a:t>
+            </a:r>
+            <a:r>
+              <a:rPr lang="zh-TW" altLang="en-US" dirty="0"/>
+              <a:t>處理邏輯</a:t>
+            </a:r>
+            <a:endParaRPr lang="zh-TW" altLang="en-US" dirty="0"/>
+          </a:p>
+        </p:txBody>
+      </p:sp>
+      <p:sp>
+        <p:nvSpPr>
+          <p:cNvPr id="4" name="矩形 3"/>
+          <p:cNvSpPr/>
+          <p:nvPr/>
+        </p:nvSpPr>
+        <p:spPr>
+          <a:xfrm>
+            <a:off x="3032125" y="2220498"/>
+            <a:ext cx="1346444" cy="509954"/>
+          </a:xfrm>
+          <a:prstGeom prst="rect">
+            <a:avLst/>
+          </a:prstGeom>
+        </p:spPr>
+        <p:style>
+          <a:lnRef idx="0">
+            <a:schemeClr val="accent1"/>
+          </a:lnRef>
+          <a:fillRef idx="3">
+            <a:schemeClr val="accent1"/>
+          </a:fillRef>
+          <a:effectRef idx="3">
+            <a:schemeClr val="accent1"/>
+          </a:effectRef>
+          <a:fontRef idx="minor">
+            <a:schemeClr val="lt1"/>
+          </a:fontRef>
+        </p:style>
+        <p:txBody>
+          <a:bodyPr rtlCol="0" anchor="ctr"/>
+          <a:lstStyle/>
+          <a:p>
+            <a:pPr algn="ctr"/>
+            <a:r>
+              <a:rPr lang="zh-TW" altLang="en-US" dirty="0" smtClean="0"/>
+              <a:t>輸入資料</a:t>
+            </a:r>
+            <a:endParaRPr lang="zh-TW" altLang="en-US" dirty="0"/>
+          </a:p>
+        </p:txBody>
+      </p:sp>
+      <p:sp>
+        <p:nvSpPr>
+          <p:cNvPr id="5" name="矩形 4"/>
+          <p:cNvSpPr/>
+          <p:nvPr/>
+        </p:nvSpPr>
+        <p:spPr>
+          <a:xfrm>
+            <a:off x="3032125" y="3015922"/>
+            <a:ext cx="1346444" cy="509954"/>
+          </a:xfrm>
+          <a:prstGeom prst="rect">
+            <a:avLst/>
+          </a:prstGeom>
+        </p:spPr>
+        <p:style>
+          <a:lnRef idx="0">
+            <a:schemeClr val="accent1"/>
+          </a:lnRef>
+          <a:fillRef idx="3">
+            <a:schemeClr val="accent1"/>
+          </a:fillRef>
+          <a:effectRef idx="3">
+            <a:schemeClr val="accent1"/>
+          </a:effectRef>
+          <a:fontRef idx="minor">
+            <a:schemeClr val="lt1"/>
+          </a:fontRef>
+        </p:style>
+        <p:txBody>
+          <a:bodyPr rtlCol="0" anchor="ctr"/>
+          <a:lstStyle/>
+          <a:p>
+            <a:pPr algn="ctr"/>
+            <a:r>
+              <a:rPr lang="zh-TW" altLang="en-US" dirty="0" smtClean="0"/>
+              <a:t>送出資料</a:t>
+            </a:r>
+            <a:endParaRPr lang="zh-TW" altLang="en-US" dirty="0"/>
+          </a:p>
+        </p:txBody>
+      </p:sp>
+      <p:sp>
+        <p:nvSpPr>
+          <p:cNvPr id="6" name="矩形 5"/>
+          <p:cNvSpPr/>
+          <p:nvPr/>
+        </p:nvSpPr>
+        <p:spPr>
+          <a:xfrm>
+            <a:off x="5347161" y="2077067"/>
+            <a:ext cx="1186962" cy="509954"/>
+          </a:xfrm>
+          <a:prstGeom prst="rect">
+            <a:avLst/>
+          </a:prstGeom>
+        </p:spPr>
+        <p:style>
+          <a:lnRef idx="0">
+            <a:schemeClr val="accent1"/>
+          </a:lnRef>
+          <a:fillRef idx="3">
+            <a:schemeClr val="accent1"/>
+          </a:fillRef>
+          <a:effectRef idx="3">
+            <a:schemeClr val="accent1"/>
+          </a:effectRef>
+          <a:fontRef idx="minor">
+            <a:schemeClr val="lt1"/>
+          </a:fontRef>
+        </p:style>
+        <p:txBody>
+          <a:bodyPr rtlCol="0" anchor="ctr"/>
+          <a:lstStyle/>
+          <a:p>
+            <a:pPr algn="ctr"/>
             <a:r>
               <a:rPr lang="zh-TW" altLang="en-US" dirty="0"/>
               <a:t>檢查</a:t>
             </a:r>
-            <a:endParaRPr lang="en-US" altLang="zh-TW" dirty="0" smtClean="0"/>
-          </a:p>
-        </p:txBody>
-      </p:sp>
+            <a:r>
+              <a:rPr lang="zh-TW" altLang="en-US" dirty="0" smtClean="0"/>
+              <a:t>資料內容</a:t>
+            </a:r>
+            <a:endParaRPr lang="zh-TW" altLang="en-US" dirty="0"/>
+          </a:p>
+        </p:txBody>
+      </p:sp>
+      <p:sp>
+        <p:nvSpPr>
+          <p:cNvPr id="7" name="矩形 6"/>
+          <p:cNvSpPr/>
+          <p:nvPr/>
+        </p:nvSpPr>
+        <p:spPr>
+          <a:xfrm>
+            <a:off x="5347160" y="4040829"/>
+            <a:ext cx="1186962" cy="509954"/>
+          </a:xfrm>
+          <a:prstGeom prst="rect">
+            <a:avLst/>
+          </a:prstGeom>
+        </p:spPr>
+        <p:style>
+          <a:lnRef idx="0">
+            <a:schemeClr val="accent1"/>
+          </a:lnRef>
+          <a:fillRef idx="3">
+            <a:schemeClr val="accent1"/>
+          </a:fillRef>
+          <a:effectRef idx="3">
+            <a:schemeClr val="accent1"/>
+          </a:effectRef>
+          <a:fontRef idx="minor">
+            <a:schemeClr val="lt1"/>
+          </a:fontRef>
+        </p:style>
+        <p:txBody>
+          <a:bodyPr rtlCol="0" anchor="ctr"/>
+          <a:lstStyle/>
+          <a:p>
+            <a:pPr algn="ctr"/>
+            <a:r>
+              <a:rPr lang="zh-TW" altLang="en-US" dirty="0" smtClean="0"/>
+              <a:t>回饋錯誤訊息</a:t>
+            </a:r>
+            <a:endParaRPr lang="zh-TW" altLang="en-US" dirty="0"/>
+          </a:p>
+        </p:txBody>
+      </p:sp>
+      <p:sp>
+        <p:nvSpPr>
+          <p:cNvPr id="8" name="矩形 7"/>
+          <p:cNvSpPr/>
+          <p:nvPr/>
+        </p:nvSpPr>
+        <p:spPr>
+          <a:xfrm>
+            <a:off x="7397261" y="5877431"/>
+            <a:ext cx="1186962" cy="509954"/>
+          </a:xfrm>
+          <a:prstGeom prst="rect">
+            <a:avLst/>
+          </a:prstGeom>
+        </p:spPr>
+        <p:style>
+          <a:lnRef idx="0">
+            <a:schemeClr val="accent1"/>
+          </a:lnRef>
+          <a:fillRef idx="3">
+            <a:schemeClr val="accent1"/>
+          </a:fillRef>
+          <a:effectRef idx="3">
+            <a:schemeClr val="accent1"/>
+          </a:effectRef>
+          <a:fontRef idx="minor">
+            <a:schemeClr val="lt1"/>
+          </a:fontRef>
+        </p:style>
+        <p:txBody>
+          <a:bodyPr rtlCol="0" anchor="ctr"/>
+          <a:lstStyle/>
+          <a:p>
+            <a:pPr algn="ctr"/>
+            <a:r>
+              <a:rPr lang="zh-TW" altLang="en-US" dirty="0"/>
+              <a:t>轉</a:t>
+            </a:r>
+            <a:r>
+              <a:rPr lang="zh-TW" altLang="en-US" dirty="0" smtClean="0"/>
+              <a:t>至首頁</a:t>
+            </a:r>
+            <a:endParaRPr lang="zh-TW" altLang="en-US" dirty="0"/>
+          </a:p>
+        </p:txBody>
+      </p:sp>
+      <p:sp>
+        <p:nvSpPr>
+          <p:cNvPr id="9" name="矩形 8"/>
+          <p:cNvSpPr/>
+          <p:nvPr/>
+        </p:nvSpPr>
+        <p:spPr>
+          <a:xfrm>
+            <a:off x="7397261" y="4974514"/>
+            <a:ext cx="1186962" cy="509954"/>
+          </a:xfrm>
+          <a:prstGeom prst="rect">
+            <a:avLst/>
+          </a:prstGeom>
+        </p:spPr>
+        <p:style>
+          <a:lnRef idx="0">
+            <a:schemeClr val="accent1"/>
+          </a:lnRef>
+          <a:fillRef idx="3">
+            <a:schemeClr val="accent1"/>
+          </a:fillRef>
+          <a:effectRef idx="3">
+            <a:schemeClr val="accent1"/>
+          </a:effectRef>
+          <a:fontRef idx="minor">
+            <a:schemeClr val="lt1"/>
+          </a:fontRef>
+        </p:style>
+        <p:txBody>
+          <a:bodyPr rtlCol="0" anchor="ctr"/>
+          <a:lstStyle/>
+          <a:p>
+            <a:pPr algn="ctr"/>
+            <a:r>
+              <a:rPr lang="zh-TW" altLang="en-US" dirty="0" smtClean="0"/>
+              <a:t>資料</a:t>
+            </a:r>
+            <a:r>
+              <a:rPr lang="zh-TW" altLang="en-US" dirty="0"/>
+              <a:t>存</a:t>
+            </a:r>
+            <a:r>
+              <a:rPr lang="zh-TW" altLang="en-US" dirty="0" smtClean="0"/>
+              <a:t>入</a:t>
+            </a:r>
+            <a:r>
+              <a:rPr lang="en-US" altLang="zh-TW" dirty="0" smtClean="0"/>
+              <a:t>session</a:t>
+            </a:r>
+            <a:endParaRPr lang="zh-TW" altLang="en-US" dirty="0"/>
+          </a:p>
+        </p:txBody>
+      </p:sp>
+      <p:sp>
+        <p:nvSpPr>
+          <p:cNvPr id="10" name="矩形 9"/>
+          <p:cNvSpPr/>
+          <p:nvPr/>
+        </p:nvSpPr>
+        <p:spPr>
+          <a:xfrm>
+            <a:off x="7397262" y="3089600"/>
+            <a:ext cx="1186962" cy="509954"/>
+          </a:xfrm>
+          <a:prstGeom prst="rect">
+            <a:avLst/>
+          </a:prstGeom>
+        </p:spPr>
+        <p:style>
+          <a:lnRef idx="0">
+            <a:schemeClr val="accent1"/>
+          </a:lnRef>
+          <a:fillRef idx="3">
+            <a:schemeClr val="accent1"/>
+          </a:fillRef>
+          <a:effectRef idx="3">
+            <a:schemeClr val="accent1"/>
+          </a:effectRef>
+          <a:fontRef idx="minor">
+            <a:schemeClr val="lt1"/>
+          </a:fontRef>
+        </p:style>
+        <p:txBody>
+          <a:bodyPr rtlCol="0" anchor="ctr"/>
+          <a:lstStyle/>
+          <a:p>
+            <a:pPr algn="ctr"/>
+            <a:r>
+              <a:rPr lang="zh-TW" altLang="en-US" dirty="0" smtClean="0"/>
+              <a:t>取得</a:t>
+            </a:r>
+            <a:r>
+              <a:rPr lang="en-US" altLang="zh-TW" dirty="0" smtClean="0"/>
+              <a:t>DB</a:t>
+            </a:r>
+            <a:r>
+              <a:rPr lang="zh-TW" altLang="en-US" dirty="0" smtClean="0"/>
+              <a:t>使用者資料</a:t>
+            </a:r>
+            <a:endParaRPr lang="zh-TW" altLang="en-US" dirty="0"/>
+          </a:p>
+        </p:txBody>
+      </p:sp>
+      <p:sp>
+        <p:nvSpPr>
+          <p:cNvPr id="11" name="流程圖: 決策 10"/>
+          <p:cNvSpPr/>
+          <p:nvPr/>
+        </p:nvSpPr>
+        <p:spPr>
+          <a:xfrm>
+            <a:off x="5146982" y="3015922"/>
+            <a:ext cx="1587317" cy="641839"/>
+          </a:xfrm>
+          <a:prstGeom prst="flowChartDecision">
+            <a:avLst/>
+          </a:prstGeom>
+        </p:spPr>
+        <p:style>
+          <a:lnRef idx="0">
+            <a:schemeClr val="accent1"/>
+          </a:lnRef>
+          <a:fillRef idx="3">
+            <a:schemeClr val="accent1"/>
+          </a:fillRef>
+          <a:effectRef idx="3">
+            <a:schemeClr val="accent1"/>
+          </a:effectRef>
+          <a:fontRef idx="minor">
+            <a:schemeClr val="lt1"/>
+          </a:fontRef>
+        </p:style>
+        <p:txBody>
+          <a:bodyPr rtlCol="0" anchor="ctr"/>
+          <a:lstStyle/>
+          <a:p>
+            <a:pPr algn="ctr"/>
+            <a:r>
+              <a:rPr lang="zh-TW" altLang="en-US" dirty="0" smtClean="0"/>
+              <a:t>檢查結果</a:t>
+            </a:r>
+            <a:endParaRPr lang="zh-TW" altLang="en-US" dirty="0"/>
+          </a:p>
+        </p:txBody>
+      </p:sp>
+      <p:sp>
+        <p:nvSpPr>
+          <p:cNvPr id="12" name="流程圖: 決策 11"/>
+          <p:cNvSpPr/>
+          <p:nvPr/>
+        </p:nvSpPr>
+        <p:spPr>
+          <a:xfrm>
+            <a:off x="7197084" y="3974886"/>
+            <a:ext cx="1587317" cy="641839"/>
+          </a:xfrm>
+          <a:prstGeom prst="flowChartDecision">
+            <a:avLst/>
+          </a:prstGeom>
+        </p:spPr>
+        <p:style>
+          <a:lnRef idx="0">
+            <a:schemeClr val="accent1"/>
+          </a:lnRef>
+          <a:fillRef idx="3">
+            <a:schemeClr val="accent1"/>
+          </a:fillRef>
+          <a:effectRef idx="3">
+            <a:schemeClr val="accent1"/>
+          </a:effectRef>
+          <a:fontRef idx="minor">
+            <a:schemeClr val="lt1"/>
+          </a:fontRef>
+        </p:style>
+        <p:txBody>
+          <a:bodyPr rtlCol="0" anchor="ctr"/>
+          <a:lstStyle/>
+          <a:p>
+            <a:pPr algn="ctr"/>
+            <a:r>
+              <a:rPr lang="zh-TW" altLang="en-US" dirty="0"/>
+              <a:t>取得結果</a:t>
+            </a:r>
+            <a:endParaRPr lang="zh-TW" altLang="en-US" dirty="0"/>
+          </a:p>
+        </p:txBody>
+      </p:sp>
+      <p:cxnSp>
+        <p:nvCxnSpPr>
+          <p:cNvPr id="13" name="肘形接點 12"/>
+          <p:cNvCxnSpPr>
+            <a:stCxn id="5" idx="3"/>
+            <a:endCxn id="6" idx="1"/>
+          </p:cNvCxnSpPr>
+          <p:nvPr/>
+        </p:nvCxnSpPr>
+        <p:spPr>
+          <a:xfrm flipV="1">
+            <a:off x="4378569" y="2332044"/>
+            <a:ext cx="968592" cy="938855"/>
+          </a:xfrm>
+          <a:prstGeom prst="bentConnector3">
+            <a:avLst>
+              <a:gd name="adj1" fmla="val 50000"/>
+            </a:avLst>
+          </a:prstGeom>
+          <a:ln w="38100">
+            <a:solidFill>
+              <a:schemeClr val="tx1"/>
+            </a:solidFill>
+            <a:headEnd type="none" w="med" len="med"/>
+            <a:tailEnd type="arrow" w="med" len="med"/>
+          </a:ln>
+        </p:spPr>
+        <p:style>
+          <a:lnRef idx="1">
+            <a:schemeClr val="accent1"/>
+          </a:lnRef>
+          <a:fillRef idx="0">
+            <a:schemeClr val="accent1"/>
+          </a:fillRef>
+          <a:effectRef idx="0">
+            <a:schemeClr val="accent1"/>
+          </a:effectRef>
+          <a:fontRef idx="minor">
+            <a:schemeClr val="tx1"/>
+          </a:fontRef>
+        </p:style>
+      </p:cxnSp>
+      <p:cxnSp>
+        <p:nvCxnSpPr>
+          <p:cNvPr id="14" name="直線單箭頭接點 13"/>
+          <p:cNvCxnSpPr>
+            <a:stCxn id="4" idx="2"/>
+            <a:endCxn id="5" idx="0"/>
+          </p:cNvCxnSpPr>
+          <p:nvPr/>
+        </p:nvCxnSpPr>
+        <p:spPr>
+          <a:xfrm>
+            <a:off x="3705347" y="2730452"/>
+            <a:ext cx="0" cy="285470"/>
+          </a:xfrm>
+          <a:prstGeom prst="straightConnector1">
+            <a:avLst/>
+          </a:prstGeom>
+          <a:ln w="38100">
+            <a:solidFill>
+              <a:schemeClr val="tx1"/>
+            </a:solidFill>
+            <a:headEnd type="none" w="med" len="med"/>
+            <a:tailEnd type="arrow" w="med" len="med"/>
+          </a:ln>
+        </p:spPr>
+        <p:style>
+          <a:lnRef idx="1">
+            <a:schemeClr val="accent1"/>
+          </a:lnRef>
+          <a:fillRef idx="0">
+            <a:schemeClr val="accent1"/>
+          </a:fillRef>
+          <a:effectRef idx="0">
+            <a:schemeClr val="accent1"/>
+          </a:effectRef>
+          <a:fontRef idx="minor">
+            <a:schemeClr val="tx1"/>
+          </a:fontRef>
+        </p:style>
+      </p:cxnSp>
+      <p:cxnSp>
+        <p:nvCxnSpPr>
+          <p:cNvPr id="15" name="直線單箭頭接點 14"/>
+          <p:cNvCxnSpPr>
+            <a:stCxn id="24" idx="2"/>
+            <a:endCxn id="4" idx="0"/>
+          </p:cNvCxnSpPr>
+          <p:nvPr/>
+        </p:nvCxnSpPr>
+        <p:spPr>
+          <a:xfrm>
+            <a:off x="3705347" y="1943823"/>
+            <a:ext cx="0" cy="276675"/>
+          </a:xfrm>
+          <a:prstGeom prst="straightConnector1">
+            <a:avLst/>
+          </a:prstGeom>
+          <a:ln w="38100">
+            <a:solidFill>
+              <a:schemeClr val="tx1"/>
+            </a:solidFill>
+            <a:headEnd type="none" w="med" len="med"/>
+            <a:tailEnd type="arrow" w="med" len="med"/>
+          </a:ln>
+        </p:spPr>
+        <p:style>
+          <a:lnRef idx="1">
+            <a:schemeClr val="accent1"/>
+          </a:lnRef>
+          <a:fillRef idx="0">
+            <a:schemeClr val="accent1"/>
+          </a:fillRef>
+          <a:effectRef idx="0">
+            <a:schemeClr val="accent1"/>
+          </a:effectRef>
+          <a:fontRef idx="minor">
+            <a:schemeClr val="tx1"/>
+          </a:fontRef>
+        </p:style>
+      </p:cxnSp>
+      <p:cxnSp>
+        <p:nvCxnSpPr>
+          <p:cNvPr id="16" name="直線單箭頭接點 15"/>
+          <p:cNvCxnSpPr>
+            <a:stCxn id="6" idx="2"/>
+            <a:endCxn id="11" idx="0"/>
+          </p:cNvCxnSpPr>
+          <p:nvPr/>
+        </p:nvCxnSpPr>
+        <p:spPr>
+          <a:xfrm flipH="1">
+            <a:off x="5940641" y="2587021"/>
+            <a:ext cx="1" cy="428901"/>
+          </a:xfrm>
+          <a:prstGeom prst="straightConnector1">
+            <a:avLst/>
+          </a:prstGeom>
+          <a:ln w="38100">
+            <a:solidFill>
+              <a:schemeClr val="tx1"/>
+            </a:solidFill>
+            <a:headEnd type="none" w="med" len="med"/>
+            <a:tailEnd type="arrow" w="med" len="med"/>
+          </a:ln>
+        </p:spPr>
+        <p:style>
+          <a:lnRef idx="1">
+            <a:schemeClr val="accent1"/>
+          </a:lnRef>
+          <a:fillRef idx="0">
+            <a:schemeClr val="accent1"/>
+          </a:fillRef>
+          <a:effectRef idx="0">
+            <a:schemeClr val="accent1"/>
+          </a:effectRef>
+          <a:fontRef idx="minor">
+            <a:schemeClr val="tx1"/>
+          </a:fontRef>
+        </p:style>
+      </p:cxnSp>
+      <p:cxnSp>
+        <p:nvCxnSpPr>
+          <p:cNvPr id="17" name="直線單箭頭接點 16"/>
+          <p:cNvCxnSpPr>
+            <a:stCxn id="11" idx="2"/>
+            <a:endCxn id="7" idx="0"/>
+          </p:cNvCxnSpPr>
+          <p:nvPr/>
+        </p:nvCxnSpPr>
+        <p:spPr>
+          <a:xfrm>
+            <a:off x="5940641" y="3657761"/>
+            <a:ext cx="0" cy="383068"/>
+          </a:xfrm>
+          <a:prstGeom prst="straightConnector1">
+            <a:avLst/>
+          </a:prstGeom>
+          <a:ln w="38100">
+            <a:solidFill>
+              <a:schemeClr val="tx1"/>
+            </a:solidFill>
+            <a:headEnd type="none" w="med" len="med"/>
+            <a:tailEnd type="arrow" w="med" len="med"/>
+          </a:ln>
+        </p:spPr>
+        <p:style>
+          <a:lnRef idx="1">
+            <a:schemeClr val="accent1"/>
+          </a:lnRef>
+          <a:fillRef idx="0">
+            <a:schemeClr val="accent1"/>
+          </a:fillRef>
+          <a:effectRef idx="0">
+            <a:schemeClr val="accent1"/>
+          </a:effectRef>
+          <a:fontRef idx="minor">
+            <a:schemeClr val="tx1"/>
+          </a:fontRef>
+        </p:style>
+      </p:cxnSp>
+      <p:cxnSp>
+        <p:nvCxnSpPr>
+          <p:cNvPr id="18" name="肘形接點 17"/>
+          <p:cNvCxnSpPr>
+            <a:stCxn id="7" idx="1"/>
+            <a:endCxn id="4" idx="1"/>
+          </p:cNvCxnSpPr>
+          <p:nvPr/>
+        </p:nvCxnSpPr>
+        <p:spPr>
+          <a:xfrm rot="10800000">
+            <a:off x="3032126" y="2475476"/>
+            <a:ext cx="2315035" cy="1820331"/>
+          </a:xfrm>
+          <a:prstGeom prst="bentConnector3">
+            <a:avLst>
+              <a:gd name="adj1" fmla="val 109875"/>
+            </a:avLst>
+          </a:prstGeom>
+          <a:ln w="38100">
+            <a:solidFill>
+              <a:schemeClr val="tx1"/>
+            </a:solidFill>
+            <a:headEnd type="none" w="med" len="med"/>
+            <a:tailEnd type="arrow" w="med" len="med"/>
+          </a:ln>
+        </p:spPr>
+        <p:style>
+          <a:lnRef idx="1">
+            <a:schemeClr val="accent1"/>
+          </a:lnRef>
+          <a:fillRef idx="0">
+            <a:schemeClr val="accent1"/>
+          </a:fillRef>
+          <a:effectRef idx="0">
+            <a:schemeClr val="accent1"/>
+          </a:effectRef>
+          <a:fontRef idx="minor">
+            <a:schemeClr val="tx1"/>
+          </a:fontRef>
+        </p:style>
+      </p:cxnSp>
+      <p:cxnSp>
+        <p:nvCxnSpPr>
+          <p:cNvPr id="19" name="直線單箭頭接點 18"/>
+          <p:cNvCxnSpPr>
+            <a:stCxn id="11" idx="3"/>
+            <a:endCxn id="10" idx="1"/>
+          </p:cNvCxnSpPr>
+          <p:nvPr/>
+        </p:nvCxnSpPr>
+        <p:spPr>
+          <a:xfrm>
+            <a:off x="6734299" y="3336842"/>
+            <a:ext cx="662963" cy="7735"/>
+          </a:xfrm>
+          <a:prstGeom prst="straightConnector1">
+            <a:avLst/>
+          </a:prstGeom>
+          <a:ln w="38100">
+            <a:solidFill>
+              <a:schemeClr val="tx1"/>
+            </a:solidFill>
+            <a:headEnd type="none" w="med" len="med"/>
+            <a:tailEnd type="arrow" w="med" len="med"/>
+          </a:ln>
+        </p:spPr>
+        <p:style>
+          <a:lnRef idx="1">
+            <a:schemeClr val="accent1"/>
+          </a:lnRef>
+          <a:fillRef idx="0">
+            <a:schemeClr val="accent1"/>
+          </a:fillRef>
+          <a:effectRef idx="0">
+            <a:schemeClr val="accent1"/>
+          </a:effectRef>
+          <a:fontRef idx="minor">
+            <a:schemeClr val="tx1"/>
+          </a:fontRef>
+        </p:style>
+      </p:cxnSp>
+      <p:cxnSp>
+        <p:nvCxnSpPr>
+          <p:cNvPr id="20" name="直線單箭頭接點 19"/>
+          <p:cNvCxnSpPr>
+            <a:stCxn id="10" idx="2"/>
+            <a:endCxn id="12" idx="0"/>
+          </p:cNvCxnSpPr>
+          <p:nvPr/>
+        </p:nvCxnSpPr>
+        <p:spPr>
+          <a:xfrm>
+            <a:off x="7990743" y="3599554"/>
+            <a:ext cx="0" cy="375332"/>
+          </a:xfrm>
+          <a:prstGeom prst="straightConnector1">
+            <a:avLst/>
+          </a:prstGeom>
+          <a:ln w="38100">
+            <a:solidFill>
+              <a:schemeClr val="tx1"/>
+            </a:solidFill>
+            <a:headEnd type="none" w="med" len="med"/>
+            <a:tailEnd type="arrow" w="med" len="med"/>
+          </a:ln>
+        </p:spPr>
+        <p:style>
+          <a:lnRef idx="1">
+            <a:schemeClr val="accent1"/>
+          </a:lnRef>
+          <a:fillRef idx="0">
+            <a:schemeClr val="accent1"/>
+          </a:fillRef>
+          <a:effectRef idx="0">
+            <a:schemeClr val="accent1"/>
+          </a:effectRef>
+          <a:fontRef idx="minor">
+            <a:schemeClr val="tx1"/>
+          </a:fontRef>
+        </p:style>
+      </p:cxnSp>
+      <p:cxnSp>
+        <p:nvCxnSpPr>
+          <p:cNvPr id="21" name="直線單箭頭接點 20"/>
+          <p:cNvCxnSpPr>
+            <a:stCxn id="12" idx="1"/>
+            <a:endCxn id="7" idx="3"/>
+          </p:cNvCxnSpPr>
+          <p:nvPr/>
+        </p:nvCxnSpPr>
+        <p:spPr>
+          <a:xfrm flipH="1">
+            <a:off x="6534122" y="4295806"/>
+            <a:ext cx="662962" cy="0"/>
+          </a:xfrm>
+          <a:prstGeom prst="straightConnector1">
+            <a:avLst/>
+          </a:prstGeom>
+          <a:ln w="38100">
+            <a:solidFill>
+              <a:schemeClr val="tx1"/>
+            </a:solidFill>
+            <a:headEnd type="none" w="med" len="med"/>
+            <a:tailEnd type="arrow" w="med" len="med"/>
+          </a:ln>
+        </p:spPr>
+        <p:style>
+          <a:lnRef idx="1">
+            <a:schemeClr val="accent1"/>
+          </a:lnRef>
+          <a:fillRef idx="0">
+            <a:schemeClr val="accent1"/>
+          </a:fillRef>
+          <a:effectRef idx="0">
+            <a:schemeClr val="accent1"/>
+          </a:effectRef>
+          <a:fontRef idx="minor">
+            <a:schemeClr val="tx1"/>
+          </a:fontRef>
+        </p:style>
+      </p:cxnSp>
+      <p:cxnSp>
+        <p:nvCxnSpPr>
+          <p:cNvPr id="22" name="直線單箭頭接點 21"/>
+          <p:cNvCxnSpPr>
+            <a:stCxn id="12" idx="2"/>
+            <a:endCxn id="9" idx="0"/>
+          </p:cNvCxnSpPr>
+          <p:nvPr/>
+        </p:nvCxnSpPr>
+        <p:spPr>
+          <a:xfrm flipH="1">
+            <a:off x="7990742" y="4616725"/>
+            <a:ext cx="1" cy="357789"/>
+          </a:xfrm>
+          <a:prstGeom prst="straightConnector1">
+            <a:avLst/>
+          </a:prstGeom>
+          <a:ln w="38100">
+            <a:solidFill>
+              <a:schemeClr val="tx1"/>
+            </a:solidFill>
+            <a:headEnd type="none" w="med" len="med"/>
+            <a:tailEnd type="arrow" w="med" len="med"/>
+          </a:ln>
+        </p:spPr>
+        <p:style>
+          <a:lnRef idx="1">
+            <a:schemeClr val="accent1"/>
+          </a:lnRef>
+          <a:fillRef idx="0">
+            <a:schemeClr val="accent1"/>
+          </a:fillRef>
+          <a:effectRef idx="0">
+            <a:schemeClr val="accent1"/>
+          </a:effectRef>
+          <a:fontRef idx="minor">
+            <a:schemeClr val="tx1"/>
+          </a:fontRef>
+        </p:style>
+      </p:cxnSp>
+      <p:cxnSp>
+        <p:nvCxnSpPr>
+          <p:cNvPr id="23" name="直線單箭頭接點 22"/>
+          <p:cNvCxnSpPr>
+            <a:stCxn id="9" idx="2"/>
+            <a:endCxn id="8" idx="0"/>
+          </p:cNvCxnSpPr>
+          <p:nvPr/>
+        </p:nvCxnSpPr>
+        <p:spPr>
+          <a:xfrm>
+            <a:off x="7990742" y="5484468"/>
+            <a:ext cx="0" cy="392963"/>
+          </a:xfrm>
+          <a:prstGeom prst="straightConnector1">
+            <a:avLst/>
+          </a:prstGeom>
+          <a:ln w="38100">
+            <a:solidFill>
+              <a:schemeClr val="tx1"/>
+            </a:solidFill>
+            <a:headEnd type="none" w="med" len="med"/>
+            <a:tailEnd type="arrow" w="med" len="med"/>
+          </a:ln>
+        </p:spPr>
+        <p:style>
+          <a:lnRef idx="1">
+            <a:schemeClr val="accent1"/>
+          </a:lnRef>
+          <a:fillRef idx="0">
+            <a:schemeClr val="accent1"/>
+          </a:fillRef>
+          <a:effectRef idx="0">
+            <a:schemeClr val="accent1"/>
+          </a:effectRef>
+          <a:fontRef idx="minor">
+            <a:schemeClr val="tx1"/>
+          </a:fontRef>
+        </p:style>
+      </p:cxnSp>
+      <p:sp>
+        <p:nvSpPr>
+          <p:cNvPr id="24" name="圓角矩形 23"/>
+          <p:cNvSpPr/>
+          <p:nvPr/>
+        </p:nvSpPr>
+        <p:spPr>
+          <a:xfrm>
+            <a:off x="3221770" y="1433869"/>
+            <a:ext cx="967154" cy="509954"/>
+          </a:xfrm>
+          <a:prstGeom prst="roundRect">
+            <a:avLst/>
+          </a:prstGeom>
+        </p:spPr>
+        <p:style>
+          <a:lnRef idx="0">
+            <a:schemeClr val="accent1"/>
+          </a:lnRef>
+          <a:fillRef idx="3">
+            <a:schemeClr val="accent1"/>
+          </a:fillRef>
+          <a:effectRef idx="3">
+            <a:schemeClr val="accent1"/>
+          </a:effectRef>
+          <a:fontRef idx="minor">
+            <a:schemeClr val="lt1"/>
+          </a:fontRef>
+        </p:style>
+        <p:txBody>
+          <a:bodyPr rtlCol="0" anchor="ctr"/>
+          <a:lstStyle/>
+          <a:p>
+            <a:pPr algn="ctr"/>
+            <a:r>
+              <a:rPr lang="zh-TW" altLang="en-US" dirty="0" smtClean="0"/>
+              <a:t>開始</a:t>
+            </a:r>
+            <a:endParaRPr lang="zh-TW" altLang="en-US" dirty="0"/>
+          </a:p>
+        </p:txBody>
+      </p:sp>
+      <p:sp>
+        <p:nvSpPr>
+          <p:cNvPr id="25" name="圓角矩形 24"/>
+          <p:cNvSpPr/>
+          <p:nvPr/>
+        </p:nvSpPr>
+        <p:spPr>
+          <a:xfrm>
+            <a:off x="5457063" y="5877431"/>
+            <a:ext cx="967154" cy="509954"/>
+          </a:xfrm>
+          <a:prstGeom prst="roundRect">
+            <a:avLst/>
+          </a:prstGeom>
+        </p:spPr>
+        <p:style>
+          <a:lnRef idx="0">
+            <a:schemeClr val="accent1"/>
+          </a:lnRef>
+          <a:fillRef idx="3">
+            <a:schemeClr val="accent1"/>
+          </a:fillRef>
+          <a:effectRef idx="3">
+            <a:schemeClr val="accent1"/>
+          </a:effectRef>
+          <a:fontRef idx="minor">
+            <a:schemeClr val="lt1"/>
+          </a:fontRef>
+        </p:style>
+        <p:txBody>
+          <a:bodyPr rtlCol="0" anchor="ctr"/>
+          <a:lstStyle/>
+          <a:p>
+            <a:pPr algn="ctr"/>
+            <a:r>
+              <a:rPr lang="zh-TW" altLang="en-US" dirty="0" smtClean="0"/>
+              <a:t>結束</a:t>
+            </a:r>
+            <a:endParaRPr lang="zh-TW" altLang="en-US" dirty="0"/>
+          </a:p>
+        </p:txBody>
+      </p:sp>
+      <p:cxnSp>
+        <p:nvCxnSpPr>
+          <p:cNvPr id="26" name="直線單箭頭接點 25"/>
+          <p:cNvCxnSpPr>
+            <a:stCxn id="8" idx="1"/>
+            <a:endCxn id="25" idx="3"/>
+          </p:cNvCxnSpPr>
+          <p:nvPr/>
+        </p:nvCxnSpPr>
+        <p:spPr>
+          <a:xfrm flipH="1">
+            <a:off x="6424217" y="6132408"/>
+            <a:ext cx="973044" cy="0"/>
+          </a:xfrm>
+          <a:prstGeom prst="straightConnector1">
+            <a:avLst/>
+          </a:prstGeom>
+          <a:ln w="38100">
+            <a:solidFill>
+              <a:schemeClr val="tx1"/>
+            </a:solidFill>
+            <a:headEnd type="none" w="med" len="med"/>
+            <a:tailEnd type="arrow" w="med" len="med"/>
+          </a:ln>
+        </p:spPr>
+        <p:style>
+          <a:lnRef idx="1">
+            <a:schemeClr val="accent1"/>
+          </a:lnRef>
+          <a:fillRef idx="0">
+            <a:schemeClr val="accent1"/>
+          </a:fillRef>
+          <a:effectRef idx="0">
+            <a:schemeClr val="accent1"/>
+          </a:effectRef>
+          <a:fontRef idx="minor">
+            <a:schemeClr val="tx1"/>
+          </a:fontRef>
+        </p:style>
+      </p:cxnSp>
     </p:spTree>
     <p:extLst>
       <p:ext uri="{BB962C8B-B14F-4D97-AF65-F5344CB8AC3E}">
-        <p14:creationId xmlns:p14="http://schemas.microsoft.com/office/powerpoint/2010/main" val="1575555586"/>
+        <p14:creationId xmlns:p14="http://schemas.microsoft.com/office/powerpoint/2010/main" val="3953923420"/>
       </p:ext>
     </p:extLst>
   </p:cSld>
@@ -11800,14 +12733,13 @@
           <a:lstStyle/>
           <a:p>
             <a:r>
+              <a:rPr lang="zh-TW" altLang="en-US" dirty="0" smtClean="0"/>
+              <a:t>登入</a:t>
+            </a:r>
+            <a:r>
               <a:rPr lang="zh-TW" altLang="en-US" dirty="0"/>
-              <a:t>高級會員才可瀏覽</a:t>
-            </a:r>
-            <a:r>
-              <a:rPr lang="zh-TW" altLang="en-US" dirty="0" smtClean="0"/>
-              <a:t>網頁</a:t>
-            </a:r>
-            <a:endParaRPr lang="zh-TW" altLang="en-US" dirty="0"/>
+              <a:t>資料檢查邏輯</a:t>
+            </a:r>
           </a:p>
         </p:txBody>
       </p:sp>
@@ -11827,12 +12759,20 @@
           <a:lstStyle/>
           <a:p>
             <a:r>
+              <a:rPr lang="zh-TW" altLang="en-US" dirty="0" smtClean="0"/>
+              <a:t>帳號資料不為空字串</a:t>
+            </a:r>
+            <a:endParaRPr lang="en-US" altLang="zh-TW" dirty="0" smtClean="0"/>
+          </a:p>
+          <a:p>
+            <a:r>
               <a:rPr lang="zh-TW" altLang="en-US" dirty="0"/>
-              <a:t>檢查</a:t>
-            </a:r>
-            <a:endParaRPr lang="en-US" altLang="zh-TW" dirty="0"/>
-          </a:p>
-          <a:p>
+              <a:t>密碼資料不</a:t>
+            </a:r>
+            <a:r>
+              <a:rPr lang="zh-TW" altLang="en-US" dirty="0" smtClean="0"/>
+              <a:t>為空字串</a:t>
+            </a:r>
             <a:endParaRPr lang="zh-TW" altLang="en-US" dirty="0"/>
           </a:p>
         </p:txBody>
@@ -11840,7 +12780,472 @@
     </p:spTree>
     <p:extLst>
       <p:ext uri="{BB962C8B-B14F-4D97-AF65-F5344CB8AC3E}">
-        <p14:creationId xmlns:p14="http://schemas.microsoft.com/office/powerpoint/2010/main" val="2259941329"/>
+        <p14:creationId xmlns:p14="http://schemas.microsoft.com/office/powerpoint/2010/main" val="1729498082"/>
+      </p:ext>
+    </p:extLst>
+  </p:cSld>
+  <p:clrMapOvr>
+    <a:masterClrMapping/>
+  </p:clrMapOvr>
+  <mc:AlternateContent xmlns:mc="http://schemas.openxmlformats.org/markup-compatibility/2006" xmlns:p14="http://schemas.microsoft.com/office/powerpoint/2010/main">
+    <mc:Choice Requires="p14">
+      <p:transition spd="slow" p14:dur="1500">
+        <p:random/>
+      </p:transition>
+    </mc:Choice>
+    <mc:Fallback xmlns="">
+      <p:transition spd="slow">
+        <p:random/>
+      </p:transition>
+    </mc:Fallback>
+  </mc:AlternateContent>
+</p:sld>
+</file>
+
+<file path=ppt/slides/slide36.xml><?xml version="1.0" encoding="utf-8"?>
+<p:sld xmlns:a="http://schemas.openxmlformats.org/drawingml/2006/main" xmlns:r="http://schemas.openxmlformats.org/officeDocument/2006/relationships" xmlns:p="http://schemas.openxmlformats.org/presentationml/2006/main">
+  <p:cSld>
+    <p:spTree>
+      <p:nvGrpSpPr>
+        <p:cNvPr id="1" name=""/>
+        <p:cNvGrpSpPr/>
+        <p:nvPr/>
+      </p:nvGrpSpPr>
+      <p:grpSpPr>
+        <a:xfrm>
+          <a:off x="0" y="0"/>
+          <a:ext cx="0" cy="0"/>
+          <a:chOff x="0" y="0"/>
+          <a:chExt cx="0" cy="0"/>
+        </a:xfrm>
+      </p:grpSpPr>
+      <p:sp>
+        <p:nvSpPr>
+          <p:cNvPr id="2" name="標題 1"/>
+          <p:cNvSpPr>
+            <a:spLocks noGrp="1"/>
+          </p:cNvSpPr>
+          <p:nvPr>
+            <p:ph type="title"/>
+          </p:nvPr>
+        </p:nvSpPr>
+        <p:spPr/>
+        <p:txBody>
+          <a:bodyPr/>
+          <a:lstStyle/>
+          <a:p>
+            <a:r>
+              <a:rPr lang="zh-TW" altLang="en-US" dirty="0"/>
+              <a:t>登入</a:t>
+            </a:r>
+            <a:r>
+              <a:rPr lang="zh-TW" altLang="en-US" dirty="0" smtClean="0"/>
+              <a:t>資料</a:t>
+            </a:r>
+            <a:r>
+              <a:rPr lang="zh-TW" altLang="en-US" dirty="0"/>
+              <a:t>檢查程式</a:t>
+            </a:r>
+          </a:p>
+        </p:txBody>
+      </p:sp>
+      <p:pic>
+        <p:nvPicPr>
+          <p:cNvPr id="5" name="圖片 4" descr="畫面剪輯"/>
+          <p:cNvPicPr>
+            <a:picLocks noChangeAspect="1"/>
+          </p:cNvPicPr>
+          <p:nvPr/>
+        </p:nvPicPr>
+        <p:blipFill>
+          <a:blip r:embed="rId2">
+            <a:extLst>
+              <a:ext uri="{28A0092B-C50C-407E-A947-70E740481C1C}">
+                <a14:useLocalDpi xmlns:a14="http://schemas.microsoft.com/office/drawing/2010/main" val="0"/>
+              </a:ext>
+            </a:extLst>
+          </a:blip>
+          <a:stretch>
+            <a:fillRect/>
+          </a:stretch>
+        </p:blipFill>
+        <p:spPr>
+          <a:xfrm>
+            <a:off x="1294394" y="1824267"/>
+            <a:ext cx="5398708" cy="2686186"/>
+          </a:xfrm>
+          <a:prstGeom prst="rect">
+            <a:avLst/>
+          </a:prstGeom>
+        </p:spPr>
+      </p:pic>
+    </p:spTree>
+    <p:extLst>
+      <p:ext uri="{BB962C8B-B14F-4D97-AF65-F5344CB8AC3E}">
+        <p14:creationId xmlns:p14="http://schemas.microsoft.com/office/powerpoint/2010/main" val="1231545095"/>
+      </p:ext>
+    </p:extLst>
+  </p:cSld>
+  <p:clrMapOvr>
+    <a:masterClrMapping/>
+  </p:clrMapOvr>
+  <mc:AlternateContent xmlns:mc="http://schemas.openxmlformats.org/markup-compatibility/2006" xmlns:p14="http://schemas.microsoft.com/office/powerpoint/2010/main">
+    <mc:Choice Requires="p14">
+      <p:transition spd="slow" p14:dur="1500">
+        <p:random/>
+      </p:transition>
+    </mc:Choice>
+    <mc:Fallback xmlns="">
+      <p:transition spd="slow">
+        <p:random/>
+      </p:transition>
+    </mc:Fallback>
+  </mc:AlternateContent>
+</p:sld>
+</file>
+
+<file path=ppt/slides/slide37.xml><?xml version="1.0" encoding="utf-8"?>
+<p:sld xmlns:a="http://schemas.openxmlformats.org/drawingml/2006/main" xmlns:r="http://schemas.openxmlformats.org/officeDocument/2006/relationships" xmlns:p="http://schemas.openxmlformats.org/presentationml/2006/main">
+  <p:cSld>
+    <p:spTree>
+      <p:nvGrpSpPr>
+        <p:cNvPr id="1" name=""/>
+        <p:cNvGrpSpPr/>
+        <p:nvPr/>
+      </p:nvGrpSpPr>
+      <p:grpSpPr>
+        <a:xfrm>
+          <a:off x="0" y="0"/>
+          <a:ext cx="0" cy="0"/>
+          <a:chOff x="0" y="0"/>
+          <a:chExt cx="0" cy="0"/>
+        </a:xfrm>
+      </p:grpSpPr>
+      <p:sp>
+        <p:nvSpPr>
+          <p:cNvPr id="2" name="標題 1"/>
+          <p:cNvSpPr>
+            <a:spLocks noGrp="1"/>
+          </p:cNvSpPr>
+          <p:nvPr>
+            <p:ph type="title"/>
+          </p:nvPr>
+        </p:nvSpPr>
+        <p:spPr/>
+        <p:txBody>
+          <a:bodyPr/>
+          <a:lstStyle/>
+          <a:p>
+            <a:r>
+              <a:rPr lang="zh-TW" altLang="en-US" dirty="0" smtClean="0"/>
+              <a:t>依登入資料取得</a:t>
+            </a:r>
+            <a:r>
+              <a:rPr lang="en-US" altLang="zh-TW" dirty="0" smtClean="0"/>
+              <a:t>DB</a:t>
+            </a:r>
+            <a:r>
+              <a:rPr lang="zh-TW" altLang="en-US" dirty="0" smtClean="0"/>
+              <a:t>內使用者資料</a:t>
+            </a:r>
+            <a:endParaRPr lang="zh-TW" altLang="en-US" dirty="0"/>
+          </a:p>
+        </p:txBody>
+      </p:sp>
+      <p:sp>
+        <p:nvSpPr>
+          <p:cNvPr id="3" name="內容版面配置區 2"/>
+          <p:cNvSpPr>
+            <a:spLocks noGrp="1"/>
+          </p:cNvSpPr>
+          <p:nvPr>
+            <p:ph idx="1"/>
+          </p:nvPr>
+        </p:nvSpPr>
+        <p:spPr/>
+        <p:txBody>
+          <a:bodyPr/>
+          <a:lstStyle/>
+          <a:p>
+            <a:r>
+              <a:rPr lang="zh-TW" altLang="en-US" dirty="0"/>
+              <a:t>定義</a:t>
+            </a:r>
+            <a:r>
+              <a:rPr lang="en-US" altLang="zh-TW" dirty="0" smtClean="0"/>
+              <a:t>User</a:t>
+            </a:r>
+            <a:r>
+              <a:rPr lang="zh-TW" altLang="en-US" dirty="0" smtClean="0"/>
+              <a:t>物件</a:t>
+            </a:r>
+            <a:r>
+              <a:rPr lang="en-US" altLang="zh-TW" dirty="0" smtClean="0"/>
+              <a:t>(</a:t>
+            </a:r>
+            <a:r>
+              <a:rPr lang="zh-TW" altLang="en-US" dirty="0" smtClean="0"/>
+              <a:t>裝</a:t>
+            </a:r>
+            <a:r>
+              <a:rPr lang="en-US" altLang="zh-TW" dirty="0" smtClean="0"/>
+              <a:t>DB</a:t>
+            </a:r>
+            <a:r>
+              <a:rPr lang="zh-TW" altLang="en-US" dirty="0" smtClean="0"/>
+              <a:t>回傳資料</a:t>
+            </a:r>
+            <a:r>
+              <a:rPr lang="en-US" altLang="zh-TW" dirty="0" smtClean="0"/>
+              <a:t>)</a:t>
+            </a:r>
+          </a:p>
+          <a:p>
+            <a:endParaRPr lang="en-US" altLang="zh-TW" dirty="0" smtClean="0"/>
+          </a:p>
+          <a:p>
+            <a:endParaRPr lang="zh-TW" altLang="en-US" dirty="0"/>
+          </a:p>
+        </p:txBody>
+      </p:sp>
+      <p:pic>
+        <p:nvPicPr>
+          <p:cNvPr id="4" name="圖片 3" descr="畫面剪輯"/>
+          <p:cNvPicPr>
+            <a:picLocks noChangeAspect="1"/>
+          </p:cNvPicPr>
+          <p:nvPr/>
+        </p:nvPicPr>
+        <p:blipFill>
+          <a:blip r:embed="rId2">
+            <a:extLst>
+              <a:ext uri="{28A0092B-C50C-407E-A947-70E740481C1C}">
+                <a14:useLocalDpi xmlns:a14="http://schemas.microsoft.com/office/drawing/2010/main" val="0"/>
+              </a:ext>
+            </a:extLst>
+          </a:blip>
+          <a:stretch>
+            <a:fillRect/>
+          </a:stretch>
+        </p:blipFill>
+        <p:spPr>
+          <a:xfrm>
+            <a:off x="1146162" y="2703530"/>
+            <a:ext cx="3619269" cy="2781309"/>
+          </a:xfrm>
+          <a:prstGeom prst="rect">
+            <a:avLst/>
+          </a:prstGeom>
+        </p:spPr>
+      </p:pic>
+    </p:spTree>
+    <p:extLst>
+      <p:ext uri="{BB962C8B-B14F-4D97-AF65-F5344CB8AC3E}">
+        <p14:creationId xmlns:p14="http://schemas.microsoft.com/office/powerpoint/2010/main" val="1084743794"/>
+      </p:ext>
+    </p:extLst>
+  </p:cSld>
+  <p:clrMapOvr>
+    <a:masterClrMapping/>
+  </p:clrMapOvr>
+  <mc:AlternateContent xmlns:mc="http://schemas.openxmlformats.org/markup-compatibility/2006" xmlns:p14="http://schemas.microsoft.com/office/powerpoint/2010/main">
+    <mc:Choice Requires="p14">
+      <p:transition spd="slow" p14:dur="1500">
+        <p:random/>
+      </p:transition>
+    </mc:Choice>
+    <mc:Fallback xmlns="">
+      <p:transition spd="slow">
+        <p:random/>
+      </p:transition>
+    </mc:Fallback>
+  </mc:AlternateContent>
+</p:sld>
+</file>
+
+<file path=ppt/slides/slide38.xml><?xml version="1.0" encoding="utf-8"?>
+<p:sld xmlns:a="http://schemas.openxmlformats.org/drawingml/2006/main" xmlns:r="http://schemas.openxmlformats.org/officeDocument/2006/relationships" xmlns:p="http://schemas.openxmlformats.org/presentationml/2006/main">
+  <p:cSld>
+    <p:spTree>
+      <p:nvGrpSpPr>
+        <p:cNvPr id="1" name=""/>
+        <p:cNvGrpSpPr/>
+        <p:nvPr/>
+      </p:nvGrpSpPr>
+      <p:grpSpPr>
+        <a:xfrm>
+          <a:off x="0" y="0"/>
+          <a:ext cx="0" cy="0"/>
+          <a:chOff x="0" y="0"/>
+          <a:chExt cx="0" cy="0"/>
+        </a:xfrm>
+      </p:grpSpPr>
+      <p:sp>
+        <p:nvSpPr>
+          <p:cNvPr id="2" name="標題 1"/>
+          <p:cNvSpPr>
+            <a:spLocks noGrp="1"/>
+          </p:cNvSpPr>
+          <p:nvPr>
+            <p:ph type="title"/>
+          </p:nvPr>
+        </p:nvSpPr>
+        <p:spPr/>
+        <p:txBody>
+          <a:bodyPr/>
+          <a:lstStyle/>
+          <a:p>
+            <a:r>
+              <a:rPr lang="zh-TW" altLang="en-US" dirty="0"/>
+              <a:t>依登入資料取得</a:t>
+            </a:r>
+            <a:r>
+              <a:rPr lang="en-US" altLang="zh-TW" dirty="0"/>
+              <a:t>DB</a:t>
+            </a:r>
+            <a:r>
+              <a:rPr lang="zh-TW" altLang="en-US" dirty="0"/>
+              <a:t>內使用者資料</a:t>
+            </a:r>
+          </a:p>
+        </p:txBody>
+      </p:sp>
+      <p:pic>
+        <p:nvPicPr>
+          <p:cNvPr id="4" name="圖片 3" descr="畫面剪輯"/>
+          <p:cNvPicPr>
+            <a:picLocks noChangeAspect="1"/>
+          </p:cNvPicPr>
+          <p:nvPr/>
+        </p:nvPicPr>
+        <p:blipFill>
+          <a:blip r:embed="rId2">
+            <a:extLst>
+              <a:ext uri="{28A0092B-C50C-407E-A947-70E740481C1C}">
+                <a14:useLocalDpi xmlns:a14="http://schemas.microsoft.com/office/drawing/2010/main" val="0"/>
+              </a:ext>
+            </a:extLst>
+          </a:blip>
+          <a:stretch>
+            <a:fillRect/>
+          </a:stretch>
+        </p:blipFill>
+        <p:spPr>
+          <a:xfrm>
+            <a:off x="1055076" y="1206094"/>
+            <a:ext cx="9719165" cy="5651906"/>
+          </a:xfrm>
+          <a:prstGeom prst="rect">
+            <a:avLst/>
+          </a:prstGeom>
+        </p:spPr>
+      </p:pic>
+    </p:spTree>
+    <p:extLst>
+      <p:ext uri="{BB962C8B-B14F-4D97-AF65-F5344CB8AC3E}">
+        <p14:creationId xmlns:p14="http://schemas.microsoft.com/office/powerpoint/2010/main" val="2062313572"/>
+      </p:ext>
+    </p:extLst>
+  </p:cSld>
+  <p:clrMapOvr>
+    <a:masterClrMapping/>
+  </p:clrMapOvr>
+  <mc:AlternateContent xmlns:mc="http://schemas.openxmlformats.org/markup-compatibility/2006" xmlns:p14="http://schemas.microsoft.com/office/powerpoint/2010/main">
+    <mc:Choice Requires="p14">
+      <p:transition spd="slow" p14:dur="1500">
+        <p:random/>
+      </p:transition>
+    </mc:Choice>
+    <mc:Fallback xmlns="">
+      <p:transition spd="slow">
+        <p:random/>
+      </p:transition>
+    </mc:Fallback>
+  </mc:AlternateContent>
+</p:sld>
+</file>
+
+<file path=ppt/slides/slide39.xml><?xml version="1.0" encoding="utf-8"?>
+<p:sld xmlns:a="http://schemas.openxmlformats.org/drawingml/2006/main" xmlns:r="http://schemas.openxmlformats.org/officeDocument/2006/relationships" xmlns:p="http://schemas.openxmlformats.org/presentationml/2006/main">
+  <p:cSld>
+    <p:spTree>
+      <p:nvGrpSpPr>
+        <p:cNvPr id="1" name=""/>
+        <p:cNvGrpSpPr/>
+        <p:nvPr/>
+      </p:nvGrpSpPr>
+      <p:grpSpPr>
+        <a:xfrm>
+          <a:off x="0" y="0"/>
+          <a:ext cx="0" cy="0"/>
+          <a:chOff x="0" y="0"/>
+          <a:chExt cx="0" cy="0"/>
+        </a:xfrm>
+      </p:grpSpPr>
+      <p:sp>
+        <p:nvSpPr>
+          <p:cNvPr id="2" name="標題 1"/>
+          <p:cNvSpPr>
+            <a:spLocks noGrp="1"/>
+          </p:cNvSpPr>
+          <p:nvPr>
+            <p:ph type="title"/>
+          </p:nvPr>
+        </p:nvSpPr>
+        <p:spPr/>
+        <p:txBody>
+          <a:bodyPr/>
+          <a:lstStyle/>
+          <a:p>
+            <a:r>
+              <a:rPr lang="zh-TW" altLang="en-US" dirty="0"/>
+              <a:t>依登入資料取得</a:t>
+            </a:r>
+            <a:r>
+              <a:rPr lang="en-US" altLang="zh-TW" dirty="0"/>
+              <a:t>DB</a:t>
+            </a:r>
+            <a:r>
+              <a:rPr lang="zh-TW" altLang="en-US" dirty="0"/>
+              <a:t>內使用者資料</a:t>
+            </a:r>
+          </a:p>
+        </p:txBody>
+      </p:sp>
+      <p:pic>
+        <p:nvPicPr>
+          <p:cNvPr id="4" name="圖片 3" descr="畫面剪輯"/>
+          <p:cNvPicPr>
+            <a:picLocks noChangeAspect="1"/>
+          </p:cNvPicPr>
+          <p:nvPr/>
+        </p:nvPicPr>
+        <p:blipFill>
+          <a:blip r:embed="rId2">
+            <a:extLst>
+              <a:ext uri="{28A0092B-C50C-407E-A947-70E740481C1C}">
+                <a14:useLocalDpi xmlns:a14="http://schemas.microsoft.com/office/drawing/2010/main" val="0"/>
+              </a:ext>
+            </a:extLst>
+          </a:blip>
+          <a:stretch>
+            <a:fillRect/>
+          </a:stretch>
+        </p:blipFill>
+        <p:spPr>
+          <a:xfrm>
+            <a:off x="3167030" y="1976192"/>
+            <a:ext cx="4177756" cy="3457453"/>
+          </a:xfrm>
+          <a:prstGeom prst="rect">
+            <a:avLst/>
+          </a:prstGeom>
+        </p:spPr>
+      </p:pic>
+    </p:spTree>
+    <p:extLst>
+      <p:ext uri="{BB962C8B-B14F-4D97-AF65-F5344CB8AC3E}">
+        <p14:creationId xmlns:p14="http://schemas.microsoft.com/office/powerpoint/2010/main" val="920881456"/>
       </p:ext>
     </p:extLst>
   </p:cSld>
@@ -12067,6 +13472,288 @@
     <p:extLst>
       <p:ext uri="{BB962C8B-B14F-4D97-AF65-F5344CB8AC3E}">
         <p14:creationId xmlns:p14="http://schemas.microsoft.com/office/powerpoint/2010/main" val="3637830112"/>
+      </p:ext>
+    </p:extLst>
+  </p:cSld>
+  <p:clrMapOvr>
+    <a:masterClrMapping/>
+  </p:clrMapOvr>
+  <mc:AlternateContent xmlns:mc="http://schemas.openxmlformats.org/markup-compatibility/2006" xmlns:p14="http://schemas.microsoft.com/office/powerpoint/2010/main">
+    <mc:Choice Requires="p14">
+      <p:transition spd="slow" p14:dur="1500">
+        <p:random/>
+      </p:transition>
+    </mc:Choice>
+    <mc:Fallback xmlns="">
+      <p:transition spd="slow">
+        <p:random/>
+      </p:transition>
+    </mc:Fallback>
+  </mc:AlternateContent>
+</p:sld>
+</file>
+
+<file path=ppt/slides/slide40.xml><?xml version="1.0" encoding="utf-8"?>
+<p:sld xmlns:a="http://schemas.openxmlformats.org/drawingml/2006/main" xmlns:r="http://schemas.openxmlformats.org/officeDocument/2006/relationships" xmlns:p="http://schemas.openxmlformats.org/presentationml/2006/main">
+  <p:cSld>
+    <p:spTree>
+      <p:nvGrpSpPr>
+        <p:cNvPr id="1" name=""/>
+        <p:cNvGrpSpPr/>
+        <p:nvPr/>
+      </p:nvGrpSpPr>
+      <p:grpSpPr>
+        <a:xfrm>
+          <a:off x="0" y="0"/>
+          <a:ext cx="0" cy="0"/>
+          <a:chOff x="0" y="0"/>
+          <a:chExt cx="0" cy="0"/>
+        </a:xfrm>
+      </p:grpSpPr>
+      <p:sp>
+        <p:nvSpPr>
+          <p:cNvPr id="2" name="標題 1"/>
+          <p:cNvSpPr>
+            <a:spLocks noGrp="1"/>
+          </p:cNvSpPr>
+          <p:nvPr>
+            <p:ph type="title"/>
+          </p:nvPr>
+        </p:nvSpPr>
+        <p:spPr/>
+        <p:txBody>
+          <a:bodyPr/>
+          <a:lstStyle/>
+          <a:p>
+            <a:r>
+              <a:rPr lang="zh-TW" altLang="en-US" dirty="0"/>
+              <a:t>一般會員可瀏覽網頁</a:t>
+            </a:r>
+          </a:p>
+        </p:txBody>
+      </p:sp>
+      <p:sp>
+        <p:nvSpPr>
+          <p:cNvPr id="3" name="內容版面配置區 2"/>
+          <p:cNvSpPr>
+            <a:spLocks noGrp="1"/>
+          </p:cNvSpPr>
+          <p:nvPr>
+            <p:ph idx="1"/>
+          </p:nvPr>
+        </p:nvSpPr>
+        <p:spPr/>
+        <p:txBody>
+          <a:bodyPr/>
+          <a:lstStyle/>
+          <a:p>
+            <a:r>
+              <a:rPr lang="zh-TW" altLang="en-US" dirty="0"/>
+              <a:t>檢查</a:t>
+            </a:r>
+            <a:endParaRPr lang="en-US" altLang="zh-TW" dirty="0" smtClean="0"/>
+          </a:p>
+        </p:txBody>
+      </p:sp>
+    </p:spTree>
+    <p:extLst>
+      <p:ext uri="{BB962C8B-B14F-4D97-AF65-F5344CB8AC3E}">
+        <p14:creationId xmlns:p14="http://schemas.microsoft.com/office/powerpoint/2010/main" val="1575555586"/>
+      </p:ext>
+    </p:extLst>
+  </p:cSld>
+  <p:clrMapOvr>
+    <a:masterClrMapping/>
+  </p:clrMapOvr>
+  <mc:AlternateContent xmlns:mc="http://schemas.openxmlformats.org/markup-compatibility/2006" xmlns:p14="http://schemas.microsoft.com/office/powerpoint/2010/main">
+    <mc:Choice Requires="p14">
+      <p:transition spd="slow" p14:dur="1500">
+        <p:random/>
+      </p:transition>
+    </mc:Choice>
+    <mc:Fallback xmlns="">
+      <p:transition spd="slow">
+        <p:random/>
+      </p:transition>
+    </mc:Fallback>
+  </mc:AlternateContent>
+</p:sld>
+</file>
+
+<file path=ppt/slides/slide41.xml><?xml version="1.0" encoding="utf-8"?>
+<p:sld xmlns:a="http://schemas.openxmlformats.org/drawingml/2006/main" xmlns:r="http://schemas.openxmlformats.org/officeDocument/2006/relationships" xmlns:p="http://schemas.openxmlformats.org/presentationml/2006/main">
+  <p:cSld>
+    <p:spTree>
+      <p:nvGrpSpPr>
+        <p:cNvPr id="1" name=""/>
+        <p:cNvGrpSpPr/>
+        <p:nvPr/>
+      </p:nvGrpSpPr>
+      <p:grpSpPr>
+        <a:xfrm>
+          <a:off x="0" y="0"/>
+          <a:ext cx="0" cy="0"/>
+          <a:chOff x="0" y="0"/>
+          <a:chExt cx="0" cy="0"/>
+        </a:xfrm>
+      </p:grpSpPr>
+      <p:sp>
+        <p:nvSpPr>
+          <p:cNvPr id="2" name="標題 1"/>
+          <p:cNvSpPr>
+            <a:spLocks noGrp="1"/>
+          </p:cNvSpPr>
+          <p:nvPr>
+            <p:ph type="title"/>
+          </p:nvPr>
+        </p:nvSpPr>
+        <p:spPr/>
+        <p:txBody>
+          <a:bodyPr/>
+          <a:lstStyle/>
+          <a:p>
+            <a:r>
+              <a:rPr lang="zh-TW" altLang="en-US" dirty="0"/>
+              <a:t>高級會員才可瀏覽</a:t>
+            </a:r>
+            <a:r>
+              <a:rPr lang="zh-TW" altLang="en-US" dirty="0" smtClean="0"/>
+              <a:t>網頁</a:t>
+            </a:r>
+            <a:endParaRPr lang="zh-TW" altLang="en-US" dirty="0"/>
+          </a:p>
+        </p:txBody>
+      </p:sp>
+      <p:sp>
+        <p:nvSpPr>
+          <p:cNvPr id="3" name="內容版面配置區 2"/>
+          <p:cNvSpPr>
+            <a:spLocks noGrp="1"/>
+          </p:cNvSpPr>
+          <p:nvPr>
+            <p:ph idx="1"/>
+          </p:nvPr>
+        </p:nvSpPr>
+        <p:spPr/>
+        <p:txBody>
+          <a:bodyPr/>
+          <a:lstStyle/>
+          <a:p>
+            <a:r>
+              <a:rPr lang="zh-TW" altLang="en-US" dirty="0"/>
+              <a:t>檢查</a:t>
+            </a:r>
+            <a:endParaRPr lang="en-US" altLang="zh-TW" dirty="0"/>
+          </a:p>
+          <a:p>
+            <a:endParaRPr lang="zh-TW" altLang="en-US" dirty="0"/>
+          </a:p>
+        </p:txBody>
+      </p:sp>
+    </p:spTree>
+    <p:extLst>
+      <p:ext uri="{BB962C8B-B14F-4D97-AF65-F5344CB8AC3E}">
+        <p14:creationId xmlns:p14="http://schemas.microsoft.com/office/powerpoint/2010/main" val="2259941329"/>
+      </p:ext>
+    </p:extLst>
+  </p:cSld>
+  <p:clrMapOvr>
+    <a:masterClrMapping/>
+  </p:clrMapOvr>
+  <mc:AlternateContent xmlns:mc="http://schemas.openxmlformats.org/markup-compatibility/2006" xmlns:p14="http://schemas.microsoft.com/office/powerpoint/2010/main">
+    <mc:Choice Requires="p14">
+      <p:transition spd="slow" p14:dur="1500">
+        <p:random/>
+      </p:transition>
+    </mc:Choice>
+    <mc:Fallback xmlns="">
+      <p:transition spd="slow">
+        <p:random/>
+      </p:transition>
+    </mc:Fallback>
+  </mc:AlternateContent>
+</p:sld>
+</file>
+
+<file path=ppt/slides/slide42.xml><?xml version="1.0" encoding="utf-8"?>
+<p:sld xmlns:a="http://schemas.openxmlformats.org/drawingml/2006/main" xmlns:r="http://schemas.openxmlformats.org/officeDocument/2006/relationships" xmlns:p="http://schemas.openxmlformats.org/presentationml/2006/main">
+  <p:cSld>
+    <p:spTree>
+      <p:nvGrpSpPr>
+        <p:cNvPr id="1" name=""/>
+        <p:cNvGrpSpPr/>
+        <p:nvPr/>
+      </p:nvGrpSpPr>
+      <p:grpSpPr>
+        <a:xfrm>
+          <a:off x="0" y="0"/>
+          <a:ext cx="0" cy="0"/>
+          <a:chOff x="0" y="0"/>
+          <a:chExt cx="0" cy="0"/>
+        </a:xfrm>
+      </p:grpSpPr>
+      <p:sp>
+        <p:nvSpPr>
+          <p:cNvPr id="2" name="標題 1"/>
+          <p:cNvSpPr>
+            <a:spLocks noGrp="1"/>
+          </p:cNvSpPr>
+          <p:nvPr>
+            <p:ph type="title"/>
+          </p:nvPr>
+        </p:nvSpPr>
+        <p:spPr/>
+        <p:txBody>
+          <a:bodyPr/>
+          <a:lstStyle/>
+          <a:p>
+            <a:r>
+              <a:rPr lang="zh-TW" altLang="en-US" dirty="0"/>
+              <a:t>註冊</a:t>
+            </a:r>
+            <a:r>
+              <a:rPr lang="zh-TW" altLang="en-US" dirty="0" smtClean="0"/>
+              <a:t>資料寫入</a:t>
+            </a:r>
+            <a:r>
+              <a:rPr lang="en-US" altLang="zh-TW" dirty="0" smtClean="0"/>
+              <a:t>DB</a:t>
+            </a:r>
+            <a:r>
+              <a:rPr lang="zh-TW" altLang="en-US" dirty="0" smtClean="0"/>
+              <a:t>程式</a:t>
+            </a:r>
+            <a:endParaRPr lang="zh-TW" altLang="en-US" dirty="0"/>
+          </a:p>
+        </p:txBody>
+      </p:sp>
+      <p:sp>
+        <p:nvSpPr>
+          <p:cNvPr id="3" name="內容版面配置區 2"/>
+          <p:cNvSpPr>
+            <a:spLocks noGrp="1"/>
+          </p:cNvSpPr>
+          <p:nvPr>
+            <p:ph idx="1"/>
+          </p:nvPr>
+        </p:nvSpPr>
+        <p:spPr/>
+        <p:txBody>
+          <a:bodyPr/>
+          <a:lstStyle/>
+          <a:p>
+            <a:r>
+              <a:rPr lang="zh-TW" altLang="en-US" dirty="0" smtClean="0"/>
+              <a:t>密碼雜湊</a:t>
+            </a:r>
+            <a:endParaRPr lang="zh-TW" altLang="en-US" dirty="0"/>
+          </a:p>
+        </p:txBody>
+      </p:sp>
+    </p:spTree>
+    <p:extLst>
+      <p:ext uri="{BB962C8B-B14F-4D97-AF65-F5344CB8AC3E}">
+        <p14:creationId xmlns:p14="http://schemas.microsoft.com/office/powerpoint/2010/main" val="1194600060"/>
       </p:ext>
     </p:extLst>
   </p:cSld>

--- a/投影片/4.實作-帳號註冊、登入網頁.pptx
+++ b/投影片/4.實作-帳號註冊、登入網頁.pptx
@@ -4,6 +4,9 @@
   <p:sldMasterIdLst>
     <p:sldMasterId id="2147483648" r:id="rId1"/>
   </p:sldMasterIdLst>
+  <p:notesMasterIdLst>
+    <p:notesMasterId r:id="rId51"/>
+  </p:notesMasterIdLst>
   <p:sldIdLst>
     <p:sldId id="258" r:id="rId2"/>
     <p:sldId id="259" r:id="rId3"/>
@@ -44,9 +47,16 @@
     <p:sldId id="313" r:id="rId38"/>
     <p:sldId id="314" r:id="rId39"/>
     <p:sldId id="315" r:id="rId40"/>
-    <p:sldId id="271" r:id="rId41"/>
-    <p:sldId id="272" r:id="rId42"/>
-    <p:sldId id="305" r:id="rId43"/>
+    <p:sldId id="316" r:id="rId41"/>
+    <p:sldId id="317" r:id="rId42"/>
+    <p:sldId id="318" r:id="rId43"/>
+    <p:sldId id="319" r:id="rId44"/>
+    <p:sldId id="320" r:id="rId45"/>
+    <p:sldId id="271" r:id="rId46"/>
+    <p:sldId id="272" r:id="rId47"/>
+    <p:sldId id="321" r:id="rId48"/>
+    <p:sldId id="305" r:id="rId49"/>
+    <p:sldId id="322" r:id="rId50"/>
   </p:sldIdLst>
   <p:sldSz cx="12192000" cy="6858000"/>
   <p:notesSz cx="6858000" cy="9144000"/>
@@ -153,6 +163,440 @@
 </p:presentation>
 </file>
 
+<file path=ppt/notesMasters/notesMaster1.xml><?xml version="1.0" encoding="utf-8"?>
+<p:notesMaster xmlns:a="http://schemas.openxmlformats.org/drawingml/2006/main" xmlns:r="http://schemas.openxmlformats.org/officeDocument/2006/relationships" xmlns:p="http://schemas.openxmlformats.org/presentationml/2006/main">
+  <p:cSld>
+    <p:bg>
+      <p:bgRef idx="1001">
+        <a:schemeClr val="bg1"/>
+      </p:bgRef>
+    </p:bg>
+    <p:spTree>
+      <p:nvGrpSpPr>
+        <p:cNvPr id="1" name=""/>
+        <p:cNvGrpSpPr/>
+        <p:nvPr/>
+      </p:nvGrpSpPr>
+      <p:grpSpPr>
+        <a:xfrm>
+          <a:off x="0" y="0"/>
+          <a:ext cx="0" cy="0"/>
+          <a:chOff x="0" y="0"/>
+          <a:chExt cx="0" cy="0"/>
+        </a:xfrm>
+      </p:grpSpPr>
+      <p:sp>
+        <p:nvSpPr>
+          <p:cNvPr id="2" name="頁首版面配置區 1"/>
+          <p:cNvSpPr>
+            <a:spLocks noGrp="1"/>
+          </p:cNvSpPr>
+          <p:nvPr>
+            <p:ph type="hdr" sz="quarter"/>
+          </p:nvPr>
+        </p:nvSpPr>
+        <p:spPr>
+          <a:xfrm>
+            <a:off x="0" y="0"/>
+            <a:ext cx="2971800" cy="458788"/>
+          </a:xfrm>
+          <a:prstGeom prst="rect">
+            <a:avLst/>
+          </a:prstGeom>
+        </p:spPr>
+        <p:txBody>
+          <a:bodyPr vert="horz" lIns="91440" tIns="45720" rIns="91440" bIns="45720" rtlCol="0"/>
+          <a:lstStyle>
+            <a:lvl1pPr algn="l">
+              <a:defRPr sz="1200"/>
+            </a:lvl1pPr>
+          </a:lstStyle>
+          <a:p>
+            <a:endParaRPr lang="zh-TW" altLang="en-US"/>
+          </a:p>
+        </p:txBody>
+      </p:sp>
+      <p:sp>
+        <p:nvSpPr>
+          <p:cNvPr id="3" name="日期版面配置區 2"/>
+          <p:cNvSpPr>
+            <a:spLocks noGrp="1"/>
+          </p:cNvSpPr>
+          <p:nvPr>
+            <p:ph type="dt" idx="1"/>
+          </p:nvPr>
+        </p:nvSpPr>
+        <p:spPr>
+          <a:xfrm>
+            <a:off x="3884613" y="0"/>
+            <a:ext cx="2971800" cy="458788"/>
+          </a:xfrm>
+          <a:prstGeom prst="rect">
+            <a:avLst/>
+          </a:prstGeom>
+        </p:spPr>
+        <p:txBody>
+          <a:bodyPr vert="horz" lIns="91440" tIns="45720" rIns="91440" bIns="45720" rtlCol="0"/>
+          <a:lstStyle>
+            <a:lvl1pPr algn="r">
+              <a:defRPr sz="1200"/>
+            </a:lvl1pPr>
+          </a:lstStyle>
+          <a:p>
+            <a:fld id="{5B9B4E96-C3CE-45C2-9C7F-D52AA812C591}" type="datetimeFigureOut">
+              <a:rPr lang="zh-TW" altLang="en-US" smtClean="0"/>
+              <a:t>2022/3/30</a:t>
+            </a:fld>
+            <a:endParaRPr lang="zh-TW" altLang="en-US"/>
+          </a:p>
+        </p:txBody>
+      </p:sp>
+      <p:sp>
+        <p:nvSpPr>
+          <p:cNvPr id="4" name="投影片圖像版面配置區 3"/>
+          <p:cNvSpPr>
+            <a:spLocks noGrp="1" noRot="1" noChangeAspect="1"/>
+          </p:cNvSpPr>
+          <p:nvPr>
+            <p:ph type="sldImg" idx="2"/>
+          </p:nvPr>
+        </p:nvSpPr>
+        <p:spPr>
+          <a:xfrm>
+            <a:off x="685800" y="1143000"/>
+            <a:ext cx="5486400" cy="3086100"/>
+          </a:xfrm>
+          <a:prstGeom prst="rect">
+            <a:avLst/>
+          </a:prstGeom>
+          <a:noFill/>
+          <a:ln w="12700">
+            <a:solidFill>
+              <a:prstClr val="black"/>
+            </a:solidFill>
+          </a:ln>
+        </p:spPr>
+        <p:txBody>
+          <a:bodyPr vert="horz" lIns="91440" tIns="45720" rIns="91440" bIns="45720" rtlCol="0" anchor="ctr"/>
+          <a:lstStyle/>
+          <a:p>
+            <a:endParaRPr lang="zh-TW" altLang="en-US"/>
+          </a:p>
+        </p:txBody>
+      </p:sp>
+      <p:sp>
+        <p:nvSpPr>
+          <p:cNvPr id="5" name="備忘稿版面配置區 4"/>
+          <p:cNvSpPr>
+            <a:spLocks noGrp="1"/>
+          </p:cNvSpPr>
+          <p:nvPr>
+            <p:ph type="body" sz="quarter" idx="3"/>
+          </p:nvPr>
+        </p:nvSpPr>
+        <p:spPr>
+          <a:xfrm>
+            <a:off x="685800" y="4400550"/>
+            <a:ext cx="5486400" cy="3600450"/>
+          </a:xfrm>
+          <a:prstGeom prst="rect">
+            <a:avLst/>
+          </a:prstGeom>
+        </p:spPr>
+        <p:txBody>
+          <a:bodyPr vert="horz" lIns="91440" tIns="45720" rIns="91440" bIns="45720" rtlCol="0"/>
+          <a:lstStyle/>
+          <a:p>
+            <a:pPr lvl="0"/>
+            <a:r>
+              <a:rPr lang="zh-TW" altLang="en-US" smtClean="0"/>
+              <a:t>編輯母片文字樣式</a:t>
+            </a:r>
+          </a:p>
+          <a:p>
+            <a:pPr lvl="1"/>
+            <a:r>
+              <a:rPr lang="zh-TW" altLang="en-US" smtClean="0"/>
+              <a:t>第二層</a:t>
+            </a:r>
+          </a:p>
+          <a:p>
+            <a:pPr lvl="2"/>
+            <a:r>
+              <a:rPr lang="zh-TW" altLang="en-US" smtClean="0"/>
+              <a:t>第三層</a:t>
+            </a:r>
+          </a:p>
+          <a:p>
+            <a:pPr lvl="3"/>
+            <a:r>
+              <a:rPr lang="zh-TW" altLang="en-US" smtClean="0"/>
+              <a:t>第四層</a:t>
+            </a:r>
+          </a:p>
+          <a:p>
+            <a:pPr lvl="4"/>
+            <a:r>
+              <a:rPr lang="zh-TW" altLang="en-US" smtClean="0"/>
+              <a:t>第五層</a:t>
+            </a:r>
+            <a:endParaRPr lang="zh-TW" altLang="en-US"/>
+          </a:p>
+        </p:txBody>
+      </p:sp>
+      <p:sp>
+        <p:nvSpPr>
+          <p:cNvPr id="6" name="頁尾版面配置區 5"/>
+          <p:cNvSpPr>
+            <a:spLocks noGrp="1"/>
+          </p:cNvSpPr>
+          <p:nvPr>
+            <p:ph type="ftr" sz="quarter" idx="4"/>
+          </p:nvPr>
+        </p:nvSpPr>
+        <p:spPr>
+          <a:xfrm>
+            <a:off x="0" y="8685213"/>
+            <a:ext cx="2971800" cy="458787"/>
+          </a:xfrm>
+          <a:prstGeom prst="rect">
+            <a:avLst/>
+          </a:prstGeom>
+        </p:spPr>
+        <p:txBody>
+          <a:bodyPr vert="horz" lIns="91440" tIns="45720" rIns="91440" bIns="45720" rtlCol="0" anchor="b"/>
+          <a:lstStyle>
+            <a:lvl1pPr algn="l">
+              <a:defRPr sz="1200"/>
+            </a:lvl1pPr>
+          </a:lstStyle>
+          <a:p>
+            <a:endParaRPr lang="zh-TW" altLang="en-US"/>
+          </a:p>
+        </p:txBody>
+      </p:sp>
+      <p:sp>
+        <p:nvSpPr>
+          <p:cNvPr id="7" name="投影片編號版面配置區 6"/>
+          <p:cNvSpPr>
+            <a:spLocks noGrp="1"/>
+          </p:cNvSpPr>
+          <p:nvPr>
+            <p:ph type="sldNum" sz="quarter" idx="5"/>
+          </p:nvPr>
+        </p:nvSpPr>
+        <p:spPr>
+          <a:xfrm>
+            <a:off x="3884613" y="8685213"/>
+            <a:ext cx="2971800" cy="458787"/>
+          </a:xfrm>
+          <a:prstGeom prst="rect">
+            <a:avLst/>
+          </a:prstGeom>
+        </p:spPr>
+        <p:txBody>
+          <a:bodyPr vert="horz" lIns="91440" tIns="45720" rIns="91440" bIns="45720" rtlCol="0" anchor="b"/>
+          <a:lstStyle>
+            <a:lvl1pPr algn="r">
+              <a:defRPr sz="1200"/>
+            </a:lvl1pPr>
+          </a:lstStyle>
+          <a:p>
+            <a:fld id="{2EFD3034-2FB3-4837-A013-ED3BAAFAC346}" type="slidenum">
+              <a:rPr lang="zh-TW" altLang="en-US" smtClean="0"/>
+              <a:t>‹#›</a:t>
+            </a:fld>
+            <a:endParaRPr lang="zh-TW" altLang="en-US"/>
+          </a:p>
+        </p:txBody>
+      </p:sp>
+    </p:spTree>
+    <p:extLst>
+      <p:ext uri="{BB962C8B-B14F-4D97-AF65-F5344CB8AC3E}">
+        <p14:creationId xmlns:p14="http://schemas.microsoft.com/office/powerpoint/2010/main" val="1677958184"/>
+      </p:ext>
+    </p:extLst>
+  </p:cSld>
+  <p:clrMap bg1="lt1" tx1="dk1" bg2="lt2" tx2="dk2" accent1="accent1" accent2="accent2" accent3="accent3" accent4="accent4" accent5="accent5" accent6="accent6" hlink="hlink" folHlink="folHlink"/>
+  <p:notesStyle>
+    <a:lvl1pPr marL="0" algn="l" defTabSz="914400" rtl="0" eaLnBrk="1" latinLnBrk="0" hangingPunct="1">
+      <a:defRPr sz="1200" kern="1200">
+        <a:solidFill>
+          <a:schemeClr val="tx1"/>
+        </a:solidFill>
+        <a:latin typeface="+mn-lt"/>
+        <a:ea typeface="+mn-ea"/>
+        <a:cs typeface="+mn-cs"/>
+      </a:defRPr>
+    </a:lvl1pPr>
+    <a:lvl2pPr marL="457200" algn="l" defTabSz="914400" rtl="0" eaLnBrk="1" latinLnBrk="0" hangingPunct="1">
+      <a:defRPr sz="1200" kern="1200">
+        <a:solidFill>
+          <a:schemeClr val="tx1"/>
+        </a:solidFill>
+        <a:latin typeface="+mn-lt"/>
+        <a:ea typeface="+mn-ea"/>
+        <a:cs typeface="+mn-cs"/>
+      </a:defRPr>
+    </a:lvl2pPr>
+    <a:lvl3pPr marL="914400" algn="l" defTabSz="914400" rtl="0" eaLnBrk="1" latinLnBrk="0" hangingPunct="1">
+      <a:defRPr sz="1200" kern="1200">
+        <a:solidFill>
+          <a:schemeClr val="tx1"/>
+        </a:solidFill>
+        <a:latin typeface="+mn-lt"/>
+        <a:ea typeface="+mn-ea"/>
+        <a:cs typeface="+mn-cs"/>
+      </a:defRPr>
+    </a:lvl3pPr>
+    <a:lvl4pPr marL="1371600" algn="l" defTabSz="914400" rtl="0" eaLnBrk="1" latinLnBrk="0" hangingPunct="1">
+      <a:defRPr sz="1200" kern="1200">
+        <a:solidFill>
+          <a:schemeClr val="tx1"/>
+        </a:solidFill>
+        <a:latin typeface="+mn-lt"/>
+        <a:ea typeface="+mn-ea"/>
+        <a:cs typeface="+mn-cs"/>
+      </a:defRPr>
+    </a:lvl4pPr>
+    <a:lvl5pPr marL="1828800" algn="l" defTabSz="914400" rtl="0" eaLnBrk="1" latinLnBrk="0" hangingPunct="1">
+      <a:defRPr sz="1200" kern="1200">
+        <a:solidFill>
+          <a:schemeClr val="tx1"/>
+        </a:solidFill>
+        <a:latin typeface="+mn-lt"/>
+        <a:ea typeface="+mn-ea"/>
+        <a:cs typeface="+mn-cs"/>
+      </a:defRPr>
+    </a:lvl5pPr>
+    <a:lvl6pPr marL="2286000" algn="l" defTabSz="914400" rtl="0" eaLnBrk="1" latinLnBrk="0" hangingPunct="1">
+      <a:defRPr sz="1200" kern="1200">
+        <a:solidFill>
+          <a:schemeClr val="tx1"/>
+        </a:solidFill>
+        <a:latin typeface="+mn-lt"/>
+        <a:ea typeface="+mn-ea"/>
+        <a:cs typeface="+mn-cs"/>
+      </a:defRPr>
+    </a:lvl6pPr>
+    <a:lvl7pPr marL="2743200" algn="l" defTabSz="914400" rtl="0" eaLnBrk="1" latinLnBrk="0" hangingPunct="1">
+      <a:defRPr sz="1200" kern="1200">
+        <a:solidFill>
+          <a:schemeClr val="tx1"/>
+        </a:solidFill>
+        <a:latin typeface="+mn-lt"/>
+        <a:ea typeface="+mn-ea"/>
+        <a:cs typeface="+mn-cs"/>
+      </a:defRPr>
+    </a:lvl7pPr>
+    <a:lvl8pPr marL="3200400" algn="l" defTabSz="914400" rtl="0" eaLnBrk="1" latinLnBrk="0" hangingPunct="1">
+      <a:defRPr sz="1200" kern="1200">
+        <a:solidFill>
+          <a:schemeClr val="tx1"/>
+        </a:solidFill>
+        <a:latin typeface="+mn-lt"/>
+        <a:ea typeface="+mn-ea"/>
+        <a:cs typeface="+mn-cs"/>
+      </a:defRPr>
+    </a:lvl8pPr>
+    <a:lvl9pPr marL="3657600" algn="l" defTabSz="914400" rtl="0" eaLnBrk="1" latinLnBrk="0" hangingPunct="1">
+      <a:defRPr sz="1200" kern="1200">
+        <a:solidFill>
+          <a:schemeClr val="tx1"/>
+        </a:solidFill>
+        <a:latin typeface="+mn-lt"/>
+        <a:ea typeface="+mn-ea"/>
+        <a:cs typeface="+mn-cs"/>
+      </a:defRPr>
+    </a:lvl9pPr>
+  </p:notesStyle>
+</p:notesMaster>
+</file>
+
+<file path=ppt/notesSlides/notesSlide1.xml><?xml version="1.0" encoding="utf-8"?>
+<p:notes xmlns:a="http://schemas.openxmlformats.org/drawingml/2006/main" xmlns:r="http://schemas.openxmlformats.org/officeDocument/2006/relationships" xmlns:p="http://schemas.openxmlformats.org/presentationml/2006/main">
+  <p:cSld>
+    <p:spTree>
+      <p:nvGrpSpPr>
+        <p:cNvPr id="1" name=""/>
+        <p:cNvGrpSpPr/>
+        <p:nvPr/>
+      </p:nvGrpSpPr>
+      <p:grpSpPr>
+        <a:xfrm>
+          <a:off x="0" y="0"/>
+          <a:ext cx="0" cy="0"/>
+          <a:chOff x="0" y="0"/>
+          <a:chExt cx="0" cy="0"/>
+        </a:xfrm>
+      </p:grpSpPr>
+      <p:sp>
+        <p:nvSpPr>
+          <p:cNvPr id="2" name="投影片圖像版面配置區 1"/>
+          <p:cNvSpPr>
+            <a:spLocks noGrp="1" noRot="1" noChangeAspect="1"/>
+          </p:cNvSpPr>
+          <p:nvPr>
+            <p:ph type="sldImg"/>
+          </p:nvPr>
+        </p:nvSpPr>
+        <p:spPr/>
+      </p:sp>
+      <p:sp>
+        <p:nvSpPr>
+          <p:cNvPr id="3" name="備忘稿版面配置區 2"/>
+          <p:cNvSpPr>
+            <a:spLocks noGrp="1"/>
+          </p:cNvSpPr>
+          <p:nvPr>
+            <p:ph type="body" idx="1"/>
+          </p:nvPr>
+        </p:nvSpPr>
+        <p:spPr/>
+        <p:txBody>
+          <a:bodyPr/>
+          <a:lstStyle/>
+          <a:p>
+            <a:endParaRPr lang="zh-TW" altLang="en-US" dirty="0"/>
+          </a:p>
+        </p:txBody>
+      </p:sp>
+      <p:sp>
+        <p:nvSpPr>
+          <p:cNvPr id="4" name="投影片編號版面配置區 3"/>
+          <p:cNvSpPr>
+            <a:spLocks noGrp="1"/>
+          </p:cNvSpPr>
+          <p:nvPr>
+            <p:ph type="sldNum" sz="quarter" idx="10"/>
+          </p:nvPr>
+        </p:nvSpPr>
+        <p:spPr/>
+        <p:txBody>
+          <a:bodyPr/>
+          <a:lstStyle/>
+          <a:p>
+            <a:fld id="{2EFD3034-2FB3-4837-A013-ED3BAAFAC346}" type="slidenum">
+              <a:rPr lang="zh-TW" altLang="en-US" smtClean="0"/>
+              <a:t>42</a:t>
+            </a:fld>
+            <a:endParaRPr lang="zh-TW" altLang="en-US"/>
+          </a:p>
+        </p:txBody>
+      </p:sp>
+    </p:spTree>
+    <p:extLst>
+      <p:ext uri="{BB962C8B-B14F-4D97-AF65-F5344CB8AC3E}">
+        <p14:creationId xmlns:p14="http://schemas.microsoft.com/office/powerpoint/2010/main" val="1450910995"/>
+      </p:ext>
+    </p:extLst>
+  </p:cSld>
+  <p:clrMapOvr>
+    <a:masterClrMapping/>
+  </p:clrMapOvr>
+</p:notes>
+</file>
+
 <file path=ppt/slideLayouts/slideLayout1.xml><?xml version="1.0" encoding="utf-8"?>
 <p:sldLayout xmlns:a="http://schemas.openxmlformats.org/drawingml/2006/main" xmlns:r="http://schemas.openxmlformats.org/officeDocument/2006/relationships" xmlns:p="http://schemas.openxmlformats.org/presentationml/2006/main" preserve="1" userDrawn="1">
   <p:cSld name="標題投影片">
@@ -187,7 +631,7 @@
           <a:p>
             <a:fld id="{31CDE89B-FBD9-4E23-BEEB-B0C8819124B3}" type="datetimeFigureOut">
               <a:rPr lang="zh-TW" altLang="en-US" smtClean="0"/>
-              <a:t>2022/3/29</a:t>
+              <a:t>2022/3/30</a:t>
             </a:fld>
             <a:endParaRPr lang="zh-TW" altLang="en-US"/>
           </a:p>
@@ -3058,7 +3502,7 @@
           <a:p>
             <a:fld id="{31CDE89B-FBD9-4E23-BEEB-B0C8819124B3}" type="datetimeFigureOut">
               <a:rPr lang="zh-TW" altLang="en-US" smtClean="0"/>
-              <a:t>2022/3/29</a:t>
+              <a:t>2022/3/30</a:t>
             </a:fld>
             <a:endParaRPr lang="zh-TW" altLang="en-US"/>
           </a:p>
@@ -3250,7 +3694,7 @@
           <a:p>
             <a:fld id="{31CDE89B-FBD9-4E23-BEEB-B0C8819124B3}" type="datetimeFigureOut">
               <a:rPr lang="zh-TW" altLang="en-US" smtClean="0"/>
-              <a:t>2022/3/29</a:t>
+              <a:t>2022/3/30</a:t>
             </a:fld>
             <a:endParaRPr lang="zh-TW" altLang="en-US"/>
           </a:p>
@@ -3446,7 +3890,7 @@
           <a:p>
             <a:fld id="{31CDE89B-FBD9-4E23-BEEB-B0C8819124B3}" type="datetimeFigureOut">
               <a:rPr lang="zh-TW" altLang="en-US" smtClean="0"/>
-              <a:t>2022/3/29</a:t>
+              <a:t>2022/3/30</a:t>
             </a:fld>
             <a:endParaRPr lang="zh-TW" altLang="en-US"/>
           </a:p>
@@ -4542,7 +4986,7 @@
           <a:p>
             <a:fld id="{31CDE89B-FBD9-4E23-BEEB-B0C8819124B3}" type="datetimeFigureOut">
               <a:rPr lang="zh-TW" altLang="en-US" smtClean="0"/>
-              <a:t>2022/3/29</a:t>
+              <a:t>2022/3/30</a:t>
             </a:fld>
             <a:endParaRPr lang="zh-TW" altLang="en-US"/>
           </a:p>
@@ -4791,7 +5235,7 @@
           <a:p>
             <a:fld id="{31CDE89B-FBD9-4E23-BEEB-B0C8819124B3}" type="datetimeFigureOut">
               <a:rPr lang="zh-TW" altLang="en-US" smtClean="0"/>
-              <a:t>2022/3/29</a:t>
+              <a:t>2022/3/30</a:t>
             </a:fld>
             <a:endParaRPr lang="zh-TW" altLang="en-US"/>
           </a:p>
@@ -5170,7 +5614,7 @@
           <a:p>
             <a:fld id="{31CDE89B-FBD9-4E23-BEEB-B0C8819124B3}" type="datetimeFigureOut">
               <a:rPr lang="zh-TW" altLang="en-US" smtClean="0"/>
-              <a:t>2022/3/29</a:t>
+              <a:t>2022/3/30</a:t>
             </a:fld>
             <a:endParaRPr lang="zh-TW" altLang="en-US"/>
           </a:p>
@@ -5300,7 +5744,7 @@
           <a:p>
             <a:fld id="{31CDE89B-FBD9-4E23-BEEB-B0C8819124B3}" type="datetimeFigureOut">
               <a:rPr lang="zh-TW" altLang="en-US" smtClean="0"/>
-              <a:t>2022/3/29</a:t>
+              <a:t>2022/3/30</a:t>
             </a:fld>
             <a:endParaRPr lang="zh-TW" altLang="en-US"/>
           </a:p>
@@ -5407,7 +5851,7 @@
           <a:p>
             <a:fld id="{31CDE89B-FBD9-4E23-BEEB-B0C8819124B3}" type="datetimeFigureOut">
               <a:rPr lang="zh-TW" altLang="en-US" smtClean="0"/>
-              <a:t>2022/3/29</a:t>
+              <a:t>2022/3/30</a:t>
             </a:fld>
             <a:endParaRPr lang="zh-TW" altLang="en-US"/>
           </a:p>
@@ -5696,7 +6140,7 @@
           <a:p>
             <a:fld id="{31CDE89B-FBD9-4E23-BEEB-B0C8819124B3}" type="datetimeFigureOut">
               <a:rPr lang="zh-TW" altLang="en-US" smtClean="0"/>
-              <a:t>2022/3/29</a:t>
+              <a:t>2022/3/30</a:t>
             </a:fld>
             <a:endParaRPr lang="zh-TW" altLang="en-US"/>
           </a:p>
@@ -5961,7 +6405,7 @@
           <a:p>
             <a:fld id="{31CDE89B-FBD9-4E23-BEEB-B0C8819124B3}" type="datetimeFigureOut">
               <a:rPr lang="zh-TW" altLang="en-US" smtClean="0"/>
-              <a:t>2022/3/29</a:t>
+              <a:t>2022/3/30</a:t>
             </a:fld>
             <a:endParaRPr lang="zh-TW" altLang="en-US"/>
           </a:p>
@@ -6186,7 +6630,7 @@
           <a:p>
             <a:fld id="{31CDE89B-FBD9-4E23-BEEB-B0C8819124B3}" type="datetimeFigureOut">
               <a:rPr lang="zh-TW" altLang="en-US" smtClean="0"/>
-              <a:t>2022/3/29</a:t>
+              <a:t>2022/3/30</a:t>
             </a:fld>
             <a:endParaRPr lang="zh-TW" altLang="en-US"/>
           </a:p>
@@ -10165,6 +10609,130 @@
           </a:fontRef>
         </p:style>
       </p:cxnSp>
+      <p:sp>
+        <p:nvSpPr>
+          <p:cNvPr id="3" name="文字方塊 2"/>
+          <p:cNvSpPr txBox="1"/>
+          <p:nvPr/>
+        </p:nvSpPr>
+        <p:spPr>
+          <a:xfrm>
+            <a:off x="5201231" y="3596187"/>
+            <a:ext cx="808893" cy="369332"/>
+          </a:xfrm>
+          <a:prstGeom prst="rect">
+            <a:avLst/>
+          </a:prstGeom>
+          <a:noFill/>
+        </p:spPr>
+        <p:txBody>
+          <a:bodyPr wrap="square" rtlCol="0">
+            <a:spAutoFit/>
+          </a:bodyPr>
+          <a:lstStyle/>
+          <a:p>
+            <a:pPr algn="ctr"/>
+            <a:r>
+              <a:rPr lang="zh-TW" altLang="en-US" dirty="0" smtClean="0"/>
+              <a:t>有誤</a:t>
+            </a:r>
+            <a:endParaRPr lang="zh-TW" altLang="en-US" dirty="0"/>
+          </a:p>
+        </p:txBody>
+      </p:sp>
+      <p:sp>
+        <p:nvSpPr>
+          <p:cNvPr id="27" name="文字方塊 26"/>
+          <p:cNvSpPr txBox="1"/>
+          <p:nvPr/>
+        </p:nvSpPr>
+        <p:spPr>
+          <a:xfrm>
+            <a:off x="6803783" y="3880045"/>
+            <a:ext cx="608716" cy="369332"/>
+          </a:xfrm>
+          <a:prstGeom prst="rect">
+            <a:avLst/>
+          </a:prstGeom>
+          <a:noFill/>
+        </p:spPr>
+        <p:txBody>
+          <a:bodyPr wrap="square" rtlCol="0">
+            <a:spAutoFit/>
+          </a:bodyPr>
+          <a:lstStyle/>
+          <a:p>
+            <a:pPr algn="ctr"/>
+            <a:r>
+              <a:rPr lang="zh-TW" altLang="en-US" dirty="0" smtClean="0"/>
+              <a:t>有</a:t>
+            </a:r>
+            <a:endParaRPr lang="zh-TW" altLang="en-US" dirty="0"/>
+          </a:p>
+        </p:txBody>
+      </p:sp>
+      <p:sp>
+        <p:nvSpPr>
+          <p:cNvPr id="28" name="文字方塊 27"/>
+          <p:cNvSpPr txBox="1"/>
+          <p:nvPr/>
+        </p:nvSpPr>
+        <p:spPr>
+          <a:xfrm>
+            <a:off x="7975507" y="4526900"/>
+            <a:ext cx="608716" cy="369332"/>
+          </a:xfrm>
+          <a:prstGeom prst="rect">
+            <a:avLst/>
+          </a:prstGeom>
+          <a:noFill/>
+        </p:spPr>
+        <p:txBody>
+          <a:bodyPr wrap="square" rtlCol="0">
+            <a:spAutoFit/>
+          </a:bodyPr>
+          <a:lstStyle/>
+          <a:p>
+            <a:pPr algn="ctr"/>
+            <a:r>
+              <a:rPr lang="zh-TW" altLang="en-US" dirty="0" smtClean="0"/>
+              <a:t>無</a:t>
+            </a:r>
+            <a:endParaRPr lang="zh-TW" altLang="en-US" dirty="0"/>
+          </a:p>
+        </p:txBody>
+      </p:sp>
+      <p:sp>
+        <p:nvSpPr>
+          <p:cNvPr id="29" name="文字方塊 28"/>
+          <p:cNvSpPr txBox="1"/>
+          <p:nvPr/>
+        </p:nvSpPr>
+        <p:spPr>
+          <a:xfrm>
+            <a:off x="6603605" y="2955471"/>
+            <a:ext cx="808893" cy="369332"/>
+          </a:xfrm>
+          <a:prstGeom prst="rect">
+            <a:avLst/>
+          </a:prstGeom>
+          <a:noFill/>
+        </p:spPr>
+        <p:txBody>
+          <a:bodyPr wrap="square" rtlCol="0">
+            <a:spAutoFit/>
+          </a:bodyPr>
+          <a:lstStyle/>
+          <a:p>
+            <a:pPr algn="ctr"/>
+            <a:r>
+              <a:rPr lang="zh-TW" altLang="en-US" dirty="0" smtClean="0"/>
+              <a:t>無誤</a:t>
+            </a:r>
+            <a:endParaRPr lang="zh-TW" altLang="en-US" dirty="0"/>
+          </a:p>
+        </p:txBody>
+      </p:sp>
     </p:spTree>
     <p:extLst>
       <p:ext uri="{BB962C8B-B14F-4D97-AF65-F5344CB8AC3E}">
@@ -10266,10 +10834,18 @@
           <a:p>
             <a:pPr lvl="1"/>
             <a:r>
-              <a:rPr lang="zh-TW" altLang="en-US" dirty="0" smtClean="0"/>
+              <a:rPr lang="zh-TW" altLang="en-US" dirty="0" smtClean="0">
+                <a:solidFill>
+                  <a:srgbClr val="FF0000"/>
+                </a:solidFill>
+              </a:rPr>
               <a:t>後端</a:t>
             </a:r>
-            <a:endParaRPr lang="zh-TW" altLang="en-US" dirty="0"/>
+            <a:endParaRPr lang="zh-TW" altLang="en-US" dirty="0">
+              <a:solidFill>
+                <a:srgbClr val="FF0000"/>
+              </a:solidFill>
+            </a:endParaRPr>
           </a:p>
         </p:txBody>
       </p:sp>
@@ -10972,11 +11548,7 @@
           <a:p>
             <a:r>
               <a:rPr lang="zh-TW" altLang="en-US" dirty="0" smtClean="0"/>
-              <a:t>檢查信箱重複</a:t>
-            </a:r>
-            <a:r>
-              <a:rPr lang="zh-TW" altLang="en-US" dirty="0" smtClean="0"/>
-              <a:t>註冊程式</a:t>
+              <a:t>檢查信箱重複註冊程式</a:t>
             </a:r>
             <a:endParaRPr lang="zh-TW" altLang="en-US" dirty="0"/>
           </a:p>
@@ -11089,7 +11661,7 @@
         <p:spPr/>
         <p:txBody>
           <a:bodyPr>
-            <a:normAutofit lnSpcReduction="10000"/>
+            <a:normAutofit fontScale="92500" lnSpcReduction="10000"/>
           </a:bodyPr>
           <a:lstStyle/>
           <a:p>
@@ -11106,20 +11678,52 @@
           <a:p>
             <a:pPr lvl="1"/>
             <a:r>
+              <a:rPr lang="zh-TW" altLang="en-US" dirty="0"/>
+              <a:t>某些網頁或</a:t>
+            </a:r>
+            <a:r>
               <a:rPr lang="zh-TW" altLang="en-US" dirty="0" smtClean="0"/>
-              <a:t>網站內某些網頁或功能只有會員才能使用</a:t>
+              <a:t>功能不須會員也能使用</a:t>
             </a:r>
             <a:endParaRPr lang="en-US" altLang="zh-TW" dirty="0" smtClean="0"/>
           </a:p>
           <a:p>
             <a:pPr lvl="1"/>
             <a:r>
+              <a:rPr lang="zh-TW" altLang="en-US" dirty="0" smtClean="0"/>
+              <a:t>某些</a:t>
+            </a:r>
+            <a:r>
+              <a:rPr lang="zh-TW" altLang="en-US" dirty="0" smtClean="0"/>
+              <a:t>網頁或功能只有會員才能使用</a:t>
+            </a:r>
+            <a:endParaRPr lang="en-US" altLang="zh-TW" dirty="0" smtClean="0"/>
+          </a:p>
+          <a:p>
+            <a:pPr lvl="1"/>
+            <a:r>
+              <a:rPr lang="zh-TW" altLang="en-US" dirty="0" smtClean="0"/>
+              <a:t>某些</a:t>
+            </a:r>
+            <a:r>
               <a:rPr lang="zh-TW" altLang="en-US" dirty="0"/>
-              <a:t>網站內某些網頁或功能</a:t>
+              <a:t>網頁或功能</a:t>
+            </a:r>
+            <a:r>
+              <a:rPr lang="zh-TW" altLang="en-US" dirty="0"/>
+              <a:t>只有</a:t>
             </a:r>
             <a:r>
               <a:rPr lang="zh-TW" altLang="en-US" dirty="0" smtClean="0"/>
-              <a:t>只有某些角色的會員</a:t>
+              <a:t>高級</a:t>
+            </a:r>
+            <a:r>
+              <a:rPr lang="zh-TW" altLang="en-US" dirty="0" smtClean="0"/>
+              <a:t>的</a:t>
+            </a:r>
+            <a:r>
+              <a:rPr lang="zh-TW" altLang="en-US" dirty="0" smtClean="0"/>
+              <a:t>會員</a:t>
             </a:r>
             <a:r>
               <a:rPr lang="zh-TW" altLang="en-US" dirty="0"/>
@@ -11279,11 +11883,7 @@
           <a:p>
             <a:r>
               <a:rPr lang="zh-TW" altLang="en-US" dirty="0" smtClean="0"/>
-              <a:t>檢查信箱重複</a:t>
-            </a:r>
-            <a:r>
-              <a:rPr lang="zh-TW" altLang="en-US" dirty="0" smtClean="0"/>
-              <a:t>註冊程式</a:t>
+              <a:t>檢查信箱重複註冊程式</a:t>
             </a:r>
             <a:endParaRPr lang="zh-TW" altLang="en-US" dirty="0"/>
           </a:p>
@@ -11697,7 +12297,6 @@
               <a:rPr lang="zh-TW" altLang="en-US" dirty="0"/>
               <a:t>處理邏輯</a:t>
             </a:r>
-            <a:endParaRPr lang="zh-TW" altLang="en-US" dirty="0"/>
           </a:p>
         </p:txBody>
       </p:sp>
@@ -12103,7 +12702,6 @@
               <a:rPr lang="zh-TW" altLang="en-US" dirty="0"/>
               <a:t>取得結果</a:t>
             </a:r>
-            <a:endParaRPr lang="zh-TW" altLang="en-US" dirty="0"/>
           </a:p>
         </p:txBody>
       </p:sp>
@@ -12675,6 +13273,130 @@
           </a:fontRef>
         </p:style>
       </p:cxnSp>
+      <p:sp>
+        <p:nvSpPr>
+          <p:cNvPr id="27" name="文字方塊 26"/>
+          <p:cNvSpPr txBox="1"/>
+          <p:nvPr/>
+        </p:nvSpPr>
+        <p:spPr>
+          <a:xfrm>
+            <a:off x="5201231" y="3596187"/>
+            <a:ext cx="808893" cy="369332"/>
+          </a:xfrm>
+          <a:prstGeom prst="rect">
+            <a:avLst/>
+          </a:prstGeom>
+          <a:noFill/>
+        </p:spPr>
+        <p:txBody>
+          <a:bodyPr wrap="square" rtlCol="0">
+            <a:spAutoFit/>
+          </a:bodyPr>
+          <a:lstStyle/>
+          <a:p>
+            <a:pPr algn="ctr"/>
+            <a:r>
+              <a:rPr lang="zh-TW" altLang="en-US" dirty="0" smtClean="0"/>
+              <a:t>有誤</a:t>
+            </a:r>
+            <a:endParaRPr lang="zh-TW" altLang="en-US" dirty="0"/>
+          </a:p>
+        </p:txBody>
+      </p:sp>
+      <p:sp>
+        <p:nvSpPr>
+          <p:cNvPr id="28" name="文字方塊 27"/>
+          <p:cNvSpPr txBox="1"/>
+          <p:nvPr/>
+        </p:nvSpPr>
+        <p:spPr>
+          <a:xfrm>
+            <a:off x="7975507" y="4502370"/>
+            <a:ext cx="922308" cy="369332"/>
+          </a:xfrm>
+          <a:prstGeom prst="rect">
+            <a:avLst/>
+          </a:prstGeom>
+          <a:noFill/>
+        </p:spPr>
+        <p:txBody>
+          <a:bodyPr wrap="square" rtlCol="0">
+            <a:spAutoFit/>
+          </a:bodyPr>
+          <a:lstStyle/>
+          <a:p>
+            <a:pPr algn="ctr"/>
+            <a:r>
+              <a:rPr lang="zh-TW" altLang="en-US" dirty="0" smtClean="0"/>
+              <a:t>有資料</a:t>
+            </a:r>
+            <a:endParaRPr lang="zh-TW" altLang="en-US" dirty="0"/>
+          </a:p>
+        </p:txBody>
+      </p:sp>
+      <p:sp>
+        <p:nvSpPr>
+          <p:cNvPr id="29" name="文字方塊 28"/>
+          <p:cNvSpPr txBox="1"/>
+          <p:nvPr/>
+        </p:nvSpPr>
+        <p:spPr>
+          <a:xfrm>
+            <a:off x="6631273" y="3878162"/>
+            <a:ext cx="927899" cy="369332"/>
+          </a:xfrm>
+          <a:prstGeom prst="rect">
+            <a:avLst/>
+          </a:prstGeom>
+          <a:noFill/>
+        </p:spPr>
+        <p:txBody>
+          <a:bodyPr wrap="square" rtlCol="0">
+            <a:spAutoFit/>
+          </a:bodyPr>
+          <a:lstStyle/>
+          <a:p>
+            <a:pPr algn="ctr"/>
+            <a:r>
+              <a:rPr lang="zh-TW" altLang="en-US" dirty="0" smtClean="0"/>
+              <a:t>無資料</a:t>
+            </a:r>
+            <a:endParaRPr lang="zh-TW" altLang="en-US" dirty="0"/>
+          </a:p>
+        </p:txBody>
+      </p:sp>
+      <p:sp>
+        <p:nvSpPr>
+          <p:cNvPr id="30" name="文字方塊 29"/>
+          <p:cNvSpPr txBox="1"/>
+          <p:nvPr/>
+        </p:nvSpPr>
+        <p:spPr>
+          <a:xfrm>
+            <a:off x="6603605" y="2955471"/>
+            <a:ext cx="808893" cy="369332"/>
+          </a:xfrm>
+          <a:prstGeom prst="rect">
+            <a:avLst/>
+          </a:prstGeom>
+          <a:noFill/>
+        </p:spPr>
+        <p:txBody>
+          <a:bodyPr wrap="square" rtlCol="0">
+            <a:spAutoFit/>
+          </a:bodyPr>
+          <a:lstStyle/>
+          <a:p>
+            <a:pPr algn="ctr"/>
+            <a:r>
+              <a:rPr lang="zh-TW" altLang="en-US" dirty="0" smtClean="0"/>
+              <a:t>無誤</a:t>
+            </a:r>
+            <a:endParaRPr lang="zh-TW" altLang="en-US" dirty="0"/>
+          </a:p>
+        </p:txBody>
+      </p:sp>
     </p:spTree>
     <p:extLst>
       <p:ext uri="{BB962C8B-B14F-4D97-AF65-F5344CB8AC3E}">
@@ -13214,7 +13936,7 @@
       </p:sp>
       <p:pic>
         <p:nvPicPr>
-          <p:cNvPr id="4" name="圖片 3" descr="畫面剪輯"/>
+          <p:cNvPr id="3" name="圖片 2" descr="畫面剪輯"/>
           <p:cNvPicPr>
             <a:picLocks noChangeAspect="1"/>
           </p:cNvPicPr>
@@ -13234,8 +13956,8 @@
         </p:blipFill>
         <p:spPr>
           <a:xfrm>
-            <a:off x="3167030" y="1976192"/>
-            <a:ext cx="4177756" cy="3457453"/>
+            <a:off x="3474153" y="1921622"/>
+            <a:ext cx="3924848" cy="3296110"/>
           </a:xfrm>
           <a:prstGeom prst="rect">
             <a:avLst/>
@@ -13512,7 +14234,7 @@
       </p:grpSpPr>
       <p:sp>
         <p:nvSpPr>
-          <p:cNvPr id="2" name="標題 1"/>
+          <p:cNvPr id="4" name="標題 3"/>
           <p:cNvSpPr>
             <a:spLocks noGrp="1"/>
           </p:cNvSpPr>
@@ -13526,15 +14248,24 @@
           <a:lstStyle/>
           <a:p>
             <a:r>
+              <a:rPr lang="zh-TW" altLang="en-US" dirty="0" smtClean="0"/>
+              <a:t>登入</a:t>
+            </a:r>
+            <a:r>
               <a:rPr lang="zh-TW" altLang="en-US" dirty="0"/>
-              <a:t>一般會員可瀏覽網頁</a:t>
-            </a:r>
-          </a:p>
-        </p:txBody>
-      </p:sp>
-      <p:sp>
-        <p:nvSpPr>
-          <p:cNvPr id="3" name="內容版面配置區 2"/>
+              <a:t>狀態下可以瀏覽的</a:t>
+            </a:r>
+            <a:r>
+              <a:rPr lang="zh-TW" altLang="en-US" dirty="0" smtClean="0"/>
+              <a:t>網頁</a:t>
+            </a:r>
+            <a:endParaRPr lang="zh-TW" altLang="en-US" dirty="0"/>
+          </a:p>
+        </p:txBody>
+      </p:sp>
+      <p:sp>
+        <p:nvSpPr>
+          <p:cNvPr id="5" name="內容版面配置區 4"/>
           <p:cNvSpPr>
             <a:spLocks noGrp="1"/>
           </p:cNvSpPr>
@@ -13549,16 +14280,53 @@
           <a:p>
             <a:r>
               <a:rPr lang="zh-TW" altLang="en-US" dirty="0"/>
-              <a:t>檢查</a:t>
-            </a:r>
-            <a:endParaRPr lang="en-US" altLang="zh-TW" dirty="0" smtClean="0"/>
+              <a:t>建置</a:t>
+            </a:r>
+            <a:r>
+              <a:rPr lang="en-US" altLang="zh-TW" dirty="0" err="1"/>
+              <a:t>marst</a:t>
+            </a:r>
+            <a:r>
+              <a:rPr lang="en-US" altLang="zh-TW" dirty="0"/>
+              <a:t> page</a:t>
+            </a:r>
+            <a:endParaRPr lang="zh-TW" altLang="en-US" dirty="0"/>
+          </a:p>
+          <a:p>
+            <a:r>
+              <a:rPr lang="zh-TW" altLang="en-US" dirty="0" smtClean="0"/>
+              <a:t>建置</a:t>
+            </a:r>
+            <a:r>
+              <a:rPr lang="en-US" altLang="zh-TW" dirty="0" smtClean="0"/>
+              <a:t>web page</a:t>
+            </a:r>
+          </a:p>
+          <a:p>
+            <a:pPr lvl="1"/>
+            <a:r>
+              <a:rPr lang="zh-TW" altLang="en-US" dirty="0"/>
+              <a:t>購買商品</a:t>
+            </a:r>
+            <a:endParaRPr lang="en-US" altLang="zh-TW" dirty="0"/>
+          </a:p>
+          <a:p>
+            <a:pPr lvl="1"/>
+            <a:r>
+              <a:rPr lang="zh-TW" altLang="en-US" dirty="0" smtClean="0"/>
+              <a:t>高級會員區</a:t>
+            </a:r>
+            <a:endParaRPr lang="en-US" altLang="zh-TW" dirty="0"/>
+          </a:p>
+          <a:p>
+            <a:endParaRPr lang="zh-TW" altLang="en-US" dirty="0"/>
           </a:p>
         </p:txBody>
       </p:sp>
     </p:spTree>
     <p:extLst>
       <p:ext uri="{BB962C8B-B14F-4D97-AF65-F5344CB8AC3E}">
-        <p14:creationId xmlns:p14="http://schemas.microsoft.com/office/powerpoint/2010/main" val="1575555586"/>
+        <p14:creationId xmlns:p14="http://schemas.microsoft.com/office/powerpoint/2010/main" val="3355273145"/>
       </p:ext>
     </p:extLst>
   </p:cSld>
@@ -13613,8 +14381,12 @@
           <a:lstStyle/>
           <a:p>
             <a:r>
+              <a:rPr lang="zh-TW" altLang="en-US" dirty="0" smtClean="0"/>
+              <a:t>登入</a:t>
+            </a:r>
+            <a:r>
               <a:rPr lang="zh-TW" altLang="en-US" dirty="0"/>
-              <a:t>高級會員才可瀏覽</a:t>
+              <a:t>狀態下可以瀏覽的</a:t>
             </a:r>
             <a:r>
               <a:rPr lang="zh-TW" altLang="en-US" dirty="0" smtClean="0"/>
@@ -13640,20 +14412,55 @@
           <a:lstStyle/>
           <a:p>
             <a:r>
-              <a:rPr lang="zh-TW" altLang="en-US" dirty="0"/>
-              <a:t>檢查</a:t>
-            </a:r>
-            <a:endParaRPr lang="en-US" altLang="zh-TW" dirty="0"/>
-          </a:p>
-          <a:p>
+              <a:rPr lang="zh-TW" altLang="en-US" dirty="0" smtClean="0"/>
+              <a:t>建置</a:t>
+            </a:r>
+            <a:r>
+              <a:rPr lang="en-US" altLang="zh-TW" dirty="0" err="1" smtClean="0"/>
+              <a:t>marst</a:t>
+            </a:r>
+            <a:r>
+              <a:rPr lang="en-US" altLang="zh-TW" dirty="0" smtClean="0"/>
+              <a:t> page</a:t>
+            </a:r>
             <a:endParaRPr lang="zh-TW" altLang="en-US" dirty="0"/>
           </a:p>
         </p:txBody>
       </p:sp>
+      <p:pic>
+        <p:nvPicPr>
+          <p:cNvPr id="7" name="圖片 6" descr="畫面剪輯"/>
+          <p:cNvPicPr>
+            <a:picLocks noChangeAspect="1"/>
+          </p:cNvPicPr>
+          <p:nvPr/>
+        </p:nvPicPr>
+        <p:blipFill>
+          <a:blip r:embed="rId2">
+            <a:extLst>
+              <a:ext uri="{28A0092B-C50C-407E-A947-70E740481C1C}">
+                <a14:useLocalDpi xmlns:a14="http://schemas.microsoft.com/office/drawing/2010/main" val="0"/>
+              </a:ext>
+            </a:extLst>
+          </a:blip>
+          <a:stretch>
+            <a:fillRect/>
+          </a:stretch>
+        </p:blipFill>
+        <p:spPr>
+          <a:xfrm>
+            <a:off x="4396154" y="1171230"/>
+            <a:ext cx="7285892" cy="5686770"/>
+          </a:xfrm>
+          <a:prstGeom prst="rect">
+            <a:avLst/>
+          </a:prstGeom>
+        </p:spPr>
+      </p:pic>
     </p:spTree>
     <p:extLst>
       <p:ext uri="{BB962C8B-B14F-4D97-AF65-F5344CB8AC3E}">
-        <p14:creationId xmlns:p14="http://schemas.microsoft.com/office/powerpoint/2010/main" val="2259941329"/>
+        <p14:creationId xmlns:p14="http://schemas.microsoft.com/office/powerpoint/2010/main" val="1908275064"/>
       </p:ext>
     </p:extLst>
   </p:cSld>
@@ -13709,19 +14516,1087 @@
           <a:p>
             <a:r>
               <a:rPr lang="zh-TW" altLang="en-US" dirty="0"/>
-              <a:t>註冊</a:t>
+              <a:t>登入狀態下可以瀏覽的網頁</a:t>
+            </a:r>
+          </a:p>
+        </p:txBody>
+      </p:sp>
+      <p:sp>
+        <p:nvSpPr>
+          <p:cNvPr id="8" name="內容版面配置區 7"/>
+          <p:cNvSpPr>
+            <a:spLocks noGrp="1"/>
+          </p:cNvSpPr>
+          <p:nvPr>
+            <p:ph idx="1"/>
+          </p:nvPr>
+        </p:nvSpPr>
+        <p:spPr/>
+        <p:txBody>
+          <a:bodyPr/>
+          <a:lstStyle/>
+          <a:p>
+            <a:r>
+              <a:rPr lang="zh-TW" altLang="en-US" dirty="0"/>
+              <a:t>建置</a:t>
+            </a:r>
+            <a:r>
+              <a:rPr lang="en-US" altLang="zh-TW" dirty="0" err="1"/>
+              <a:t>marst</a:t>
+            </a:r>
+            <a:r>
+              <a:rPr lang="en-US" altLang="zh-TW" dirty="0"/>
+              <a:t> page</a:t>
+            </a:r>
+            <a:endParaRPr lang="zh-TW" altLang="en-US" dirty="0"/>
+          </a:p>
+          <a:p>
+            <a:endParaRPr lang="zh-TW" altLang="en-US" dirty="0"/>
+          </a:p>
+        </p:txBody>
+      </p:sp>
+      <p:pic>
+        <p:nvPicPr>
+          <p:cNvPr id="9" name="內容版面配置區 5" descr="畫面剪輯"/>
+          <p:cNvPicPr>
+            <a:picLocks noChangeAspect="1"/>
+          </p:cNvPicPr>
+          <p:nvPr/>
+        </p:nvPicPr>
+        <p:blipFill>
+          <a:blip r:embed="rId3">
+            <a:extLst>
+              <a:ext uri="{28A0092B-C50C-407E-A947-70E740481C1C}">
+                <a14:useLocalDpi xmlns:a14="http://schemas.microsoft.com/office/drawing/2010/main" val="0"/>
+              </a:ext>
+            </a:extLst>
+          </a:blip>
+          <a:stretch>
+            <a:fillRect/>
+          </a:stretch>
+        </p:blipFill>
+        <p:spPr>
+          <a:xfrm>
+            <a:off x="4614713" y="1666876"/>
+            <a:ext cx="5884035" cy="3918767"/>
+          </a:xfrm>
+          <a:prstGeom prst="rect">
+            <a:avLst/>
+          </a:prstGeom>
+        </p:spPr>
+      </p:pic>
+    </p:spTree>
+    <p:extLst>
+      <p:ext uri="{BB962C8B-B14F-4D97-AF65-F5344CB8AC3E}">
+        <p14:creationId xmlns:p14="http://schemas.microsoft.com/office/powerpoint/2010/main" val="3449899345"/>
+      </p:ext>
+    </p:extLst>
+  </p:cSld>
+  <p:clrMapOvr>
+    <a:masterClrMapping/>
+  </p:clrMapOvr>
+  <mc:AlternateContent xmlns:mc="http://schemas.openxmlformats.org/markup-compatibility/2006" xmlns:p14="http://schemas.microsoft.com/office/powerpoint/2010/main">
+    <mc:Choice Requires="p14">
+      <p:transition spd="slow" p14:dur="1500">
+        <p:random/>
+      </p:transition>
+    </mc:Choice>
+    <mc:Fallback xmlns="">
+      <p:transition spd="slow">
+        <p:random/>
+      </p:transition>
+    </mc:Fallback>
+  </mc:AlternateContent>
+</p:sld>
+</file>
+
+<file path=ppt/slides/slide43.xml><?xml version="1.0" encoding="utf-8"?>
+<p:sld xmlns:a="http://schemas.openxmlformats.org/drawingml/2006/main" xmlns:r="http://schemas.openxmlformats.org/officeDocument/2006/relationships" xmlns:p="http://schemas.openxmlformats.org/presentationml/2006/main">
+  <p:cSld>
+    <p:spTree>
+      <p:nvGrpSpPr>
+        <p:cNvPr id="1" name=""/>
+        <p:cNvGrpSpPr/>
+        <p:nvPr/>
+      </p:nvGrpSpPr>
+      <p:grpSpPr>
+        <a:xfrm>
+          <a:off x="0" y="0"/>
+          <a:ext cx="0" cy="0"/>
+          <a:chOff x="0" y="0"/>
+          <a:chExt cx="0" cy="0"/>
+        </a:xfrm>
+      </p:grpSpPr>
+      <p:sp>
+        <p:nvSpPr>
+          <p:cNvPr id="4" name="標題 3"/>
+          <p:cNvSpPr>
+            <a:spLocks noGrp="1"/>
+          </p:cNvSpPr>
+          <p:nvPr>
+            <p:ph type="title"/>
+          </p:nvPr>
+        </p:nvSpPr>
+        <p:spPr/>
+        <p:txBody>
+          <a:bodyPr>
+            <a:normAutofit/>
+          </a:bodyPr>
+          <a:lstStyle/>
+          <a:p>
+            <a:r>
+              <a:rPr lang="zh-TW" altLang="en-US" dirty="0"/>
+              <a:t>購買</a:t>
             </a:r>
             <a:r>
               <a:rPr lang="zh-TW" altLang="en-US" dirty="0" smtClean="0"/>
-              <a:t>資料寫入</a:t>
-            </a:r>
+              <a:t>商品網頁</a:t>
+            </a:r>
+            <a:endParaRPr lang="zh-TW" altLang="en-US" dirty="0"/>
+          </a:p>
+        </p:txBody>
+      </p:sp>
+      <p:sp>
+        <p:nvSpPr>
+          <p:cNvPr id="20" name="矩形 19"/>
+          <p:cNvSpPr/>
+          <p:nvPr/>
+        </p:nvSpPr>
+        <p:spPr>
+          <a:xfrm>
+            <a:off x="2735536" y="2020644"/>
+            <a:ext cx="6312877" cy="3175609"/>
+          </a:xfrm>
+          <a:prstGeom prst="rect">
+            <a:avLst/>
+          </a:prstGeom>
+          <a:solidFill>
+            <a:schemeClr val="accent2"/>
+          </a:solidFill>
+          <a:ln w="28575">
+            <a:solidFill>
+              <a:schemeClr val="tx1"/>
+            </a:solidFill>
+          </a:ln>
+        </p:spPr>
+        <p:style>
+          <a:lnRef idx="2">
+            <a:schemeClr val="accent1">
+              <a:shade val="50000"/>
+            </a:schemeClr>
+          </a:lnRef>
+          <a:fillRef idx="1">
+            <a:schemeClr val="accent1"/>
+          </a:fillRef>
+          <a:effectRef idx="0">
+            <a:schemeClr val="accent1"/>
+          </a:effectRef>
+          <a:fontRef idx="minor">
+            <a:schemeClr val="lt1"/>
+          </a:fontRef>
+        </p:style>
+        <p:txBody>
+          <a:bodyPr rtlCol="0" anchor="ctr"/>
+          <a:lstStyle/>
+          <a:p>
+            <a:pPr algn="ctr"/>
+            <a:endParaRPr lang="zh-TW" altLang="en-US"/>
+          </a:p>
+        </p:txBody>
+      </p:sp>
+      <p:sp>
+        <p:nvSpPr>
+          <p:cNvPr id="21" name="矩形 20"/>
+          <p:cNvSpPr/>
+          <p:nvPr/>
+        </p:nvSpPr>
+        <p:spPr>
+          <a:xfrm>
+            <a:off x="3485813" y="2416420"/>
+            <a:ext cx="4812322" cy="2464776"/>
+          </a:xfrm>
+          <a:prstGeom prst="rect">
+            <a:avLst/>
+          </a:prstGeom>
+          <a:solidFill>
+            <a:schemeClr val="accent6"/>
+          </a:solidFill>
+          <a:ln w="28575">
+            <a:solidFill>
+              <a:schemeClr val="tx1"/>
+            </a:solidFill>
+          </a:ln>
+        </p:spPr>
+        <p:style>
+          <a:lnRef idx="2">
+            <a:schemeClr val="accent1">
+              <a:shade val="50000"/>
+            </a:schemeClr>
+          </a:lnRef>
+          <a:fillRef idx="1">
+            <a:schemeClr val="accent1"/>
+          </a:fillRef>
+          <a:effectRef idx="0">
+            <a:schemeClr val="accent1"/>
+          </a:effectRef>
+          <a:fontRef idx="minor">
+            <a:schemeClr val="lt1"/>
+          </a:fontRef>
+        </p:style>
+        <p:txBody>
+          <a:bodyPr rtlCol="0" anchor="ctr"/>
+          <a:lstStyle/>
+          <a:p>
+            <a:pPr algn="ctr"/>
+            <a:endParaRPr lang="zh-TW" altLang="en-US"/>
+          </a:p>
+        </p:txBody>
+      </p:sp>
+      <p:sp>
+        <p:nvSpPr>
+          <p:cNvPr id="22" name="向右箭號 21"/>
+          <p:cNvSpPr/>
+          <p:nvPr/>
+        </p:nvSpPr>
+        <p:spPr>
+          <a:xfrm>
+            <a:off x="2155245" y="3789484"/>
+            <a:ext cx="955429" cy="465993"/>
+          </a:xfrm>
+          <a:prstGeom prst="rightArrow">
+            <a:avLst/>
+          </a:prstGeom>
+          <a:solidFill>
+            <a:schemeClr val="tx1"/>
+          </a:solidFill>
+          <a:ln>
+            <a:solidFill>
+              <a:schemeClr val="tx1"/>
+            </a:solidFill>
+          </a:ln>
+        </p:spPr>
+        <p:style>
+          <a:lnRef idx="2">
+            <a:schemeClr val="accent1">
+              <a:shade val="50000"/>
+            </a:schemeClr>
+          </a:lnRef>
+          <a:fillRef idx="1">
+            <a:schemeClr val="accent1"/>
+          </a:fillRef>
+          <a:effectRef idx="0">
+            <a:schemeClr val="accent1"/>
+          </a:effectRef>
+          <a:fontRef idx="minor">
+            <a:schemeClr val="lt1"/>
+          </a:fontRef>
+        </p:style>
+        <p:txBody>
+          <a:bodyPr rtlCol="0" anchor="ctr"/>
+          <a:lstStyle/>
+          <a:p>
+            <a:pPr algn="ctr"/>
+            <a:endParaRPr lang="zh-TW" altLang="en-US"/>
+          </a:p>
+        </p:txBody>
+      </p:sp>
+      <p:sp>
+        <p:nvSpPr>
+          <p:cNvPr id="23" name="矩形 22"/>
+          <p:cNvSpPr/>
+          <p:nvPr/>
+        </p:nvSpPr>
+        <p:spPr>
+          <a:xfrm>
+            <a:off x="662529" y="3866974"/>
+            <a:ext cx="1492716" cy="369332"/>
+          </a:xfrm>
+          <a:prstGeom prst="rect">
+            <a:avLst/>
+          </a:prstGeom>
+        </p:spPr>
+        <p:txBody>
+          <a:bodyPr wrap="none">
+            <a:spAutoFit/>
+          </a:bodyPr>
+          <a:lstStyle/>
+          <a:p>
+            <a:r>
+              <a:rPr lang="en-US" altLang="zh-TW" dirty="0"/>
+              <a:t>Master Page</a:t>
+            </a:r>
+            <a:endParaRPr lang="zh-TW" altLang="en-US" dirty="0"/>
+          </a:p>
+        </p:txBody>
+      </p:sp>
+      <p:sp>
+        <p:nvSpPr>
+          <p:cNvPr id="24" name="向右箭號 23"/>
+          <p:cNvSpPr/>
+          <p:nvPr/>
+        </p:nvSpPr>
+        <p:spPr>
+          <a:xfrm rot="10800000">
+            <a:off x="7984544" y="3415811"/>
+            <a:ext cx="1518871" cy="465993"/>
+          </a:xfrm>
+          <a:prstGeom prst="rightArrow">
+            <a:avLst/>
+          </a:prstGeom>
+          <a:solidFill>
+            <a:schemeClr val="tx1"/>
+          </a:solidFill>
+          <a:ln>
+            <a:solidFill>
+              <a:schemeClr val="tx1"/>
+            </a:solidFill>
+          </a:ln>
+        </p:spPr>
+        <p:style>
+          <a:lnRef idx="2">
+            <a:schemeClr val="accent1">
+              <a:shade val="50000"/>
+            </a:schemeClr>
+          </a:lnRef>
+          <a:fillRef idx="1">
+            <a:schemeClr val="accent1"/>
+          </a:fillRef>
+          <a:effectRef idx="0">
+            <a:schemeClr val="accent1"/>
+          </a:effectRef>
+          <a:fontRef idx="minor">
+            <a:schemeClr val="lt1"/>
+          </a:fontRef>
+        </p:style>
+        <p:txBody>
+          <a:bodyPr rtlCol="0" anchor="ctr"/>
+          <a:lstStyle/>
+          <a:p>
+            <a:pPr algn="ctr"/>
+            <a:endParaRPr lang="zh-TW" altLang="en-US"/>
+          </a:p>
+        </p:txBody>
+      </p:sp>
+      <p:sp>
+        <p:nvSpPr>
+          <p:cNvPr id="25" name="矩形 24"/>
+          <p:cNvSpPr/>
+          <p:nvPr/>
+        </p:nvSpPr>
+        <p:spPr>
+          <a:xfrm>
+            <a:off x="9610308" y="3455349"/>
+            <a:ext cx="1257717" cy="369332"/>
+          </a:xfrm>
+          <a:prstGeom prst="rect">
+            <a:avLst/>
+          </a:prstGeom>
+        </p:spPr>
+        <p:txBody>
+          <a:bodyPr wrap="none">
+            <a:spAutoFit/>
+          </a:bodyPr>
+          <a:lstStyle/>
+          <a:p>
             <a:r>
               <a:rPr lang="en-US" altLang="zh-TW" dirty="0" smtClean="0"/>
-              <a:t>DB</a:t>
-            </a:r>
+              <a:t>Web </a:t>
+            </a:r>
+            <a:r>
+              <a:rPr lang="en-US" altLang="zh-TW" dirty="0"/>
+              <a:t>Page</a:t>
+            </a:r>
+            <a:endParaRPr lang="zh-TW" altLang="en-US" dirty="0"/>
+          </a:p>
+        </p:txBody>
+      </p:sp>
+      <p:sp>
+        <p:nvSpPr>
+          <p:cNvPr id="11" name="矩形 10"/>
+          <p:cNvSpPr/>
+          <p:nvPr/>
+        </p:nvSpPr>
+        <p:spPr>
+          <a:xfrm>
+            <a:off x="3595716" y="2539336"/>
+            <a:ext cx="1569660" cy="369332"/>
+          </a:xfrm>
+          <a:prstGeom prst="rect">
+            <a:avLst/>
+          </a:prstGeom>
+        </p:spPr>
+        <p:txBody>
+          <a:bodyPr wrap="none">
+            <a:spAutoFit/>
+          </a:bodyPr>
+          <a:lstStyle/>
+          <a:p>
+            <a:r>
+              <a:rPr lang="zh-TW" altLang="en-US" dirty="0"/>
+              <a:t>購買商品網頁</a:t>
+            </a:r>
+            <a:endParaRPr lang="zh-TW" altLang="en-US" dirty="0"/>
+          </a:p>
+        </p:txBody>
+      </p:sp>
+      <p:sp>
+        <p:nvSpPr>
+          <p:cNvPr id="12" name="矩形 11"/>
+          <p:cNvSpPr/>
+          <p:nvPr/>
+        </p:nvSpPr>
+        <p:spPr>
+          <a:xfrm>
+            <a:off x="2855698" y="2041229"/>
+            <a:ext cx="3416320" cy="369332"/>
+          </a:xfrm>
+          <a:prstGeom prst="rect">
+            <a:avLst/>
+          </a:prstGeom>
+        </p:spPr>
+        <p:txBody>
+          <a:bodyPr wrap="none">
+            <a:spAutoFit/>
+          </a:bodyPr>
+          <a:lstStyle/>
+          <a:p>
             <a:r>
               <a:rPr lang="zh-TW" altLang="en-US" dirty="0" smtClean="0"/>
-              <a:t>程式</a:t>
+              <a:t>要登入</a:t>
+            </a:r>
+            <a:r>
+              <a:rPr lang="zh-TW" altLang="en-US" dirty="0"/>
+              <a:t>才</a:t>
+            </a:r>
+            <a:r>
+              <a:rPr lang="zh-TW" altLang="en-US" dirty="0" smtClean="0"/>
+              <a:t>可以</a:t>
+            </a:r>
+            <a:r>
+              <a:rPr lang="zh-TW" altLang="en-US" dirty="0" smtClean="0"/>
+              <a:t>瀏覽的</a:t>
+            </a:r>
+            <a:r>
+              <a:rPr lang="en-US" altLang="zh-TW" dirty="0" err="1" smtClean="0"/>
+              <a:t>marst</a:t>
+            </a:r>
+            <a:r>
+              <a:rPr lang="zh-TW" altLang="en-US" dirty="0" smtClean="0"/>
+              <a:t> </a:t>
+            </a:r>
+            <a:r>
+              <a:rPr lang="en-US" altLang="zh-TW" dirty="0" smtClean="0"/>
+              <a:t>page</a:t>
+            </a:r>
+            <a:endParaRPr lang="zh-TW" altLang="en-US" dirty="0"/>
+          </a:p>
+        </p:txBody>
+      </p:sp>
+    </p:spTree>
+    <p:extLst>
+      <p:ext uri="{BB962C8B-B14F-4D97-AF65-F5344CB8AC3E}">
+        <p14:creationId xmlns:p14="http://schemas.microsoft.com/office/powerpoint/2010/main" val="2707738938"/>
+      </p:ext>
+    </p:extLst>
+  </p:cSld>
+  <p:clrMapOvr>
+    <a:masterClrMapping/>
+  </p:clrMapOvr>
+  <mc:AlternateContent xmlns:mc="http://schemas.openxmlformats.org/markup-compatibility/2006" xmlns:p14="http://schemas.microsoft.com/office/powerpoint/2010/main">
+    <mc:Choice Requires="p14">
+      <p:transition spd="slow" p14:dur="1500">
+        <p:random/>
+      </p:transition>
+    </mc:Choice>
+    <mc:Fallback xmlns="">
+      <p:transition spd="slow">
+        <p:random/>
+      </p:transition>
+    </mc:Fallback>
+  </mc:AlternateContent>
+</p:sld>
+</file>
+
+<file path=ppt/slides/slide44.xml><?xml version="1.0" encoding="utf-8"?>
+<p:sld xmlns:a="http://schemas.openxmlformats.org/drawingml/2006/main" xmlns:r="http://schemas.openxmlformats.org/officeDocument/2006/relationships" xmlns:p="http://schemas.openxmlformats.org/presentationml/2006/main">
+  <p:cSld>
+    <p:spTree>
+      <p:nvGrpSpPr>
+        <p:cNvPr id="1" name=""/>
+        <p:cNvGrpSpPr/>
+        <p:nvPr/>
+      </p:nvGrpSpPr>
+      <p:grpSpPr>
+        <a:xfrm>
+          <a:off x="0" y="0"/>
+          <a:ext cx="0" cy="0"/>
+          <a:chOff x="0" y="0"/>
+          <a:chExt cx="0" cy="0"/>
+        </a:xfrm>
+      </p:grpSpPr>
+      <p:sp>
+        <p:nvSpPr>
+          <p:cNvPr id="4" name="標題 3"/>
+          <p:cNvSpPr>
+            <a:spLocks noGrp="1"/>
+          </p:cNvSpPr>
+          <p:nvPr>
+            <p:ph type="title"/>
+          </p:nvPr>
+        </p:nvSpPr>
+        <p:spPr/>
+        <p:txBody>
+          <a:bodyPr>
+            <a:normAutofit/>
+          </a:bodyPr>
+          <a:lstStyle/>
+          <a:p>
+            <a:r>
+              <a:rPr lang="zh-TW" altLang="en-US" dirty="0"/>
+              <a:t>高級會員區</a:t>
+            </a:r>
+            <a:r>
+              <a:rPr lang="zh-TW" altLang="en-US" dirty="0" smtClean="0"/>
+              <a:t>網頁</a:t>
+            </a:r>
+            <a:endParaRPr lang="zh-TW" altLang="en-US" dirty="0"/>
+          </a:p>
+        </p:txBody>
+      </p:sp>
+      <p:sp>
+        <p:nvSpPr>
+          <p:cNvPr id="20" name="矩形 19"/>
+          <p:cNvSpPr/>
+          <p:nvPr/>
+        </p:nvSpPr>
+        <p:spPr>
+          <a:xfrm>
+            <a:off x="2735536" y="2020644"/>
+            <a:ext cx="6312877" cy="3175609"/>
+          </a:xfrm>
+          <a:prstGeom prst="rect">
+            <a:avLst/>
+          </a:prstGeom>
+          <a:solidFill>
+            <a:schemeClr val="accent2"/>
+          </a:solidFill>
+          <a:ln w="28575">
+            <a:solidFill>
+              <a:schemeClr val="tx1"/>
+            </a:solidFill>
+          </a:ln>
+        </p:spPr>
+        <p:style>
+          <a:lnRef idx="2">
+            <a:schemeClr val="accent1">
+              <a:shade val="50000"/>
+            </a:schemeClr>
+          </a:lnRef>
+          <a:fillRef idx="1">
+            <a:schemeClr val="accent1"/>
+          </a:fillRef>
+          <a:effectRef idx="0">
+            <a:schemeClr val="accent1"/>
+          </a:effectRef>
+          <a:fontRef idx="minor">
+            <a:schemeClr val="lt1"/>
+          </a:fontRef>
+        </p:style>
+        <p:txBody>
+          <a:bodyPr rtlCol="0" anchor="ctr"/>
+          <a:lstStyle/>
+          <a:p>
+            <a:pPr algn="ctr"/>
+            <a:endParaRPr lang="zh-TW" altLang="en-US"/>
+          </a:p>
+        </p:txBody>
+      </p:sp>
+      <p:sp>
+        <p:nvSpPr>
+          <p:cNvPr id="21" name="矩形 20"/>
+          <p:cNvSpPr/>
+          <p:nvPr/>
+        </p:nvSpPr>
+        <p:spPr>
+          <a:xfrm>
+            <a:off x="3485813" y="2416420"/>
+            <a:ext cx="4812322" cy="2464776"/>
+          </a:xfrm>
+          <a:prstGeom prst="rect">
+            <a:avLst/>
+          </a:prstGeom>
+          <a:solidFill>
+            <a:schemeClr val="accent6"/>
+          </a:solidFill>
+          <a:ln w="28575">
+            <a:solidFill>
+              <a:schemeClr val="tx1"/>
+            </a:solidFill>
+          </a:ln>
+        </p:spPr>
+        <p:style>
+          <a:lnRef idx="2">
+            <a:schemeClr val="accent1">
+              <a:shade val="50000"/>
+            </a:schemeClr>
+          </a:lnRef>
+          <a:fillRef idx="1">
+            <a:schemeClr val="accent1"/>
+          </a:fillRef>
+          <a:effectRef idx="0">
+            <a:schemeClr val="accent1"/>
+          </a:effectRef>
+          <a:fontRef idx="minor">
+            <a:schemeClr val="lt1"/>
+          </a:fontRef>
+        </p:style>
+        <p:txBody>
+          <a:bodyPr rtlCol="0" anchor="ctr"/>
+          <a:lstStyle/>
+          <a:p>
+            <a:pPr algn="ctr"/>
+            <a:endParaRPr lang="zh-TW" altLang="en-US"/>
+          </a:p>
+        </p:txBody>
+      </p:sp>
+      <p:sp>
+        <p:nvSpPr>
+          <p:cNvPr id="22" name="向右箭號 21"/>
+          <p:cNvSpPr/>
+          <p:nvPr/>
+        </p:nvSpPr>
+        <p:spPr>
+          <a:xfrm>
+            <a:off x="2155245" y="3789484"/>
+            <a:ext cx="955429" cy="465993"/>
+          </a:xfrm>
+          <a:prstGeom prst="rightArrow">
+            <a:avLst/>
+          </a:prstGeom>
+          <a:solidFill>
+            <a:schemeClr val="tx1"/>
+          </a:solidFill>
+          <a:ln>
+            <a:solidFill>
+              <a:schemeClr val="tx1"/>
+            </a:solidFill>
+          </a:ln>
+        </p:spPr>
+        <p:style>
+          <a:lnRef idx="2">
+            <a:schemeClr val="accent1">
+              <a:shade val="50000"/>
+            </a:schemeClr>
+          </a:lnRef>
+          <a:fillRef idx="1">
+            <a:schemeClr val="accent1"/>
+          </a:fillRef>
+          <a:effectRef idx="0">
+            <a:schemeClr val="accent1"/>
+          </a:effectRef>
+          <a:fontRef idx="minor">
+            <a:schemeClr val="lt1"/>
+          </a:fontRef>
+        </p:style>
+        <p:txBody>
+          <a:bodyPr rtlCol="0" anchor="ctr"/>
+          <a:lstStyle/>
+          <a:p>
+            <a:pPr algn="ctr"/>
+            <a:endParaRPr lang="zh-TW" altLang="en-US"/>
+          </a:p>
+        </p:txBody>
+      </p:sp>
+      <p:sp>
+        <p:nvSpPr>
+          <p:cNvPr id="23" name="矩形 22"/>
+          <p:cNvSpPr/>
+          <p:nvPr/>
+        </p:nvSpPr>
+        <p:spPr>
+          <a:xfrm>
+            <a:off x="662529" y="3866974"/>
+            <a:ext cx="1492716" cy="369332"/>
+          </a:xfrm>
+          <a:prstGeom prst="rect">
+            <a:avLst/>
+          </a:prstGeom>
+        </p:spPr>
+        <p:txBody>
+          <a:bodyPr wrap="none">
+            <a:spAutoFit/>
+          </a:bodyPr>
+          <a:lstStyle/>
+          <a:p>
+            <a:r>
+              <a:rPr lang="en-US" altLang="zh-TW" dirty="0"/>
+              <a:t>Master Page</a:t>
+            </a:r>
+            <a:endParaRPr lang="zh-TW" altLang="en-US" dirty="0"/>
+          </a:p>
+        </p:txBody>
+      </p:sp>
+      <p:sp>
+        <p:nvSpPr>
+          <p:cNvPr id="24" name="向右箭號 23"/>
+          <p:cNvSpPr/>
+          <p:nvPr/>
+        </p:nvSpPr>
+        <p:spPr>
+          <a:xfrm rot="10800000">
+            <a:off x="7984544" y="3415811"/>
+            <a:ext cx="1518871" cy="465993"/>
+          </a:xfrm>
+          <a:prstGeom prst="rightArrow">
+            <a:avLst/>
+          </a:prstGeom>
+          <a:solidFill>
+            <a:schemeClr val="tx1"/>
+          </a:solidFill>
+          <a:ln>
+            <a:solidFill>
+              <a:schemeClr val="tx1"/>
+            </a:solidFill>
+          </a:ln>
+        </p:spPr>
+        <p:style>
+          <a:lnRef idx="2">
+            <a:schemeClr val="accent1">
+              <a:shade val="50000"/>
+            </a:schemeClr>
+          </a:lnRef>
+          <a:fillRef idx="1">
+            <a:schemeClr val="accent1"/>
+          </a:fillRef>
+          <a:effectRef idx="0">
+            <a:schemeClr val="accent1"/>
+          </a:effectRef>
+          <a:fontRef idx="minor">
+            <a:schemeClr val="lt1"/>
+          </a:fontRef>
+        </p:style>
+        <p:txBody>
+          <a:bodyPr rtlCol="0" anchor="ctr"/>
+          <a:lstStyle/>
+          <a:p>
+            <a:pPr algn="ctr"/>
+            <a:endParaRPr lang="zh-TW" altLang="en-US"/>
+          </a:p>
+        </p:txBody>
+      </p:sp>
+      <p:sp>
+        <p:nvSpPr>
+          <p:cNvPr id="25" name="矩形 24"/>
+          <p:cNvSpPr/>
+          <p:nvPr/>
+        </p:nvSpPr>
+        <p:spPr>
+          <a:xfrm>
+            <a:off x="9610308" y="3455349"/>
+            <a:ext cx="1257717" cy="369332"/>
+          </a:xfrm>
+          <a:prstGeom prst="rect">
+            <a:avLst/>
+          </a:prstGeom>
+        </p:spPr>
+        <p:txBody>
+          <a:bodyPr wrap="none">
+            <a:spAutoFit/>
+          </a:bodyPr>
+          <a:lstStyle/>
+          <a:p>
+            <a:r>
+              <a:rPr lang="en-US" altLang="zh-TW" dirty="0" smtClean="0"/>
+              <a:t>Web </a:t>
+            </a:r>
+            <a:r>
+              <a:rPr lang="en-US" altLang="zh-TW" dirty="0"/>
+              <a:t>Page</a:t>
+            </a:r>
+            <a:endParaRPr lang="zh-TW" altLang="en-US" dirty="0"/>
+          </a:p>
+        </p:txBody>
+      </p:sp>
+      <p:sp>
+        <p:nvSpPr>
+          <p:cNvPr id="11" name="矩形 10"/>
+          <p:cNvSpPr/>
+          <p:nvPr/>
+        </p:nvSpPr>
+        <p:spPr>
+          <a:xfrm>
+            <a:off x="3595716" y="2539336"/>
+            <a:ext cx="1800493" cy="369332"/>
+          </a:xfrm>
+          <a:prstGeom prst="rect">
+            <a:avLst/>
+          </a:prstGeom>
+        </p:spPr>
+        <p:txBody>
+          <a:bodyPr wrap="none">
+            <a:spAutoFit/>
+          </a:bodyPr>
+          <a:lstStyle/>
+          <a:p>
+            <a:r>
+              <a:rPr lang="zh-TW" altLang="en-US" dirty="0"/>
+              <a:t>高級會員區網頁</a:t>
+            </a:r>
+            <a:endParaRPr lang="zh-TW" altLang="en-US" dirty="0"/>
+          </a:p>
+        </p:txBody>
+      </p:sp>
+      <p:sp>
+        <p:nvSpPr>
+          <p:cNvPr id="12" name="矩形 11"/>
+          <p:cNvSpPr/>
+          <p:nvPr/>
+        </p:nvSpPr>
+        <p:spPr>
+          <a:xfrm>
+            <a:off x="2855698" y="2041229"/>
+            <a:ext cx="3416320" cy="369332"/>
+          </a:xfrm>
+          <a:prstGeom prst="rect">
+            <a:avLst/>
+          </a:prstGeom>
+        </p:spPr>
+        <p:txBody>
+          <a:bodyPr wrap="none">
+            <a:spAutoFit/>
+          </a:bodyPr>
+          <a:lstStyle/>
+          <a:p>
+            <a:r>
+              <a:rPr lang="zh-TW" altLang="en-US" dirty="0" smtClean="0"/>
+              <a:t>要登入</a:t>
+            </a:r>
+            <a:r>
+              <a:rPr lang="zh-TW" altLang="en-US" dirty="0"/>
+              <a:t>才</a:t>
+            </a:r>
+            <a:r>
+              <a:rPr lang="zh-TW" altLang="en-US" dirty="0" smtClean="0"/>
+              <a:t>可以</a:t>
+            </a:r>
+            <a:r>
+              <a:rPr lang="zh-TW" altLang="en-US" dirty="0" smtClean="0"/>
+              <a:t>瀏覽的</a:t>
+            </a:r>
+            <a:r>
+              <a:rPr lang="en-US" altLang="zh-TW" dirty="0" err="1" smtClean="0"/>
+              <a:t>marst</a:t>
+            </a:r>
+            <a:r>
+              <a:rPr lang="zh-TW" altLang="en-US" dirty="0" smtClean="0"/>
+              <a:t> </a:t>
+            </a:r>
+            <a:r>
+              <a:rPr lang="en-US" altLang="zh-TW" dirty="0" smtClean="0"/>
+              <a:t>page</a:t>
+            </a:r>
+            <a:endParaRPr lang="zh-TW" altLang="en-US" dirty="0"/>
+          </a:p>
+        </p:txBody>
+      </p:sp>
+    </p:spTree>
+    <p:extLst>
+      <p:ext uri="{BB962C8B-B14F-4D97-AF65-F5344CB8AC3E}">
+        <p14:creationId xmlns:p14="http://schemas.microsoft.com/office/powerpoint/2010/main" val="3848384092"/>
+      </p:ext>
+    </p:extLst>
+  </p:cSld>
+  <p:clrMapOvr>
+    <a:masterClrMapping/>
+  </p:clrMapOvr>
+  <mc:AlternateContent xmlns:mc="http://schemas.openxmlformats.org/markup-compatibility/2006" xmlns:p14="http://schemas.microsoft.com/office/powerpoint/2010/main">
+    <mc:Choice Requires="p14">
+      <p:transition spd="slow" p14:dur="1500">
+        <p:random/>
+      </p:transition>
+    </mc:Choice>
+    <mc:Fallback xmlns="">
+      <p:transition spd="slow">
+        <p:random/>
+      </p:transition>
+    </mc:Fallback>
+  </mc:AlternateContent>
+</p:sld>
+</file>
+
+<file path=ppt/slides/slide45.xml><?xml version="1.0" encoding="utf-8"?>
+<p:sld xmlns:a="http://schemas.openxmlformats.org/drawingml/2006/main" xmlns:r="http://schemas.openxmlformats.org/officeDocument/2006/relationships" xmlns:p="http://schemas.openxmlformats.org/presentationml/2006/main">
+  <p:cSld>
+    <p:spTree>
+      <p:nvGrpSpPr>
+        <p:cNvPr id="1" name=""/>
+        <p:cNvGrpSpPr/>
+        <p:nvPr/>
+      </p:nvGrpSpPr>
+      <p:grpSpPr>
+        <a:xfrm>
+          <a:off x="0" y="0"/>
+          <a:ext cx="0" cy="0"/>
+          <a:chOff x="0" y="0"/>
+          <a:chExt cx="0" cy="0"/>
+        </a:xfrm>
+      </p:grpSpPr>
+      <p:sp>
+        <p:nvSpPr>
+          <p:cNvPr id="2" name="標題 1"/>
+          <p:cNvSpPr>
+            <a:spLocks noGrp="1"/>
+          </p:cNvSpPr>
+          <p:nvPr>
+            <p:ph type="title"/>
+          </p:nvPr>
+        </p:nvSpPr>
+        <p:spPr/>
+        <p:txBody>
+          <a:bodyPr/>
+          <a:lstStyle/>
+          <a:p>
+            <a:r>
+              <a:rPr lang="zh-TW" altLang="en-US" dirty="0"/>
+              <a:t>購買商品網頁</a:t>
+            </a:r>
+            <a:endParaRPr lang="zh-TW" altLang="en-US" dirty="0"/>
+          </a:p>
+        </p:txBody>
+      </p:sp>
+      <p:pic>
+        <p:nvPicPr>
+          <p:cNvPr id="4" name="內容版面配置區 3" descr="畫面剪輯"/>
+          <p:cNvPicPr>
+            <a:picLocks noGrp="1" noChangeAspect="1"/>
+          </p:cNvPicPr>
+          <p:nvPr>
+            <p:ph idx="1"/>
+          </p:nvPr>
+        </p:nvPicPr>
+        <p:blipFill>
+          <a:blip r:embed="rId2">
+            <a:extLst>
+              <a:ext uri="{28A0092B-C50C-407E-A947-70E740481C1C}">
+                <a14:useLocalDpi xmlns:a14="http://schemas.microsoft.com/office/drawing/2010/main" val="0"/>
+              </a:ext>
+            </a:extLst>
+          </a:blip>
+          <a:stretch>
+            <a:fillRect/>
+          </a:stretch>
+        </p:blipFill>
+        <p:spPr>
+          <a:xfrm>
+            <a:off x="502961" y="2947720"/>
+            <a:ext cx="6620799" cy="1209844"/>
+          </a:xfrm>
+        </p:spPr>
+      </p:pic>
+      <p:pic>
+        <p:nvPicPr>
+          <p:cNvPr id="5" name="圖片 4" descr="畫面剪輯"/>
+          <p:cNvPicPr>
+            <a:picLocks noChangeAspect="1"/>
+          </p:cNvPicPr>
+          <p:nvPr/>
+        </p:nvPicPr>
+        <p:blipFill>
+          <a:blip r:embed="rId3">
+            <a:extLst>
+              <a:ext uri="{28A0092B-C50C-407E-A947-70E740481C1C}">
+                <a14:useLocalDpi xmlns:a14="http://schemas.microsoft.com/office/drawing/2010/main" val="0"/>
+              </a:ext>
+            </a:extLst>
+          </a:blip>
+          <a:stretch>
+            <a:fillRect/>
+          </a:stretch>
+        </p:blipFill>
+        <p:spPr>
+          <a:xfrm>
+            <a:off x="7868247" y="2196000"/>
+            <a:ext cx="2761652" cy="2966724"/>
+          </a:xfrm>
+          <a:prstGeom prst="rect">
+            <a:avLst/>
+          </a:prstGeom>
+          <a:ln w="38100" cap="sq">
+            <a:solidFill>
+              <a:srgbClr val="000000"/>
+            </a:solidFill>
+            <a:prstDash val="solid"/>
+            <a:miter lim="800000"/>
+          </a:ln>
+          <a:effectLst>
+            <a:outerShdw blurRad="50800" dist="38100" dir="2700000" algn="tl" rotWithShape="0">
+              <a:srgbClr val="000000">
+                <a:alpha val="43000"/>
+              </a:srgbClr>
+            </a:outerShdw>
+          </a:effectLst>
+        </p:spPr>
+      </p:pic>
+    </p:spTree>
+    <p:extLst>
+      <p:ext uri="{BB962C8B-B14F-4D97-AF65-F5344CB8AC3E}">
+        <p14:creationId xmlns:p14="http://schemas.microsoft.com/office/powerpoint/2010/main" val="1575555586"/>
+      </p:ext>
+    </p:extLst>
+  </p:cSld>
+  <p:clrMapOvr>
+    <a:masterClrMapping/>
+  </p:clrMapOvr>
+  <mc:AlternateContent xmlns:mc="http://schemas.openxmlformats.org/markup-compatibility/2006" xmlns:p14="http://schemas.microsoft.com/office/powerpoint/2010/main">
+    <mc:Choice Requires="p14">
+      <p:transition spd="slow" p14:dur="1500">
+        <p:random/>
+      </p:transition>
+    </mc:Choice>
+    <mc:Fallback xmlns="">
+      <p:transition spd="slow">
+        <p:random/>
+      </p:transition>
+    </mc:Fallback>
+  </mc:AlternateContent>
+</p:sld>
+</file>
+
+<file path=ppt/slides/slide46.xml><?xml version="1.0" encoding="utf-8"?>
+<p:sld xmlns:a="http://schemas.openxmlformats.org/drawingml/2006/main" xmlns:r="http://schemas.openxmlformats.org/officeDocument/2006/relationships" xmlns:p="http://schemas.openxmlformats.org/presentationml/2006/main">
+  <p:cSld>
+    <p:spTree>
+      <p:nvGrpSpPr>
+        <p:cNvPr id="1" name=""/>
+        <p:cNvGrpSpPr/>
+        <p:nvPr/>
+      </p:nvGrpSpPr>
+      <p:grpSpPr>
+        <a:xfrm>
+          <a:off x="0" y="0"/>
+          <a:ext cx="0" cy="0"/>
+          <a:chOff x="0" y="0"/>
+          <a:chExt cx="0" cy="0"/>
+        </a:xfrm>
+      </p:grpSpPr>
+      <p:sp>
+        <p:nvSpPr>
+          <p:cNvPr id="2" name="標題 1"/>
+          <p:cNvSpPr>
+            <a:spLocks noGrp="1"/>
+          </p:cNvSpPr>
+          <p:nvPr>
+            <p:ph type="title"/>
+          </p:nvPr>
+        </p:nvSpPr>
+        <p:spPr/>
+        <p:txBody>
+          <a:bodyPr/>
+          <a:lstStyle/>
+          <a:p>
+            <a:r>
+              <a:rPr lang="zh-TW" altLang="en-US" dirty="0"/>
+              <a:t>高級會員區網頁</a:t>
             </a:r>
             <a:endParaRPr lang="zh-TW" altLang="en-US" dirty="0"/>
           </a:p>
@@ -13742,10 +15617,268 @@
           <a:bodyPr/>
           <a:lstStyle/>
           <a:p>
+            <a:endParaRPr lang="en-US" altLang="zh-TW" dirty="0"/>
+          </a:p>
+          <a:p>
+            <a:endParaRPr lang="zh-TW" altLang="en-US" dirty="0"/>
+          </a:p>
+        </p:txBody>
+      </p:sp>
+      <p:pic>
+        <p:nvPicPr>
+          <p:cNvPr id="5" name="圖片 4" descr="畫面剪輯"/>
+          <p:cNvPicPr>
+            <a:picLocks noChangeAspect="1"/>
+          </p:cNvPicPr>
+          <p:nvPr/>
+        </p:nvPicPr>
+        <p:blipFill>
+          <a:blip r:embed="rId2">
+            <a:extLst>
+              <a:ext uri="{28A0092B-C50C-407E-A947-70E740481C1C}">
+                <a14:useLocalDpi xmlns:a14="http://schemas.microsoft.com/office/drawing/2010/main" val="0"/>
+              </a:ext>
+            </a:extLst>
+          </a:blip>
+          <a:stretch>
+            <a:fillRect/>
+          </a:stretch>
+        </p:blipFill>
+        <p:spPr>
+          <a:xfrm>
+            <a:off x="656395" y="2579737"/>
+            <a:ext cx="6658806" cy="1047880"/>
+          </a:xfrm>
+          <a:prstGeom prst="rect">
+            <a:avLst/>
+          </a:prstGeom>
+        </p:spPr>
+      </p:pic>
+      <p:pic>
+        <p:nvPicPr>
+          <p:cNvPr id="6" name="圖片 5" descr="畫面剪輯"/>
+          <p:cNvPicPr>
+            <a:picLocks noChangeAspect="1"/>
+          </p:cNvPicPr>
+          <p:nvPr/>
+        </p:nvPicPr>
+        <p:blipFill>
+          <a:blip r:embed="rId3">
+            <a:extLst>
+              <a:ext uri="{28A0092B-C50C-407E-A947-70E740481C1C}">
+                <a14:useLocalDpi xmlns:a14="http://schemas.microsoft.com/office/drawing/2010/main" val="0"/>
+              </a:ext>
+            </a:extLst>
+          </a:blip>
+          <a:stretch>
+            <a:fillRect/>
+          </a:stretch>
+        </p:blipFill>
+        <p:spPr>
+          <a:xfrm>
+            <a:off x="7882736" y="2337993"/>
+            <a:ext cx="2434494" cy="2579248"/>
+          </a:xfrm>
+          <a:prstGeom prst="rect">
+            <a:avLst/>
+          </a:prstGeom>
+          <a:ln w="38100" cap="sq">
+            <a:solidFill>
+              <a:srgbClr val="000000"/>
+            </a:solidFill>
+            <a:prstDash val="solid"/>
+            <a:miter lim="800000"/>
+          </a:ln>
+          <a:effectLst>
+            <a:outerShdw blurRad="50800" dist="38100" dir="2700000" algn="tl" rotWithShape="0">
+              <a:srgbClr val="000000">
+                <a:alpha val="43000"/>
+              </a:srgbClr>
+            </a:outerShdw>
+          </a:effectLst>
+        </p:spPr>
+      </p:pic>
+    </p:spTree>
+    <p:extLst>
+      <p:ext uri="{BB962C8B-B14F-4D97-AF65-F5344CB8AC3E}">
+        <p14:creationId xmlns:p14="http://schemas.microsoft.com/office/powerpoint/2010/main" val="2259941329"/>
+      </p:ext>
+    </p:extLst>
+  </p:cSld>
+  <p:clrMapOvr>
+    <a:masterClrMapping/>
+  </p:clrMapOvr>
+  <mc:AlternateContent xmlns:mc="http://schemas.openxmlformats.org/markup-compatibility/2006" xmlns:p14="http://schemas.microsoft.com/office/powerpoint/2010/main">
+    <mc:Choice Requires="p14">
+      <p:transition spd="slow" p14:dur="1500">
+        <p:random/>
+      </p:transition>
+    </mc:Choice>
+    <mc:Fallback xmlns="">
+      <p:transition spd="slow">
+        <p:random/>
+      </p:transition>
+    </mc:Fallback>
+  </mc:AlternateContent>
+</p:sld>
+</file>
+
+<file path=ppt/slides/slide47.xml><?xml version="1.0" encoding="utf-8"?>
+<p:sld xmlns:a="http://schemas.openxmlformats.org/drawingml/2006/main" xmlns:r="http://schemas.openxmlformats.org/officeDocument/2006/relationships" xmlns:p="http://schemas.openxmlformats.org/presentationml/2006/main">
+  <p:cSld>
+    <p:spTree>
+      <p:nvGrpSpPr>
+        <p:cNvPr id="1" name=""/>
+        <p:cNvGrpSpPr/>
+        <p:nvPr/>
+      </p:nvGrpSpPr>
+      <p:grpSpPr>
+        <a:xfrm>
+          <a:off x="0" y="0"/>
+          <a:ext cx="0" cy="0"/>
+          <a:chOff x="0" y="0"/>
+          <a:chExt cx="0" cy="0"/>
+        </a:xfrm>
+      </p:grpSpPr>
+      <p:sp>
+        <p:nvSpPr>
+          <p:cNvPr id="2" name="標題 1"/>
+          <p:cNvSpPr>
+            <a:spLocks noGrp="1"/>
+          </p:cNvSpPr>
+          <p:nvPr>
+            <p:ph type="title"/>
+          </p:nvPr>
+        </p:nvSpPr>
+        <p:spPr/>
+        <p:txBody>
+          <a:bodyPr/>
+          <a:lstStyle/>
+          <a:p>
+            <a:r>
+              <a:rPr lang="zh-TW" altLang="en-US" dirty="0"/>
+              <a:t>高級會員區網頁</a:t>
+            </a:r>
+          </a:p>
+        </p:txBody>
+      </p:sp>
+      <p:pic>
+        <p:nvPicPr>
+          <p:cNvPr id="4" name="內容版面配置區 3" descr="畫面剪輯"/>
+          <p:cNvPicPr>
+            <a:picLocks noGrp="1" noChangeAspect="1"/>
+          </p:cNvPicPr>
+          <p:nvPr>
+            <p:ph idx="1"/>
+          </p:nvPr>
+        </p:nvPicPr>
+        <p:blipFill>
+          <a:blip r:embed="rId2">
+            <a:extLst>
+              <a:ext uri="{28A0092B-C50C-407E-A947-70E740481C1C}">
+                <a14:useLocalDpi xmlns:a14="http://schemas.microsoft.com/office/drawing/2010/main" val="0"/>
+              </a:ext>
+            </a:extLst>
+          </a:blip>
+          <a:stretch>
+            <a:fillRect/>
+          </a:stretch>
+        </p:blipFill>
+        <p:spPr>
+          <a:xfrm>
+            <a:off x="1223930" y="1751838"/>
+            <a:ext cx="5693540" cy="3575274"/>
+          </a:xfrm>
+        </p:spPr>
+      </p:pic>
+    </p:spTree>
+    <p:extLst>
+      <p:ext uri="{BB962C8B-B14F-4D97-AF65-F5344CB8AC3E}">
+        <p14:creationId xmlns:p14="http://schemas.microsoft.com/office/powerpoint/2010/main" val="690385723"/>
+      </p:ext>
+    </p:extLst>
+  </p:cSld>
+  <p:clrMapOvr>
+    <a:masterClrMapping/>
+  </p:clrMapOvr>
+  <mc:AlternateContent xmlns:mc="http://schemas.openxmlformats.org/markup-compatibility/2006" xmlns:p14="http://schemas.microsoft.com/office/powerpoint/2010/main">
+    <mc:Choice Requires="p14">
+      <p:transition spd="slow" p14:dur="1500">
+        <p:random/>
+      </p:transition>
+    </mc:Choice>
+    <mc:Fallback xmlns="">
+      <p:transition spd="slow">
+        <p:random/>
+      </p:transition>
+    </mc:Fallback>
+  </mc:AlternateContent>
+</p:sld>
+</file>
+
+<file path=ppt/slides/slide48.xml><?xml version="1.0" encoding="utf-8"?>
+<p:sld xmlns:a="http://schemas.openxmlformats.org/drawingml/2006/main" xmlns:r="http://schemas.openxmlformats.org/officeDocument/2006/relationships" xmlns:p="http://schemas.openxmlformats.org/presentationml/2006/main">
+  <p:cSld>
+    <p:spTree>
+      <p:nvGrpSpPr>
+        <p:cNvPr id="1" name=""/>
+        <p:cNvGrpSpPr/>
+        <p:nvPr/>
+      </p:nvGrpSpPr>
+      <p:grpSpPr>
+        <a:xfrm>
+          <a:off x="0" y="0"/>
+          <a:ext cx="0" cy="0"/>
+          <a:chOff x="0" y="0"/>
+          <a:chExt cx="0" cy="0"/>
+        </a:xfrm>
+      </p:grpSpPr>
+      <p:sp>
+        <p:nvSpPr>
+          <p:cNvPr id="2" name="標題 1"/>
+          <p:cNvSpPr>
+            <a:spLocks noGrp="1"/>
+          </p:cNvSpPr>
+          <p:nvPr>
+            <p:ph type="title"/>
+          </p:nvPr>
+        </p:nvSpPr>
+        <p:spPr/>
+        <p:txBody>
+          <a:bodyPr/>
+          <a:lstStyle/>
+          <a:p>
             <a:r>
               <a:rPr lang="zh-TW" altLang="en-US" dirty="0" smtClean="0"/>
-              <a:t>密碼雜湊</a:t>
-            </a:r>
+              <a:t>登入</a:t>
+            </a:r>
+            <a:r>
+              <a:rPr lang="en-US" altLang="zh-TW" dirty="0" smtClean="0"/>
+              <a:t>/</a:t>
+            </a:r>
+            <a:r>
+              <a:rPr lang="zh-TW" altLang="en-US" dirty="0" smtClean="0"/>
+              <a:t>登出切換</a:t>
+            </a:r>
+            <a:endParaRPr lang="zh-TW" altLang="en-US" dirty="0"/>
+          </a:p>
+        </p:txBody>
+      </p:sp>
+      <p:sp>
+        <p:nvSpPr>
+          <p:cNvPr id="3" name="內容版面配置區 2"/>
+          <p:cNvSpPr>
+            <a:spLocks noGrp="1"/>
+          </p:cNvSpPr>
+          <p:nvPr>
+            <p:ph idx="1"/>
+          </p:nvPr>
+        </p:nvSpPr>
+        <p:spPr/>
+        <p:txBody>
+          <a:bodyPr/>
+          <a:lstStyle/>
+          <a:p>
             <a:endParaRPr lang="zh-TW" altLang="en-US" dirty="0"/>
           </a:p>
         </p:txBody>
@@ -13754,6 +15887,96 @@
     <p:extLst>
       <p:ext uri="{BB962C8B-B14F-4D97-AF65-F5344CB8AC3E}">
         <p14:creationId xmlns:p14="http://schemas.microsoft.com/office/powerpoint/2010/main" val="1194600060"/>
+      </p:ext>
+    </p:extLst>
+  </p:cSld>
+  <p:clrMapOvr>
+    <a:masterClrMapping/>
+  </p:clrMapOvr>
+  <mc:AlternateContent xmlns:mc="http://schemas.openxmlformats.org/markup-compatibility/2006" xmlns:p14="http://schemas.microsoft.com/office/powerpoint/2010/main">
+    <mc:Choice Requires="p14">
+      <p:transition spd="slow" p14:dur="1500">
+        <p:random/>
+      </p:transition>
+    </mc:Choice>
+    <mc:Fallback xmlns="">
+      <p:transition spd="slow">
+        <p:random/>
+      </p:transition>
+    </mc:Fallback>
+  </mc:AlternateContent>
+</p:sld>
+</file>
+
+<file path=ppt/slides/slide49.xml><?xml version="1.0" encoding="utf-8"?>
+<p:sld xmlns:a="http://schemas.openxmlformats.org/drawingml/2006/main" xmlns:r="http://schemas.openxmlformats.org/officeDocument/2006/relationships" xmlns:p="http://schemas.openxmlformats.org/presentationml/2006/main">
+  <p:cSld>
+    <p:spTree>
+      <p:nvGrpSpPr>
+        <p:cNvPr id="1" name=""/>
+        <p:cNvGrpSpPr/>
+        <p:nvPr/>
+      </p:nvGrpSpPr>
+      <p:grpSpPr>
+        <a:xfrm>
+          <a:off x="0" y="0"/>
+          <a:ext cx="0" cy="0"/>
+          <a:chOff x="0" y="0"/>
+          <a:chExt cx="0" cy="0"/>
+        </a:xfrm>
+      </p:grpSpPr>
+      <p:sp>
+        <p:nvSpPr>
+          <p:cNvPr id="2" name="標題 1"/>
+          <p:cNvSpPr>
+            <a:spLocks noGrp="1"/>
+          </p:cNvSpPr>
+          <p:nvPr>
+            <p:ph type="title"/>
+          </p:nvPr>
+        </p:nvSpPr>
+        <p:spPr/>
+        <p:txBody>
+          <a:bodyPr/>
+          <a:lstStyle/>
+          <a:p>
+            <a:r>
+              <a:rPr lang="zh-TW" altLang="en-US" dirty="0" smtClean="0"/>
+              <a:t>密碼資料安全性問題</a:t>
+            </a:r>
+            <a:endParaRPr lang="zh-TW" altLang="en-US" dirty="0"/>
+          </a:p>
+        </p:txBody>
+      </p:sp>
+      <p:sp>
+        <p:nvSpPr>
+          <p:cNvPr id="3" name="內容版面配置區 2"/>
+          <p:cNvSpPr>
+            <a:spLocks noGrp="1"/>
+          </p:cNvSpPr>
+          <p:nvPr>
+            <p:ph idx="1"/>
+          </p:nvPr>
+        </p:nvSpPr>
+        <p:spPr/>
+        <p:txBody>
+          <a:bodyPr/>
+          <a:lstStyle/>
+          <a:p>
+            <a:r>
+              <a:rPr lang="zh-TW" altLang="en-US" dirty="0"/>
+              <a:t>密碼雜湊</a:t>
+            </a:r>
+          </a:p>
+          <a:p>
+            <a:endParaRPr lang="zh-TW" altLang="en-US" dirty="0"/>
+          </a:p>
+        </p:txBody>
+      </p:sp>
+    </p:spTree>
+    <p:extLst>
+      <p:ext uri="{BB962C8B-B14F-4D97-AF65-F5344CB8AC3E}">
+        <p14:creationId xmlns:p14="http://schemas.microsoft.com/office/powerpoint/2010/main" val="3786662822"/>
       </p:ext>
     </p:extLst>
   </p:cSld>
@@ -15495,4 +17718,265 @@
     </a:ext>
   </a:extLst>
 </a:theme>
+</file>
+
+<file path=ppt/theme/theme2.xml><?xml version="1.0" encoding="utf-8"?>
+<a:theme xmlns:a="http://schemas.openxmlformats.org/drawingml/2006/main" name="Office 佈景主題">
+  <a:themeElements>
+    <a:clrScheme name="Office">
+      <a:dk1>
+        <a:sysClr val="windowText" lastClr="000000"/>
+      </a:dk1>
+      <a:lt1>
+        <a:sysClr val="window" lastClr="FFFFFF"/>
+      </a:lt1>
+      <a:dk2>
+        <a:srgbClr val="44546A"/>
+      </a:dk2>
+      <a:lt2>
+        <a:srgbClr val="E7E6E6"/>
+      </a:lt2>
+      <a:accent1>
+        <a:srgbClr val="5B9BD5"/>
+      </a:accent1>
+      <a:accent2>
+        <a:srgbClr val="ED7D31"/>
+      </a:accent2>
+      <a:accent3>
+        <a:srgbClr val="A5A5A5"/>
+      </a:accent3>
+      <a:accent4>
+        <a:srgbClr val="FFC000"/>
+      </a:accent4>
+      <a:accent5>
+        <a:srgbClr val="4472C4"/>
+      </a:accent5>
+      <a:accent6>
+        <a:srgbClr val="70AD47"/>
+      </a:accent6>
+      <a:hlink>
+        <a:srgbClr val="0563C1"/>
+      </a:hlink>
+      <a:folHlink>
+        <a:srgbClr val="954F72"/>
+      </a:folHlink>
+    </a:clrScheme>
+    <a:fontScheme name="Office">
+      <a:majorFont>
+        <a:latin typeface="Calibri Light" panose="020F0302020204030204"/>
+        <a:ea typeface=""/>
+        <a:cs typeface=""/>
+        <a:font script="Jpan" typeface="游ゴシック Light"/>
+        <a:font script="Hang" typeface="맑은 고딕"/>
+        <a:font script="Hans" typeface="等线 Light"/>
+        <a:font script="Hant" typeface="新細明體"/>
+        <a:font script="Arab" typeface="Times New Roman"/>
+        <a:font script="Hebr" typeface="Times New Roman"/>
+        <a:font script="Thai" typeface="Angsana New"/>
+        <a:font script="Ethi" typeface="Nyala"/>
+        <a:font script="Beng" typeface="Vrinda"/>
+        <a:font script="Gujr" typeface="Shruti"/>
+        <a:font script="Khmr" typeface="MoolBoran"/>
+        <a:font script="Knda" typeface="Tunga"/>
+        <a:font script="Guru" typeface="Raavi"/>
+        <a:font script="Cans" typeface="Euphemia"/>
+        <a:font script="Cher" typeface="Plantagenet Cherokee"/>
+        <a:font script="Yiii" typeface="Microsoft Yi Baiti"/>
+        <a:font script="Tibt" typeface="Microsoft Himalaya"/>
+        <a:font script="Thaa" typeface="MV Boli"/>
+        <a:font script="Deva" typeface="Mangal"/>
+        <a:font script="Telu" typeface="Gautami"/>
+        <a:font script="Taml" typeface="Latha"/>
+        <a:font script="Syrc" typeface="Estrangelo Edessa"/>
+        <a:font script="Orya" typeface="Kalinga"/>
+        <a:font script="Mlym" typeface="Kartika"/>
+        <a:font script="Laoo" typeface="DokChampa"/>
+        <a:font script="Sinh" typeface="Iskoola Pota"/>
+        <a:font script="Mong" typeface="Mongolian Baiti"/>
+        <a:font script="Viet" typeface="Times New Roman"/>
+        <a:font script="Uigh" typeface="Microsoft Uighur"/>
+        <a:font script="Geor" typeface="Sylfaen"/>
+      </a:majorFont>
+      <a:minorFont>
+        <a:latin typeface="Calibri" panose="020F0502020204030204"/>
+        <a:ea typeface=""/>
+        <a:cs typeface=""/>
+        <a:font script="Jpan" typeface="游ゴシック"/>
+        <a:font script="Hang" typeface="맑은 고딕"/>
+        <a:font script="Hans" typeface="等线"/>
+        <a:font script="Hant" typeface="新細明體"/>
+        <a:font script="Arab" typeface="Arial"/>
+        <a:font script="Hebr" typeface="Arial"/>
+        <a:font script="Thai" typeface="Cordia New"/>
+        <a:font script="Ethi" typeface="Nyala"/>
+        <a:font script="Beng" typeface="Vrinda"/>
+        <a:font script="Gujr" typeface="Shruti"/>
+        <a:font script="Khmr" typeface="DaunPenh"/>
+        <a:font script="Knda" typeface="Tunga"/>
+        <a:font script="Guru" typeface="Raavi"/>
+        <a:font script="Cans" typeface="Euphemia"/>
+        <a:font script="Cher" typeface="Plantagenet Cherokee"/>
+        <a:font script="Yiii" typeface="Microsoft Yi Baiti"/>
+        <a:font script="Tibt" typeface="Microsoft Himalaya"/>
+        <a:font script="Thaa" typeface="MV Boli"/>
+        <a:font script="Deva" typeface="Mangal"/>
+        <a:font script="Telu" typeface="Gautami"/>
+        <a:font script="Taml" typeface="Latha"/>
+        <a:font script="Syrc" typeface="Estrangelo Edessa"/>
+        <a:font script="Orya" typeface="Kalinga"/>
+        <a:font script="Mlym" typeface="Kartika"/>
+        <a:font script="Laoo" typeface="DokChampa"/>
+        <a:font script="Sinh" typeface="Iskoola Pota"/>
+        <a:font script="Mong" typeface="Mongolian Baiti"/>
+        <a:font script="Viet" typeface="Arial"/>
+        <a:font script="Uigh" typeface="Microsoft Uighur"/>
+        <a:font script="Geor" typeface="Sylfaen"/>
+      </a:minorFont>
+    </a:fontScheme>
+    <a:fmtScheme name="Office">
+      <a:fillStyleLst>
+        <a:solidFill>
+          <a:schemeClr val="phClr"/>
+        </a:solidFill>
+        <a:gradFill rotWithShape="1">
+          <a:gsLst>
+            <a:gs pos="0">
+              <a:schemeClr val="phClr">
+                <a:lumMod val="110000"/>
+                <a:satMod val="105000"/>
+                <a:tint val="67000"/>
+              </a:schemeClr>
+            </a:gs>
+            <a:gs pos="50000">
+              <a:schemeClr val="phClr">
+                <a:lumMod val="105000"/>
+                <a:satMod val="103000"/>
+                <a:tint val="73000"/>
+              </a:schemeClr>
+            </a:gs>
+            <a:gs pos="100000">
+              <a:schemeClr val="phClr">
+                <a:lumMod val="105000"/>
+                <a:satMod val="109000"/>
+                <a:tint val="81000"/>
+              </a:schemeClr>
+            </a:gs>
+          </a:gsLst>
+          <a:lin ang="5400000" scaled="0"/>
+        </a:gradFill>
+        <a:gradFill rotWithShape="1">
+          <a:gsLst>
+            <a:gs pos="0">
+              <a:schemeClr val="phClr">
+                <a:satMod val="103000"/>
+                <a:lumMod val="102000"/>
+                <a:tint val="94000"/>
+              </a:schemeClr>
+            </a:gs>
+            <a:gs pos="50000">
+              <a:schemeClr val="phClr">
+                <a:satMod val="110000"/>
+                <a:lumMod val="100000"/>
+                <a:shade val="100000"/>
+              </a:schemeClr>
+            </a:gs>
+            <a:gs pos="100000">
+              <a:schemeClr val="phClr">
+                <a:lumMod val="99000"/>
+                <a:satMod val="120000"/>
+                <a:shade val="78000"/>
+              </a:schemeClr>
+            </a:gs>
+          </a:gsLst>
+          <a:lin ang="5400000" scaled="0"/>
+        </a:gradFill>
+      </a:fillStyleLst>
+      <a:lnStyleLst>
+        <a:ln w="6350" cap="flat" cmpd="sng" algn="ctr">
+          <a:solidFill>
+            <a:schemeClr val="phClr"/>
+          </a:solidFill>
+          <a:prstDash val="solid"/>
+          <a:miter lim="800000"/>
+        </a:ln>
+        <a:ln w="12700" cap="flat" cmpd="sng" algn="ctr">
+          <a:solidFill>
+            <a:schemeClr val="phClr"/>
+          </a:solidFill>
+          <a:prstDash val="solid"/>
+          <a:miter lim="800000"/>
+        </a:ln>
+        <a:ln w="19050" cap="flat" cmpd="sng" algn="ctr">
+          <a:solidFill>
+            <a:schemeClr val="phClr"/>
+          </a:solidFill>
+          <a:prstDash val="solid"/>
+          <a:miter lim="800000"/>
+        </a:ln>
+      </a:lnStyleLst>
+      <a:effectStyleLst>
+        <a:effectStyle>
+          <a:effectLst/>
+        </a:effectStyle>
+        <a:effectStyle>
+          <a:effectLst/>
+        </a:effectStyle>
+        <a:effectStyle>
+          <a:effectLst>
+            <a:outerShdw blurRad="57150" dist="19050" dir="5400000" algn="ctr" rotWithShape="0">
+              <a:srgbClr val="000000">
+                <a:alpha val="63000"/>
+              </a:srgbClr>
+            </a:outerShdw>
+          </a:effectLst>
+        </a:effectStyle>
+      </a:effectStyleLst>
+      <a:bgFillStyleLst>
+        <a:solidFill>
+          <a:schemeClr val="phClr"/>
+        </a:solidFill>
+        <a:solidFill>
+          <a:schemeClr val="phClr">
+            <a:tint val="95000"/>
+            <a:satMod val="170000"/>
+          </a:schemeClr>
+        </a:solidFill>
+        <a:gradFill rotWithShape="1">
+          <a:gsLst>
+            <a:gs pos="0">
+              <a:schemeClr val="phClr">
+                <a:tint val="93000"/>
+                <a:satMod val="150000"/>
+                <a:shade val="98000"/>
+                <a:lumMod val="102000"/>
+              </a:schemeClr>
+            </a:gs>
+            <a:gs pos="50000">
+              <a:schemeClr val="phClr">
+                <a:tint val="98000"/>
+                <a:satMod val="130000"/>
+                <a:shade val="90000"/>
+                <a:lumMod val="103000"/>
+              </a:schemeClr>
+            </a:gs>
+            <a:gs pos="100000">
+              <a:schemeClr val="phClr">
+                <a:shade val="63000"/>
+                <a:satMod val="120000"/>
+              </a:schemeClr>
+            </a:gs>
+          </a:gsLst>
+          <a:lin ang="5400000" scaled="0"/>
+        </a:gradFill>
+      </a:bgFillStyleLst>
+    </a:fmtScheme>
+  </a:themeElements>
+  <a:objectDefaults/>
+  <a:extraClrSchemeLst/>
+  <a:extLst>
+    <a:ext uri="{05A4C25C-085E-4340-85A3-A5531E510DB2}">
+      <thm15:themeFamily xmlns:thm15="http://schemas.microsoft.com/office/thememl/2012/main" name="Office Theme" id="{62F939B6-93AF-4DB8-9C6B-D6C7DFDC589F}" vid="{4A3C46E8-61CC-4603-A589-7422A47A8E4A}"/>
+    </a:ext>
+  </a:extLst>
+</a:theme>
 </file>
--- a/投影片/4.實作-帳號註冊、登入網頁.pptx
+++ b/投影片/4.實作-帳號註冊、登入網頁.pptx
@@ -13,26 +13,26 @@
     <p:sldId id="266" r:id="rId4"/>
     <p:sldId id="267" r:id="rId5"/>
     <p:sldId id="282" r:id="rId6"/>
-    <p:sldId id="275" r:id="rId7"/>
-    <p:sldId id="274" r:id="rId8"/>
-    <p:sldId id="287" r:id="rId9"/>
-    <p:sldId id="284" r:id="rId10"/>
-    <p:sldId id="285" r:id="rId11"/>
-    <p:sldId id="283" r:id="rId12"/>
-    <p:sldId id="286" r:id="rId13"/>
-    <p:sldId id="288" r:id="rId14"/>
-    <p:sldId id="294" r:id="rId15"/>
-    <p:sldId id="269" r:id="rId16"/>
-    <p:sldId id="292" r:id="rId17"/>
-    <p:sldId id="270" r:id="rId18"/>
-    <p:sldId id="289" r:id="rId19"/>
-    <p:sldId id="291" r:id="rId20"/>
-    <p:sldId id="293" r:id="rId21"/>
-    <p:sldId id="295" r:id="rId22"/>
-    <p:sldId id="296" r:id="rId23"/>
-    <p:sldId id="297" r:id="rId24"/>
-    <p:sldId id="298" r:id="rId25"/>
-    <p:sldId id="299" r:id="rId26"/>
+    <p:sldId id="274" r:id="rId7"/>
+    <p:sldId id="287" r:id="rId8"/>
+    <p:sldId id="283" r:id="rId9"/>
+    <p:sldId id="285" r:id="rId10"/>
+    <p:sldId id="284" r:id="rId11"/>
+    <p:sldId id="286" r:id="rId12"/>
+    <p:sldId id="288" r:id="rId13"/>
+    <p:sldId id="294" r:id="rId14"/>
+    <p:sldId id="269" r:id="rId15"/>
+    <p:sldId id="292" r:id="rId16"/>
+    <p:sldId id="270" r:id="rId17"/>
+    <p:sldId id="289" r:id="rId18"/>
+    <p:sldId id="291" r:id="rId19"/>
+    <p:sldId id="293" r:id="rId20"/>
+    <p:sldId id="295" r:id="rId21"/>
+    <p:sldId id="296" r:id="rId22"/>
+    <p:sldId id="297" r:id="rId23"/>
+    <p:sldId id="298" r:id="rId24"/>
+    <p:sldId id="299" r:id="rId25"/>
+    <p:sldId id="323" r:id="rId26"/>
     <p:sldId id="303" r:id="rId27"/>
     <p:sldId id="300" r:id="rId28"/>
     <p:sldId id="304" r:id="rId29"/>
@@ -48,10 +48,10 @@
     <p:sldId id="314" r:id="rId39"/>
     <p:sldId id="315" r:id="rId40"/>
     <p:sldId id="316" r:id="rId41"/>
-    <p:sldId id="317" r:id="rId42"/>
-    <p:sldId id="318" r:id="rId43"/>
-    <p:sldId id="319" r:id="rId44"/>
-    <p:sldId id="320" r:id="rId45"/>
+    <p:sldId id="319" r:id="rId42"/>
+    <p:sldId id="320" r:id="rId43"/>
+    <p:sldId id="317" r:id="rId44"/>
+    <p:sldId id="318" r:id="rId45"/>
     <p:sldId id="271" r:id="rId46"/>
     <p:sldId id="272" r:id="rId47"/>
     <p:sldId id="321" r:id="rId48"/>
@@ -245,7 +245,7 @@
           <a:p>
             <a:fld id="{5B9B4E96-C3CE-45C2-9C7F-D52AA812C591}" type="datetimeFigureOut">
               <a:rPr lang="zh-TW" altLang="en-US" smtClean="0"/>
-              <a:t>2022/3/30</a:t>
+              <a:t>2022/4/5</a:t>
             </a:fld>
             <a:endParaRPr lang="zh-TW" altLang="en-US"/>
           </a:p>
@@ -578,7 +578,7 @@
           <a:p>
             <a:fld id="{2EFD3034-2FB3-4837-A013-ED3BAAFAC346}" type="slidenum">
               <a:rPr lang="zh-TW" altLang="en-US" smtClean="0"/>
-              <a:t>42</a:t>
+              <a:t>44</a:t>
             </a:fld>
             <a:endParaRPr lang="zh-TW" altLang="en-US"/>
           </a:p>
@@ -631,7 +631,7 @@
           <a:p>
             <a:fld id="{31CDE89B-FBD9-4E23-BEEB-B0C8819124B3}" type="datetimeFigureOut">
               <a:rPr lang="zh-TW" altLang="en-US" smtClean="0"/>
-              <a:t>2022/3/30</a:t>
+              <a:t>2022/4/5</a:t>
             </a:fld>
             <a:endParaRPr lang="zh-TW" altLang="en-US"/>
           </a:p>
@@ -3502,7 +3502,7 @@
           <a:p>
             <a:fld id="{31CDE89B-FBD9-4E23-BEEB-B0C8819124B3}" type="datetimeFigureOut">
               <a:rPr lang="zh-TW" altLang="en-US" smtClean="0"/>
-              <a:t>2022/3/30</a:t>
+              <a:t>2022/4/5</a:t>
             </a:fld>
             <a:endParaRPr lang="zh-TW" altLang="en-US"/>
           </a:p>
@@ -3694,7 +3694,7 @@
           <a:p>
             <a:fld id="{31CDE89B-FBD9-4E23-BEEB-B0C8819124B3}" type="datetimeFigureOut">
               <a:rPr lang="zh-TW" altLang="en-US" smtClean="0"/>
-              <a:t>2022/3/30</a:t>
+              <a:t>2022/4/5</a:t>
             </a:fld>
             <a:endParaRPr lang="zh-TW" altLang="en-US"/>
           </a:p>
@@ -3890,7 +3890,7 @@
           <a:p>
             <a:fld id="{31CDE89B-FBD9-4E23-BEEB-B0C8819124B3}" type="datetimeFigureOut">
               <a:rPr lang="zh-TW" altLang="en-US" smtClean="0"/>
-              <a:t>2022/3/30</a:t>
+              <a:t>2022/4/5</a:t>
             </a:fld>
             <a:endParaRPr lang="zh-TW" altLang="en-US"/>
           </a:p>
@@ -4986,7 +4986,7 @@
           <a:p>
             <a:fld id="{31CDE89B-FBD9-4E23-BEEB-B0C8819124B3}" type="datetimeFigureOut">
               <a:rPr lang="zh-TW" altLang="en-US" smtClean="0"/>
-              <a:t>2022/3/30</a:t>
+              <a:t>2022/4/5</a:t>
             </a:fld>
             <a:endParaRPr lang="zh-TW" altLang="en-US"/>
           </a:p>
@@ -5235,7 +5235,7 @@
           <a:p>
             <a:fld id="{31CDE89B-FBD9-4E23-BEEB-B0C8819124B3}" type="datetimeFigureOut">
               <a:rPr lang="zh-TW" altLang="en-US" smtClean="0"/>
-              <a:t>2022/3/30</a:t>
+              <a:t>2022/4/5</a:t>
             </a:fld>
             <a:endParaRPr lang="zh-TW" altLang="en-US"/>
           </a:p>
@@ -5614,7 +5614,7 @@
           <a:p>
             <a:fld id="{31CDE89B-FBD9-4E23-BEEB-B0C8819124B3}" type="datetimeFigureOut">
               <a:rPr lang="zh-TW" altLang="en-US" smtClean="0"/>
-              <a:t>2022/3/30</a:t>
+              <a:t>2022/4/5</a:t>
             </a:fld>
             <a:endParaRPr lang="zh-TW" altLang="en-US"/>
           </a:p>
@@ -5744,7 +5744,7 @@
           <a:p>
             <a:fld id="{31CDE89B-FBD9-4E23-BEEB-B0C8819124B3}" type="datetimeFigureOut">
               <a:rPr lang="zh-TW" altLang="en-US" smtClean="0"/>
-              <a:t>2022/3/30</a:t>
+              <a:t>2022/4/5</a:t>
             </a:fld>
             <a:endParaRPr lang="zh-TW" altLang="en-US"/>
           </a:p>
@@ -5851,7 +5851,7 @@
           <a:p>
             <a:fld id="{31CDE89B-FBD9-4E23-BEEB-B0C8819124B3}" type="datetimeFigureOut">
               <a:rPr lang="zh-TW" altLang="en-US" smtClean="0"/>
-              <a:t>2022/3/30</a:t>
+              <a:t>2022/4/5</a:t>
             </a:fld>
             <a:endParaRPr lang="zh-TW" altLang="en-US"/>
           </a:p>
@@ -6140,7 +6140,7 @@
           <a:p>
             <a:fld id="{31CDE89B-FBD9-4E23-BEEB-B0C8819124B3}" type="datetimeFigureOut">
               <a:rPr lang="zh-TW" altLang="en-US" smtClean="0"/>
-              <a:t>2022/3/30</a:t>
+              <a:t>2022/4/5</a:t>
             </a:fld>
             <a:endParaRPr lang="zh-TW" altLang="en-US"/>
           </a:p>
@@ -6405,7 +6405,7 @@
           <a:p>
             <a:fld id="{31CDE89B-FBD9-4E23-BEEB-B0C8819124B3}" type="datetimeFigureOut">
               <a:rPr lang="zh-TW" altLang="en-US" smtClean="0"/>
-              <a:t>2022/3/30</a:t>
+              <a:t>2022/4/5</a:t>
             </a:fld>
             <a:endParaRPr lang="zh-TW" altLang="en-US"/>
           </a:p>
@@ -6630,7 +6630,7 @@
           <a:p>
             <a:fld id="{31CDE89B-FBD9-4E23-BEEB-B0C8819124B3}" type="datetimeFigureOut">
               <a:rPr lang="zh-TW" altLang="en-US" smtClean="0"/>
-              <a:t>2022/3/30</a:t>
+              <a:t>2022/4/5</a:t>
             </a:fld>
             <a:endParaRPr lang="zh-TW" altLang="en-US"/>
           </a:p>
@@ -7167,7 +7167,7 @@
           <a:p>
             <a:r>
               <a:rPr lang="zh-TW" altLang="en-US" dirty="0"/>
-              <a:t>註冊網頁</a:t>
+              <a:t>登入網頁</a:t>
             </a:r>
             <a:endParaRPr lang="en-US" altLang="zh-TW" dirty="0"/>
           </a:p>
@@ -7450,7 +7450,7 @@
           <a:p>
             <a:r>
               <a:rPr lang="zh-TW" altLang="en-US" dirty="0"/>
-              <a:t>註冊網頁</a:t>
+              <a:t>登入網頁</a:t>
             </a:r>
             <a:endParaRPr lang="en-US" altLang="zh-TW" dirty="0"/>
           </a:p>
@@ -7500,7 +7500,7 @@
     </p:spTree>
     <p:extLst>
       <p:ext uri="{BB962C8B-B14F-4D97-AF65-F5344CB8AC3E}">
-        <p14:creationId xmlns:p14="http://schemas.microsoft.com/office/powerpoint/2010/main" val="1037842564"/>
+        <p14:creationId xmlns:p14="http://schemas.microsoft.com/office/powerpoint/2010/main" val="2055809677"/>
       </p:ext>
     </p:extLst>
   </p:cSld>
@@ -7541,7 +7541,7 @@
       </p:grpSpPr>
       <p:sp>
         <p:nvSpPr>
-          <p:cNvPr id="4" name="標題 3"/>
+          <p:cNvPr id="2" name="標題 1"/>
           <p:cNvSpPr>
             <a:spLocks noGrp="1"/>
           </p:cNvSpPr>
@@ -7551,355 +7551,169 @@
         </p:nvSpPr>
         <p:spPr/>
         <p:txBody>
-          <a:bodyPr>
-            <a:normAutofit/>
-          </a:bodyPr>
+          <a:bodyPr/>
           <a:lstStyle/>
           <a:p>
             <a:r>
               <a:rPr lang="zh-TW" altLang="en-US" dirty="0"/>
-              <a:t>顯示</a:t>
-            </a:r>
+              <a:t>不用登入就可以瀏覽的</a:t>
+            </a:r>
+            <a:r>
+              <a:rPr lang="en-US" altLang="zh-TW" dirty="0" err="1"/>
+              <a:t>marst</a:t>
+            </a:r>
+            <a:r>
+              <a:rPr lang="zh-TW" altLang="en-US" dirty="0"/>
+              <a:t> </a:t>
+            </a:r>
+            <a:r>
+              <a:rPr lang="en-US" altLang="zh-TW" dirty="0"/>
+              <a:t>page</a:t>
+            </a:r>
+            <a:endParaRPr lang="zh-TW" altLang="en-US" dirty="0"/>
+          </a:p>
+        </p:txBody>
+      </p:sp>
+      <p:sp>
+        <p:nvSpPr>
+          <p:cNvPr id="12" name="內容版面配置區 11"/>
+          <p:cNvSpPr>
+            <a:spLocks noGrp="1"/>
+          </p:cNvSpPr>
+          <p:nvPr>
+            <p:ph idx="1"/>
+          </p:nvPr>
+        </p:nvSpPr>
+        <p:spPr/>
+        <p:txBody>
+          <a:bodyPr/>
+          <a:lstStyle/>
+          <a:p>
+            <a:pPr marL="228600" lvl="1">
+              <a:spcBef>
+                <a:spcPts val="1000"/>
+              </a:spcBef>
+            </a:pPr>
+            <a:r>
+              <a:rPr lang="zh-TW" altLang="en-US" dirty="0"/>
+              <a:t>建置</a:t>
+            </a:r>
+            <a:r>
+              <a:rPr lang="en-US" altLang="zh-TW" dirty="0" err="1"/>
+              <a:t>marst</a:t>
+            </a:r>
+            <a:r>
+              <a:rPr lang="en-US" altLang="zh-TW" dirty="0"/>
+              <a:t> page</a:t>
+            </a:r>
+            <a:endParaRPr lang="zh-TW" altLang="en-US" dirty="0"/>
+          </a:p>
+          <a:p>
+            <a:pPr marL="228600" lvl="1">
+              <a:spcBef>
+                <a:spcPts val="1000"/>
+              </a:spcBef>
+            </a:pPr>
+            <a:endParaRPr lang="en-US" altLang="zh-TW" dirty="0" smtClean="0"/>
+          </a:p>
+          <a:p>
+            <a:pPr marL="228600" lvl="1">
+              <a:spcBef>
+                <a:spcPts val="1000"/>
+              </a:spcBef>
+            </a:pPr>
             <a:r>
               <a:rPr lang="zh-TW" altLang="en-US" dirty="0" smtClean="0"/>
-              <a:t>無</a:t>
+              <a:t>設定</a:t>
             </a:r>
             <a:r>
               <a:rPr lang="zh-TW" altLang="en-US" dirty="0"/>
-              <a:t>瀏覽權限網頁</a:t>
-            </a:r>
-            <a:endParaRPr lang="en-US" altLang="zh-TW" dirty="0"/>
-          </a:p>
-        </p:txBody>
-      </p:sp>
-      <p:sp>
-        <p:nvSpPr>
-          <p:cNvPr id="20" name="矩形 19"/>
-          <p:cNvSpPr/>
+              <a:t>導覽</a:t>
+            </a:r>
+            <a:r>
+              <a:rPr lang="zh-TW" altLang="en-US" dirty="0" smtClean="0"/>
+              <a:t>列</a:t>
+            </a:r>
+            <a:endParaRPr lang="en-US" altLang="zh-TW" dirty="0" smtClean="0"/>
+          </a:p>
+          <a:p>
+            <a:pPr lvl="1"/>
+            <a:r>
+              <a:rPr lang="en-US" altLang="zh-TW" dirty="0" smtClean="0"/>
+              <a:t>Logo</a:t>
+            </a:r>
+          </a:p>
+          <a:p>
+            <a:pPr lvl="1"/>
+            <a:r>
+              <a:rPr lang="zh-TW" altLang="en-US" dirty="0" smtClean="0"/>
+              <a:t>登入</a:t>
+            </a:r>
+            <a:endParaRPr lang="en-US" altLang="zh-TW" dirty="0" smtClean="0"/>
+          </a:p>
+          <a:p>
+            <a:pPr lvl="1"/>
+            <a:r>
+              <a:rPr lang="zh-TW" altLang="en-US" dirty="0" smtClean="0"/>
+              <a:t>關於我們</a:t>
+            </a:r>
+            <a:endParaRPr lang="en-US" altLang="zh-TW" dirty="0" smtClean="0"/>
+          </a:p>
+          <a:p>
+            <a:pPr lvl="1"/>
+            <a:r>
+              <a:rPr lang="zh-TW" altLang="en-US" dirty="0"/>
+              <a:t>購買</a:t>
+            </a:r>
+            <a:r>
+              <a:rPr lang="zh-TW" altLang="en-US" dirty="0" smtClean="0"/>
+              <a:t>商品</a:t>
+            </a:r>
+            <a:endParaRPr lang="en-US" altLang="zh-TW" dirty="0" smtClean="0"/>
+          </a:p>
+          <a:p>
+            <a:pPr lvl="1"/>
+            <a:r>
+              <a:rPr lang="zh-TW" altLang="en-US" dirty="0"/>
+              <a:t>高級會員區</a:t>
+            </a:r>
+          </a:p>
+        </p:txBody>
+      </p:sp>
+      <p:pic>
+        <p:nvPicPr>
+          <p:cNvPr id="13" name="圖片 12" descr="畫面剪輯"/>
+          <p:cNvPicPr>
+            <a:picLocks noChangeAspect="1"/>
+          </p:cNvPicPr>
           <p:nvPr/>
-        </p:nvSpPr>
+        </p:nvPicPr>
+        <p:blipFill>
+          <a:blip r:embed="rId2">
+            <a:extLst>
+              <a:ext uri="{28A0092B-C50C-407E-A947-70E740481C1C}">
+                <a14:useLocalDpi xmlns:a14="http://schemas.microsoft.com/office/drawing/2010/main" val="0"/>
+              </a:ext>
+            </a:extLst>
+          </a:blip>
+          <a:stretch>
+            <a:fillRect/>
+          </a:stretch>
+        </p:blipFill>
         <p:spPr>
           <a:xfrm>
-            <a:off x="2735536" y="2020644"/>
-            <a:ext cx="6312877" cy="3175609"/>
+            <a:off x="4680086" y="1554161"/>
+            <a:ext cx="6055321" cy="4656175"/>
           </a:xfrm>
           <a:prstGeom prst="rect">
             <a:avLst/>
           </a:prstGeom>
-          <a:solidFill>
-            <a:schemeClr val="accent2"/>
-          </a:solidFill>
-          <a:ln w="28575">
-            <a:solidFill>
-              <a:schemeClr val="tx1"/>
-            </a:solidFill>
-          </a:ln>
-        </p:spPr>
-        <p:style>
-          <a:lnRef idx="2">
-            <a:schemeClr val="accent1">
-              <a:shade val="50000"/>
-            </a:schemeClr>
-          </a:lnRef>
-          <a:fillRef idx="1">
-            <a:schemeClr val="accent1"/>
-          </a:fillRef>
-          <a:effectRef idx="0">
-            <a:schemeClr val="accent1"/>
-          </a:effectRef>
-          <a:fontRef idx="minor">
-            <a:schemeClr val="lt1"/>
-          </a:fontRef>
-        </p:style>
-        <p:txBody>
-          <a:bodyPr rtlCol="0" anchor="ctr"/>
-          <a:lstStyle/>
-          <a:p>
-            <a:pPr algn="ctr"/>
-            <a:endParaRPr lang="zh-TW" altLang="en-US"/>
-          </a:p>
-        </p:txBody>
-      </p:sp>
-      <p:sp>
-        <p:nvSpPr>
-          <p:cNvPr id="21" name="矩形 20"/>
-          <p:cNvSpPr/>
-          <p:nvPr/>
-        </p:nvSpPr>
-        <p:spPr>
-          <a:xfrm>
-            <a:off x="3485813" y="2416420"/>
-            <a:ext cx="4812322" cy="2464776"/>
-          </a:xfrm>
-          <a:prstGeom prst="rect">
-            <a:avLst/>
-          </a:prstGeom>
-          <a:solidFill>
-            <a:schemeClr val="accent6"/>
-          </a:solidFill>
-          <a:ln w="28575">
-            <a:solidFill>
-              <a:schemeClr val="tx1"/>
-            </a:solidFill>
-          </a:ln>
-        </p:spPr>
-        <p:style>
-          <a:lnRef idx="2">
-            <a:schemeClr val="accent1">
-              <a:shade val="50000"/>
-            </a:schemeClr>
-          </a:lnRef>
-          <a:fillRef idx="1">
-            <a:schemeClr val="accent1"/>
-          </a:fillRef>
-          <a:effectRef idx="0">
-            <a:schemeClr val="accent1"/>
-          </a:effectRef>
-          <a:fontRef idx="minor">
-            <a:schemeClr val="lt1"/>
-          </a:fontRef>
-        </p:style>
-        <p:txBody>
-          <a:bodyPr rtlCol="0" anchor="ctr"/>
-          <a:lstStyle/>
-          <a:p>
-            <a:pPr algn="ctr"/>
-            <a:endParaRPr lang="zh-TW" altLang="en-US"/>
-          </a:p>
-        </p:txBody>
-      </p:sp>
-      <p:sp>
-        <p:nvSpPr>
-          <p:cNvPr id="22" name="向右箭號 21"/>
-          <p:cNvSpPr/>
-          <p:nvPr/>
-        </p:nvSpPr>
-        <p:spPr>
-          <a:xfrm>
-            <a:off x="2155245" y="3789484"/>
-            <a:ext cx="955429" cy="465993"/>
-          </a:xfrm>
-          <a:prstGeom prst="rightArrow">
-            <a:avLst/>
-          </a:prstGeom>
-          <a:solidFill>
-            <a:schemeClr val="tx1"/>
-          </a:solidFill>
-          <a:ln>
-            <a:solidFill>
-              <a:schemeClr val="tx1"/>
-            </a:solidFill>
-          </a:ln>
-        </p:spPr>
-        <p:style>
-          <a:lnRef idx="2">
-            <a:schemeClr val="accent1">
-              <a:shade val="50000"/>
-            </a:schemeClr>
-          </a:lnRef>
-          <a:fillRef idx="1">
-            <a:schemeClr val="accent1"/>
-          </a:fillRef>
-          <a:effectRef idx="0">
-            <a:schemeClr val="accent1"/>
-          </a:effectRef>
-          <a:fontRef idx="minor">
-            <a:schemeClr val="lt1"/>
-          </a:fontRef>
-        </p:style>
-        <p:txBody>
-          <a:bodyPr rtlCol="0" anchor="ctr"/>
-          <a:lstStyle/>
-          <a:p>
-            <a:pPr algn="ctr"/>
-            <a:endParaRPr lang="zh-TW" altLang="en-US"/>
-          </a:p>
-        </p:txBody>
-      </p:sp>
-      <p:sp>
-        <p:nvSpPr>
-          <p:cNvPr id="23" name="矩形 22"/>
-          <p:cNvSpPr/>
-          <p:nvPr/>
-        </p:nvSpPr>
-        <p:spPr>
-          <a:xfrm>
-            <a:off x="662529" y="3866974"/>
-            <a:ext cx="1492716" cy="369332"/>
-          </a:xfrm>
-          <a:prstGeom prst="rect">
-            <a:avLst/>
-          </a:prstGeom>
-        </p:spPr>
-        <p:txBody>
-          <a:bodyPr wrap="none">
-            <a:spAutoFit/>
-          </a:bodyPr>
-          <a:lstStyle/>
-          <a:p>
-            <a:r>
-              <a:rPr lang="en-US" altLang="zh-TW" dirty="0"/>
-              <a:t>Master Page</a:t>
-            </a:r>
-            <a:endParaRPr lang="zh-TW" altLang="en-US" dirty="0"/>
-          </a:p>
-        </p:txBody>
-      </p:sp>
-      <p:sp>
-        <p:nvSpPr>
-          <p:cNvPr id="24" name="向右箭號 23"/>
-          <p:cNvSpPr/>
-          <p:nvPr/>
-        </p:nvSpPr>
-        <p:spPr>
-          <a:xfrm rot="10800000">
-            <a:off x="7984544" y="3415811"/>
-            <a:ext cx="1518871" cy="465993"/>
-          </a:xfrm>
-          <a:prstGeom prst="rightArrow">
-            <a:avLst/>
-          </a:prstGeom>
-          <a:solidFill>
-            <a:schemeClr val="tx1"/>
-          </a:solidFill>
-          <a:ln>
-            <a:solidFill>
-              <a:schemeClr val="tx1"/>
-            </a:solidFill>
-          </a:ln>
-        </p:spPr>
-        <p:style>
-          <a:lnRef idx="2">
-            <a:schemeClr val="accent1">
-              <a:shade val="50000"/>
-            </a:schemeClr>
-          </a:lnRef>
-          <a:fillRef idx="1">
-            <a:schemeClr val="accent1"/>
-          </a:fillRef>
-          <a:effectRef idx="0">
-            <a:schemeClr val="accent1"/>
-          </a:effectRef>
-          <a:fontRef idx="minor">
-            <a:schemeClr val="lt1"/>
-          </a:fontRef>
-        </p:style>
-        <p:txBody>
-          <a:bodyPr rtlCol="0" anchor="ctr"/>
-          <a:lstStyle/>
-          <a:p>
-            <a:pPr algn="ctr"/>
-            <a:endParaRPr lang="zh-TW" altLang="en-US"/>
-          </a:p>
-        </p:txBody>
-      </p:sp>
-      <p:sp>
-        <p:nvSpPr>
-          <p:cNvPr id="25" name="矩形 24"/>
-          <p:cNvSpPr/>
-          <p:nvPr/>
-        </p:nvSpPr>
-        <p:spPr>
-          <a:xfrm>
-            <a:off x="9610308" y="3455349"/>
-            <a:ext cx="1257717" cy="369332"/>
-          </a:xfrm>
-          <a:prstGeom prst="rect">
-            <a:avLst/>
-          </a:prstGeom>
-        </p:spPr>
-        <p:txBody>
-          <a:bodyPr wrap="none">
-            <a:spAutoFit/>
-          </a:bodyPr>
-          <a:lstStyle/>
-          <a:p>
-            <a:r>
-              <a:rPr lang="en-US" altLang="zh-TW" dirty="0" smtClean="0"/>
-              <a:t>Web </a:t>
-            </a:r>
-            <a:r>
-              <a:rPr lang="en-US" altLang="zh-TW" dirty="0"/>
-              <a:t>Page</a:t>
-            </a:r>
-            <a:endParaRPr lang="zh-TW" altLang="en-US" dirty="0"/>
-          </a:p>
-        </p:txBody>
-      </p:sp>
-      <p:sp>
-        <p:nvSpPr>
-          <p:cNvPr id="11" name="矩形 10"/>
-          <p:cNvSpPr/>
-          <p:nvPr/>
-        </p:nvSpPr>
-        <p:spPr>
-          <a:xfrm>
-            <a:off x="3595716" y="2539336"/>
-            <a:ext cx="2262158" cy="369332"/>
-          </a:xfrm>
-          <a:prstGeom prst="rect">
-            <a:avLst/>
-          </a:prstGeom>
-        </p:spPr>
-        <p:txBody>
-          <a:bodyPr wrap="none">
-            <a:spAutoFit/>
-          </a:bodyPr>
-          <a:lstStyle/>
-          <a:p>
-            <a:r>
-              <a:rPr lang="zh-TW" altLang="en-US" dirty="0"/>
-              <a:t>呈現無瀏覽權限網頁</a:t>
-            </a:r>
-            <a:endParaRPr lang="en-US" altLang="zh-TW" dirty="0"/>
-          </a:p>
-        </p:txBody>
-      </p:sp>
-      <p:sp>
-        <p:nvSpPr>
-          <p:cNvPr id="12" name="矩形 11"/>
-          <p:cNvSpPr/>
-          <p:nvPr/>
-        </p:nvSpPr>
-        <p:spPr>
-          <a:xfrm>
-            <a:off x="2855698" y="2041229"/>
-            <a:ext cx="3647152" cy="369332"/>
-          </a:xfrm>
-          <a:prstGeom prst="rect">
-            <a:avLst/>
-          </a:prstGeom>
-        </p:spPr>
-        <p:txBody>
-          <a:bodyPr wrap="none">
-            <a:spAutoFit/>
-          </a:bodyPr>
-          <a:lstStyle/>
-          <a:p>
-            <a:r>
-              <a:rPr lang="zh-TW" altLang="en-US" dirty="0" smtClean="0"/>
-              <a:t>不用登入就可以瀏覽的</a:t>
-            </a:r>
-            <a:r>
-              <a:rPr lang="en-US" altLang="zh-TW" dirty="0" err="1" smtClean="0"/>
-              <a:t>marst</a:t>
-            </a:r>
-            <a:r>
-              <a:rPr lang="zh-TW" altLang="en-US" dirty="0" smtClean="0"/>
-              <a:t> </a:t>
-            </a:r>
-            <a:r>
-              <a:rPr lang="en-US" altLang="zh-TW" dirty="0" smtClean="0"/>
-              <a:t>page</a:t>
-            </a:r>
-            <a:endParaRPr lang="zh-TW" altLang="en-US" dirty="0"/>
-          </a:p>
-        </p:txBody>
-      </p:sp>
+        </p:spPr>
+      </p:pic>
     </p:spTree>
     <p:extLst>
       <p:ext uri="{BB962C8B-B14F-4D97-AF65-F5344CB8AC3E}">
-        <p14:creationId xmlns:p14="http://schemas.microsoft.com/office/powerpoint/2010/main" val="4000062335"/>
+        <p14:creationId xmlns:p14="http://schemas.microsoft.com/office/powerpoint/2010/main" val="1849818795"/>
       </p:ext>
     </p:extLst>
   </p:cSld>
@@ -7954,102 +7768,16 @@
           <a:lstStyle/>
           <a:p>
             <a:r>
-              <a:rPr lang="zh-TW" altLang="en-US" dirty="0"/>
-              <a:t>不用登入就可以瀏覽的</a:t>
-            </a:r>
-            <a:r>
-              <a:rPr lang="en-US" altLang="zh-TW" dirty="0" err="1"/>
-              <a:t>marst</a:t>
-            </a:r>
-            <a:r>
-              <a:rPr lang="zh-TW" altLang="en-US" dirty="0"/>
-              <a:t> </a:t>
-            </a:r>
-            <a:r>
-              <a:rPr lang="en-US" altLang="zh-TW" dirty="0"/>
-              <a:t>page</a:t>
+              <a:rPr lang="zh-TW" altLang="en-US" dirty="0" smtClean="0"/>
+              <a:t>首頁網頁</a:t>
             </a:r>
             <a:endParaRPr lang="zh-TW" altLang="en-US" dirty="0"/>
-          </a:p>
-        </p:txBody>
-      </p:sp>
-      <p:sp>
-        <p:nvSpPr>
-          <p:cNvPr id="12" name="內容版面配置區 11"/>
-          <p:cNvSpPr>
-            <a:spLocks noGrp="1"/>
-          </p:cNvSpPr>
-          <p:nvPr>
-            <p:ph idx="1"/>
-          </p:nvPr>
-        </p:nvSpPr>
-        <p:spPr/>
-        <p:txBody>
-          <a:bodyPr/>
-          <a:lstStyle/>
-          <a:p>
-            <a:pPr marL="228600" lvl="1">
-              <a:spcBef>
-                <a:spcPts val="1000"/>
-              </a:spcBef>
-            </a:pPr>
-            <a:r>
-              <a:rPr lang="zh-TW" altLang="en-US" dirty="0"/>
-              <a:t>設定導覽</a:t>
-            </a:r>
-            <a:r>
-              <a:rPr lang="zh-TW" altLang="en-US" dirty="0" smtClean="0"/>
-              <a:t>列</a:t>
-            </a:r>
-            <a:endParaRPr lang="en-US" altLang="zh-TW" dirty="0" smtClean="0"/>
-          </a:p>
-          <a:p>
-            <a:pPr lvl="1"/>
-            <a:r>
-              <a:rPr lang="en-US" altLang="zh-TW" dirty="0" smtClean="0"/>
-              <a:t>Logo</a:t>
-            </a:r>
-          </a:p>
-          <a:p>
-            <a:pPr lvl="1"/>
-            <a:r>
-              <a:rPr lang="zh-TW" altLang="en-US" dirty="0" smtClean="0"/>
-              <a:t>登入</a:t>
-            </a:r>
-            <a:endParaRPr lang="en-US" altLang="zh-TW" dirty="0" smtClean="0"/>
-          </a:p>
-          <a:p>
-            <a:pPr lvl="1"/>
-            <a:r>
-              <a:rPr lang="zh-TW" altLang="en-US" dirty="0" smtClean="0"/>
-              <a:t>關於我們</a:t>
-            </a:r>
-            <a:endParaRPr lang="en-US" altLang="zh-TW" dirty="0" smtClean="0"/>
-          </a:p>
-          <a:p>
-            <a:pPr lvl="1"/>
-            <a:r>
-              <a:rPr lang="zh-TW" altLang="en-US" dirty="0"/>
-              <a:t>購買</a:t>
-            </a:r>
-            <a:r>
-              <a:rPr lang="zh-TW" altLang="en-US" dirty="0" smtClean="0"/>
-              <a:t>商品</a:t>
-            </a:r>
-            <a:endParaRPr lang="en-US" altLang="zh-TW" dirty="0" smtClean="0"/>
-          </a:p>
-          <a:p>
-            <a:pPr lvl="1"/>
-            <a:r>
-              <a:rPr lang="zh-TW" altLang="en-US" dirty="0"/>
-              <a:t>高級會員區</a:t>
-            </a:r>
           </a:p>
         </p:txBody>
       </p:sp>
       <p:pic>
         <p:nvPicPr>
-          <p:cNvPr id="13" name="圖片 12" descr="畫面剪輯"/>
+          <p:cNvPr id="6" name="圖片 5" descr="畫面剪輯"/>
           <p:cNvPicPr>
             <a:picLocks noChangeAspect="1"/>
           </p:cNvPicPr>
@@ -8069,18 +7797,61 @@
         </p:blipFill>
         <p:spPr>
           <a:xfrm>
-            <a:off x="4680086" y="1554161"/>
-            <a:ext cx="6055321" cy="4656175"/>
+            <a:off x="1315488" y="1721640"/>
+            <a:ext cx="8005586" cy="1413486"/>
           </a:xfrm>
           <a:prstGeom prst="rect">
             <a:avLst/>
           </a:prstGeom>
+        </p:spPr>
+      </p:pic>
+      <p:pic>
+        <p:nvPicPr>
+          <p:cNvPr id="8" name="內容版面配置區 3" descr="畫面剪輯"/>
+          <p:cNvPicPr>
+            <a:picLocks noChangeAspect="1"/>
+          </p:cNvPicPr>
+          <p:nvPr/>
+        </p:nvPicPr>
+        <p:blipFill rotWithShape="1">
+          <a:blip r:embed="rId3">
+            <a:extLst>
+              <a:ext uri="{28A0092B-C50C-407E-A947-70E740481C1C}">
+                <a14:useLocalDpi xmlns:a14="http://schemas.microsoft.com/office/drawing/2010/main" val="0"/>
+              </a:ext>
+            </a:extLst>
+          </a:blip>
+          <a:srcRect t="1272" r="58831" b="16588"/>
+          <a:stretch/>
+        </p:blipFill>
+        <p:spPr>
+          <a:xfrm>
+            <a:off x="1315487" y="3349869"/>
+            <a:ext cx="3001535" cy="3052820"/>
+          </a:xfrm>
+          <a:prstGeom prst="rect">
+            <a:avLst/>
+          </a:prstGeom>
+          <a:ln w="38100" cap="sq">
+            <a:solidFill>
+              <a:srgbClr val="000000"/>
+            </a:solidFill>
+            <a:prstDash val="solid"/>
+            <a:miter lim="800000"/>
+          </a:ln>
+          <a:effectLst>
+            <a:outerShdw blurRad="50800" dist="38100" dir="2700000" algn="tl" rotWithShape="0">
+              <a:srgbClr val="000000">
+                <a:alpha val="43000"/>
+              </a:srgbClr>
+            </a:outerShdw>
+          </a:effectLst>
         </p:spPr>
       </p:pic>
     </p:spTree>
     <p:extLst>
       <p:ext uri="{BB962C8B-B14F-4D97-AF65-F5344CB8AC3E}">
-        <p14:creationId xmlns:p14="http://schemas.microsoft.com/office/powerpoint/2010/main" val="1849818795"/>
+        <p14:creationId xmlns:p14="http://schemas.microsoft.com/office/powerpoint/2010/main" val="636273625"/>
       </p:ext>
     </p:extLst>
   </p:cSld>
@@ -8136,7 +7907,7 @@
           <a:p>
             <a:r>
               <a:rPr lang="zh-TW" altLang="en-US" dirty="0" smtClean="0"/>
-              <a:t>首頁網頁</a:t>
+              <a:t>關於我們網頁</a:t>
             </a:r>
             <a:endParaRPr lang="zh-TW" altLang="en-US" dirty="0"/>
           </a:p>
@@ -8144,13 +7915,15 @@
       </p:sp>
       <p:pic>
         <p:nvPicPr>
-          <p:cNvPr id="6" name="圖片 5" descr="畫面剪輯"/>
+          <p:cNvPr id="4" name="內容版面配置區 3" descr="畫面剪輯"/>
           <p:cNvPicPr>
-            <a:picLocks noChangeAspect="1"/>
+            <a:picLocks noGrp="1" noChangeAspect="1"/>
           </p:cNvPicPr>
-          <p:nvPr/>
+          <p:nvPr>
+            <p:ph idx="1"/>
+          </p:nvPr>
         </p:nvPicPr>
-        <p:blipFill>
+        <p:blipFill rotWithShape="1">
           <a:blip r:embed="rId2">
             <a:extLst>
               <a:ext uri="{28A0092B-C50C-407E-A947-70E740481C1C}">
@@ -8158,43 +7931,13 @@
               </a:ext>
             </a:extLst>
           </a:blip>
-          <a:stretch>
-            <a:fillRect/>
-          </a:stretch>
-        </p:blipFill>
-        <p:spPr>
-          <a:xfrm>
-            <a:off x="1315488" y="1721640"/>
-            <a:ext cx="8005586" cy="1413486"/>
-          </a:xfrm>
-          <a:prstGeom prst="rect">
-            <a:avLst/>
-          </a:prstGeom>
-        </p:spPr>
-      </p:pic>
-      <p:pic>
-        <p:nvPicPr>
-          <p:cNvPr id="8" name="內容版面配置區 3" descr="畫面剪輯"/>
-          <p:cNvPicPr>
-            <a:picLocks noChangeAspect="1"/>
-          </p:cNvPicPr>
-          <p:nvPr/>
-        </p:nvPicPr>
-        <p:blipFill rotWithShape="1">
-          <a:blip r:embed="rId3">
-            <a:extLst>
-              <a:ext uri="{28A0092B-C50C-407E-A947-70E740481C1C}">
-                <a14:useLocalDpi xmlns:a14="http://schemas.microsoft.com/office/drawing/2010/main" val="0"/>
-              </a:ext>
-            </a:extLst>
-          </a:blip>
-          <a:srcRect t="1272" r="58831" b="16588"/>
+          <a:srcRect b="15958"/>
           <a:stretch/>
         </p:blipFill>
         <p:spPr>
           <a:xfrm>
-            <a:off x="1315487" y="3349869"/>
-            <a:ext cx="3001535" cy="3052820"/>
+            <a:off x="1223930" y="3640015"/>
+            <a:ext cx="2532778" cy="2461846"/>
           </a:xfrm>
           <a:prstGeom prst="rect">
             <a:avLst/>
@@ -8215,10 +7958,40 @@
           </a:effectLst>
         </p:spPr>
       </p:pic>
+      <p:pic>
+        <p:nvPicPr>
+          <p:cNvPr id="5" name="圖片 4" descr="畫面剪輯"/>
+          <p:cNvPicPr>
+            <a:picLocks noChangeAspect="1"/>
+          </p:cNvPicPr>
+          <p:nvPr/>
+        </p:nvPicPr>
+        <p:blipFill>
+          <a:blip r:embed="rId3">
+            <a:extLst>
+              <a:ext uri="{28A0092B-C50C-407E-A947-70E740481C1C}">
+                <a14:useLocalDpi xmlns:a14="http://schemas.microsoft.com/office/drawing/2010/main" val="0"/>
+              </a:ext>
+            </a:extLst>
+          </a:blip>
+          <a:stretch>
+            <a:fillRect/>
+          </a:stretch>
+        </p:blipFill>
+        <p:spPr>
+          <a:xfrm>
+            <a:off x="1223930" y="1858862"/>
+            <a:ext cx="8007880" cy="1476453"/>
+          </a:xfrm>
+          <a:prstGeom prst="rect">
+            <a:avLst/>
+          </a:prstGeom>
+        </p:spPr>
+      </p:pic>
     </p:spTree>
     <p:extLst>
       <p:ext uri="{BB962C8B-B14F-4D97-AF65-F5344CB8AC3E}">
-        <p14:creationId xmlns:p14="http://schemas.microsoft.com/office/powerpoint/2010/main" val="636273625"/>
+        <p14:creationId xmlns:p14="http://schemas.microsoft.com/office/powerpoint/2010/main" val="2759776021"/>
       </p:ext>
     </p:extLst>
   </p:cSld>
@@ -8273,24 +8046,88 @@
           <a:lstStyle/>
           <a:p>
             <a:r>
+              <a:rPr lang="zh-TW" altLang="en-US" dirty="0"/>
+              <a:t>登入</a:t>
+            </a:r>
+            <a:r>
               <a:rPr lang="zh-TW" altLang="en-US" dirty="0" smtClean="0"/>
-              <a:t>關於我們網頁</a:t>
+              <a:t>網頁</a:t>
             </a:r>
             <a:endParaRPr lang="zh-TW" altLang="en-US" dirty="0"/>
           </a:p>
         </p:txBody>
       </p:sp>
-      <p:pic>
-        <p:nvPicPr>
-          <p:cNvPr id="4" name="內容版面配置區 3" descr="畫面剪輯"/>
-          <p:cNvPicPr>
-            <a:picLocks noGrp="1" noChangeAspect="1"/>
-          </p:cNvPicPr>
+      <p:sp>
+        <p:nvSpPr>
+          <p:cNvPr id="3" name="內容版面配置區 2"/>
+          <p:cNvSpPr>
+            <a:spLocks noGrp="1"/>
+          </p:cNvSpPr>
           <p:nvPr>
             <p:ph idx="1"/>
           </p:nvPr>
+        </p:nvSpPr>
+        <p:spPr/>
+        <p:txBody>
+          <a:bodyPr/>
+          <a:lstStyle/>
+          <a:p>
+            <a:r>
+              <a:rPr lang="zh-TW" altLang="en-US" dirty="0" smtClean="0"/>
+              <a:t>需要元素</a:t>
+            </a:r>
+            <a:endParaRPr lang="en-US" altLang="zh-TW" dirty="0" smtClean="0"/>
+          </a:p>
+          <a:p>
+            <a:pPr lvl="1"/>
+            <a:r>
+              <a:rPr lang="zh-TW" altLang="en-US" dirty="0" smtClean="0"/>
+              <a:t>帳號輸入框</a:t>
+            </a:r>
+            <a:endParaRPr lang="en-US" altLang="zh-TW" dirty="0" smtClean="0"/>
+          </a:p>
+          <a:p>
+            <a:pPr lvl="1"/>
+            <a:r>
+              <a:rPr lang="zh-TW" altLang="en-US" dirty="0"/>
+              <a:t>密碼輸入</a:t>
+            </a:r>
+            <a:r>
+              <a:rPr lang="zh-TW" altLang="en-US" dirty="0" smtClean="0"/>
+              <a:t>框</a:t>
+            </a:r>
+            <a:endParaRPr lang="en-US" altLang="zh-TW" dirty="0" smtClean="0"/>
+          </a:p>
+          <a:p>
+            <a:pPr lvl="1"/>
+            <a:r>
+              <a:rPr lang="zh-TW" altLang="en-US" dirty="0" smtClean="0"/>
+              <a:t>送出按鈕</a:t>
+            </a:r>
+            <a:endParaRPr lang="en-US" altLang="zh-TW" dirty="0" smtClean="0"/>
+          </a:p>
+          <a:p>
+            <a:pPr lvl="1"/>
+            <a:r>
+              <a:rPr lang="zh-TW" altLang="en-US" dirty="0" smtClean="0"/>
+              <a:t>註冊網頁連結</a:t>
+            </a:r>
+            <a:endParaRPr lang="en-US" altLang="zh-TW" dirty="0" smtClean="0"/>
+          </a:p>
+          <a:p>
+            <a:endParaRPr lang="en-US" altLang="zh-TW" dirty="0"/>
+          </a:p>
+        </p:txBody>
+      </p:sp>
+      <p:pic>
+        <p:nvPicPr>
+          <p:cNvPr id="4" name="圖片 3" descr="畫面剪輯"/>
+          <p:cNvPicPr>
+            <a:picLocks noChangeAspect="1"/>
+          </p:cNvPicPr>
+          <p:nvPr/>
         </p:nvPicPr>
-        <p:blipFill rotWithShape="1">
+        <p:blipFill>
           <a:blip r:embed="rId2">
             <a:extLst>
               <a:ext uri="{28A0092B-C50C-407E-A947-70E740481C1C}">
@@ -8298,13 +8135,14 @@
               </a:ext>
             </a:extLst>
           </a:blip>
-          <a:srcRect b="15958"/>
-          <a:stretch/>
+          <a:stretch>
+            <a:fillRect/>
+          </a:stretch>
         </p:blipFill>
         <p:spPr>
           <a:xfrm>
-            <a:off x="1223930" y="3640015"/>
-            <a:ext cx="2532778" cy="2461846"/>
+            <a:off x="5398671" y="1554162"/>
+            <a:ext cx="3824460" cy="4326514"/>
           </a:xfrm>
           <a:prstGeom prst="rect">
             <a:avLst/>
@@ -8325,40 +8163,10 @@
           </a:effectLst>
         </p:spPr>
       </p:pic>
-      <p:pic>
-        <p:nvPicPr>
-          <p:cNvPr id="5" name="圖片 4" descr="畫面剪輯"/>
-          <p:cNvPicPr>
-            <a:picLocks noChangeAspect="1"/>
-          </p:cNvPicPr>
-          <p:nvPr/>
-        </p:nvPicPr>
-        <p:blipFill>
-          <a:blip r:embed="rId3">
-            <a:extLst>
-              <a:ext uri="{28A0092B-C50C-407E-A947-70E740481C1C}">
-                <a14:useLocalDpi xmlns:a14="http://schemas.microsoft.com/office/drawing/2010/main" val="0"/>
-              </a:ext>
-            </a:extLst>
-          </a:blip>
-          <a:stretch>
-            <a:fillRect/>
-          </a:stretch>
-        </p:blipFill>
-        <p:spPr>
-          <a:xfrm>
-            <a:off x="1223930" y="1858862"/>
-            <a:ext cx="8007880" cy="1476453"/>
-          </a:xfrm>
-          <a:prstGeom prst="rect">
-            <a:avLst/>
-          </a:prstGeom>
-        </p:spPr>
-      </p:pic>
     </p:spTree>
     <p:extLst>
       <p:ext uri="{BB962C8B-B14F-4D97-AF65-F5344CB8AC3E}">
-        <p14:creationId xmlns:p14="http://schemas.microsoft.com/office/powerpoint/2010/main" val="2759776021"/>
+        <p14:creationId xmlns:p14="http://schemas.microsoft.com/office/powerpoint/2010/main" val="553654030"/>
       </p:ext>
     </p:extLst>
   </p:cSld>
@@ -8414,81 +8222,14 @@
           <a:p>
             <a:r>
               <a:rPr lang="zh-TW" altLang="en-US" dirty="0"/>
-              <a:t>登入</a:t>
-            </a:r>
-            <a:r>
-              <a:rPr lang="zh-TW" altLang="en-US" dirty="0" smtClean="0"/>
-              <a:t>網頁</a:t>
-            </a:r>
-            <a:endParaRPr lang="zh-TW" altLang="en-US" dirty="0"/>
-          </a:p>
-        </p:txBody>
-      </p:sp>
-      <p:sp>
-        <p:nvSpPr>
-          <p:cNvPr id="3" name="內容版面配置區 2"/>
-          <p:cNvSpPr>
-            <a:spLocks noGrp="1"/>
-          </p:cNvSpPr>
-          <p:nvPr>
-            <p:ph idx="1"/>
-          </p:nvPr>
-        </p:nvSpPr>
-        <p:spPr/>
-        <p:txBody>
-          <a:bodyPr/>
-          <a:lstStyle/>
-          <a:p>
-            <a:r>
-              <a:rPr lang="zh-TW" altLang="en-US" dirty="0" smtClean="0"/>
-              <a:t>需要元素</a:t>
-            </a:r>
-            <a:endParaRPr lang="en-US" altLang="zh-TW" dirty="0" smtClean="0"/>
-          </a:p>
-          <a:p>
-            <a:pPr lvl="1"/>
-            <a:r>
-              <a:rPr lang="zh-TW" altLang="en-US" dirty="0" smtClean="0"/>
-              <a:t>帳號輸入框</a:t>
-            </a:r>
-            <a:endParaRPr lang="en-US" altLang="zh-TW" dirty="0" smtClean="0"/>
-          </a:p>
-          <a:p>
-            <a:pPr lvl="1"/>
-            <a:r>
-              <a:rPr lang="zh-TW" altLang="en-US" dirty="0"/>
-              <a:t>密碼輸入</a:t>
-            </a:r>
-            <a:r>
-              <a:rPr lang="zh-TW" altLang="en-US" dirty="0" smtClean="0"/>
-              <a:t>框</a:t>
-            </a:r>
-            <a:endParaRPr lang="en-US" altLang="zh-TW" dirty="0" smtClean="0"/>
-          </a:p>
-          <a:p>
-            <a:pPr lvl="1"/>
-            <a:r>
-              <a:rPr lang="zh-TW" altLang="en-US" dirty="0" smtClean="0"/>
-              <a:t>送出按鈕</a:t>
-            </a:r>
-            <a:endParaRPr lang="en-US" altLang="zh-TW" dirty="0" smtClean="0"/>
-          </a:p>
-          <a:p>
-            <a:pPr lvl="1"/>
-            <a:r>
-              <a:rPr lang="zh-TW" altLang="en-US" dirty="0" smtClean="0"/>
-              <a:t>註冊網頁連結</a:t>
-            </a:r>
-            <a:endParaRPr lang="en-US" altLang="zh-TW" dirty="0" smtClean="0"/>
-          </a:p>
-          <a:p>
-            <a:endParaRPr lang="en-US" altLang="zh-TW" dirty="0"/>
+              <a:t>登入網頁</a:t>
+            </a:r>
           </a:p>
         </p:txBody>
       </p:sp>
       <p:pic>
         <p:nvPicPr>
-          <p:cNvPr id="4" name="圖片 3" descr="畫面剪輯"/>
+          <p:cNvPr id="3" name="圖片 2" descr="畫面剪輯"/>
           <p:cNvPicPr>
             <a:picLocks noChangeAspect="1"/>
           </p:cNvPicPr>
@@ -8508,32 +8249,18 @@
         </p:blipFill>
         <p:spPr>
           <a:xfrm>
-            <a:off x="5398671" y="1554162"/>
-            <a:ext cx="3824460" cy="4326514"/>
+            <a:off x="1223930" y="1705707"/>
+            <a:ext cx="7805044" cy="2988467"/>
           </a:xfrm>
           <a:prstGeom prst="rect">
             <a:avLst/>
           </a:prstGeom>
-          <a:ln w="38100" cap="sq">
-            <a:solidFill>
-              <a:srgbClr val="000000"/>
-            </a:solidFill>
-            <a:prstDash val="solid"/>
-            <a:miter lim="800000"/>
-          </a:ln>
-          <a:effectLst>
-            <a:outerShdw blurRad="50800" dist="38100" dir="2700000" algn="tl" rotWithShape="0">
-              <a:srgbClr val="000000">
-                <a:alpha val="43000"/>
-              </a:srgbClr>
-            </a:outerShdw>
-          </a:effectLst>
         </p:spPr>
       </p:pic>
     </p:spTree>
     <p:extLst>
       <p:ext uri="{BB962C8B-B14F-4D97-AF65-F5344CB8AC3E}">
-        <p14:creationId xmlns:p14="http://schemas.microsoft.com/office/powerpoint/2010/main" val="553654030"/>
+        <p14:creationId xmlns:p14="http://schemas.microsoft.com/office/powerpoint/2010/main" val="2833973635"/>
       </p:ext>
     </p:extLst>
   </p:cSld>
@@ -8589,14 +8316,121 @@
           <a:p>
             <a:r>
               <a:rPr lang="zh-TW" altLang="en-US" dirty="0"/>
-              <a:t>登入網頁</a:t>
-            </a:r>
+              <a:t>註冊</a:t>
+            </a:r>
+            <a:r>
+              <a:rPr lang="zh-TW" altLang="en-US" dirty="0" smtClean="0"/>
+              <a:t>網頁</a:t>
+            </a:r>
+            <a:endParaRPr lang="zh-TW" altLang="en-US" dirty="0"/>
+          </a:p>
+        </p:txBody>
+      </p:sp>
+      <p:sp>
+        <p:nvSpPr>
+          <p:cNvPr id="3" name="內容版面配置區 2"/>
+          <p:cNvSpPr>
+            <a:spLocks noGrp="1"/>
+          </p:cNvSpPr>
+          <p:nvPr>
+            <p:ph idx="1"/>
+          </p:nvPr>
+        </p:nvSpPr>
+        <p:spPr/>
+        <p:txBody>
+          <a:bodyPr/>
+          <a:lstStyle/>
+          <a:p>
+            <a:r>
+              <a:rPr lang="zh-TW" altLang="en-US" dirty="0" smtClean="0"/>
+              <a:t>基本資料輸入框</a:t>
+            </a:r>
+            <a:endParaRPr lang="en-US" altLang="zh-TW" dirty="0" smtClean="0"/>
+          </a:p>
+          <a:p>
+            <a:pPr lvl="1"/>
+            <a:r>
+              <a:rPr lang="zh-TW" altLang="en-US" dirty="0"/>
+              <a:t>帳號</a:t>
+            </a:r>
+            <a:endParaRPr lang="en-US" altLang="zh-TW" dirty="0" smtClean="0"/>
+          </a:p>
+          <a:p>
+            <a:pPr lvl="1"/>
+            <a:r>
+              <a:rPr lang="zh-TW" altLang="en-US" dirty="0" smtClean="0"/>
+              <a:t>姓名</a:t>
+            </a:r>
+            <a:endParaRPr lang="en-US" altLang="zh-TW" dirty="0" smtClean="0"/>
+          </a:p>
+          <a:p>
+            <a:pPr lvl="1"/>
+            <a:r>
+              <a:rPr lang="zh-TW" altLang="en-US" dirty="0" smtClean="0"/>
+              <a:t>性別</a:t>
+            </a:r>
+            <a:endParaRPr lang="en-US" altLang="zh-TW" dirty="0" smtClean="0"/>
+          </a:p>
+          <a:p>
+            <a:pPr lvl="1"/>
+            <a:r>
+              <a:rPr lang="en-US" altLang="zh-TW" dirty="0" smtClean="0"/>
+              <a:t>Email</a:t>
+            </a:r>
+          </a:p>
+          <a:p>
+            <a:pPr lvl="1"/>
+            <a:r>
+              <a:rPr lang="zh-TW" altLang="en-US" dirty="0" smtClean="0"/>
+              <a:t>學歷</a:t>
+            </a:r>
+            <a:endParaRPr lang="en-US" altLang="zh-TW" dirty="0" smtClean="0"/>
+          </a:p>
+          <a:p>
+            <a:pPr lvl="1"/>
+            <a:r>
+              <a:rPr lang="zh-TW" altLang="en-US" dirty="0" smtClean="0"/>
+              <a:t>擅長程式語言</a:t>
+            </a:r>
+            <a:endParaRPr lang="en-US" altLang="zh-TW" dirty="0" smtClean="0"/>
+          </a:p>
+          <a:p>
+            <a:pPr lvl="1"/>
+            <a:r>
+              <a:rPr lang="zh-TW" altLang="en-US" dirty="0" smtClean="0"/>
+              <a:t>密碼</a:t>
+            </a:r>
+            <a:endParaRPr lang="en-US" altLang="zh-TW" dirty="0" smtClean="0"/>
+          </a:p>
+          <a:p>
+            <a:pPr lvl="1"/>
+            <a:r>
+              <a:rPr lang="zh-TW" altLang="en-US" dirty="0"/>
+              <a:t>重新</a:t>
+            </a:r>
+            <a:r>
+              <a:rPr lang="zh-TW" altLang="en-US" dirty="0" smtClean="0"/>
+              <a:t>輸入密碼</a:t>
+            </a:r>
+            <a:endParaRPr lang="en-US" altLang="zh-TW" dirty="0" smtClean="0"/>
+          </a:p>
+          <a:p>
+            <a:pPr lvl="1"/>
+            <a:r>
+              <a:rPr lang="zh-TW" altLang="en-US" dirty="0"/>
+              <a:t>送出按鈕</a:t>
+            </a:r>
+            <a:endParaRPr lang="en-US" altLang="zh-TW" dirty="0" smtClean="0"/>
+          </a:p>
+          <a:p>
+            <a:pPr lvl="1"/>
+            <a:endParaRPr lang="zh-TW" altLang="en-US" dirty="0"/>
           </a:p>
         </p:txBody>
       </p:sp>
       <p:pic>
         <p:nvPicPr>
-          <p:cNvPr id="3" name="圖片 2" descr="畫面剪輯"/>
+          <p:cNvPr id="5" name="圖片 4" descr="畫面剪輯"/>
           <p:cNvPicPr>
             <a:picLocks noChangeAspect="1"/>
           </p:cNvPicPr>
@@ -8616,18 +8450,32 @@
         </p:blipFill>
         <p:spPr>
           <a:xfrm>
-            <a:off x="1223930" y="1705707"/>
-            <a:ext cx="7805044" cy="2988467"/>
+            <a:off x="5360159" y="763062"/>
+            <a:ext cx="3124636" cy="5753903"/>
           </a:xfrm>
           <a:prstGeom prst="rect">
             <a:avLst/>
           </a:prstGeom>
+          <a:ln w="38100" cap="sq">
+            <a:solidFill>
+              <a:srgbClr val="000000"/>
+            </a:solidFill>
+            <a:prstDash val="solid"/>
+            <a:miter lim="800000"/>
+          </a:ln>
+          <a:effectLst>
+            <a:outerShdw blurRad="50800" dist="38100" dir="2700000" algn="tl" rotWithShape="0">
+              <a:srgbClr val="000000">
+                <a:alpha val="43000"/>
+              </a:srgbClr>
+            </a:outerShdw>
+          </a:effectLst>
         </p:spPr>
       </p:pic>
     </p:spTree>
     <p:extLst>
       <p:ext uri="{BB962C8B-B14F-4D97-AF65-F5344CB8AC3E}">
-        <p14:creationId xmlns:p14="http://schemas.microsoft.com/office/powerpoint/2010/main" val="2833973635"/>
+        <p14:creationId xmlns:p14="http://schemas.microsoft.com/office/powerpoint/2010/main" val="1341506767"/>
       </p:ext>
     </p:extLst>
   </p:cSld>
@@ -8683,125 +8531,20 @@
           <a:p>
             <a:r>
               <a:rPr lang="zh-TW" altLang="en-US" dirty="0"/>
-              <a:t>註冊</a:t>
-            </a:r>
-            <a:r>
-              <a:rPr lang="zh-TW" altLang="en-US" dirty="0" smtClean="0"/>
-              <a:t>網頁</a:t>
-            </a:r>
-            <a:endParaRPr lang="zh-TW" altLang="en-US" dirty="0"/>
-          </a:p>
-        </p:txBody>
-      </p:sp>
-      <p:sp>
-        <p:nvSpPr>
-          <p:cNvPr id="3" name="內容版面配置區 2"/>
-          <p:cNvSpPr>
-            <a:spLocks noGrp="1"/>
-          </p:cNvSpPr>
+              <a:t>註冊網頁</a:t>
+            </a:r>
+          </a:p>
+        </p:txBody>
+      </p:sp>
+      <p:pic>
+        <p:nvPicPr>
+          <p:cNvPr id="8" name="內容版面配置區 7" descr="畫面剪輯"/>
+          <p:cNvPicPr>
+            <a:picLocks noGrp="1" noChangeAspect="1"/>
+          </p:cNvPicPr>
           <p:nvPr>
             <p:ph idx="1"/>
           </p:nvPr>
-        </p:nvSpPr>
-        <p:spPr/>
-        <p:txBody>
-          <a:bodyPr/>
-          <a:lstStyle/>
-          <a:p>
-            <a:r>
-              <a:rPr lang="zh-TW" altLang="en-US" dirty="0" smtClean="0"/>
-              <a:t>基本資料輸入框</a:t>
-            </a:r>
-            <a:endParaRPr lang="en-US" altLang="zh-TW" dirty="0" smtClean="0"/>
-          </a:p>
-          <a:p>
-            <a:pPr lvl="1"/>
-            <a:r>
-              <a:rPr lang="zh-TW" altLang="en-US" dirty="0"/>
-              <a:t>帳號</a:t>
-            </a:r>
-            <a:endParaRPr lang="en-US" altLang="zh-TW" dirty="0" smtClean="0"/>
-          </a:p>
-          <a:p>
-            <a:pPr lvl="1"/>
-            <a:r>
-              <a:rPr lang="zh-TW" altLang="en-US" dirty="0" smtClean="0"/>
-              <a:t>姓名</a:t>
-            </a:r>
-            <a:endParaRPr lang="en-US" altLang="zh-TW" dirty="0" smtClean="0"/>
-          </a:p>
-          <a:p>
-            <a:pPr lvl="1"/>
-            <a:r>
-              <a:rPr lang="zh-TW" altLang="en-US" dirty="0" smtClean="0"/>
-              <a:t>性別</a:t>
-            </a:r>
-            <a:endParaRPr lang="en-US" altLang="zh-TW" dirty="0" smtClean="0"/>
-          </a:p>
-          <a:p>
-            <a:pPr lvl="1"/>
-            <a:r>
-              <a:rPr lang="en-US" altLang="zh-TW" dirty="0" smtClean="0"/>
-              <a:t>Email</a:t>
-            </a:r>
-          </a:p>
-          <a:p>
-            <a:pPr lvl="1"/>
-            <a:r>
-              <a:rPr lang="zh-TW" altLang="en-US" dirty="0" smtClean="0"/>
-              <a:t>學歷</a:t>
-            </a:r>
-            <a:endParaRPr lang="en-US" altLang="zh-TW" dirty="0" smtClean="0"/>
-          </a:p>
-          <a:p>
-            <a:pPr lvl="1"/>
-            <a:r>
-              <a:rPr lang="zh-TW" altLang="en-US" dirty="0" smtClean="0"/>
-              <a:t>擅長程式語言</a:t>
-            </a:r>
-            <a:endParaRPr lang="en-US" altLang="zh-TW" dirty="0" smtClean="0"/>
-          </a:p>
-          <a:p>
-            <a:pPr lvl="1"/>
-            <a:r>
-              <a:rPr lang="zh-TW" altLang="en-US" dirty="0" smtClean="0"/>
-              <a:t>密碼</a:t>
-            </a:r>
-            <a:endParaRPr lang="en-US" altLang="zh-TW" dirty="0" smtClean="0"/>
-          </a:p>
-          <a:p>
-            <a:pPr lvl="1"/>
-            <a:r>
-              <a:rPr lang="zh-TW" altLang="en-US" dirty="0"/>
-              <a:t>重新</a:t>
-            </a:r>
-            <a:r>
-              <a:rPr lang="zh-TW" altLang="en-US" dirty="0" smtClean="0"/>
-              <a:t>輸入密碼</a:t>
-            </a:r>
-            <a:endParaRPr lang="en-US" altLang="zh-TW" dirty="0" smtClean="0"/>
-          </a:p>
-          <a:p>
-            <a:pPr lvl="1"/>
-            <a:r>
-              <a:rPr lang="zh-TW" altLang="en-US" dirty="0"/>
-              <a:t>送出按鈕</a:t>
-            </a:r>
-            <a:endParaRPr lang="en-US" altLang="zh-TW" dirty="0" smtClean="0"/>
-          </a:p>
-          <a:p>
-            <a:pPr lvl="1"/>
-            <a:endParaRPr lang="zh-TW" altLang="en-US" dirty="0"/>
-          </a:p>
-        </p:txBody>
-      </p:sp>
-      <p:pic>
-        <p:nvPicPr>
-          <p:cNvPr id="5" name="圖片 4" descr="畫面剪輯"/>
-          <p:cNvPicPr>
-            <a:picLocks noChangeAspect="1"/>
-          </p:cNvPicPr>
-          <p:nvPr/>
         </p:nvPicPr>
         <p:blipFill>
           <a:blip r:embed="rId2">
@@ -8817,8 +8560,35 @@
         </p:blipFill>
         <p:spPr>
           <a:xfrm>
-            <a:off x="5360159" y="763062"/>
-            <a:ext cx="3124636" cy="5753903"/>
+            <a:off x="729479" y="1420690"/>
+            <a:ext cx="7197530" cy="4980110"/>
+          </a:xfrm>
+        </p:spPr>
+      </p:pic>
+      <p:pic>
+        <p:nvPicPr>
+          <p:cNvPr id="3" name="圖片 2" descr="畫面剪輯"/>
+          <p:cNvPicPr>
+            <a:picLocks noChangeAspect="1"/>
+          </p:cNvPicPr>
+          <p:nvPr/>
+        </p:nvPicPr>
+        <p:blipFill>
+          <a:blip r:embed="rId3">
+            <a:extLst>
+              <a:ext uri="{28A0092B-C50C-407E-A947-70E740481C1C}">
+                <a14:useLocalDpi xmlns:a14="http://schemas.microsoft.com/office/drawing/2010/main" val="0"/>
+              </a:ext>
+            </a:extLst>
+          </a:blip>
+          <a:stretch>
+            <a:fillRect/>
+          </a:stretch>
+        </p:blipFill>
+        <p:spPr>
+          <a:xfrm>
+            <a:off x="8252110" y="1503388"/>
+            <a:ext cx="3517860" cy="4897412"/>
           </a:xfrm>
           <a:prstGeom prst="rect">
             <a:avLst/>
@@ -8842,7 +8612,7 @@
     </p:spTree>
     <p:extLst>
       <p:ext uri="{BB962C8B-B14F-4D97-AF65-F5344CB8AC3E}">
-        <p14:creationId xmlns:p14="http://schemas.microsoft.com/office/powerpoint/2010/main" val="1341506767"/>
+        <p14:creationId xmlns:p14="http://schemas.microsoft.com/office/powerpoint/2010/main" val="1807464525"/>
       </p:ext>
     </p:extLst>
   </p:cSld>
@@ -8903,15 +8673,80 @@
           </a:p>
         </p:txBody>
       </p:sp>
-      <p:pic>
-        <p:nvPicPr>
-          <p:cNvPr id="8" name="內容版面配置區 7" descr="畫面剪輯"/>
-          <p:cNvPicPr>
-            <a:picLocks noGrp="1" noChangeAspect="1"/>
-          </p:cNvPicPr>
+      <p:sp>
+        <p:nvSpPr>
+          <p:cNvPr id="3" name="內容版面配置區 2"/>
+          <p:cNvSpPr>
+            <a:spLocks noGrp="1"/>
+          </p:cNvSpPr>
           <p:nvPr>
             <p:ph idx="1"/>
           </p:nvPr>
+        </p:nvSpPr>
+        <p:spPr/>
+        <p:txBody>
+          <a:bodyPr/>
+          <a:lstStyle/>
+          <a:p>
+            <a:r>
+              <a:rPr lang="zh-TW" altLang="en-US" dirty="0"/>
+              <a:t>基本資料輸入</a:t>
+            </a:r>
+            <a:r>
+              <a:rPr lang="zh-TW" altLang="en-US" dirty="0" smtClean="0"/>
+              <a:t>框綁定</a:t>
+            </a:r>
+            <a:r>
+              <a:rPr lang="en-US" altLang="zh-TW" dirty="0" smtClean="0"/>
+              <a:t>DB</a:t>
+            </a:r>
+            <a:r>
+              <a:rPr lang="zh-TW" altLang="en-US" dirty="0" smtClean="0"/>
+              <a:t>資料</a:t>
+            </a:r>
+            <a:r>
+              <a:rPr lang="en-US" altLang="zh-TW" dirty="0" smtClean="0"/>
+              <a:t>(</a:t>
+            </a:r>
+            <a:r>
+              <a:rPr lang="zh-TW" altLang="en-US" dirty="0" smtClean="0"/>
+              <a:t>使用</a:t>
+            </a:r>
+            <a:r>
+              <a:rPr lang="en-US" altLang="zh-TW" dirty="0" err="1" smtClean="0"/>
+              <a:t>sqldatasource</a:t>
+            </a:r>
+            <a:r>
+              <a:rPr lang="en-US" altLang="zh-TW" dirty="0" smtClean="0"/>
+              <a:t>)</a:t>
+            </a:r>
+            <a:endParaRPr lang="en-US" altLang="zh-TW" dirty="0"/>
+          </a:p>
+          <a:p>
+            <a:pPr lvl="1"/>
+            <a:r>
+              <a:rPr lang="zh-TW" altLang="en-US" dirty="0" smtClean="0"/>
+              <a:t>性別、學歷、擅長</a:t>
+            </a:r>
+            <a:r>
+              <a:rPr lang="zh-TW" altLang="en-US" dirty="0"/>
+              <a:t>程式</a:t>
+            </a:r>
+            <a:r>
+              <a:rPr lang="zh-TW" altLang="en-US" dirty="0" smtClean="0"/>
+              <a:t>語言</a:t>
+            </a:r>
+            <a:endParaRPr lang="en-US" altLang="zh-TW" dirty="0"/>
+          </a:p>
+        </p:txBody>
+      </p:sp>
+      <p:pic>
+        <p:nvPicPr>
+          <p:cNvPr id="5" name="內容版面配置區 3" descr="畫面剪輯"/>
+          <p:cNvPicPr>
+            <a:picLocks noChangeAspect="1"/>
+          </p:cNvPicPr>
+          <p:nvPr/>
         </p:nvPicPr>
         <p:blipFill>
           <a:blip r:embed="rId2">
@@ -8927,14 +8762,17 @@
         </p:blipFill>
         <p:spPr>
           <a:xfrm>
-            <a:off x="729479" y="1420690"/>
-            <a:ext cx="7197530" cy="4980110"/>
-          </a:xfrm>
+            <a:off x="579404" y="2552274"/>
+            <a:ext cx="11507806" cy="1431022"/>
+          </a:xfrm>
+          <a:prstGeom prst="rect">
+            <a:avLst/>
+          </a:prstGeom>
         </p:spPr>
       </p:pic>
       <p:pic>
         <p:nvPicPr>
-          <p:cNvPr id="3" name="圖片 2" descr="畫面剪輯"/>
+          <p:cNvPr id="6" name="圖片 5" descr="畫面剪輯"/>
           <p:cNvPicPr>
             <a:picLocks noChangeAspect="1"/>
           </p:cNvPicPr>
@@ -8954,32 +8792,48 @@
         </p:blipFill>
         <p:spPr>
           <a:xfrm>
-            <a:off x="8252110" y="1503388"/>
-            <a:ext cx="3517860" cy="4897412"/>
+            <a:off x="579404" y="5448103"/>
+            <a:ext cx="11507806" cy="1409897"/>
           </a:xfrm>
           <a:prstGeom prst="rect">
             <a:avLst/>
           </a:prstGeom>
-          <a:ln w="38100" cap="sq">
-            <a:solidFill>
-              <a:srgbClr val="000000"/>
-            </a:solidFill>
-            <a:prstDash val="solid"/>
-            <a:miter lim="800000"/>
-          </a:ln>
-          <a:effectLst>
-            <a:outerShdw blurRad="50800" dist="38100" dir="2700000" algn="tl" rotWithShape="0">
-              <a:srgbClr val="000000">
-                <a:alpha val="43000"/>
-              </a:srgbClr>
-            </a:outerShdw>
-          </a:effectLst>
+        </p:spPr>
+      </p:pic>
+      <p:pic>
+        <p:nvPicPr>
+          <p:cNvPr id="7" name="圖片 6" descr="畫面剪輯"/>
+          <p:cNvPicPr>
+            <a:picLocks noChangeAspect="1"/>
+          </p:cNvPicPr>
+          <p:nvPr/>
+        </p:nvPicPr>
+        <p:blipFill>
+          <a:blip r:embed="rId4">
+            <a:extLst>
+              <a:ext uri="{28A0092B-C50C-407E-A947-70E740481C1C}">
+                <a14:useLocalDpi xmlns:a14="http://schemas.microsoft.com/office/drawing/2010/main" val="0"/>
+              </a:ext>
+            </a:extLst>
+          </a:blip>
+          <a:stretch>
+            <a:fillRect/>
+          </a:stretch>
+        </p:blipFill>
+        <p:spPr>
+          <a:xfrm>
+            <a:off x="579404" y="4018467"/>
+            <a:ext cx="11507806" cy="1396029"/>
+          </a:xfrm>
+          <a:prstGeom prst="rect">
+            <a:avLst/>
+          </a:prstGeom>
         </p:spPr>
       </p:pic>
     </p:spTree>
     <p:extLst>
       <p:ext uri="{BB962C8B-B14F-4D97-AF65-F5344CB8AC3E}">
-        <p14:creationId xmlns:p14="http://schemas.microsoft.com/office/powerpoint/2010/main" val="1807464525"/>
+        <p14:creationId xmlns:p14="http://schemas.microsoft.com/office/powerpoint/2010/main" val="3992659522"/>
       </p:ext>
     </p:extLst>
   </p:cSld>
@@ -9035,85 +8889,20 @@
           <a:p>
             <a:r>
               <a:rPr lang="zh-TW" altLang="en-US" dirty="0"/>
-              <a:t>註冊網頁</a:t>
-            </a:r>
-          </a:p>
-        </p:txBody>
-      </p:sp>
-      <p:sp>
-        <p:nvSpPr>
-          <p:cNvPr id="3" name="內容版面配置區 2"/>
-          <p:cNvSpPr>
-            <a:spLocks noGrp="1"/>
-          </p:cNvSpPr>
+              <a:t>顯示無瀏覽權限網頁</a:t>
+            </a:r>
+          </a:p>
+        </p:txBody>
+      </p:sp>
+      <p:pic>
+        <p:nvPicPr>
+          <p:cNvPr id="4" name="內容版面配置區 3" descr="畫面剪輯"/>
+          <p:cNvPicPr>
+            <a:picLocks noGrp="1" noChangeAspect="1"/>
+          </p:cNvPicPr>
           <p:nvPr>
             <p:ph idx="1"/>
           </p:nvPr>
-        </p:nvSpPr>
-        <p:spPr/>
-        <p:txBody>
-          <a:bodyPr/>
-          <a:lstStyle/>
-          <a:p>
-            <a:r>
-              <a:rPr lang="zh-TW" altLang="en-US" dirty="0"/>
-              <a:t>基本資料輸入</a:t>
-            </a:r>
-            <a:r>
-              <a:rPr lang="zh-TW" altLang="en-US" dirty="0" smtClean="0"/>
-              <a:t>框綁定</a:t>
-            </a:r>
-            <a:r>
-              <a:rPr lang="en-US" altLang="zh-TW" dirty="0" smtClean="0"/>
-              <a:t>DB</a:t>
-            </a:r>
-            <a:r>
-              <a:rPr lang="zh-TW" altLang="en-US" dirty="0" smtClean="0"/>
-              <a:t>資料</a:t>
-            </a:r>
-            <a:r>
-              <a:rPr lang="en-US" altLang="zh-TW" dirty="0" smtClean="0"/>
-              <a:t>(</a:t>
-            </a:r>
-            <a:r>
-              <a:rPr lang="zh-TW" altLang="en-US" dirty="0" smtClean="0"/>
-              <a:t>使用</a:t>
-            </a:r>
-            <a:r>
-              <a:rPr lang="en-US" altLang="zh-TW" dirty="0" err="1" smtClean="0"/>
-              <a:t>sqldatasource</a:t>
-            </a:r>
-            <a:r>
-              <a:rPr lang="en-US" altLang="zh-TW" dirty="0" smtClean="0"/>
-              <a:t>)</a:t>
-            </a:r>
-            <a:endParaRPr lang="en-US" altLang="zh-TW" dirty="0"/>
-          </a:p>
-          <a:p>
-            <a:pPr lvl="1"/>
-            <a:r>
-              <a:rPr lang="zh-TW" altLang="en-US" dirty="0" smtClean="0"/>
-              <a:t>性別、學歷、擅長</a:t>
-            </a:r>
-            <a:r>
-              <a:rPr lang="zh-TW" altLang="en-US" dirty="0"/>
-              <a:t>程式</a:t>
-            </a:r>
-            <a:r>
-              <a:rPr lang="zh-TW" altLang="en-US" dirty="0" smtClean="0"/>
-              <a:t>語言</a:t>
-            </a:r>
-            <a:endParaRPr lang="en-US" altLang="zh-TW" dirty="0"/>
-          </a:p>
-        </p:txBody>
-      </p:sp>
-      <p:pic>
-        <p:nvPicPr>
-          <p:cNvPr id="5" name="內容版面配置區 3" descr="畫面剪輯"/>
-          <p:cNvPicPr>
-            <a:picLocks noChangeAspect="1"/>
-          </p:cNvPicPr>
-          <p:nvPr/>
         </p:nvPicPr>
         <p:blipFill>
           <a:blip r:embed="rId2">
@@ -9129,17 +8918,31 @@
         </p:blipFill>
         <p:spPr>
           <a:xfrm>
-            <a:off x="579404" y="2552274"/>
-            <a:ext cx="11507806" cy="1431022"/>
+            <a:off x="1223930" y="3494589"/>
+            <a:ext cx="2539178" cy="3130831"/>
           </a:xfrm>
           <a:prstGeom prst="rect">
             <a:avLst/>
           </a:prstGeom>
+          <a:ln w="38100" cap="sq">
+            <a:solidFill>
+              <a:srgbClr val="000000"/>
+            </a:solidFill>
+            <a:prstDash val="solid"/>
+            <a:miter lim="800000"/>
+          </a:ln>
+          <a:effectLst>
+            <a:outerShdw blurRad="50800" dist="38100" dir="2700000" algn="tl" rotWithShape="0">
+              <a:srgbClr val="000000">
+                <a:alpha val="43000"/>
+              </a:srgbClr>
+            </a:outerShdw>
+          </a:effectLst>
         </p:spPr>
       </p:pic>
       <p:pic>
         <p:nvPicPr>
-          <p:cNvPr id="6" name="圖片 5" descr="畫面剪輯"/>
+          <p:cNvPr id="5" name="圖片 4" descr="畫面剪輯"/>
           <p:cNvPicPr>
             <a:picLocks noChangeAspect="1"/>
           </p:cNvPicPr>
@@ -9159,38 +8962,8 @@
         </p:blipFill>
         <p:spPr>
           <a:xfrm>
-            <a:off x="579404" y="5448103"/>
-            <a:ext cx="11507806" cy="1409897"/>
-          </a:xfrm>
-          <a:prstGeom prst="rect">
-            <a:avLst/>
-          </a:prstGeom>
-        </p:spPr>
-      </p:pic>
-      <p:pic>
-        <p:nvPicPr>
-          <p:cNvPr id="7" name="圖片 6" descr="畫面剪輯"/>
-          <p:cNvPicPr>
-            <a:picLocks noChangeAspect="1"/>
-          </p:cNvPicPr>
-          <p:nvPr/>
-        </p:nvPicPr>
-        <p:blipFill>
-          <a:blip r:embed="rId4">
-            <a:extLst>
-              <a:ext uri="{28A0092B-C50C-407E-A947-70E740481C1C}">
-                <a14:useLocalDpi xmlns:a14="http://schemas.microsoft.com/office/drawing/2010/main" val="0"/>
-              </a:ext>
-            </a:extLst>
-          </a:blip>
-          <a:stretch>
-            <a:fillRect/>
-          </a:stretch>
-        </p:blipFill>
-        <p:spPr>
-          <a:xfrm>
-            <a:off x="579404" y="4018467"/>
-            <a:ext cx="11507806" cy="1396029"/>
+            <a:off x="1223930" y="1554162"/>
+            <a:ext cx="9124616" cy="1805480"/>
           </a:xfrm>
           <a:prstGeom prst="rect">
             <a:avLst/>
@@ -9200,7 +8973,7 @@
     </p:spTree>
     <p:extLst>
       <p:ext uri="{BB962C8B-B14F-4D97-AF65-F5344CB8AC3E}">
-        <p14:creationId xmlns:p14="http://schemas.microsoft.com/office/powerpoint/2010/main" val="3992659522"/>
+        <p14:creationId xmlns:p14="http://schemas.microsoft.com/office/powerpoint/2010/main" val="910199909"/>
       </p:ext>
     </p:extLst>
   </p:cSld>
@@ -9360,91 +9133,92 @@
           <a:p>
             <a:r>
               <a:rPr lang="zh-TW" altLang="en-US" dirty="0"/>
-              <a:t>顯示無瀏覽權限網頁</a:t>
-            </a:r>
-          </a:p>
-        </p:txBody>
-      </p:sp>
-      <p:pic>
-        <p:nvPicPr>
-          <p:cNvPr id="4" name="內容版面配置區 3" descr="畫面剪輯"/>
-          <p:cNvPicPr>
-            <a:picLocks noGrp="1" noChangeAspect="1"/>
-          </p:cNvPicPr>
+              <a:t>實作功能</a:t>
+            </a:r>
+          </a:p>
+        </p:txBody>
+      </p:sp>
+      <p:sp>
+        <p:nvSpPr>
+          <p:cNvPr id="3" name="內容版面配置區 2"/>
+          <p:cNvSpPr>
+            <a:spLocks noGrp="1"/>
+          </p:cNvSpPr>
           <p:nvPr>
             <p:ph idx="1"/>
           </p:nvPr>
-        </p:nvPicPr>
-        <p:blipFill>
-          <a:blip r:embed="rId2">
-            <a:extLst>
-              <a:ext uri="{28A0092B-C50C-407E-A947-70E740481C1C}">
-                <a14:useLocalDpi xmlns:a14="http://schemas.microsoft.com/office/drawing/2010/main" val="0"/>
-              </a:ext>
-            </a:extLst>
-          </a:blip>
-          <a:stretch>
-            <a:fillRect/>
-          </a:stretch>
-        </p:blipFill>
-        <p:spPr>
-          <a:xfrm>
-            <a:off x="1223930" y="3494589"/>
-            <a:ext cx="2539178" cy="3130831"/>
-          </a:xfrm>
-          <a:prstGeom prst="rect">
-            <a:avLst/>
-          </a:prstGeom>
-          <a:ln w="38100" cap="sq">
-            <a:solidFill>
-              <a:srgbClr val="000000"/>
-            </a:solidFill>
-            <a:prstDash val="solid"/>
-            <a:miter lim="800000"/>
-          </a:ln>
-          <a:effectLst>
-            <a:outerShdw blurRad="50800" dist="38100" dir="2700000" algn="tl" rotWithShape="0">
-              <a:srgbClr val="000000">
-                <a:alpha val="43000"/>
-              </a:srgbClr>
-            </a:outerShdw>
-          </a:effectLst>
-        </p:spPr>
-      </p:pic>
-      <p:pic>
-        <p:nvPicPr>
-          <p:cNvPr id="5" name="圖片 4" descr="畫面剪輯"/>
-          <p:cNvPicPr>
-            <a:picLocks noChangeAspect="1"/>
-          </p:cNvPicPr>
-          <p:nvPr/>
-        </p:nvPicPr>
-        <p:blipFill>
-          <a:blip r:embed="rId3">
-            <a:extLst>
-              <a:ext uri="{28A0092B-C50C-407E-A947-70E740481C1C}">
-                <a14:useLocalDpi xmlns:a14="http://schemas.microsoft.com/office/drawing/2010/main" val="0"/>
-              </a:ext>
-            </a:extLst>
-          </a:blip>
-          <a:stretch>
-            <a:fillRect/>
-          </a:stretch>
-        </p:blipFill>
-        <p:spPr>
-          <a:xfrm>
-            <a:off x="1223930" y="1554162"/>
-            <a:ext cx="9124616" cy="1805480"/>
-          </a:xfrm>
-          <a:prstGeom prst="rect">
-            <a:avLst/>
-          </a:prstGeom>
-        </p:spPr>
-      </p:pic>
+        </p:nvSpPr>
+        <p:spPr/>
+        <p:txBody>
+          <a:bodyPr/>
+          <a:lstStyle/>
+          <a:p>
+            <a:r>
+              <a:rPr lang="zh-TW" altLang="en-US" dirty="0" smtClean="0"/>
+              <a:t>靜態頁面</a:t>
+            </a:r>
+            <a:endParaRPr lang="en-US" altLang="zh-TW" dirty="0" smtClean="0"/>
+          </a:p>
+          <a:p>
+            <a:pPr lvl="1"/>
+            <a:r>
+              <a:rPr lang="zh-TW" altLang="en-US" dirty="0" smtClean="0"/>
+              <a:t>首頁</a:t>
+            </a:r>
+            <a:endParaRPr lang="en-US" altLang="zh-TW" dirty="0"/>
+          </a:p>
+          <a:p>
+            <a:pPr lvl="1"/>
+            <a:r>
+              <a:rPr lang="zh-TW" altLang="en-US" dirty="0"/>
+              <a:t>關於我們</a:t>
+            </a:r>
+            <a:endParaRPr lang="en-US" altLang="zh-TW" dirty="0"/>
+          </a:p>
+          <a:p>
+            <a:pPr lvl="1"/>
+            <a:r>
+              <a:rPr lang="zh-TW" altLang="en-US" dirty="0"/>
+              <a:t>呈現無瀏覽權限</a:t>
+            </a:r>
+            <a:r>
+              <a:rPr lang="zh-TW" altLang="en-US" dirty="0" smtClean="0"/>
+              <a:t>網頁</a:t>
+            </a:r>
+            <a:endParaRPr lang="en-US" altLang="zh-TW" dirty="0" smtClean="0"/>
+          </a:p>
+          <a:p>
+            <a:r>
+              <a:rPr lang="zh-TW" altLang="en-US" dirty="0"/>
+              <a:t>動態頁面</a:t>
+            </a:r>
+            <a:endParaRPr lang="en-US" altLang="zh-TW" dirty="0"/>
+          </a:p>
+          <a:p>
+            <a:pPr lvl="1"/>
+            <a:r>
+              <a:rPr lang="zh-TW" altLang="en-US" dirty="0"/>
+              <a:t>註冊網頁</a:t>
+            </a:r>
+            <a:endParaRPr lang="en-US" altLang="zh-TW" dirty="0"/>
+          </a:p>
+          <a:p>
+            <a:pPr lvl="1"/>
+            <a:r>
+              <a:rPr lang="zh-TW" altLang="en-US" dirty="0"/>
+              <a:t>登入網頁</a:t>
+            </a:r>
+            <a:endParaRPr lang="en-US" altLang="zh-TW" dirty="0"/>
+          </a:p>
+          <a:p>
+            <a:endParaRPr lang="zh-TW" altLang="en-US" dirty="0"/>
+          </a:p>
+        </p:txBody>
+      </p:sp>
     </p:spTree>
     <p:extLst>
       <p:ext uri="{BB962C8B-B14F-4D97-AF65-F5344CB8AC3E}">
-        <p14:creationId xmlns:p14="http://schemas.microsoft.com/office/powerpoint/2010/main" val="910199909"/>
+        <p14:creationId xmlns:p14="http://schemas.microsoft.com/office/powerpoint/2010/main" val="3371896691"/>
       </p:ext>
     </p:extLst>
   </p:cSld>
@@ -9500,84 +9274,1094 @@
           <a:p>
             <a:r>
               <a:rPr lang="zh-TW" altLang="en-US" dirty="0"/>
-              <a:t>實作功能</a:t>
-            </a:r>
-          </a:p>
-        </p:txBody>
-      </p:sp>
-      <p:sp>
-        <p:nvSpPr>
-          <p:cNvPr id="3" name="內容版面配置區 2"/>
-          <p:cNvSpPr>
-            <a:spLocks noGrp="1"/>
-          </p:cNvSpPr>
-          <p:nvPr>
-            <p:ph idx="1"/>
-          </p:nvPr>
-        </p:nvSpPr>
-        <p:spPr/>
-        <p:txBody>
-          <a:bodyPr/>
-          <a:lstStyle/>
-          <a:p>
+              <a:t>註冊</a:t>
+            </a:r>
             <a:r>
               <a:rPr lang="zh-TW" altLang="en-US" dirty="0" smtClean="0"/>
-              <a:t>靜態頁面</a:t>
-            </a:r>
-            <a:endParaRPr lang="en-US" altLang="zh-TW" dirty="0" smtClean="0"/>
-          </a:p>
-          <a:p>
-            <a:pPr lvl="1"/>
+              <a:t>網頁處理邏輯</a:t>
+            </a:r>
+            <a:endParaRPr lang="zh-TW" altLang="en-US" dirty="0"/>
+          </a:p>
+        </p:txBody>
+      </p:sp>
+      <p:sp>
+        <p:nvSpPr>
+          <p:cNvPr id="4" name="矩形 3"/>
+          <p:cNvSpPr/>
+          <p:nvPr/>
+        </p:nvSpPr>
+        <p:spPr>
+          <a:xfrm>
+            <a:off x="3032125" y="2220498"/>
+            <a:ext cx="1346444" cy="509954"/>
+          </a:xfrm>
+          <a:prstGeom prst="rect">
+            <a:avLst/>
+          </a:prstGeom>
+        </p:spPr>
+        <p:style>
+          <a:lnRef idx="0">
+            <a:schemeClr val="accent1"/>
+          </a:lnRef>
+          <a:fillRef idx="3">
+            <a:schemeClr val="accent1"/>
+          </a:fillRef>
+          <a:effectRef idx="3">
+            <a:schemeClr val="accent1"/>
+          </a:effectRef>
+          <a:fontRef idx="minor">
+            <a:schemeClr val="lt1"/>
+          </a:fontRef>
+        </p:style>
+        <p:txBody>
+          <a:bodyPr rtlCol="0" anchor="ctr"/>
+          <a:lstStyle/>
+          <a:p>
+            <a:pPr algn="ctr"/>
             <a:r>
               <a:rPr lang="zh-TW" altLang="en-US" dirty="0" smtClean="0"/>
-              <a:t>首頁</a:t>
-            </a:r>
-            <a:endParaRPr lang="en-US" altLang="zh-TW" dirty="0"/>
-          </a:p>
-          <a:p>
-            <a:pPr lvl="1"/>
+              <a:t>輸入資料</a:t>
+            </a:r>
+            <a:endParaRPr lang="zh-TW" altLang="en-US" dirty="0"/>
+          </a:p>
+        </p:txBody>
+      </p:sp>
+      <p:sp>
+        <p:nvSpPr>
+          <p:cNvPr id="5" name="矩形 4"/>
+          <p:cNvSpPr/>
+          <p:nvPr/>
+        </p:nvSpPr>
+        <p:spPr>
+          <a:xfrm>
+            <a:off x="3032125" y="3015922"/>
+            <a:ext cx="1346444" cy="509954"/>
+          </a:xfrm>
+          <a:prstGeom prst="rect">
+            <a:avLst/>
+          </a:prstGeom>
+        </p:spPr>
+        <p:style>
+          <a:lnRef idx="0">
+            <a:schemeClr val="accent1"/>
+          </a:lnRef>
+          <a:fillRef idx="3">
+            <a:schemeClr val="accent1"/>
+          </a:fillRef>
+          <a:effectRef idx="3">
+            <a:schemeClr val="accent1"/>
+          </a:effectRef>
+          <a:fontRef idx="minor">
+            <a:schemeClr val="lt1"/>
+          </a:fontRef>
+        </p:style>
+        <p:txBody>
+          <a:bodyPr rtlCol="0" anchor="ctr"/>
+          <a:lstStyle/>
+          <a:p>
+            <a:pPr algn="ctr"/>
+            <a:r>
+              <a:rPr lang="zh-TW" altLang="en-US" dirty="0" smtClean="0"/>
+              <a:t>送出資料</a:t>
+            </a:r>
+            <a:endParaRPr lang="zh-TW" altLang="en-US" dirty="0"/>
+          </a:p>
+        </p:txBody>
+      </p:sp>
+      <p:sp>
+        <p:nvSpPr>
+          <p:cNvPr id="6" name="矩形 5"/>
+          <p:cNvSpPr/>
+          <p:nvPr/>
+        </p:nvSpPr>
+        <p:spPr>
+          <a:xfrm>
+            <a:off x="5347161" y="2077067"/>
+            <a:ext cx="1186962" cy="509954"/>
+          </a:xfrm>
+          <a:prstGeom prst="rect">
+            <a:avLst/>
+          </a:prstGeom>
+        </p:spPr>
+        <p:style>
+          <a:lnRef idx="0">
+            <a:schemeClr val="accent1"/>
+          </a:lnRef>
+          <a:fillRef idx="3">
+            <a:schemeClr val="accent1"/>
+          </a:fillRef>
+          <a:effectRef idx="3">
+            <a:schemeClr val="accent1"/>
+          </a:effectRef>
+          <a:fontRef idx="minor">
+            <a:schemeClr val="lt1"/>
+          </a:fontRef>
+        </p:style>
+        <p:txBody>
+          <a:bodyPr rtlCol="0" anchor="ctr"/>
+          <a:lstStyle/>
+          <a:p>
+            <a:pPr algn="ctr"/>
             <a:r>
               <a:rPr lang="zh-TW" altLang="en-US" dirty="0"/>
-              <a:t>關於我們</a:t>
-            </a:r>
-            <a:endParaRPr lang="en-US" altLang="zh-TW" dirty="0"/>
-          </a:p>
-          <a:p>
-            <a:pPr lvl="1"/>
+              <a:t>檢查</a:t>
+            </a:r>
+            <a:r>
+              <a:rPr lang="zh-TW" altLang="en-US" dirty="0" smtClean="0"/>
+              <a:t>資料內容</a:t>
+            </a:r>
+            <a:endParaRPr lang="zh-TW" altLang="en-US" dirty="0"/>
+          </a:p>
+        </p:txBody>
+      </p:sp>
+      <p:sp>
+        <p:nvSpPr>
+          <p:cNvPr id="7" name="矩形 6"/>
+          <p:cNvSpPr/>
+          <p:nvPr/>
+        </p:nvSpPr>
+        <p:spPr>
+          <a:xfrm>
+            <a:off x="5347160" y="4040829"/>
+            <a:ext cx="1186962" cy="509954"/>
+          </a:xfrm>
+          <a:prstGeom prst="rect">
+            <a:avLst/>
+          </a:prstGeom>
+        </p:spPr>
+        <p:style>
+          <a:lnRef idx="0">
+            <a:schemeClr val="accent1"/>
+          </a:lnRef>
+          <a:fillRef idx="3">
+            <a:schemeClr val="accent1"/>
+          </a:fillRef>
+          <a:effectRef idx="3">
+            <a:schemeClr val="accent1"/>
+          </a:effectRef>
+          <a:fontRef idx="minor">
+            <a:schemeClr val="lt1"/>
+          </a:fontRef>
+        </p:style>
+        <p:txBody>
+          <a:bodyPr rtlCol="0" anchor="ctr"/>
+          <a:lstStyle/>
+          <a:p>
+            <a:pPr algn="ctr"/>
+            <a:r>
+              <a:rPr lang="zh-TW" altLang="en-US" dirty="0" smtClean="0"/>
+              <a:t>回饋錯誤訊息</a:t>
+            </a:r>
+            <a:endParaRPr lang="zh-TW" altLang="en-US" dirty="0"/>
+          </a:p>
+        </p:txBody>
+      </p:sp>
+      <p:sp>
+        <p:nvSpPr>
+          <p:cNvPr id="8" name="矩形 7"/>
+          <p:cNvSpPr/>
+          <p:nvPr/>
+        </p:nvSpPr>
+        <p:spPr>
+          <a:xfrm>
+            <a:off x="7397261" y="5877431"/>
+            <a:ext cx="1186962" cy="509954"/>
+          </a:xfrm>
+          <a:prstGeom prst="rect">
+            <a:avLst/>
+          </a:prstGeom>
+        </p:spPr>
+        <p:style>
+          <a:lnRef idx="0">
+            <a:schemeClr val="accent1"/>
+          </a:lnRef>
+          <a:fillRef idx="3">
+            <a:schemeClr val="accent1"/>
+          </a:fillRef>
+          <a:effectRef idx="3">
+            <a:schemeClr val="accent1"/>
+          </a:effectRef>
+          <a:fontRef idx="minor">
+            <a:schemeClr val="lt1"/>
+          </a:fontRef>
+        </p:style>
+        <p:txBody>
+          <a:bodyPr rtlCol="0" anchor="ctr"/>
+          <a:lstStyle/>
+          <a:p>
+            <a:pPr algn="ctr"/>
             <a:r>
               <a:rPr lang="zh-TW" altLang="en-US" dirty="0"/>
-              <a:t>呈現無瀏覽權限</a:t>
+              <a:t>轉</a:t>
             </a:r>
             <a:r>
               <a:rPr lang="zh-TW" altLang="en-US" dirty="0" smtClean="0"/>
-              <a:t>網頁</a:t>
-            </a:r>
-            <a:endParaRPr lang="en-US" altLang="zh-TW" dirty="0" smtClean="0"/>
-          </a:p>
-          <a:p>
+              <a:t>至登入頁面</a:t>
+            </a:r>
+            <a:endParaRPr lang="zh-TW" altLang="en-US" dirty="0"/>
+          </a:p>
+        </p:txBody>
+      </p:sp>
+      <p:sp>
+        <p:nvSpPr>
+          <p:cNvPr id="9" name="矩形 8"/>
+          <p:cNvSpPr/>
+          <p:nvPr/>
+        </p:nvSpPr>
+        <p:spPr>
+          <a:xfrm>
+            <a:off x="7397261" y="4974514"/>
+            <a:ext cx="1186962" cy="509954"/>
+          </a:xfrm>
+          <a:prstGeom prst="rect">
+            <a:avLst/>
+          </a:prstGeom>
+        </p:spPr>
+        <p:style>
+          <a:lnRef idx="0">
+            <a:schemeClr val="accent1"/>
+          </a:lnRef>
+          <a:fillRef idx="3">
+            <a:schemeClr val="accent1"/>
+          </a:fillRef>
+          <a:effectRef idx="3">
+            <a:schemeClr val="accent1"/>
+          </a:effectRef>
+          <a:fontRef idx="minor">
+            <a:schemeClr val="lt1"/>
+          </a:fontRef>
+        </p:style>
+        <p:txBody>
+          <a:bodyPr rtlCol="0" anchor="ctr"/>
+          <a:lstStyle/>
+          <a:p>
+            <a:pPr algn="ctr"/>
             <a:r>
               <a:rPr lang="zh-TW" altLang="en-US" dirty="0"/>
-              <a:t>動態頁面</a:t>
-            </a:r>
-            <a:endParaRPr lang="en-US" altLang="zh-TW" dirty="0"/>
-          </a:p>
-          <a:p>
-            <a:pPr lvl="1"/>
-            <a:r>
-              <a:rPr lang="zh-TW" altLang="en-US" dirty="0"/>
-              <a:t>註冊網頁</a:t>
-            </a:r>
-            <a:endParaRPr lang="en-US" altLang="zh-TW" dirty="0"/>
-          </a:p>
-          <a:p>
-            <a:pPr lvl="1"/>
-            <a:r>
-              <a:rPr lang="zh-TW" altLang="en-US" dirty="0"/>
-              <a:t>登入網頁</a:t>
-            </a:r>
-            <a:endParaRPr lang="en-US" altLang="zh-TW" dirty="0"/>
-          </a:p>
-          <a:p>
+              <a:t>存入</a:t>
+            </a:r>
+            <a:r>
+              <a:rPr lang="zh-TW" altLang="en-US" dirty="0" smtClean="0"/>
+              <a:t>資料</a:t>
+            </a:r>
+            <a:endParaRPr lang="zh-TW" altLang="en-US" dirty="0"/>
+          </a:p>
+        </p:txBody>
+      </p:sp>
+      <p:sp>
+        <p:nvSpPr>
+          <p:cNvPr id="11" name="矩形 10"/>
+          <p:cNvSpPr/>
+          <p:nvPr/>
+        </p:nvSpPr>
+        <p:spPr>
+          <a:xfrm>
+            <a:off x="7397262" y="3089600"/>
+            <a:ext cx="1186962" cy="509954"/>
+          </a:xfrm>
+          <a:prstGeom prst="rect">
+            <a:avLst/>
+          </a:prstGeom>
+        </p:spPr>
+        <p:style>
+          <a:lnRef idx="0">
+            <a:schemeClr val="accent1"/>
+          </a:lnRef>
+          <a:fillRef idx="3">
+            <a:schemeClr val="accent1"/>
+          </a:fillRef>
+          <a:effectRef idx="3">
+            <a:schemeClr val="accent1"/>
+          </a:effectRef>
+          <a:fontRef idx="minor">
+            <a:schemeClr val="lt1"/>
+          </a:fontRef>
+        </p:style>
+        <p:txBody>
+          <a:bodyPr rtlCol="0" anchor="ctr"/>
+          <a:lstStyle/>
+          <a:p>
+            <a:pPr algn="ctr"/>
+            <a:r>
+              <a:rPr lang="zh-TW" altLang="en-US" dirty="0" smtClean="0"/>
+              <a:t>檢查有無重複註冊</a:t>
+            </a:r>
+            <a:endParaRPr lang="zh-TW" altLang="en-US" dirty="0"/>
+          </a:p>
+        </p:txBody>
+      </p:sp>
+      <p:sp>
+        <p:nvSpPr>
+          <p:cNvPr id="23" name="流程圖: 決策 22"/>
+          <p:cNvSpPr/>
+          <p:nvPr/>
+        </p:nvSpPr>
+        <p:spPr>
+          <a:xfrm>
+            <a:off x="5146982" y="3015922"/>
+            <a:ext cx="1587317" cy="641839"/>
+          </a:xfrm>
+          <a:prstGeom prst="flowChartDecision">
+            <a:avLst/>
+          </a:prstGeom>
+        </p:spPr>
+        <p:style>
+          <a:lnRef idx="0">
+            <a:schemeClr val="accent1"/>
+          </a:lnRef>
+          <a:fillRef idx="3">
+            <a:schemeClr val="accent1"/>
+          </a:fillRef>
+          <a:effectRef idx="3">
+            <a:schemeClr val="accent1"/>
+          </a:effectRef>
+          <a:fontRef idx="minor">
+            <a:schemeClr val="lt1"/>
+          </a:fontRef>
+        </p:style>
+        <p:txBody>
+          <a:bodyPr rtlCol="0" anchor="ctr"/>
+          <a:lstStyle/>
+          <a:p>
+            <a:pPr algn="ctr"/>
+            <a:r>
+              <a:rPr lang="zh-TW" altLang="en-US" dirty="0" smtClean="0"/>
+              <a:t>檢查結果</a:t>
+            </a:r>
+            <a:endParaRPr lang="zh-TW" altLang="en-US" dirty="0"/>
+          </a:p>
+        </p:txBody>
+      </p:sp>
+      <p:sp>
+        <p:nvSpPr>
+          <p:cNvPr id="24" name="流程圖: 決策 23"/>
+          <p:cNvSpPr/>
+          <p:nvPr/>
+        </p:nvSpPr>
+        <p:spPr>
+          <a:xfrm>
+            <a:off x="7197084" y="3974886"/>
+            <a:ext cx="1587317" cy="641839"/>
+          </a:xfrm>
+          <a:prstGeom prst="flowChartDecision">
+            <a:avLst/>
+          </a:prstGeom>
+        </p:spPr>
+        <p:style>
+          <a:lnRef idx="0">
+            <a:schemeClr val="accent1"/>
+          </a:lnRef>
+          <a:fillRef idx="3">
+            <a:schemeClr val="accent1"/>
+          </a:fillRef>
+          <a:effectRef idx="3">
+            <a:schemeClr val="accent1"/>
+          </a:effectRef>
+          <a:fontRef idx="minor">
+            <a:schemeClr val="lt1"/>
+          </a:fontRef>
+        </p:style>
+        <p:txBody>
+          <a:bodyPr rtlCol="0" anchor="ctr"/>
+          <a:lstStyle/>
+          <a:p>
+            <a:pPr algn="ctr"/>
+            <a:r>
+              <a:rPr lang="zh-TW" altLang="en-US" dirty="0" smtClean="0"/>
+              <a:t>檢查結果</a:t>
+            </a:r>
+            <a:endParaRPr lang="zh-TW" altLang="en-US" dirty="0"/>
+          </a:p>
+        </p:txBody>
+      </p:sp>
+      <p:cxnSp>
+        <p:nvCxnSpPr>
+          <p:cNvPr id="30" name="肘形接點 29"/>
+          <p:cNvCxnSpPr>
+            <a:stCxn id="5" idx="3"/>
+            <a:endCxn id="6" idx="1"/>
+          </p:cNvCxnSpPr>
+          <p:nvPr/>
+        </p:nvCxnSpPr>
+        <p:spPr>
+          <a:xfrm flipV="1">
+            <a:off x="4378569" y="2332044"/>
+            <a:ext cx="968592" cy="938855"/>
+          </a:xfrm>
+          <a:prstGeom prst="bentConnector3">
+            <a:avLst>
+              <a:gd name="adj1" fmla="val 50000"/>
+            </a:avLst>
+          </a:prstGeom>
+          <a:ln w="38100">
+            <a:solidFill>
+              <a:schemeClr val="tx1"/>
+            </a:solidFill>
+            <a:headEnd type="none" w="med" len="med"/>
+            <a:tailEnd type="arrow" w="med" len="med"/>
+          </a:ln>
+        </p:spPr>
+        <p:style>
+          <a:lnRef idx="1">
+            <a:schemeClr val="accent1"/>
+          </a:lnRef>
+          <a:fillRef idx="0">
+            <a:schemeClr val="accent1"/>
+          </a:fillRef>
+          <a:effectRef idx="0">
+            <a:schemeClr val="accent1"/>
+          </a:effectRef>
+          <a:fontRef idx="minor">
+            <a:schemeClr val="tx1"/>
+          </a:fontRef>
+        </p:style>
+      </p:cxnSp>
+      <p:cxnSp>
+        <p:nvCxnSpPr>
+          <p:cNvPr id="43" name="直線單箭頭接點 42"/>
+          <p:cNvCxnSpPr>
+            <a:stCxn id="4" idx="2"/>
+            <a:endCxn id="5" idx="0"/>
+          </p:cNvCxnSpPr>
+          <p:nvPr/>
+        </p:nvCxnSpPr>
+        <p:spPr>
+          <a:xfrm>
+            <a:off x="3705347" y="2730452"/>
+            <a:ext cx="0" cy="285470"/>
+          </a:xfrm>
+          <a:prstGeom prst="straightConnector1">
+            <a:avLst/>
+          </a:prstGeom>
+          <a:ln w="38100">
+            <a:solidFill>
+              <a:schemeClr val="tx1"/>
+            </a:solidFill>
+            <a:headEnd type="none" w="med" len="med"/>
+            <a:tailEnd type="arrow" w="med" len="med"/>
+          </a:ln>
+        </p:spPr>
+        <p:style>
+          <a:lnRef idx="1">
+            <a:schemeClr val="accent1"/>
+          </a:lnRef>
+          <a:fillRef idx="0">
+            <a:schemeClr val="accent1"/>
+          </a:fillRef>
+          <a:effectRef idx="0">
+            <a:schemeClr val="accent1"/>
+          </a:effectRef>
+          <a:fontRef idx="minor">
+            <a:schemeClr val="tx1"/>
+          </a:fontRef>
+        </p:style>
+      </p:cxnSp>
+      <p:cxnSp>
+        <p:nvCxnSpPr>
+          <p:cNvPr id="44" name="直線單箭頭接點 43"/>
+          <p:cNvCxnSpPr>
+            <a:stCxn id="79" idx="2"/>
+            <a:endCxn id="4" idx="0"/>
+          </p:cNvCxnSpPr>
+          <p:nvPr/>
+        </p:nvCxnSpPr>
+        <p:spPr>
+          <a:xfrm>
+            <a:off x="3705347" y="1943823"/>
+            <a:ext cx="0" cy="276675"/>
+          </a:xfrm>
+          <a:prstGeom prst="straightConnector1">
+            <a:avLst/>
+          </a:prstGeom>
+          <a:ln w="38100">
+            <a:solidFill>
+              <a:schemeClr val="tx1"/>
+            </a:solidFill>
+            <a:headEnd type="none" w="med" len="med"/>
+            <a:tailEnd type="arrow" w="med" len="med"/>
+          </a:ln>
+        </p:spPr>
+        <p:style>
+          <a:lnRef idx="1">
+            <a:schemeClr val="accent1"/>
+          </a:lnRef>
+          <a:fillRef idx="0">
+            <a:schemeClr val="accent1"/>
+          </a:fillRef>
+          <a:effectRef idx="0">
+            <a:schemeClr val="accent1"/>
+          </a:effectRef>
+          <a:fontRef idx="minor">
+            <a:schemeClr val="tx1"/>
+          </a:fontRef>
+        </p:style>
+      </p:cxnSp>
+      <p:cxnSp>
+        <p:nvCxnSpPr>
+          <p:cNvPr id="47" name="直線單箭頭接點 46"/>
+          <p:cNvCxnSpPr>
+            <a:stCxn id="6" idx="2"/>
+            <a:endCxn id="23" idx="0"/>
+          </p:cNvCxnSpPr>
+          <p:nvPr/>
+        </p:nvCxnSpPr>
+        <p:spPr>
+          <a:xfrm flipH="1">
+            <a:off x="5940641" y="2587021"/>
+            <a:ext cx="1" cy="428901"/>
+          </a:xfrm>
+          <a:prstGeom prst="straightConnector1">
+            <a:avLst/>
+          </a:prstGeom>
+          <a:ln w="38100">
+            <a:solidFill>
+              <a:schemeClr val="tx1"/>
+            </a:solidFill>
+            <a:headEnd type="none" w="med" len="med"/>
+            <a:tailEnd type="arrow" w="med" len="med"/>
+          </a:ln>
+        </p:spPr>
+        <p:style>
+          <a:lnRef idx="1">
+            <a:schemeClr val="accent1"/>
+          </a:lnRef>
+          <a:fillRef idx="0">
+            <a:schemeClr val="accent1"/>
+          </a:fillRef>
+          <a:effectRef idx="0">
+            <a:schemeClr val="accent1"/>
+          </a:effectRef>
+          <a:fontRef idx="minor">
+            <a:schemeClr val="tx1"/>
+          </a:fontRef>
+        </p:style>
+      </p:cxnSp>
+      <p:cxnSp>
+        <p:nvCxnSpPr>
+          <p:cNvPr id="52" name="直線單箭頭接點 51"/>
+          <p:cNvCxnSpPr>
+            <a:stCxn id="23" idx="2"/>
+            <a:endCxn id="7" idx="0"/>
+          </p:cNvCxnSpPr>
+          <p:nvPr/>
+        </p:nvCxnSpPr>
+        <p:spPr>
+          <a:xfrm>
+            <a:off x="5940641" y="3657761"/>
+            <a:ext cx="0" cy="383068"/>
+          </a:xfrm>
+          <a:prstGeom prst="straightConnector1">
+            <a:avLst/>
+          </a:prstGeom>
+          <a:ln w="38100">
+            <a:solidFill>
+              <a:schemeClr val="tx1"/>
+            </a:solidFill>
+            <a:headEnd type="none" w="med" len="med"/>
+            <a:tailEnd type="arrow" w="med" len="med"/>
+          </a:ln>
+        </p:spPr>
+        <p:style>
+          <a:lnRef idx="1">
+            <a:schemeClr val="accent1"/>
+          </a:lnRef>
+          <a:fillRef idx="0">
+            <a:schemeClr val="accent1"/>
+          </a:fillRef>
+          <a:effectRef idx="0">
+            <a:schemeClr val="accent1"/>
+          </a:effectRef>
+          <a:fontRef idx="minor">
+            <a:schemeClr val="tx1"/>
+          </a:fontRef>
+        </p:style>
+      </p:cxnSp>
+      <p:cxnSp>
+        <p:nvCxnSpPr>
+          <p:cNvPr id="55" name="肘形接點 54"/>
+          <p:cNvCxnSpPr>
+            <a:stCxn id="7" idx="1"/>
+            <a:endCxn id="4" idx="1"/>
+          </p:cNvCxnSpPr>
+          <p:nvPr/>
+        </p:nvCxnSpPr>
+        <p:spPr>
+          <a:xfrm rot="10800000">
+            <a:off x="3032126" y="2475476"/>
+            <a:ext cx="2315035" cy="1820331"/>
+          </a:xfrm>
+          <a:prstGeom prst="bentConnector3">
+            <a:avLst>
+              <a:gd name="adj1" fmla="val 109875"/>
+            </a:avLst>
+          </a:prstGeom>
+          <a:ln w="38100">
+            <a:solidFill>
+              <a:schemeClr val="tx1"/>
+            </a:solidFill>
+            <a:headEnd type="none" w="med" len="med"/>
+            <a:tailEnd type="arrow" w="med" len="med"/>
+          </a:ln>
+        </p:spPr>
+        <p:style>
+          <a:lnRef idx="1">
+            <a:schemeClr val="accent1"/>
+          </a:lnRef>
+          <a:fillRef idx="0">
+            <a:schemeClr val="accent1"/>
+          </a:fillRef>
+          <a:effectRef idx="0">
+            <a:schemeClr val="accent1"/>
+          </a:effectRef>
+          <a:fontRef idx="minor">
+            <a:schemeClr val="tx1"/>
+          </a:fontRef>
+        </p:style>
+      </p:cxnSp>
+      <p:cxnSp>
+        <p:nvCxnSpPr>
+          <p:cNvPr id="60" name="直線單箭頭接點 59"/>
+          <p:cNvCxnSpPr>
+            <a:stCxn id="23" idx="3"/>
+            <a:endCxn id="11" idx="1"/>
+          </p:cNvCxnSpPr>
+          <p:nvPr/>
+        </p:nvCxnSpPr>
+        <p:spPr>
+          <a:xfrm>
+            <a:off x="6734299" y="3336842"/>
+            <a:ext cx="662963" cy="7735"/>
+          </a:xfrm>
+          <a:prstGeom prst="straightConnector1">
+            <a:avLst/>
+          </a:prstGeom>
+          <a:ln w="38100">
+            <a:solidFill>
+              <a:schemeClr val="tx1"/>
+            </a:solidFill>
+            <a:headEnd type="none" w="med" len="med"/>
+            <a:tailEnd type="arrow" w="med" len="med"/>
+          </a:ln>
+        </p:spPr>
+        <p:style>
+          <a:lnRef idx="1">
+            <a:schemeClr val="accent1"/>
+          </a:lnRef>
+          <a:fillRef idx="0">
+            <a:schemeClr val="accent1"/>
+          </a:fillRef>
+          <a:effectRef idx="0">
+            <a:schemeClr val="accent1"/>
+          </a:effectRef>
+          <a:fontRef idx="minor">
+            <a:schemeClr val="tx1"/>
+          </a:fontRef>
+        </p:style>
+      </p:cxnSp>
+      <p:cxnSp>
+        <p:nvCxnSpPr>
+          <p:cNvPr id="64" name="直線單箭頭接點 63"/>
+          <p:cNvCxnSpPr>
+            <a:stCxn id="11" idx="2"/>
+            <a:endCxn id="24" idx="0"/>
+          </p:cNvCxnSpPr>
+          <p:nvPr/>
+        </p:nvCxnSpPr>
+        <p:spPr>
+          <a:xfrm>
+            <a:off x="7990743" y="3599554"/>
+            <a:ext cx="0" cy="375332"/>
+          </a:xfrm>
+          <a:prstGeom prst="straightConnector1">
+            <a:avLst/>
+          </a:prstGeom>
+          <a:ln w="38100">
+            <a:solidFill>
+              <a:schemeClr val="tx1"/>
+            </a:solidFill>
+            <a:headEnd type="none" w="med" len="med"/>
+            <a:tailEnd type="arrow" w="med" len="med"/>
+          </a:ln>
+        </p:spPr>
+        <p:style>
+          <a:lnRef idx="1">
+            <a:schemeClr val="accent1"/>
+          </a:lnRef>
+          <a:fillRef idx="0">
+            <a:schemeClr val="accent1"/>
+          </a:fillRef>
+          <a:effectRef idx="0">
+            <a:schemeClr val="accent1"/>
+          </a:effectRef>
+          <a:fontRef idx="minor">
+            <a:schemeClr val="tx1"/>
+          </a:fontRef>
+        </p:style>
+      </p:cxnSp>
+      <p:cxnSp>
+        <p:nvCxnSpPr>
+          <p:cNvPr id="67" name="直線單箭頭接點 66"/>
+          <p:cNvCxnSpPr>
+            <a:stCxn id="24" idx="1"/>
+            <a:endCxn id="7" idx="3"/>
+          </p:cNvCxnSpPr>
+          <p:nvPr/>
+        </p:nvCxnSpPr>
+        <p:spPr>
+          <a:xfrm flipH="1">
+            <a:off x="6534122" y="4295806"/>
+            <a:ext cx="662962" cy="0"/>
+          </a:xfrm>
+          <a:prstGeom prst="straightConnector1">
+            <a:avLst/>
+          </a:prstGeom>
+          <a:ln w="38100">
+            <a:solidFill>
+              <a:schemeClr val="tx1"/>
+            </a:solidFill>
+            <a:headEnd type="none" w="med" len="med"/>
+            <a:tailEnd type="arrow" w="med" len="med"/>
+          </a:ln>
+        </p:spPr>
+        <p:style>
+          <a:lnRef idx="1">
+            <a:schemeClr val="accent1"/>
+          </a:lnRef>
+          <a:fillRef idx="0">
+            <a:schemeClr val="accent1"/>
+          </a:fillRef>
+          <a:effectRef idx="0">
+            <a:schemeClr val="accent1"/>
+          </a:effectRef>
+          <a:fontRef idx="minor">
+            <a:schemeClr val="tx1"/>
+          </a:fontRef>
+        </p:style>
+      </p:cxnSp>
+      <p:cxnSp>
+        <p:nvCxnSpPr>
+          <p:cNvPr id="70" name="直線單箭頭接點 69"/>
+          <p:cNvCxnSpPr>
+            <a:stCxn id="24" idx="2"/>
+            <a:endCxn id="9" idx="0"/>
+          </p:cNvCxnSpPr>
+          <p:nvPr/>
+        </p:nvCxnSpPr>
+        <p:spPr>
+          <a:xfrm flipH="1">
+            <a:off x="7990742" y="4616725"/>
+            <a:ext cx="1" cy="357789"/>
+          </a:xfrm>
+          <a:prstGeom prst="straightConnector1">
+            <a:avLst/>
+          </a:prstGeom>
+          <a:ln w="38100">
+            <a:solidFill>
+              <a:schemeClr val="tx1"/>
+            </a:solidFill>
+            <a:headEnd type="none" w="med" len="med"/>
+            <a:tailEnd type="arrow" w="med" len="med"/>
+          </a:ln>
+        </p:spPr>
+        <p:style>
+          <a:lnRef idx="1">
+            <a:schemeClr val="accent1"/>
+          </a:lnRef>
+          <a:fillRef idx="0">
+            <a:schemeClr val="accent1"/>
+          </a:fillRef>
+          <a:effectRef idx="0">
+            <a:schemeClr val="accent1"/>
+          </a:effectRef>
+          <a:fontRef idx="minor">
+            <a:schemeClr val="tx1"/>
+          </a:fontRef>
+        </p:style>
+      </p:cxnSp>
+      <p:cxnSp>
+        <p:nvCxnSpPr>
+          <p:cNvPr id="73" name="直線單箭頭接點 72"/>
+          <p:cNvCxnSpPr>
+            <a:stCxn id="9" idx="2"/>
+            <a:endCxn id="8" idx="0"/>
+          </p:cNvCxnSpPr>
+          <p:nvPr/>
+        </p:nvCxnSpPr>
+        <p:spPr>
+          <a:xfrm>
+            <a:off x="7990742" y="5484468"/>
+            <a:ext cx="0" cy="392963"/>
+          </a:xfrm>
+          <a:prstGeom prst="straightConnector1">
+            <a:avLst/>
+          </a:prstGeom>
+          <a:ln w="38100">
+            <a:solidFill>
+              <a:schemeClr val="tx1"/>
+            </a:solidFill>
+            <a:headEnd type="none" w="med" len="med"/>
+            <a:tailEnd type="arrow" w="med" len="med"/>
+          </a:ln>
+        </p:spPr>
+        <p:style>
+          <a:lnRef idx="1">
+            <a:schemeClr val="accent1"/>
+          </a:lnRef>
+          <a:fillRef idx="0">
+            <a:schemeClr val="accent1"/>
+          </a:fillRef>
+          <a:effectRef idx="0">
+            <a:schemeClr val="accent1"/>
+          </a:effectRef>
+          <a:fontRef idx="minor">
+            <a:schemeClr val="tx1"/>
+          </a:fontRef>
+        </p:style>
+      </p:cxnSp>
+      <p:sp>
+        <p:nvSpPr>
+          <p:cNvPr id="79" name="圓角矩形 78"/>
+          <p:cNvSpPr/>
+          <p:nvPr/>
+        </p:nvSpPr>
+        <p:spPr>
+          <a:xfrm>
+            <a:off x="3221770" y="1433869"/>
+            <a:ext cx="967154" cy="509954"/>
+          </a:xfrm>
+          <a:prstGeom prst="roundRect">
+            <a:avLst/>
+          </a:prstGeom>
+        </p:spPr>
+        <p:style>
+          <a:lnRef idx="0">
+            <a:schemeClr val="accent1"/>
+          </a:lnRef>
+          <a:fillRef idx="3">
+            <a:schemeClr val="accent1"/>
+          </a:fillRef>
+          <a:effectRef idx="3">
+            <a:schemeClr val="accent1"/>
+          </a:effectRef>
+          <a:fontRef idx="minor">
+            <a:schemeClr val="lt1"/>
+          </a:fontRef>
+        </p:style>
+        <p:txBody>
+          <a:bodyPr rtlCol="0" anchor="ctr"/>
+          <a:lstStyle/>
+          <a:p>
+            <a:pPr algn="ctr"/>
+            <a:r>
+              <a:rPr lang="zh-TW" altLang="en-US" dirty="0" smtClean="0"/>
+              <a:t>開始</a:t>
+            </a:r>
+            <a:endParaRPr lang="zh-TW" altLang="en-US" dirty="0"/>
+          </a:p>
+        </p:txBody>
+      </p:sp>
+      <p:sp>
+        <p:nvSpPr>
+          <p:cNvPr id="95" name="圓角矩形 94"/>
+          <p:cNvSpPr/>
+          <p:nvPr/>
+        </p:nvSpPr>
+        <p:spPr>
+          <a:xfrm>
+            <a:off x="5457063" y="5877431"/>
+            <a:ext cx="967154" cy="509954"/>
+          </a:xfrm>
+          <a:prstGeom prst="roundRect">
+            <a:avLst/>
+          </a:prstGeom>
+        </p:spPr>
+        <p:style>
+          <a:lnRef idx="0">
+            <a:schemeClr val="accent1"/>
+          </a:lnRef>
+          <a:fillRef idx="3">
+            <a:schemeClr val="accent1"/>
+          </a:fillRef>
+          <a:effectRef idx="3">
+            <a:schemeClr val="accent1"/>
+          </a:effectRef>
+          <a:fontRef idx="minor">
+            <a:schemeClr val="lt1"/>
+          </a:fontRef>
+        </p:style>
+        <p:txBody>
+          <a:bodyPr rtlCol="0" anchor="ctr"/>
+          <a:lstStyle/>
+          <a:p>
+            <a:pPr algn="ctr"/>
+            <a:r>
+              <a:rPr lang="zh-TW" altLang="en-US" dirty="0" smtClean="0"/>
+              <a:t>結束</a:t>
+            </a:r>
+            <a:endParaRPr lang="zh-TW" altLang="en-US" dirty="0"/>
+          </a:p>
+        </p:txBody>
+      </p:sp>
+      <p:cxnSp>
+        <p:nvCxnSpPr>
+          <p:cNvPr id="96" name="直線單箭頭接點 95"/>
+          <p:cNvCxnSpPr>
+            <a:stCxn id="8" idx="1"/>
+            <a:endCxn id="95" idx="3"/>
+          </p:cNvCxnSpPr>
+          <p:nvPr/>
+        </p:nvCxnSpPr>
+        <p:spPr>
+          <a:xfrm flipH="1">
+            <a:off x="6424217" y="6132408"/>
+            <a:ext cx="973044" cy="0"/>
+          </a:xfrm>
+          <a:prstGeom prst="straightConnector1">
+            <a:avLst/>
+          </a:prstGeom>
+          <a:ln w="38100">
+            <a:solidFill>
+              <a:schemeClr val="tx1"/>
+            </a:solidFill>
+            <a:headEnd type="none" w="med" len="med"/>
+            <a:tailEnd type="arrow" w="med" len="med"/>
+          </a:ln>
+        </p:spPr>
+        <p:style>
+          <a:lnRef idx="1">
+            <a:schemeClr val="accent1"/>
+          </a:lnRef>
+          <a:fillRef idx="0">
+            <a:schemeClr val="accent1"/>
+          </a:fillRef>
+          <a:effectRef idx="0">
+            <a:schemeClr val="accent1"/>
+          </a:effectRef>
+          <a:fontRef idx="minor">
+            <a:schemeClr val="tx1"/>
+          </a:fontRef>
+        </p:style>
+      </p:cxnSp>
+      <p:sp>
+        <p:nvSpPr>
+          <p:cNvPr id="3" name="文字方塊 2"/>
+          <p:cNvSpPr txBox="1"/>
+          <p:nvPr/>
+        </p:nvSpPr>
+        <p:spPr>
+          <a:xfrm>
+            <a:off x="5201231" y="3596187"/>
+            <a:ext cx="808893" cy="369332"/>
+          </a:xfrm>
+          <a:prstGeom prst="rect">
+            <a:avLst/>
+          </a:prstGeom>
+          <a:noFill/>
+        </p:spPr>
+        <p:txBody>
+          <a:bodyPr wrap="square" rtlCol="0">
+            <a:spAutoFit/>
+          </a:bodyPr>
+          <a:lstStyle/>
+          <a:p>
+            <a:pPr algn="ctr"/>
+            <a:r>
+              <a:rPr lang="zh-TW" altLang="en-US" dirty="0" smtClean="0"/>
+              <a:t>有誤</a:t>
+            </a:r>
+            <a:endParaRPr lang="zh-TW" altLang="en-US" dirty="0"/>
+          </a:p>
+        </p:txBody>
+      </p:sp>
+      <p:sp>
+        <p:nvSpPr>
+          <p:cNvPr id="27" name="文字方塊 26"/>
+          <p:cNvSpPr txBox="1"/>
+          <p:nvPr/>
+        </p:nvSpPr>
+        <p:spPr>
+          <a:xfrm>
+            <a:off x="6803783" y="3880045"/>
+            <a:ext cx="608716" cy="369332"/>
+          </a:xfrm>
+          <a:prstGeom prst="rect">
+            <a:avLst/>
+          </a:prstGeom>
+          <a:noFill/>
+        </p:spPr>
+        <p:txBody>
+          <a:bodyPr wrap="square" rtlCol="0">
+            <a:spAutoFit/>
+          </a:bodyPr>
+          <a:lstStyle/>
+          <a:p>
+            <a:pPr algn="ctr"/>
+            <a:r>
+              <a:rPr lang="zh-TW" altLang="en-US" dirty="0" smtClean="0"/>
+              <a:t>有</a:t>
+            </a:r>
+            <a:endParaRPr lang="zh-TW" altLang="en-US" dirty="0"/>
+          </a:p>
+        </p:txBody>
+      </p:sp>
+      <p:sp>
+        <p:nvSpPr>
+          <p:cNvPr id="28" name="文字方塊 27"/>
+          <p:cNvSpPr txBox="1"/>
+          <p:nvPr/>
+        </p:nvSpPr>
+        <p:spPr>
+          <a:xfrm>
+            <a:off x="7975507" y="4526900"/>
+            <a:ext cx="608716" cy="369332"/>
+          </a:xfrm>
+          <a:prstGeom prst="rect">
+            <a:avLst/>
+          </a:prstGeom>
+          <a:noFill/>
+        </p:spPr>
+        <p:txBody>
+          <a:bodyPr wrap="square" rtlCol="0">
+            <a:spAutoFit/>
+          </a:bodyPr>
+          <a:lstStyle/>
+          <a:p>
+            <a:pPr algn="ctr"/>
+            <a:r>
+              <a:rPr lang="zh-TW" altLang="en-US" dirty="0" smtClean="0"/>
+              <a:t>無</a:t>
+            </a:r>
+            <a:endParaRPr lang="zh-TW" altLang="en-US" dirty="0"/>
+          </a:p>
+        </p:txBody>
+      </p:sp>
+      <p:sp>
+        <p:nvSpPr>
+          <p:cNvPr id="29" name="文字方塊 28"/>
+          <p:cNvSpPr txBox="1"/>
+          <p:nvPr/>
+        </p:nvSpPr>
+        <p:spPr>
+          <a:xfrm>
+            <a:off x="6603605" y="2955471"/>
+            <a:ext cx="808893" cy="369332"/>
+          </a:xfrm>
+          <a:prstGeom prst="rect">
+            <a:avLst/>
+          </a:prstGeom>
+          <a:noFill/>
+        </p:spPr>
+        <p:txBody>
+          <a:bodyPr wrap="square" rtlCol="0">
+            <a:spAutoFit/>
+          </a:bodyPr>
+          <a:lstStyle/>
+          <a:p>
+            <a:pPr algn="ctr"/>
+            <a:r>
+              <a:rPr lang="zh-TW" altLang="en-US" dirty="0" smtClean="0"/>
+              <a:t>無誤</a:t>
+            </a:r>
             <a:endParaRPr lang="zh-TW" altLang="en-US" dirty="0"/>
           </a:p>
         </p:txBody>
@@ -9585,7 +10369,7 @@
     </p:spTree>
     <p:extLst>
       <p:ext uri="{BB962C8B-B14F-4D97-AF65-F5344CB8AC3E}">
-        <p14:creationId xmlns:p14="http://schemas.microsoft.com/office/powerpoint/2010/main" val="3371896691"/>
+        <p14:creationId xmlns:p14="http://schemas.microsoft.com/office/powerpoint/2010/main" val="1591429887"/>
       </p:ext>
     </p:extLst>
   </p:cSld>
@@ -9640,1103 +10424,68 @@
           <a:lstStyle/>
           <a:p>
             <a:r>
+              <a:rPr lang="zh-TW" altLang="en-US" dirty="0" smtClean="0"/>
+              <a:t>檢查資料</a:t>
+            </a:r>
+            <a:endParaRPr lang="zh-TW" altLang="en-US" dirty="0"/>
+          </a:p>
+        </p:txBody>
+      </p:sp>
+      <p:sp>
+        <p:nvSpPr>
+          <p:cNvPr id="3" name="內容版面配置區 2"/>
+          <p:cNvSpPr>
+            <a:spLocks noGrp="1"/>
+          </p:cNvSpPr>
+          <p:nvPr>
+            <p:ph idx="1"/>
+          </p:nvPr>
+        </p:nvSpPr>
+        <p:spPr/>
+        <p:txBody>
+          <a:bodyPr/>
+          <a:lstStyle/>
+          <a:p>
+            <a:r>
+              <a:rPr lang="zh-TW" altLang="en-US" dirty="0" smtClean="0"/>
+              <a:t>檢查位置</a:t>
+            </a:r>
+            <a:endParaRPr lang="en-US" altLang="zh-TW" dirty="0" smtClean="0"/>
+          </a:p>
+          <a:p>
+            <a:pPr lvl="1"/>
+            <a:r>
               <a:rPr lang="zh-TW" altLang="en-US" dirty="0"/>
-              <a:t>註冊</a:t>
+              <a:t>前</a:t>
             </a:r>
             <a:r>
               <a:rPr lang="zh-TW" altLang="en-US" dirty="0" smtClean="0"/>
-              <a:t>網頁處理邏輯</a:t>
-            </a:r>
-            <a:endParaRPr lang="zh-TW" altLang="en-US" dirty="0"/>
-          </a:p>
-        </p:txBody>
-      </p:sp>
-      <p:sp>
-        <p:nvSpPr>
-          <p:cNvPr id="4" name="矩形 3"/>
-          <p:cNvSpPr/>
-          <p:nvPr/>
-        </p:nvSpPr>
-        <p:spPr>
-          <a:xfrm>
-            <a:off x="3032125" y="2220498"/>
-            <a:ext cx="1346444" cy="509954"/>
-          </a:xfrm>
-          <a:prstGeom prst="rect">
-            <a:avLst/>
-          </a:prstGeom>
-        </p:spPr>
-        <p:style>
-          <a:lnRef idx="0">
-            <a:schemeClr val="accent1"/>
-          </a:lnRef>
-          <a:fillRef idx="3">
-            <a:schemeClr val="accent1"/>
-          </a:fillRef>
-          <a:effectRef idx="3">
-            <a:schemeClr val="accent1"/>
-          </a:effectRef>
-          <a:fontRef idx="minor">
-            <a:schemeClr val="lt1"/>
-          </a:fontRef>
-        </p:style>
-        <p:txBody>
-          <a:bodyPr rtlCol="0" anchor="ctr"/>
-          <a:lstStyle/>
-          <a:p>
-            <a:pPr algn="ctr"/>
-            <a:r>
-              <a:rPr lang="zh-TW" altLang="en-US" dirty="0" smtClean="0"/>
-              <a:t>輸入資料</a:t>
-            </a:r>
-            <a:endParaRPr lang="zh-TW" altLang="en-US" dirty="0"/>
-          </a:p>
-        </p:txBody>
-      </p:sp>
-      <p:sp>
-        <p:nvSpPr>
-          <p:cNvPr id="5" name="矩形 4"/>
-          <p:cNvSpPr/>
-          <p:nvPr/>
-        </p:nvSpPr>
-        <p:spPr>
-          <a:xfrm>
-            <a:off x="3032125" y="3015922"/>
-            <a:ext cx="1346444" cy="509954"/>
-          </a:xfrm>
-          <a:prstGeom prst="rect">
-            <a:avLst/>
-          </a:prstGeom>
-        </p:spPr>
-        <p:style>
-          <a:lnRef idx="0">
-            <a:schemeClr val="accent1"/>
-          </a:lnRef>
-          <a:fillRef idx="3">
-            <a:schemeClr val="accent1"/>
-          </a:fillRef>
-          <a:effectRef idx="3">
-            <a:schemeClr val="accent1"/>
-          </a:effectRef>
-          <a:fontRef idx="minor">
-            <a:schemeClr val="lt1"/>
-          </a:fontRef>
-        </p:style>
-        <p:txBody>
-          <a:bodyPr rtlCol="0" anchor="ctr"/>
-          <a:lstStyle/>
-          <a:p>
-            <a:pPr algn="ctr"/>
-            <a:r>
-              <a:rPr lang="zh-TW" altLang="en-US" dirty="0" smtClean="0"/>
-              <a:t>送出資料</a:t>
-            </a:r>
-            <a:endParaRPr lang="zh-TW" altLang="en-US" dirty="0"/>
-          </a:p>
-        </p:txBody>
-      </p:sp>
-      <p:sp>
-        <p:nvSpPr>
-          <p:cNvPr id="6" name="矩形 5"/>
-          <p:cNvSpPr/>
-          <p:nvPr/>
-        </p:nvSpPr>
-        <p:spPr>
-          <a:xfrm>
-            <a:off x="5347161" y="2077067"/>
-            <a:ext cx="1186962" cy="509954"/>
-          </a:xfrm>
-          <a:prstGeom prst="rect">
-            <a:avLst/>
-          </a:prstGeom>
-        </p:spPr>
-        <p:style>
-          <a:lnRef idx="0">
-            <a:schemeClr val="accent1"/>
-          </a:lnRef>
-          <a:fillRef idx="3">
-            <a:schemeClr val="accent1"/>
-          </a:fillRef>
-          <a:effectRef idx="3">
-            <a:schemeClr val="accent1"/>
-          </a:effectRef>
-          <a:fontRef idx="minor">
-            <a:schemeClr val="lt1"/>
-          </a:fontRef>
-        </p:style>
-        <p:txBody>
-          <a:bodyPr rtlCol="0" anchor="ctr"/>
-          <a:lstStyle/>
-          <a:p>
-            <a:pPr algn="ctr"/>
-            <a:r>
-              <a:rPr lang="zh-TW" altLang="en-US" dirty="0"/>
-              <a:t>檢查</a:t>
-            </a:r>
-            <a:r>
-              <a:rPr lang="zh-TW" altLang="en-US" dirty="0" smtClean="0"/>
-              <a:t>資料內容</a:t>
-            </a:r>
-            <a:endParaRPr lang="zh-TW" altLang="en-US" dirty="0"/>
-          </a:p>
-        </p:txBody>
-      </p:sp>
-      <p:sp>
-        <p:nvSpPr>
-          <p:cNvPr id="7" name="矩形 6"/>
-          <p:cNvSpPr/>
-          <p:nvPr/>
-        </p:nvSpPr>
-        <p:spPr>
-          <a:xfrm>
-            <a:off x="5347160" y="4040829"/>
-            <a:ext cx="1186962" cy="509954"/>
-          </a:xfrm>
-          <a:prstGeom prst="rect">
-            <a:avLst/>
-          </a:prstGeom>
-        </p:spPr>
-        <p:style>
-          <a:lnRef idx="0">
-            <a:schemeClr val="accent1"/>
-          </a:lnRef>
-          <a:fillRef idx="3">
-            <a:schemeClr val="accent1"/>
-          </a:fillRef>
-          <a:effectRef idx="3">
-            <a:schemeClr val="accent1"/>
-          </a:effectRef>
-          <a:fontRef idx="minor">
-            <a:schemeClr val="lt1"/>
-          </a:fontRef>
-        </p:style>
-        <p:txBody>
-          <a:bodyPr rtlCol="0" anchor="ctr"/>
-          <a:lstStyle/>
-          <a:p>
-            <a:pPr algn="ctr"/>
-            <a:r>
-              <a:rPr lang="zh-TW" altLang="en-US" dirty="0" smtClean="0"/>
-              <a:t>回饋錯誤訊息</a:t>
-            </a:r>
-            <a:endParaRPr lang="zh-TW" altLang="en-US" dirty="0"/>
-          </a:p>
-        </p:txBody>
-      </p:sp>
-      <p:sp>
-        <p:nvSpPr>
-          <p:cNvPr id="8" name="矩形 7"/>
-          <p:cNvSpPr/>
-          <p:nvPr/>
-        </p:nvSpPr>
-        <p:spPr>
-          <a:xfrm>
-            <a:off x="7397261" y="5877431"/>
-            <a:ext cx="1186962" cy="509954"/>
-          </a:xfrm>
-          <a:prstGeom prst="rect">
-            <a:avLst/>
-          </a:prstGeom>
-        </p:spPr>
-        <p:style>
-          <a:lnRef idx="0">
-            <a:schemeClr val="accent1"/>
-          </a:lnRef>
-          <a:fillRef idx="3">
-            <a:schemeClr val="accent1"/>
-          </a:fillRef>
-          <a:effectRef idx="3">
-            <a:schemeClr val="accent1"/>
-          </a:effectRef>
-          <a:fontRef idx="minor">
-            <a:schemeClr val="lt1"/>
-          </a:fontRef>
-        </p:style>
-        <p:txBody>
-          <a:bodyPr rtlCol="0" anchor="ctr"/>
-          <a:lstStyle/>
-          <a:p>
-            <a:pPr algn="ctr"/>
-            <a:r>
-              <a:rPr lang="zh-TW" altLang="en-US" dirty="0"/>
-              <a:t>轉</a:t>
-            </a:r>
-            <a:r>
-              <a:rPr lang="zh-TW" altLang="en-US" dirty="0" smtClean="0"/>
-              <a:t>至登入頁面</a:t>
-            </a:r>
-            <a:endParaRPr lang="zh-TW" altLang="en-US" dirty="0"/>
-          </a:p>
-        </p:txBody>
-      </p:sp>
-      <p:sp>
-        <p:nvSpPr>
-          <p:cNvPr id="9" name="矩形 8"/>
-          <p:cNvSpPr/>
-          <p:nvPr/>
-        </p:nvSpPr>
-        <p:spPr>
-          <a:xfrm>
-            <a:off x="7397261" y="4974514"/>
-            <a:ext cx="1186962" cy="509954"/>
-          </a:xfrm>
-          <a:prstGeom prst="rect">
-            <a:avLst/>
-          </a:prstGeom>
-        </p:spPr>
-        <p:style>
-          <a:lnRef idx="0">
-            <a:schemeClr val="accent1"/>
-          </a:lnRef>
-          <a:fillRef idx="3">
-            <a:schemeClr val="accent1"/>
-          </a:fillRef>
-          <a:effectRef idx="3">
-            <a:schemeClr val="accent1"/>
-          </a:effectRef>
-          <a:fontRef idx="minor">
-            <a:schemeClr val="lt1"/>
-          </a:fontRef>
-        </p:style>
-        <p:txBody>
-          <a:bodyPr rtlCol="0" anchor="ctr"/>
-          <a:lstStyle/>
-          <a:p>
-            <a:pPr algn="ctr"/>
-            <a:r>
-              <a:rPr lang="zh-TW" altLang="en-US" dirty="0"/>
-              <a:t>存入</a:t>
-            </a:r>
-            <a:r>
-              <a:rPr lang="zh-TW" altLang="en-US" dirty="0" smtClean="0"/>
-              <a:t>資料</a:t>
-            </a:r>
-            <a:endParaRPr lang="zh-TW" altLang="en-US" dirty="0"/>
-          </a:p>
-        </p:txBody>
-      </p:sp>
-      <p:sp>
-        <p:nvSpPr>
-          <p:cNvPr id="11" name="矩形 10"/>
-          <p:cNvSpPr/>
-          <p:nvPr/>
-        </p:nvSpPr>
-        <p:spPr>
-          <a:xfrm>
-            <a:off x="7397262" y="3089600"/>
-            <a:ext cx="1186962" cy="509954"/>
-          </a:xfrm>
-          <a:prstGeom prst="rect">
-            <a:avLst/>
-          </a:prstGeom>
-        </p:spPr>
-        <p:style>
-          <a:lnRef idx="0">
-            <a:schemeClr val="accent1"/>
-          </a:lnRef>
-          <a:fillRef idx="3">
-            <a:schemeClr val="accent1"/>
-          </a:fillRef>
-          <a:effectRef idx="3">
-            <a:schemeClr val="accent1"/>
-          </a:effectRef>
-          <a:fontRef idx="minor">
-            <a:schemeClr val="lt1"/>
-          </a:fontRef>
-        </p:style>
-        <p:txBody>
-          <a:bodyPr rtlCol="0" anchor="ctr"/>
-          <a:lstStyle/>
-          <a:p>
-            <a:pPr algn="ctr"/>
-            <a:r>
-              <a:rPr lang="zh-TW" altLang="en-US" dirty="0" smtClean="0"/>
-              <a:t>檢查有無重複註冊</a:t>
-            </a:r>
-            <a:endParaRPr lang="zh-TW" altLang="en-US" dirty="0"/>
-          </a:p>
-        </p:txBody>
-      </p:sp>
-      <p:sp>
-        <p:nvSpPr>
-          <p:cNvPr id="23" name="流程圖: 決策 22"/>
-          <p:cNvSpPr/>
-          <p:nvPr/>
-        </p:nvSpPr>
-        <p:spPr>
-          <a:xfrm>
-            <a:off x="5146982" y="3015922"/>
-            <a:ext cx="1587317" cy="641839"/>
-          </a:xfrm>
-          <a:prstGeom prst="flowChartDecision">
-            <a:avLst/>
-          </a:prstGeom>
-        </p:spPr>
-        <p:style>
-          <a:lnRef idx="0">
-            <a:schemeClr val="accent1"/>
-          </a:lnRef>
-          <a:fillRef idx="3">
-            <a:schemeClr val="accent1"/>
-          </a:fillRef>
-          <a:effectRef idx="3">
-            <a:schemeClr val="accent1"/>
-          </a:effectRef>
-          <a:fontRef idx="minor">
-            <a:schemeClr val="lt1"/>
-          </a:fontRef>
-        </p:style>
-        <p:txBody>
-          <a:bodyPr rtlCol="0" anchor="ctr"/>
-          <a:lstStyle/>
-          <a:p>
-            <a:pPr algn="ctr"/>
-            <a:r>
-              <a:rPr lang="zh-TW" altLang="en-US" dirty="0" smtClean="0"/>
-              <a:t>檢查結果</a:t>
-            </a:r>
-            <a:endParaRPr lang="zh-TW" altLang="en-US" dirty="0"/>
-          </a:p>
-        </p:txBody>
-      </p:sp>
-      <p:sp>
-        <p:nvSpPr>
-          <p:cNvPr id="24" name="流程圖: 決策 23"/>
-          <p:cNvSpPr/>
-          <p:nvPr/>
-        </p:nvSpPr>
-        <p:spPr>
-          <a:xfrm>
-            <a:off x="7197084" y="3974886"/>
-            <a:ext cx="1587317" cy="641839"/>
-          </a:xfrm>
-          <a:prstGeom prst="flowChartDecision">
-            <a:avLst/>
-          </a:prstGeom>
-        </p:spPr>
-        <p:style>
-          <a:lnRef idx="0">
-            <a:schemeClr val="accent1"/>
-          </a:lnRef>
-          <a:fillRef idx="3">
-            <a:schemeClr val="accent1"/>
-          </a:fillRef>
-          <a:effectRef idx="3">
-            <a:schemeClr val="accent1"/>
-          </a:effectRef>
-          <a:fontRef idx="minor">
-            <a:schemeClr val="lt1"/>
-          </a:fontRef>
-        </p:style>
-        <p:txBody>
-          <a:bodyPr rtlCol="0" anchor="ctr"/>
-          <a:lstStyle/>
-          <a:p>
-            <a:pPr algn="ctr"/>
-            <a:r>
-              <a:rPr lang="zh-TW" altLang="en-US" dirty="0" smtClean="0"/>
-              <a:t>檢查結果</a:t>
-            </a:r>
-            <a:endParaRPr lang="zh-TW" altLang="en-US" dirty="0"/>
-          </a:p>
-        </p:txBody>
-      </p:sp>
-      <p:cxnSp>
-        <p:nvCxnSpPr>
-          <p:cNvPr id="30" name="肘形接點 29"/>
-          <p:cNvCxnSpPr>
-            <a:stCxn id="5" idx="3"/>
-            <a:endCxn id="6" idx="1"/>
-          </p:cNvCxnSpPr>
-          <p:nvPr/>
-        </p:nvCxnSpPr>
-        <p:spPr>
-          <a:xfrm flipV="1">
-            <a:off x="4378569" y="2332044"/>
-            <a:ext cx="968592" cy="938855"/>
-          </a:xfrm>
-          <a:prstGeom prst="bentConnector3">
-            <a:avLst>
-              <a:gd name="adj1" fmla="val 50000"/>
-            </a:avLst>
-          </a:prstGeom>
-          <a:ln w="38100">
-            <a:solidFill>
-              <a:schemeClr val="tx1"/>
-            </a:solidFill>
-            <a:headEnd type="none" w="med" len="med"/>
-            <a:tailEnd type="arrow" w="med" len="med"/>
-          </a:ln>
-        </p:spPr>
-        <p:style>
-          <a:lnRef idx="1">
-            <a:schemeClr val="accent1"/>
-          </a:lnRef>
-          <a:fillRef idx="0">
-            <a:schemeClr val="accent1"/>
-          </a:fillRef>
-          <a:effectRef idx="0">
-            <a:schemeClr val="accent1"/>
-          </a:effectRef>
-          <a:fontRef idx="minor">
-            <a:schemeClr val="tx1"/>
-          </a:fontRef>
-        </p:style>
-      </p:cxnSp>
-      <p:cxnSp>
-        <p:nvCxnSpPr>
-          <p:cNvPr id="43" name="直線單箭頭接點 42"/>
-          <p:cNvCxnSpPr>
-            <a:stCxn id="4" idx="2"/>
-            <a:endCxn id="5" idx="0"/>
-          </p:cNvCxnSpPr>
-          <p:nvPr/>
-        </p:nvCxnSpPr>
-        <p:spPr>
-          <a:xfrm>
-            <a:off x="3705347" y="2730452"/>
-            <a:ext cx="0" cy="285470"/>
-          </a:xfrm>
-          <a:prstGeom prst="straightConnector1">
-            <a:avLst/>
-          </a:prstGeom>
-          <a:ln w="38100">
-            <a:solidFill>
-              <a:schemeClr val="tx1"/>
-            </a:solidFill>
-            <a:headEnd type="none" w="med" len="med"/>
-            <a:tailEnd type="arrow" w="med" len="med"/>
-          </a:ln>
-        </p:spPr>
-        <p:style>
-          <a:lnRef idx="1">
-            <a:schemeClr val="accent1"/>
-          </a:lnRef>
-          <a:fillRef idx="0">
-            <a:schemeClr val="accent1"/>
-          </a:fillRef>
-          <a:effectRef idx="0">
-            <a:schemeClr val="accent1"/>
-          </a:effectRef>
-          <a:fontRef idx="minor">
-            <a:schemeClr val="tx1"/>
-          </a:fontRef>
-        </p:style>
-      </p:cxnSp>
-      <p:cxnSp>
-        <p:nvCxnSpPr>
-          <p:cNvPr id="44" name="直線單箭頭接點 43"/>
-          <p:cNvCxnSpPr>
-            <a:stCxn id="79" idx="2"/>
-            <a:endCxn id="4" idx="0"/>
-          </p:cNvCxnSpPr>
-          <p:nvPr/>
-        </p:nvCxnSpPr>
-        <p:spPr>
-          <a:xfrm>
-            <a:off x="3705347" y="1943823"/>
-            <a:ext cx="0" cy="276675"/>
-          </a:xfrm>
-          <a:prstGeom prst="straightConnector1">
-            <a:avLst/>
-          </a:prstGeom>
-          <a:ln w="38100">
-            <a:solidFill>
-              <a:schemeClr val="tx1"/>
-            </a:solidFill>
-            <a:headEnd type="none" w="med" len="med"/>
-            <a:tailEnd type="arrow" w="med" len="med"/>
-          </a:ln>
-        </p:spPr>
-        <p:style>
-          <a:lnRef idx="1">
-            <a:schemeClr val="accent1"/>
-          </a:lnRef>
-          <a:fillRef idx="0">
-            <a:schemeClr val="accent1"/>
-          </a:fillRef>
-          <a:effectRef idx="0">
-            <a:schemeClr val="accent1"/>
-          </a:effectRef>
-          <a:fontRef idx="minor">
-            <a:schemeClr val="tx1"/>
-          </a:fontRef>
-        </p:style>
-      </p:cxnSp>
-      <p:cxnSp>
-        <p:nvCxnSpPr>
-          <p:cNvPr id="47" name="直線單箭頭接點 46"/>
-          <p:cNvCxnSpPr>
-            <a:stCxn id="6" idx="2"/>
-            <a:endCxn id="23" idx="0"/>
-          </p:cNvCxnSpPr>
-          <p:nvPr/>
-        </p:nvCxnSpPr>
-        <p:spPr>
-          <a:xfrm flipH="1">
-            <a:off x="5940641" y="2587021"/>
-            <a:ext cx="1" cy="428901"/>
-          </a:xfrm>
-          <a:prstGeom prst="straightConnector1">
-            <a:avLst/>
-          </a:prstGeom>
-          <a:ln w="38100">
-            <a:solidFill>
-              <a:schemeClr val="tx1"/>
-            </a:solidFill>
-            <a:headEnd type="none" w="med" len="med"/>
-            <a:tailEnd type="arrow" w="med" len="med"/>
-          </a:ln>
-        </p:spPr>
-        <p:style>
-          <a:lnRef idx="1">
-            <a:schemeClr val="accent1"/>
-          </a:lnRef>
-          <a:fillRef idx="0">
-            <a:schemeClr val="accent1"/>
-          </a:fillRef>
-          <a:effectRef idx="0">
-            <a:schemeClr val="accent1"/>
-          </a:effectRef>
-          <a:fontRef idx="minor">
-            <a:schemeClr val="tx1"/>
-          </a:fontRef>
-        </p:style>
-      </p:cxnSp>
-      <p:cxnSp>
-        <p:nvCxnSpPr>
-          <p:cNvPr id="52" name="直線單箭頭接點 51"/>
-          <p:cNvCxnSpPr>
-            <a:stCxn id="23" idx="2"/>
-            <a:endCxn id="7" idx="0"/>
-          </p:cNvCxnSpPr>
-          <p:nvPr/>
-        </p:nvCxnSpPr>
-        <p:spPr>
-          <a:xfrm>
-            <a:off x="5940641" y="3657761"/>
-            <a:ext cx="0" cy="383068"/>
-          </a:xfrm>
-          <a:prstGeom prst="straightConnector1">
-            <a:avLst/>
-          </a:prstGeom>
-          <a:ln w="38100">
-            <a:solidFill>
-              <a:schemeClr val="tx1"/>
-            </a:solidFill>
-            <a:headEnd type="none" w="med" len="med"/>
-            <a:tailEnd type="arrow" w="med" len="med"/>
-          </a:ln>
-        </p:spPr>
-        <p:style>
-          <a:lnRef idx="1">
-            <a:schemeClr val="accent1"/>
-          </a:lnRef>
-          <a:fillRef idx="0">
-            <a:schemeClr val="accent1"/>
-          </a:fillRef>
-          <a:effectRef idx="0">
-            <a:schemeClr val="accent1"/>
-          </a:effectRef>
-          <a:fontRef idx="minor">
-            <a:schemeClr val="tx1"/>
-          </a:fontRef>
-        </p:style>
-      </p:cxnSp>
-      <p:cxnSp>
-        <p:nvCxnSpPr>
-          <p:cNvPr id="55" name="肘形接點 54"/>
-          <p:cNvCxnSpPr>
-            <a:stCxn id="7" idx="1"/>
-            <a:endCxn id="4" idx="1"/>
-          </p:cNvCxnSpPr>
-          <p:nvPr/>
-        </p:nvCxnSpPr>
-        <p:spPr>
-          <a:xfrm rot="10800000">
-            <a:off x="3032126" y="2475476"/>
-            <a:ext cx="2315035" cy="1820331"/>
-          </a:xfrm>
-          <a:prstGeom prst="bentConnector3">
-            <a:avLst>
-              <a:gd name="adj1" fmla="val 109875"/>
-            </a:avLst>
-          </a:prstGeom>
-          <a:ln w="38100">
-            <a:solidFill>
-              <a:schemeClr val="tx1"/>
-            </a:solidFill>
-            <a:headEnd type="none" w="med" len="med"/>
-            <a:tailEnd type="arrow" w="med" len="med"/>
-          </a:ln>
-        </p:spPr>
-        <p:style>
-          <a:lnRef idx="1">
-            <a:schemeClr val="accent1"/>
-          </a:lnRef>
-          <a:fillRef idx="0">
-            <a:schemeClr val="accent1"/>
-          </a:fillRef>
-          <a:effectRef idx="0">
-            <a:schemeClr val="accent1"/>
-          </a:effectRef>
-          <a:fontRef idx="minor">
-            <a:schemeClr val="tx1"/>
-          </a:fontRef>
-        </p:style>
-      </p:cxnSp>
-      <p:cxnSp>
-        <p:nvCxnSpPr>
-          <p:cNvPr id="60" name="直線單箭頭接點 59"/>
-          <p:cNvCxnSpPr>
-            <a:stCxn id="23" idx="3"/>
-            <a:endCxn id="11" idx="1"/>
-          </p:cNvCxnSpPr>
-          <p:nvPr/>
-        </p:nvCxnSpPr>
-        <p:spPr>
-          <a:xfrm>
-            <a:off x="6734299" y="3336842"/>
-            <a:ext cx="662963" cy="7735"/>
-          </a:xfrm>
-          <a:prstGeom prst="straightConnector1">
-            <a:avLst/>
-          </a:prstGeom>
-          <a:ln w="38100">
-            <a:solidFill>
-              <a:schemeClr val="tx1"/>
-            </a:solidFill>
-            <a:headEnd type="none" w="med" len="med"/>
-            <a:tailEnd type="arrow" w="med" len="med"/>
-          </a:ln>
-        </p:spPr>
-        <p:style>
-          <a:lnRef idx="1">
-            <a:schemeClr val="accent1"/>
-          </a:lnRef>
-          <a:fillRef idx="0">
-            <a:schemeClr val="accent1"/>
-          </a:fillRef>
-          <a:effectRef idx="0">
-            <a:schemeClr val="accent1"/>
-          </a:effectRef>
-          <a:fontRef idx="minor">
-            <a:schemeClr val="tx1"/>
-          </a:fontRef>
-        </p:style>
-      </p:cxnSp>
-      <p:cxnSp>
-        <p:nvCxnSpPr>
-          <p:cNvPr id="64" name="直線單箭頭接點 63"/>
-          <p:cNvCxnSpPr>
-            <a:stCxn id="11" idx="2"/>
-            <a:endCxn id="24" idx="0"/>
-          </p:cNvCxnSpPr>
-          <p:nvPr/>
-        </p:nvCxnSpPr>
-        <p:spPr>
-          <a:xfrm>
-            <a:off x="7990743" y="3599554"/>
-            <a:ext cx="0" cy="375332"/>
-          </a:xfrm>
-          <a:prstGeom prst="straightConnector1">
-            <a:avLst/>
-          </a:prstGeom>
-          <a:ln w="38100">
-            <a:solidFill>
-              <a:schemeClr val="tx1"/>
-            </a:solidFill>
-            <a:headEnd type="none" w="med" len="med"/>
-            <a:tailEnd type="arrow" w="med" len="med"/>
-          </a:ln>
-        </p:spPr>
-        <p:style>
-          <a:lnRef idx="1">
-            <a:schemeClr val="accent1"/>
-          </a:lnRef>
-          <a:fillRef idx="0">
-            <a:schemeClr val="accent1"/>
-          </a:fillRef>
-          <a:effectRef idx="0">
-            <a:schemeClr val="accent1"/>
-          </a:effectRef>
-          <a:fontRef idx="minor">
-            <a:schemeClr val="tx1"/>
-          </a:fontRef>
-        </p:style>
-      </p:cxnSp>
-      <p:cxnSp>
-        <p:nvCxnSpPr>
-          <p:cNvPr id="67" name="直線單箭頭接點 66"/>
-          <p:cNvCxnSpPr>
-            <a:stCxn id="24" idx="1"/>
-            <a:endCxn id="7" idx="3"/>
-          </p:cNvCxnSpPr>
-          <p:nvPr/>
-        </p:nvCxnSpPr>
-        <p:spPr>
-          <a:xfrm flipH="1">
-            <a:off x="6534122" y="4295806"/>
-            <a:ext cx="662962" cy="0"/>
-          </a:xfrm>
-          <a:prstGeom prst="straightConnector1">
-            <a:avLst/>
-          </a:prstGeom>
-          <a:ln w="38100">
-            <a:solidFill>
-              <a:schemeClr val="tx1"/>
-            </a:solidFill>
-            <a:headEnd type="none" w="med" len="med"/>
-            <a:tailEnd type="arrow" w="med" len="med"/>
-          </a:ln>
-        </p:spPr>
-        <p:style>
-          <a:lnRef idx="1">
-            <a:schemeClr val="accent1"/>
-          </a:lnRef>
-          <a:fillRef idx="0">
-            <a:schemeClr val="accent1"/>
-          </a:fillRef>
-          <a:effectRef idx="0">
-            <a:schemeClr val="accent1"/>
-          </a:effectRef>
-          <a:fontRef idx="minor">
-            <a:schemeClr val="tx1"/>
-          </a:fontRef>
-        </p:style>
-      </p:cxnSp>
-      <p:cxnSp>
-        <p:nvCxnSpPr>
-          <p:cNvPr id="70" name="直線單箭頭接點 69"/>
-          <p:cNvCxnSpPr>
-            <a:stCxn id="24" idx="2"/>
-            <a:endCxn id="9" idx="0"/>
-          </p:cNvCxnSpPr>
-          <p:nvPr/>
-        </p:nvCxnSpPr>
-        <p:spPr>
-          <a:xfrm flipH="1">
-            <a:off x="7990742" y="4616725"/>
-            <a:ext cx="1" cy="357789"/>
-          </a:xfrm>
-          <a:prstGeom prst="straightConnector1">
-            <a:avLst/>
-          </a:prstGeom>
-          <a:ln w="38100">
-            <a:solidFill>
-              <a:schemeClr val="tx1"/>
-            </a:solidFill>
-            <a:headEnd type="none" w="med" len="med"/>
-            <a:tailEnd type="arrow" w="med" len="med"/>
-          </a:ln>
-        </p:spPr>
-        <p:style>
-          <a:lnRef idx="1">
-            <a:schemeClr val="accent1"/>
-          </a:lnRef>
-          <a:fillRef idx="0">
-            <a:schemeClr val="accent1"/>
-          </a:fillRef>
-          <a:effectRef idx="0">
-            <a:schemeClr val="accent1"/>
-          </a:effectRef>
-          <a:fontRef idx="minor">
-            <a:schemeClr val="tx1"/>
-          </a:fontRef>
-        </p:style>
-      </p:cxnSp>
-      <p:cxnSp>
-        <p:nvCxnSpPr>
-          <p:cNvPr id="73" name="直線單箭頭接點 72"/>
-          <p:cNvCxnSpPr>
-            <a:stCxn id="9" idx="2"/>
-            <a:endCxn id="8" idx="0"/>
-          </p:cNvCxnSpPr>
-          <p:nvPr/>
-        </p:nvCxnSpPr>
-        <p:spPr>
-          <a:xfrm>
-            <a:off x="7990742" y="5484468"/>
-            <a:ext cx="0" cy="392963"/>
-          </a:xfrm>
-          <a:prstGeom prst="straightConnector1">
-            <a:avLst/>
-          </a:prstGeom>
-          <a:ln w="38100">
-            <a:solidFill>
-              <a:schemeClr val="tx1"/>
-            </a:solidFill>
-            <a:headEnd type="none" w="med" len="med"/>
-            <a:tailEnd type="arrow" w="med" len="med"/>
-          </a:ln>
-        </p:spPr>
-        <p:style>
-          <a:lnRef idx="1">
-            <a:schemeClr val="accent1"/>
-          </a:lnRef>
-          <a:fillRef idx="0">
-            <a:schemeClr val="accent1"/>
-          </a:fillRef>
-          <a:effectRef idx="0">
-            <a:schemeClr val="accent1"/>
-          </a:effectRef>
-          <a:fontRef idx="minor">
-            <a:schemeClr val="tx1"/>
-          </a:fontRef>
-        </p:style>
-      </p:cxnSp>
-      <p:sp>
-        <p:nvSpPr>
-          <p:cNvPr id="79" name="圓角矩形 78"/>
-          <p:cNvSpPr/>
-          <p:nvPr/>
-        </p:nvSpPr>
-        <p:spPr>
-          <a:xfrm>
-            <a:off x="3221770" y="1433869"/>
-            <a:ext cx="967154" cy="509954"/>
-          </a:xfrm>
-          <a:prstGeom prst="roundRect">
-            <a:avLst/>
-          </a:prstGeom>
-        </p:spPr>
-        <p:style>
-          <a:lnRef idx="0">
-            <a:schemeClr val="accent1"/>
-          </a:lnRef>
-          <a:fillRef idx="3">
-            <a:schemeClr val="accent1"/>
-          </a:fillRef>
-          <a:effectRef idx="3">
-            <a:schemeClr val="accent1"/>
-          </a:effectRef>
-          <a:fontRef idx="minor">
-            <a:schemeClr val="lt1"/>
-          </a:fontRef>
-        </p:style>
-        <p:txBody>
-          <a:bodyPr rtlCol="0" anchor="ctr"/>
-          <a:lstStyle/>
-          <a:p>
-            <a:pPr algn="ctr"/>
-            <a:r>
-              <a:rPr lang="zh-TW" altLang="en-US" dirty="0" smtClean="0"/>
-              <a:t>開始</a:t>
-            </a:r>
-            <a:endParaRPr lang="zh-TW" altLang="en-US" dirty="0"/>
-          </a:p>
-        </p:txBody>
-      </p:sp>
-      <p:sp>
-        <p:nvSpPr>
-          <p:cNvPr id="95" name="圓角矩形 94"/>
-          <p:cNvSpPr/>
-          <p:nvPr/>
-        </p:nvSpPr>
-        <p:spPr>
-          <a:xfrm>
-            <a:off x="5457063" y="5877431"/>
-            <a:ext cx="967154" cy="509954"/>
-          </a:xfrm>
-          <a:prstGeom prst="roundRect">
-            <a:avLst/>
-          </a:prstGeom>
-        </p:spPr>
-        <p:style>
-          <a:lnRef idx="0">
-            <a:schemeClr val="accent1"/>
-          </a:lnRef>
-          <a:fillRef idx="3">
-            <a:schemeClr val="accent1"/>
-          </a:fillRef>
-          <a:effectRef idx="3">
-            <a:schemeClr val="accent1"/>
-          </a:effectRef>
-          <a:fontRef idx="minor">
-            <a:schemeClr val="lt1"/>
-          </a:fontRef>
-        </p:style>
-        <p:txBody>
-          <a:bodyPr rtlCol="0" anchor="ctr"/>
-          <a:lstStyle/>
-          <a:p>
-            <a:pPr algn="ctr"/>
-            <a:r>
-              <a:rPr lang="zh-TW" altLang="en-US" dirty="0" smtClean="0"/>
-              <a:t>結束</a:t>
-            </a:r>
-            <a:endParaRPr lang="zh-TW" altLang="en-US" dirty="0"/>
-          </a:p>
-        </p:txBody>
-      </p:sp>
-      <p:cxnSp>
-        <p:nvCxnSpPr>
-          <p:cNvPr id="96" name="直線單箭頭接點 95"/>
-          <p:cNvCxnSpPr>
-            <a:stCxn id="8" idx="1"/>
-            <a:endCxn id="95" idx="3"/>
-          </p:cNvCxnSpPr>
-          <p:nvPr/>
-        </p:nvCxnSpPr>
-        <p:spPr>
-          <a:xfrm flipH="1">
-            <a:off x="6424217" y="6132408"/>
-            <a:ext cx="973044" cy="0"/>
-          </a:xfrm>
-          <a:prstGeom prst="straightConnector1">
-            <a:avLst/>
-          </a:prstGeom>
-          <a:ln w="38100">
-            <a:solidFill>
-              <a:schemeClr val="tx1"/>
-            </a:solidFill>
-            <a:headEnd type="none" w="med" len="med"/>
-            <a:tailEnd type="arrow" w="med" len="med"/>
-          </a:ln>
-        </p:spPr>
-        <p:style>
-          <a:lnRef idx="1">
-            <a:schemeClr val="accent1"/>
-          </a:lnRef>
-          <a:fillRef idx="0">
-            <a:schemeClr val="accent1"/>
-          </a:fillRef>
-          <a:effectRef idx="0">
-            <a:schemeClr val="accent1"/>
-          </a:effectRef>
-          <a:fontRef idx="minor">
-            <a:schemeClr val="tx1"/>
-          </a:fontRef>
-        </p:style>
-      </p:cxnSp>
-      <p:sp>
-        <p:nvSpPr>
-          <p:cNvPr id="3" name="文字方塊 2"/>
-          <p:cNvSpPr txBox="1"/>
-          <p:nvPr/>
-        </p:nvSpPr>
-        <p:spPr>
-          <a:xfrm>
-            <a:off x="5201231" y="3596187"/>
-            <a:ext cx="808893" cy="369332"/>
-          </a:xfrm>
-          <a:prstGeom prst="rect">
-            <a:avLst/>
-          </a:prstGeom>
-          <a:noFill/>
-        </p:spPr>
-        <p:txBody>
-          <a:bodyPr wrap="square" rtlCol="0">
-            <a:spAutoFit/>
-          </a:bodyPr>
-          <a:lstStyle/>
-          <a:p>
-            <a:pPr algn="ctr"/>
-            <a:r>
-              <a:rPr lang="zh-TW" altLang="en-US" dirty="0" smtClean="0"/>
-              <a:t>有誤</a:t>
-            </a:r>
-            <a:endParaRPr lang="zh-TW" altLang="en-US" dirty="0"/>
-          </a:p>
-        </p:txBody>
-      </p:sp>
-      <p:sp>
-        <p:nvSpPr>
-          <p:cNvPr id="27" name="文字方塊 26"/>
-          <p:cNvSpPr txBox="1"/>
-          <p:nvPr/>
-        </p:nvSpPr>
-        <p:spPr>
-          <a:xfrm>
-            <a:off x="6803783" y="3880045"/>
-            <a:ext cx="608716" cy="369332"/>
-          </a:xfrm>
-          <a:prstGeom prst="rect">
-            <a:avLst/>
-          </a:prstGeom>
-          <a:noFill/>
-        </p:spPr>
-        <p:txBody>
-          <a:bodyPr wrap="square" rtlCol="0">
-            <a:spAutoFit/>
-          </a:bodyPr>
-          <a:lstStyle/>
-          <a:p>
-            <a:pPr algn="ctr"/>
-            <a:r>
-              <a:rPr lang="zh-TW" altLang="en-US" dirty="0" smtClean="0"/>
-              <a:t>有</a:t>
-            </a:r>
-            <a:endParaRPr lang="zh-TW" altLang="en-US" dirty="0"/>
-          </a:p>
-        </p:txBody>
-      </p:sp>
-      <p:sp>
-        <p:nvSpPr>
-          <p:cNvPr id="28" name="文字方塊 27"/>
-          <p:cNvSpPr txBox="1"/>
-          <p:nvPr/>
-        </p:nvSpPr>
-        <p:spPr>
-          <a:xfrm>
-            <a:off x="7975507" y="4526900"/>
-            <a:ext cx="608716" cy="369332"/>
-          </a:xfrm>
-          <a:prstGeom prst="rect">
-            <a:avLst/>
-          </a:prstGeom>
-          <a:noFill/>
-        </p:spPr>
-        <p:txBody>
-          <a:bodyPr wrap="square" rtlCol="0">
-            <a:spAutoFit/>
-          </a:bodyPr>
-          <a:lstStyle/>
-          <a:p>
-            <a:pPr algn="ctr"/>
-            <a:r>
-              <a:rPr lang="zh-TW" altLang="en-US" dirty="0" smtClean="0"/>
-              <a:t>無</a:t>
-            </a:r>
-            <a:endParaRPr lang="zh-TW" altLang="en-US" dirty="0"/>
-          </a:p>
-        </p:txBody>
-      </p:sp>
-      <p:sp>
-        <p:nvSpPr>
-          <p:cNvPr id="29" name="文字方塊 28"/>
-          <p:cNvSpPr txBox="1"/>
-          <p:nvPr/>
-        </p:nvSpPr>
-        <p:spPr>
-          <a:xfrm>
-            <a:off x="6603605" y="2955471"/>
-            <a:ext cx="808893" cy="369332"/>
-          </a:xfrm>
-          <a:prstGeom prst="rect">
-            <a:avLst/>
-          </a:prstGeom>
-          <a:noFill/>
-        </p:spPr>
-        <p:txBody>
-          <a:bodyPr wrap="square" rtlCol="0">
-            <a:spAutoFit/>
-          </a:bodyPr>
-          <a:lstStyle/>
-          <a:p>
-            <a:pPr algn="ctr"/>
-            <a:r>
-              <a:rPr lang="zh-TW" altLang="en-US" dirty="0" smtClean="0"/>
-              <a:t>無誤</a:t>
-            </a:r>
-            <a:endParaRPr lang="zh-TW" altLang="en-US" dirty="0"/>
+              <a:t>端</a:t>
+            </a:r>
+            <a:endParaRPr lang="en-US" altLang="zh-TW" dirty="0" smtClean="0"/>
+          </a:p>
+          <a:p>
+            <a:pPr lvl="1"/>
+            <a:r>
+              <a:rPr lang="zh-TW" altLang="en-US" dirty="0" smtClean="0">
+                <a:solidFill>
+                  <a:srgbClr val="FF0000"/>
+                </a:solidFill>
+              </a:rPr>
+              <a:t>後端</a:t>
+            </a:r>
+            <a:endParaRPr lang="zh-TW" altLang="en-US" dirty="0">
+              <a:solidFill>
+                <a:srgbClr val="FF0000"/>
+              </a:solidFill>
+            </a:endParaRPr>
           </a:p>
         </p:txBody>
       </p:sp>
     </p:spTree>
     <p:extLst>
       <p:ext uri="{BB962C8B-B14F-4D97-AF65-F5344CB8AC3E}">
-        <p14:creationId xmlns:p14="http://schemas.microsoft.com/office/powerpoint/2010/main" val="1591429887"/>
+        <p14:creationId xmlns:p14="http://schemas.microsoft.com/office/powerpoint/2010/main" val="3757330322"/>
       </p:ext>
     </p:extLst>
   </p:cSld>
@@ -10792,7 +10541,7 @@
           <a:p>
             <a:r>
               <a:rPr lang="zh-TW" altLang="en-US" dirty="0" smtClean="0"/>
-              <a:t>檢查資料</a:t>
+              <a:t>註冊資料檢查邏輯</a:t>
             </a:r>
             <a:endParaRPr lang="zh-TW" altLang="en-US" dirty="0"/>
           </a:p>
@@ -10815,44 +10564,159 @@
           <a:p>
             <a:r>
               <a:rPr lang="zh-TW" altLang="en-US" dirty="0" smtClean="0"/>
-              <a:t>檢查位置</a:t>
+              <a:t>帳號</a:t>
+            </a:r>
+            <a:r>
+              <a:rPr lang="en-US" altLang="zh-TW" dirty="0" smtClean="0"/>
+              <a:t>6~20</a:t>
+            </a:r>
+            <a:r>
+              <a:rPr lang="zh-TW" altLang="en-US" dirty="0" smtClean="0"/>
+              <a:t>字元、必須是英文或數字</a:t>
             </a:r>
             <a:endParaRPr lang="en-US" altLang="zh-TW" dirty="0" smtClean="0"/>
           </a:p>
           <a:p>
-            <a:pPr lvl="1"/>
+            <a:r>
+              <a:rPr lang="zh-TW" altLang="en-US" dirty="0" smtClean="0"/>
+              <a:t>姓名</a:t>
+            </a:r>
+            <a:r>
+              <a:rPr lang="en-US" altLang="zh-TW" dirty="0" smtClean="0"/>
+              <a:t>3~20</a:t>
+            </a:r>
             <a:r>
               <a:rPr lang="zh-TW" altLang="en-US" dirty="0"/>
-              <a:t>前</a:t>
+              <a:t>字元</a:t>
             </a:r>
             <a:r>
               <a:rPr lang="zh-TW" altLang="en-US" dirty="0" smtClean="0"/>
-              <a:t>端</a:t>
+              <a:t>以內</a:t>
             </a:r>
             <a:endParaRPr lang="en-US" altLang="zh-TW" dirty="0" smtClean="0"/>
           </a:p>
           <a:p>
-            <a:pPr lvl="1"/>
-            <a:r>
-              <a:rPr lang="zh-TW" altLang="en-US" dirty="0" smtClean="0">
-                <a:solidFill>
-                  <a:srgbClr val="FF0000"/>
-                </a:solidFill>
-              </a:rPr>
-              <a:t>後端</a:t>
-            </a:r>
-            <a:endParaRPr lang="zh-TW" altLang="en-US" dirty="0">
-              <a:solidFill>
-                <a:srgbClr val="FF0000"/>
-              </a:solidFill>
-            </a:endParaRPr>
+            <a:r>
+              <a:rPr lang="zh-TW" altLang="en-US" dirty="0" smtClean="0"/>
+              <a:t>性別必須為</a:t>
+            </a:r>
+            <a:r>
+              <a:rPr lang="en-US" altLang="zh-TW" dirty="0" smtClean="0"/>
+              <a:t>0</a:t>
+            </a:r>
+            <a:r>
+              <a:rPr lang="zh-TW" altLang="en-US" dirty="0" smtClean="0"/>
+              <a:t>或</a:t>
+            </a:r>
+            <a:r>
+              <a:rPr lang="en-US" altLang="zh-TW" dirty="0" smtClean="0"/>
+              <a:t>1</a:t>
+            </a:r>
+          </a:p>
+          <a:p>
+            <a:r>
+              <a:rPr lang="zh-TW" altLang="en-US" dirty="0"/>
+              <a:t>信箱必須為信箱</a:t>
+            </a:r>
+            <a:r>
+              <a:rPr lang="zh-TW" altLang="en-US" dirty="0" smtClean="0"/>
+              <a:t>格式、</a:t>
+            </a:r>
+            <a:r>
+              <a:rPr lang="en-US" altLang="zh-TW" dirty="0"/>
+              <a:t> </a:t>
+            </a:r>
+            <a:r>
+              <a:rPr lang="en-US" altLang="zh-TW" dirty="0" smtClean="0"/>
+              <a:t>20</a:t>
+            </a:r>
+            <a:r>
+              <a:rPr lang="zh-TW" altLang="en-US" dirty="0" smtClean="0"/>
+              <a:t>字元以內</a:t>
+            </a:r>
+            <a:endParaRPr lang="en-US" altLang="zh-TW" dirty="0" smtClean="0"/>
+          </a:p>
+          <a:p>
+            <a:r>
+              <a:rPr lang="zh-TW" altLang="en-US" dirty="0"/>
+              <a:t>學歷必須</a:t>
+            </a:r>
+            <a:r>
+              <a:rPr lang="zh-TW" altLang="en-US" dirty="0" smtClean="0"/>
+              <a:t>為</a:t>
+            </a:r>
+            <a:r>
+              <a:rPr lang="en-US" altLang="zh-TW" dirty="0" smtClean="0"/>
+              <a:t>1~7</a:t>
+            </a:r>
+            <a:r>
+              <a:rPr lang="zh-TW" altLang="en-US" dirty="0" smtClean="0"/>
+              <a:t>整數</a:t>
+            </a:r>
+            <a:endParaRPr lang="en-US" altLang="zh-TW" dirty="0" smtClean="0"/>
+          </a:p>
+          <a:p>
+            <a:r>
+              <a:rPr lang="zh-TW" altLang="en-US" dirty="0" smtClean="0"/>
+              <a:t>擅長程式語言可沒選、有選必須為</a:t>
+            </a:r>
+            <a:r>
+              <a:rPr lang="en-US" altLang="zh-TW" dirty="0" smtClean="0"/>
+              <a:t>1~5</a:t>
+            </a:r>
+            <a:r>
+              <a:rPr lang="zh-TW" altLang="en-US" dirty="0" smtClean="0"/>
+              <a:t>整數</a:t>
+            </a:r>
+            <a:endParaRPr lang="en-US" altLang="zh-TW" dirty="0" smtClean="0"/>
+          </a:p>
+          <a:p>
+            <a:r>
+              <a:rPr lang="zh-TW" altLang="en-US" dirty="0" smtClean="0"/>
+              <a:t>密碼英文大小寫</a:t>
+            </a:r>
+            <a:r>
+              <a:rPr lang="en-US" altLang="zh-TW" dirty="0" smtClean="0"/>
+              <a:t>+</a:t>
+            </a:r>
+            <a:r>
+              <a:rPr lang="zh-TW" altLang="en-US" dirty="0" smtClean="0"/>
+              <a:t>數字、至少</a:t>
+            </a:r>
+            <a:r>
+              <a:rPr lang="en-US" altLang="zh-TW" dirty="0" smtClean="0"/>
+              <a:t>8</a:t>
+            </a:r>
+            <a:r>
+              <a:rPr lang="zh-TW" altLang="en-US" dirty="0" smtClean="0"/>
+              <a:t>碼最多</a:t>
+            </a:r>
+            <a:r>
+              <a:rPr lang="en-US" altLang="zh-TW" dirty="0" smtClean="0"/>
+              <a:t>30</a:t>
+            </a:r>
+            <a:r>
+              <a:rPr lang="zh-TW" altLang="en-US" dirty="0" smtClean="0"/>
+              <a:t>碼</a:t>
+            </a:r>
+            <a:endParaRPr lang="en-US" altLang="zh-TW" dirty="0" smtClean="0"/>
+          </a:p>
+          <a:p>
+            <a:r>
+              <a:rPr lang="zh-TW" altLang="en-US" dirty="0" smtClean="0"/>
+              <a:t>密碼與重新輸入密碼必須一致</a:t>
+            </a:r>
+            <a:endParaRPr lang="en-US" altLang="zh-TW" dirty="0"/>
+          </a:p>
+          <a:p>
+            <a:endParaRPr lang="zh-TW" altLang="en-US" dirty="0"/>
           </a:p>
         </p:txBody>
       </p:sp>
     </p:spTree>
     <p:extLst>
       <p:ext uri="{BB962C8B-B14F-4D97-AF65-F5344CB8AC3E}">
-        <p14:creationId xmlns:p14="http://schemas.microsoft.com/office/powerpoint/2010/main" val="3757330322"/>
+        <p14:creationId xmlns:p14="http://schemas.microsoft.com/office/powerpoint/2010/main" val="3892670595"/>
       </p:ext>
     </p:extLst>
   </p:cSld>
@@ -10907,183 +10771,51 @@
           <a:lstStyle/>
           <a:p>
             <a:r>
+              <a:rPr lang="zh-TW" altLang="en-US" dirty="0"/>
+              <a:t>註冊資料</a:t>
+            </a:r>
+            <a:r>
               <a:rPr lang="zh-TW" altLang="en-US" dirty="0" smtClean="0"/>
-              <a:t>註冊資料檢查邏輯</a:t>
+              <a:t>檢查程式</a:t>
             </a:r>
             <a:endParaRPr lang="zh-TW" altLang="en-US" dirty="0"/>
           </a:p>
         </p:txBody>
       </p:sp>
-      <p:sp>
-        <p:nvSpPr>
-          <p:cNvPr id="3" name="內容版面配置區 2"/>
-          <p:cNvSpPr>
-            <a:spLocks noGrp="1"/>
-          </p:cNvSpPr>
-          <p:nvPr>
-            <p:ph idx="1"/>
-          </p:nvPr>
-        </p:nvSpPr>
-        <p:spPr/>
-        <p:txBody>
-          <a:bodyPr/>
-          <a:lstStyle/>
-          <a:p>
-            <a:r>
-              <a:rPr lang="zh-TW" altLang="en-US" dirty="0" smtClean="0"/>
-              <a:t>帳號</a:t>
-            </a:r>
-            <a:r>
-              <a:rPr lang="en-US" altLang="zh-TW" dirty="0" smtClean="0"/>
-              <a:t>6~20</a:t>
-            </a:r>
-            <a:r>
-              <a:rPr lang="zh-TW" altLang="en-US" dirty="0" smtClean="0"/>
-              <a:t>字元、必須是英文或數字</a:t>
-            </a:r>
-            <a:endParaRPr lang="en-US" altLang="zh-TW" dirty="0" smtClean="0"/>
-          </a:p>
-          <a:p>
-            <a:r>
-              <a:rPr lang="zh-TW" altLang="en-US" dirty="0" smtClean="0"/>
-              <a:t>姓名</a:t>
-            </a:r>
-            <a:r>
-              <a:rPr lang="en-US" altLang="zh-TW" dirty="0" smtClean="0"/>
-              <a:t>3~20</a:t>
-            </a:r>
-            <a:r>
-              <a:rPr lang="zh-TW" altLang="en-US" dirty="0"/>
-              <a:t>字元</a:t>
-            </a:r>
-            <a:r>
-              <a:rPr lang="zh-TW" altLang="en-US" dirty="0" smtClean="0"/>
-              <a:t>以內</a:t>
-            </a:r>
-            <a:endParaRPr lang="en-US" altLang="zh-TW" dirty="0" smtClean="0"/>
-          </a:p>
-          <a:p>
-            <a:r>
-              <a:rPr lang="zh-TW" altLang="en-US" dirty="0" smtClean="0"/>
-              <a:t>性別必須為</a:t>
-            </a:r>
-            <a:r>
-              <a:rPr lang="en-US" altLang="zh-TW" dirty="0" smtClean="0"/>
-              <a:t>0</a:t>
-            </a:r>
-            <a:r>
-              <a:rPr lang="zh-TW" altLang="en-US" dirty="0" smtClean="0"/>
-              <a:t>或</a:t>
-            </a:r>
-            <a:r>
-              <a:rPr lang="en-US" altLang="zh-TW" dirty="0" smtClean="0"/>
-              <a:t>1</a:t>
-            </a:r>
-          </a:p>
-          <a:p>
-            <a:r>
-              <a:rPr lang="zh-TW" altLang="en-US" dirty="0"/>
-              <a:t>信箱必須為信箱</a:t>
-            </a:r>
-            <a:r>
-              <a:rPr lang="zh-TW" altLang="en-US" dirty="0" smtClean="0"/>
-              <a:t>格式、</a:t>
-            </a:r>
-            <a:r>
-              <a:rPr lang="en-US" altLang="zh-TW" dirty="0"/>
-              <a:t> </a:t>
-            </a:r>
-            <a:r>
-              <a:rPr lang="en-US" altLang="zh-TW" dirty="0" smtClean="0"/>
-              <a:t>20</a:t>
-            </a:r>
-            <a:r>
-              <a:rPr lang="zh-TW" altLang="en-US" dirty="0" smtClean="0"/>
-              <a:t>字元以內</a:t>
-            </a:r>
-            <a:endParaRPr lang="en-US" altLang="zh-TW" dirty="0" smtClean="0"/>
-          </a:p>
-          <a:p>
-            <a:r>
-              <a:rPr lang="zh-TW" altLang="en-US" dirty="0"/>
-              <a:t>學歷必須</a:t>
-            </a:r>
-            <a:r>
-              <a:rPr lang="zh-TW" altLang="en-US" dirty="0" smtClean="0"/>
-              <a:t>為</a:t>
-            </a:r>
-            <a:r>
-              <a:rPr lang="en-US" altLang="zh-TW" dirty="0" smtClean="0"/>
-              <a:t>1~7</a:t>
-            </a:r>
-            <a:r>
-              <a:rPr lang="zh-TW" altLang="en-US" dirty="0" smtClean="0"/>
-              <a:t>整數</a:t>
-            </a:r>
-            <a:endParaRPr lang="en-US" altLang="zh-TW" dirty="0" smtClean="0"/>
-          </a:p>
-          <a:p>
-            <a:r>
-              <a:rPr lang="zh-TW" altLang="en-US" dirty="0" smtClean="0"/>
-              <a:t>擅長程式語言可沒選、有選必須為</a:t>
-            </a:r>
-            <a:r>
-              <a:rPr lang="en-US" altLang="zh-TW" dirty="0" smtClean="0"/>
-              <a:t>1~5</a:t>
-            </a:r>
-            <a:r>
-              <a:rPr lang="zh-TW" altLang="en-US" dirty="0" smtClean="0"/>
-              <a:t>整數</a:t>
-            </a:r>
-            <a:endParaRPr lang="en-US" altLang="zh-TW" dirty="0" smtClean="0"/>
-          </a:p>
-          <a:p>
-            <a:r>
-              <a:rPr lang="zh-TW" altLang="en-US" dirty="0" smtClean="0"/>
-              <a:t>密碼英文大小寫</a:t>
-            </a:r>
-            <a:r>
-              <a:rPr lang="en-US" altLang="zh-TW" dirty="0" smtClean="0"/>
-              <a:t>+</a:t>
-            </a:r>
-            <a:r>
-              <a:rPr lang="zh-TW" altLang="en-US" dirty="0" smtClean="0"/>
-              <a:t>數字、至少</a:t>
-            </a:r>
-            <a:r>
-              <a:rPr lang="en-US" altLang="zh-TW" dirty="0" smtClean="0"/>
-              <a:t>8</a:t>
-            </a:r>
-            <a:r>
-              <a:rPr lang="zh-TW" altLang="en-US" dirty="0" smtClean="0"/>
-              <a:t>碼最多</a:t>
-            </a:r>
-            <a:r>
-              <a:rPr lang="en-US" altLang="zh-TW" dirty="0" smtClean="0"/>
-              <a:t>30</a:t>
-            </a:r>
-            <a:r>
-              <a:rPr lang="zh-TW" altLang="en-US" dirty="0" smtClean="0"/>
-              <a:t>碼</a:t>
-            </a:r>
-            <a:endParaRPr lang="en-US" altLang="zh-TW" dirty="0" smtClean="0"/>
-          </a:p>
-          <a:p>
-            <a:r>
-              <a:rPr lang="zh-TW" altLang="en-US" dirty="0" smtClean="0"/>
-              <a:t>密碼與重新輸入密碼必須一致</a:t>
-            </a:r>
-            <a:endParaRPr lang="en-US" altLang="zh-TW" dirty="0"/>
-          </a:p>
-          <a:p>
-            <a:endParaRPr lang="zh-TW" altLang="en-US" dirty="0"/>
-          </a:p>
-        </p:txBody>
-      </p:sp>
+      <p:pic>
+        <p:nvPicPr>
+          <p:cNvPr id="5" name="圖片 4" descr="畫面剪輯"/>
+          <p:cNvPicPr>
+            <a:picLocks noChangeAspect="1"/>
+          </p:cNvPicPr>
+          <p:nvPr/>
+        </p:nvPicPr>
+        <p:blipFill>
+          <a:blip r:embed="rId2">
+            <a:extLst>
+              <a:ext uri="{28A0092B-C50C-407E-A947-70E740481C1C}">
+                <a14:useLocalDpi xmlns:a14="http://schemas.microsoft.com/office/drawing/2010/main" val="0"/>
+              </a:ext>
+            </a:extLst>
+          </a:blip>
+          <a:stretch>
+            <a:fillRect/>
+          </a:stretch>
+        </p:blipFill>
+        <p:spPr>
+          <a:xfrm>
+            <a:off x="1223930" y="1257300"/>
+            <a:ext cx="7887241" cy="5486400"/>
+          </a:xfrm>
+          <a:prstGeom prst="rect">
+            <a:avLst/>
+          </a:prstGeom>
+        </p:spPr>
+      </p:pic>
     </p:spTree>
     <p:extLst>
       <p:ext uri="{BB962C8B-B14F-4D97-AF65-F5344CB8AC3E}">
-        <p14:creationId xmlns:p14="http://schemas.microsoft.com/office/powerpoint/2010/main" val="3892670595"/>
+        <p14:creationId xmlns:p14="http://schemas.microsoft.com/office/powerpoint/2010/main" val="3996358591"/>
       </p:ext>
     </p:extLst>
   </p:cSld>
@@ -11138,51 +10870,54 @@
           <a:lstStyle/>
           <a:p>
             <a:r>
+              <a:rPr lang="en-US" altLang="zh-TW" b="0" dirty="0"/>
+              <a:t>Regular Expression</a:t>
+            </a:r>
+            <a:endParaRPr lang="zh-TW" altLang="en-US" dirty="0"/>
+          </a:p>
+        </p:txBody>
+      </p:sp>
+      <p:sp>
+        <p:nvSpPr>
+          <p:cNvPr id="3" name="內容版面配置區 2"/>
+          <p:cNvSpPr>
+            <a:spLocks noGrp="1"/>
+          </p:cNvSpPr>
+          <p:nvPr>
+            <p:ph idx="1"/>
+          </p:nvPr>
+        </p:nvSpPr>
+        <p:spPr/>
+        <p:txBody>
+          <a:bodyPr/>
+          <a:lstStyle/>
+          <a:p>
+            <a:r>
               <a:rPr lang="zh-TW" altLang="en-US" dirty="0"/>
-              <a:t>註冊資料</a:t>
-            </a:r>
-            <a:r>
-              <a:rPr lang="zh-TW" altLang="en-US" dirty="0" smtClean="0"/>
-              <a:t>檢查程式</a:t>
+              <a:t>正規表達式是被用來匹配字串中字元組合的模式</a:t>
+            </a:r>
+            <a:endParaRPr lang="en-US" altLang="zh-TW" dirty="0" smtClean="0"/>
+          </a:p>
+          <a:p>
+            <a:endParaRPr lang="en-US" altLang="zh-TW" dirty="0"/>
+          </a:p>
+          <a:p>
+            <a:r>
+              <a:rPr lang="en-US" altLang="zh-TW" dirty="0" smtClean="0"/>
+              <a:t>https</a:t>
+            </a:r>
+            <a:r>
+              <a:rPr lang="en-US" altLang="zh-TW" dirty="0"/>
+              <a:t>://www.regextester.com/</a:t>
             </a:r>
             <a:endParaRPr lang="zh-TW" altLang="en-US" dirty="0"/>
           </a:p>
         </p:txBody>
       </p:sp>
-      <p:pic>
-        <p:nvPicPr>
-          <p:cNvPr id="5" name="圖片 4" descr="畫面剪輯"/>
-          <p:cNvPicPr>
-            <a:picLocks noChangeAspect="1"/>
-          </p:cNvPicPr>
-          <p:nvPr/>
-        </p:nvPicPr>
-        <p:blipFill>
-          <a:blip r:embed="rId2">
-            <a:extLst>
-              <a:ext uri="{28A0092B-C50C-407E-A947-70E740481C1C}">
-                <a14:useLocalDpi xmlns:a14="http://schemas.microsoft.com/office/drawing/2010/main" val="0"/>
-              </a:ext>
-            </a:extLst>
-          </a:blip>
-          <a:stretch>
-            <a:fillRect/>
-          </a:stretch>
-        </p:blipFill>
-        <p:spPr>
-          <a:xfrm>
-            <a:off x="1223930" y="1257300"/>
-            <a:ext cx="7887241" cy="5486400"/>
-          </a:xfrm>
-          <a:prstGeom prst="rect">
-            <a:avLst/>
-          </a:prstGeom>
-        </p:spPr>
-      </p:pic>
     </p:spTree>
     <p:extLst>
       <p:ext uri="{BB962C8B-B14F-4D97-AF65-F5344CB8AC3E}">
-        <p14:creationId xmlns:p14="http://schemas.microsoft.com/office/powerpoint/2010/main" val="3996358591"/>
+        <p14:creationId xmlns:p14="http://schemas.microsoft.com/office/powerpoint/2010/main" val="3395272756"/>
       </p:ext>
     </p:extLst>
   </p:cSld>
@@ -11667,64 +11402,134 @@
           <a:p>
             <a:r>
               <a:rPr lang="zh-TW" altLang="en-US" dirty="0" smtClean="0"/>
-              <a:t>權限</a:t>
-            </a:r>
+              <a:t>會員</a:t>
+            </a:r>
+            <a:r>
+              <a:rPr lang="zh-TW" altLang="en-US" dirty="0" smtClean="0"/>
+              <a:t>角色</a:t>
+            </a:r>
+            <a:endParaRPr lang="en-US" altLang="zh-TW" dirty="0" smtClean="0"/>
+          </a:p>
+          <a:p>
+            <a:pPr lvl="1"/>
             <a:r>
               <a:rPr lang="zh-TW" altLang="en-US" dirty="0"/>
-              <a:t>控制</a:t>
-            </a:r>
-            <a:endParaRPr lang="en-US" altLang="zh-TW" dirty="0" smtClean="0"/>
-          </a:p>
-          <a:p>
-            <a:pPr lvl="1"/>
-            <a:r>
-              <a:rPr lang="zh-TW" altLang="en-US" dirty="0"/>
-              <a:t>某些網頁或</a:t>
-            </a:r>
-            <a:r>
-              <a:rPr lang="zh-TW" altLang="en-US" dirty="0" smtClean="0"/>
-              <a:t>功能不須會員也能使用</a:t>
-            </a:r>
-            <a:endParaRPr lang="en-US" altLang="zh-TW" dirty="0" smtClean="0"/>
-          </a:p>
-          <a:p>
-            <a:pPr lvl="1"/>
-            <a:r>
-              <a:rPr lang="zh-TW" altLang="en-US" dirty="0" smtClean="0"/>
-              <a:t>某些</a:t>
-            </a:r>
-            <a:r>
-              <a:rPr lang="zh-TW" altLang="en-US" dirty="0" smtClean="0"/>
-              <a:t>網頁或功能只有會員才能使用</a:t>
-            </a:r>
-            <a:endParaRPr lang="en-US" altLang="zh-TW" dirty="0" smtClean="0"/>
-          </a:p>
-          <a:p>
-            <a:pPr lvl="1"/>
-            <a:r>
-              <a:rPr lang="zh-TW" altLang="en-US" dirty="0" smtClean="0"/>
-              <a:t>某些</a:t>
-            </a:r>
-            <a:r>
-              <a:rPr lang="zh-TW" altLang="en-US" dirty="0"/>
-              <a:t>網頁或功能</a:t>
-            </a:r>
-            <a:r>
-              <a:rPr lang="zh-TW" altLang="en-US" dirty="0"/>
-              <a:t>只有</a:t>
-            </a:r>
-            <a:r>
-              <a:rPr lang="zh-TW" altLang="en-US" dirty="0" smtClean="0"/>
-              <a:t>高級</a:t>
-            </a:r>
-            <a:r>
-              <a:rPr lang="zh-TW" altLang="en-US" dirty="0" smtClean="0"/>
-              <a:t>的</a:t>
+              <a:t>一般</a:t>
             </a:r>
             <a:r>
               <a:rPr lang="zh-TW" altLang="en-US" dirty="0" smtClean="0"/>
               <a:t>會員</a:t>
             </a:r>
+            <a:endParaRPr lang="en-US" altLang="zh-TW" dirty="0" smtClean="0"/>
+          </a:p>
+          <a:p>
+            <a:pPr lvl="1"/>
+            <a:r>
+              <a:rPr lang="zh-TW" altLang="en-US" dirty="0"/>
+              <a:t>高級</a:t>
+            </a:r>
+            <a:r>
+              <a:rPr lang="zh-TW" altLang="en-US" dirty="0" smtClean="0"/>
+              <a:t>會員</a:t>
+            </a:r>
+            <a:endParaRPr lang="en-US" altLang="zh-TW" dirty="0" smtClean="0"/>
+          </a:p>
+          <a:p>
+            <a:pPr lvl="1"/>
+            <a:endParaRPr lang="en-US" altLang="zh-TW" dirty="0" smtClean="0"/>
+          </a:p>
+          <a:p>
+            <a:r>
+              <a:rPr lang="zh-TW" altLang="en-US" dirty="0"/>
+              <a:t>功能規劃</a:t>
+            </a:r>
+            <a:endParaRPr lang="en-US" altLang="zh-TW" dirty="0"/>
+          </a:p>
+          <a:p>
+            <a:pPr lvl="1"/>
+            <a:r>
+              <a:rPr lang="zh-TW" altLang="en-US" dirty="0"/>
+              <a:t>註冊功能</a:t>
+            </a:r>
+            <a:endParaRPr lang="en-US" altLang="zh-TW" dirty="0"/>
+          </a:p>
+          <a:p>
+            <a:pPr lvl="1"/>
+            <a:r>
+              <a:rPr lang="zh-TW" altLang="en-US" dirty="0"/>
+              <a:t>登入</a:t>
+            </a:r>
+            <a:r>
+              <a:rPr lang="zh-TW" altLang="en-US" dirty="0" smtClean="0"/>
+              <a:t>功能</a:t>
+            </a:r>
+            <a:endParaRPr lang="en-US" altLang="zh-TW" dirty="0" smtClean="0"/>
+          </a:p>
+          <a:p>
+            <a:pPr lvl="1"/>
+            <a:endParaRPr lang="en-US" altLang="zh-TW" dirty="0"/>
+          </a:p>
+          <a:p>
+            <a:r>
+              <a:rPr lang="zh-TW" altLang="en-US" dirty="0"/>
+              <a:t>權限控制</a:t>
+            </a:r>
+            <a:endParaRPr lang="en-US" altLang="zh-TW" dirty="0"/>
+          </a:p>
+          <a:p>
+            <a:pPr lvl="1"/>
+            <a:r>
+              <a:rPr lang="zh-TW" altLang="en-US" dirty="0"/>
+              <a:t>某些網頁或功能</a:t>
+            </a:r>
+            <a:r>
+              <a:rPr lang="zh-TW" altLang="en-US" dirty="0">
+                <a:solidFill>
+                  <a:srgbClr val="FF0000"/>
+                </a:solidFill>
+              </a:rPr>
+              <a:t>不須會員</a:t>
+            </a:r>
+            <a:r>
+              <a:rPr lang="zh-TW" altLang="en-US" dirty="0"/>
+              <a:t>也能使用</a:t>
+            </a:r>
+            <a:endParaRPr lang="en-US" altLang="zh-TW" dirty="0"/>
+          </a:p>
+          <a:p>
+            <a:pPr lvl="1"/>
+            <a:r>
+              <a:rPr lang="zh-TW" altLang="en-US" dirty="0"/>
+              <a:t>某些網頁或功能</a:t>
+            </a:r>
+            <a:r>
+              <a:rPr lang="zh-TW" altLang="en-US" dirty="0">
+                <a:solidFill>
+                  <a:srgbClr val="FF0000"/>
+                </a:solidFill>
+              </a:rPr>
+              <a:t>只有會員</a:t>
+            </a:r>
+            <a:r>
+              <a:rPr lang="zh-TW" altLang="en-US" dirty="0"/>
+              <a:t>才能使用</a:t>
+            </a:r>
+            <a:endParaRPr lang="en-US" altLang="zh-TW" dirty="0"/>
+          </a:p>
+          <a:p>
+            <a:pPr lvl="1"/>
+            <a:r>
+              <a:rPr lang="zh-TW" altLang="en-US" dirty="0"/>
+              <a:t>某些網頁或功能</a:t>
+            </a:r>
+            <a:r>
+              <a:rPr lang="zh-TW" altLang="en-US" dirty="0">
+                <a:solidFill>
+                  <a:srgbClr val="FF0000"/>
+                </a:solidFill>
+              </a:rPr>
+              <a:t>只有高級的會員</a:t>
+            </a:r>
             <a:r>
               <a:rPr lang="zh-TW" altLang="en-US" dirty="0"/>
               <a:t>才能</a:t>
@@ -11733,76 +11538,6 @@
               <a:rPr lang="zh-TW" altLang="en-US" dirty="0" smtClean="0"/>
               <a:t>使用</a:t>
             </a:r>
-            <a:endParaRPr lang="en-US" altLang="zh-TW" dirty="0" smtClean="0"/>
-          </a:p>
-          <a:p>
-            <a:pPr lvl="1"/>
-            <a:endParaRPr lang="en-US" altLang="zh-TW" dirty="0" smtClean="0"/>
-          </a:p>
-          <a:p>
-            <a:r>
-              <a:rPr lang="zh-TW" altLang="en-US" dirty="0" smtClean="0"/>
-              <a:t>會員角色</a:t>
-            </a:r>
-            <a:endParaRPr lang="en-US" altLang="zh-TW" dirty="0" smtClean="0"/>
-          </a:p>
-          <a:p>
-            <a:pPr lvl="1"/>
-            <a:r>
-              <a:rPr lang="zh-TW" altLang="en-US" dirty="0"/>
-              <a:t>一般</a:t>
-            </a:r>
-            <a:r>
-              <a:rPr lang="zh-TW" altLang="en-US" dirty="0" smtClean="0"/>
-              <a:t>會員</a:t>
-            </a:r>
-            <a:endParaRPr lang="en-US" altLang="zh-TW" dirty="0" smtClean="0"/>
-          </a:p>
-          <a:p>
-            <a:pPr lvl="1"/>
-            <a:r>
-              <a:rPr lang="zh-TW" altLang="en-US" dirty="0"/>
-              <a:t>高級</a:t>
-            </a:r>
-            <a:r>
-              <a:rPr lang="zh-TW" altLang="en-US" dirty="0" smtClean="0"/>
-              <a:t>會員</a:t>
-            </a:r>
-            <a:endParaRPr lang="en-US" altLang="zh-TW" dirty="0" smtClean="0"/>
-          </a:p>
-          <a:p>
-            <a:pPr lvl="1"/>
-            <a:endParaRPr lang="en-US" altLang="zh-TW" dirty="0" smtClean="0"/>
-          </a:p>
-          <a:p>
-            <a:r>
-              <a:rPr lang="zh-TW" altLang="en-US" dirty="0"/>
-              <a:t>功能規劃</a:t>
-            </a:r>
-            <a:endParaRPr lang="en-US" altLang="zh-TW" dirty="0"/>
-          </a:p>
-          <a:p>
-            <a:pPr lvl="1"/>
-            <a:r>
-              <a:rPr lang="zh-TW" altLang="en-US" dirty="0"/>
-              <a:t>註冊功能</a:t>
-            </a:r>
-            <a:endParaRPr lang="en-US" altLang="zh-TW" dirty="0"/>
-          </a:p>
-          <a:p>
-            <a:pPr lvl="1"/>
-            <a:r>
-              <a:rPr lang="zh-TW" altLang="en-US" dirty="0"/>
-              <a:t>登入</a:t>
-            </a:r>
-            <a:r>
-              <a:rPr lang="zh-TW" altLang="en-US" dirty="0" smtClean="0"/>
-              <a:t>功能</a:t>
-            </a:r>
-            <a:endParaRPr lang="en-US" altLang="zh-TW" dirty="0"/>
-          </a:p>
-          <a:p>
-            <a:pPr lvl="1"/>
             <a:endParaRPr lang="en-US" altLang="zh-TW" dirty="0"/>
           </a:p>
           <a:p>
@@ -13707,7 +13442,7 @@
             </a:r>
             <a:r>
               <a:rPr lang="zh-TW" altLang="en-US" dirty="0" smtClean="0"/>
-              <a:t>裝</a:t>
+              <a:t>要裝載</a:t>
             </a:r>
             <a:r>
               <a:rPr lang="en-US" altLang="zh-TW" dirty="0" smtClean="0"/>
@@ -13715,7 +13450,11 @@
             </a:r>
             <a:r>
               <a:rPr lang="zh-TW" altLang="en-US" dirty="0" smtClean="0"/>
-              <a:t>回傳資料</a:t>
+              <a:t>回</a:t>
+            </a:r>
+            <a:r>
+              <a:rPr lang="zh-TW" altLang="en-US" dirty="0" smtClean="0"/>
+              <a:t>傳的資料</a:t>
             </a:r>
             <a:r>
               <a:rPr lang="en-US" altLang="zh-TW" dirty="0" smtClean="0"/>
@@ -14046,8 +13785,16 @@
           <a:lstStyle/>
           <a:p>
             <a:r>
+              <a:rPr lang="zh-TW" altLang="en-US" dirty="0" smtClean="0">
+                <a:solidFill>
+                  <a:srgbClr val="FF0000"/>
+                </a:solidFill>
+              </a:rPr>
+              <a:t>未登入</a:t>
+            </a:r>
+            <a:r>
               <a:rPr lang="zh-TW" altLang="en-US" dirty="0" smtClean="0"/>
-              <a:t>未登入狀態</a:t>
+              <a:t>狀態</a:t>
             </a:r>
             <a:r>
               <a:rPr lang="zh-TW" altLang="en-US" dirty="0"/>
@@ -14109,16 +13856,32 @@
           </a:p>
           <a:p>
             <a:r>
+              <a:rPr lang="zh-TW" altLang="en-US" dirty="0" smtClean="0">
+                <a:solidFill>
+                  <a:srgbClr val="FF0000"/>
+                </a:solidFill>
+              </a:rPr>
+              <a:t>登入</a:t>
+            </a:r>
+            <a:r>
+              <a:rPr lang="zh-TW" altLang="en-US" dirty="0">
+                <a:solidFill>
+                  <a:srgbClr val="FF0000"/>
+                </a:solidFill>
+              </a:rPr>
+              <a:t>狀態</a:t>
+            </a:r>
+            <a:r>
+              <a:rPr lang="zh-TW" altLang="en-US" dirty="0" smtClean="0">
+                <a:solidFill>
+                  <a:srgbClr val="FF0000"/>
+                </a:solidFill>
+              </a:rPr>
+              <a:t>下</a:t>
+            </a:r>
+            <a:r>
               <a:rPr lang="zh-TW" altLang="en-US" dirty="0" smtClean="0"/>
-              <a:t>登入</a:t>
-            </a:r>
-            <a:r>
-              <a:rPr lang="zh-TW" altLang="en-US" dirty="0"/>
-              <a:t>狀態</a:t>
-            </a:r>
-            <a:r>
-              <a:rPr lang="zh-TW" altLang="en-US" dirty="0" smtClean="0"/>
-              <a:t>下可以瀏覽</a:t>
+              <a:t>可以瀏覽</a:t>
             </a:r>
             <a:r>
               <a:rPr lang="zh-TW" altLang="en-US" dirty="0"/>
@@ -14136,15 +13899,27 @@
           </a:p>
           <a:p>
             <a:r>
-              <a:rPr lang="zh-TW" altLang="en-US" dirty="0" smtClean="0"/>
+              <a:rPr lang="zh-TW" altLang="en-US" dirty="0" smtClean="0">
+                <a:solidFill>
+                  <a:srgbClr val="FF0000"/>
+                </a:solidFill>
+              </a:rPr>
               <a:t>登入</a:t>
             </a:r>
             <a:r>
-              <a:rPr lang="zh-TW" altLang="en-US" dirty="0"/>
+              <a:rPr lang="zh-TW" altLang="en-US" dirty="0">
+                <a:solidFill>
+                  <a:srgbClr val="FF0000"/>
+                </a:solidFill>
+              </a:rPr>
               <a:t>狀態</a:t>
             </a:r>
             <a:r>
-              <a:rPr lang="zh-TW" altLang="en-US" dirty="0" smtClean="0"/>
+              <a:rPr lang="zh-TW" altLang="en-US" dirty="0" smtClean="0">
+                <a:solidFill>
+                  <a:srgbClr val="FF0000"/>
+                </a:solidFill>
+              </a:rPr>
               <a:t>下會員身分為高級會員</a:t>
             </a:r>
             <a:r>
@@ -14367,7 +14142,7 @@
       </p:grpSpPr>
       <p:sp>
         <p:nvSpPr>
-          <p:cNvPr id="2" name="標題 1"/>
+          <p:cNvPr id="4" name="標題 3"/>
           <p:cNvSpPr>
             <a:spLocks noGrp="1"/>
           </p:cNvSpPr>
@@ -14377,20 +14152,18 @@
         </p:nvSpPr>
         <p:spPr/>
         <p:txBody>
-          <a:bodyPr/>
-          <a:lstStyle/>
-          <a:p>
+          <a:bodyPr>
+            <a:normAutofit/>
+          </a:bodyPr>
+          <a:lstStyle/>
+          <a:p>
+            <a:r>
+              <a:rPr lang="zh-TW" altLang="en-US" dirty="0"/>
+              <a:t>購買</a:t>
+            </a:r>
             <a:r>
               <a:rPr lang="zh-TW" altLang="en-US" dirty="0" smtClean="0"/>
-              <a:t>登入</a:t>
-            </a:r>
-            <a:r>
-              <a:rPr lang="zh-TW" altLang="en-US" dirty="0"/>
-              <a:t>狀態下可以瀏覽的</a:t>
-            </a:r>
-            <a:r>
-              <a:rPr lang="zh-TW" altLang="en-US" dirty="0" smtClean="0"/>
-              <a:t>網頁</a:t>
+              <a:t>商品網頁</a:t>
             </a:r>
             <a:endParaRPr lang="zh-TW" altLang="en-US" dirty="0"/>
           </a:p>
@@ -14398,69 +14171,339 @@
       </p:sp>
       <p:sp>
         <p:nvSpPr>
-          <p:cNvPr id="3" name="內容版面配置區 2"/>
-          <p:cNvSpPr>
-            <a:spLocks noGrp="1"/>
-          </p:cNvSpPr>
-          <p:nvPr>
-            <p:ph idx="1"/>
-          </p:nvPr>
-        </p:nvSpPr>
-        <p:spPr/>
-        <p:txBody>
-          <a:bodyPr/>
-          <a:lstStyle/>
-          <a:p>
-            <a:r>
-              <a:rPr lang="zh-TW" altLang="en-US" dirty="0" smtClean="0"/>
-              <a:t>建置</a:t>
-            </a:r>
-            <a:r>
-              <a:rPr lang="en-US" altLang="zh-TW" dirty="0" err="1" smtClean="0"/>
-              <a:t>marst</a:t>
-            </a:r>
-            <a:r>
-              <a:rPr lang="en-US" altLang="zh-TW" dirty="0" smtClean="0"/>
-              <a:t> page</a:t>
-            </a:r>
-            <a:endParaRPr lang="zh-TW" altLang="en-US" dirty="0"/>
-          </a:p>
-        </p:txBody>
-      </p:sp>
-      <p:pic>
-        <p:nvPicPr>
-          <p:cNvPr id="7" name="圖片 6" descr="畫面剪輯"/>
-          <p:cNvPicPr>
-            <a:picLocks noChangeAspect="1"/>
-          </p:cNvPicPr>
+          <p:cNvPr id="20" name="矩形 19"/>
+          <p:cNvSpPr/>
           <p:nvPr/>
-        </p:nvPicPr>
-        <p:blipFill>
-          <a:blip r:embed="rId2">
-            <a:extLst>
-              <a:ext uri="{28A0092B-C50C-407E-A947-70E740481C1C}">
-                <a14:useLocalDpi xmlns:a14="http://schemas.microsoft.com/office/drawing/2010/main" val="0"/>
-              </a:ext>
-            </a:extLst>
-          </a:blip>
-          <a:stretch>
-            <a:fillRect/>
-          </a:stretch>
-        </p:blipFill>
+        </p:nvSpPr>
         <p:spPr>
           <a:xfrm>
-            <a:off x="4396154" y="1171230"/>
-            <a:ext cx="7285892" cy="5686770"/>
+            <a:off x="2735536" y="2020644"/>
+            <a:ext cx="6312877" cy="3175609"/>
           </a:xfrm>
           <a:prstGeom prst="rect">
             <a:avLst/>
           </a:prstGeom>
-        </p:spPr>
-      </p:pic>
+          <a:solidFill>
+            <a:schemeClr val="accent2"/>
+          </a:solidFill>
+          <a:ln w="28575">
+            <a:solidFill>
+              <a:schemeClr val="tx1"/>
+            </a:solidFill>
+          </a:ln>
+        </p:spPr>
+        <p:style>
+          <a:lnRef idx="2">
+            <a:schemeClr val="accent1">
+              <a:shade val="50000"/>
+            </a:schemeClr>
+          </a:lnRef>
+          <a:fillRef idx="1">
+            <a:schemeClr val="accent1"/>
+          </a:fillRef>
+          <a:effectRef idx="0">
+            <a:schemeClr val="accent1"/>
+          </a:effectRef>
+          <a:fontRef idx="minor">
+            <a:schemeClr val="lt1"/>
+          </a:fontRef>
+        </p:style>
+        <p:txBody>
+          <a:bodyPr rtlCol="0" anchor="ctr"/>
+          <a:lstStyle/>
+          <a:p>
+            <a:pPr algn="ctr"/>
+            <a:endParaRPr lang="zh-TW" altLang="en-US"/>
+          </a:p>
+        </p:txBody>
+      </p:sp>
+      <p:sp>
+        <p:nvSpPr>
+          <p:cNvPr id="21" name="矩形 20"/>
+          <p:cNvSpPr/>
+          <p:nvPr/>
+        </p:nvSpPr>
+        <p:spPr>
+          <a:xfrm>
+            <a:off x="3485813" y="2416420"/>
+            <a:ext cx="4812322" cy="2464776"/>
+          </a:xfrm>
+          <a:prstGeom prst="rect">
+            <a:avLst/>
+          </a:prstGeom>
+          <a:solidFill>
+            <a:schemeClr val="accent6"/>
+          </a:solidFill>
+          <a:ln w="28575">
+            <a:solidFill>
+              <a:schemeClr val="tx1"/>
+            </a:solidFill>
+          </a:ln>
+        </p:spPr>
+        <p:style>
+          <a:lnRef idx="2">
+            <a:schemeClr val="accent1">
+              <a:shade val="50000"/>
+            </a:schemeClr>
+          </a:lnRef>
+          <a:fillRef idx="1">
+            <a:schemeClr val="accent1"/>
+          </a:fillRef>
+          <a:effectRef idx="0">
+            <a:schemeClr val="accent1"/>
+          </a:effectRef>
+          <a:fontRef idx="minor">
+            <a:schemeClr val="lt1"/>
+          </a:fontRef>
+        </p:style>
+        <p:txBody>
+          <a:bodyPr rtlCol="0" anchor="ctr"/>
+          <a:lstStyle/>
+          <a:p>
+            <a:pPr algn="ctr"/>
+            <a:endParaRPr lang="zh-TW" altLang="en-US"/>
+          </a:p>
+        </p:txBody>
+      </p:sp>
+      <p:sp>
+        <p:nvSpPr>
+          <p:cNvPr id="22" name="向右箭號 21"/>
+          <p:cNvSpPr/>
+          <p:nvPr/>
+        </p:nvSpPr>
+        <p:spPr>
+          <a:xfrm>
+            <a:off x="2155245" y="3789484"/>
+            <a:ext cx="955429" cy="465993"/>
+          </a:xfrm>
+          <a:prstGeom prst="rightArrow">
+            <a:avLst/>
+          </a:prstGeom>
+          <a:solidFill>
+            <a:schemeClr val="tx1"/>
+          </a:solidFill>
+          <a:ln>
+            <a:solidFill>
+              <a:schemeClr val="tx1"/>
+            </a:solidFill>
+          </a:ln>
+        </p:spPr>
+        <p:style>
+          <a:lnRef idx="2">
+            <a:schemeClr val="accent1">
+              <a:shade val="50000"/>
+            </a:schemeClr>
+          </a:lnRef>
+          <a:fillRef idx="1">
+            <a:schemeClr val="accent1"/>
+          </a:fillRef>
+          <a:effectRef idx="0">
+            <a:schemeClr val="accent1"/>
+          </a:effectRef>
+          <a:fontRef idx="minor">
+            <a:schemeClr val="lt1"/>
+          </a:fontRef>
+        </p:style>
+        <p:txBody>
+          <a:bodyPr rtlCol="0" anchor="ctr"/>
+          <a:lstStyle/>
+          <a:p>
+            <a:pPr algn="ctr"/>
+            <a:endParaRPr lang="zh-TW" altLang="en-US"/>
+          </a:p>
+        </p:txBody>
+      </p:sp>
+      <p:sp>
+        <p:nvSpPr>
+          <p:cNvPr id="23" name="矩形 22"/>
+          <p:cNvSpPr/>
+          <p:nvPr/>
+        </p:nvSpPr>
+        <p:spPr>
+          <a:xfrm>
+            <a:off x="662529" y="3866974"/>
+            <a:ext cx="1492716" cy="369332"/>
+          </a:xfrm>
+          <a:prstGeom prst="rect">
+            <a:avLst/>
+          </a:prstGeom>
+        </p:spPr>
+        <p:txBody>
+          <a:bodyPr wrap="none">
+            <a:spAutoFit/>
+          </a:bodyPr>
+          <a:lstStyle/>
+          <a:p>
+            <a:r>
+              <a:rPr lang="en-US" altLang="zh-TW" dirty="0"/>
+              <a:t>Master Page</a:t>
+            </a:r>
+            <a:endParaRPr lang="zh-TW" altLang="en-US" dirty="0"/>
+          </a:p>
+        </p:txBody>
+      </p:sp>
+      <p:sp>
+        <p:nvSpPr>
+          <p:cNvPr id="24" name="向右箭號 23"/>
+          <p:cNvSpPr/>
+          <p:nvPr/>
+        </p:nvSpPr>
+        <p:spPr>
+          <a:xfrm rot="10800000">
+            <a:off x="7984544" y="3415811"/>
+            <a:ext cx="1518871" cy="465993"/>
+          </a:xfrm>
+          <a:prstGeom prst="rightArrow">
+            <a:avLst/>
+          </a:prstGeom>
+          <a:solidFill>
+            <a:schemeClr val="tx1"/>
+          </a:solidFill>
+          <a:ln>
+            <a:solidFill>
+              <a:schemeClr val="tx1"/>
+            </a:solidFill>
+          </a:ln>
+        </p:spPr>
+        <p:style>
+          <a:lnRef idx="2">
+            <a:schemeClr val="accent1">
+              <a:shade val="50000"/>
+            </a:schemeClr>
+          </a:lnRef>
+          <a:fillRef idx="1">
+            <a:schemeClr val="accent1"/>
+          </a:fillRef>
+          <a:effectRef idx="0">
+            <a:schemeClr val="accent1"/>
+          </a:effectRef>
+          <a:fontRef idx="minor">
+            <a:schemeClr val="lt1"/>
+          </a:fontRef>
+        </p:style>
+        <p:txBody>
+          <a:bodyPr rtlCol="0" anchor="ctr"/>
+          <a:lstStyle/>
+          <a:p>
+            <a:pPr algn="ctr"/>
+            <a:endParaRPr lang="zh-TW" altLang="en-US"/>
+          </a:p>
+        </p:txBody>
+      </p:sp>
+      <p:sp>
+        <p:nvSpPr>
+          <p:cNvPr id="25" name="矩形 24"/>
+          <p:cNvSpPr/>
+          <p:nvPr/>
+        </p:nvSpPr>
+        <p:spPr>
+          <a:xfrm>
+            <a:off x="9610308" y="3455349"/>
+            <a:ext cx="1257717" cy="369332"/>
+          </a:xfrm>
+          <a:prstGeom prst="rect">
+            <a:avLst/>
+          </a:prstGeom>
+        </p:spPr>
+        <p:txBody>
+          <a:bodyPr wrap="none">
+            <a:spAutoFit/>
+          </a:bodyPr>
+          <a:lstStyle/>
+          <a:p>
+            <a:r>
+              <a:rPr lang="en-US" altLang="zh-TW" dirty="0" smtClean="0"/>
+              <a:t>Web </a:t>
+            </a:r>
+            <a:r>
+              <a:rPr lang="en-US" altLang="zh-TW" dirty="0"/>
+              <a:t>Page</a:t>
+            </a:r>
+            <a:endParaRPr lang="zh-TW" altLang="en-US" dirty="0"/>
+          </a:p>
+        </p:txBody>
+      </p:sp>
+      <p:sp>
+        <p:nvSpPr>
+          <p:cNvPr id="11" name="矩形 10"/>
+          <p:cNvSpPr/>
+          <p:nvPr/>
+        </p:nvSpPr>
+        <p:spPr>
+          <a:xfrm>
+            <a:off x="3595716" y="2539336"/>
+            <a:ext cx="1569660" cy="369332"/>
+          </a:xfrm>
+          <a:prstGeom prst="rect">
+            <a:avLst/>
+          </a:prstGeom>
+        </p:spPr>
+        <p:txBody>
+          <a:bodyPr wrap="none">
+            <a:spAutoFit/>
+          </a:bodyPr>
+          <a:lstStyle/>
+          <a:p>
+            <a:r>
+              <a:rPr lang="zh-TW" altLang="en-US" dirty="0"/>
+              <a:t>購買商品網頁</a:t>
+            </a:r>
+          </a:p>
+        </p:txBody>
+      </p:sp>
+      <p:sp>
+        <p:nvSpPr>
+          <p:cNvPr id="12" name="矩形 11"/>
+          <p:cNvSpPr/>
+          <p:nvPr/>
+        </p:nvSpPr>
+        <p:spPr>
+          <a:xfrm>
+            <a:off x="2855698" y="2041229"/>
+            <a:ext cx="3416320" cy="369332"/>
+          </a:xfrm>
+          <a:prstGeom prst="rect">
+            <a:avLst/>
+          </a:prstGeom>
+        </p:spPr>
+        <p:txBody>
+          <a:bodyPr wrap="none">
+            <a:spAutoFit/>
+          </a:bodyPr>
+          <a:lstStyle/>
+          <a:p>
+            <a:r>
+              <a:rPr lang="zh-TW" altLang="en-US" dirty="0" smtClean="0"/>
+              <a:t>要登入</a:t>
+            </a:r>
+            <a:r>
+              <a:rPr lang="zh-TW" altLang="en-US" dirty="0"/>
+              <a:t>才</a:t>
+            </a:r>
+            <a:r>
+              <a:rPr lang="zh-TW" altLang="en-US" dirty="0" smtClean="0"/>
+              <a:t>可以瀏覽的</a:t>
+            </a:r>
+            <a:r>
+              <a:rPr lang="en-US" altLang="zh-TW" dirty="0" err="1" smtClean="0"/>
+              <a:t>marst</a:t>
+            </a:r>
+            <a:r>
+              <a:rPr lang="zh-TW" altLang="en-US" dirty="0" smtClean="0"/>
+              <a:t> </a:t>
+            </a:r>
+            <a:r>
+              <a:rPr lang="en-US" altLang="zh-TW" dirty="0" smtClean="0"/>
+              <a:t>page</a:t>
+            </a:r>
+            <a:endParaRPr lang="zh-TW" altLang="en-US" dirty="0"/>
+          </a:p>
+        </p:txBody>
+      </p:sp>
     </p:spTree>
     <p:extLst>
       <p:ext uri="{BB962C8B-B14F-4D97-AF65-F5344CB8AC3E}">
-        <p14:creationId xmlns:p14="http://schemas.microsoft.com/office/powerpoint/2010/main" val="1908275064"/>
+        <p14:creationId xmlns:p14="http://schemas.microsoft.com/office/powerpoint/2010/main" val="2707738938"/>
       </p:ext>
     </p:extLst>
   </p:cSld>
@@ -14501,7 +14544,7 @@
       </p:grpSpPr>
       <p:sp>
         <p:nvSpPr>
-          <p:cNvPr id="2" name="標題 1"/>
+          <p:cNvPr id="4" name="標題 3"/>
           <p:cNvSpPr>
             <a:spLocks noGrp="1"/>
           </p:cNvSpPr>
@@ -14511,84 +14554,358 @@
         </p:nvSpPr>
         <p:spPr/>
         <p:txBody>
-          <a:bodyPr/>
+          <a:bodyPr>
+            <a:normAutofit/>
+          </a:bodyPr>
           <a:lstStyle/>
           <a:p>
             <a:r>
               <a:rPr lang="zh-TW" altLang="en-US" dirty="0"/>
-              <a:t>登入狀態下可以瀏覽的網頁</a:t>
-            </a:r>
-          </a:p>
-        </p:txBody>
-      </p:sp>
-      <p:sp>
-        <p:nvSpPr>
-          <p:cNvPr id="8" name="內容版面配置區 7"/>
-          <p:cNvSpPr>
-            <a:spLocks noGrp="1"/>
-          </p:cNvSpPr>
-          <p:nvPr>
-            <p:ph idx="1"/>
-          </p:nvPr>
-        </p:nvSpPr>
-        <p:spPr/>
-        <p:txBody>
-          <a:bodyPr/>
-          <a:lstStyle/>
-          <a:p>
-            <a:r>
-              <a:rPr lang="zh-TW" altLang="en-US" dirty="0"/>
-              <a:t>建置</a:t>
-            </a:r>
-            <a:r>
-              <a:rPr lang="en-US" altLang="zh-TW" dirty="0" err="1"/>
-              <a:t>marst</a:t>
-            </a:r>
-            <a:r>
-              <a:rPr lang="en-US" altLang="zh-TW" dirty="0"/>
-              <a:t> page</a:t>
+              <a:t>高級會員區</a:t>
+            </a:r>
+            <a:r>
+              <a:rPr lang="zh-TW" altLang="en-US" dirty="0" smtClean="0"/>
+              <a:t>網頁</a:t>
             </a:r>
             <a:endParaRPr lang="zh-TW" altLang="en-US" dirty="0"/>
           </a:p>
-          <a:p>
-            <a:endParaRPr lang="zh-TW" altLang="en-US" dirty="0"/>
-          </a:p>
-        </p:txBody>
-      </p:sp>
-      <p:pic>
-        <p:nvPicPr>
-          <p:cNvPr id="9" name="內容版面配置區 5" descr="畫面剪輯"/>
-          <p:cNvPicPr>
-            <a:picLocks noChangeAspect="1"/>
-          </p:cNvPicPr>
+        </p:txBody>
+      </p:sp>
+      <p:sp>
+        <p:nvSpPr>
+          <p:cNvPr id="20" name="矩形 19"/>
+          <p:cNvSpPr/>
           <p:nvPr/>
-        </p:nvPicPr>
-        <p:blipFill>
-          <a:blip r:embed="rId3">
-            <a:extLst>
-              <a:ext uri="{28A0092B-C50C-407E-A947-70E740481C1C}">
-                <a14:useLocalDpi xmlns:a14="http://schemas.microsoft.com/office/drawing/2010/main" val="0"/>
-              </a:ext>
-            </a:extLst>
-          </a:blip>
-          <a:stretch>
-            <a:fillRect/>
-          </a:stretch>
-        </p:blipFill>
+        </p:nvSpPr>
         <p:spPr>
           <a:xfrm>
-            <a:off x="4614713" y="1666876"/>
-            <a:ext cx="5884035" cy="3918767"/>
+            <a:off x="2735536" y="2020644"/>
+            <a:ext cx="6312877" cy="3175609"/>
           </a:xfrm>
           <a:prstGeom prst="rect">
             <a:avLst/>
           </a:prstGeom>
-        </p:spPr>
-      </p:pic>
+          <a:solidFill>
+            <a:schemeClr val="accent2"/>
+          </a:solidFill>
+          <a:ln w="28575">
+            <a:solidFill>
+              <a:schemeClr val="tx1"/>
+            </a:solidFill>
+          </a:ln>
+        </p:spPr>
+        <p:style>
+          <a:lnRef idx="2">
+            <a:schemeClr val="accent1">
+              <a:shade val="50000"/>
+            </a:schemeClr>
+          </a:lnRef>
+          <a:fillRef idx="1">
+            <a:schemeClr val="accent1"/>
+          </a:fillRef>
+          <a:effectRef idx="0">
+            <a:schemeClr val="accent1"/>
+          </a:effectRef>
+          <a:fontRef idx="minor">
+            <a:schemeClr val="lt1"/>
+          </a:fontRef>
+        </p:style>
+        <p:txBody>
+          <a:bodyPr rtlCol="0" anchor="ctr"/>
+          <a:lstStyle/>
+          <a:p>
+            <a:pPr algn="ctr"/>
+            <a:endParaRPr lang="zh-TW" altLang="en-US"/>
+          </a:p>
+        </p:txBody>
+      </p:sp>
+      <p:sp>
+        <p:nvSpPr>
+          <p:cNvPr id="21" name="矩形 20"/>
+          <p:cNvSpPr/>
+          <p:nvPr/>
+        </p:nvSpPr>
+        <p:spPr>
+          <a:xfrm>
+            <a:off x="3485813" y="2416420"/>
+            <a:ext cx="4812322" cy="2464776"/>
+          </a:xfrm>
+          <a:prstGeom prst="rect">
+            <a:avLst/>
+          </a:prstGeom>
+          <a:solidFill>
+            <a:schemeClr val="accent6"/>
+          </a:solidFill>
+          <a:ln w="28575">
+            <a:solidFill>
+              <a:schemeClr val="tx1"/>
+            </a:solidFill>
+          </a:ln>
+        </p:spPr>
+        <p:style>
+          <a:lnRef idx="2">
+            <a:schemeClr val="accent1">
+              <a:shade val="50000"/>
+            </a:schemeClr>
+          </a:lnRef>
+          <a:fillRef idx="1">
+            <a:schemeClr val="accent1"/>
+          </a:fillRef>
+          <a:effectRef idx="0">
+            <a:schemeClr val="accent1"/>
+          </a:effectRef>
+          <a:fontRef idx="minor">
+            <a:schemeClr val="lt1"/>
+          </a:fontRef>
+        </p:style>
+        <p:txBody>
+          <a:bodyPr rtlCol="0" anchor="ctr"/>
+          <a:lstStyle/>
+          <a:p>
+            <a:pPr algn="ctr"/>
+            <a:endParaRPr lang="zh-TW" altLang="en-US"/>
+          </a:p>
+        </p:txBody>
+      </p:sp>
+      <p:sp>
+        <p:nvSpPr>
+          <p:cNvPr id="22" name="向右箭號 21"/>
+          <p:cNvSpPr/>
+          <p:nvPr/>
+        </p:nvSpPr>
+        <p:spPr>
+          <a:xfrm>
+            <a:off x="2155245" y="3789484"/>
+            <a:ext cx="955429" cy="465993"/>
+          </a:xfrm>
+          <a:prstGeom prst="rightArrow">
+            <a:avLst/>
+          </a:prstGeom>
+          <a:solidFill>
+            <a:schemeClr val="tx1"/>
+          </a:solidFill>
+          <a:ln>
+            <a:solidFill>
+              <a:schemeClr val="tx1"/>
+            </a:solidFill>
+          </a:ln>
+        </p:spPr>
+        <p:style>
+          <a:lnRef idx="2">
+            <a:schemeClr val="accent1">
+              <a:shade val="50000"/>
+            </a:schemeClr>
+          </a:lnRef>
+          <a:fillRef idx="1">
+            <a:schemeClr val="accent1"/>
+          </a:fillRef>
+          <a:effectRef idx="0">
+            <a:schemeClr val="accent1"/>
+          </a:effectRef>
+          <a:fontRef idx="minor">
+            <a:schemeClr val="lt1"/>
+          </a:fontRef>
+        </p:style>
+        <p:txBody>
+          <a:bodyPr rtlCol="0" anchor="ctr"/>
+          <a:lstStyle/>
+          <a:p>
+            <a:pPr algn="ctr"/>
+            <a:endParaRPr lang="zh-TW" altLang="en-US"/>
+          </a:p>
+        </p:txBody>
+      </p:sp>
+      <p:sp>
+        <p:nvSpPr>
+          <p:cNvPr id="23" name="矩形 22"/>
+          <p:cNvSpPr/>
+          <p:nvPr/>
+        </p:nvSpPr>
+        <p:spPr>
+          <a:xfrm>
+            <a:off x="662529" y="3866974"/>
+            <a:ext cx="1492716" cy="369332"/>
+          </a:xfrm>
+          <a:prstGeom prst="rect">
+            <a:avLst/>
+          </a:prstGeom>
+        </p:spPr>
+        <p:txBody>
+          <a:bodyPr wrap="none">
+            <a:spAutoFit/>
+          </a:bodyPr>
+          <a:lstStyle/>
+          <a:p>
+            <a:r>
+              <a:rPr lang="en-US" altLang="zh-TW" dirty="0"/>
+              <a:t>Master Page</a:t>
+            </a:r>
+            <a:endParaRPr lang="zh-TW" altLang="en-US" dirty="0"/>
+          </a:p>
+        </p:txBody>
+      </p:sp>
+      <p:sp>
+        <p:nvSpPr>
+          <p:cNvPr id="24" name="向右箭號 23"/>
+          <p:cNvSpPr/>
+          <p:nvPr/>
+        </p:nvSpPr>
+        <p:spPr>
+          <a:xfrm rot="10800000">
+            <a:off x="7984544" y="3415811"/>
+            <a:ext cx="1518871" cy="465993"/>
+          </a:xfrm>
+          <a:prstGeom prst="rightArrow">
+            <a:avLst/>
+          </a:prstGeom>
+          <a:solidFill>
+            <a:schemeClr val="tx1"/>
+          </a:solidFill>
+          <a:ln>
+            <a:solidFill>
+              <a:schemeClr val="tx1"/>
+            </a:solidFill>
+          </a:ln>
+        </p:spPr>
+        <p:style>
+          <a:lnRef idx="2">
+            <a:schemeClr val="accent1">
+              <a:shade val="50000"/>
+            </a:schemeClr>
+          </a:lnRef>
+          <a:fillRef idx="1">
+            <a:schemeClr val="accent1"/>
+          </a:fillRef>
+          <a:effectRef idx="0">
+            <a:schemeClr val="accent1"/>
+          </a:effectRef>
+          <a:fontRef idx="minor">
+            <a:schemeClr val="lt1"/>
+          </a:fontRef>
+        </p:style>
+        <p:txBody>
+          <a:bodyPr rtlCol="0" anchor="ctr"/>
+          <a:lstStyle/>
+          <a:p>
+            <a:pPr algn="ctr"/>
+            <a:endParaRPr lang="zh-TW" altLang="en-US"/>
+          </a:p>
+        </p:txBody>
+      </p:sp>
+      <p:sp>
+        <p:nvSpPr>
+          <p:cNvPr id="25" name="矩形 24"/>
+          <p:cNvSpPr/>
+          <p:nvPr/>
+        </p:nvSpPr>
+        <p:spPr>
+          <a:xfrm>
+            <a:off x="9610308" y="3455349"/>
+            <a:ext cx="1257717" cy="369332"/>
+          </a:xfrm>
+          <a:prstGeom prst="rect">
+            <a:avLst/>
+          </a:prstGeom>
+        </p:spPr>
+        <p:txBody>
+          <a:bodyPr wrap="none">
+            <a:spAutoFit/>
+          </a:bodyPr>
+          <a:lstStyle/>
+          <a:p>
+            <a:r>
+              <a:rPr lang="en-US" altLang="zh-TW" dirty="0" smtClean="0"/>
+              <a:t>Web </a:t>
+            </a:r>
+            <a:r>
+              <a:rPr lang="en-US" altLang="zh-TW" dirty="0"/>
+              <a:t>Page</a:t>
+            </a:r>
+            <a:endParaRPr lang="zh-TW" altLang="en-US" dirty="0"/>
+          </a:p>
+        </p:txBody>
+      </p:sp>
+      <p:sp>
+        <p:nvSpPr>
+          <p:cNvPr id="11" name="矩形 10"/>
+          <p:cNvSpPr/>
+          <p:nvPr/>
+        </p:nvSpPr>
+        <p:spPr>
+          <a:xfrm>
+            <a:off x="3595716" y="2539336"/>
+            <a:ext cx="1800493" cy="369332"/>
+          </a:xfrm>
+          <a:prstGeom prst="rect">
+            <a:avLst/>
+          </a:prstGeom>
+        </p:spPr>
+        <p:txBody>
+          <a:bodyPr wrap="none">
+            <a:spAutoFit/>
+          </a:bodyPr>
+          <a:lstStyle/>
+          <a:p>
+            <a:r>
+              <a:rPr lang="zh-TW" altLang="en-US" dirty="0"/>
+              <a:t>高級會員區網頁</a:t>
+            </a:r>
+          </a:p>
+        </p:txBody>
+      </p:sp>
+      <p:sp>
+        <p:nvSpPr>
+          <p:cNvPr id="12" name="矩形 11"/>
+          <p:cNvSpPr/>
+          <p:nvPr/>
+        </p:nvSpPr>
+        <p:spPr>
+          <a:xfrm>
+            <a:off x="2855698" y="2041229"/>
+            <a:ext cx="3416320" cy="369332"/>
+          </a:xfrm>
+          <a:prstGeom prst="rect">
+            <a:avLst/>
+          </a:prstGeom>
+        </p:spPr>
+        <p:txBody>
+          <a:bodyPr wrap="none">
+            <a:spAutoFit/>
+          </a:bodyPr>
+          <a:lstStyle/>
+          <a:p>
+            <a:r>
+              <a:rPr lang="zh-TW" altLang="en-US" dirty="0" smtClean="0"/>
+              <a:t>要登入</a:t>
+            </a:r>
+            <a:r>
+              <a:rPr lang="zh-TW" altLang="en-US" dirty="0"/>
+              <a:t>才</a:t>
+            </a:r>
+            <a:r>
+              <a:rPr lang="zh-TW" altLang="en-US" dirty="0" smtClean="0"/>
+              <a:t>可以瀏覽的</a:t>
+            </a:r>
+            <a:r>
+              <a:rPr lang="en-US" altLang="zh-TW" dirty="0" err="1" smtClean="0"/>
+              <a:t>marst</a:t>
+            </a:r>
+            <a:r>
+              <a:rPr lang="zh-TW" altLang="en-US" dirty="0" smtClean="0"/>
+              <a:t> </a:t>
+            </a:r>
+            <a:r>
+              <a:rPr lang="en-US" altLang="zh-TW" dirty="0" smtClean="0"/>
+              <a:t>page</a:t>
+            </a:r>
+            <a:endParaRPr lang="zh-TW" altLang="en-US" dirty="0"/>
+          </a:p>
+        </p:txBody>
+      </p:sp>
     </p:spTree>
     <p:extLst>
       <p:ext uri="{BB962C8B-B14F-4D97-AF65-F5344CB8AC3E}">
-        <p14:creationId xmlns:p14="http://schemas.microsoft.com/office/powerpoint/2010/main" val="3449899345"/>
+        <p14:creationId xmlns:p14="http://schemas.microsoft.com/office/powerpoint/2010/main" val="3848384092"/>
       </p:ext>
     </p:extLst>
   </p:cSld>
@@ -14629,7 +14946,7 @@
       </p:grpSpPr>
       <p:sp>
         <p:nvSpPr>
-          <p:cNvPr id="4" name="標題 3"/>
+          <p:cNvPr id="2" name="標題 1"/>
           <p:cNvSpPr>
             <a:spLocks noGrp="1"/>
           </p:cNvSpPr>
@@ -14639,18 +14956,20 @@
         </p:nvSpPr>
         <p:spPr/>
         <p:txBody>
-          <a:bodyPr>
-            <a:normAutofit/>
-          </a:bodyPr>
-          <a:lstStyle/>
-          <a:p>
+          <a:bodyPr/>
+          <a:lstStyle/>
+          <a:p>
+            <a:r>
+              <a:rPr lang="zh-TW" altLang="en-US" dirty="0" smtClean="0"/>
+              <a:t>登入</a:t>
+            </a:r>
             <a:r>
               <a:rPr lang="zh-TW" altLang="en-US" dirty="0"/>
-              <a:t>購買</a:t>
+              <a:t>狀態下可以瀏覽的</a:t>
             </a:r>
             <a:r>
               <a:rPr lang="zh-TW" altLang="en-US" dirty="0" smtClean="0"/>
-              <a:t>商品網頁</a:t>
+              <a:t>網頁</a:t>
             </a:r>
             <a:endParaRPr lang="zh-TW" altLang="en-US" dirty="0"/>
           </a:p>
@@ -14658,344 +14977,69 @@
       </p:sp>
       <p:sp>
         <p:nvSpPr>
-          <p:cNvPr id="20" name="矩形 19"/>
-          <p:cNvSpPr/>
+          <p:cNvPr id="3" name="內容版面配置區 2"/>
+          <p:cNvSpPr>
+            <a:spLocks noGrp="1"/>
+          </p:cNvSpPr>
+          <p:nvPr>
+            <p:ph idx="1"/>
+          </p:nvPr>
+        </p:nvSpPr>
+        <p:spPr/>
+        <p:txBody>
+          <a:bodyPr/>
+          <a:lstStyle/>
+          <a:p>
+            <a:r>
+              <a:rPr lang="zh-TW" altLang="en-US" dirty="0" smtClean="0"/>
+              <a:t>建置</a:t>
+            </a:r>
+            <a:r>
+              <a:rPr lang="en-US" altLang="zh-TW" dirty="0" err="1" smtClean="0"/>
+              <a:t>marst</a:t>
+            </a:r>
+            <a:r>
+              <a:rPr lang="en-US" altLang="zh-TW" dirty="0" smtClean="0"/>
+              <a:t> page</a:t>
+            </a:r>
+            <a:endParaRPr lang="zh-TW" altLang="en-US" dirty="0"/>
+          </a:p>
+        </p:txBody>
+      </p:sp>
+      <p:pic>
+        <p:nvPicPr>
+          <p:cNvPr id="7" name="圖片 6" descr="畫面剪輯"/>
+          <p:cNvPicPr>
+            <a:picLocks noChangeAspect="1"/>
+          </p:cNvPicPr>
           <p:nvPr/>
-        </p:nvSpPr>
+        </p:nvPicPr>
+        <p:blipFill>
+          <a:blip r:embed="rId2">
+            <a:extLst>
+              <a:ext uri="{28A0092B-C50C-407E-A947-70E740481C1C}">
+                <a14:useLocalDpi xmlns:a14="http://schemas.microsoft.com/office/drawing/2010/main" val="0"/>
+              </a:ext>
+            </a:extLst>
+          </a:blip>
+          <a:stretch>
+            <a:fillRect/>
+          </a:stretch>
+        </p:blipFill>
         <p:spPr>
           <a:xfrm>
-            <a:off x="2735536" y="2020644"/>
-            <a:ext cx="6312877" cy="3175609"/>
+            <a:off x="4396154" y="1171230"/>
+            <a:ext cx="7285892" cy="5686770"/>
           </a:xfrm>
           <a:prstGeom prst="rect">
             <a:avLst/>
           </a:prstGeom>
-          <a:solidFill>
-            <a:schemeClr val="accent2"/>
-          </a:solidFill>
-          <a:ln w="28575">
-            <a:solidFill>
-              <a:schemeClr val="tx1"/>
-            </a:solidFill>
-          </a:ln>
-        </p:spPr>
-        <p:style>
-          <a:lnRef idx="2">
-            <a:schemeClr val="accent1">
-              <a:shade val="50000"/>
-            </a:schemeClr>
-          </a:lnRef>
-          <a:fillRef idx="1">
-            <a:schemeClr val="accent1"/>
-          </a:fillRef>
-          <a:effectRef idx="0">
-            <a:schemeClr val="accent1"/>
-          </a:effectRef>
-          <a:fontRef idx="minor">
-            <a:schemeClr val="lt1"/>
-          </a:fontRef>
-        </p:style>
-        <p:txBody>
-          <a:bodyPr rtlCol="0" anchor="ctr"/>
-          <a:lstStyle/>
-          <a:p>
-            <a:pPr algn="ctr"/>
-            <a:endParaRPr lang="zh-TW" altLang="en-US"/>
-          </a:p>
-        </p:txBody>
-      </p:sp>
-      <p:sp>
-        <p:nvSpPr>
-          <p:cNvPr id="21" name="矩形 20"/>
-          <p:cNvSpPr/>
-          <p:nvPr/>
-        </p:nvSpPr>
-        <p:spPr>
-          <a:xfrm>
-            <a:off x="3485813" y="2416420"/>
-            <a:ext cx="4812322" cy="2464776"/>
-          </a:xfrm>
-          <a:prstGeom prst="rect">
-            <a:avLst/>
-          </a:prstGeom>
-          <a:solidFill>
-            <a:schemeClr val="accent6"/>
-          </a:solidFill>
-          <a:ln w="28575">
-            <a:solidFill>
-              <a:schemeClr val="tx1"/>
-            </a:solidFill>
-          </a:ln>
-        </p:spPr>
-        <p:style>
-          <a:lnRef idx="2">
-            <a:schemeClr val="accent1">
-              <a:shade val="50000"/>
-            </a:schemeClr>
-          </a:lnRef>
-          <a:fillRef idx="1">
-            <a:schemeClr val="accent1"/>
-          </a:fillRef>
-          <a:effectRef idx="0">
-            <a:schemeClr val="accent1"/>
-          </a:effectRef>
-          <a:fontRef idx="minor">
-            <a:schemeClr val="lt1"/>
-          </a:fontRef>
-        </p:style>
-        <p:txBody>
-          <a:bodyPr rtlCol="0" anchor="ctr"/>
-          <a:lstStyle/>
-          <a:p>
-            <a:pPr algn="ctr"/>
-            <a:endParaRPr lang="zh-TW" altLang="en-US"/>
-          </a:p>
-        </p:txBody>
-      </p:sp>
-      <p:sp>
-        <p:nvSpPr>
-          <p:cNvPr id="22" name="向右箭號 21"/>
-          <p:cNvSpPr/>
-          <p:nvPr/>
-        </p:nvSpPr>
-        <p:spPr>
-          <a:xfrm>
-            <a:off x="2155245" y="3789484"/>
-            <a:ext cx="955429" cy="465993"/>
-          </a:xfrm>
-          <a:prstGeom prst="rightArrow">
-            <a:avLst/>
-          </a:prstGeom>
-          <a:solidFill>
-            <a:schemeClr val="tx1"/>
-          </a:solidFill>
-          <a:ln>
-            <a:solidFill>
-              <a:schemeClr val="tx1"/>
-            </a:solidFill>
-          </a:ln>
-        </p:spPr>
-        <p:style>
-          <a:lnRef idx="2">
-            <a:schemeClr val="accent1">
-              <a:shade val="50000"/>
-            </a:schemeClr>
-          </a:lnRef>
-          <a:fillRef idx="1">
-            <a:schemeClr val="accent1"/>
-          </a:fillRef>
-          <a:effectRef idx="0">
-            <a:schemeClr val="accent1"/>
-          </a:effectRef>
-          <a:fontRef idx="minor">
-            <a:schemeClr val="lt1"/>
-          </a:fontRef>
-        </p:style>
-        <p:txBody>
-          <a:bodyPr rtlCol="0" anchor="ctr"/>
-          <a:lstStyle/>
-          <a:p>
-            <a:pPr algn="ctr"/>
-            <a:endParaRPr lang="zh-TW" altLang="en-US"/>
-          </a:p>
-        </p:txBody>
-      </p:sp>
-      <p:sp>
-        <p:nvSpPr>
-          <p:cNvPr id="23" name="矩形 22"/>
-          <p:cNvSpPr/>
-          <p:nvPr/>
-        </p:nvSpPr>
-        <p:spPr>
-          <a:xfrm>
-            <a:off x="662529" y="3866974"/>
-            <a:ext cx="1492716" cy="369332"/>
-          </a:xfrm>
-          <a:prstGeom prst="rect">
-            <a:avLst/>
-          </a:prstGeom>
-        </p:spPr>
-        <p:txBody>
-          <a:bodyPr wrap="none">
-            <a:spAutoFit/>
-          </a:bodyPr>
-          <a:lstStyle/>
-          <a:p>
-            <a:r>
-              <a:rPr lang="en-US" altLang="zh-TW" dirty="0"/>
-              <a:t>Master Page</a:t>
-            </a:r>
-            <a:endParaRPr lang="zh-TW" altLang="en-US" dirty="0"/>
-          </a:p>
-        </p:txBody>
-      </p:sp>
-      <p:sp>
-        <p:nvSpPr>
-          <p:cNvPr id="24" name="向右箭號 23"/>
-          <p:cNvSpPr/>
-          <p:nvPr/>
-        </p:nvSpPr>
-        <p:spPr>
-          <a:xfrm rot="10800000">
-            <a:off x="7984544" y="3415811"/>
-            <a:ext cx="1518871" cy="465993"/>
-          </a:xfrm>
-          <a:prstGeom prst="rightArrow">
-            <a:avLst/>
-          </a:prstGeom>
-          <a:solidFill>
-            <a:schemeClr val="tx1"/>
-          </a:solidFill>
-          <a:ln>
-            <a:solidFill>
-              <a:schemeClr val="tx1"/>
-            </a:solidFill>
-          </a:ln>
-        </p:spPr>
-        <p:style>
-          <a:lnRef idx="2">
-            <a:schemeClr val="accent1">
-              <a:shade val="50000"/>
-            </a:schemeClr>
-          </a:lnRef>
-          <a:fillRef idx="1">
-            <a:schemeClr val="accent1"/>
-          </a:fillRef>
-          <a:effectRef idx="0">
-            <a:schemeClr val="accent1"/>
-          </a:effectRef>
-          <a:fontRef idx="minor">
-            <a:schemeClr val="lt1"/>
-          </a:fontRef>
-        </p:style>
-        <p:txBody>
-          <a:bodyPr rtlCol="0" anchor="ctr"/>
-          <a:lstStyle/>
-          <a:p>
-            <a:pPr algn="ctr"/>
-            <a:endParaRPr lang="zh-TW" altLang="en-US"/>
-          </a:p>
-        </p:txBody>
-      </p:sp>
-      <p:sp>
-        <p:nvSpPr>
-          <p:cNvPr id="25" name="矩形 24"/>
-          <p:cNvSpPr/>
-          <p:nvPr/>
-        </p:nvSpPr>
-        <p:spPr>
-          <a:xfrm>
-            <a:off x="9610308" y="3455349"/>
-            <a:ext cx="1257717" cy="369332"/>
-          </a:xfrm>
-          <a:prstGeom prst="rect">
-            <a:avLst/>
-          </a:prstGeom>
-        </p:spPr>
-        <p:txBody>
-          <a:bodyPr wrap="none">
-            <a:spAutoFit/>
-          </a:bodyPr>
-          <a:lstStyle/>
-          <a:p>
-            <a:r>
-              <a:rPr lang="en-US" altLang="zh-TW" dirty="0" smtClean="0"/>
-              <a:t>Web </a:t>
-            </a:r>
-            <a:r>
-              <a:rPr lang="en-US" altLang="zh-TW" dirty="0"/>
-              <a:t>Page</a:t>
-            </a:r>
-            <a:endParaRPr lang="zh-TW" altLang="en-US" dirty="0"/>
-          </a:p>
-        </p:txBody>
-      </p:sp>
-      <p:sp>
-        <p:nvSpPr>
-          <p:cNvPr id="11" name="矩形 10"/>
-          <p:cNvSpPr/>
-          <p:nvPr/>
-        </p:nvSpPr>
-        <p:spPr>
-          <a:xfrm>
-            <a:off x="3595716" y="2539336"/>
-            <a:ext cx="1569660" cy="369332"/>
-          </a:xfrm>
-          <a:prstGeom prst="rect">
-            <a:avLst/>
-          </a:prstGeom>
-        </p:spPr>
-        <p:txBody>
-          <a:bodyPr wrap="none">
-            <a:spAutoFit/>
-          </a:bodyPr>
-          <a:lstStyle/>
-          <a:p>
-            <a:r>
-              <a:rPr lang="zh-TW" altLang="en-US" dirty="0"/>
-              <a:t>購買商品網頁</a:t>
-            </a:r>
-            <a:endParaRPr lang="zh-TW" altLang="en-US" dirty="0"/>
-          </a:p>
-        </p:txBody>
-      </p:sp>
-      <p:sp>
-        <p:nvSpPr>
-          <p:cNvPr id="12" name="矩形 11"/>
-          <p:cNvSpPr/>
-          <p:nvPr/>
-        </p:nvSpPr>
-        <p:spPr>
-          <a:xfrm>
-            <a:off x="2855698" y="2041229"/>
-            <a:ext cx="3416320" cy="369332"/>
-          </a:xfrm>
-          <a:prstGeom prst="rect">
-            <a:avLst/>
-          </a:prstGeom>
-        </p:spPr>
-        <p:txBody>
-          <a:bodyPr wrap="none">
-            <a:spAutoFit/>
-          </a:bodyPr>
-          <a:lstStyle/>
-          <a:p>
-            <a:r>
-              <a:rPr lang="zh-TW" altLang="en-US" dirty="0" smtClean="0"/>
-              <a:t>要登入</a:t>
-            </a:r>
-            <a:r>
-              <a:rPr lang="zh-TW" altLang="en-US" dirty="0"/>
-              <a:t>才</a:t>
-            </a:r>
-            <a:r>
-              <a:rPr lang="zh-TW" altLang="en-US" dirty="0" smtClean="0"/>
-              <a:t>可以</a:t>
-            </a:r>
-            <a:r>
-              <a:rPr lang="zh-TW" altLang="en-US" dirty="0" smtClean="0"/>
-              <a:t>瀏覽的</a:t>
-            </a:r>
-            <a:r>
-              <a:rPr lang="en-US" altLang="zh-TW" dirty="0" err="1" smtClean="0"/>
-              <a:t>marst</a:t>
-            </a:r>
-            <a:r>
-              <a:rPr lang="zh-TW" altLang="en-US" dirty="0" smtClean="0"/>
-              <a:t> </a:t>
-            </a:r>
-            <a:r>
-              <a:rPr lang="en-US" altLang="zh-TW" dirty="0" smtClean="0"/>
-              <a:t>page</a:t>
-            </a:r>
-            <a:endParaRPr lang="zh-TW" altLang="en-US" dirty="0"/>
-          </a:p>
-        </p:txBody>
-      </p:sp>
+        </p:spPr>
+      </p:pic>
     </p:spTree>
     <p:extLst>
       <p:ext uri="{BB962C8B-B14F-4D97-AF65-F5344CB8AC3E}">
-        <p14:creationId xmlns:p14="http://schemas.microsoft.com/office/powerpoint/2010/main" val="2707738938"/>
+        <p14:creationId xmlns:p14="http://schemas.microsoft.com/office/powerpoint/2010/main" val="1908275064"/>
       </p:ext>
     </p:extLst>
   </p:cSld>
@@ -15036,7 +15080,7 @@
       </p:grpSpPr>
       <p:sp>
         <p:nvSpPr>
-          <p:cNvPr id="4" name="標題 3"/>
+          <p:cNvPr id="2" name="標題 1"/>
           <p:cNvSpPr>
             <a:spLocks noGrp="1"/>
           </p:cNvSpPr>
@@ -15046,43 +15090,142 @@
         </p:nvSpPr>
         <p:spPr/>
         <p:txBody>
-          <a:bodyPr>
-            <a:normAutofit/>
-          </a:bodyPr>
+          <a:bodyPr/>
           <a:lstStyle/>
           <a:p>
             <a:r>
               <a:rPr lang="zh-TW" altLang="en-US" dirty="0"/>
-              <a:t>高級會員區</a:t>
-            </a:r>
-            <a:r>
-              <a:rPr lang="zh-TW" altLang="en-US" dirty="0" smtClean="0"/>
-              <a:t>網頁</a:t>
+              <a:t>登入狀態下可以瀏覽的網頁</a:t>
+            </a:r>
+          </a:p>
+        </p:txBody>
+      </p:sp>
+      <p:sp>
+        <p:nvSpPr>
+          <p:cNvPr id="8" name="內容版面配置區 7"/>
+          <p:cNvSpPr>
+            <a:spLocks noGrp="1"/>
+          </p:cNvSpPr>
+          <p:nvPr>
+            <p:ph idx="1"/>
+          </p:nvPr>
+        </p:nvSpPr>
+        <p:spPr/>
+        <p:txBody>
+          <a:bodyPr/>
+          <a:lstStyle/>
+          <a:p>
+            <a:r>
+              <a:rPr lang="zh-TW" altLang="en-US" dirty="0"/>
+              <a:t>建置</a:t>
+            </a:r>
+            <a:r>
+              <a:rPr lang="en-US" altLang="zh-TW" dirty="0" err="1"/>
+              <a:t>marst</a:t>
+            </a:r>
+            <a:r>
+              <a:rPr lang="en-US" altLang="zh-TW" dirty="0"/>
+              <a:t> page</a:t>
             </a:r>
             <a:endParaRPr lang="zh-TW" altLang="en-US" dirty="0"/>
           </a:p>
-        </p:txBody>
-      </p:sp>
-      <p:sp>
-        <p:nvSpPr>
-          <p:cNvPr id="20" name="矩形 19"/>
-          <p:cNvSpPr/>
+          <a:p>
+            <a:endParaRPr lang="zh-TW" altLang="en-US" dirty="0"/>
+          </a:p>
+        </p:txBody>
+      </p:sp>
+      <p:pic>
+        <p:nvPicPr>
+          <p:cNvPr id="9" name="內容版面配置區 5" descr="畫面剪輯"/>
+          <p:cNvPicPr>
+            <a:picLocks noChangeAspect="1"/>
+          </p:cNvPicPr>
           <p:nvPr/>
-        </p:nvSpPr>
+        </p:nvPicPr>
+        <p:blipFill>
+          <a:blip r:embed="rId3">
+            <a:extLst>
+              <a:ext uri="{28A0092B-C50C-407E-A947-70E740481C1C}">
+                <a14:useLocalDpi xmlns:a14="http://schemas.microsoft.com/office/drawing/2010/main" val="0"/>
+              </a:ext>
+            </a:extLst>
+          </a:blip>
+          <a:stretch>
+            <a:fillRect/>
+          </a:stretch>
+        </p:blipFill>
         <p:spPr>
           <a:xfrm>
-            <a:off x="2735536" y="2020644"/>
-            <a:ext cx="6312877" cy="3175609"/>
+            <a:off x="1352767" y="2258197"/>
+            <a:ext cx="5884035" cy="3918767"/>
           </a:xfrm>
           <a:prstGeom prst="rect">
             <a:avLst/>
           </a:prstGeom>
-          <a:solidFill>
-            <a:schemeClr val="accent2"/>
-          </a:solidFill>
+        </p:spPr>
+      </p:pic>
+      <p:pic>
+        <p:nvPicPr>
+          <p:cNvPr id="5" name="圖片 4" descr="畫面剪輯"/>
+          <p:cNvPicPr>
+            <a:picLocks noChangeAspect="1"/>
+          </p:cNvPicPr>
+          <p:nvPr/>
+        </p:nvPicPr>
+        <p:blipFill>
+          <a:blip r:embed="rId4">
+            <a:extLst>
+              <a:ext uri="{28A0092B-C50C-407E-A947-70E740481C1C}">
+                <a14:useLocalDpi xmlns:a14="http://schemas.microsoft.com/office/drawing/2010/main" val="0"/>
+              </a:ext>
+            </a:extLst>
+          </a:blip>
+          <a:stretch>
+            <a:fillRect/>
+          </a:stretch>
+        </p:blipFill>
+        <p:spPr>
+          <a:xfrm>
+            <a:off x="7574071" y="1448654"/>
+            <a:ext cx="3170861" cy="4342362"/>
+          </a:xfrm>
+          <a:prstGeom prst="rect">
+            <a:avLst/>
+          </a:prstGeom>
+          <a:ln w="38100" cap="sq">
+            <a:solidFill>
+              <a:srgbClr val="000000"/>
+            </a:solidFill>
+            <a:prstDash val="solid"/>
+            <a:miter lim="800000"/>
+          </a:ln>
+          <a:effectLst>
+            <a:outerShdw blurRad="50800" dist="38100" dir="2700000" algn="tl" rotWithShape="0">
+              <a:srgbClr val="000000">
+                <a:alpha val="43000"/>
+              </a:srgbClr>
+            </a:outerShdw>
+          </a:effectLst>
+        </p:spPr>
+      </p:pic>
+      <p:sp>
+        <p:nvSpPr>
+          <p:cNvPr id="3" name="矩形 2"/>
+          <p:cNvSpPr/>
+          <p:nvPr/>
+        </p:nvSpPr>
+        <p:spPr>
+          <a:xfrm>
+            <a:off x="7574071" y="1837592"/>
+            <a:ext cx="1969477" cy="316523"/>
+          </a:xfrm>
+          <a:prstGeom prst="rect">
+            <a:avLst/>
+          </a:prstGeom>
+          <a:noFill/>
           <a:ln w="28575">
             <a:solidFill>
-              <a:schemeClr val="tx1"/>
+              <a:srgbClr val="FF0000"/>
             </a:solidFill>
           </a:ln>
         </p:spPr>
@@ -15111,298 +15254,10 @@
           </a:p>
         </p:txBody>
       </p:sp>
-      <p:sp>
-        <p:nvSpPr>
-          <p:cNvPr id="21" name="矩形 20"/>
-          <p:cNvSpPr/>
-          <p:nvPr/>
-        </p:nvSpPr>
-        <p:spPr>
-          <a:xfrm>
-            <a:off x="3485813" y="2416420"/>
-            <a:ext cx="4812322" cy="2464776"/>
-          </a:xfrm>
-          <a:prstGeom prst="rect">
-            <a:avLst/>
-          </a:prstGeom>
-          <a:solidFill>
-            <a:schemeClr val="accent6"/>
-          </a:solidFill>
-          <a:ln w="28575">
-            <a:solidFill>
-              <a:schemeClr val="tx1"/>
-            </a:solidFill>
-          </a:ln>
-        </p:spPr>
-        <p:style>
-          <a:lnRef idx="2">
-            <a:schemeClr val="accent1">
-              <a:shade val="50000"/>
-            </a:schemeClr>
-          </a:lnRef>
-          <a:fillRef idx="1">
-            <a:schemeClr val="accent1"/>
-          </a:fillRef>
-          <a:effectRef idx="0">
-            <a:schemeClr val="accent1"/>
-          </a:effectRef>
-          <a:fontRef idx="minor">
-            <a:schemeClr val="lt1"/>
-          </a:fontRef>
-        </p:style>
-        <p:txBody>
-          <a:bodyPr rtlCol="0" anchor="ctr"/>
-          <a:lstStyle/>
-          <a:p>
-            <a:pPr algn="ctr"/>
-            <a:endParaRPr lang="zh-TW" altLang="en-US"/>
-          </a:p>
-        </p:txBody>
-      </p:sp>
-      <p:sp>
-        <p:nvSpPr>
-          <p:cNvPr id="22" name="向右箭號 21"/>
-          <p:cNvSpPr/>
-          <p:nvPr/>
-        </p:nvSpPr>
-        <p:spPr>
-          <a:xfrm>
-            <a:off x="2155245" y="3789484"/>
-            <a:ext cx="955429" cy="465993"/>
-          </a:xfrm>
-          <a:prstGeom prst="rightArrow">
-            <a:avLst/>
-          </a:prstGeom>
-          <a:solidFill>
-            <a:schemeClr val="tx1"/>
-          </a:solidFill>
-          <a:ln>
-            <a:solidFill>
-              <a:schemeClr val="tx1"/>
-            </a:solidFill>
-          </a:ln>
-        </p:spPr>
-        <p:style>
-          <a:lnRef idx="2">
-            <a:schemeClr val="accent1">
-              <a:shade val="50000"/>
-            </a:schemeClr>
-          </a:lnRef>
-          <a:fillRef idx="1">
-            <a:schemeClr val="accent1"/>
-          </a:fillRef>
-          <a:effectRef idx="0">
-            <a:schemeClr val="accent1"/>
-          </a:effectRef>
-          <a:fontRef idx="minor">
-            <a:schemeClr val="lt1"/>
-          </a:fontRef>
-        </p:style>
-        <p:txBody>
-          <a:bodyPr rtlCol="0" anchor="ctr"/>
-          <a:lstStyle/>
-          <a:p>
-            <a:pPr algn="ctr"/>
-            <a:endParaRPr lang="zh-TW" altLang="en-US"/>
-          </a:p>
-        </p:txBody>
-      </p:sp>
-      <p:sp>
-        <p:nvSpPr>
-          <p:cNvPr id="23" name="矩形 22"/>
-          <p:cNvSpPr/>
-          <p:nvPr/>
-        </p:nvSpPr>
-        <p:spPr>
-          <a:xfrm>
-            <a:off x="662529" y="3866974"/>
-            <a:ext cx="1492716" cy="369332"/>
-          </a:xfrm>
-          <a:prstGeom prst="rect">
-            <a:avLst/>
-          </a:prstGeom>
-        </p:spPr>
-        <p:txBody>
-          <a:bodyPr wrap="none">
-            <a:spAutoFit/>
-          </a:bodyPr>
-          <a:lstStyle/>
-          <a:p>
-            <a:r>
-              <a:rPr lang="en-US" altLang="zh-TW" dirty="0"/>
-              <a:t>Master Page</a:t>
-            </a:r>
-            <a:endParaRPr lang="zh-TW" altLang="en-US" dirty="0"/>
-          </a:p>
-        </p:txBody>
-      </p:sp>
-      <p:sp>
-        <p:nvSpPr>
-          <p:cNvPr id="24" name="向右箭號 23"/>
-          <p:cNvSpPr/>
-          <p:nvPr/>
-        </p:nvSpPr>
-        <p:spPr>
-          <a:xfrm rot="10800000">
-            <a:off x="7984544" y="3415811"/>
-            <a:ext cx="1518871" cy="465993"/>
-          </a:xfrm>
-          <a:prstGeom prst="rightArrow">
-            <a:avLst/>
-          </a:prstGeom>
-          <a:solidFill>
-            <a:schemeClr val="tx1"/>
-          </a:solidFill>
-          <a:ln>
-            <a:solidFill>
-              <a:schemeClr val="tx1"/>
-            </a:solidFill>
-          </a:ln>
-        </p:spPr>
-        <p:style>
-          <a:lnRef idx="2">
-            <a:schemeClr val="accent1">
-              <a:shade val="50000"/>
-            </a:schemeClr>
-          </a:lnRef>
-          <a:fillRef idx="1">
-            <a:schemeClr val="accent1"/>
-          </a:fillRef>
-          <a:effectRef idx="0">
-            <a:schemeClr val="accent1"/>
-          </a:effectRef>
-          <a:fontRef idx="minor">
-            <a:schemeClr val="lt1"/>
-          </a:fontRef>
-        </p:style>
-        <p:txBody>
-          <a:bodyPr rtlCol="0" anchor="ctr"/>
-          <a:lstStyle/>
-          <a:p>
-            <a:pPr algn="ctr"/>
-            <a:endParaRPr lang="zh-TW" altLang="en-US"/>
-          </a:p>
-        </p:txBody>
-      </p:sp>
-      <p:sp>
-        <p:nvSpPr>
-          <p:cNvPr id="25" name="矩形 24"/>
-          <p:cNvSpPr/>
-          <p:nvPr/>
-        </p:nvSpPr>
-        <p:spPr>
-          <a:xfrm>
-            <a:off x="9610308" y="3455349"/>
-            <a:ext cx="1257717" cy="369332"/>
-          </a:xfrm>
-          <a:prstGeom prst="rect">
-            <a:avLst/>
-          </a:prstGeom>
-        </p:spPr>
-        <p:txBody>
-          <a:bodyPr wrap="none">
-            <a:spAutoFit/>
-          </a:bodyPr>
-          <a:lstStyle/>
-          <a:p>
-            <a:r>
-              <a:rPr lang="en-US" altLang="zh-TW" dirty="0" smtClean="0"/>
-              <a:t>Web </a:t>
-            </a:r>
-            <a:r>
-              <a:rPr lang="en-US" altLang="zh-TW" dirty="0"/>
-              <a:t>Page</a:t>
-            </a:r>
-            <a:endParaRPr lang="zh-TW" altLang="en-US" dirty="0"/>
-          </a:p>
-        </p:txBody>
-      </p:sp>
-      <p:sp>
-        <p:nvSpPr>
-          <p:cNvPr id="11" name="矩形 10"/>
-          <p:cNvSpPr/>
-          <p:nvPr/>
-        </p:nvSpPr>
-        <p:spPr>
-          <a:xfrm>
-            <a:off x="3595716" y="2539336"/>
-            <a:ext cx="1800493" cy="369332"/>
-          </a:xfrm>
-          <a:prstGeom prst="rect">
-            <a:avLst/>
-          </a:prstGeom>
-        </p:spPr>
-        <p:txBody>
-          <a:bodyPr wrap="none">
-            <a:spAutoFit/>
-          </a:bodyPr>
-          <a:lstStyle/>
-          <a:p>
-            <a:r>
-              <a:rPr lang="zh-TW" altLang="en-US" dirty="0"/>
-              <a:t>高級會員區網頁</a:t>
-            </a:r>
-            <a:endParaRPr lang="zh-TW" altLang="en-US" dirty="0"/>
-          </a:p>
-        </p:txBody>
-      </p:sp>
-      <p:sp>
-        <p:nvSpPr>
-          <p:cNvPr id="12" name="矩形 11"/>
-          <p:cNvSpPr/>
-          <p:nvPr/>
-        </p:nvSpPr>
-        <p:spPr>
-          <a:xfrm>
-            <a:off x="2855698" y="2041229"/>
-            <a:ext cx="3416320" cy="369332"/>
-          </a:xfrm>
-          <a:prstGeom prst="rect">
-            <a:avLst/>
-          </a:prstGeom>
-        </p:spPr>
-        <p:txBody>
-          <a:bodyPr wrap="none">
-            <a:spAutoFit/>
-          </a:bodyPr>
-          <a:lstStyle/>
-          <a:p>
-            <a:r>
-              <a:rPr lang="zh-TW" altLang="en-US" dirty="0" smtClean="0"/>
-              <a:t>要登入</a:t>
-            </a:r>
-            <a:r>
-              <a:rPr lang="zh-TW" altLang="en-US" dirty="0"/>
-              <a:t>才</a:t>
-            </a:r>
-            <a:r>
-              <a:rPr lang="zh-TW" altLang="en-US" dirty="0" smtClean="0"/>
-              <a:t>可以</a:t>
-            </a:r>
-            <a:r>
-              <a:rPr lang="zh-TW" altLang="en-US" dirty="0" smtClean="0"/>
-              <a:t>瀏覽的</a:t>
-            </a:r>
-            <a:r>
-              <a:rPr lang="en-US" altLang="zh-TW" dirty="0" err="1" smtClean="0"/>
-              <a:t>marst</a:t>
-            </a:r>
-            <a:r>
-              <a:rPr lang="zh-TW" altLang="en-US" dirty="0" smtClean="0"/>
-              <a:t> </a:t>
-            </a:r>
-            <a:r>
-              <a:rPr lang="en-US" altLang="zh-TW" dirty="0" smtClean="0"/>
-              <a:t>page</a:t>
-            </a:r>
-            <a:endParaRPr lang="zh-TW" altLang="en-US" dirty="0"/>
-          </a:p>
-        </p:txBody>
-      </p:sp>
     </p:spTree>
     <p:extLst>
       <p:ext uri="{BB962C8B-B14F-4D97-AF65-F5344CB8AC3E}">
-        <p14:creationId xmlns:p14="http://schemas.microsoft.com/office/powerpoint/2010/main" val="3848384092"/>
+        <p14:creationId xmlns:p14="http://schemas.microsoft.com/office/powerpoint/2010/main" val="3449899345"/>
       </p:ext>
     </p:extLst>
   </p:cSld>
@@ -15460,7 +15315,6 @@
               <a:rPr lang="zh-TW" altLang="en-US" dirty="0"/>
               <a:t>購買商品網頁</a:t>
             </a:r>
-            <a:endParaRPr lang="zh-TW" altLang="en-US" dirty="0"/>
           </a:p>
         </p:txBody>
       </p:sp>
@@ -15598,7 +15452,6 @@
               <a:rPr lang="zh-TW" altLang="en-US" dirty="0"/>
               <a:t>高級會員區網頁</a:t>
             </a:r>
-            <a:endParaRPr lang="zh-TW" altLang="en-US" dirty="0"/>
           </a:p>
         </p:txBody>
       </p:sp>
@@ -15791,6 +15644,96 @@
           </a:xfrm>
         </p:spPr>
       </p:pic>
+      <p:pic>
+        <p:nvPicPr>
+          <p:cNvPr id="5" name="圖片 4" descr="畫面剪輯"/>
+          <p:cNvPicPr>
+            <a:picLocks noChangeAspect="1"/>
+          </p:cNvPicPr>
+          <p:nvPr/>
+        </p:nvPicPr>
+        <p:blipFill>
+          <a:blip r:embed="rId3">
+            <a:extLst>
+              <a:ext uri="{28A0092B-C50C-407E-A947-70E740481C1C}">
+                <a14:useLocalDpi xmlns:a14="http://schemas.microsoft.com/office/drawing/2010/main" val="0"/>
+              </a:ext>
+            </a:extLst>
+          </a:blip>
+          <a:stretch>
+            <a:fillRect/>
+          </a:stretch>
+        </p:blipFill>
+        <p:spPr>
+          <a:xfrm>
+            <a:off x="7574071" y="1448654"/>
+            <a:ext cx="3170861" cy="4342362"/>
+          </a:xfrm>
+          <a:prstGeom prst="rect">
+            <a:avLst/>
+          </a:prstGeom>
+          <a:ln w="38100" cap="sq">
+            <a:solidFill>
+              <a:srgbClr val="000000"/>
+            </a:solidFill>
+            <a:prstDash val="solid"/>
+            <a:miter lim="800000"/>
+          </a:ln>
+          <a:effectLst>
+            <a:outerShdw blurRad="50800" dist="38100" dir="2700000" algn="tl" rotWithShape="0">
+              <a:srgbClr val="000000">
+                <a:alpha val="43000"/>
+              </a:srgbClr>
+            </a:outerShdw>
+          </a:effectLst>
+        </p:spPr>
+      </p:pic>
+      <p:sp>
+        <p:nvSpPr>
+          <p:cNvPr id="6" name="矩形 5"/>
+          <p:cNvSpPr/>
+          <p:nvPr/>
+        </p:nvSpPr>
+        <p:spPr>
+          <a:xfrm>
+            <a:off x="7574071" y="2118946"/>
+            <a:ext cx="1969477" cy="316523"/>
+          </a:xfrm>
+          <a:prstGeom prst="rect">
+            <a:avLst/>
+          </a:prstGeom>
+          <a:noFill/>
+          <a:ln w="28575">
+            <a:solidFill>
+              <a:srgbClr val="FF0000"/>
+            </a:solidFill>
+          </a:ln>
+        </p:spPr>
+        <p:style>
+          <a:lnRef idx="2">
+            <a:schemeClr val="accent1">
+              <a:shade val="50000"/>
+            </a:schemeClr>
+          </a:lnRef>
+          <a:fillRef idx="1">
+            <a:schemeClr val="accent1"/>
+          </a:fillRef>
+          <a:effectRef idx="0">
+            <a:schemeClr val="accent1"/>
+          </a:effectRef>
+          <a:fontRef idx="minor">
+            <a:schemeClr val="lt1"/>
+          </a:fontRef>
+        </p:style>
+        <p:txBody>
+          <a:bodyPr rtlCol="0" anchor="ctr"/>
+          <a:lstStyle/>
+          <a:p>
+            <a:pPr algn="ctr"/>
+            <a:endParaRPr lang="zh-TW" altLang="en-US"/>
+          </a:p>
+        </p:txBody>
+      </p:sp>
     </p:spTree>
     <p:extLst>
       <p:ext uri="{BB962C8B-B14F-4D97-AF65-F5344CB8AC3E}">
@@ -15864,22 +15807,95 @@
           </a:p>
         </p:txBody>
       </p:sp>
-      <p:sp>
-        <p:nvSpPr>
-          <p:cNvPr id="3" name="內容版面配置區 2"/>
-          <p:cNvSpPr>
-            <a:spLocks noGrp="1"/>
-          </p:cNvSpPr>
+      <p:pic>
+        <p:nvPicPr>
+          <p:cNvPr id="4" name="內容版面配置區 3" descr="畫面剪輯"/>
+          <p:cNvPicPr>
+            <a:picLocks noGrp="1" noChangeAspect="1"/>
+          </p:cNvPicPr>
           <p:nvPr>
             <p:ph idx="1"/>
           </p:nvPr>
-        </p:nvSpPr>
-        <p:spPr/>
-        <p:txBody>
-          <a:bodyPr/>
-          <a:lstStyle/>
-          <a:p>
-            <a:endParaRPr lang="zh-TW" altLang="en-US" dirty="0"/>
+        </p:nvPicPr>
+        <p:blipFill>
+          <a:blip r:embed="rId2">
+            <a:extLst>
+              <a:ext uri="{28A0092B-C50C-407E-A947-70E740481C1C}">
+                <a14:useLocalDpi xmlns:a14="http://schemas.microsoft.com/office/drawing/2010/main" val="0"/>
+              </a:ext>
+            </a:extLst>
+          </a:blip>
+          <a:stretch>
+            <a:fillRect/>
+          </a:stretch>
+        </p:blipFill>
+        <p:spPr>
+          <a:xfrm>
+            <a:off x="1362807" y="1824093"/>
+            <a:ext cx="3370388" cy="2467606"/>
+          </a:xfrm>
+          <a:prstGeom prst="rect">
+            <a:avLst/>
+          </a:prstGeom>
+          <a:ln w="38100" cap="sq">
+            <a:solidFill>
+              <a:srgbClr val="000000"/>
+            </a:solidFill>
+            <a:prstDash val="solid"/>
+            <a:miter lim="800000"/>
+          </a:ln>
+          <a:effectLst>
+            <a:outerShdw blurRad="50800" dist="38100" dir="2700000" algn="tl" rotWithShape="0">
+              <a:srgbClr val="000000">
+                <a:alpha val="43000"/>
+              </a:srgbClr>
+            </a:outerShdw>
+          </a:effectLst>
+        </p:spPr>
+      </p:pic>
+      <p:sp>
+        <p:nvSpPr>
+          <p:cNvPr id="5" name="矩形 4"/>
+          <p:cNvSpPr/>
+          <p:nvPr/>
+        </p:nvSpPr>
+        <p:spPr>
+          <a:xfrm>
+            <a:off x="1362807" y="2101361"/>
+            <a:ext cx="571500" cy="281353"/>
+          </a:xfrm>
+          <a:prstGeom prst="rect">
+            <a:avLst/>
+          </a:prstGeom>
+          <a:noFill/>
+          <a:ln w="38100">
+            <a:solidFill>
+              <a:srgbClr val="FF0000"/>
+            </a:solidFill>
+          </a:ln>
+        </p:spPr>
+        <p:style>
+          <a:lnRef idx="2">
+            <a:schemeClr val="accent1">
+              <a:shade val="50000"/>
+            </a:schemeClr>
+          </a:lnRef>
+          <a:fillRef idx="1">
+            <a:schemeClr val="accent1"/>
+          </a:fillRef>
+          <a:effectRef idx="0">
+            <a:schemeClr val="accent1"/>
+          </a:effectRef>
+          <a:fontRef idx="minor">
+            <a:schemeClr val="lt1"/>
+          </a:fontRef>
+        </p:style>
+        <p:txBody>
+          <a:bodyPr rtlCol="0" anchor="ctr"/>
+          <a:lstStyle/>
+          <a:p>
+            <a:pPr algn="ctr"/>
+            <a:endParaRPr lang="zh-TW" altLang="en-US"/>
           </a:p>
         </p:txBody>
       </p:sp>
@@ -16174,7 +16190,7 @@
       </p:grpSpPr>
       <p:sp>
         <p:nvSpPr>
-          <p:cNvPr id="2" name="標題 1"/>
+          <p:cNvPr id="4" name="標題 3"/>
           <p:cNvSpPr>
             <a:spLocks noGrp="1"/>
           </p:cNvSpPr>
@@ -16184,16 +16200,14 @@
         </p:nvSpPr>
         <p:spPr/>
         <p:txBody>
-          <a:bodyPr/>
-          <a:lstStyle/>
-          <a:p>
-            <a:r>
-              <a:rPr lang="zh-TW" altLang="en-US" dirty="0"/>
-              <a:t>未登入狀態下可以瀏覽的</a:t>
-            </a:r>
+          <a:bodyPr>
+            <a:normAutofit/>
+          </a:bodyPr>
+          <a:lstStyle/>
+          <a:p>
             <a:r>
               <a:rPr lang="zh-TW" altLang="en-US" dirty="0" smtClean="0"/>
-              <a:t>網頁</a:t>
+              <a:t>首頁</a:t>
             </a:r>
             <a:endParaRPr lang="zh-TW" altLang="en-US" dirty="0"/>
           </a:p>
@@ -16201,69 +16215,331 @@
       </p:sp>
       <p:sp>
         <p:nvSpPr>
-          <p:cNvPr id="3" name="內容版面配置區 2"/>
-          <p:cNvSpPr>
-            <a:spLocks noGrp="1"/>
-          </p:cNvSpPr>
-          <p:nvPr>
-            <p:ph idx="1"/>
-          </p:nvPr>
-        </p:nvSpPr>
-        <p:spPr/>
-        <p:txBody>
-          <a:bodyPr/>
-          <a:lstStyle/>
-          <a:p>
-            <a:r>
-              <a:rPr lang="zh-TW" altLang="en-US" dirty="0" smtClean="0"/>
-              <a:t>建置</a:t>
-            </a:r>
-            <a:r>
-              <a:rPr lang="en-US" altLang="zh-TW" dirty="0" err="1" smtClean="0"/>
-              <a:t>marst</a:t>
-            </a:r>
-            <a:r>
-              <a:rPr lang="en-US" altLang="zh-TW" dirty="0" smtClean="0"/>
-              <a:t> page</a:t>
-            </a:r>
-            <a:endParaRPr lang="zh-TW" altLang="en-US" dirty="0"/>
-          </a:p>
-        </p:txBody>
-      </p:sp>
-      <p:pic>
-        <p:nvPicPr>
-          <p:cNvPr id="4" name="圖片 3" descr="畫面剪輯"/>
-          <p:cNvPicPr>
-            <a:picLocks noChangeAspect="1"/>
-          </p:cNvPicPr>
+          <p:cNvPr id="20" name="矩形 19"/>
+          <p:cNvSpPr/>
           <p:nvPr/>
-        </p:nvPicPr>
-        <p:blipFill>
-          <a:blip r:embed="rId2">
-            <a:extLst>
-              <a:ext uri="{28A0092B-C50C-407E-A947-70E740481C1C}">
-                <a14:useLocalDpi xmlns:a14="http://schemas.microsoft.com/office/drawing/2010/main" val="0"/>
-              </a:ext>
-            </a:extLst>
-          </a:blip>
-          <a:stretch>
-            <a:fillRect/>
-          </a:stretch>
-        </p:blipFill>
+        </p:nvSpPr>
         <p:spPr>
           <a:xfrm>
-            <a:off x="1357280" y="2176230"/>
-            <a:ext cx="10289809" cy="4300770"/>
+            <a:off x="2735536" y="2020644"/>
+            <a:ext cx="6312877" cy="3175609"/>
           </a:xfrm>
           <a:prstGeom prst="rect">
             <a:avLst/>
           </a:prstGeom>
-        </p:spPr>
-      </p:pic>
+          <a:solidFill>
+            <a:schemeClr val="accent2"/>
+          </a:solidFill>
+          <a:ln w="28575">
+            <a:solidFill>
+              <a:schemeClr val="tx1"/>
+            </a:solidFill>
+          </a:ln>
+        </p:spPr>
+        <p:style>
+          <a:lnRef idx="2">
+            <a:schemeClr val="accent1">
+              <a:shade val="50000"/>
+            </a:schemeClr>
+          </a:lnRef>
+          <a:fillRef idx="1">
+            <a:schemeClr val="accent1"/>
+          </a:fillRef>
+          <a:effectRef idx="0">
+            <a:schemeClr val="accent1"/>
+          </a:effectRef>
+          <a:fontRef idx="minor">
+            <a:schemeClr val="lt1"/>
+          </a:fontRef>
+        </p:style>
+        <p:txBody>
+          <a:bodyPr rtlCol="0" anchor="ctr"/>
+          <a:lstStyle/>
+          <a:p>
+            <a:pPr algn="ctr"/>
+            <a:endParaRPr lang="zh-TW" altLang="en-US"/>
+          </a:p>
+        </p:txBody>
+      </p:sp>
+      <p:sp>
+        <p:nvSpPr>
+          <p:cNvPr id="21" name="矩形 20"/>
+          <p:cNvSpPr/>
+          <p:nvPr/>
+        </p:nvSpPr>
+        <p:spPr>
+          <a:xfrm>
+            <a:off x="3485813" y="2416420"/>
+            <a:ext cx="4812322" cy="2464776"/>
+          </a:xfrm>
+          <a:prstGeom prst="rect">
+            <a:avLst/>
+          </a:prstGeom>
+          <a:solidFill>
+            <a:schemeClr val="accent6"/>
+          </a:solidFill>
+          <a:ln w="28575">
+            <a:solidFill>
+              <a:schemeClr val="tx1"/>
+            </a:solidFill>
+          </a:ln>
+        </p:spPr>
+        <p:style>
+          <a:lnRef idx="2">
+            <a:schemeClr val="accent1">
+              <a:shade val="50000"/>
+            </a:schemeClr>
+          </a:lnRef>
+          <a:fillRef idx="1">
+            <a:schemeClr val="accent1"/>
+          </a:fillRef>
+          <a:effectRef idx="0">
+            <a:schemeClr val="accent1"/>
+          </a:effectRef>
+          <a:fontRef idx="minor">
+            <a:schemeClr val="lt1"/>
+          </a:fontRef>
+        </p:style>
+        <p:txBody>
+          <a:bodyPr rtlCol="0" anchor="ctr"/>
+          <a:lstStyle/>
+          <a:p>
+            <a:pPr algn="ctr"/>
+            <a:endParaRPr lang="zh-TW" altLang="en-US"/>
+          </a:p>
+        </p:txBody>
+      </p:sp>
+      <p:sp>
+        <p:nvSpPr>
+          <p:cNvPr id="22" name="向右箭號 21"/>
+          <p:cNvSpPr/>
+          <p:nvPr/>
+        </p:nvSpPr>
+        <p:spPr>
+          <a:xfrm>
+            <a:off x="2155245" y="3789484"/>
+            <a:ext cx="955429" cy="465993"/>
+          </a:xfrm>
+          <a:prstGeom prst="rightArrow">
+            <a:avLst/>
+          </a:prstGeom>
+          <a:solidFill>
+            <a:schemeClr val="tx1"/>
+          </a:solidFill>
+          <a:ln>
+            <a:solidFill>
+              <a:schemeClr val="tx1"/>
+            </a:solidFill>
+          </a:ln>
+        </p:spPr>
+        <p:style>
+          <a:lnRef idx="2">
+            <a:schemeClr val="accent1">
+              <a:shade val="50000"/>
+            </a:schemeClr>
+          </a:lnRef>
+          <a:fillRef idx="1">
+            <a:schemeClr val="accent1"/>
+          </a:fillRef>
+          <a:effectRef idx="0">
+            <a:schemeClr val="accent1"/>
+          </a:effectRef>
+          <a:fontRef idx="minor">
+            <a:schemeClr val="lt1"/>
+          </a:fontRef>
+        </p:style>
+        <p:txBody>
+          <a:bodyPr rtlCol="0" anchor="ctr"/>
+          <a:lstStyle/>
+          <a:p>
+            <a:pPr algn="ctr"/>
+            <a:endParaRPr lang="zh-TW" altLang="en-US"/>
+          </a:p>
+        </p:txBody>
+      </p:sp>
+      <p:sp>
+        <p:nvSpPr>
+          <p:cNvPr id="23" name="矩形 22"/>
+          <p:cNvSpPr/>
+          <p:nvPr/>
+        </p:nvSpPr>
+        <p:spPr>
+          <a:xfrm>
+            <a:off x="662529" y="3866974"/>
+            <a:ext cx="1492716" cy="369332"/>
+          </a:xfrm>
+          <a:prstGeom prst="rect">
+            <a:avLst/>
+          </a:prstGeom>
+        </p:spPr>
+        <p:txBody>
+          <a:bodyPr wrap="none">
+            <a:spAutoFit/>
+          </a:bodyPr>
+          <a:lstStyle/>
+          <a:p>
+            <a:r>
+              <a:rPr lang="en-US" altLang="zh-TW" dirty="0"/>
+              <a:t>Master Page</a:t>
+            </a:r>
+            <a:endParaRPr lang="zh-TW" altLang="en-US" dirty="0"/>
+          </a:p>
+        </p:txBody>
+      </p:sp>
+      <p:sp>
+        <p:nvSpPr>
+          <p:cNvPr id="24" name="向右箭號 23"/>
+          <p:cNvSpPr/>
+          <p:nvPr/>
+        </p:nvSpPr>
+        <p:spPr>
+          <a:xfrm rot="10800000">
+            <a:off x="7984544" y="3415811"/>
+            <a:ext cx="1518871" cy="465993"/>
+          </a:xfrm>
+          <a:prstGeom prst="rightArrow">
+            <a:avLst/>
+          </a:prstGeom>
+          <a:solidFill>
+            <a:schemeClr val="tx1"/>
+          </a:solidFill>
+          <a:ln>
+            <a:solidFill>
+              <a:schemeClr val="tx1"/>
+            </a:solidFill>
+          </a:ln>
+        </p:spPr>
+        <p:style>
+          <a:lnRef idx="2">
+            <a:schemeClr val="accent1">
+              <a:shade val="50000"/>
+            </a:schemeClr>
+          </a:lnRef>
+          <a:fillRef idx="1">
+            <a:schemeClr val="accent1"/>
+          </a:fillRef>
+          <a:effectRef idx="0">
+            <a:schemeClr val="accent1"/>
+          </a:effectRef>
+          <a:fontRef idx="minor">
+            <a:schemeClr val="lt1"/>
+          </a:fontRef>
+        </p:style>
+        <p:txBody>
+          <a:bodyPr rtlCol="0" anchor="ctr"/>
+          <a:lstStyle/>
+          <a:p>
+            <a:pPr algn="ctr"/>
+            <a:endParaRPr lang="zh-TW" altLang="en-US"/>
+          </a:p>
+        </p:txBody>
+      </p:sp>
+      <p:sp>
+        <p:nvSpPr>
+          <p:cNvPr id="25" name="矩形 24"/>
+          <p:cNvSpPr/>
+          <p:nvPr/>
+        </p:nvSpPr>
+        <p:spPr>
+          <a:xfrm>
+            <a:off x="9610308" y="3455349"/>
+            <a:ext cx="1257717" cy="369332"/>
+          </a:xfrm>
+          <a:prstGeom prst="rect">
+            <a:avLst/>
+          </a:prstGeom>
+        </p:spPr>
+        <p:txBody>
+          <a:bodyPr wrap="none">
+            <a:spAutoFit/>
+          </a:bodyPr>
+          <a:lstStyle/>
+          <a:p>
+            <a:r>
+              <a:rPr lang="en-US" altLang="zh-TW" dirty="0" smtClean="0"/>
+              <a:t>Web </a:t>
+            </a:r>
+            <a:r>
+              <a:rPr lang="en-US" altLang="zh-TW" dirty="0"/>
+              <a:t>Page</a:t>
+            </a:r>
+            <a:endParaRPr lang="zh-TW" altLang="en-US" dirty="0"/>
+          </a:p>
+        </p:txBody>
+      </p:sp>
+      <p:sp>
+        <p:nvSpPr>
+          <p:cNvPr id="11" name="矩形 10"/>
+          <p:cNvSpPr/>
+          <p:nvPr/>
+        </p:nvSpPr>
+        <p:spPr>
+          <a:xfrm>
+            <a:off x="3595716" y="2539336"/>
+            <a:ext cx="646331" cy="369332"/>
+          </a:xfrm>
+          <a:prstGeom prst="rect">
+            <a:avLst/>
+          </a:prstGeom>
+        </p:spPr>
+        <p:txBody>
+          <a:bodyPr wrap="none">
+            <a:spAutoFit/>
+          </a:bodyPr>
+          <a:lstStyle/>
+          <a:p>
+            <a:r>
+              <a:rPr lang="zh-TW" altLang="en-US" dirty="0"/>
+              <a:t>首頁</a:t>
+            </a:r>
+          </a:p>
+        </p:txBody>
+      </p:sp>
+      <p:sp>
+        <p:nvSpPr>
+          <p:cNvPr id="12" name="矩形 11"/>
+          <p:cNvSpPr/>
+          <p:nvPr/>
+        </p:nvSpPr>
+        <p:spPr>
+          <a:xfrm>
+            <a:off x="2855698" y="2041229"/>
+            <a:ext cx="3647152" cy="369332"/>
+          </a:xfrm>
+          <a:prstGeom prst="rect">
+            <a:avLst/>
+          </a:prstGeom>
+        </p:spPr>
+        <p:txBody>
+          <a:bodyPr wrap="none">
+            <a:spAutoFit/>
+          </a:bodyPr>
+          <a:lstStyle/>
+          <a:p>
+            <a:r>
+              <a:rPr lang="zh-TW" altLang="en-US" dirty="0" smtClean="0"/>
+              <a:t>不用登入就可以瀏覽的</a:t>
+            </a:r>
+            <a:r>
+              <a:rPr lang="en-US" altLang="zh-TW" dirty="0" err="1" smtClean="0"/>
+              <a:t>marst</a:t>
+            </a:r>
+            <a:r>
+              <a:rPr lang="zh-TW" altLang="en-US" dirty="0" smtClean="0"/>
+              <a:t> </a:t>
+            </a:r>
+            <a:r>
+              <a:rPr lang="en-US" altLang="zh-TW" dirty="0" smtClean="0"/>
+              <a:t>page</a:t>
+            </a:r>
+            <a:endParaRPr lang="zh-TW" altLang="en-US" dirty="0"/>
+          </a:p>
+        </p:txBody>
+      </p:sp>
     </p:spTree>
     <p:extLst>
       <p:ext uri="{BB962C8B-B14F-4D97-AF65-F5344CB8AC3E}">
-        <p14:creationId xmlns:p14="http://schemas.microsoft.com/office/powerpoint/2010/main" val="2158581830"/>
+        <p14:creationId xmlns:p14="http://schemas.microsoft.com/office/powerpoint/2010/main" val="1499941871"/>
       </p:ext>
     </p:extLst>
   </p:cSld>
@@ -16321,9 +16597,12 @@
           <a:p>
             <a:r>
               <a:rPr lang="zh-TW" altLang="en-US" dirty="0" smtClean="0"/>
-              <a:t>首頁</a:t>
-            </a:r>
-            <a:endParaRPr lang="zh-TW" altLang="en-US" dirty="0"/>
+              <a:t>關於</a:t>
+            </a:r>
+            <a:r>
+              <a:rPr lang="zh-TW" altLang="en-US" dirty="0"/>
+              <a:t>我們網頁</a:t>
+            </a:r>
           </a:p>
         </p:txBody>
       </p:sp>
@@ -16590,7 +16869,7 @@
         <p:spPr>
           <a:xfrm>
             <a:off x="3595716" y="2539336"/>
-            <a:ext cx="646331" cy="369332"/>
+            <a:ext cx="1569660" cy="369332"/>
           </a:xfrm>
           <a:prstGeom prst="rect">
             <a:avLst/>
@@ -16604,7 +16883,7 @@
           <a:p>
             <a:r>
               <a:rPr lang="zh-TW" altLang="en-US" dirty="0"/>
-              <a:t>首頁</a:t>
+              <a:t>關於我們網頁</a:t>
             </a:r>
           </a:p>
         </p:txBody>
@@ -16653,7 +16932,7 @@
     </p:spTree>
     <p:extLst>
       <p:ext uri="{BB962C8B-B14F-4D97-AF65-F5344CB8AC3E}">
-        <p14:creationId xmlns:p14="http://schemas.microsoft.com/office/powerpoint/2010/main" val="1499941871"/>
+        <p14:creationId xmlns:p14="http://schemas.microsoft.com/office/powerpoint/2010/main" val="1075468016"/>
       </p:ext>
     </p:extLst>
   </p:cSld>
@@ -16710,13 +16989,18 @@
           <a:lstStyle/>
           <a:p>
             <a:r>
+              <a:rPr lang="zh-TW" altLang="en-US" dirty="0"/>
+              <a:t>顯示</a:t>
+            </a:r>
+            <a:r>
               <a:rPr lang="zh-TW" altLang="en-US" dirty="0" smtClean="0"/>
-              <a:t>關於</a:t>
+              <a:t>無</a:t>
             </a:r>
             <a:r>
               <a:rPr lang="zh-TW" altLang="en-US" dirty="0"/>
-              <a:t>我們網頁</a:t>
-            </a:r>
+              <a:t>瀏覽權限網頁</a:t>
+            </a:r>
+            <a:endParaRPr lang="en-US" altLang="zh-TW" dirty="0"/>
           </a:p>
         </p:txBody>
       </p:sp>
@@ -16983,7 +17267,7 @@
         <p:spPr>
           <a:xfrm>
             <a:off x="3595716" y="2539336"/>
-            <a:ext cx="1569660" cy="369332"/>
+            <a:ext cx="2262158" cy="369332"/>
           </a:xfrm>
           <a:prstGeom prst="rect">
             <a:avLst/>
@@ -16997,8 +17281,9 @@
           <a:p>
             <a:r>
               <a:rPr lang="zh-TW" altLang="en-US" dirty="0"/>
-              <a:t>關於我們網頁</a:t>
-            </a:r>
+              <a:t>呈現無瀏覽權限網頁</a:t>
+            </a:r>
+            <a:endParaRPr lang="en-US" altLang="zh-TW" dirty="0"/>
           </a:p>
         </p:txBody>
       </p:sp>
@@ -17046,7 +17331,7 @@
     </p:spTree>
     <p:extLst>
       <p:ext uri="{BB962C8B-B14F-4D97-AF65-F5344CB8AC3E}">
-        <p14:creationId xmlns:p14="http://schemas.microsoft.com/office/powerpoint/2010/main" val="1075468016"/>
+        <p14:creationId xmlns:p14="http://schemas.microsoft.com/office/powerpoint/2010/main" val="4000062335"/>
       </p:ext>
     </p:extLst>
   </p:cSld>
@@ -17104,7 +17389,7 @@
           <a:p>
             <a:r>
               <a:rPr lang="zh-TW" altLang="en-US" dirty="0"/>
-              <a:t>登入網頁</a:t>
+              <a:t>註冊網頁</a:t>
             </a:r>
             <a:endParaRPr lang="en-US" altLang="zh-TW" dirty="0"/>
           </a:p>
@@ -17387,7 +17672,7 @@
           <a:p>
             <a:r>
               <a:rPr lang="zh-TW" altLang="en-US" dirty="0"/>
-              <a:t>登入網頁</a:t>
+              <a:t>註冊網頁</a:t>
             </a:r>
             <a:endParaRPr lang="en-US" altLang="zh-TW" dirty="0"/>
           </a:p>
@@ -17437,7 +17722,7 @@
     </p:spTree>
     <p:extLst>
       <p:ext uri="{BB962C8B-B14F-4D97-AF65-F5344CB8AC3E}">
-        <p14:creationId xmlns:p14="http://schemas.microsoft.com/office/powerpoint/2010/main" val="2055809677"/>
+        <p14:creationId xmlns:p14="http://schemas.microsoft.com/office/powerpoint/2010/main" val="1037842564"/>
       </p:ext>
     </p:extLst>
   </p:cSld>

--- a/投影片/4.實作-帳號註冊、登入網頁.pptx
+++ b/投影片/4.實作-帳號註冊、登入網頁.pptx
@@ -245,7 +245,7 @@
           <a:p>
             <a:fld id="{5B9B4E96-C3CE-45C2-9C7F-D52AA812C591}" type="datetimeFigureOut">
               <a:rPr lang="zh-TW" altLang="en-US" smtClean="0"/>
-              <a:t>2022/4/5</a:t>
+              <a:t>2022/4/17</a:t>
             </a:fld>
             <a:endParaRPr lang="zh-TW" altLang="en-US"/>
           </a:p>
@@ -631,7 +631,7 @@
           <a:p>
             <a:fld id="{31CDE89B-FBD9-4E23-BEEB-B0C8819124B3}" type="datetimeFigureOut">
               <a:rPr lang="zh-TW" altLang="en-US" smtClean="0"/>
-              <a:t>2022/4/5</a:t>
+              <a:t>2022/4/17</a:t>
             </a:fld>
             <a:endParaRPr lang="zh-TW" altLang="en-US"/>
           </a:p>
@@ -3502,7 +3502,7 @@
           <a:p>
             <a:fld id="{31CDE89B-FBD9-4E23-BEEB-B0C8819124B3}" type="datetimeFigureOut">
               <a:rPr lang="zh-TW" altLang="en-US" smtClean="0"/>
-              <a:t>2022/4/5</a:t>
+              <a:t>2022/4/17</a:t>
             </a:fld>
             <a:endParaRPr lang="zh-TW" altLang="en-US"/>
           </a:p>
@@ -3694,7 +3694,7 @@
           <a:p>
             <a:fld id="{31CDE89B-FBD9-4E23-BEEB-B0C8819124B3}" type="datetimeFigureOut">
               <a:rPr lang="zh-TW" altLang="en-US" smtClean="0"/>
-              <a:t>2022/4/5</a:t>
+              <a:t>2022/4/17</a:t>
             </a:fld>
             <a:endParaRPr lang="zh-TW" altLang="en-US"/>
           </a:p>
@@ -3890,7 +3890,7 @@
           <a:p>
             <a:fld id="{31CDE89B-FBD9-4E23-BEEB-B0C8819124B3}" type="datetimeFigureOut">
               <a:rPr lang="zh-TW" altLang="en-US" smtClean="0"/>
-              <a:t>2022/4/5</a:t>
+              <a:t>2022/4/17</a:t>
             </a:fld>
             <a:endParaRPr lang="zh-TW" altLang="en-US"/>
           </a:p>
@@ -4986,7 +4986,7 @@
           <a:p>
             <a:fld id="{31CDE89B-FBD9-4E23-BEEB-B0C8819124B3}" type="datetimeFigureOut">
               <a:rPr lang="zh-TW" altLang="en-US" smtClean="0"/>
-              <a:t>2022/4/5</a:t>
+              <a:t>2022/4/17</a:t>
             </a:fld>
             <a:endParaRPr lang="zh-TW" altLang="en-US"/>
           </a:p>
@@ -5235,7 +5235,7 @@
           <a:p>
             <a:fld id="{31CDE89B-FBD9-4E23-BEEB-B0C8819124B3}" type="datetimeFigureOut">
               <a:rPr lang="zh-TW" altLang="en-US" smtClean="0"/>
-              <a:t>2022/4/5</a:t>
+              <a:t>2022/4/17</a:t>
             </a:fld>
             <a:endParaRPr lang="zh-TW" altLang="en-US"/>
           </a:p>
@@ -5614,7 +5614,7 @@
           <a:p>
             <a:fld id="{31CDE89B-FBD9-4E23-BEEB-B0C8819124B3}" type="datetimeFigureOut">
               <a:rPr lang="zh-TW" altLang="en-US" smtClean="0"/>
-              <a:t>2022/4/5</a:t>
+              <a:t>2022/4/17</a:t>
             </a:fld>
             <a:endParaRPr lang="zh-TW" altLang="en-US"/>
           </a:p>
@@ -5744,7 +5744,7 @@
           <a:p>
             <a:fld id="{31CDE89B-FBD9-4E23-BEEB-B0C8819124B3}" type="datetimeFigureOut">
               <a:rPr lang="zh-TW" altLang="en-US" smtClean="0"/>
-              <a:t>2022/4/5</a:t>
+              <a:t>2022/4/17</a:t>
             </a:fld>
             <a:endParaRPr lang="zh-TW" altLang="en-US"/>
           </a:p>
@@ -5851,7 +5851,7 @@
           <a:p>
             <a:fld id="{31CDE89B-FBD9-4E23-BEEB-B0C8819124B3}" type="datetimeFigureOut">
               <a:rPr lang="zh-TW" altLang="en-US" smtClean="0"/>
-              <a:t>2022/4/5</a:t>
+              <a:t>2022/4/17</a:t>
             </a:fld>
             <a:endParaRPr lang="zh-TW" altLang="en-US"/>
           </a:p>
@@ -6140,7 +6140,7 @@
           <a:p>
             <a:fld id="{31CDE89B-FBD9-4E23-BEEB-B0C8819124B3}" type="datetimeFigureOut">
               <a:rPr lang="zh-TW" altLang="en-US" smtClean="0"/>
-              <a:t>2022/4/5</a:t>
+              <a:t>2022/4/17</a:t>
             </a:fld>
             <a:endParaRPr lang="zh-TW" altLang="en-US"/>
           </a:p>
@@ -6405,7 +6405,7 @@
           <a:p>
             <a:fld id="{31CDE89B-FBD9-4E23-BEEB-B0C8819124B3}" type="datetimeFigureOut">
               <a:rPr lang="zh-TW" altLang="en-US" smtClean="0"/>
-              <a:t>2022/4/5</a:t>
+              <a:t>2022/4/17</a:t>
             </a:fld>
             <a:endParaRPr lang="zh-TW" altLang="en-US"/>
           </a:p>
@@ -6630,7 +6630,7 @@
           <a:p>
             <a:fld id="{31CDE89B-FBD9-4E23-BEEB-B0C8819124B3}" type="datetimeFigureOut">
               <a:rPr lang="zh-TW" altLang="en-US" smtClean="0"/>
-              <a:t>2022/4/5</a:t>
+              <a:t>2022/4/17</a:t>
             </a:fld>
             <a:endParaRPr lang="zh-TW" altLang="en-US"/>
           </a:p>
@@ -7465,7 +7465,7 @@
         <p:spPr>
           <a:xfrm>
             <a:off x="2855698" y="2041229"/>
-            <a:ext cx="3647152" cy="369332"/>
+            <a:ext cx="3775393" cy="369332"/>
           </a:xfrm>
           <a:prstGeom prst="rect">
             <a:avLst/>
@@ -7482,8 +7482,8 @@
               <a:t>不用登入就可以瀏覽的</a:t>
             </a:r>
             <a:r>
-              <a:rPr lang="en-US" altLang="zh-TW" dirty="0" err="1" smtClean="0"/>
-              <a:t>marst</a:t>
+              <a:rPr lang="en-US" altLang="zh-TW" dirty="0"/>
+              <a:t>Master</a:t>
             </a:r>
             <a:r>
               <a:rPr lang="zh-TW" altLang="en-US" dirty="0" smtClean="0"/>
@@ -7556,14 +7556,18 @@
           <a:p>
             <a:r>
               <a:rPr lang="zh-TW" altLang="en-US" dirty="0"/>
-              <a:t>不用登入就可以瀏覽的</a:t>
-            </a:r>
-            <a:r>
-              <a:rPr lang="en-US" altLang="zh-TW" dirty="0" err="1"/>
-              <a:t>marst</a:t>
-            </a:r>
-            <a:r>
-              <a:rPr lang="zh-TW" altLang="en-US" dirty="0"/>
+              <a:t>不用登入就可以瀏覽</a:t>
+            </a:r>
+            <a:r>
+              <a:rPr lang="zh-TW" altLang="en-US" dirty="0" smtClean="0"/>
+              <a:t>的</a:t>
+            </a:r>
+            <a:r>
+              <a:rPr lang="en-US" altLang="zh-TW" dirty="0"/>
+              <a:t>Master</a:t>
+            </a:r>
+            <a:r>
+              <a:rPr lang="zh-TW" altLang="en-US" dirty="0" smtClean="0"/>
               <a:t> </a:t>
             </a:r>
             <a:r>
@@ -7595,16 +7599,12 @@
               </a:spcBef>
             </a:pPr>
             <a:r>
-              <a:rPr lang="zh-TW" altLang="en-US" dirty="0"/>
+              <a:rPr lang="zh-TW" altLang="en-US" dirty="0" smtClean="0"/>
               <a:t>建置</a:t>
             </a:r>
             <a:r>
-              <a:rPr lang="en-US" altLang="zh-TW" dirty="0" err="1"/>
-              <a:t>marst</a:t>
-            </a:r>
-            <a:r>
               <a:rPr lang="en-US" altLang="zh-TW" dirty="0"/>
-              <a:t> page</a:t>
+              <a:t>Master page</a:t>
             </a:r>
             <a:endParaRPr lang="zh-TW" altLang="en-US" dirty="0"/>
           </a:p>
@@ -7777,36 +7777,6 @@
       </p:sp>
       <p:pic>
         <p:nvPicPr>
-          <p:cNvPr id="6" name="圖片 5" descr="畫面剪輯"/>
-          <p:cNvPicPr>
-            <a:picLocks noChangeAspect="1"/>
-          </p:cNvPicPr>
-          <p:nvPr/>
-        </p:nvPicPr>
-        <p:blipFill>
-          <a:blip r:embed="rId2">
-            <a:extLst>
-              <a:ext uri="{28A0092B-C50C-407E-A947-70E740481C1C}">
-                <a14:useLocalDpi xmlns:a14="http://schemas.microsoft.com/office/drawing/2010/main" val="0"/>
-              </a:ext>
-            </a:extLst>
-          </a:blip>
-          <a:stretch>
-            <a:fillRect/>
-          </a:stretch>
-        </p:blipFill>
-        <p:spPr>
-          <a:xfrm>
-            <a:off x="1315488" y="1721640"/>
-            <a:ext cx="8005586" cy="1413486"/>
-          </a:xfrm>
-          <a:prstGeom prst="rect">
-            <a:avLst/>
-          </a:prstGeom>
-        </p:spPr>
-      </p:pic>
-      <p:pic>
-        <p:nvPicPr>
           <p:cNvPr id="8" name="內容版面配置區 3" descr="畫面剪輯"/>
           <p:cNvPicPr>
             <a:picLocks noChangeAspect="1"/>
@@ -7814,7 +7784,7 @@
           <p:nvPr/>
         </p:nvPicPr>
         <p:blipFill rotWithShape="1">
-          <a:blip r:embed="rId3">
+          <a:blip r:embed="rId2">
             <a:extLst>
               <a:ext uri="{28A0092B-C50C-407E-A947-70E740481C1C}">
                 <a14:useLocalDpi xmlns:a14="http://schemas.microsoft.com/office/drawing/2010/main" val="0"/>
@@ -7846,6 +7816,36 @@
               </a:srgbClr>
             </a:outerShdw>
           </a:effectLst>
+        </p:spPr>
+      </p:pic>
+      <p:pic>
+        <p:nvPicPr>
+          <p:cNvPr id="3" name="圖片 2" descr="畫面剪輯"/>
+          <p:cNvPicPr>
+            <a:picLocks noChangeAspect="1"/>
+          </p:cNvPicPr>
+          <p:nvPr/>
+        </p:nvPicPr>
+        <p:blipFill>
+          <a:blip r:embed="rId3">
+            <a:extLst>
+              <a:ext uri="{28A0092B-C50C-407E-A947-70E740481C1C}">
+                <a14:useLocalDpi xmlns:a14="http://schemas.microsoft.com/office/drawing/2010/main" val="0"/>
+              </a:ext>
+            </a:extLst>
+          </a:blip>
+          <a:stretch>
+            <a:fillRect/>
+          </a:stretch>
+        </p:blipFill>
+        <p:spPr>
+          <a:xfrm>
+            <a:off x="1315487" y="1554161"/>
+            <a:ext cx="8267488" cy="1268169"/>
+          </a:xfrm>
+          <a:prstGeom prst="rect">
+            <a:avLst/>
+          </a:prstGeom>
         </p:spPr>
       </p:pic>
     </p:spTree>
@@ -7960,7 +7960,7 @@
       </p:pic>
       <p:pic>
         <p:nvPicPr>
-          <p:cNvPr id="5" name="圖片 4" descr="畫面剪輯"/>
+          <p:cNvPr id="3" name="圖片 2" descr="畫面剪輯"/>
           <p:cNvPicPr>
             <a:picLocks noChangeAspect="1"/>
           </p:cNvPicPr>
@@ -7980,8 +7980,8 @@
         </p:blipFill>
         <p:spPr>
           <a:xfrm>
-            <a:off x="1223930" y="1858862"/>
-            <a:ext cx="8007880" cy="1476453"/>
+            <a:off x="1223930" y="1696915"/>
+            <a:ext cx="8254178" cy="1382155"/>
           </a:xfrm>
           <a:prstGeom prst="rect">
             <a:avLst/>
@@ -8229,7 +8229,7 @@
       </p:sp>
       <p:pic>
         <p:nvPicPr>
-          <p:cNvPr id="3" name="圖片 2" descr="畫面剪輯"/>
+          <p:cNvPr id="4" name="圖片 3" descr="畫面剪輯"/>
           <p:cNvPicPr>
             <a:picLocks noChangeAspect="1"/>
           </p:cNvPicPr>
@@ -8249,8 +8249,8 @@
         </p:blipFill>
         <p:spPr>
           <a:xfrm>
-            <a:off x="1223930" y="1705707"/>
-            <a:ext cx="7805044" cy="2988467"/>
+            <a:off x="1223930" y="2059848"/>
+            <a:ext cx="9106523" cy="3216477"/>
           </a:xfrm>
           <a:prstGeom prst="rect">
             <a:avLst/>
@@ -8538,13 +8538,11 @@
       </p:sp>
       <p:pic>
         <p:nvPicPr>
-          <p:cNvPr id="8" name="內容版面配置區 7" descr="畫面剪輯"/>
+          <p:cNvPr id="3" name="圖片 2" descr="畫面剪輯"/>
           <p:cNvPicPr>
-            <a:picLocks noGrp="1" noChangeAspect="1"/>
+            <a:picLocks noChangeAspect="1"/>
           </p:cNvPicPr>
-          <p:nvPr>
-            <p:ph idx="1"/>
-          </p:nvPr>
+          <p:nvPr/>
         </p:nvPicPr>
         <p:blipFill>
           <a:blip r:embed="rId2">
@@ -8560,14 +8558,31 @@
         </p:blipFill>
         <p:spPr>
           <a:xfrm>
-            <a:off x="729479" y="1420690"/>
-            <a:ext cx="7197530" cy="4980110"/>
-          </a:xfrm>
+            <a:off x="8252110" y="1503388"/>
+            <a:ext cx="3517860" cy="4897412"/>
+          </a:xfrm>
+          <a:prstGeom prst="rect">
+            <a:avLst/>
+          </a:prstGeom>
+          <a:ln w="38100" cap="sq">
+            <a:solidFill>
+              <a:srgbClr val="000000"/>
+            </a:solidFill>
+            <a:prstDash val="solid"/>
+            <a:miter lim="800000"/>
+          </a:ln>
+          <a:effectLst>
+            <a:outerShdw blurRad="50800" dist="38100" dir="2700000" algn="tl" rotWithShape="0">
+              <a:srgbClr val="000000">
+                <a:alpha val="43000"/>
+              </a:srgbClr>
+            </a:outerShdw>
+          </a:effectLst>
         </p:spPr>
       </p:pic>
       <p:pic>
         <p:nvPicPr>
-          <p:cNvPr id="3" name="圖片 2" descr="畫面剪輯"/>
+          <p:cNvPr id="7" name="圖片 6" descr="畫面剪輯"/>
           <p:cNvPicPr>
             <a:picLocks noChangeAspect="1"/>
           </p:cNvPicPr>
@@ -8587,26 +8602,12 @@
         </p:blipFill>
         <p:spPr>
           <a:xfrm>
-            <a:off x="8252110" y="1503388"/>
-            <a:ext cx="3517860" cy="4897412"/>
+            <a:off x="1184282" y="1193873"/>
+            <a:ext cx="6165883" cy="5516441"/>
           </a:xfrm>
           <a:prstGeom prst="rect">
             <a:avLst/>
           </a:prstGeom>
-          <a:ln w="38100" cap="sq">
-            <a:solidFill>
-              <a:srgbClr val="000000"/>
-            </a:solidFill>
-            <a:prstDash val="solid"/>
-            <a:miter lim="800000"/>
-          </a:ln>
-          <a:effectLst>
-            <a:outerShdw blurRad="50800" dist="38100" dir="2700000" algn="tl" rotWithShape="0">
-              <a:srgbClr val="000000">
-                <a:alpha val="43000"/>
-              </a:srgbClr>
-            </a:outerShdw>
-          </a:effectLst>
         </p:spPr>
       </p:pic>
     </p:spTree>
@@ -8942,7 +8943,7 @@
       </p:pic>
       <p:pic>
         <p:nvPicPr>
-          <p:cNvPr id="5" name="圖片 4" descr="畫面剪輯"/>
+          <p:cNvPr id="3" name="圖片 2" descr="畫面剪輯"/>
           <p:cNvPicPr>
             <a:picLocks noChangeAspect="1"/>
           </p:cNvPicPr>
@@ -8962,8 +8963,8 @@
         </p:blipFill>
         <p:spPr>
           <a:xfrm>
-            <a:off x="1223930" y="1554162"/>
-            <a:ext cx="9124616" cy="1805480"/>
+            <a:off x="1223929" y="1554162"/>
+            <a:ext cx="9185035" cy="1523146"/>
           </a:xfrm>
           <a:prstGeom prst="rect">
             <a:avLst/>
@@ -11402,11 +11403,7 @@
           <a:p>
             <a:r>
               <a:rPr lang="zh-TW" altLang="en-US" dirty="0" smtClean="0"/>
-              <a:t>會員</a:t>
-            </a:r>
-            <a:r>
-              <a:rPr lang="zh-TW" altLang="en-US" dirty="0" smtClean="0"/>
-              <a:t>角色</a:t>
+              <a:t>會員角色</a:t>
             </a:r>
             <a:endParaRPr lang="en-US" altLang="zh-TW" dirty="0" smtClean="0"/>
           </a:p>
@@ -13450,11 +13447,7 @@
             </a:r>
             <a:r>
               <a:rPr lang="zh-TW" altLang="en-US" dirty="0" smtClean="0"/>
-              <a:t>回</a:t>
-            </a:r>
-            <a:r>
-              <a:rPr lang="zh-TW" altLang="en-US" dirty="0" smtClean="0"/>
-              <a:t>傳的資料</a:t>
+              <a:t>回傳的資料</a:t>
             </a:r>
             <a:r>
               <a:rPr lang="en-US" altLang="zh-TW" dirty="0" smtClean="0"/>
@@ -14054,27 +14047,23 @@
           <a:lstStyle/>
           <a:p>
             <a:r>
-              <a:rPr lang="zh-TW" altLang="en-US" dirty="0"/>
-              <a:t>建置</a:t>
-            </a:r>
-            <a:r>
-              <a:rPr lang="en-US" altLang="zh-TW" dirty="0" err="1"/>
-              <a:t>marst</a:t>
-            </a:r>
-            <a:r>
-              <a:rPr lang="en-US" altLang="zh-TW" dirty="0"/>
-              <a:t> page</a:t>
-            </a:r>
-            <a:endParaRPr lang="zh-TW" altLang="en-US" dirty="0"/>
-          </a:p>
-          <a:p>
-            <a:r>
               <a:rPr lang="zh-TW" altLang="en-US" dirty="0" smtClean="0"/>
               <a:t>建置</a:t>
             </a:r>
             <a:r>
+              <a:rPr lang="en-US" altLang="zh-TW" dirty="0"/>
+              <a:t>Master page</a:t>
+            </a:r>
+            <a:endParaRPr lang="zh-TW" altLang="en-US" dirty="0"/>
+          </a:p>
+          <a:p>
+            <a:r>
+              <a:rPr lang="zh-TW" altLang="en-US" dirty="0" smtClean="0"/>
+              <a:t>建置</a:t>
+            </a:r>
+            <a:r>
               <a:rPr lang="en-US" altLang="zh-TW" dirty="0" smtClean="0"/>
-              <a:t>web page</a:t>
+              <a:t>Web page</a:t>
             </a:r>
           </a:p>
           <a:p>
@@ -14460,7 +14449,7 @@
         <p:spPr>
           <a:xfrm>
             <a:off x="2855698" y="2041229"/>
-            <a:ext cx="3416320" cy="369332"/>
+            <a:ext cx="3544560" cy="369332"/>
           </a:xfrm>
           <a:prstGeom prst="rect">
             <a:avLst/>
@@ -14485,8 +14474,8 @@
               <a:t>可以瀏覽的</a:t>
             </a:r>
             <a:r>
-              <a:rPr lang="en-US" altLang="zh-TW" dirty="0" err="1" smtClean="0"/>
-              <a:t>marst</a:t>
+              <a:rPr lang="en-US" altLang="zh-TW" dirty="0"/>
+              <a:t>Master</a:t>
             </a:r>
             <a:r>
               <a:rPr lang="zh-TW" altLang="en-US" dirty="0" smtClean="0"/>
@@ -14862,7 +14851,7 @@
         <p:spPr>
           <a:xfrm>
             <a:off x="2855698" y="2041229"/>
-            <a:ext cx="3416320" cy="369332"/>
+            <a:ext cx="3544560" cy="369332"/>
           </a:xfrm>
           <a:prstGeom prst="rect">
             <a:avLst/>
@@ -14887,8 +14876,8 @@
               <a:t>可以瀏覽的</a:t>
             </a:r>
             <a:r>
-              <a:rPr lang="en-US" altLang="zh-TW" dirty="0" err="1" smtClean="0"/>
-              <a:t>marst</a:t>
+              <a:rPr lang="en-US" altLang="zh-TW" dirty="0"/>
+              <a:t>Master</a:t>
             </a:r>
             <a:r>
               <a:rPr lang="zh-TW" altLang="en-US" dirty="0" smtClean="0"/>
@@ -14995,12 +14984,12 @@
               <a:t>建置</a:t>
             </a:r>
             <a:r>
-              <a:rPr lang="en-US" altLang="zh-TW" dirty="0" err="1" smtClean="0"/>
-              <a:t>marst</a:t>
+              <a:rPr lang="en-US" altLang="zh-TW" dirty="0"/>
+              <a:t>Master </a:t>
             </a:r>
             <a:r>
               <a:rPr lang="en-US" altLang="zh-TW" dirty="0" smtClean="0"/>
-              <a:t> page</a:t>
+              <a:t>page</a:t>
             </a:r>
             <a:endParaRPr lang="zh-TW" altLang="en-US" dirty="0"/>
           </a:p>
@@ -15008,7 +14997,7 @@
       </p:sp>
       <p:pic>
         <p:nvPicPr>
-          <p:cNvPr id="7" name="圖片 6" descr="畫面剪輯"/>
+          <p:cNvPr id="4" name="圖片 3" descr="畫面剪輯"/>
           <p:cNvPicPr>
             <a:picLocks noChangeAspect="1"/>
           </p:cNvPicPr>
@@ -15028,8 +15017,8 @@
         </p:blipFill>
         <p:spPr>
           <a:xfrm>
-            <a:off x="4396154" y="1171230"/>
-            <a:ext cx="7285892" cy="5686770"/>
+            <a:off x="4404945" y="1385278"/>
+            <a:ext cx="6529552" cy="5269462"/>
           </a:xfrm>
           <a:prstGeom prst="rect">
             <a:avLst/>
@@ -15116,16 +15105,12 @@
           <a:lstStyle/>
           <a:p>
             <a:r>
-              <a:rPr lang="zh-TW" altLang="en-US" dirty="0"/>
+              <a:rPr lang="zh-TW" altLang="en-US" dirty="0" smtClean="0"/>
               <a:t>建置</a:t>
             </a:r>
             <a:r>
-              <a:rPr lang="en-US" altLang="zh-TW" dirty="0" err="1"/>
-              <a:t>marst</a:t>
-            </a:r>
-            <a:r>
               <a:rPr lang="en-US" altLang="zh-TW" dirty="0"/>
-              <a:t> page</a:t>
+              <a:t>Master page</a:t>
             </a:r>
             <a:endParaRPr lang="zh-TW" altLang="en-US" dirty="0"/>
           </a:p>
@@ -15136,7 +15121,7 @@
       </p:sp>
       <p:pic>
         <p:nvPicPr>
-          <p:cNvPr id="9" name="內容版面配置區 5" descr="畫面剪輯"/>
+          <p:cNvPr id="5" name="圖片 4" descr="畫面剪輯"/>
           <p:cNvPicPr>
             <a:picLocks noChangeAspect="1"/>
           </p:cNvPicPr>
@@ -15156,17 +15141,77 @@
         </p:blipFill>
         <p:spPr>
           <a:xfrm>
-            <a:off x="1352767" y="2258197"/>
-            <a:ext cx="5884035" cy="3918767"/>
+            <a:off x="7574071" y="1448654"/>
+            <a:ext cx="3170861" cy="4342362"/>
           </a:xfrm>
           <a:prstGeom prst="rect">
             <a:avLst/>
           </a:prstGeom>
+          <a:ln w="38100" cap="sq">
+            <a:solidFill>
+              <a:srgbClr val="000000"/>
+            </a:solidFill>
+            <a:prstDash val="solid"/>
+            <a:miter lim="800000"/>
+          </a:ln>
+          <a:effectLst>
+            <a:outerShdw blurRad="50800" dist="38100" dir="2700000" algn="tl" rotWithShape="0">
+              <a:srgbClr val="000000">
+                <a:alpha val="43000"/>
+              </a:srgbClr>
+            </a:outerShdw>
+          </a:effectLst>
         </p:spPr>
       </p:pic>
+      <p:sp>
+        <p:nvSpPr>
+          <p:cNvPr id="3" name="矩形 2"/>
+          <p:cNvSpPr/>
+          <p:nvPr/>
+        </p:nvSpPr>
+        <p:spPr>
+          <a:xfrm>
+            <a:off x="7574071" y="1837592"/>
+            <a:ext cx="1969477" cy="316523"/>
+          </a:xfrm>
+          <a:prstGeom prst="rect">
+            <a:avLst/>
+          </a:prstGeom>
+          <a:noFill/>
+          <a:ln w="28575">
+            <a:solidFill>
+              <a:srgbClr val="FF0000"/>
+            </a:solidFill>
+          </a:ln>
+        </p:spPr>
+        <p:style>
+          <a:lnRef idx="2">
+            <a:schemeClr val="accent1">
+              <a:shade val="50000"/>
+            </a:schemeClr>
+          </a:lnRef>
+          <a:fillRef idx="1">
+            <a:schemeClr val="accent1"/>
+          </a:fillRef>
+          <a:effectRef idx="0">
+            <a:schemeClr val="accent1"/>
+          </a:effectRef>
+          <a:fontRef idx="minor">
+            <a:schemeClr val="lt1"/>
+          </a:fontRef>
+        </p:style>
+        <p:txBody>
+          <a:bodyPr rtlCol="0" anchor="ctr"/>
+          <a:lstStyle/>
+          <a:p>
+            <a:pPr algn="ctr"/>
+            <a:endParaRPr lang="zh-TW" altLang="en-US"/>
+          </a:p>
+        </p:txBody>
+      </p:sp>
       <p:pic>
         <p:nvPicPr>
-          <p:cNvPr id="5" name="圖片 4" descr="畫面剪輯"/>
+          <p:cNvPr id="4" name="圖片 3" descr="畫面剪輯"/>
           <p:cNvPicPr>
             <a:picLocks noChangeAspect="1"/>
           </p:cNvPicPr>
@@ -15186,74 +15231,14 @@
         </p:blipFill>
         <p:spPr>
           <a:xfrm>
-            <a:off x="7574071" y="1448654"/>
-            <a:ext cx="3170861" cy="4342362"/>
+            <a:off x="1223930" y="2154115"/>
+            <a:ext cx="5569475" cy="3735486"/>
           </a:xfrm>
           <a:prstGeom prst="rect">
             <a:avLst/>
           </a:prstGeom>
-          <a:ln w="38100" cap="sq">
-            <a:solidFill>
-              <a:srgbClr val="000000"/>
-            </a:solidFill>
-            <a:prstDash val="solid"/>
-            <a:miter lim="800000"/>
-          </a:ln>
-          <a:effectLst>
-            <a:outerShdw blurRad="50800" dist="38100" dir="2700000" algn="tl" rotWithShape="0">
-              <a:srgbClr val="000000">
-                <a:alpha val="43000"/>
-              </a:srgbClr>
-            </a:outerShdw>
-          </a:effectLst>
         </p:spPr>
       </p:pic>
-      <p:sp>
-        <p:nvSpPr>
-          <p:cNvPr id="3" name="矩形 2"/>
-          <p:cNvSpPr/>
-          <p:nvPr/>
-        </p:nvSpPr>
-        <p:spPr>
-          <a:xfrm>
-            <a:off x="7574071" y="1837592"/>
-            <a:ext cx="1969477" cy="316523"/>
-          </a:xfrm>
-          <a:prstGeom prst="rect">
-            <a:avLst/>
-          </a:prstGeom>
-          <a:noFill/>
-          <a:ln w="28575">
-            <a:solidFill>
-              <a:srgbClr val="FF0000"/>
-            </a:solidFill>
-          </a:ln>
-        </p:spPr>
-        <p:style>
-          <a:lnRef idx="2">
-            <a:schemeClr val="accent1">
-              <a:shade val="50000"/>
-            </a:schemeClr>
-          </a:lnRef>
-          <a:fillRef idx="1">
-            <a:schemeClr val="accent1"/>
-          </a:fillRef>
-          <a:effectRef idx="0">
-            <a:schemeClr val="accent1"/>
-          </a:effectRef>
-          <a:fontRef idx="minor">
-            <a:schemeClr val="lt1"/>
-          </a:fontRef>
-        </p:style>
-        <p:txBody>
-          <a:bodyPr rtlCol="0" anchor="ctr"/>
-          <a:lstStyle/>
-          <a:p>
-            <a:pPr algn="ctr"/>
-            <a:endParaRPr lang="zh-TW" altLang="en-US"/>
-          </a:p>
-        </p:txBody>
-      </p:sp>
     </p:spTree>
     <p:extLst>
       <p:ext uri="{BB962C8B-B14F-4D97-AF65-F5344CB8AC3E}">
@@ -15320,35 +15305,6 @@
       </p:sp>
       <p:pic>
         <p:nvPicPr>
-          <p:cNvPr id="4" name="內容版面配置區 3" descr="畫面剪輯"/>
-          <p:cNvPicPr>
-            <a:picLocks noGrp="1" noChangeAspect="1"/>
-          </p:cNvPicPr>
-          <p:nvPr>
-            <p:ph idx="1"/>
-          </p:nvPr>
-        </p:nvPicPr>
-        <p:blipFill>
-          <a:blip r:embed="rId2">
-            <a:extLst>
-              <a:ext uri="{28A0092B-C50C-407E-A947-70E740481C1C}">
-                <a14:useLocalDpi xmlns:a14="http://schemas.microsoft.com/office/drawing/2010/main" val="0"/>
-              </a:ext>
-            </a:extLst>
-          </a:blip>
-          <a:stretch>
-            <a:fillRect/>
-          </a:stretch>
-        </p:blipFill>
-        <p:spPr>
-          <a:xfrm>
-            <a:off x="502961" y="2947720"/>
-            <a:ext cx="6620799" cy="1209844"/>
-          </a:xfrm>
-        </p:spPr>
-      </p:pic>
-      <p:pic>
-        <p:nvPicPr>
           <p:cNvPr id="5" name="圖片 4" descr="畫面剪輯"/>
           <p:cNvPicPr>
             <a:picLocks noChangeAspect="1"/>
@@ -15356,7 +15312,7 @@
           <p:nvPr/>
         </p:nvPicPr>
         <p:blipFill>
-          <a:blip r:embed="rId3">
+          <a:blip r:embed="rId2">
             <a:extLst>
               <a:ext uri="{28A0092B-C50C-407E-A947-70E740481C1C}">
                 <a14:useLocalDpi xmlns:a14="http://schemas.microsoft.com/office/drawing/2010/main" val="0"/>
@@ -15389,6 +15345,35 @@
               </a:srgbClr>
             </a:outerShdw>
           </a:effectLst>
+        </p:spPr>
+      </p:pic>
+      <p:pic>
+        <p:nvPicPr>
+          <p:cNvPr id="6" name="內容版面配置區 5" descr="畫面剪輯"/>
+          <p:cNvPicPr>
+            <a:picLocks noGrp="1" noChangeAspect="1"/>
+          </p:cNvPicPr>
+          <p:nvPr>
+            <p:ph idx="1"/>
+          </p:nvPr>
+        </p:nvPicPr>
+        <p:blipFill>
+          <a:blip r:embed="rId3">
+            <a:extLst>
+              <a:ext uri="{28A0092B-C50C-407E-A947-70E740481C1C}">
+                <a14:useLocalDpi xmlns:a14="http://schemas.microsoft.com/office/drawing/2010/main" val="0"/>
+              </a:ext>
+            </a:extLst>
+          </a:blip>
+          <a:stretch>
+            <a:fillRect/>
+          </a:stretch>
+        </p:blipFill>
+        <p:spPr>
+          <a:xfrm>
+            <a:off x="784314" y="2196000"/>
+            <a:ext cx="6581331" cy="1184839"/>
+          </a:xfrm>
         </p:spPr>
       </p:pic>
     </p:spTree>
@@ -15479,7 +15464,7 @@
       </p:sp>
       <p:pic>
         <p:nvPicPr>
-          <p:cNvPr id="5" name="圖片 4" descr="畫面剪輯"/>
+          <p:cNvPr id="6" name="圖片 5" descr="畫面剪輯"/>
           <p:cNvPicPr>
             <a:picLocks noChangeAspect="1"/>
           </p:cNvPicPr>
@@ -15499,17 +15484,31 @@
         </p:blipFill>
         <p:spPr>
           <a:xfrm>
-            <a:off x="656395" y="2579737"/>
-            <a:ext cx="6658806" cy="1047880"/>
+            <a:off x="7882736" y="2337993"/>
+            <a:ext cx="2434494" cy="2579248"/>
           </a:xfrm>
           <a:prstGeom prst="rect">
             <a:avLst/>
           </a:prstGeom>
+          <a:ln w="38100" cap="sq">
+            <a:solidFill>
+              <a:srgbClr val="000000"/>
+            </a:solidFill>
+            <a:prstDash val="solid"/>
+            <a:miter lim="800000"/>
+          </a:ln>
+          <a:effectLst>
+            <a:outerShdw blurRad="50800" dist="38100" dir="2700000" algn="tl" rotWithShape="0">
+              <a:srgbClr val="000000">
+                <a:alpha val="43000"/>
+              </a:srgbClr>
+            </a:outerShdw>
+          </a:effectLst>
         </p:spPr>
       </p:pic>
       <p:pic>
         <p:nvPicPr>
-          <p:cNvPr id="6" name="圖片 5" descr="畫面剪輯"/>
+          <p:cNvPr id="4" name="圖片 3" descr="畫面剪輯"/>
           <p:cNvPicPr>
             <a:picLocks noChangeAspect="1"/>
           </p:cNvPicPr>
@@ -15529,26 +15528,12 @@
         </p:blipFill>
         <p:spPr>
           <a:xfrm>
-            <a:off x="7882736" y="2337993"/>
-            <a:ext cx="2434494" cy="2579248"/>
+            <a:off x="569780" y="2337993"/>
+            <a:ext cx="7149250" cy="1224038"/>
           </a:xfrm>
           <a:prstGeom prst="rect">
             <a:avLst/>
           </a:prstGeom>
-          <a:ln w="38100" cap="sq">
-            <a:solidFill>
-              <a:srgbClr val="000000"/>
-            </a:solidFill>
-            <a:prstDash val="solid"/>
-            <a:miter lim="800000"/>
-          </a:ln>
-          <a:effectLst>
-            <a:outerShdw blurRad="50800" dist="38100" dir="2700000" algn="tl" rotWithShape="0">
-              <a:srgbClr val="000000">
-                <a:alpha val="43000"/>
-              </a:srgbClr>
-            </a:outerShdw>
-          </a:effectLst>
         </p:spPr>
       </p:pic>
     </p:spTree>
@@ -16074,27 +16059,23 @@
           <a:lstStyle/>
           <a:p>
             <a:r>
-              <a:rPr lang="zh-TW" altLang="en-US" dirty="0"/>
-              <a:t>建置</a:t>
-            </a:r>
-            <a:r>
-              <a:rPr lang="en-US" altLang="zh-TW" dirty="0" err="1"/>
-              <a:t>marst</a:t>
-            </a:r>
-            <a:r>
-              <a:rPr lang="en-US" altLang="zh-TW" dirty="0"/>
-              <a:t> page</a:t>
-            </a:r>
-            <a:endParaRPr lang="zh-TW" altLang="en-US" dirty="0"/>
-          </a:p>
-          <a:p>
-            <a:r>
               <a:rPr lang="zh-TW" altLang="en-US" dirty="0" smtClean="0"/>
               <a:t>建置</a:t>
             </a:r>
             <a:r>
+              <a:rPr lang="en-US" altLang="zh-TW" dirty="0"/>
+              <a:t>Master page</a:t>
+            </a:r>
+            <a:endParaRPr lang="zh-TW" altLang="en-US" dirty="0"/>
+          </a:p>
+          <a:p>
+            <a:r>
+              <a:rPr lang="zh-TW" altLang="en-US" dirty="0" smtClean="0"/>
+              <a:t>建置</a:t>
+            </a:r>
+            <a:r>
               <a:rPr lang="en-US" altLang="zh-TW" dirty="0" smtClean="0"/>
-              <a:t>web page</a:t>
+              <a:t>Web page</a:t>
             </a:r>
           </a:p>
           <a:p>
@@ -16504,7 +16485,7 @@
         <p:spPr>
           <a:xfrm>
             <a:off x="2855698" y="2041229"/>
-            <a:ext cx="3647152" cy="369332"/>
+            <a:ext cx="3775393" cy="369332"/>
           </a:xfrm>
           <a:prstGeom prst="rect">
             <a:avLst/>
@@ -16521,8 +16502,8 @@
               <a:t>不用登入就可以瀏覽的</a:t>
             </a:r>
             <a:r>
-              <a:rPr lang="en-US" altLang="zh-TW" dirty="0" err="1" smtClean="0"/>
-              <a:t>marst</a:t>
+              <a:rPr lang="en-US" altLang="zh-TW" dirty="0"/>
+              <a:t>Master</a:t>
             </a:r>
             <a:r>
               <a:rPr lang="zh-TW" altLang="en-US" dirty="0" smtClean="0"/>
@@ -16897,7 +16878,7 @@
         <p:spPr>
           <a:xfrm>
             <a:off x="2855698" y="2041229"/>
-            <a:ext cx="3647152" cy="369332"/>
+            <a:ext cx="3775393" cy="369332"/>
           </a:xfrm>
           <a:prstGeom prst="rect">
             <a:avLst/>
@@ -16914,8 +16895,8 @@
               <a:t>不用登入就可以瀏覽的</a:t>
             </a:r>
             <a:r>
-              <a:rPr lang="en-US" altLang="zh-TW" dirty="0" err="1" smtClean="0"/>
-              <a:t>marst</a:t>
+              <a:rPr lang="en-US" altLang="zh-TW" dirty="0"/>
+              <a:t>Master</a:t>
             </a:r>
             <a:r>
               <a:rPr lang="zh-TW" altLang="en-US" dirty="0" smtClean="0"/>
@@ -17296,7 +17277,7 @@
         <p:spPr>
           <a:xfrm>
             <a:off x="2855698" y="2041229"/>
-            <a:ext cx="3647152" cy="369332"/>
+            <a:ext cx="3775393" cy="369332"/>
           </a:xfrm>
           <a:prstGeom prst="rect">
             <a:avLst/>
@@ -17313,8 +17294,8 @@
               <a:t>不用登入就可以瀏覽的</a:t>
             </a:r>
             <a:r>
-              <a:rPr lang="en-US" altLang="zh-TW" dirty="0" err="1" smtClean="0"/>
-              <a:t>marst</a:t>
+              <a:rPr lang="en-US" altLang="zh-TW" dirty="0"/>
+              <a:t>Master</a:t>
             </a:r>
             <a:r>
               <a:rPr lang="zh-TW" altLang="en-US" dirty="0" smtClean="0"/>
@@ -17687,7 +17668,7 @@
         <p:spPr>
           <a:xfrm>
             <a:off x="2855698" y="2041229"/>
-            <a:ext cx="3647152" cy="369332"/>
+            <a:ext cx="3775393" cy="369332"/>
           </a:xfrm>
           <a:prstGeom prst="rect">
             <a:avLst/>
@@ -17704,8 +17685,8 @@
               <a:t>不用登入就可以瀏覽的</a:t>
             </a:r>
             <a:r>
-              <a:rPr lang="en-US" altLang="zh-TW" dirty="0" err="1" smtClean="0"/>
-              <a:t>marst</a:t>
+              <a:rPr lang="en-US" altLang="zh-TW" dirty="0"/>
+              <a:t>Master</a:t>
             </a:r>
             <a:r>
               <a:rPr lang="zh-TW" altLang="en-US" dirty="0" smtClean="0"/>

--- a/投影片/4.實作-帳號註冊、登入網頁.pptx
+++ b/投影片/4.實作-帳號註冊、登入網頁.pptx
@@ -245,7 +245,7 @@
           <a:p>
             <a:fld id="{5B9B4E96-C3CE-45C2-9C7F-D52AA812C591}" type="datetimeFigureOut">
               <a:rPr lang="zh-TW" altLang="en-US" smtClean="0"/>
-              <a:t>2022/4/17</a:t>
+              <a:t>2022/5/3</a:t>
             </a:fld>
             <a:endParaRPr lang="zh-TW" altLang="en-US"/>
           </a:p>
@@ -631,7 +631,7 @@
           <a:p>
             <a:fld id="{31CDE89B-FBD9-4E23-BEEB-B0C8819124B3}" type="datetimeFigureOut">
               <a:rPr lang="zh-TW" altLang="en-US" smtClean="0"/>
-              <a:t>2022/4/17</a:t>
+              <a:t>2022/5/3</a:t>
             </a:fld>
             <a:endParaRPr lang="zh-TW" altLang="en-US"/>
           </a:p>
@@ -3502,7 +3502,7 @@
           <a:p>
             <a:fld id="{31CDE89B-FBD9-4E23-BEEB-B0C8819124B3}" type="datetimeFigureOut">
               <a:rPr lang="zh-TW" altLang="en-US" smtClean="0"/>
-              <a:t>2022/4/17</a:t>
+              <a:t>2022/5/3</a:t>
             </a:fld>
             <a:endParaRPr lang="zh-TW" altLang="en-US"/>
           </a:p>
@@ -3694,7 +3694,7 @@
           <a:p>
             <a:fld id="{31CDE89B-FBD9-4E23-BEEB-B0C8819124B3}" type="datetimeFigureOut">
               <a:rPr lang="zh-TW" altLang="en-US" smtClean="0"/>
-              <a:t>2022/4/17</a:t>
+              <a:t>2022/5/3</a:t>
             </a:fld>
             <a:endParaRPr lang="zh-TW" altLang="en-US"/>
           </a:p>
@@ -3890,7 +3890,7 @@
           <a:p>
             <a:fld id="{31CDE89B-FBD9-4E23-BEEB-B0C8819124B3}" type="datetimeFigureOut">
               <a:rPr lang="zh-TW" altLang="en-US" smtClean="0"/>
-              <a:t>2022/4/17</a:t>
+              <a:t>2022/5/3</a:t>
             </a:fld>
             <a:endParaRPr lang="zh-TW" altLang="en-US"/>
           </a:p>
@@ -4986,7 +4986,7 @@
           <a:p>
             <a:fld id="{31CDE89B-FBD9-4E23-BEEB-B0C8819124B3}" type="datetimeFigureOut">
               <a:rPr lang="zh-TW" altLang="en-US" smtClean="0"/>
-              <a:t>2022/4/17</a:t>
+              <a:t>2022/5/3</a:t>
             </a:fld>
             <a:endParaRPr lang="zh-TW" altLang="en-US"/>
           </a:p>
@@ -5235,7 +5235,7 @@
           <a:p>
             <a:fld id="{31CDE89B-FBD9-4E23-BEEB-B0C8819124B3}" type="datetimeFigureOut">
               <a:rPr lang="zh-TW" altLang="en-US" smtClean="0"/>
-              <a:t>2022/4/17</a:t>
+              <a:t>2022/5/3</a:t>
             </a:fld>
             <a:endParaRPr lang="zh-TW" altLang="en-US"/>
           </a:p>
@@ -5614,7 +5614,7 @@
           <a:p>
             <a:fld id="{31CDE89B-FBD9-4E23-BEEB-B0C8819124B3}" type="datetimeFigureOut">
               <a:rPr lang="zh-TW" altLang="en-US" smtClean="0"/>
-              <a:t>2022/4/17</a:t>
+              <a:t>2022/5/3</a:t>
             </a:fld>
             <a:endParaRPr lang="zh-TW" altLang="en-US"/>
           </a:p>
@@ -5744,7 +5744,7 @@
           <a:p>
             <a:fld id="{31CDE89B-FBD9-4E23-BEEB-B0C8819124B3}" type="datetimeFigureOut">
               <a:rPr lang="zh-TW" altLang="en-US" smtClean="0"/>
-              <a:t>2022/4/17</a:t>
+              <a:t>2022/5/3</a:t>
             </a:fld>
             <a:endParaRPr lang="zh-TW" altLang="en-US"/>
           </a:p>
@@ -5851,7 +5851,7 @@
           <a:p>
             <a:fld id="{31CDE89B-FBD9-4E23-BEEB-B0C8819124B3}" type="datetimeFigureOut">
               <a:rPr lang="zh-TW" altLang="en-US" smtClean="0"/>
-              <a:t>2022/4/17</a:t>
+              <a:t>2022/5/3</a:t>
             </a:fld>
             <a:endParaRPr lang="zh-TW" altLang="en-US"/>
           </a:p>
@@ -6140,7 +6140,7 @@
           <a:p>
             <a:fld id="{31CDE89B-FBD9-4E23-BEEB-B0C8819124B3}" type="datetimeFigureOut">
               <a:rPr lang="zh-TW" altLang="en-US" smtClean="0"/>
-              <a:t>2022/4/17</a:t>
+              <a:t>2022/5/3</a:t>
             </a:fld>
             <a:endParaRPr lang="zh-TW" altLang="en-US"/>
           </a:p>
@@ -6405,7 +6405,7 @@
           <a:p>
             <a:fld id="{31CDE89B-FBD9-4E23-BEEB-B0C8819124B3}" type="datetimeFigureOut">
               <a:rPr lang="zh-TW" altLang="en-US" smtClean="0"/>
-              <a:t>2022/4/17</a:t>
+              <a:t>2022/5/3</a:t>
             </a:fld>
             <a:endParaRPr lang="zh-TW" altLang="en-US"/>
           </a:p>
@@ -6630,7 +6630,7 @@
           <a:p>
             <a:fld id="{31CDE89B-FBD9-4E23-BEEB-B0C8819124B3}" type="datetimeFigureOut">
               <a:rPr lang="zh-TW" altLang="en-US" smtClean="0"/>
-              <a:t>2022/4/17</a:t>
+              <a:t>2022/5/3</a:t>
             </a:fld>
             <a:endParaRPr lang="zh-TW" altLang="en-US"/>
           </a:p>
@@ -11725,7 +11725,7 @@
       </p:sp>
       <p:pic>
         <p:nvPicPr>
-          <p:cNvPr id="4" name="內容版面配置區 3" descr="畫面剪輯"/>
+          <p:cNvPr id="7" name="內容版面配置區 6" descr="畫面剪輯"/>
           <p:cNvPicPr>
             <a:picLocks noGrp="1" noChangeAspect="1"/>
           </p:cNvPicPr>
@@ -11747,11 +11747,149 @@
         </p:blipFill>
         <p:spPr>
           <a:xfrm>
-            <a:off x="1151794" y="1214195"/>
-            <a:ext cx="8985738" cy="5566032"/>
+            <a:off x="1223931" y="1179985"/>
+            <a:ext cx="8752298" cy="5678016"/>
           </a:xfrm>
         </p:spPr>
       </p:pic>
+      <p:sp>
+        <p:nvSpPr>
+          <p:cNvPr id="8" name="矩形 7"/>
+          <p:cNvSpPr/>
+          <p:nvPr/>
+        </p:nvSpPr>
+        <p:spPr>
+          <a:xfrm>
+            <a:off x="1223930" y="1793630"/>
+            <a:ext cx="2108355" cy="140677"/>
+          </a:xfrm>
+          <a:prstGeom prst="rect">
+            <a:avLst/>
+          </a:prstGeom>
+          <a:noFill/>
+          <a:ln>
+            <a:solidFill>
+              <a:srgbClr val="FF0000"/>
+            </a:solidFill>
+          </a:ln>
+        </p:spPr>
+        <p:style>
+          <a:lnRef idx="2">
+            <a:schemeClr val="accent1">
+              <a:shade val="50000"/>
+            </a:schemeClr>
+          </a:lnRef>
+          <a:fillRef idx="1">
+            <a:schemeClr val="accent1"/>
+          </a:fillRef>
+          <a:effectRef idx="0">
+            <a:schemeClr val="accent1"/>
+          </a:effectRef>
+          <a:fontRef idx="minor">
+            <a:schemeClr val="lt1"/>
+          </a:fontRef>
+        </p:style>
+        <p:txBody>
+          <a:bodyPr rtlCol="0" anchor="ctr"/>
+          <a:lstStyle/>
+          <a:p>
+            <a:pPr algn="ctr"/>
+            <a:endParaRPr lang="zh-TW" altLang="en-US"/>
+          </a:p>
+        </p:txBody>
+      </p:sp>
+      <p:sp>
+        <p:nvSpPr>
+          <p:cNvPr id="9" name="矩形 8"/>
+          <p:cNvSpPr/>
+          <p:nvPr/>
+        </p:nvSpPr>
+        <p:spPr>
+          <a:xfrm>
+            <a:off x="2501746" y="5172806"/>
+            <a:ext cx="3969392" cy="296009"/>
+          </a:xfrm>
+          <a:prstGeom prst="rect">
+            <a:avLst/>
+          </a:prstGeom>
+          <a:noFill/>
+          <a:ln>
+            <a:solidFill>
+              <a:srgbClr val="FF0000"/>
+            </a:solidFill>
+          </a:ln>
+        </p:spPr>
+        <p:style>
+          <a:lnRef idx="2">
+            <a:schemeClr val="accent1">
+              <a:shade val="50000"/>
+            </a:schemeClr>
+          </a:lnRef>
+          <a:fillRef idx="1">
+            <a:schemeClr val="accent1"/>
+          </a:fillRef>
+          <a:effectRef idx="0">
+            <a:schemeClr val="accent1"/>
+          </a:effectRef>
+          <a:fontRef idx="minor">
+            <a:schemeClr val="lt1"/>
+          </a:fontRef>
+        </p:style>
+        <p:txBody>
+          <a:bodyPr rtlCol="0" anchor="ctr"/>
+          <a:lstStyle/>
+          <a:p>
+            <a:pPr algn="ctr"/>
+            <a:endParaRPr lang="zh-TW" altLang="en-US"/>
+          </a:p>
+        </p:txBody>
+      </p:sp>
+      <p:sp>
+        <p:nvSpPr>
+          <p:cNvPr id="10" name="矩形 9"/>
+          <p:cNvSpPr/>
+          <p:nvPr/>
+        </p:nvSpPr>
+        <p:spPr>
+          <a:xfrm>
+            <a:off x="2501746" y="5684226"/>
+            <a:ext cx="3969392" cy="162659"/>
+          </a:xfrm>
+          <a:prstGeom prst="rect">
+            <a:avLst/>
+          </a:prstGeom>
+          <a:noFill/>
+          <a:ln>
+            <a:solidFill>
+              <a:srgbClr val="FF0000"/>
+            </a:solidFill>
+          </a:ln>
+        </p:spPr>
+        <p:style>
+          <a:lnRef idx="2">
+            <a:schemeClr val="accent1">
+              <a:shade val="50000"/>
+            </a:schemeClr>
+          </a:lnRef>
+          <a:fillRef idx="1">
+            <a:schemeClr val="accent1"/>
+          </a:fillRef>
+          <a:effectRef idx="0">
+            <a:schemeClr val="accent1"/>
+          </a:effectRef>
+          <a:fontRef idx="minor">
+            <a:schemeClr val="lt1"/>
+          </a:fontRef>
+        </p:style>
+        <p:txBody>
+          <a:bodyPr rtlCol="0" anchor="ctr"/>
+          <a:lstStyle/>
+          <a:p>
+            <a:pPr algn="ctr"/>
+            <a:endParaRPr lang="zh-TW" altLang="en-US"/>
+          </a:p>
+        </p:txBody>
+      </p:sp>
     </p:spTree>
     <p:extLst>
       <p:ext uri="{BB962C8B-B14F-4D97-AF65-F5344CB8AC3E}">
